--- a/Test Configurations/Test Geometries.pptx
+++ b/Test Configurations/Test Geometries.pptx
@@ -8,6 +8,16 @@
     <p:sldId id="256" r:id="rId2"/>
     <p:sldId id="258" r:id="rId3"/>
     <p:sldId id="257" r:id="rId4"/>
+    <p:sldId id="259" r:id="rId5"/>
+    <p:sldId id="260" r:id="rId6"/>
+    <p:sldId id="261" r:id="rId7"/>
+    <p:sldId id="262" r:id="rId8"/>
+    <p:sldId id="263" r:id="rId9"/>
+    <p:sldId id="264" r:id="rId10"/>
+    <p:sldId id="265" r:id="rId11"/>
+    <p:sldId id="266" r:id="rId12"/>
+    <p:sldId id="267" r:id="rId13"/>
+    <p:sldId id="268" r:id="rId14"/>
   </p:sldIdLst>
   <p:sldSz cx="9144000" cy="6858000" type="screen4x3"/>
   <p:notesSz cx="6858000" cy="9144000"/>
@@ -290,7 +300,7 @@
           <a:p>
             <a:fld id="{AA309A6D-C09C-4548-B29A-6CF363A7E532}" type="datetimeFigureOut">
               <a:rPr lang="fr-FR" smtClean="0"/>
-              <a:t>18/05/2018</a:t>
+              <a:t>14/06/2018</a:t>
             </a:fld>
             <a:endParaRPr lang="fr-BE"/>
           </a:p>
@@ -455,7 +465,7 @@
           <a:p>
             <a:fld id="{AA309A6D-C09C-4548-B29A-6CF363A7E532}" type="datetimeFigureOut">
               <a:rPr lang="fr-FR" smtClean="0"/>
-              <a:t>18/05/2018</a:t>
+              <a:t>14/06/2018</a:t>
             </a:fld>
             <a:endParaRPr lang="fr-BE"/>
           </a:p>
@@ -630,7 +640,7 @@
           <a:p>
             <a:fld id="{AA309A6D-C09C-4548-B29A-6CF363A7E532}" type="datetimeFigureOut">
               <a:rPr lang="fr-FR" smtClean="0"/>
-              <a:t>18/05/2018</a:t>
+              <a:t>14/06/2018</a:t>
             </a:fld>
             <a:endParaRPr lang="fr-BE"/>
           </a:p>
@@ -795,7 +805,7 @@
           <a:p>
             <a:fld id="{AA309A6D-C09C-4548-B29A-6CF363A7E532}" type="datetimeFigureOut">
               <a:rPr lang="fr-FR" smtClean="0"/>
-              <a:t>18/05/2018</a:t>
+              <a:t>14/06/2018</a:t>
             </a:fld>
             <a:endParaRPr lang="fr-BE"/>
           </a:p>
@@ -1036,7 +1046,7 @@
           <a:p>
             <a:fld id="{AA309A6D-C09C-4548-B29A-6CF363A7E532}" type="datetimeFigureOut">
               <a:rPr lang="fr-FR" smtClean="0"/>
-              <a:t>18/05/2018</a:t>
+              <a:t>14/06/2018</a:t>
             </a:fld>
             <a:endParaRPr lang="fr-BE"/>
           </a:p>
@@ -1319,7 +1329,7 @@
           <a:p>
             <a:fld id="{AA309A6D-C09C-4548-B29A-6CF363A7E532}" type="datetimeFigureOut">
               <a:rPr lang="fr-FR" smtClean="0"/>
-              <a:t>18/05/2018</a:t>
+              <a:t>14/06/2018</a:t>
             </a:fld>
             <a:endParaRPr lang="fr-BE"/>
           </a:p>
@@ -1736,7 +1746,7 @@
           <a:p>
             <a:fld id="{AA309A6D-C09C-4548-B29A-6CF363A7E532}" type="datetimeFigureOut">
               <a:rPr lang="fr-FR" smtClean="0"/>
-              <a:t>18/05/2018</a:t>
+              <a:t>14/06/2018</a:t>
             </a:fld>
             <a:endParaRPr lang="fr-BE"/>
           </a:p>
@@ -1849,7 +1859,7 @@
           <a:p>
             <a:fld id="{AA309A6D-C09C-4548-B29A-6CF363A7E532}" type="datetimeFigureOut">
               <a:rPr lang="fr-FR" smtClean="0"/>
-              <a:t>18/05/2018</a:t>
+              <a:t>14/06/2018</a:t>
             </a:fld>
             <a:endParaRPr lang="fr-BE"/>
           </a:p>
@@ -1939,7 +1949,7 @@
           <a:p>
             <a:fld id="{AA309A6D-C09C-4548-B29A-6CF363A7E532}" type="datetimeFigureOut">
               <a:rPr lang="fr-FR" smtClean="0"/>
-              <a:t>18/05/2018</a:t>
+              <a:t>14/06/2018</a:t>
             </a:fld>
             <a:endParaRPr lang="fr-BE"/>
           </a:p>
@@ -2211,7 +2221,7 @@
           <a:p>
             <a:fld id="{AA309A6D-C09C-4548-B29A-6CF363A7E532}" type="datetimeFigureOut">
               <a:rPr lang="fr-FR" smtClean="0"/>
-              <a:t>18/05/2018</a:t>
+              <a:t>14/06/2018</a:t>
             </a:fld>
             <a:endParaRPr lang="fr-BE"/>
           </a:p>
@@ -2459,7 +2469,7 @@
           <a:p>
             <a:fld id="{AA309A6D-C09C-4548-B29A-6CF363A7E532}" type="datetimeFigureOut">
               <a:rPr lang="fr-FR" smtClean="0"/>
-              <a:t>18/05/2018</a:t>
+              <a:t>14/06/2018</a:t>
             </a:fld>
             <a:endParaRPr lang="fr-BE"/>
           </a:p>
@@ -2667,7 +2677,7 @@
           <a:p>
             <a:fld id="{AA309A6D-C09C-4548-B29A-6CF363A7E532}" type="datetimeFigureOut">
               <a:rPr lang="fr-FR" smtClean="0"/>
-              <a:t>18/05/2018</a:t>
+              <a:t>14/06/2018</a:t>
             </a:fld>
             <a:endParaRPr lang="fr-BE"/>
           </a:p>
@@ -3045,7 +3055,7 @@
         </p:nvSpPr>
         <p:spPr>
           <a:xfrm>
-            <a:off x="2339752" y="2765688"/>
+            <a:off x="2339752" y="1818551"/>
             <a:ext cx="620683" cy="261610"/>
           </a:xfrm>
           <a:prstGeom prst="rect">
@@ -3075,7 +3085,7 @@
         </p:nvSpPr>
         <p:spPr>
           <a:xfrm>
-            <a:off x="6444208" y="2708920"/>
+            <a:off x="6444208" y="1761783"/>
             <a:ext cx="864096" cy="1207566"/>
           </a:xfrm>
           <a:prstGeom prst="rect">
@@ -3130,7 +3140,12 @@
             <p:ph type="title"/>
           </p:nvPr>
         </p:nvSpPr>
-        <p:spPr/>
+        <p:spPr>
+          <a:xfrm>
+            <a:off x="457200" y="-243408"/>
+            <a:ext cx="8229600" cy="1143000"/>
+          </a:xfrm>
+        </p:spPr>
         <p:txBody>
           <a:bodyPr/>
           <a:lstStyle/>
@@ -3163,7 +3178,7 @@
         </p:nvCxnSpPr>
         <p:spPr>
           <a:xfrm>
-            <a:off x="2622900" y="1844824"/>
+            <a:off x="2622900" y="897687"/>
             <a:ext cx="0" cy="864096"/>
           </a:xfrm>
           <a:prstGeom prst="line">
@@ -3201,7 +3216,7 @@
         </p:nvCxnSpPr>
         <p:spPr>
           <a:xfrm>
-            <a:off x="1475656" y="2708920"/>
+            <a:off x="1475656" y="1761783"/>
             <a:ext cx="0" cy="786050"/>
           </a:xfrm>
           <a:prstGeom prst="line">
@@ -3239,7 +3254,7 @@
         </p:nvCxnSpPr>
         <p:spPr>
           <a:xfrm>
-            <a:off x="1475656" y="2708920"/>
+            <a:off x="1475656" y="1761783"/>
             <a:ext cx="1152128" cy="0"/>
           </a:xfrm>
           <a:prstGeom prst="line">
@@ -3277,7 +3292,7 @@
         </p:nvCxnSpPr>
         <p:spPr>
           <a:xfrm>
-            <a:off x="1470772" y="4005064"/>
+            <a:off x="1470772" y="3057927"/>
             <a:ext cx="1152128" cy="0"/>
           </a:xfrm>
           <a:prstGeom prst="line">
@@ -3315,7 +3330,7 @@
         </p:nvCxnSpPr>
         <p:spPr>
           <a:xfrm>
-            <a:off x="2629404" y="4005064"/>
+            <a:off x="2629404" y="3057927"/>
             <a:ext cx="0" cy="864096"/>
           </a:xfrm>
           <a:prstGeom prst="line">
@@ -3353,7 +3368,7 @@
         </p:nvCxnSpPr>
         <p:spPr>
           <a:xfrm>
-            <a:off x="2339752" y="2708920"/>
+            <a:off x="2339752" y="1761783"/>
             <a:ext cx="0" cy="1008112"/>
           </a:xfrm>
           <a:prstGeom prst="line">
@@ -3388,7 +3403,7 @@
         </p:nvCxnSpPr>
         <p:spPr>
           <a:xfrm flipH="1">
-            <a:off x="1470772" y="3717032"/>
+            <a:off x="1470772" y="2769895"/>
             <a:ext cx="868980" cy="0"/>
           </a:xfrm>
           <a:prstGeom prst="line">
@@ -3423,7 +3438,7 @@
         </p:nvCxnSpPr>
         <p:spPr>
           <a:xfrm>
-            <a:off x="1475656" y="3825999"/>
+            <a:off x="1475656" y="2878862"/>
             <a:ext cx="0" cy="180975"/>
           </a:xfrm>
           <a:prstGeom prst="line">
@@ -3461,7 +3476,7 @@
         </p:nvCxnSpPr>
         <p:spPr>
           <a:xfrm>
-            <a:off x="2915816" y="1844824"/>
+            <a:off x="2915816" y="897687"/>
             <a:ext cx="0" cy="3024336"/>
           </a:xfrm>
           <a:prstGeom prst="line">
@@ -3496,8 +3511,8 @@
         </p:nvSpPr>
         <p:spPr>
           <a:xfrm>
-            <a:off x="3275856" y="1926228"/>
-            <a:ext cx="2299797" cy="369332"/>
+            <a:off x="3203848" y="979091"/>
+            <a:ext cx="2510111" cy="369332"/>
           </a:xfrm>
           <a:prstGeom prst="rect">
             <a:avLst/>
@@ -3532,7 +3547,15 @@
                   <a:schemeClr val="tx2"/>
                 </a:solidFill>
               </a:rPr>
-              <a:t> x=</a:t>
+              <a:t> </a:t>
+            </a:r>
+            <a:r>
+              <a:rPr lang="fr-FR" dirty="0" smtClean="0">
+                <a:solidFill>
+                  <a:schemeClr val="tx2"/>
+                </a:solidFill>
+              </a:rPr>
+              <a:t>x=</a:t>
             </a:r>
             <a:r>
               <a:rPr lang="fr-FR" dirty="0" err="1" smtClean="0">
@@ -3540,7 +3563,7 @@
                   <a:schemeClr val="tx2"/>
                 </a:solidFill>
               </a:rPr>
-              <a:t>x_edge</a:t>
+              <a:t>x_plasma</a:t>
             </a:r>
             <a:endParaRPr lang="fr-FR" dirty="0">
               <a:solidFill>
@@ -3558,7 +3581,7 @@
         </p:nvSpPr>
         <p:spPr>
           <a:xfrm>
-            <a:off x="1835696" y="3645024"/>
+            <a:off x="1835696" y="2697887"/>
             <a:ext cx="921855" cy="369332"/>
           </a:xfrm>
           <a:prstGeom prst="rect">
@@ -3588,7 +3611,7 @@
         </p:nvCxnSpPr>
         <p:spPr>
           <a:xfrm>
-            <a:off x="2629404" y="3496404"/>
+            <a:off x="2629404" y="2549267"/>
             <a:ext cx="327156" cy="0"/>
           </a:xfrm>
           <a:prstGeom prst="straightConnector1">
@@ -3627,7 +3650,7 @@
         </p:nvCxnSpPr>
         <p:spPr>
           <a:xfrm flipV="1">
-            <a:off x="2629404" y="3208372"/>
+            <a:off x="2629404" y="2261235"/>
             <a:ext cx="0" cy="288032"/>
           </a:xfrm>
           <a:prstGeom prst="straightConnector1">
@@ -3666,7 +3689,7 @@
         </p:nvSpPr>
         <p:spPr>
           <a:xfrm>
-            <a:off x="2991804" y="3311738"/>
+            <a:off x="2991804" y="2364601"/>
             <a:ext cx="284052" cy="369332"/>
           </a:xfrm>
           <a:prstGeom prst="rect">
@@ -3696,7 +3719,7 @@
         </p:nvSpPr>
         <p:spPr>
           <a:xfrm>
-            <a:off x="2473499" y="2839040"/>
+            <a:off x="2473499" y="1891903"/>
             <a:ext cx="288862" cy="369332"/>
           </a:xfrm>
           <a:prstGeom prst="rect">
@@ -3726,7 +3749,7 @@
         </p:nvSpPr>
         <p:spPr>
           <a:xfrm>
-            <a:off x="6660232" y="2715776"/>
+            <a:off x="6660232" y="1768639"/>
             <a:ext cx="417799" cy="1008112"/>
           </a:xfrm>
           <a:prstGeom prst="rect">
@@ -3777,7 +3800,7 @@
         </p:nvCxnSpPr>
         <p:spPr>
           <a:xfrm>
-            <a:off x="6660232" y="2492896"/>
+            <a:off x="6660232" y="1545759"/>
             <a:ext cx="417799" cy="0"/>
           </a:xfrm>
           <a:prstGeom prst="straightConnector1">
@@ -3817,7 +3840,7 @@
         </p:nvCxnSpPr>
         <p:spPr>
           <a:xfrm>
-            <a:off x="6470084" y="4149080"/>
+            <a:off x="6470084" y="3201943"/>
             <a:ext cx="838220" cy="0"/>
           </a:xfrm>
           <a:prstGeom prst="straightConnector1">
@@ -3857,7 +3880,7 @@
         </p:nvCxnSpPr>
         <p:spPr>
           <a:xfrm flipV="1">
-            <a:off x="7596336" y="2715776"/>
+            <a:off x="7596336" y="1768639"/>
             <a:ext cx="0" cy="1008112"/>
           </a:xfrm>
           <a:prstGeom prst="straightConnector1">
@@ -3897,7 +3920,7 @@
         </p:nvSpPr>
         <p:spPr>
           <a:xfrm>
-            <a:off x="6444208" y="2060848"/>
+            <a:off x="6444208" y="1113711"/>
             <a:ext cx="937180" cy="369332"/>
           </a:xfrm>
           <a:prstGeom prst="rect">
@@ -3927,7 +3950,7 @@
         </p:nvCxnSpPr>
         <p:spPr>
           <a:xfrm>
-            <a:off x="6869131" y="3496404"/>
+            <a:off x="6869131" y="2549267"/>
             <a:ext cx="327156" cy="0"/>
           </a:xfrm>
           <a:prstGeom prst="straightConnector1">
@@ -3966,7 +3989,7 @@
         </p:nvCxnSpPr>
         <p:spPr>
           <a:xfrm flipV="1">
-            <a:off x="6869131" y="3208372"/>
+            <a:off x="6869131" y="2261235"/>
             <a:ext cx="0" cy="288032"/>
           </a:xfrm>
           <a:prstGeom prst="straightConnector1">
@@ -4005,7 +4028,7 @@
         </p:nvSpPr>
         <p:spPr>
           <a:xfrm>
-            <a:off x="7231531" y="3311738"/>
+            <a:off x="7231531" y="2364601"/>
             <a:ext cx="284052" cy="369332"/>
           </a:xfrm>
           <a:prstGeom prst="rect">
@@ -4035,7 +4058,7 @@
         </p:nvSpPr>
         <p:spPr>
           <a:xfrm>
-            <a:off x="6713226" y="2839040"/>
+            <a:off x="6713226" y="1891903"/>
             <a:ext cx="288862" cy="369332"/>
           </a:xfrm>
           <a:prstGeom prst="rect">
@@ -4065,7 +4088,7 @@
         </p:nvSpPr>
         <p:spPr>
           <a:xfrm>
-            <a:off x="7740352" y="3023706"/>
+            <a:off x="7740352" y="2076569"/>
             <a:ext cx="893899" cy="369332"/>
           </a:xfrm>
           <a:prstGeom prst="rect">
@@ -4095,7 +4118,7 @@
         </p:nvCxnSpPr>
         <p:spPr>
           <a:xfrm flipV="1">
-            <a:off x="6012160" y="2730604"/>
+            <a:off x="6012160" y="1783467"/>
             <a:ext cx="0" cy="1185882"/>
           </a:xfrm>
           <a:prstGeom prst="straightConnector1">
@@ -4135,7 +4158,7 @@
         </p:nvSpPr>
         <p:spPr>
           <a:xfrm>
-            <a:off x="5195420" y="3125638"/>
+            <a:off x="5195420" y="2178501"/>
             <a:ext cx="760465" cy="369332"/>
           </a:xfrm>
           <a:prstGeom prst="rect">
@@ -4165,7 +4188,7 @@
         </p:nvSpPr>
         <p:spPr>
           <a:xfrm>
-            <a:off x="6530762" y="4252446"/>
+            <a:off x="6530762" y="3305309"/>
             <a:ext cx="803746" cy="369332"/>
           </a:xfrm>
           <a:prstGeom prst="rect">
@@ -4195,7 +4218,7 @@
         </p:nvCxnSpPr>
         <p:spPr>
           <a:xfrm>
-            <a:off x="1475656" y="4365104"/>
+            <a:off x="1475656" y="3417967"/>
             <a:ext cx="1131520" cy="0"/>
           </a:xfrm>
           <a:prstGeom prst="straightConnector1">
@@ -4235,7 +4258,7 @@
         </p:nvCxnSpPr>
         <p:spPr>
           <a:xfrm>
-            <a:off x="2411760" y="2803788"/>
+            <a:off x="2411760" y="1856651"/>
             <a:ext cx="217644" cy="0"/>
           </a:xfrm>
           <a:prstGeom prst="straightConnector1">
@@ -4275,7 +4298,7 @@
         </p:nvSpPr>
         <p:spPr>
           <a:xfrm>
-            <a:off x="1713034" y="4437112"/>
+            <a:off x="1713034" y="3489975"/>
             <a:ext cx="760465" cy="369332"/>
           </a:xfrm>
           <a:prstGeom prst="rect">
@@ -4305,7 +4328,7 @@
         </p:nvSpPr>
         <p:spPr>
           <a:xfrm>
-            <a:off x="1127958" y="1783849"/>
+            <a:off x="1127958" y="836712"/>
             <a:ext cx="1373005" cy="646331"/>
           </a:xfrm>
           <a:prstGeom prst="rect">
@@ -4351,7 +4374,7 @@
         </p:nvSpPr>
         <p:spPr>
           <a:xfrm>
-            <a:off x="2195736" y="2715776"/>
+            <a:off x="2195736" y="1768639"/>
             <a:ext cx="147527" cy="1008112"/>
           </a:xfrm>
           <a:prstGeom prst="rect">
@@ -4402,7 +4425,7 @@
         </p:nvSpPr>
         <p:spPr>
           <a:xfrm>
-            <a:off x="1331641" y="3573016"/>
+            <a:off x="1331641" y="2625879"/>
             <a:ext cx="864095" cy="150872"/>
           </a:xfrm>
           <a:prstGeom prst="rect">
@@ -4453,7 +4476,7 @@
         </p:nvCxnSpPr>
         <p:spPr>
           <a:xfrm>
-            <a:off x="2032158" y="3212976"/>
+            <a:off x="2032158" y="2265839"/>
             <a:ext cx="163578" cy="0"/>
           </a:xfrm>
           <a:prstGeom prst="straightConnector1">
@@ -4494,7 +4517,7 @@
         </p:nvCxnSpPr>
         <p:spPr>
           <a:xfrm flipH="1">
-            <a:off x="2343263" y="3219832"/>
+            <a:off x="2343263" y="2272695"/>
             <a:ext cx="157700" cy="0"/>
           </a:xfrm>
           <a:prstGeom prst="straightConnector1">
@@ -4533,7 +4556,7 @@
         </p:nvSpPr>
         <p:spPr>
           <a:xfrm>
-            <a:off x="1494554" y="3086333"/>
+            <a:off x="1494554" y="2139196"/>
             <a:ext cx="617477" cy="261610"/>
           </a:xfrm>
           <a:prstGeom prst="rect">
@@ -4563,7 +4586,7 @@
         </p:nvCxnSpPr>
         <p:spPr>
           <a:xfrm>
-            <a:off x="6439674" y="2636912"/>
+            <a:off x="6439674" y="1689775"/>
             <a:ext cx="220558" cy="0"/>
           </a:xfrm>
           <a:prstGeom prst="straightConnector1">
@@ -4603,7 +4626,7 @@
         </p:nvSpPr>
         <p:spPr>
           <a:xfrm>
-            <a:off x="6084168" y="2375302"/>
+            <a:off x="6084168" y="1428165"/>
             <a:ext cx="561372" cy="261610"/>
           </a:xfrm>
           <a:prstGeom prst="rect">
@@ -4622,6 +4645,250 @@
               <a:t>d_wall</a:t>
             </a:r>
             <a:endParaRPr lang="fr-FR" sz="1100" dirty="0"/>
+          </a:p>
+        </p:txBody>
+      </p:sp>
+      <p:sp>
+        <p:nvSpPr>
+          <p:cNvPr id="47" name="Rectangle 46"/>
+          <p:cNvSpPr/>
+          <p:nvPr/>
+        </p:nvSpPr>
+        <p:spPr>
+          <a:xfrm>
+            <a:off x="395536" y="3995678"/>
+            <a:ext cx="8640960" cy="2862322"/>
+          </a:xfrm>
+          <a:prstGeom prst="rect">
+            <a:avLst/>
+          </a:prstGeom>
+        </p:spPr>
+        <p:txBody>
+          <a:bodyPr wrap="square">
+            <a:spAutoFit/>
+          </a:bodyPr>
+          <a:lstStyle/>
+          <a:p>
+            <a:r>
+              <a:rPr lang="fr-FR" sz="1200" b="1" dirty="0"/>
+              <a:t>Name	Value	Unit	"</a:t>
+            </a:r>
+            <a:r>
+              <a:rPr lang="fr-FR" sz="1200" b="1" dirty="0" err="1"/>
+              <a:t>Evaluated</a:t>
+            </a:r>
+            <a:r>
+              <a:rPr lang="fr-FR" sz="1200" b="1" dirty="0"/>
+              <a:t> Value"	Type</a:t>
+            </a:r>
+          </a:p>
+          <a:p>
+            <a:r>
+              <a:rPr lang="fr-FR" sz="1200" dirty="0" err="1"/>
+              <a:t>D_strap</a:t>
+            </a:r>
+            <a:r>
+              <a:rPr lang="fr-FR" sz="1200" dirty="0"/>
+              <a:t>	40	mm	40mm	Design</a:t>
+            </a:r>
+          </a:p>
+          <a:p>
+            <a:r>
+              <a:rPr lang="fr-FR" sz="1200" dirty="0" err="1"/>
+              <a:t>e_strap</a:t>
+            </a:r>
+            <a:r>
+              <a:rPr lang="fr-FR" sz="1200" dirty="0"/>
+              <a:t>	15	mm	15mm	Design</a:t>
+            </a:r>
+          </a:p>
+          <a:p>
+            <a:r>
+              <a:rPr lang="fr-FR" sz="1200" dirty="0" err="1"/>
+              <a:t>w_strap</a:t>
+            </a:r>
+            <a:r>
+              <a:rPr lang="fr-FR" sz="1200" dirty="0"/>
+              <a:t>	120	mm	120mm	Design</a:t>
+            </a:r>
+          </a:p>
+          <a:p>
+            <a:r>
+              <a:rPr lang="fr-FR" sz="1200" dirty="0" err="1"/>
+              <a:t>h_strap</a:t>
+            </a:r>
+            <a:r>
+              <a:rPr lang="fr-FR" sz="1200" dirty="0"/>
+              <a:t>	200	mm	200mm	Design</a:t>
+            </a:r>
+          </a:p>
+          <a:p>
+            <a:r>
+              <a:rPr lang="fr-FR" sz="1200" dirty="0" err="1"/>
+              <a:t>w_box</a:t>
+            </a:r>
+            <a:r>
+              <a:rPr lang="fr-FR" sz="1200" dirty="0"/>
+              <a:t>	200	mm	200mm	Design</a:t>
+            </a:r>
+          </a:p>
+          <a:p>
+            <a:r>
+              <a:rPr lang="fr-FR" sz="1200" dirty="0" err="1"/>
+              <a:t>d_box</a:t>
+            </a:r>
+            <a:r>
+              <a:rPr lang="fr-FR" sz="1200" dirty="0"/>
+              <a:t>	160	mm	160mm	Design</a:t>
+            </a:r>
+          </a:p>
+          <a:p>
+            <a:r>
+              <a:rPr lang="fr-FR" sz="1200" dirty="0" err="1"/>
+              <a:t>h_box</a:t>
+            </a:r>
+            <a:r>
+              <a:rPr lang="fr-FR" sz="1200" dirty="0"/>
+              <a:t>	250	mm	250mm	Design</a:t>
+            </a:r>
+          </a:p>
+          <a:p>
+            <a:r>
+              <a:rPr lang="fr-FR" sz="1200" dirty="0" err="1"/>
+              <a:t>x_plasma</a:t>
+            </a:r>
+            <a:r>
+              <a:rPr lang="fr-FR" sz="1200" dirty="0"/>
+              <a:t>	10	mm	10mm	Design</a:t>
+            </a:r>
+          </a:p>
+          <a:p>
+            <a:r>
+              <a:rPr lang="fr-FR" sz="1200" dirty="0" err="1"/>
+              <a:t>w_vacuum</a:t>
+            </a:r>
+            <a:r>
+              <a:rPr lang="fr-FR" sz="1200" dirty="0"/>
+              <a:t>	550	mm	550mm	Design</a:t>
+            </a:r>
+          </a:p>
+          <a:p>
+            <a:r>
+              <a:rPr lang="fr-FR" sz="1200" dirty="0" err="1"/>
+              <a:t>h_vacuum</a:t>
+            </a:r>
+            <a:r>
+              <a:rPr lang="fr-FR" sz="1200" dirty="0"/>
+              <a:t>	800	mm	800mm	Design</a:t>
+            </a:r>
+          </a:p>
+          <a:p>
+            <a:r>
+              <a:rPr lang="fr-FR" sz="1200" dirty="0" err="1"/>
+              <a:t>d_vacuum</a:t>
+            </a:r>
+            <a:r>
+              <a:rPr lang="fr-FR" sz="1200" dirty="0"/>
+              <a:t>	400	mm	400mm	Design</a:t>
+            </a:r>
+          </a:p>
+          <a:p>
+            <a:r>
+              <a:rPr lang="fr-FR" sz="1200" dirty="0" err="1"/>
+              <a:t>d_plasma</a:t>
+            </a:r>
+            <a:r>
+              <a:rPr lang="fr-FR" sz="1200" dirty="0"/>
+              <a:t>	"</a:t>
+            </a:r>
+            <a:r>
+              <a:rPr lang="fr-FR" sz="1200" dirty="0" err="1"/>
+              <a:t>d_vacuum</a:t>
+            </a:r>
+            <a:r>
+              <a:rPr lang="fr-FR" sz="1200" dirty="0"/>
+              <a:t> -</a:t>
+            </a:r>
+            <a:r>
+              <a:rPr lang="fr-FR" sz="1200" dirty="0" err="1"/>
+              <a:t>x_plasma</a:t>
+            </a:r>
+            <a:r>
+              <a:rPr lang="fr-FR" sz="1200" dirty="0"/>
+              <a:t>"		390mm	Design</a:t>
+            </a:r>
+          </a:p>
+          <a:p>
+            <a:r>
+              <a:rPr lang="fr-FR" sz="1200" dirty="0" err="1"/>
+              <a:t>h_plasma</a:t>
+            </a:r>
+            <a:r>
+              <a:rPr lang="fr-FR" sz="1200" dirty="0"/>
+              <a:t>	</a:t>
+            </a:r>
+            <a:r>
+              <a:rPr lang="fr-FR" sz="1200" dirty="0" err="1"/>
+              <a:t>h_vacuum</a:t>
+            </a:r>
+            <a:r>
+              <a:rPr lang="fr-FR" sz="1200" dirty="0"/>
+              <a:t>		800mm	Design</a:t>
+            </a:r>
+          </a:p>
+          <a:p>
+            <a:r>
+              <a:rPr lang="fr-FR" sz="1200" dirty="0" err="1"/>
+              <a:t>w_plasma</a:t>
+            </a:r>
+            <a:r>
+              <a:rPr lang="fr-FR" sz="1200" dirty="0"/>
+              <a:t>	</a:t>
+            </a:r>
+            <a:r>
+              <a:rPr lang="fr-FR" sz="1200" dirty="0" err="1"/>
+              <a:t>w_vacuum</a:t>
+            </a:r>
+            <a:r>
+              <a:rPr lang="fr-FR" sz="1200" dirty="0"/>
+              <a:t>		550mm	Design</a:t>
+            </a:r>
+          </a:p>
+        </p:txBody>
+      </p:sp>
+      <p:sp>
+        <p:nvSpPr>
+          <p:cNvPr id="9" name="ZoneTexte 8"/>
+          <p:cNvSpPr txBox="1"/>
+          <p:nvPr/>
+        </p:nvSpPr>
+        <p:spPr>
+          <a:xfrm>
+            <a:off x="6416820" y="4132133"/>
+            <a:ext cx="1231427" cy="646331"/>
+          </a:xfrm>
+          <a:prstGeom prst="rect">
+            <a:avLst/>
+          </a:prstGeom>
+          <a:noFill/>
+        </p:spPr>
+        <p:txBody>
+          <a:bodyPr wrap="none" rtlCol="0">
+            <a:spAutoFit/>
+          </a:bodyPr>
+          <a:lstStyle/>
+          <a:p>
+            <a:r>
+              <a:rPr lang="fr-FR" dirty="0" smtClean="0"/>
+              <a:t>F = 50 MHz</a:t>
+            </a:r>
+          </a:p>
+          <a:p>
+            <a:r>
+              <a:rPr lang="fr-FR" dirty="0" smtClean="0"/>
+              <a:t>I = 1 A</a:t>
+            </a:r>
+            <a:endParaRPr lang="fr-FR" dirty="0"/>
           </a:p>
         </p:txBody>
       </p:sp>
@@ -4629,6 +4896,2258 @@
     <p:extLst>
       <p:ext uri="{BB962C8B-B14F-4D97-AF65-F5344CB8AC3E}">
         <p14:creationId xmlns:p14="http://schemas.microsoft.com/office/powerpoint/2010/main" val="1080143751"/>
+      </p:ext>
+    </p:extLst>
+  </p:cSld>
+  <p:clrMapOvr>
+    <a:masterClrMapping/>
+  </p:clrMapOvr>
+</p:sld>
+</file>
+
+<file path=ppt/slides/slide10.xml><?xml version="1.0" encoding="utf-8"?>
+<p:sld xmlns:a="http://schemas.openxmlformats.org/drawingml/2006/main" xmlns:r="http://schemas.openxmlformats.org/officeDocument/2006/relationships" xmlns:p="http://schemas.openxmlformats.org/presentationml/2006/main">
+  <p:cSld>
+    <p:spTree>
+      <p:nvGrpSpPr>
+        <p:cNvPr id="1" name=""/>
+        <p:cNvGrpSpPr/>
+        <p:nvPr/>
+      </p:nvGrpSpPr>
+      <p:grpSpPr>
+        <a:xfrm>
+          <a:off x="0" y="0"/>
+          <a:ext cx="0" cy="0"/>
+          <a:chOff x="0" y="0"/>
+          <a:chExt cx="0" cy="0"/>
+        </a:xfrm>
+      </p:grpSpPr>
+      <p:sp>
+        <p:nvSpPr>
+          <p:cNvPr id="2" name="Titre 1"/>
+          <p:cNvSpPr>
+            <a:spLocks noGrp="1"/>
+          </p:cNvSpPr>
+          <p:nvPr>
+            <p:ph type="title"/>
+          </p:nvPr>
+        </p:nvSpPr>
+        <p:spPr/>
+        <p:txBody>
+          <a:bodyPr/>
+          <a:lstStyle/>
+          <a:p>
+            <a:r>
+              <a:rPr lang="fr-FR" dirty="0" smtClean="0"/>
+              <a:t>Plasma Configuration</a:t>
+            </a:r>
+            <a:endParaRPr lang="fr-FR" dirty="0"/>
+          </a:p>
+        </p:txBody>
+      </p:sp>
+      <p:sp>
+        <p:nvSpPr>
+          <p:cNvPr id="29" name="ZoneTexte 10"/>
+          <p:cNvSpPr txBox="1"/>
+          <p:nvPr/>
+        </p:nvSpPr>
+        <p:spPr>
+          <a:xfrm>
+            <a:off x="361208" y="3140968"/>
+            <a:ext cx="1978543" cy="923330"/>
+          </a:xfrm>
+          <a:prstGeom prst="rect">
+            <a:avLst/>
+          </a:prstGeom>
+          <a:noFill/>
+        </p:spPr>
+        <p:txBody>
+          <a:bodyPr wrap="square" rtlCol="0">
+            <a:spAutoFit/>
+          </a:bodyPr>
+          <a:lstStyle/>
+          <a:p>
+            <a:r>
+              <a:rPr lang="fr-FR" dirty="0" err="1"/>
+              <a:t>x</a:t>
+            </a:r>
+            <a:r>
+              <a:rPr lang="fr-FR" dirty="0" err="1" smtClean="0"/>
+              <a:t>_plasma</a:t>
+            </a:r>
+            <a:r>
+              <a:rPr lang="fr-FR" dirty="0" smtClean="0"/>
+              <a:t>=0.05</a:t>
+            </a:r>
+          </a:p>
+          <a:p>
+            <a:r>
+              <a:rPr lang="fr-FR" dirty="0" smtClean="0"/>
+              <a:t>n_e0=1e17</a:t>
+            </a:r>
+          </a:p>
+          <a:p>
+            <a:r>
+              <a:rPr lang="fr-FR" dirty="0" smtClean="0"/>
+              <a:t>n_e1=5e18</a:t>
+            </a:r>
+          </a:p>
+        </p:txBody>
+      </p:sp>
+      <p:sp>
+        <p:nvSpPr>
+          <p:cNvPr id="30" name="ZoneTexte 33"/>
+          <p:cNvSpPr txBox="1"/>
+          <p:nvPr/>
+        </p:nvSpPr>
+        <p:spPr>
+          <a:xfrm>
+            <a:off x="7222289" y="1384517"/>
+            <a:ext cx="1670191" cy="1200329"/>
+          </a:xfrm>
+          <a:prstGeom prst="rect">
+            <a:avLst/>
+          </a:prstGeom>
+          <a:noFill/>
+        </p:spPr>
+        <p:txBody>
+          <a:bodyPr wrap="square" rtlCol="0">
+            <a:spAutoFit/>
+          </a:bodyPr>
+          <a:lstStyle/>
+          <a:p>
+            <a:r>
+              <a:rPr lang="fr-FR" sz="1200" u="sng" dirty="0" err="1" smtClean="0"/>
+              <a:t>Units</a:t>
+            </a:r>
+            <a:r>
+              <a:rPr lang="fr-FR" sz="1200" dirty="0" smtClean="0"/>
+              <a:t>:</a:t>
+            </a:r>
+          </a:p>
+          <a:p>
+            <a:r>
+              <a:rPr lang="fr-FR" sz="1200" dirty="0" err="1" smtClean="0"/>
+              <a:t>Lengths</a:t>
+            </a:r>
+            <a:r>
+              <a:rPr lang="fr-FR" sz="1200" dirty="0" smtClean="0"/>
+              <a:t>: m</a:t>
+            </a:r>
+          </a:p>
+          <a:p>
+            <a:r>
+              <a:rPr lang="fr-FR" sz="1200" dirty="0" err="1" smtClean="0"/>
+              <a:t>Density</a:t>
+            </a:r>
+            <a:r>
+              <a:rPr lang="fr-FR" sz="1200" dirty="0" smtClean="0"/>
+              <a:t>: m-3</a:t>
+            </a:r>
+          </a:p>
+          <a:p>
+            <a:endParaRPr lang="fr-FR" sz="1200" dirty="0"/>
+          </a:p>
+          <a:p>
+            <a:r>
+              <a:rPr lang="fr-FR" sz="1200" dirty="0" smtClean="0">
+                <a:solidFill>
+                  <a:srgbClr val="FF0000"/>
+                </a:solidFill>
+              </a:rPr>
+              <a:t>!! ANTITIER </a:t>
+            </a:r>
+          </a:p>
+          <a:p>
+            <a:r>
+              <a:rPr lang="fr-FR" sz="1200" dirty="0" err="1" smtClean="0"/>
+              <a:t>Density</a:t>
+            </a:r>
+            <a:r>
+              <a:rPr lang="fr-FR" sz="1200" dirty="0" smtClean="0"/>
+              <a:t>: cm-3</a:t>
+            </a:r>
+          </a:p>
+        </p:txBody>
+      </p:sp>
+      <p:pic>
+        <p:nvPicPr>
+          <p:cNvPr id="5" name="Picture 4"/>
+          <p:cNvPicPr>
+            <a:picLocks noChangeAspect="1"/>
+          </p:cNvPicPr>
+          <p:nvPr/>
+        </p:nvPicPr>
+        <p:blipFill>
+          <a:blip r:embed="rId2" cstate="print">
+            <a:extLst>
+              <a:ext uri="{28A0092B-C50C-407E-A947-70E740481C1C}">
+                <a14:useLocalDpi xmlns:a14="http://schemas.microsoft.com/office/drawing/2010/main" val="0"/>
+              </a:ext>
+            </a:extLst>
+          </a:blip>
+          <a:stretch>
+            <a:fillRect/>
+          </a:stretch>
+        </p:blipFill>
+        <p:spPr>
+          <a:xfrm>
+            <a:off x="4994221" y="3679425"/>
+            <a:ext cx="3599999" cy="2701902"/>
+          </a:xfrm>
+          <a:prstGeom prst="rect">
+            <a:avLst/>
+          </a:prstGeom>
+        </p:spPr>
+      </p:pic>
+      <p:grpSp>
+        <p:nvGrpSpPr>
+          <p:cNvPr id="6" name="Group 5"/>
+          <p:cNvGrpSpPr/>
+          <p:nvPr/>
+        </p:nvGrpSpPr>
+        <p:grpSpPr>
+          <a:xfrm>
+            <a:off x="107504" y="4221088"/>
+            <a:ext cx="4032448" cy="2065055"/>
+            <a:chOff x="-252536" y="4108336"/>
+            <a:chExt cx="4032448" cy="2065055"/>
+          </a:xfrm>
+        </p:grpSpPr>
+        <p:cxnSp>
+          <p:nvCxnSpPr>
+            <p:cNvPr id="31" name="Connecteur droit avec flèche 2"/>
+            <p:cNvCxnSpPr/>
+            <p:nvPr/>
+          </p:nvCxnSpPr>
+          <p:spPr>
+            <a:xfrm>
+              <a:off x="323528" y="5727447"/>
+              <a:ext cx="2194005" cy="0"/>
+            </a:xfrm>
+            <a:prstGeom prst="straightConnector1">
+              <a:avLst/>
+            </a:prstGeom>
+            <a:ln w="28575">
+              <a:solidFill>
+                <a:schemeClr val="tx1">
+                  <a:lumMod val="95000"/>
+                  <a:lumOff val="5000"/>
+                </a:schemeClr>
+              </a:solidFill>
+              <a:tailEnd type="arrow"/>
+            </a:ln>
+          </p:spPr>
+          <p:style>
+            <a:lnRef idx="1">
+              <a:schemeClr val="accent1"/>
+            </a:lnRef>
+            <a:fillRef idx="0">
+              <a:schemeClr val="accent1"/>
+            </a:fillRef>
+            <a:effectRef idx="0">
+              <a:schemeClr val="accent1"/>
+            </a:effectRef>
+            <a:fontRef idx="minor">
+              <a:schemeClr val="tx1"/>
+            </a:fontRef>
+          </p:style>
+        </p:cxnSp>
+        <p:cxnSp>
+          <p:nvCxnSpPr>
+            <p:cNvPr id="35" name="Connecteur droit avec flèche 3"/>
+            <p:cNvCxnSpPr/>
+            <p:nvPr/>
+          </p:nvCxnSpPr>
+          <p:spPr>
+            <a:xfrm flipV="1">
+              <a:off x="1653437" y="4396368"/>
+              <a:ext cx="0" cy="1335670"/>
+            </a:xfrm>
+            <a:prstGeom prst="straightConnector1">
+              <a:avLst/>
+            </a:prstGeom>
+            <a:ln w="28575">
+              <a:solidFill>
+                <a:schemeClr val="tx1">
+                  <a:lumMod val="95000"/>
+                  <a:lumOff val="5000"/>
+                </a:schemeClr>
+              </a:solidFill>
+              <a:tailEnd type="arrow"/>
+            </a:ln>
+          </p:spPr>
+          <p:style>
+            <a:lnRef idx="1">
+              <a:schemeClr val="accent1"/>
+            </a:lnRef>
+            <a:fillRef idx="0">
+              <a:schemeClr val="accent1"/>
+            </a:fillRef>
+            <a:effectRef idx="0">
+              <a:schemeClr val="accent1"/>
+            </a:effectRef>
+            <a:fontRef idx="minor">
+              <a:schemeClr val="tx1"/>
+            </a:fontRef>
+          </p:style>
+        </p:cxnSp>
+        <p:sp>
+          <p:nvSpPr>
+            <p:cNvPr id="36" name="ZoneTexte 10"/>
+            <p:cNvSpPr txBox="1"/>
+            <p:nvPr/>
+          </p:nvSpPr>
+          <p:spPr>
+            <a:xfrm>
+              <a:off x="1619672" y="4819124"/>
+              <a:ext cx="654346" cy="369332"/>
+            </a:xfrm>
+            <a:prstGeom prst="rect">
+              <a:avLst/>
+            </a:prstGeom>
+            <a:noFill/>
+          </p:spPr>
+          <p:txBody>
+            <a:bodyPr wrap="none" rtlCol="0">
+              <a:spAutoFit/>
+            </a:bodyPr>
+            <a:lstStyle/>
+            <a:p>
+              <a:r>
+                <a:rPr lang="fr-FR" dirty="0" smtClean="0"/>
+                <a:t>n_e0</a:t>
+              </a:r>
+              <a:endParaRPr lang="fr-FR" dirty="0"/>
+            </a:p>
+          </p:txBody>
+        </p:sp>
+        <p:sp>
+          <p:nvSpPr>
+            <p:cNvPr id="37" name="ZoneTexte 11"/>
+            <p:cNvSpPr txBox="1"/>
+            <p:nvPr/>
+          </p:nvSpPr>
+          <p:spPr>
+            <a:xfrm>
+              <a:off x="2524948" y="5515155"/>
+              <a:ext cx="284052" cy="369332"/>
+            </a:xfrm>
+            <a:prstGeom prst="rect">
+              <a:avLst/>
+            </a:prstGeom>
+            <a:noFill/>
+          </p:spPr>
+          <p:txBody>
+            <a:bodyPr wrap="none" rtlCol="0">
+              <a:spAutoFit/>
+            </a:bodyPr>
+            <a:lstStyle/>
+            <a:p>
+              <a:r>
+                <a:rPr lang="fr-FR" dirty="0" smtClean="0"/>
+                <a:t>x</a:t>
+              </a:r>
+              <a:endParaRPr lang="fr-FR" dirty="0"/>
+            </a:p>
+          </p:txBody>
+        </p:sp>
+        <p:sp>
+          <p:nvSpPr>
+            <p:cNvPr id="38" name="ZoneTexte 12"/>
+            <p:cNvSpPr txBox="1"/>
+            <p:nvPr/>
+          </p:nvSpPr>
+          <p:spPr>
+            <a:xfrm>
+              <a:off x="2072906" y="5804059"/>
+              <a:ext cx="1707006" cy="369332"/>
+            </a:xfrm>
+            <a:prstGeom prst="rect">
+              <a:avLst/>
+            </a:prstGeom>
+            <a:noFill/>
+          </p:spPr>
+          <p:txBody>
+            <a:bodyPr wrap="none" rtlCol="0">
+              <a:spAutoFit/>
+            </a:bodyPr>
+            <a:lstStyle/>
+            <a:p>
+              <a:r>
+                <a:rPr lang="fr-FR" dirty="0" err="1" smtClean="0"/>
+                <a:t>x_ant</a:t>
+              </a:r>
+              <a:r>
+                <a:rPr lang="fr-FR" dirty="0" smtClean="0"/>
+                <a:t>=</a:t>
+              </a:r>
+              <a:r>
+                <a:rPr lang="fr-FR" dirty="0" err="1" smtClean="0"/>
+                <a:t>x_plasma</a:t>
+              </a:r>
+              <a:endParaRPr lang="fr-FR" dirty="0"/>
+            </a:p>
+          </p:txBody>
+        </p:sp>
+        <p:sp>
+          <p:nvSpPr>
+            <p:cNvPr id="39" name="ZoneTexte 13"/>
+            <p:cNvSpPr txBox="1"/>
+            <p:nvPr/>
+          </p:nvSpPr>
+          <p:spPr>
+            <a:xfrm>
+              <a:off x="1486537" y="5782196"/>
+              <a:ext cx="301686" cy="369332"/>
+            </a:xfrm>
+            <a:prstGeom prst="rect">
+              <a:avLst/>
+            </a:prstGeom>
+            <a:noFill/>
+          </p:spPr>
+          <p:txBody>
+            <a:bodyPr wrap="none" rtlCol="0">
+              <a:spAutoFit/>
+            </a:bodyPr>
+            <a:lstStyle/>
+            <a:p>
+              <a:r>
+                <a:rPr lang="fr-FR" dirty="0" smtClean="0"/>
+                <a:t>0</a:t>
+              </a:r>
+              <a:endParaRPr lang="fr-FR" dirty="0"/>
+            </a:p>
+          </p:txBody>
+        </p:sp>
+        <p:cxnSp>
+          <p:nvCxnSpPr>
+            <p:cNvPr id="40" name="Connecteur droit 15"/>
+            <p:cNvCxnSpPr/>
+            <p:nvPr/>
+          </p:nvCxnSpPr>
+          <p:spPr>
+            <a:xfrm flipV="1">
+              <a:off x="1653437" y="5021263"/>
+              <a:ext cx="0" cy="706184"/>
+            </a:xfrm>
+            <a:prstGeom prst="line">
+              <a:avLst/>
+            </a:prstGeom>
+            <a:ln w="19050">
+              <a:solidFill>
+                <a:schemeClr val="tx2"/>
+              </a:solidFill>
+            </a:ln>
+          </p:spPr>
+          <p:style>
+            <a:lnRef idx="1">
+              <a:schemeClr val="accent1"/>
+            </a:lnRef>
+            <a:fillRef idx="0">
+              <a:schemeClr val="accent1"/>
+            </a:fillRef>
+            <a:effectRef idx="0">
+              <a:schemeClr val="accent1"/>
+            </a:effectRef>
+            <a:fontRef idx="minor">
+              <a:schemeClr val="tx1"/>
+            </a:fontRef>
+          </p:style>
+        </p:cxnSp>
+        <p:cxnSp>
+          <p:nvCxnSpPr>
+            <p:cNvPr id="41" name="Connecteur droit 17"/>
+            <p:cNvCxnSpPr/>
+            <p:nvPr/>
+          </p:nvCxnSpPr>
+          <p:spPr>
+            <a:xfrm>
+              <a:off x="755576" y="4756408"/>
+              <a:ext cx="903356" cy="264855"/>
+            </a:xfrm>
+            <a:prstGeom prst="line">
+              <a:avLst/>
+            </a:prstGeom>
+            <a:ln w="19050">
+              <a:solidFill>
+                <a:schemeClr val="tx2"/>
+              </a:solidFill>
+            </a:ln>
+          </p:spPr>
+          <p:style>
+            <a:lnRef idx="1">
+              <a:schemeClr val="accent1"/>
+            </a:lnRef>
+            <a:fillRef idx="0">
+              <a:schemeClr val="accent1"/>
+            </a:fillRef>
+            <a:effectRef idx="0">
+              <a:schemeClr val="accent1"/>
+            </a:effectRef>
+            <a:fontRef idx="minor">
+              <a:schemeClr val="tx1"/>
+            </a:fontRef>
+          </p:style>
+        </p:cxnSp>
+        <p:sp>
+          <p:nvSpPr>
+            <p:cNvPr id="42" name="ZoneTexte 18"/>
+            <p:cNvSpPr txBox="1"/>
+            <p:nvPr/>
+          </p:nvSpPr>
+          <p:spPr>
+            <a:xfrm>
+              <a:off x="1384773" y="4108336"/>
+              <a:ext cx="537327" cy="369332"/>
+            </a:xfrm>
+            <a:prstGeom prst="rect">
+              <a:avLst/>
+            </a:prstGeom>
+            <a:noFill/>
+          </p:spPr>
+          <p:txBody>
+            <a:bodyPr wrap="none" rtlCol="0">
+              <a:spAutoFit/>
+            </a:bodyPr>
+            <a:lstStyle/>
+            <a:p>
+              <a:r>
+                <a:rPr lang="fr-FR" dirty="0" err="1" smtClean="0"/>
+                <a:t>n_e</a:t>
+              </a:r>
+              <a:endParaRPr lang="fr-FR" dirty="0"/>
+            </a:p>
+          </p:txBody>
+        </p:sp>
+        <p:cxnSp>
+          <p:nvCxnSpPr>
+            <p:cNvPr id="43" name="Connecteur droit 15"/>
+            <p:cNvCxnSpPr/>
+            <p:nvPr/>
+          </p:nvCxnSpPr>
+          <p:spPr>
+            <a:xfrm flipV="1">
+              <a:off x="2195736" y="5384765"/>
+              <a:ext cx="0" cy="329441"/>
+            </a:xfrm>
+            <a:prstGeom prst="line">
+              <a:avLst/>
+            </a:prstGeom>
+            <a:ln w="57150">
+              <a:solidFill>
+                <a:schemeClr val="accent6">
+                  <a:lumMod val="75000"/>
+                </a:schemeClr>
+              </a:solidFill>
+            </a:ln>
+          </p:spPr>
+          <p:style>
+            <a:lnRef idx="1">
+              <a:schemeClr val="accent1"/>
+            </a:lnRef>
+            <a:fillRef idx="0">
+              <a:schemeClr val="accent1"/>
+            </a:fillRef>
+            <a:effectRef idx="0">
+              <a:schemeClr val="accent1"/>
+            </a:effectRef>
+            <a:fontRef idx="minor">
+              <a:schemeClr val="tx1"/>
+            </a:fontRef>
+          </p:style>
+        </p:cxnSp>
+        <p:cxnSp>
+          <p:nvCxnSpPr>
+            <p:cNvPr id="54" name="Connecteur droit 17"/>
+            <p:cNvCxnSpPr/>
+            <p:nvPr/>
+          </p:nvCxnSpPr>
+          <p:spPr>
+            <a:xfrm>
+              <a:off x="395536" y="4756408"/>
+              <a:ext cx="369920" cy="0"/>
+            </a:xfrm>
+            <a:prstGeom prst="line">
+              <a:avLst/>
+            </a:prstGeom>
+            <a:ln w="19050">
+              <a:solidFill>
+                <a:schemeClr val="tx2"/>
+              </a:solidFill>
+            </a:ln>
+          </p:spPr>
+          <p:style>
+            <a:lnRef idx="1">
+              <a:schemeClr val="accent1"/>
+            </a:lnRef>
+            <a:fillRef idx="0">
+              <a:schemeClr val="accent1"/>
+            </a:fillRef>
+            <a:effectRef idx="0">
+              <a:schemeClr val="accent1"/>
+            </a:effectRef>
+            <a:fontRef idx="minor">
+              <a:schemeClr val="tx1"/>
+            </a:fontRef>
+          </p:style>
+        </p:cxnSp>
+        <p:sp>
+          <p:nvSpPr>
+            <p:cNvPr id="55" name="ZoneTexte 10"/>
+            <p:cNvSpPr txBox="1"/>
+            <p:nvPr/>
+          </p:nvSpPr>
+          <p:spPr>
+            <a:xfrm>
+              <a:off x="-252536" y="4540384"/>
+              <a:ext cx="654346" cy="369332"/>
+            </a:xfrm>
+            <a:prstGeom prst="rect">
+              <a:avLst/>
+            </a:prstGeom>
+            <a:noFill/>
+          </p:spPr>
+          <p:txBody>
+            <a:bodyPr wrap="none" rtlCol="0">
+              <a:spAutoFit/>
+            </a:bodyPr>
+            <a:lstStyle/>
+            <a:p>
+              <a:r>
+                <a:rPr lang="fr-FR" dirty="0" smtClean="0"/>
+                <a:t>n_e1</a:t>
+              </a:r>
+              <a:endParaRPr lang="fr-FR" dirty="0"/>
+            </a:p>
+          </p:txBody>
+        </p:sp>
+      </p:grpSp>
+      <p:sp>
+        <p:nvSpPr>
+          <p:cNvPr id="44" name="ZoneTexte 10"/>
+          <p:cNvSpPr txBox="1"/>
+          <p:nvPr/>
+        </p:nvSpPr>
+        <p:spPr>
+          <a:xfrm>
+            <a:off x="2627784" y="3513782"/>
+            <a:ext cx="1978543" cy="923330"/>
+          </a:xfrm>
+          <a:prstGeom prst="rect">
+            <a:avLst/>
+          </a:prstGeom>
+        </p:spPr>
+        <p:style>
+          <a:lnRef idx="2">
+            <a:schemeClr val="accent1"/>
+          </a:lnRef>
+          <a:fillRef idx="1">
+            <a:schemeClr val="lt1"/>
+          </a:fillRef>
+          <a:effectRef idx="0">
+            <a:schemeClr val="accent1"/>
+          </a:effectRef>
+          <a:fontRef idx="minor">
+            <a:schemeClr val="dk1"/>
+          </a:fontRef>
+        </p:style>
+        <p:txBody>
+          <a:bodyPr wrap="square" rtlCol="0">
+            <a:spAutoFit/>
+          </a:bodyPr>
+          <a:lstStyle/>
+          <a:p>
+            <a:pPr algn="ctr"/>
+            <a:r>
+              <a:rPr lang="fr-FR" dirty="0" smtClean="0"/>
+              <a:t>ANTITER uses a </a:t>
+            </a:r>
+            <a:r>
+              <a:rPr lang="fr-FR" dirty="0" err="1" smtClean="0"/>
+              <a:t>slightly</a:t>
+            </a:r>
+            <a:r>
+              <a:rPr lang="fr-FR" dirty="0" smtClean="0"/>
+              <a:t> </a:t>
+            </a:r>
+            <a:r>
+              <a:rPr lang="fr-FR" dirty="0" err="1" smtClean="0"/>
+              <a:t>different</a:t>
+            </a:r>
+            <a:r>
+              <a:rPr lang="fr-FR" dirty="0" smtClean="0"/>
+              <a:t> </a:t>
+            </a:r>
+            <a:r>
+              <a:rPr lang="fr-FR" dirty="0" err="1" smtClean="0"/>
+              <a:t>reference</a:t>
+            </a:r>
+            <a:r>
+              <a:rPr lang="fr-FR" dirty="0" smtClean="0"/>
+              <a:t> system </a:t>
+            </a:r>
+          </a:p>
+        </p:txBody>
+      </p:sp>
+      <p:sp>
+        <p:nvSpPr>
+          <p:cNvPr id="45" name="ZoneTexte 32"/>
+          <p:cNvSpPr txBox="1"/>
+          <p:nvPr/>
+        </p:nvSpPr>
+        <p:spPr>
+          <a:xfrm>
+            <a:off x="323528" y="476672"/>
+            <a:ext cx="1276644" cy="461665"/>
+          </a:xfrm>
+          <a:prstGeom prst="rect">
+            <a:avLst/>
+          </a:prstGeom>
+        </p:spPr>
+        <p:style>
+          <a:lnRef idx="2">
+            <a:schemeClr val="accent6"/>
+          </a:lnRef>
+          <a:fillRef idx="1">
+            <a:schemeClr val="lt1"/>
+          </a:fillRef>
+          <a:effectRef idx="0">
+            <a:schemeClr val="accent6"/>
+          </a:effectRef>
+          <a:fontRef idx="minor">
+            <a:schemeClr val="dk1"/>
+          </a:fontRef>
+        </p:style>
+        <p:txBody>
+          <a:bodyPr wrap="square" rtlCol="0">
+            <a:spAutoFit/>
+          </a:bodyPr>
+          <a:lstStyle/>
+          <a:p>
+            <a:pPr algn="ctr"/>
+            <a:r>
+              <a:rPr lang="fr-FR" sz="1200" dirty="0" err="1" smtClean="0"/>
+              <a:t>Linear</a:t>
+            </a:r>
+            <a:r>
+              <a:rPr lang="fr-FR" sz="1200" dirty="0" smtClean="0"/>
+              <a:t> </a:t>
+            </a:r>
+            <a:r>
+              <a:rPr lang="fr-FR" sz="1200" dirty="0" err="1" smtClean="0"/>
+              <a:t>density</a:t>
+            </a:r>
+            <a:r>
+              <a:rPr lang="fr-FR" sz="1200" dirty="0" smtClean="0"/>
+              <a:t> plasma</a:t>
+            </a:r>
+            <a:endParaRPr lang="fr-FR" sz="1200" dirty="0"/>
+          </a:p>
+        </p:txBody>
+      </p:sp>
+      <p:cxnSp>
+        <p:nvCxnSpPr>
+          <p:cNvPr id="32" name="Connecteur droit avec flèche 19"/>
+          <p:cNvCxnSpPr/>
+          <p:nvPr/>
+        </p:nvCxnSpPr>
+        <p:spPr>
+          <a:xfrm>
+            <a:off x="2979417" y="2272268"/>
+            <a:ext cx="3886812" cy="0"/>
+          </a:xfrm>
+          <a:prstGeom prst="straightConnector1">
+            <a:avLst/>
+          </a:prstGeom>
+          <a:ln w="28575">
+            <a:solidFill>
+              <a:schemeClr val="tx1">
+                <a:lumMod val="95000"/>
+                <a:lumOff val="5000"/>
+              </a:schemeClr>
+            </a:solidFill>
+            <a:tailEnd type="arrow"/>
+          </a:ln>
+        </p:spPr>
+        <p:style>
+          <a:lnRef idx="1">
+            <a:schemeClr val="accent1"/>
+          </a:lnRef>
+          <a:fillRef idx="0">
+            <a:schemeClr val="accent1"/>
+          </a:fillRef>
+          <a:effectRef idx="0">
+            <a:schemeClr val="accent1"/>
+          </a:effectRef>
+          <a:fontRef idx="minor">
+            <a:schemeClr val="tx1"/>
+          </a:fontRef>
+        </p:style>
+      </p:cxnSp>
+      <p:cxnSp>
+        <p:nvCxnSpPr>
+          <p:cNvPr id="34" name="Connecteur droit avec flèche 20"/>
+          <p:cNvCxnSpPr/>
+          <p:nvPr/>
+        </p:nvCxnSpPr>
+        <p:spPr>
+          <a:xfrm flipV="1">
+            <a:off x="2979417" y="1268760"/>
+            <a:ext cx="0" cy="1003508"/>
+          </a:xfrm>
+          <a:prstGeom prst="straightConnector1">
+            <a:avLst/>
+          </a:prstGeom>
+          <a:ln w="28575">
+            <a:solidFill>
+              <a:schemeClr val="tx1">
+                <a:lumMod val="95000"/>
+                <a:lumOff val="5000"/>
+              </a:schemeClr>
+            </a:solidFill>
+            <a:tailEnd type="arrow"/>
+          </a:ln>
+        </p:spPr>
+        <p:style>
+          <a:lnRef idx="1">
+            <a:schemeClr val="accent1"/>
+          </a:lnRef>
+          <a:fillRef idx="0">
+            <a:schemeClr val="accent1"/>
+          </a:fillRef>
+          <a:effectRef idx="0">
+            <a:schemeClr val="accent1"/>
+          </a:effectRef>
+          <a:fontRef idx="minor">
+            <a:schemeClr val="tx1"/>
+          </a:fontRef>
+        </p:style>
+      </p:cxnSp>
+      <p:sp>
+        <p:nvSpPr>
+          <p:cNvPr id="46" name="ZoneTexte 21"/>
+          <p:cNvSpPr txBox="1"/>
+          <p:nvPr/>
+        </p:nvSpPr>
+        <p:spPr>
+          <a:xfrm>
+            <a:off x="2227807" y="1726390"/>
+            <a:ext cx="654346" cy="369332"/>
+          </a:xfrm>
+          <a:prstGeom prst="rect">
+            <a:avLst/>
+          </a:prstGeom>
+          <a:noFill/>
+        </p:spPr>
+        <p:txBody>
+          <a:bodyPr wrap="none" rtlCol="0">
+            <a:spAutoFit/>
+          </a:bodyPr>
+          <a:lstStyle/>
+          <a:p>
+            <a:r>
+              <a:rPr lang="fr-FR" dirty="0" smtClean="0"/>
+              <a:t>n_e0</a:t>
+            </a:r>
+            <a:endParaRPr lang="fr-FR" dirty="0"/>
+          </a:p>
+        </p:txBody>
+      </p:sp>
+      <p:sp>
+        <p:nvSpPr>
+          <p:cNvPr id="47" name="ZoneTexte 22"/>
+          <p:cNvSpPr txBox="1"/>
+          <p:nvPr/>
+        </p:nvSpPr>
+        <p:spPr>
+          <a:xfrm>
+            <a:off x="6938237" y="2272268"/>
+            <a:ext cx="284052" cy="369332"/>
+          </a:xfrm>
+          <a:prstGeom prst="rect">
+            <a:avLst/>
+          </a:prstGeom>
+          <a:noFill/>
+        </p:spPr>
+        <p:txBody>
+          <a:bodyPr wrap="none" rtlCol="0">
+            <a:spAutoFit/>
+          </a:bodyPr>
+          <a:lstStyle/>
+          <a:p>
+            <a:r>
+              <a:rPr lang="fr-FR" dirty="0" smtClean="0"/>
+              <a:t>x</a:t>
+            </a:r>
+            <a:endParaRPr lang="fr-FR" dirty="0"/>
+          </a:p>
+        </p:txBody>
+      </p:sp>
+      <p:sp>
+        <p:nvSpPr>
+          <p:cNvPr id="48" name="ZoneTexte 23"/>
+          <p:cNvSpPr txBox="1"/>
+          <p:nvPr/>
+        </p:nvSpPr>
+        <p:spPr>
+          <a:xfrm>
+            <a:off x="3337837" y="2348880"/>
+            <a:ext cx="1069524" cy="369332"/>
+          </a:xfrm>
+          <a:prstGeom prst="rect">
+            <a:avLst/>
+          </a:prstGeom>
+          <a:noFill/>
+        </p:spPr>
+        <p:txBody>
+          <a:bodyPr wrap="none" rtlCol="0">
+            <a:spAutoFit/>
+          </a:bodyPr>
+          <a:lstStyle/>
+          <a:p>
+            <a:r>
+              <a:rPr lang="fr-FR" dirty="0" err="1" smtClean="0"/>
+              <a:t>x_plasma</a:t>
+            </a:r>
+            <a:endParaRPr lang="fr-FR" dirty="0"/>
+          </a:p>
+        </p:txBody>
+      </p:sp>
+      <p:sp>
+        <p:nvSpPr>
+          <p:cNvPr id="49" name="ZoneTexte 24"/>
+          <p:cNvSpPr txBox="1"/>
+          <p:nvPr/>
+        </p:nvSpPr>
+        <p:spPr>
+          <a:xfrm>
+            <a:off x="2820127" y="2348880"/>
+            <a:ext cx="301686" cy="369332"/>
+          </a:xfrm>
+          <a:prstGeom prst="rect">
+            <a:avLst/>
+          </a:prstGeom>
+          <a:noFill/>
+        </p:spPr>
+        <p:txBody>
+          <a:bodyPr wrap="none" rtlCol="0">
+            <a:spAutoFit/>
+          </a:bodyPr>
+          <a:lstStyle/>
+          <a:p>
+            <a:r>
+              <a:rPr lang="fr-FR" dirty="0" smtClean="0"/>
+              <a:t>0</a:t>
+            </a:r>
+            <a:endParaRPr lang="fr-FR" dirty="0"/>
+          </a:p>
+        </p:txBody>
+      </p:sp>
+      <p:cxnSp>
+        <p:nvCxnSpPr>
+          <p:cNvPr id="50" name="Connecteur droit 25"/>
+          <p:cNvCxnSpPr/>
+          <p:nvPr/>
+        </p:nvCxnSpPr>
+        <p:spPr>
+          <a:xfrm flipV="1">
+            <a:off x="3481853" y="1919176"/>
+            <a:ext cx="0" cy="353092"/>
+          </a:xfrm>
+          <a:prstGeom prst="line">
+            <a:avLst/>
+          </a:prstGeom>
+          <a:ln w="19050">
+            <a:solidFill>
+              <a:schemeClr val="tx2"/>
+            </a:solidFill>
+          </a:ln>
+        </p:spPr>
+        <p:style>
+          <a:lnRef idx="1">
+            <a:schemeClr val="accent1"/>
+          </a:lnRef>
+          <a:fillRef idx="0">
+            <a:schemeClr val="accent1"/>
+          </a:fillRef>
+          <a:effectRef idx="0">
+            <a:schemeClr val="accent1"/>
+          </a:effectRef>
+          <a:fontRef idx="minor">
+            <a:schemeClr val="tx1"/>
+          </a:fontRef>
+        </p:style>
+      </p:cxnSp>
+      <p:cxnSp>
+        <p:nvCxnSpPr>
+          <p:cNvPr id="51" name="Connecteur droit 26"/>
+          <p:cNvCxnSpPr/>
+          <p:nvPr/>
+        </p:nvCxnSpPr>
+        <p:spPr>
+          <a:xfrm flipV="1">
+            <a:off x="3481853" y="1566084"/>
+            <a:ext cx="3312368" cy="353092"/>
+          </a:xfrm>
+          <a:prstGeom prst="line">
+            <a:avLst/>
+          </a:prstGeom>
+          <a:ln w="19050">
+            <a:solidFill>
+              <a:schemeClr val="tx2"/>
+            </a:solidFill>
+          </a:ln>
+        </p:spPr>
+        <p:style>
+          <a:lnRef idx="1">
+            <a:schemeClr val="accent1"/>
+          </a:lnRef>
+          <a:fillRef idx="0">
+            <a:schemeClr val="accent1"/>
+          </a:fillRef>
+          <a:effectRef idx="0">
+            <a:schemeClr val="accent1"/>
+          </a:effectRef>
+          <a:fontRef idx="minor">
+            <a:schemeClr val="tx1"/>
+          </a:fontRef>
+        </p:style>
+      </p:cxnSp>
+      <p:sp>
+        <p:nvSpPr>
+          <p:cNvPr id="52" name="ZoneTexte 31"/>
+          <p:cNvSpPr txBox="1"/>
+          <p:nvPr/>
+        </p:nvSpPr>
+        <p:spPr>
+          <a:xfrm>
+            <a:off x="4383385" y="1381418"/>
+            <a:ext cx="797013" cy="369332"/>
+          </a:xfrm>
+          <a:prstGeom prst="rect">
+            <a:avLst/>
+          </a:prstGeom>
+          <a:noFill/>
+        </p:spPr>
+        <p:txBody>
+          <a:bodyPr wrap="none" rtlCol="0">
+            <a:spAutoFit/>
+          </a:bodyPr>
+          <a:lstStyle/>
+          <a:p>
+            <a:r>
+              <a:rPr lang="fr-FR" dirty="0" smtClean="0"/>
+              <a:t>Dn_e0</a:t>
+            </a:r>
+            <a:endParaRPr lang="fr-FR" dirty="0"/>
+          </a:p>
+        </p:txBody>
+      </p:sp>
+      <p:sp>
+        <p:nvSpPr>
+          <p:cNvPr id="53" name="ZoneTexte 33"/>
+          <p:cNvSpPr txBox="1"/>
+          <p:nvPr/>
+        </p:nvSpPr>
+        <p:spPr>
+          <a:xfrm>
+            <a:off x="350620" y="1642177"/>
+            <a:ext cx="1590756" cy="276999"/>
+          </a:xfrm>
+          <a:prstGeom prst="rect">
+            <a:avLst/>
+          </a:prstGeom>
+          <a:noFill/>
+        </p:spPr>
+        <p:txBody>
+          <a:bodyPr wrap="none" rtlCol="0">
+            <a:spAutoFit/>
+          </a:bodyPr>
+          <a:lstStyle/>
+          <a:p>
+            <a:r>
+              <a:rPr lang="fr-FR" sz="1200" dirty="0" smtClean="0"/>
+              <a:t>Single gradient plasma</a:t>
+            </a:r>
+            <a:endParaRPr lang="fr-FR" sz="1200" dirty="0"/>
+          </a:p>
+        </p:txBody>
+      </p:sp>
+    </p:spTree>
+    <p:extLst>
+      <p:ext uri="{BB962C8B-B14F-4D97-AF65-F5344CB8AC3E}">
+        <p14:creationId xmlns:p14="http://schemas.microsoft.com/office/powerpoint/2010/main" val="3244435213"/>
+      </p:ext>
+    </p:extLst>
+  </p:cSld>
+  <p:clrMapOvr>
+    <a:masterClrMapping/>
+  </p:clrMapOvr>
+</p:sld>
+</file>
+
+<file path=ppt/slides/slide11.xml><?xml version="1.0" encoding="utf-8"?>
+<p:sld xmlns:a="http://schemas.openxmlformats.org/drawingml/2006/main" xmlns:r="http://schemas.openxmlformats.org/officeDocument/2006/relationships" xmlns:p="http://schemas.openxmlformats.org/presentationml/2006/main">
+  <p:cSld>
+    <p:spTree>
+      <p:nvGrpSpPr>
+        <p:cNvPr id="1" name=""/>
+        <p:cNvGrpSpPr/>
+        <p:nvPr/>
+      </p:nvGrpSpPr>
+      <p:grpSpPr>
+        <a:xfrm>
+          <a:off x="0" y="0"/>
+          <a:ext cx="0" cy="0"/>
+          <a:chOff x="0" y="0"/>
+          <a:chExt cx="0" cy="0"/>
+        </a:xfrm>
+      </p:grpSpPr>
+      <p:sp>
+        <p:nvSpPr>
+          <p:cNvPr id="2" name="Titre 1"/>
+          <p:cNvSpPr>
+            <a:spLocks noGrp="1"/>
+          </p:cNvSpPr>
+          <p:nvPr>
+            <p:ph type="title"/>
+          </p:nvPr>
+        </p:nvSpPr>
+        <p:spPr/>
+        <p:txBody>
+          <a:bodyPr/>
+          <a:lstStyle/>
+          <a:p>
+            <a:r>
+              <a:rPr lang="fr-FR" dirty="0" smtClean="0"/>
+              <a:t>Plasma Configuration</a:t>
+            </a:r>
+            <a:endParaRPr lang="fr-FR" dirty="0"/>
+          </a:p>
+        </p:txBody>
+      </p:sp>
+      <p:pic>
+        <p:nvPicPr>
+          <p:cNvPr id="5" name="Picture 4"/>
+          <p:cNvPicPr>
+            <a:picLocks noChangeAspect="1"/>
+          </p:cNvPicPr>
+          <p:nvPr/>
+        </p:nvPicPr>
+        <p:blipFill>
+          <a:blip r:embed="rId2" cstate="print">
+            <a:extLst>
+              <a:ext uri="{28A0092B-C50C-407E-A947-70E740481C1C}">
+                <a14:useLocalDpi xmlns:a14="http://schemas.microsoft.com/office/drawing/2010/main" val="0"/>
+              </a:ext>
+            </a:extLst>
+          </a:blip>
+          <a:stretch>
+            <a:fillRect/>
+          </a:stretch>
+        </p:blipFill>
+        <p:spPr>
+          <a:xfrm>
+            <a:off x="5544000" y="1231154"/>
+            <a:ext cx="3600000" cy="2701902"/>
+          </a:xfrm>
+          <a:prstGeom prst="rect">
+            <a:avLst/>
+          </a:prstGeom>
+        </p:spPr>
+      </p:pic>
+      <p:pic>
+        <p:nvPicPr>
+          <p:cNvPr id="28" name="Picture 27"/>
+          <p:cNvPicPr>
+            <a:picLocks noChangeAspect="1"/>
+          </p:cNvPicPr>
+          <p:nvPr/>
+        </p:nvPicPr>
+        <p:blipFill>
+          <a:blip r:embed="rId3" cstate="print">
+            <a:extLst>
+              <a:ext uri="{28A0092B-C50C-407E-A947-70E740481C1C}">
+                <a14:useLocalDpi xmlns:a14="http://schemas.microsoft.com/office/drawing/2010/main" val="0"/>
+              </a:ext>
+            </a:extLst>
+          </a:blip>
+          <a:stretch>
+            <a:fillRect/>
+          </a:stretch>
+        </p:blipFill>
+        <p:spPr>
+          <a:xfrm>
+            <a:off x="179912" y="4024364"/>
+            <a:ext cx="3599999" cy="2701901"/>
+          </a:xfrm>
+          <a:prstGeom prst="rect">
+            <a:avLst/>
+          </a:prstGeom>
+        </p:spPr>
+      </p:pic>
+      <p:pic>
+        <p:nvPicPr>
+          <p:cNvPr id="32" name="Picture 31"/>
+          <p:cNvPicPr>
+            <a:picLocks noChangeAspect="1"/>
+          </p:cNvPicPr>
+          <p:nvPr/>
+        </p:nvPicPr>
+        <p:blipFill>
+          <a:blip r:embed="rId4" cstate="print">
+            <a:extLst>
+              <a:ext uri="{28A0092B-C50C-407E-A947-70E740481C1C}">
+                <a14:useLocalDpi xmlns:a14="http://schemas.microsoft.com/office/drawing/2010/main" val="0"/>
+              </a:ext>
+            </a:extLst>
+          </a:blip>
+          <a:stretch>
+            <a:fillRect/>
+          </a:stretch>
+        </p:blipFill>
+        <p:spPr>
+          <a:xfrm>
+            <a:off x="179512" y="1231154"/>
+            <a:ext cx="3599999" cy="2701901"/>
+          </a:xfrm>
+          <a:prstGeom prst="rect">
+            <a:avLst/>
+          </a:prstGeom>
+        </p:spPr>
+      </p:pic>
+      <p:pic>
+        <p:nvPicPr>
+          <p:cNvPr id="34" name="Picture 33"/>
+          <p:cNvPicPr>
+            <a:picLocks noChangeAspect="1"/>
+          </p:cNvPicPr>
+          <p:nvPr/>
+        </p:nvPicPr>
+        <p:blipFill>
+          <a:blip r:embed="rId5" cstate="print">
+            <a:extLst>
+              <a:ext uri="{28A0092B-C50C-407E-A947-70E740481C1C}">
+                <a14:useLocalDpi xmlns:a14="http://schemas.microsoft.com/office/drawing/2010/main" val="0"/>
+              </a:ext>
+            </a:extLst>
+          </a:blip>
+          <a:stretch>
+            <a:fillRect/>
+          </a:stretch>
+        </p:blipFill>
+        <p:spPr>
+          <a:xfrm>
+            <a:off x="5544000" y="4024364"/>
+            <a:ext cx="3599999" cy="2701901"/>
+          </a:xfrm>
+          <a:prstGeom prst="rect">
+            <a:avLst/>
+          </a:prstGeom>
+        </p:spPr>
+      </p:pic>
+      <p:sp>
+        <p:nvSpPr>
+          <p:cNvPr id="29" name="ZoneTexte 10"/>
+          <p:cNvSpPr txBox="1"/>
+          <p:nvPr/>
+        </p:nvSpPr>
+        <p:spPr>
+          <a:xfrm>
+            <a:off x="3635896" y="1340768"/>
+            <a:ext cx="1872208" cy="738664"/>
+          </a:xfrm>
+          <a:prstGeom prst="rect">
+            <a:avLst/>
+          </a:prstGeom>
+          <a:noFill/>
+        </p:spPr>
+        <p:txBody>
+          <a:bodyPr wrap="square" rtlCol="0">
+            <a:spAutoFit/>
+          </a:bodyPr>
+          <a:lstStyle/>
+          <a:p>
+            <a:pPr algn="ctr"/>
+            <a:r>
+              <a:rPr lang="fr-FR" sz="1400" dirty="0" smtClean="0"/>
+              <a:t>B </a:t>
+            </a:r>
+            <a:r>
+              <a:rPr lang="fr-FR" sz="1400" dirty="0" err="1" smtClean="0"/>
+              <a:t>is</a:t>
+            </a:r>
+            <a:r>
+              <a:rPr lang="fr-FR" sz="1400" dirty="0" smtClean="0"/>
+              <a:t> </a:t>
+            </a:r>
+            <a:r>
+              <a:rPr lang="fr-FR" sz="1400" dirty="0" err="1" smtClean="0"/>
+              <a:t>taken</a:t>
+            </a:r>
+            <a:r>
+              <a:rPr lang="fr-FR" sz="1400" dirty="0" smtClean="0"/>
+              <a:t> constant but </a:t>
+            </a:r>
+            <a:r>
+              <a:rPr lang="fr-FR" sz="1400" dirty="0" err="1" smtClean="0"/>
+              <a:t>could</a:t>
+            </a:r>
+            <a:r>
+              <a:rPr lang="fr-FR" sz="1400" dirty="0" smtClean="0"/>
+              <a:t> have the </a:t>
+            </a:r>
+            <a:r>
+              <a:rPr lang="fr-FR" sz="1400" dirty="0" err="1" smtClean="0"/>
+              <a:t>usual</a:t>
+            </a:r>
+            <a:r>
+              <a:rPr lang="fr-FR" sz="1400" dirty="0" smtClean="0"/>
+              <a:t> 1/R </a:t>
+            </a:r>
+            <a:r>
+              <a:rPr lang="fr-FR" sz="1400" dirty="0" err="1" smtClean="0"/>
+              <a:t>dependency</a:t>
+            </a:r>
+            <a:endParaRPr lang="fr-FR" sz="1400" dirty="0" smtClean="0"/>
+          </a:p>
+        </p:txBody>
+      </p:sp>
+      <p:sp>
+        <p:nvSpPr>
+          <p:cNvPr id="47" name="ZoneTexte 10"/>
+          <p:cNvSpPr txBox="1"/>
+          <p:nvPr/>
+        </p:nvSpPr>
+        <p:spPr>
+          <a:xfrm>
+            <a:off x="3707904" y="2761183"/>
+            <a:ext cx="1872208" cy="523220"/>
+          </a:xfrm>
+          <a:prstGeom prst="rect">
+            <a:avLst/>
+          </a:prstGeom>
+          <a:noFill/>
+        </p:spPr>
+        <p:txBody>
+          <a:bodyPr wrap="square" rtlCol="0">
+            <a:spAutoFit/>
+          </a:bodyPr>
+          <a:lstStyle/>
+          <a:p>
+            <a:pPr algn="ctr"/>
+            <a:r>
+              <a:rPr lang="fr-FR" sz="1400" dirty="0" smtClean="0"/>
+              <a:t>f=50MHz</a:t>
+            </a:r>
+          </a:p>
+          <a:p>
+            <a:pPr algn="ctr"/>
+            <a:r>
+              <a:rPr lang="fr-FR" sz="1400" dirty="0" smtClean="0"/>
+              <a:t>D(H)5%</a:t>
+            </a:r>
+          </a:p>
+        </p:txBody>
+      </p:sp>
+      <p:sp>
+        <p:nvSpPr>
+          <p:cNvPr id="11" name="ZoneTexte 32"/>
+          <p:cNvSpPr txBox="1"/>
+          <p:nvPr/>
+        </p:nvSpPr>
+        <p:spPr>
+          <a:xfrm>
+            <a:off x="323528" y="476672"/>
+            <a:ext cx="1276644" cy="461665"/>
+          </a:xfrm>
+          <a:prstGeom prst="rect">
+            <a:avLst/>
+          </a:prstGeom>
+        </p:spPr>
+        <p:style>
+          <a:lnRef idx="2">
+            <a:schemeClr val="accent6"/>
+          </a:lnRef>
+          <a:fillRef idx="1">
+            <a:schemeClr val="lt1"/>
+          </a:fillRef>
+          <a:effectRef idx="0">
+            <a:schemeClr val="accent6"/>
+          </a:effectRef>
+          <a:fontRef idx="minor">
+            <a:schemeClr val="dk1"/>
+          </a:fontRef>
+        </p:style>
+        <p:txBody>
+          <a:bodyPr wrap="square" rtlCol="0">
+            <a:spAutoFit/>
+          </a:bodyPr>
+          <a:lstStyle/>
+          <a:p>
+            <a:pPr algn="ctr"/>
+            <a:r>
+              <a:rPr lang="fr-FR" sz="1200" dirty="0" err="1" smtClean="0"/>
+              <a:t>Linear</a:t>
+            </a:r>
+            <a:r>
+              <a:rPr lang="fr-FR" sz="1200" dirty="0" smtClean="0"/>
+              <a:t> </a:t>
+            </a:r>
+            <a:r>
+              <a:rPr lang="fr-FR" sz="1200" dirty="0" err="1" smtClean="0"/>
+              <a:t>density</a:t>
+            </a:r>
+            <a:r>
+              <a:rPr lang="fr-FR" sz="1200" dirty="0" smtClean="0"/>
+              <a:t> plasma</a:t>
+            </a:r>
+            <a:endParaRPr lang="fr-FR" sz="1200" dirty="0"/>
+          </a:p>
+        </p:txBody>
+      </p:sp>
+    </p:spTree>
+    <p:extLst>
+      <p:ext uri="{BB962C8B-B14F-4D97-AF65-F5344CB8AC3E}">
+        <p14:creationId xmlns:p14="http://schemas.microsoft.com/office/powerpoint/2010/main" val="448432596"/>
+      </p:ext>
+    </p:extLst>
+  </p:cSld>
+  <p:clrMapOvr>
+    <a:masterClrMapping/>
+  </p:clrMapOvr>
+</p:sld>
+</file>
+
+<file path=ppt/slides/slide12.xml><?xml version="1.0" encoding="utf-8"?>
+<p:sld xmlns:a="http://schemas.openxmlformats.org/drawingml/2006/main" xmlns:r="http://schemas.openxmlformats.org/officeDocument/2006/relationships" xmlns:p="http://schemas.openxmlformats.org/presentationml/2006/main">
+  <p:cSld>
+    <p:spTree>
+      <p:nvGrpSpPr>
+        <p:cNvPr id="1" name=""/>
+        <p:cNvGrpSpPr/>
+        <p:nvPr/>
+      </p:nvGrpSpPr>
+      <p:grpSpPr>
+        <a:xfrm>
+          <a:off x="0" y="0"/>
+          <a:ext cx="0" cy="0"/>
+          <a:chOff x="0" y="0"/>
+          <a:chExt cx="0" cy="0"/>
+        </a:xfrm>
+      </p:grpSpPr>
+      <p:sp>
+        <p:nvSpPr>
+          <p:cNvPr id="2" name="Titre 1"/>
+          <p:cNvSpPr>
+            <a:spLocks noGrp="1"/>
+          </p:cNvSpPr>
+          <p:nvPr>
+            <p:ph type="title"/>
+          </p:nvPr>
+        </p:nvSpPr>
+        <p:spPr/>
+        <p:txBody>
+          <a:bodyPr/>
+          <a:lstStyle/>
+          <a:p>
+            <a:r>
+              <a:rPr lang="fr-FR" dirty="0" smtClean="0"/>
+              <a:t>Plasma Configuration</a:t>
+            </a:r>
+            <a:endParaRPr lang="fr-FR" dirty="0"/>
+          </a:p>
+        </p:txBody>
+      </p:sp>
+      <p:pic>
+        <p:nvPicPr>
+          <p:cNvPr id="5" name="Picture 4"/>
+          <p:cNvPicPr>
+            <a:picLocks noChangeAspect="1"/>
+          </p:cNvPicPr>
+          <p:nvPr/>
+        </p:nvPicPr>
+        <p:blipFill>
+          <a:blip r:embed="rId2" cstate="print">
+            <a:extLst>
+              <a:ext uri="{28A0092B-C50C-407E-A947-70E740481C1C}">
+                <a14:useLocalDpi xmlns:a14="http://schemas.microsoft.com/office/drawing/2010/main" val="0"/>
+              </a:ext>
+            </a:extLst>
+          </a:blip>
+          <a:stretch>
+            <a:fillRect/>
+          </a:stretch>
+        </p:blipFill>
+        <p:spPr>
+          <a:xfrm>
+            <a:off x="5544000" y="1231154"/>
+            <a:ext cx="3599999" cy="2701901"/>
+          </a:xfrm>
+          <a:prstGeom prst="rect">
+            <a:avLst/>
+          </a:prstGeom>
+        </p:spPr>
+      </p:pic>
+      <p:pic>
+        <p:nvPicPr>
+          <p:cNvPr id="28" name="Picture 27"/>
+          <p:cNvPicPr>
+            <a:picLocks noChangeAspect="1"/>
+          </p:cNvPicPr>
+          <p:nvPr/>
+        </p:nvPicPr>
+        <p:blipFill>
+          <a:blip r:embed="rId3" cstate="print">
+            <a:extLst>
+              <a:ext uri="{28A0092B-C50C-407E-A947-70E740481C1C}">
+                <a14:useLocalDpi xmlns:a14="http://schemas.microsoft.com/office/drawing/2010/main" val="0"/>
+              </a:ext>
+            </a:extLst>
+          </a:blip>
+          <a:stretch>
+            <a:fillRect/>
+          </a:stretch>
+        </p:blipFill>
+        <p:spPr>
+          <a:xfrm>
+            <a:off x="107505" y="4041369"/>
+            <a:ext cx="5399998" cy="2699999"/>
+          </a:xfrm>
+          <a:prstGeom prst="rect">
+            <a:avLst/>
+          </a:prstGeom>
+        </p:spPr>
+      </p:pic>
+      <p:pic>
+        <p:nvPicPr>
+          <p:cNvPr id="32" name="Picture 31"/>
+          <p:cNvPicPr>
+            <a:picLocks noChangeAspect="1"/>
+          </p:cNvPicPr>
+          <p:nvPr/>
+        </p:nvPicPr>
+        <p:blipFill>
+          <a:blip r:embed="rId4" cstate="print">
+            <a:extLst>
+              <a:ext uri="{28A0092B-C50C-407E-A947-70E740481C1C}">
+                <a14:useLocalDpi xmlns:a14="http://schemas.microsoft.com/office/drawing/2010/main" val="0"/>
+              </a:ext>
+            </a:extLst>
+          </a:blip>
+          <a:stretch>
+            <a:fillRect/>
+          </a:stretch>
+        </p:blipFill>
+        <p:spPr>
+          <a:xfrm>
+            <a:off x="179512" y="1231154"/>
+            <a:ext cx="3599999" cy="2701901"/>
+          </a:xfrm>
+          <a:prstGeom prst="rect">
+            <a:avLst/>
+          </a:prstGeom>
+        </p:spPr>
+      </p:pic>
+      <p:sp>
+        <p:nvSpPr>
+          <p:cNvPr id="29" name="ZoneTexte 10"/>
+          <p:cNvSpPr txBox="1"/>
+          <p:nvPr/>
+        </p:nvSpPr>
+        <p:spPr>
+          <a:xfrm>
+            <a:off x="3635896" y="1340768"/>
+            <a:ext cx="1872208" cy="1384995"/>
+          </a:xfrm>
+          <a:prstGeom prst="rect">
+            <a:avLst/>
+          </a:prstGeom>
+          <a:noFill/>
+        </p:spPr>
+        <p:txBody>
+          <a:bodyPr wrap="square" rtlCol="0">
+            <a:spAutoFit/>
+          </a:bodyPr>
+          <a:lstStyle/>
+          <a:p>
+            <a:pPr algn="ctr"/>
+            <a:r>
+              <a:rPr lang="fr-FR" sz="1400" dirty="0" smtClean="0"/>
+              <a:t>30 </a:t>
+            </a:r>
+            <a:r>
+              <a:rPr lang="fr-FR" sz="1400" dirty="0" err="1" smtClean="0"/>
+              <a:t>elements</a:t>
+            </a:r>
+            <a:r>
+              <a:rPr lang="fr-FR" sz="1400" dirty="0" smtClean="0"/>
+              <a:t> in the expansion of J.</a:t>
+            </a:r>
+          </a:p>
+          <a:p>
+            <a:pPr algn="ctr"/>
+            <a:r>
+              <a:rPr lang="fr-FR" sz="1400" dirty="0" smtClean="0"/>
+              <a:t>(</a:t>
+            </a:r>
+            <a:r>
+              <a:rPr lang="fr-FR" sz="1400" dirty="0" err="1"/>
+              <a:t>S</a:t>
+            </a:r>
+            <a:r>
+              <a:rPr lang="fr-FR" sz="1400" dirty="0" err="1" smtClean="0"/>
+              <a:t>eems</a:t>
+            </a:r>
+            <a:r>
+              <a:rPr lang="fr-FR" sz="1400" dirty="0" smtClean="0"/>
+              <a:t> </a:t>
+            </a:r>
+            <a:r>
+              <a:rPr lang="fr-FR" sz="1400" dirty="0" err="1"/>
+              <a:t>e</a:t>
+            </a:r>
+            <a:r>
+              <a:rPr lang="fr-FR" sz="1400" dirty="0" err="1" smtClean="0"/>
+              <a:t>nough</a:t>
+            </a:r>
+            <a:r>
+              <a:rPr lang="fr-FR" sz="1400" dirty="0" smtClean="0"/>
+              <a:t>, </a:t>
+            </a:r>
+            <a:r>
+              <a:rPr lang="fr-FR" sz="1400" dirty="0" err="1" smtClean="0"/>
+              <a:t>checked</a:t>
+            </a:r>
+            <a:r>
+              <a:rPr lang="fr-FR" sz="1400" dirty="0" smtClean="0"/>
+              <a:t> for convergence. </a:t>
+            </a:r>
+            <a:r>
+              <a:rPr lang="fr-FR" sz="1400" dirty="0" err="1" smtClean="0"/>
+              <a:t>Could</a:t>
+            </a:r>
+            <a:r>
+              <a:rPr lang="fr-FR" sz="1400" dirty="0" smtClean="0"/>
+              <a:t> </a:t>
+            </a:r>
+            <a:r>
+              <a:rPr lang="fr-FR" sz="1400" dirty="0" err="1" smtClean="0"/>
+              <a:t>be</a:t>
+            </a:r>
+            <a:r>
+              <a:rPr lang="fr-FR" sz="1400" dirty="0" smtClean="0"/>
+              <a:t> </a:t>
+            </a:r>
+            <a:r>
+              <a:rPr lang="fr-FR" sz="1400" dirty="0" err="1" smtClean="0"/>
+              <a:t>increased</a:t>
+            </a:r>
+            <a:r>
+              <a:rPr lang="fr-FR" sz="1400" dirty="0" smtClean="0"/>
+              <a:t>.)</a:t>
+            </a:r>
+          </a:p>
+        </p:txBody>
+      </p:sp>
+      <p:pic>
+        <p:nvPicPr>
+          <p:cNvPr id="10" name="Picture 9"/>
+          <p:cNvPicPr>
+            <a:picLocks noChangeAspect="1"/>
+          </p:cNvPicPr>
+          <p:nvPr/>
+        </p:nvPicPr>
+        <p:blipFill>
+          <a:blip r:embed="rId5" cstate="print">
+            <a:extLst>
+              <a:ext uri="{28A0092B-C50C-407E-A947-70E740481C1C}">
+                <a14:useLocalDpi xmlns:a14="http://schemas.microsoft.com/office/drawing/2010/main" val="0"/>
+              </a:ext>
+            </a:extLst>
+          </a:blip>
+          <a:stretch>
+            <a:fillRect/>
+          </a:stretch>
+        </p:blipFill>
+        <p:spPr>
+          <a:xfrm>
+            <a:off x="5544001" y="4024364"/>
+            <a:ext cx="3599997" cy="2701901"/>
+          </a:xfrm>
+          <a:prstGeom prst="rect">
+            <a:avLst/>
+          </a:prstGeom>
+        </p:spPr>
+      </p:pic>
+      <p:sp>
+        <p:nvSpPr>
+          <p:cNvPr id="11" name="ZoneTexte 10"/>
+          <p:cNvSpPr txBox="1"/>
+          <p:nvPr/>
+        </p:nvSpPr>
+        <p:spPr>
+          <a:xfrm>
+            <a:off x="3707904" y="2905780"/>
+            <a:ext cx="1872208" cy="523220"/>
+          </a:xfrm>
+          <a:prstGeom prst="rect">
+            <a:avLst/>
+          </a:prstGeom>
+          <a:noFill/>
+        </p:spPr>
+        <p:txBody>
+          <a:bodyPr wrap="square" rtlCol="0">
+            <a:spAutoFit/>
+          </a:bodyPr>
+          <a:lstStyle/>
+          <a:p>
+            <a:pPr algn="ctr"/>
+            <a:r>
+              <a:rPr lang="fr-FR" sz="1400" dirty="0" smtClean="0"/>
+              <a:t>f=50MHz</a:t>
+            </a:r>
+          </a:p>
+          <a:p>
+            <a:pPr algn="ctr"/>
+            <a:r>
+              <a:rPr lang="fr-FR" sz="1400" dirty="0" smtClean="0"/>
+              <a:t>D(H)5%</a:t>
+            </a:r>
+          </a:p>
+        </p:txBody>
+      </p:sp>
+      <p:sp>
+        <p:nvSpPr>
+          <p:cNvPr id="12" name="ZoneTexte 32"/>
+          <p:cNvSpPr txBox="1"/>
+          <p:nvPr/>
+        </p:nvSpPr>
+        <p:spPr>
+          <a:xfrm>
+            <a:off x="323528" y="476672"/>
+            <a:ext cx="1276644" cy="461665"/>
+          </a:xfrm>
+          <a:prstGeom prst="rect">
+            <a:avLst/>
+          </a:prstGeom>
+        </p:spPr>
+        <p:style>
+          <a:lnRef idx="2">
+            <a:schemeClr val="accent6"/>
+          </a:lnRef>
+          <a:fillRef idx="1">
+            <a:schemeClr val="lt1"/>
+          </a:fillRef>
+          <a:effectRef idx="0">
+            <a:schemeClr val="accent6"/>
+          </a:effectRef>
+          <a:fontRef idx="minor">
+            <a:schemeClr val="dk1"/>
+          </a:fontRef>
+        </p:style>
+        <p:txBody>
+          <a:bodyPr wrap="square" rtlCol="0">
+            <a:spAutoFit/>
+          </a:bodyPr>
+          <a:lstStyle/>
+          <a:p>
+            <a:pPr algn="ctr"/>
+            <a:r>
+              <a:rPr lang="fr-FR" sz="1200" dirty="0" err="1" smtClean="0"/>
+              <a:t>Linear</a:t>
+            </a:r>
+            <a:r>
+              <a:rPr lang="fr-FR" sz="1200" dirty="0" smtClean="0"/>
+              <a:t> </a:t>
+            </a:r>
+            <a:r>
+              <a:rPr lang="fr-FR" sz="1200" dirty="0" err="1" smtClean="0"/>
+              <a:t>density</a:t>
+            </a:r>
+            <a:r>
+              <a:rPr lang="fr-FR" sz="1200" dirty="0" smtClean="0"/>
+              <a:t> plasma</a:t>
+            </a:r>
+            <a:endParaRPr lang="fr-FR" sz="1200" dirty="0"/>
+          </a:p>
+        </p:txBody>
+      </p:sp>
+    </p:spTree>
+    <p:extLst>
+      <p:ext uri="{BB962C8B-B14F-4D97-AF65-F5344CB8AC3E}">
+        <p14:creationId xmlns:p14="http://schemas.microsoft.com/office/powerpoint/2010/main" val="3103764326"/>
+      </p:ext>
+    </p:extLst>
+  </p:cSld>
+  <p:clrMapOvr>
+    <a:masterClrMapping/>
+  </p:clrMapOvr>
+</p:sld>
+</file>
+
+<file path=ppt/slides/slide13.xml><?xml version="1.0" encoding="utf-8"?>
+<p:sld xmlns:a="http://schemas.openxmlformats.org/drawingml/2006/main" xmlns:r="http://schemas.openxmlformats.org/officeDocument/2006/relationships" xmlns:p="http://schemas.openxmlformats.org/presentationml/2006/main">
+  <p:cSld>
+    <p:spTree>
+      <p:nvGrpSpPr>
+        <p:cNvPr id="1" name=""/>
+        <p:cNvGrpSpPr/>
+        <p:nvPr/>
+      </p:nvGrpSpPr>
+      <p:grpSpPr>
+        <a:xfrm>
+          <a:off x="0" y="0"/>
+          <a:ext cx="0" cy="0"/>
+          <a:chOff x="0" y="0"/>
+          <a:chExt cx="0" cy="0"/>
+        </a:xfrm>
+      </p:grpSpPr>
+      <p:sp>
+        <p:nvSpPr>
+          <p:cNvPr id="2" name="Titre 1"/>
+          <p:cNvSpPr>
+            <a:spLocks noGrp="1"/>
+          </p:cNvSpPr>
+          <p:nvPr>
+            <p:ph type="title"/>
+          </p:nvPr>
+        </p:nvSpPr>
+        <p:spPr/>
+        <p:txBody>
+          <a:bodyPr/>
+          <a:lstStyle/>
+          <a:p>
+            <a:r>
+              <a:rPr lang="fr-FR" dirty="0" smtClean="0"/>
+              <a:t>Plasma </a:t>
+            </a:r>
+            <a:r>
+              <a:rPr lang="fr-FR" dirty="0" err="1" smtClean="0"/>
+              <a:t>Response</a:t>
+            </a:r>
+            <a:endParaRPr lang="fr-FR" dirty="0"/>
+          </a:p>
+        </p:txBody>
+      </p:sp>
+      <p:pic>
+        <p:nvPicPr>
+          <p:cNvPr id="5" name="Picture 4"/>
+          <p:cNvPicPr>
+            <a:picLocks noChangeAspect="1"/>
+          </p:cNvPicPr>
+          <p:nvPr/>
+        </p:nvPicPr>
+        <p:blipFill>
+          <a:blip r:embed="rId2" cstate="print">
+            <a:extLst>
+              <a:ext uri="{28A0092B-C50C-407E-A947-70E740481C1C}">
+                <a14:useLocalDpi xmlns:a14="http://schemas.microsoft.com/office/drawing/2010/main" val="0"/>
+              </a:ext>
+            </a:extLst>
+          </a:blip>
+          <a:stretch>
+            <a:fillRect/>
+          </a:stretch>
+        </p:blipFill>
+        <p:spPr>
+          <a:xfrm>
+            <a:off x="5544000" y="1231154"/>
+            <a:ext cx="3599999" cy="2701902"/>
+          </a:xfrm>
+          <a:prstGeom prst="rect">
+            <a:avLst/>
+          </a:prstGeom>
+        </p:spPr>
+      </p:pic>
+      <p:pic>
+        <p:nvPicPr>
+          <p:cNvPr id="28" name="Picture 27"/>
+          <p:cNvPicPr>
+            <a:picLocks noChangeAspect="1"/>
+          </p:cNvPicPr>
+          <p:nvPr/>
+        </p:nvPicPr>
+        <p:blipFill>
+          <a:blip r:embed="rId3" cstate="print">
+            <a:extLst>
+              <a:ext uri="{28A0092B-C50C-407E-A947-70E740481C1C}">
+                <a14:useLocalDpi xmlns:a14="http://schemas.microsoft.com/office/drawing/2010/main" val="0"/>
+              </a:ext>
+            </a:extLst>
+          </a:blip>
+          <a:stretch>
+            <a:fillRect/>
+          </a:stretch>
+        </p:blipFill>
+        <p:spPr>
+          <a:xfrm>
+            <a:off x="179913" y="4024364"/>
+            <a:ext cx="3599997" cy="2701901"/>
+          </a:xfrm>
+          <a:prstGeom prst="rect">
+            <a:avLst/>
+          </a:prstGeom>
+        </p:spPr>
+      </p:pic>
+      <p:pic>
+        <p:nvPicPr>
+          <p:cNvPr id="32" name="Picture 31"/>
+          <p:cNvPicPr>
+            <a:picLocks noChangeAspect="1"/>
+          </p:cNvPicPr>
+          <p:nvPr/>
+        </p:nvPicPr>
+        <p:blipFill>
+          <a:blip r:embed="rId4" cstate="print">
+            <a:extLst>
+              <a:ext uri="{28A0092B-C50C-407E-A947-70E740481C1C}">
+                <a14:useLocalDpi xmlns:a14="http://schemas.microsoft.com/office/drawing/2010/main" val="0"/>
+              </a:ext>
+            </a:extLst>
+          </a:blip>
+          <a:stretch>
+            <a:fillRect/>
+          </a:stretch>
+        </p:blipFill>
+        <p:spPr>
+          <a:xfrm>
+            <a:off x="179513" y="1231154"/>
+            <a:ext cx="3599997" cy="2701901"/>
+          </a:xfrm>
+          <a:prstGeom prst="rect">
+            <a:avLst/>
+          </a:prstGeom>
+        </p:spPr>
+      </p:pic>
+      <p:pic>
+        <p:nvPicPr>
+          <p:cNvPr id="34" name="Picture 33"/>
+          <p:cNvPicPr>
+            <a:picLocks noChangeAspect="1"/>
+          </p:cNvPicPr>
+          <p:nvPr/>
+        </p:nvPicPr>
+        <p:blipFill>
+          <a:blip r:embed="rId5" cstate="print">
+            <a:extLst>
+              <a:ext uri="{28A0092B-C50C-407E-A947-70E740481C1C}">
+                <a14:useLocalDpi xmlns:a14="http://schemas.microsoft.com/office/drawing/2010/main" val="0"/>
+              </a:ext>
+            </a:extLst>
+          </a:blip>
+          <a:stretch>
+            <a:fillRect/>
+          </a:stretch>
+        </p:blipFill>
+        <p:spPr>
+          <a:xfrm>
+            <a:off x="5544001" y="4024364"/>
+            <a:ext cx="3599997" cy="2701901"/>
+          </a:xfrm>
+          <a:prstGeom prst="rect">
+            <a:avLst/>
+          </a:prstGeom>
+        </p:spPr>
+      </p:pic>
+      <p:sp>
+        <p:nvSpPr>
+          <p:cNvPr id="29" name="ZoneTexte 10"/>
+          <p:cNvSpPr txBox="1"/>
+          <p:nvPr/>
+        </p:nvSpPr>
+        <p:spPr>
+          <a:xfrm>
+            <a:off x="3635896" y="1340768"/>
+            <a:ext cx="1872208" cy="738664"/>
+          </a:xfrm>
+          <a:prstGeom prst="rect">
+            <a:avLst/>
+          </a:prstGeom>
+          <a:noFill/>
+        </p:spPr>
+        <p:txBody>
+          <a:bodyPr wrap="square" rtlCol="0">
+            <a:spAutoFit/>
+          </a:bodyPr>
+          <a:lstStyle/>
+          <a:p>
+            <a:pPr algn="ctr"/>
+            <a:r>
+              <a:rPr lang="fr-FR" sz="1400" dirty="0" smtClean="0"/>
+              <a:t>B </a:t>
+            </a:r>
+            <a:r>
+              <a:rPr lang="fr-FR" sz="1400" dirty="0" err="1" smtClean="0"/>
+              <a:t>is</a:t>
+            </a:r>
+            <a:r>
+              <a:rPr lang="fr-FR" sz="1400" dirty="0" smtClean="0"/>
+              <a:t> </a:t>
+            </a:r>
+            <a:r>
+              <a:rPr lang="fr-FR" sz="1400" dirty="0" err="1" smtClean="0"/>
+              <a:t>taken</a:t>
+            </a:r>
+            <a:r>
+              <a:rPr lang="fr-FR" sz="1400" dirty="0" smtClean="0"/>
+              <a:t> constant but </a:t>
+            </a:r>
+            <a:r>
+              <a:rPr lang="fr-FR" sz="1400" dirty="0" err="1" smtClean="0"/>
+              <a:t>could</a:t>
+            </a:r>
+            <a:r>
+              <a:rPr lang="fr-FR" sz="1400" dirty="0" smtClean="0"/>
+              <a:t> have the </a:t>
+            </a:r>
+            <a:r>
+              <a:rPr lang="fr-FR" sz="1400" dirty="0" err="1" smtClean="0"/>
+              <a:t>usual</a:t>
+            </a:r>
+            <a:r>
+              <a:rPr lang="fr-FR" sz="1400" dirty="0" smtClean="0"/>
+              <a:t> 1/R </a:t>
+            </a:r>
+            <a:r>
+              <a:rPr lang="fr-FR" sz="1400" dirty="0" err="1" smtClean="0"/>
+              <a:t>dependency</a:t>
+            </a:r>
+            <a:endParaRPr lang="fr-FR" sz="1400" dirty="0" smtClean="0"/>
+          </a:p>
+        </p:txBody>
+      </p:sp>
+      <p:sp>
+        <p:nvSpPr>
+          <p:cNvPr id="10" name="ZoneTexte 10"/>
+          <p:cNvSpPr txBox="1"/>
+          <p:nvPr/>
+        </p:nvSpPr>
+        <p:spPr>
+          <a:xfrm>
+            <a:off x="3707904" y="2761183"/>
+            <a:ext cx="1872208" cy="523220"/>
+          </a:xfrm>
+          <a:prstGeom prst="rect">
+            <a:avLst/>
+          </a:prstGeom>
+          <a:noFill/>
+        </p:spPr>
+        <p:txBody>
+          <a:bodyPr wrap="square" rtlCol="0">
+            <a:spAutoFit/>
+          </a:bodyPr>
+          <a:lstStyle/>
+          <a:p>
+            <a:pPr algn="ctr"/>
+            <a:r>
+              <a:rPr lang="fr-FR" sz="1400" dirty="0" smtClean="0"/>
+              <a:t>f=50MHz</a:t>
+            </a:r>
+          </a:p>
+          <a:p>
+            <a:pPr algn="ctr"/>
+            <a:r>
+              <a:rPr lang="fr-FR" sz="1400" dirty="0" smtClean="0"/>
+              <a:t>D(H)5%</a:t>
+            </a:r>
+          </a:p>
+        </p:txBody>
+      </p:sp>
+      <p:sp>
+        <p:nvSpPr>
+          <p:cNvPr id="11" name="ZoneTexte 10"/>
+          <p:cNvSpPr txBox="1"/>
+          <p:nvPr/>
+        </p:nvSpPr>
+        <p:spPr>
+          <a:xfrm>
+            <a:off x="3707904" y="4571836"/>
+            <a:ext cx="1872208" cy="646331"/>
+          </a:xfrm>
+          <a:prstGeom prst="rect">
+            <a:avLst/>
+          </a:prstGeom>
+          <a:noFill/>
+        </p:spPr>
+        <p:txBody>
+          <a:bodyPr wrap="square" rtlCol="0">
+            <a:spAutoFit/>
+          </a:bodyPr>
+          <a:lstStyle/>
+          <a:p>
+            <a:pPr algn="ctr"/>
+            <a:r>
+              <a:rPr lang="fr-FR" dirty="0" err="1" smtClean="0"/>
+              <a:t>Dipole</a:t>
+            </a:r>
+            <a:r>
+              <a:rPr lang="fr-FR" dirty="0" smtClean="0"/>
+              <a:t> </a:t>
+            </a:r>
+            <a:r>
+              <a:rPr lang="fr-FR" dirty="0" err="1" smtClean="0"/>
+              <a:t>phasing</a:t>
+            </a:r>
+            <a:endParaRPr lang="fr-FR" dirty="0" smtClean="0"/>
+          </a:p>
+          <a:p>
+            <a:pPr algn="ctr"/>
+            <a:r>
+              <a:rPr lang="fr-FR" dirty="0" smtClean="0"/>
+              <a:t>Z</a:t>
+            </a:r>
+            <a:r>
+              <a:rPr lang="fr-FR" baseline="-25000" dirty="0" smtClean="0"/>
+              <a:t>A</a:t>
+            </a:r>
+            <a:r>
+              <a:rPr lang="fr-FR" dirty="0" smtClean="0"/>
+              <a:t>=R</a:t>
+            </a:r>
+            <a:r>
+              <a:rPr lang="fr-FR" baseline="-25000" dirty="0" smtClean="0"/>
+              <a:t>A3</a:t>
+            </a:r>
+            <a:r>
+              <a:rPr lang="fr-FR" dirty="0" smtClean="0"/>
+              <a:t>+iX</a:t>
+            </a:r>
+            <a:r>
+              <a:rPr lang="fr-FR" baseline="-25000" dirty="0" smtClean="0"/>
+              <a:t>A3</a:t>
+            </a:r>
+          </a:p>
+        </p:txBody>
+      </p:sp>
+      <p:sp>
+        <p:nvSpPr>
+          <p:cNvPr id="13" name="ZoneTexte 10"/>
+          <p:cNvSpPr txBox="1"/>
+          <p:nvPr/>
+        </p:nvSpPr>
+        <p:spPr>
+          <a:xfrm>
+            <a:off x="3441296" y="3574757"/>
+            <a:ext cx="2261408" cy="523220"/>
+          </a:xfrm>
+          <a:prstGeom prst="rect">
+            <a:avLst/>
+          </a:prstGeom>
+        </p:spPr>
+        <p:style>
+          <a:lnRef idx="2">
+            <a:schemeClr val="accent5"/>
+          </a:lnRef>
+          <a:fillRef idx="1">
+            <a:schemeClr val="lt1"/>
+          </a:fillRef>
+          <a:effectRef idx="0">
+            <a:schemeClr val="accent5"/>
+          </a:effectRef>
+          <a:fontRef idx="minor">
+            <a:schemeClr val="dk1"/>
+          </a:fontRef>
+        </p:style>
+        <p:txBody>
+          <a:bodyPr wrap="square" rtlCol="0">
+            <a:spAutoFit/>
+          </a:bodyPr>
+          <a:lstStyle/>
+          <a:p>
+            <a:pPr algn="ctr"/>
+            <a:r>
+              <a:rPr lang="fr-FR" sz="1400" dirty="0" smtClean="0"/>
+              <a:t>Z</a:t>
+            </a:r>
+            <a:r>
+              <a:rPr lang="fr-FR" sz="1400" baseline="-25000" dirty="0" smtClean="0"/>
+              <a:t>11</a:t>
+            </a:r>
+            <a:r>
+              <a:rPr lang="fr-FR" sz="1400" dirty="0" smtClean="0"/>
+              <a:t>=(4.42-i135.34)ohm/m</a:t>
+            </a:r>
+          </a:p>
+          <a:p>
+            <a:pPr algn="ctr"/>
+            <a:r>
+              <a:rPr lang="fr-FR" sz="1400" dirty="0"/>
+              <a:t>Z</a:t>
+            </a:r>
+            <a:r>
+              <a:rPr lang="fr-FR" sz="1400" baseline="-25000" dirty="0"/>
+              <a:t>21</a:t>
+            </a:r>
+            <a:r>
+              <a:rPr lang="fr-FR" sz="1400" dirty="0" smtClean="0"/>
+              <a:t>=(3.68-i18.78)ohm/m</a:t>
+            </a:r>
+            <a:endParaRPr lang="fr-FR" sz="1400" baseline="-25000" dirty="0"/>
+          </a:p>
+        </p:txBody>
+      </p:sp>
+      <p:sp>
+        <p:nvSpPr>
+          <p:cNvPr id="12" name="ZoneTexte 32"/>
+          <p:cNvSpPr txBox="1"/>
+          <p:nvPr/>
+        </p:nvSpPr>
+        <p:spPr>
+          <a:xfrm>
+            <a:off x="323528" y="476672"/>
+            <a:ext cx="1276644" cy="461665"/>
+          </a:xfrm>
+          <a:prstGeom prst="rect">
+            <a:avLst/>
+          </a:prstGeom>
+        </p:spPr>
+        <p:style>
+          <a:lnRef idx="2">
+            <a:schemeClr val="accent6"/>
+          </a:lnRef>
+          <a:fillRef idx="1">
+            <a:schemeClr val="lt1"/>
+          </a:fillRef>
+          <a:effectRef idx="0">
+            <a:schemeClr val="accent6"/>
+          </a:effectRef>
+          <a:fontRef idx="minor">
+            <a:schemeClr val="dk1"/>
+          </a:fontRef>
+        </p:style>
+        <p:txBody>
+          <a:bodyPr wrap="square" rtlCol="0">
+            <a:spAutoFit/>
+          </a:bodyPr>
+          <a:lstStyle/>
+          <a:p>
+            <a:pPr algn="ctr"/>
+            <a:r>
+              <a:rPr lang="fr-FR" sz="1200" dirty="0" err="1" smtClean="0"/>
+              <a:t>Linear</a:t>
+            </a:r>
+            <a:r>
+              <a:rPr lang="fr-FR" sz="1200" dirty="0" smtClean="0"/>
+              <a:t> </a:t>
+            </a:r>
+            <a:r>
+              <a:rPr lang="fr-FR" sz="1200" dirty="0" err="1" smtClean="0"/>
+              <a:t>density</a:t>
+            </a:r>
+            <a:r>
+              <a:rPr lang="fr-FR" sz="1200" dirty="0" smtClean="0"/>
+              <a:t> plasma</a:t>
+            </a:r>
+            <a:endParaRPr lang="fr-FR" sz="1200" dirty="0"/>
+          </a:p>
+        </p:txBody>
+      </p:sp>
+    </p:spTree>
+    <p:extLst>
+      <p:ext uri="{BB962C8B-B14F-4D97-AF65-F5344CB8AC3E}">
+        <p14:creationId xmlns:p14="http://schemas.microsoft.com/office/powerpoint/2010/main" val="2936258547"/>
       </p:ext>
     </p:extLst>
   </p:cSld>
@@ -7111,10 +9630,2558 @@
           </a:p>
         </p:txBody>
       </p:sp>
+      <p:sp>
+        <p:nvSpPr>
+          <p:cNvPr id="29" name="ZoneTexte 10"/>
+          <p:cNvSpPr txBox="1"/>
+          <p:nvPr/>
+        </p:nvSpPr>
+        <p:spPr>
+          <a:xfrm>
+            <a:off x="451338" y="5373216"/>
+            <a:ext cx="6947095" cy="1200329"/>
+          </a:xfrm>
+          <a:prstGeom prst="rect">
+            <a:avLst/>
+          </a:prstGeom>
+          <a:noFill/>
+        </p:spPr>
+        <p:txBody>
+          <a:bodyPr wrap="none" rtlCol="0">
+            <a:spAutoFit/>
+          </a:bodyPr>
+          <a:lstStyle/>
+          <a:p>
+            <a:r>
+              <a:rPr lang="fr-FR" dirty="0" err="1"/>
+              <a:t>x</a:t>
+            </a:r>
+            <a:r>
+              <a:rPr lang="fr-FR" dirty="0" err="1" smtClean="0"/>
+              <a:t>_plasma</a:t>
+            </a:r>
+            <a:r>
+              <a:rPr lang="fr-FR" dirty="0" smtClean="0"/>
+              <a:t>=0.05</a:t>
+            </a:r>
+          </a:p>
+          <a:p>
+            <a:endParaRPr lang="fr-FR" dirty="0" smtClean="0"/>
+          </a:p>
+          <a:p>
+            <a:r>
+              <a:rPr lang="fr-FR" dirty="0" smtClean="0"/>
+              <a:t>ANTITER: Base </a:t>
+            </a:r>
+            <a:r>
+              <a:rPr lang="fr-FR" dirty="0" err="1" smtClean="0"/>
+              <a:t>density</a:t>
+            </a:r>
+            <a:r>
+              <a:rPr lang="fr-FR" dirty="0" smtClean="0"/>
+              <a:t> for vacuum </a:t>
+            </a:r>
+            <a:r>
+              <a:rPr lang="fr-FR" dirty="0" err="1" smtClean="0"/>
+              <a:t>is</a:t>
+            </a:r>
+            <a:r>
+              <a:rPr lang="fr-FR" dirty="0" smtClean="0"/>
+              <a:t> </a:t>
+            </a:r>
+            <a:r>
+              <a:rPr lang="fr-FR" dirty="0" err="1" smtClean="0"/>
+              <a:t>n_edge</a:t>
+            </a:r>
+            <a:r>
+              <a:rPr lang="fr-FR" dirty="0" smtClean="0"/>
+              <a:t>=1e11</a:t>
+            </a:r>
+          </a:p>
+          <a:p>
+            <a:r>
+              <a:rPr lang="fr-FR" dirty="0" smtClean="0"/>
+              <a:t>This </a:t>
+            </a:r>
+            <a:r>
+              <a:rPr lang="fr-FR" dirty="0" err="1" smtClean="0"/>
+              <a:t>is</a:t>
+            </a:r>
+            <a:r>
+              <a:rPr lang="fr-FR" dirty="0" smtClean="0"/>
+              <a:t> made for </a:t>
+            </a:r>
+            <a:r>
+              <a:rPr lang="fr-FR" dirty="0" err="1" smtClean="0"/>
+              <a:t>numerics</a:t>
+            </a:r>
+            <a:r>
+              <a:rPr lang="fr-FR" dirty="0" smtClean="0"/>
+              <a:t> but has a </a:t>
+            </a:r>
+            <a:r>
+              <a:rPr lang="fr-FR" dirty="0" err="1" smtClean="0"/>
+              <a:t>very</a:t>
+            </a:r>
+            <a:r>
+              <a:rPr lang="fr-FR" dirty="0" smtClean="0"/>
+              <a:t> </a:t>
+            </a:r>
+            <a:r>
+              <a:rPr lang="fr-FR" dirty="0" err="1" smtClean="0"/>
+              <a:t>low</a:t>
+            </a:r>
+            <a:r>
+              <a:rPr lang="fr-FR" dirty="0" smtClean="0"/>
+              <a:t> impact on </a:t>
+            </a:r>
+            <a:r>
+              <a:rPr lang="fr-FR" dirty="0" err="1" smtClean="0"/>
+              <a:t>kperp</a:t>
+            </a:r>
+            <a:r>
+              <a:rPr lang="fr-FR" dirty="0" smtClean="0"/>
+              <a:t> in vacuum</a:t>
+            </a:r>
+            <a:endParaRPr lang="fr-FR" dirty="0"/>
+          </a:p>
+        </p:txBody>
+      </p:sp>
     </p:spTree>
     <p:extLst>
       <p:ext uri="{BB962C8B-B14F-4D97-AF65-F5344CB8AC3E}">
         <p14:creationId xmlns:p14="http://schemas.microsoft.com/office/powerpoint/2010/main" val="1932039448"/>
+      </p:ext>
+    </p:extLst>
+  </p:cSld>
+  <p:clrMapOvr>
+    <a:masterClrMapping/>
+  </p:clrMapOvr>
+</p:sld>
+</file>
+
+<file path=ppt/slides/slide4.xml><?xml version="1.0" encoding="utf-8"?>
+<p:sld xmlns:a="http://schemas.openxmlformats.org/drawingml/2006/main" xmlns:r="http://schemas.openxmlformats.org/officeDocument/2006/relationships" xmlns:p="http://schemas.openxmlformats.org/presentationml/2006/main">
+  <p:cSld>
+    <p:spTree>
+      <p:nvGrpSpPr>
+        <p:cNvPr id="1" name=""/>
+        <p:cNvGrpSpPr/>
+        <p:nvPr/>
+      </p:nvGrpSpPr>
+      <p:grpSpPr>
+        <a:xfrm>
+          <a:off x="0" y="0"/>
+          <a:ext cx="0" cy="0"/>
+          <a:chOff x="0" y="0"/>
+          <a:chExt cx="0" cy="0"/>
+        </a:xfrm>
+      </p:grpSpPr>
+      <p:sp>
+        <p:nvSpPr>
+          <p:cNvPr id="2" name="Title 1"/>
+          <p:cNvSpPr>
+            <a:spLocks noGrp="1"/>
+          </p:cNvSpPr>
+          <p:nvPr>
+            <p:ph type="ctrTitle"/>
+          </p:nvPr>
+        </p:nvSpPr>
+        <p:spPr/>
+        <p:txBody>
+          <a:bodyPr>
+            <a:normAutofit/>
+          </a:bodyPr>
+          <a:lstStyle/>
+          <a:p>
+            <a:r>
+              <a:rPr lang="en-GB" dirty="0" smtClean="0"/>
+              <a:t>First </a:t>
+            </a:r>
+            <a:r>
+              <a:rPr lang="en-GB" dirty="0" smtClean="0"/>
+              <a:t>case:</a:t>
+            </a:r>
+            <a:br>
+              <a:rPr lang="en-GB" dirty="0" smtClean="0"/>
+            </a:br>
+            <a:r>
+              <a:rPr lang="en-GB" dirty="0" smtClean="0"/>
+              <a:t>Double strap – constant profile</a:t>
+            </a:r>
+            <a:endParaRPr lang="en-GB" dirty="0"/>
+          </a:p>
+        </p:txBody>
+      </p:sp>
+    </p:spTree>
+    <p:extLst>
+      <p:ext uri="{BB962C8B-B14F-4D97-AF65-F5344CB8AC3E}">
+        <p14:creationId xmlns:p14="http://schemas.microsoft.com/office/powerpoint/2010/main" val="2236169441"/>
+      </p:ext>
+    </p:extLst>
+  </p:cSld>
+  <p:clrMapOvr>
+    <a:masterClrMapping/>
+  </p:clrMapOvr>
+</p:sld>
+</file>
+
+<file path=ppt/slides/slide5.xml><?xml version="1.0" encoding="utf-8"?>
+<p:sld xmlns:a="http://schemas.openxmlformats.org/drawingml/2006/main" xmlns:r="http://schemas.openxmlformats.org/officeDocument/2006/relationships" xmlns:p="http://schemas.openxmlformats.org/presentationml/2006/main">
+  <p:cSld>
+    <p:spTree>
+      <p:nvGrpSpPr>
+        <p:cNvPr id="1" name=""/>
+        <p:cNvGrpSpPr/>
+        <p:nvPr/>
+      </p:nvGrpSpPr>
+      <p:grpSpPr>
+        <a:xfrm>
+          <a:off x="0" y="0"/>
+          <a:ext cx="0" cy="0"/>
+          <a:chOff x="0" y="0"/>
+          <a:chExt cx="0" cy="0"/>
+        </a:xfrm>
+      </p:grpSpPr>
+      <p:sp>
+        <p:nvSpPr>
+          <p:cNvPr id="2" name="Titre 1"/>
+          <p:cNvSpPr>
+            <a:spLocks noGrp="1"/>
+          </p:cNvSpPr>
+          <p:nvPr>
+            <p:ph type="title"/>
+          </p:nvPr>
+        </p:nvSpPr>
+        <p:spPr/>
+        <p:txBody>
+          <a:bodyPr/>
+          <a:lstStyle/>
+          <a:p>
+            <a:r>
+              <a:rPr lang="fr-FR" dirty="0" smtClean="0"/>
+              <a:t>Plasma Configuration</a:t>
+            </a:r>
+            <a:endParaRPr lang="fr-FR" dirty="0"/>
+          </a:p>
+        </p:txBody>
+      </p:sp>
+      <p:cxnSp>
+        <p:nvCxnSpPr>
+          <p:cNvPr id="3" name="Connecteur droit avec flèche 2"/>
+          <p:cNvCxnSpPr/>
+          <p:nvPr/>
+        </p:nvCxnSpPr>
+        <p:spPr>
+          <a:xfrm>
+            <a:off x="2979417" y="2572692"/>
+            <a:ext cx="3886812" cy="0"/>
+          </a:xfrm>
+          <a:prstGeom prst="straightConnector1">
+            <a:avLst/>
+          </a:prstGeom>
+          <a:ln w="28575">
+            <a:solidFill>
+              <a:schemeClr val="tx1">
+                <a:lumMod val="95000"/>
+                <a:lumOff val="5000"/>
+              </a:schemeClr>
+            </a:solidFill>
+            <a:tailEnd type="arrow"/>
+          </a:ln>
+        </p:spPr>
+        <p:style>
+          <a:lnRef idx="1">
+            <a:schemeClr val="accent1"/>
+          </a:lnRef>
+          <a:fillRef idx="0">
+            <a:schemeClr val="accent1"/>
+          </a:fillRef>
+          <a:effectRef idx="0">
+            <a:schemeClr val="accent1"/>
+          </a:effectRef>
+          <a:fontRef idx="minor">
+            <a:schemeClr val="tx1"/>
+          </a:fontRef>
+        </p:style>
+      </p:cxnSp>
+      <p:cxnSp>
+        <p:nvCxnSpPr>
+          <p:cNvPr id="4" name="Connecteur droit avec flèche 3"/>
+          <p:cNvCxnSpPr/>
+          <p:nvPr/>
+        </p:nvCxnSpPr>
+        <p:spPr>
+          <a:xfrm flipV="1">
+            <a:off x="2979417" y="1569184"/>
+            <a:ext cx="0" cy="1003508"/>
+          </a:xfrm>
+          <a:prstGeom prst="straightConnector1">
+            <a:avLst/>
+          </a:prstGeom>
+          <a:ln w="28575">
+            <a:solidFill>
+              <a:schemeClr val="tx1">
+                <a:lumMod val="95000"/>
+                <a:lumOff val="5000"/>
+              </a:schemeClr>
+            </a:solidFill>
+            <a:tailEnd type="arrow"/>
+          </a:ln>
+        </p:spPr>
+        <p:style>
+          <a:lnRef idx="1">
+            <a:schemeClr val="accent1"/>
+          </a:lnRef>
+          <a:fillRef idx="0">
+            <a:schemeClr val="accent1"/>
+          </a:fillRef>
+          <a:effectRef idx="0">
+            <a:schemeClr val="accent1"/>
+          </a:effectRef>
+          <a:fontRef idx="minor">
+            <a:schemeClr val="tx1"/>
+          </a:fontRef>
+        </p:style>
+      </p:cxnSp>
+      <p:sp>
+        <p:nvSpPr>
+          <p:cNvPr id="11" name="ZoneTexte 10"/>
+          <p:cNvSpPr txBox="1"/>
+          <p:nvPr/>
+        </p:nvSpPr>
+        <p:spPr>
+          <a:xfrm>
+            <a:off x="2257717" y="1703908"/>
+            <a:ext cx="654346" cy="369332"/>
+          </a:xfrm>
+          <a:prstGeom prst="rect">
+            <a:avLst/>
+          </a:prstGeom>
+          <a:noFill/>
+        </p:spPr>
+        <p:txBody>
+          <a:bodyPr wrap="none" rtlCol="0">
+            <a:spAutoFit/>
+          </a:bodyPr>
+          <a:lstStyle/>
+          <a:p>
+            <a:r>
+              <a:rPr lang="fr-FR" dirty="0" smtClean="0"/>
+              <a:t>n_e0</a:t>
+            </a:r>
+            <a:endParaRPr lang="fr-FR" dirty="0"/>
+          </a:p>
+        </p:txBody>
+      </p:sp>
+      <p:sp>
+        <p:nvSpPr>
+          <p:cNvPr id="12" name="ZoneTexte 11"/>
+          <p:cNvSpPr txBox="1"/>
+          <p:nvPr/>
+        </p:nvSpPr>
+        <p:spPr>
+          <a:xfrm>
+            <a:off x="6938237" y="2572692"/>
+            <a:ext cx="284052" cy="369332"/>
+          </a:xfrm>
+          <a:prstGeom prst="rect">
+            <a:avLst/>
+          </a:prstGeom>
+          <a:noFill/>
+        </p:spPr>
+        <p:txBody>
+          <a:bodyPr wrap="none" rtlCol="0">
+            <a:spAutoFit/>
+          </a:bodyPr>
+          <a:lstStyle/>
+          <a:p>
+            <a:r>
+              <a:rPr lang="fr-FR" dirty="0" smtClean="0"/>
+              <a:t>x</a:t>
+            </a:r>
+            <a:endParaRPr lang="fr-FR" dirty="0"/>
+          </a:p>
+        </p:txBody>
+      </p:sp>
+      <p:sp>
+        <p:nvSpPr>
+          <p:cNvPr id="13" name="ZoneTexte 12"/>
+          <p:cNvSpPr txBox="1"/>
+          <p:nvPr/>
+        </p:nvSpPr>
+        <p:spPr>
+          <a:xfrm>
+            <a:off x="3337837" y="2649304"/>
+            <a:ext cx="1069524" cy="369332"/>
+          </a:xfrm>
+          <a:prstGeom prst="rect">
+            <a:avLst/>
+          </a:prstGeom>
+          <a:noFill/>
+        </p:spPr>
+        <p:txBody>
+          <a:bodyPr wrap="none" rtlCol="0">
+            <a:spAutoFit/>
+          </a:bodyPr>
+          <a:lstStyle/>
+          <a:p>
+            <a:r>
+              <a:rPr lang="fr-FR" dirty="0" err="1" smtClean="0"/>
+              <a:t>x_plasma</a:t>
+            </a:r>
+            <a:endParaRPr lang="fr-FR" dirty="0"/>
+          </a:p>
+        </p:txBody>
+      </p:sp>
+      <p:sp>
+        <p:nvSpPr>
+          <p:cNvPr id="14" name="ZoneTexte 13"/>
+          <p:cNvSpPr txBox="1"/>
+          <p:nvPr/>
+        </p:nvSpPr>
+        <p:spPr>
+          <a:xfrm>
+            <a:off x="2820127" y="2649304"/>
+            <a:ext cx="301686" cy="369332"/>
+          </a:xfrm>
+          <a:prstGeom prst="rect">
+            <a:avLst/>
+          </a:prstGeom>
+          <a:noFill/>
+        </p:spPr>
+        <p:txBody>
+          <a:bodyPr wrap="none" rtlCol="0">
+            <a:spAutoFit/>
+          </a:bodyPr>
+          <a:lstStyle/>
+          <a:p>
+            <a:r>
+              <a:rPr lang="fr-FR" dirty="0" smtClean="0"/>
+              <a:t>0</a:t>
+            </a:r>
+            <a:endParaRPr lang="fr-FR" dirty="0"/>
+          </a:p>
+        </p:txBody>
+      </p:sp>
+      <p:cxnSp>
+        <p:nvCxnSpPr>
+          <p:cNvPr id="16" name="Connecteur droit 15"/>
+          <p:cNvCxnSpPr/>
+          <p:nvPr/>
+        </p:nvCxnSpPr>
+        <p:spPr>
+          <a:xfrm flipV="1">
+            <a:off x="3481853" y="1866508"/>
+            <a:ext cx="0" cy="706184"/>
+          </a:xfrm>
+          <a:prstGeom prst="line">
+            <a:avLst/>
+          </a:prstGeom>
+          <a:ln w="19050">
+            <a:solidFill>
+              <a:schemeClr val="tx2"/>
+            </a:solidFill>
+          </a:ln>
+        </p:spPr>
+        <p:style>
+          <a:lnRef idx="1">
+            <a:schemeClr val="accent1"/>
+          </a:lnRef>
+          <a:fillRef idx="0">
+            <a:schemeClr val="accent1"/>
+          </a:fillRef>
+          <a:effectRef idx="0">
+            <a:schemeClr val="accent1"/>
+          </a:effectRef>
+          <a:fontRef idx="minor">
+            <a:schemeClr val="tx1"/>
+          </a:fontRef>
+        </p:style>
+      </p:cxnSp>
+      <p:cxnSp>
+        <p:nvCxnSpPr>
+          <p:cNvPr id="18" name="Connecteur droit 17"/>
+          <p:cNvCxnSpPr/>
+          <p:nvPr/>
+        </p:nvCxnSpPr>
+        <p:spPr>
+          <a:xfrm>
+            <a:off x="3481853" y="1866508"/>
+            <a:ext cx="3312368" cy="0"/>
+          </a:xfrm>
+          <a:prstGeom prst="line">
+            <a:avLst/>
+          </a:prstGeom>
+          <a:ln w="19050">
+            <a:solidFill>
+              <a:schemeClr val="tx2"/>
+            </a:solidFill>
+          </a:ln>
+        </p:spPr>
+        <p:style>
+          <a:lnRef idx="1">
+            <a:schemeClr val="accent1"/>
+          </a:lnRef>
+          <a:fillRef idx="0">
+            <a:schemeClr val="accent1"/>
+          </a:fillRef>
+          <a:effectRef idx="0">
+            <a:schemeClr val="accent1"/>
+          </a:effectRef>
+          <a:fontRef idx="minor">
+            <a:schemeClr val="tx1"/>
+          </a:fontRef>
+        </p:style>
+      </p:cxnSp>
+      <p:sp>
+        <p:nvSpPr>
+          <p:cNvPr id="19" name="ZoneTexte 18"/>
+          <p:cNvSpPr txBox="1"/>
+          <p:nvPr/>
+        </p:nvSpPr>
+        <p:spPr>
+          <a:xfrm>
+            <a:off x="2584890" y="1199852"/>
+            <a:ext cx="537327" cy="369332"/>
+          </a:xfrm>
+          <a:prstGeom prst="rect">
+            <a:avLst/>
+          </a:prstGeom>
+          <a:noFill/>
+        </p:spPr>
+        <p:txBody>
+          <a:bodyPr wrap="none" rtlCol="0">
+            <a:spAutoFit/>
+          </a:bodyPr>
+          <a:lstStyle/>
+          <a:p>
+            <a:r>
+              <a:rPr lang="fr-FR" dirty="0" err="1" smtClean="0"/>
+              <a:t>n_e</a:t>
+            </a:r>
+            <a:endParaRPr lang="fr-FR" dirty="0"/>
+          </a:p>
+        </p:txBody>
+      </p:sp>
+      <p:sp>
+        <p:nvSpPr>
+          <p:cNvPr id="33" name="ZoneTexte 32"/>
+          <p:cNvSpPr txBox="1"/>
+          <p:nvPr/>
+        </p:nvSpPr>
+        <p:spPr>
+          <a:xfrm>
+            <a:off x="323528" y="1888574"/>
+            <a:ext cx="1712135" cy="276999"/>
+          </a:xfrm>
+          <a:prstGeom prst="rect">
+            <a:avLst/>
+          </a:prstGeom>
+          <a:noFill/>
+        </p:spPr>
+        <p:txBody>
+          <a:bodyPr wrap="none" rtlCol="0">
+            <a:spAutoFit/>
+          </a:bodyPr>
+          <a:lstStyle/>
+          <a:p>
+            <a:r>
+              <a:rPr lang="fr-FR" sz="1200" dirty="0" smtClean="0"/>
+              <a:t>Constant </a:t>
+            </a:r>
+            <a:r>
+              <a:rPr lang="fr-FR" sz="1200" dirty="0" err="1" smtClean="0"/>
+              <a:t>density</a:t>
+            </a:r>
+            <a:r>
+              <a:rPr lang="fr-FR" sz="1200" dirty="0" smtClean="0"/>
+              <a:t> plasma</a:t>
+            </a:r>
+            <a:endParaRPr lang="fr-FR" sz="1200" dirty="0"/>
+          </a:p>
+        </p:txBody>
+      </p:sp>
+      <p:sp>
+        <p:nvSpPr>
+          <p:cNvPr id="29" name="ZoneTexte 10"/>
+          <p:cNvSpPr txBox="1"/>
+          <p:nvPr/>
+        </p:nvSpPr>
+        <p:spPr>
+          <a:xfrm>
+            <a:off x="361208" y="3140968"/>
+            <a:ext cx="1978543" cy="646331"/>
+          </a:xfrm>
+          <a:prstGeom prst="rect">
+            <a:avLst/>
+          </a:prstGeom>
+          <a:noFill/>
+        </p:spPr>
+        <p:txBody>
+          <a:bodyPr wrap="square" rtlCol="0">
+            <a:spAutoFit/>
+          </a:bodyPr>
+          <a:lstStyle/>
+          <a:p>
+            <a:r>
+              <a:rPr lang="fr-FR" dirty="0" err="1"/>
+              <a:t>x</a:t>
+            </a:r>
+            <a:r>
+              <a:rPr lang="fr-FR" dirty="0" err="1" smtClean="0"/>
+              <a:t>_plasma</a:t>
+            </a:r>
+            <a:r>
+              <a:rPr lang="fr-FR" dirty="0" smtClean="0"/>
+              <a:t>=0.05</a:t>
+            </a:r>
+          </a:p>
+          <a:p>
+            <a:r>
+              <a:rPr lang="fr-FR" dirty="0" smtClean="0"/>
+              <a:t>n_e0=5e18</a:t>
+            </a:r>
+          </a:p>
+        </p:txBody>
+      </p:sp>
+      <p:sp>
+        <p:nvSpPr>
+          <p:cNvPr id="30" name="ZoneTexte 33"/>
+          <p:cNvSpPr txBox="1"/>
+          <p:nvPr/>
+        </p:nvSpPr>
+        <p:spPr>
+          <a:xfrm>
+            <a:off x="7222289" y="1384517"/>
+            <a:ext cx="1670191" cy="1200329"/>
+          </a:xfrm>
+          <a:prstGeom prst="rect">
+            <a:avLst/>
+          </a:prstGeom>
+          <a:noFill/>
+        </p:spPr>
+        <p:txBody>
+          <a:bodyPr wrap="square" rtlCol="0">
+            <a:spAutoFit/>
+          </a:bodyPr>
+          <a:lstStyle/>
+          <a:p>
+            <a:r>
+              <a:rPr lang="fr-FR" sz="1200" u="sng" dirty="0" err="1" smtClean="0"/>
+              <a:t>Units</a:t>
+            </a:r>
+            <a:r>
+              <a:rPr lang="fr-FR" sz="1200" dirty="0" smtClean="0"/>
+              <a:t>:</a:t>
+            </a:r>
+          </a:p>
+          <a:p>
+            <a:r>
+              <a:rPr lang="fr-FR" sz="1200" dirty="0" err="1" smtClean="0"/>
+              <a:t>Lengths</a:t>
+            </a:r>
+            <a:r>
+              <a:rPr lang="fr-FR" sz="1200" dirty="0" smtClean="0"/>
+              <a:t>: m</a:t>
+            </a:r>
+          </a:p>
+          <a:p>
+            <a:r>
+              <a:rPr lang="fr-FR" sz="1200" dirty="0" err="1" smtClean="0"/>
+              <a:t>Density</a:t>
+            </a:r>
+            <a:r>
+              <a:rPr lang="fr-FR" sz="1200" dirty="0" smtClean="0"/>
+              <a:t>: m-3</a:t>
+            </a:r>
+          </a:p>
+          <a:p>
+            <a:endParaRPr lang="fr-FR" sz="1200" dirty="0"/>
+          </a:p>
+          <a:p>
+            <a:r>
+              <a:rPr lang="fr-FR" sz="1200" dirty="0" smtClean="0">
+                <a:solidFill>
+                  <a:srgbClr val="FF0000"/>
+                </a:solidFill>
+              </a:rPr>
+              <a:t>!! ANTITIER </a:t>
+            </a:r>
+          </a:p>
+          <a:p>
+            <a:r>
+              <a:rPr lang="fr-FR" sz="1200" dirty="0" err="1" smtClean="0"/>
+              <a:t>Density</a:t>
+            </a:r>
+            <a:r>
+              <a:rPr lang="fr-FR" sz="1200" dirty="0" smtClean="0"/>
+              <a:t>: cm-3</a:t>
+            </a:r>
+          </a:p>
+        </p:txBody>
+      </p:sp>
+      <p:pic>
+        <p:nvPicPr>
+          <p:cNvPr id="5" name="Picture 4"/>
+          <p:cNvPicPr>
+            <a:picLocks noChangeAspect="1"/>
+          </p:cNvPicPr>
+          <p:nvPr/>
+        </p:nvPicPr>
+        <p:blipFill>
+          <a:blip r:embed="rId2" cstate="print">
+            <a:extLst>
+              <a:ext uri="{28A0092B-C50C-407E-A947-70E740481C1C}">
+                <a14:useLocalDpi xmlns:a14="http://schemas.microsoft.com/office/drawing/2010/main" val="0"/>
+              </a:ext>
+            </a:extLst>
+          </a:blip>
+          <a:stretch>
+            <a:fillRect/>
+          </a:stretch>
+        </p:blipFill>
+        <p:spPr>
+          <a:xfrm>
+            <a:off x="4994221" y="3679425"/>
+            <a:ext cx="3600000" cy="2701902"/>
+          </a:xfrm>
+          <a:prstGeom prst="rect">
+            <a:avLst/>
+          </a:prstGeom>
+        </p:spPr>
+      </p:pic>
+      <p:grpSp>
+        <p:nvGrpSpPr>
+          <p:cNvPr id="6" name="Group 5"/>
+          <p:cNvGrpSpPr/>
+          <p:nvPr/>
+        </p:nvGrpSpPr>
+        <p:grpSpPr>
+          <a:xfrm>
+            <a:off x="611560" y="4405848"/>
+            <a:ext cx="3456384" cy="1880295"/>
+            <a:chOff x="323528" y="4293096"/>
+            <a:chExt cx="3456384" cy="1880295"/>
+          </a:xfrm>
+        </p:grpSpPr>
+        <p:cxnSp>
+          <p:nvCxnSpPr>
+            <p:cNvPr id="31" name="Connecteur droit avec flèche 2"/>
+            <p:cNvCxnSpPr/>
+            <p:nvPr/>
+          </p:nvCxnSpPr>
+          <p:spPr>
+            <a:xfrm>
+              <a:off x="323528" y="5727447"/>
+              <a:ext cx="2194005" cy="0"/>
+            </a:xfrm>
+            <a:prstGeom prst="straightConnector1">
+              <a:avLst/>
+            </a:prstGeom>
+            <a:ln w="28575">
+              <a:solidFill>
+                <a:schemeClr val="tx1">
+                  <a:lumMod val="95000"/>
+                  <a:lumOff val="5000"/>
+                </a:schemeClr>
+              </a:solidFill>
+              <a:tailEnd type="arrow"/>
+            </a:ln>
+          </p:spPr>
+          <p:style>
+            <a:lnRef idx="1">
+              <a:schemeClr val="accent1"/>
+            </a:lnRef>
+            <a:fillRef idx="0">
+              <a:schemeClr val="accent1"/>
+            </a:fillRef>
+            <a:effectRef idx="0">
+              <a:schemeClr val="accent1"/>
+            </a:effectRef>
+            <a:fontRef idx="minor">
+              <a:schemeClr val="tx1"/>
+            </a:fontRef>
+          </p:style>
+        </p:cxnSp>
+        <p:cxnSp>
+          <p:nvCxnSpPr>
+            <p:cNvPr id="35" name="Connecteur droit avec flèche 3"/>
+            <p:cNvCxnSpPr/>
+            <p:nvPr/>
+          </p:nvCxnSpPr>
+          <p:spPr>
+            <a:xfrm flipV="1">
+              <a:off x="1653437" y="4723939"/>
+              <a:ext cx="0" cy="1003508"/>
+            </a:xfrm>
+            <a:prstGeom prst="straightConnector1">
+              <a:avLst/>
+            </a:prstGeom>
+            <a:ln w="28575">
+              <a:solidFill>
+                <a:schemeClr val="tx1">
+                  <a:lumMod val="95000"/>
+                  <a:lumOff val="5000"/>
+                </a:schemeClr>
+              </a:solidFill>
+              <a:tailEnd type="arrow"/>
+            </a:ln>
+          </p:spPr>
+          <p:style>
+            <a:lnRef idx="1">
+              <a:schemeClr val="accent1"/>
+            </a:lnRef>
+            <a:fillRef idx="0">
+              <a:schemeClr val="accent1"/>
+            </a:fillRef>
+            <a:effectRef idx="0">
+              <a:schemeClr val="accent1"/>
+            </a:effectRef>
+            <a:fontRef idx="minor">
+              <a:schemeClr val="tx1"/>
+            </a:fontRef>
+          </p:style>
+        </p:cxnSp>
+        <p:sp>
+          <p:nvSpPr>
+            <p:cNvPr id="36" name="ZoneTexte 10"/>
+            <p:cNvSpPr txBox="1"/>
+            <p:nvPr/>
+          </p:nvSpPr>
+          <p:spPr>
+            <a:xfrm>
+              <a:off x="1619672" y="4809599"/>
+              <a:ext cx="654346" cy="369332"/>
+            </a:xfrm>
+            <a:prstGeom prst="rect">
+              <a:avLst/>
+            </a:prstGeom>
+            <a:noFill/>
+          </p:spPr>
+          <p:txBody>
+            <a:bodyPr wrap="none" rtlCol="0">
+              <a:spAutoFit/>
+            </a:bodyPr>
+            <a:lstStyle/>
+            <a:p>
+              <a:r>
+                <a:rPr lang="fr-FR" dirty="0" smtClean="0"/>
+                <a:t>n_e0</a:t>
+              </a:r>
+              <a:endParaRPr lang="fr-FR" dirty="0"/>
+            </a:p>
+          </p:txBody>
+        </p:sp>
+        <p:sp>
+          <p:nvSpPr>
+            <p:cNvPr id="37" name="ZoneTexte 11"/>
+            <p:cNvSpPr txBox="1"/>
+            <p:nvPr/>
+          </p:nvSpPr>
+          <p:spPr>
+            <a:xfrm>
+              <a:off x="2524948" y="5515155"/>
+              <a:ext cx="284052" cy="369332"/>
+            </a:xfrm>
+            <a:prstGeom prst="rect">
+              <a:avLst/>
+            </a:prstGeom>
+            <a:noFill/>
+          </p:spPr>
+          <p:txBody>
+            <a:bodyPr wrap="none" rtlCol="0">
+              <a:spAutoFit/>
+            </a:bodyPr>
+            <a:lstStyle/>
+            <a:p>
+              <a:r>
+                <a:rPr lang="fr-FR" dirty="0" smtClean="0"/>
+                <a:t>x</a:t>
+              </a:r>
+              <a:endParaRPr lang="fr-FR" dirty="0"/>
+            </a:p>
+          </p:txBody>
+        </p:sp>
+        <p:sp>
+          <p:nvSpPr>
+            <p:cNvPr id="38" name="ZoneTexte 12"/>
+            <p:cNvSpPr txBox="1"/>
+            <p:nvPr/>
+          </p:nvSpPr>
+          <p:spPr>
+            <a:xfrm>
+              <a:off x="2072906" y="5804059"/>
+              <a:ext cx="1707006" cy="369332"/>
+            </a:xfrm>
+            <a:prstGeom prst="rect">
+              <a:avLst/>
+            </a:prstGeom>
+            <a:noFill/>
+          </p:spPr>
+          <p:txBody>
+            <a:bodyPr wrap="none" rtlCol="0">
+              <a:spAutoFit/>
+            </a:bodyPr>
+            <a:lstStyle/>
+            <a:p>
+              <a:r>
+                <a:rPr lang="fr-FR" dirty="0" err="1" smtClean="0"/>
+                <a:t>x_ant</a:t>
+              </a:r>
+              <a:r>
+                <a:rPr lang="fr-FR" dirty="0" smtClean="0"/>
+                <a:t>=</a:t>
+              </a:r>
+              <a:r>
+                <a:rPr lang="fr-FR" dirty="0" err="1" smtClean="0"/>
+                <a:t>x_plasma</a:t>
+              </a:r>
+              <a:endParaRPr lang="fr-FR" dirty="0"/>
+            </a:p>
+          </p:txBody>
+        </p:sp>
+        <p:sp>
+          <p:nvSpPr>
+            <p:cNvPr id="39" name="ZoneTexte 13"/>
+            <p:cNvSpPr txBox="1"/>
+            <p:nvPr/>
+          </p:nvSpPr>
+          <p:spPr>
+            <a:xfrm>
+              <a:off x="1486537" y="5782196"/>
+              <a:ext cx="301686" cy="369332"/>
+            </a:xfrm>
+            <a:prstGeom prst="rect">
+              <a:avLst/>
+            </a:prstGeom>
+            <a:noFill/>
+          </p:spPr>
+          <p:txBody>
+            <a:bodyPr wrap="none" rtlCol="0">
+              <a:spAutoFit/>
+            </a:bodyPr>
+            <a:lstStyle/>
+            <a:p>
+              <a:r>
+                <a:rPr lang="fr-FR" dirty="0" smtClean="0"/>
+                <a:t>0</a:t>
+              </a:r>
+              <a:endParaRPr lang="fr-FR" dirty="0"/>
+            </a:p>
+          </p:txBody>
+        </p:sp>
+        <p:cxnSp>
+          <p:nvCxnSpPr>
+            <p:cNvPr id="40" name="Connecteur droit 15"/>
+            <p:cNvCxnSpPr/>
+            <p:nvPr/>
+          </p:nvCxnSpPr>
+          <p:spPr>
+            <a:xfrm flipV="1">
+              <a:off x="1653437" y="5021263"/>
+              <a:ext cx="0" cy="706184"/>
+            </a:xfrm>
+            <a:prstGeom prst="line">
+              <a:avLst/>
+            </a:prstGeom>
+            <a:ln w="19050">
+              <a:solidFill>
+                <a:schemeClr val="tx2"/>
+              </a:solidFill>
+            </a:ln>
+          </p:spPr>
+          <p:style>
+            <a:lnRef idx="1">
+              <a:schemeClr val="accent1"/>
+            </a:lnRef>
+            <a:fillRef idx="0">
+              <a:schemeClr val="accent1"/>
+            </a:fillRef>
+            <a:effectRef idx="0">
+              <a:schemeClr val="accent1"/>
+            </a:effectRef>
+            <a:fontRef idx="minor">
+              <a:schemeClr val="tx1"/>
+            </a:fontRef>
+          </p:style>
+        </p:cxnSp>
+        <p:cxnSp>
+          <p:nvCxnSpPr>
+            <p:cNvPr id="41" name="Connecteur droit 17"/>
+            <p:cNvCxnSpPr/>
+            <p:nvPr/>
+          </p:nvCxnSpPr>
+          <p:spPr>
+            <a:xfrm>
+              <a:off x="497967" y="5021263"/>
+              <a:ext cx="1160965" cy="0"/>
+            </a:xfrm>
+            <a:prstGeom prst="line">
+              <a:avLst/>
+            </a:prstGeom>
+            <a:ln w="19050">
+              <a:solidFill>
+                <a:schemeClr val="tx2"/>
+              </a:solidFill>
+            </a:ln>
+          </p:spPr>
+          <p:style>
+            <a:lnRef idx="1">
+              <a:schemeClr val="accent1"/>
+            </a:lnRef>
+            <a:fillRef idx="0">
+              <a:schemeClr val="accent1"/>
+            </a:fillRef>
+            <a:effectRef idx="0">
+              <a:schemeClr val="accent1"/>
+            </a:effectRef>
+            <a:fontRef idx="minor">
+              <a:schemeClr val="tx1"/>
+            </a:fontRef>
+          </p:style>
+        </p:cxnSp>
+        <p:sp>
+          <p:nvSpPr>
+            <p:cNvPr id="42" name="ZoneTexte 18"/>
+            <p:cNvSpPr txBox="1"/>
+            <p:nvPr/>
+          </p:nvSpPr>
+          <p:spPr>
+            <a:xfrm>
+              <a:off x="1384773" y="4293096"/>
+              <a:ext cx="537327" cy="369332"/>
+            </a:xfrm>
+            <a:prstGeom prst="rect">
+              <a:avLst/>
+            </a:prstGeom>
+            <a:noFill/>
+          </p:spPr>
+          <p:txBody>
+            <a:bodyPr wrap="none" rtlCol="0">
+              <a:spAutoFit/>
+            </a:bodyPr>
+            <a:lstStyle/>
+            <a:p>
+              <a:r>
+                <a:rPr lang="fr-FR" dirty="0" err="1" smtClean="0"/>
+                <a:t>n_e</a:t>
+              </a:r>
+              <a:endParaRPr lang="fr-FR" dirty="0"/>
+            </a:p>
+          </p:txBody>
+        </p:sp>
+        <p:cxnSp>
+          <p:nvCxnSpPr>
+            <p:cNvPr id="43" name="Connecteur droit 15"/>
+            <p:cNvCxnSpPr/>
+            <p:nvPr/>
+          </p:nvCxnSpPr>
+          <p:spPr>
+            <a:xfrm flipV="1">
+              <a:off x="2195736" y="5384765"/>
+              <a:ext cx="0" cy="329441"/>
+            </a:xfrm>
+            <a:prstGeom prst="line">
+              <a:avLst/>
+            </a:prstGeom>
+            <a:ln w="57150">
+              <a:solidFill>
+                <a:schemeClr val="accent6">
+                  <a:lumMod val="75000"/>
+                </a:schemeClr>
+              </a:solidFill>
+            </a:ln>
+          </p:spPr>
+          <p:style>
+            <a:lnRef idx="1">
+              <a:schemeClr val="accent1"/>
+            </a:lnRef>
+            <a:fillRef idx="0">
+              <a:schemeClr val="accent1"/>
+            </a:fillRef>
+            <a:effectRef idx="0">
+              <a:schemeClr val="accent1"/>
+            </a:effectRef>
+            <a:fontRef idx="minor">
+              <a:schemeClr val="tx1"/>
+            </a:fontRef>
+          </p:style>
+        </p:cxnSp>
+      </p:grpSp>
+      <p:sp>
+        <p:nvSpPr>
+          <p:cNvPr id="44" name="ZoneTexte 10"/>
+          <p:cNvSpPr txBox="1"/>
+          <p:nvPr/>
+        </p:nvSpPr>
+        <p:spPr>
+          <a:xfrm>
+            <a:off x="2627784" y="3513782"/>
+            <a:ext cx="1978543" cy="923330"/>
+          </a:xfrm>
+          <a:prstGeom prst="rect">
+            <a:avLst/>
+          </a:prstGeom>
+        </p:spPr>
+        <p:style>
+          <a:lnRef idx="2">
+            <a:schemeClr val="accent1"/>
+          </a:lnRef>
+          <a:fillRef idx="1">
+            <a:schemeClr val="lt1"/>
+          </a:fillRef>
+          <a:effectRef idx="0">
+            <a:schemeClr val="accent1"/>
+          </a:effectRef>
+          <a:fontRef idx="minor">
+            <a:schemeClr val="dk1"/>
+          </a:fontRef>
+        </p:style>
+        <p:txBody>
+          <a:bodyPr wrap="square" rtlCol="0">
+            <a:spAutoFit/>
+          </a:bodyPr>
+          <a:lstStyle/>
+          <a:p>
+            <a:pPr algn="ctr"/>
+            <a:r>
+              <a:rPr lang="fr-FR" dirty="0" smtClean="0"/>
+              <a:t>ANTITER uses a </a:t>
+            </a:r>
+            <a:r>
+              <a:rPr lang="fr-FR" dirty="0" err="1" smtClean="0"/>
+              <a:t>slightly</a:t>
+            </a:r>
+            <a:r>
+              <a:rPr lang="fr-FR" dirty="0" smtClean="0"/>
+              <a:t> </a:t>
+            </a:r>
+            <a:r>
+              <a:rPr lang="fr-FR" dirty="0" err="1" smtClean="0"/>
+              <a:t>different</a:t>
+            </a:r>
+            <a:r>
+              <a:rPr lang="fr-FR" dirty="0" smtClean="0"/>
+              <a:t> </a:t>
+            </a:r>
+            <a:r>
+              <a:rPr lang="fr-FR" dirty="0" err="1" smtClean="0"/>
+              <a:t>reference</a:t>
+            </a:r>
+            <a:r>
+              <a:rPr lang="fr-FR" dirty="0" smtClean="0"/>
+              <a:t> system </a:t>
+            </a:r>
+          </a:p>
+        </p:txBody>
+      </p:sp>
+      <p:sp>
+        <p:nvSpPr>
+          <p:cNvPr id="45" name="ZoneTexte 32"/>
+          <p:cNvSpPr txBox="1"/>
+          <p:nvPr/>
+        </p:nvSpPr>
+        <p:spPr>
+          <a:xfrm>
+            <a:off x="323528" y="476672"/>
+            <a:ext cx="1276644" cy="461665"/>
+          </a:xfrm>
+          <a:prstGeom prst="rect">
+            <a:avLst/>
+          </a:prstGeom>
+        </p:spPr>
+        <p:style>
+          <a:lnRef idx="2">
+            <a:schemeClr val="accent6"/>
+          </a:lnRef>
+          <a:fillRef idx="1">
+            <a:schemeClr val="lt1"/>
+          </a:fillRef>
+          <a:effectRef idx="0">
+            <a:schemeClr val="accent6"/>
+          </a:effectRef>
+          <a:fontRef idx="minor">
+            <a:schemeClr val="dk1"/>
+          </a:fontRef>
+        </p:style>
+        <p:txBody>
+          <a:bodyPr wrap="square" rtlCol="0">
+            <a:spAutoFit/>
+          </a:bodyPr>
+          <a:lstStyle/>
+          <a:p>
+            <a:pPr algn="ctr"/>
+            <a:r>
+              <a:rPr lang="fr-FR" sz="1200" dirty="0" smtClean="0"/>
+              <a:t>Constant </a:t>
+            </a:r>
+            <a:r>
+              <a:rPr lang="fr-FR" sz="1200" dirty="0" err="1" smtClean="0"/>
+              <a:t>density</a:t>
+            </a:r>
+            <a:r>
+              <a:rPr lang="fr-FR" sz="1200" dirty="0" smtClean="0"/>
+              <a:t> plasma</a:t>
+            </a:r>
+            <a:endParaRPr lang="fr-FR" sz="1200" dirty="0"/>
+          </a:p>
+        </p:txBody>
+      </p:sp>
+    </p:spTree>
+    <p:extLst>
+      <p:ext uri="{BB962C8B-B14F-4D97-AF65-F5344CB8AC3E}">
+        <p14:creationId xmlns:p14="http://schemas.microsoft.com/office/powerpoint/2010/main" val="2076798602"/>
+      </p:ext>
+    </p:extLst>
+  </p:cSld>
+  <p:clrMapOvr>
+    <a:masterClrMapping/>
+  </p:clrMapOvr>
+</p:sld>
+</file>
+
+<file path=ppt/slides/slide6.xml><?xml version="1.0" encoding="utf-8"?>
+<p:sld xmlns:a="http://schemas.openxmlformats.org/drawingml/2006/main" xmlns:r="http://schemas.openxmlformats.org/officeDocument/2006/relationships" xmlns:p="http://schemas.openxmlformats.org/presentationml/2006/main">
+  <p:cSld>
+    <p:spTree>
+      <p:nvGrpSpPr>
+        <p:cNvPr id="1" name=""/>
+        <p:cNvGrpSpPr/>
+        <p:nvPr/>
+      </p:nvGrpSpPr>
+      <p:grpSpPr>
+        <a:xfrm>
+          <a:off x="0" y="0"/>
+          <a:ext cx="0" cy="0"/>
+          <a:chOff x="0" y="0"/>
+          <a:chExt cx="0" cy="0"/>
+        </a:xfrm>
+      </p:grpSpPr>
+      <p:sp>
+        <p:nvSpPr>
+          <p:cNvPr id="2" name="Titre 1"/>
+          <p:cNvSpPr>
+            <a:spLocks noGrp="1"/>
+          </p:cNvSpPr>
+          <p:nvPr>
+            <p:ph type="title"/>
+          </p:nvPr>
+        </p:nvSpPr>
+        <p:spPr/>
+        <p:txBody>
+          <a:bodyPr/>
+          <a:lstStyle/>
+          <a:p>
+            <a:r>
+              <a:rPr lang="fr-FR" dirty="0" smtClean="0"/>
+              <a:t>Plasma Configuration</a:t>
+            </a:r>
+            <a:endParaRPr lang="fr-FR" dirty="0"/>
+          </a:p>
+        </p:txBody>
+      </p:sp>
+      <p:pic>
+        <p:nvPicPr>
+          <p:cNvPr id="5" name="Picture 4"/>
+          <p:cNvPicPr>
+            <a:picLocks noChangeAspect="1"/>
+          </p:cNvPicPr>
+          <p:nvPr/>
+        </p:nvPicPr>
+        <p:blipFill>
+          <a:blip r:embed="rId2" cstate="print">
+            <a:extLst>
+              <a:ext uri="{28A0092B-C50C-407E-A947-70E740481C1C}">
+                <a14:useLocalDpi xmlns:a14="http://schemas.microsoft.com/office/drawing/2010/main" val="0"/>
+              </a:ext>
+            </a:extLst>
+          </a:blip>
+          <a:stretch>
+            <a:fillRect/>
+          </a:stretch>
+        </p:blipFill>
+        <p:spPr>
+          <a:xfrm>
+            <a:off x="5544000" y="1231154"/>
+            <a:ext cx="3600000" cy="2701902"/>
+          </a:xfrm>
+          <a:prstGeom prst="rect">
+            <a:avLst/>
+          </a:prstGeom>
+        </p:spPr>
+      </p:pic>
+      <p:pic>
+        <p:nvPicPr>
+          <p:cNvPr id="28" name="Picture 27"/>
+          <p:cNvPicPr>
+            <a:picLocks noChangeAspect="1"/>
+          </p:cNvPicPr>
+          <p:nvPr/>
+        </p:nvPicPr>
+        <p:blipFill>
+          <a:blip r:embed="rId3" cstate="print">
+            <a:extLst>
+              <a:ext uri="{28A0092B-C50C-407E-A947-70E740481C1C}">
+                <a14:useLocalDpi xmlns:a14="http://schemas.microsoft.com/office/drawing/2010/main" val="0"/>
+              </a:ext>
+            </a:extLst>
+          </a:blip>
+          <a:stretch>
+            <a:fillRect/>
+          </a:stretch>
+        </p:blipFill>
+        <p:spPr>
+          <a:xfrm>
+            <a:off x="179912" y="4024364"/>
+            <a:ext cx="3599999" cy="2701902"/>
+          </a:xfrm>
+          <a:prstGeom prst="rect">
+            <a:avLst/>
+          </a:prstGeom>
+        </p:spPr>
+      </p:pic>
+      <p:pic>
+        <p:nvPicPr>
+          <p:cNvPr id="32" name="Picture 31"/>
+          <p:cNvPicPr>
+            <a:picLocks noChangeAspect="1"/>
+          </p:cNvPicPr>
+          <p:nvPr/>
+        </p:nvPicPr>
+        <p:blipFill>
+          <a:blip r:embed="rId4" cstate="print">
+            <a:extLst>
+              <a:ext uri="{28A0092B-C50C-407E-A947-70E740481C1C}">
+                <a14:useLocalDpi xmlns:a14="http://schemas.microsoft.com/office/drawing/2010/main" val="0"/>
+              </a:ext>
+            </a:extLst>
+          </a:blip>
+          <a:stretch>
+            <a:fillRect/>
+          </a:stretch>
+        </p:blipFill>
+        <p:spPr>
+          <a:xfrm>
+            <a:off x="179512" y="1231154"/>
+            <a:ext cx="3599999" cy="2701902"/>
+          </a:xfrm>
+          <a:prstGeom prst="rect">
+            <a:avLst/>
+          </a:prstGeom>
+        </p:spPr>
+      </p:pic>
+      <p:pic>
+        <p:nvPicPr>
+          <p:cNvPr id="34" name="Picture 33"/>
+          <p:cNvPicPr>
+            <a:picLocks noChangeAspect="1"/>
+          </p:cNvPicPr>
+          <p:nvPr/>
+        </p:nvPicPr>
+        <p:blipFill>
+          <a:blip r:embed="rId5" cstate="print">
+            <a:extLst>
+              <a:ext uri="{28A0092B-C50C-407E-A947-70E740481C1C}">
+                <a14:useLocalDpi xmlns:a14="http://schemas.microsoft.com/office/drawing/2010/main" val="0"/>
+              </a:ext>
+            </a:extLst>
+          </a:blip>
+          <a:stretch>
+            <a:fillRect/>
+          </a:stretch>
+        </p:blipFill>
+        <p:spPr>
+          <a:xfrm>
+            <a:off x="5544000" y="4024364"/>
+            <a:ext cx="3599999" cy="2701902"/>
+          </a:xfrm>
+          <a:prstGeom prst="rect">
+            <a:avLst/>
+          </a:prstGeom>
+        </p:spPr>
+      </p:pic>
+      <p:sp>
+        <p:nvSpPr>
+          <p:cNvPr id="29" name="ZoneTexte 10"/>
+          <p:cNvSpPr txBox="1"/>
+          <p:nvPr/>
+        </p:nvSpPr>
+        <p:spPr>
+          <a:xfrm>
+            <a:off x="3635896" y="1340768"/>
+            <a:ext cx="1872208" cy="738664"/>
+          </a:xfrm>
+          <a:prstGeom prst="rect">
+            <a:avLst/>
+          </a:prstGeom>
+          <a:noFill/>
+        </p:spPr>
+        <p:txBody>
+          <a:bodyPr wrap="square" rtlCol="0">
+            <a:spAutoFit/>
+          </a:bodyPr>
+          <a:lstStyle/>
+          <a:p>
+            <a:pPr algn="ctr"/>
+            <a:r>
+              <a:rPr lang="fr-FR" sz="1400" dirty="0" smtClean="0"/>
+              <a:t>B </a:t>
+            </a:r>
+            <a:r>
+              <a:rPr lang="fr-FR" sz="1400" dirty="0" err="1" smtClean="0"/>
+              <a:t>is</a:t>
+            </a:r>
+            <a:r>
+              <a:rPr lang="fr-FR" sz="1400" dirty="0" smtClean="0"/>
+              <a:t> </a:t>
+            </a:r>
+            <a:r>
+              <a:rPr lang="fr-FR" sz="1400" dirty="0" err="1" smtClean="0"/>
+              <a:t>taken</a:t>
+            </a:r>
+            <a:r>
+              <a:rPr lang="fr-FR" sz="1400" dirty="0" smtClean="0"/>
+              <a:t> constant but </a:t>
+            </a:r>
+            <a:r>
+              <a:rPr lang="fr-FR" sz="1400" dirty="0" err="1" smtClean="0"/>
+              <a:t>could</a:t>
+            </a:r>
+            <a:r>
+              <a:rPr lang="fr-FR" sz="1400" dirty="0" smtClean="0"/>
+              <a:t> have the </a:t>
+            </a:r>
+            <a:r>
+              <a:rPr lang="fr-FR" sz="1400" dirty="0" err="1" smtClean="0"/>
+              <a:t>usual</a:t>
+            </a:r>
+            <a:r>
+              <a:rPr lang="fr-FR" sz="1400" dirty="0" smtClean="0"/>
+              <a:t> 1/R </a:t>
+            </a:r>
+            <a:r>
+              <a:rPr lang="fr-FR" sz="1400" dirty="0" err="1" smtClean="0"/>
+              <a:t>dependency</a:t>
+            </a:r>
+            <a:endParaRPr lang="fr-FR" sz="1400" dirty="0" smtClean="0"/>
+          </a:p>
+        </p:txBody>
+      </p:sp>
+      <p:sp>
+        <p:nvSpPr>
+          <p:cNvPr id="45" name="ZoneTexte 10"/>
+          <p:cNvSpPr txBox="1"/>
+          <p:nvPr/>
+        </p:nvSpPr>
+        <p:spPr>
+          <a:xfrm>
+            <a:off x="3664699" y="3916213"/>
+            <a:ext cx="2059429" cy="1384995"/>
+          </a:xfrm>
+          <a:prstGeom prst="rect">
+            <a:avLst/>
+          </a:prstGeom>
+          <a:noFill/>
+        </p:spPr>
+        <p:txBody>
+          <a:bodyPr wrap="square" rtlCol="0">
+            <a:spAutoFit/>
+          </a:bodyPr>
+          <a:lstStyle/>
+          <a:p>
+            <a:pPr algn="ctr"/>
+            <a:r>
+              <a:rPr lang="fr-FR" sz="1400" dirty="0" smtClean="0"/>
+              <a:t>ANTITER </a:t>
+            </a:r>
+            <a:r>
+              <a:rPr lang="fr-FR" sz="1400" dirty="0" err="1" smtClean="0"/>
+              <a:t>is</a:t>
+            </a:r>
+            <a:r>
+              <a:rPr lang="fr-FR" sz="1400" dirty="0" smtClean="0"/>
+              <a:t> </a:t>
+            </a:r>
+            <a:r>
+              <a:rPr lang="fr-FR" sz="1400" dirty="0" err="1" smtClean="0"/>
+              <a:t>considering</a:t>
+            </a:r>
+            <a:r>
+              <a:rPr lang="fr-FR" sz="1400" dirty="0" smtClean="0"/>
+              <a:t> </a:t>
+            </a:r>
+            <a:r>
+              <a:rPr lang="fr-FR" sz="1400" dirty="0" err="1" smtClean="0"/>
+              <a:t>only</a:t>
+            </a:r>
+            <a:r>
+              <a:rPr lang="fr-FR" sz="1400" dirty="0" smtClean="0"/>
+              <a:t> the </a:t>
+            </a:r>
+            <a:r>
+              <a:rPr lang="fr-FR" sz="1400" dirty="0" err="1" smtClean="0"/>
+              <a:t>fast</a:t>
+            </a:r>
+            <a:r>
+              <a:rPr lang="fr-FR" sz="1400" dirty="0" smtClean="0"/>
+              <a:t> </a:t>
+            </a:r>
+            <a:r>
+              <a:rPr lang="fr-FR" sz="1400" dirty="0" err="1" smtClean="0"/>
+              <a:t>magneto-sonic</a:t>
+            </a:r>
+            <a:r>
+              <a:rPr lang="fr-FR" sz="1400" dirty="0" smtClean="0"/>
+              <a:t> </a:t>
+            </a:r>
+            <a:r>
+              <a:rPr lang="fr-FR" sz="1400" dirty="0" err="1" smtClean="0"/>
+              <a:t>wave</a:t>
+            </a:r>
+            <a:r>
+              <a:rPr lang="fr-FR" sz="1400" dirty="0" smtClean="0"/>
+              <a:t> (FMW) </a:t>
+            </a:r>
+            <a:r>
+              <a:rPr lang="fr-FR" sz="1400" dirty="0" err="1" smtClean="0"/>
+              <a:t>so</a:t>
+            </a:r>
+            <a:r>
+              <a:rPr lang="fr-FR" sz="1400" dirty="0" smtClean="0"/>
+              <a:t> the </a:t>
+            </a:r>
+            <a:r>
+              <a:rPr lang="fr-FR" sz="1400" dirty="0" err="1" smtClean="0"/>
+              <a:t>palsma</a:t>
+            </a:r>
+            <a:r>
+              <a:rPr lang="fr-FR" sz="1400" dirty="0" smtClean="0"/>
+              <a:t> </a:t>
+            </a:r>
+            <a:r>
+              <a:rPr lang="fr-FR" sz="1400" dirty="0" err="1" smtClean="0"/>
+              <a:t>is</a:t>
+            </a:r>
+            <a:r>
+              <a:rPr lang="fr-FR" sz="1400" dirty="0" smtClean="0"/>
+              <a:t> </a:t>
+            </a:r>
+            <a:r>
+              <a:rPr lang="fr-FR" sz="1400" dirty="0" err="1" smtClean="0"/>
+              <a:t>described</a:t>
+            </a:r>
+            <a:r>
+              <a:rPr lang="fr-FR" sz="1400" dirty="0" smtClean="0"/>
+              <a:t> by eps1 ( </a:t>
+            </a:r>
+            <a:r>
+              <a:rPr lang="fr-FR" sz="1400" dirty="0" err="1" smtClean="0"/>
+              <a:t>Stix</a:t>
+            </a:r>
+            <a:r>
+              <a:rPr lang="fr-FR" sz="1400" dirty="0" smtClean="0"/>
+              <a:t> S) and eps2 (</a:t>
+            </a:r>
+            <a:r>
+              <a:rPr lang="fr-FR" sz="1400" dirty="0" err="1" smtClean="0"/>
+              <a:t>Stix</a:t>
+            </a:r>
+            <a:r>
+              <a:rPr lang="fr-FR" sz="1400" dirty="0" smtClean="0"/>
+              <a:t> D)</a:t>
+            </a:r>
+          </a:p>
+        </p:txBody>
+      </p:sp>
+      <p:sp>
+        <p:nvSpPr>
+          <p:cNvPr id="46" name="ZoneTexte 32"/>
+          <p:cNvSpPr txBox="1"/>
+          <p:nvPr/>
+        </p:nvSpPr>
+        <p:spPr>
+          <a:xfrm>
+            <a:off x="323528" y="476672"/>
+            <a:ext cx="1276644" cy="461665"/>
+          </a:xfrm>
+          <a:prstGeom prst="rect">
+            <a:avLst/>
+          </a:prstGeom>
+        </p:spPr>
+        <p:style>
+          <a:lnRef idx="2">
+            <a:schemeClr val="accent6"/>
+          </a:lnRef>
+          <a:fillRef idx="1">
+            <a:schemeClr val="lt1"/>
+          </a:fillRef>
+          <a:effectRef idx="0">
+            <a:schemeClr val="accent6"/>
+          </a:effectRef>
+          <a:fontRef idx="minor">
+            <a:schemeClr val="dk1"/>
+          </a:fontRef>
+        </p:style>
+        <p:txBody>
+          <a:bodyPr wrap="square" rtlCol="0">
+            <a:spAutoFit/>
+          </a:bodyPr>
+          <a:lstStyle/>
+          <a:p>
+            <a:pPr algn="ctr"/>
+            <a:r>
+              <a:rPr lang="fr-FR" sz="1200" dirty="0" smtClean="0"/>
+              <a:t>Constant </a:t>
+            </a:r>
+            <a:r>
+              <a:rPr lang="fr-FR" sz="1200" dirty="0" err="1" smtClean="0"/>
+              <a:t>density</a:t>
+            </a:r>
+            <a:r>
+              <a:rPr lang="fr-FR" sz="1200" dirty="0" smtClean="0"/>
+              <a:t> plasma</a:t>
+            </a:r>
+            <a:endParaRPr lang="fr-FR" sz="1200" dirty="0"/>
+          </a:p>
+        </p:txBody>
+      </p:sp>
+      <p:sp>
+        <p:nvSpPr>
+          <p:cNvPr id="47" name="ZoneTexte 10"/>
+          <p:cNvSpPr txBox="1"/>
+          <p:nvPr/>
+        </p:nvSpPr>
+        <p:spPr>
+          <a:xfrm>
+            <a:off x="3707904" y="2761183"/>
+            <a:ext cx="1872208" cy="523220"/>
+          </a:xfrm>
+          <a:prstGeom prst="rect">
+            <a:avLst/>
+          </a:prstGeom>
+          <a:noFill/>
+        </p:spPr>
+        <p:txBody>
+          <a:bodyPr wrap="square" rtlCol="0">
+            <a:spAutoFit/>
+          </a:bodyPr>
+          <a:lstStyle/>
+          <a:p>
+            <a:pPr algn="ctr"/>
+            <a:r>
+              <a:rPr lang="fr-FR" sz="1400" dirty="0" smtClean="0"/>
+              <a:t>f=50MHz</a:t>
+            </a:r>
+          </a:p>
+          <a:p>
+            <a:pPr algn="ctr"/>
+            <a:r>
+              <a:rPr lang="fr-FR" sz="1400" dirty="0" smtClean="0"/>
+              <a:t>D(H)5%</a:t>
+            </a:r>
+          </a:p>
+        </p:txBody>
+      </p:sp>
+    </p:spTree>
+    <p:extLst>
+      <p:ext uri="{BB962C8B-B14F-4D97-AF65-F5344CB8AC3E}">
+        <p14:creationId xmlns:p14="http://schemas.microsoft.com/office/powerpoint/2010/main" val="3385928146"/>
+      </p:ext>
+    </p:extLst>
+  </p:cSld>
+  <p:clrMapOvr>
+    <a:masterClrMapping/>
+  </p:clrMapOvr>
+</p:sld>
+</file>
+
+<file path=ppt/slides/slide7.xml><?xml version="1.0" encoding="utf-8"?>
+<p:sld xmlns:a="http://schemas.openxmlformats.org/drawingml/2006/main" xmlns:r="http://schemas.openxmlformats.org/officeDocument/2006/relationships" xmlns:p="http://schemas.openxmlformats.org/presentationml/2006/main">
+  <p:cSld>
+    <p:spTree>
+      <p:nvGrpSpPr>
+        <p:cNvPr id="1" name=""/>
+        <p:cNvGrpSpPr/>
+        <p:nvPr/>
+      </p:nvGrpSpPr>
+      <p:grpSpPr>
+        <a:xfrm>
+          <a:off x="0" y="0"/>
+          <a:ext cx="0" cy="0"/>
+          <a:chOff x="0" y="0"/>
+          <a:chExt cx="0" cy="0"/>
+        </a:xfrm>
+      </p:grpSpPr>
+      <p:sp>
+        <p:nvSpPr>
+          <p:cNvPr id="2" name="Titre 1"/>
+          <p:cNvSpPr>
+            <a:spLocks noGrp="1"/>
+          </p:cNvSpPr>
+          <p:nvPr>
+            <p:ph type="title"/>
+          </p:nvPr>
+        </p:nvSpPr>
+        <p:spPr/>
+        <p:txBody>
+          <a:bodyPr/>
+          <a:lstStyle/>
+          <a:p>
+            <a:r>
+              <a:rPr lang="fr-FR" dirty="0" smtClean="0"/>
+              <a:t>Plasma Configuration</a:t>
+            </a:r>
+            <a:endParaRPr lang="fr-FR" dirty="0"/>
+          </a:p>
+        </p:txBody>
+      </p:sp>
+      <p:pic>
+        <p:nvPicPr>
+          <p:cNvPr id="5" name="Picture 4"/>
+          <p:cNvPicPr>
+            <a:picLocks noChangeAspect="1"/>
+          </p:cNvPicPr>
+          <p:nvPr/>
+        </p:nvPicPr>
+        <p:blipFill>
+          <a:blip r:embed="rId2" cstate="print">
+            <a:extLst>
+              <a:ext uri="{28A0092B-C50C-407E-A947-70E740481C1C}">
+                <a14:useLocalDpi xmlns:a14="http://schemas.microsoft.com/office/drawing/2010/main" val="0"/>
+              </a:ext>
+            </a:extLst>
+          </a:blip>
+          <a:stretch>
+            <a:fillRect/>
+          </a:stretch>
+        </p:blipFill>
+        <p:spPr>
+          <a:xfrm>
+            <a:off x="5544000" y="1231154"/>
+            <a:ext cx="3599999" cy="2701902"/>
+          </a:xfrm>
+          <a:prstGeom prst="rect">
+            <a:avLst/>
+          </a:prstGeom>
+        </p:spPr>
+      </p:pic>
+      <p:pic>
+        <p:nvPicPr>
+          <p:cNvPr id="28" name="Picture 27"/>
+          <p:cNvPicPr>
+            <a:picLocks noChangeAspect="1"/>
+          </p:cNvPicPr>
+          <p:nvPr/>
+        </p:nvPicPr>
+        <p:blipFill>
+          <a:blip r:embed="rId3" cstate="print">
+            <a:extLst>
+              <a:ext uri="{28A0092B-C50C-407E-A947-70E740481C1C}">
+                <a14:useLocalDpi xmlns:a14="http://schemas.microsoft.com/office/drawing/2010/main" val="0"/>
+              </a:ext>
+            </a:extLst>
+          </a:blip>
+          <a:stretch>
+            <a:fillRect/>
+          </a:stretch>
+        </p:blipFill>
+        <p:spPr>
+          <a:xfrm>
+            <a:off x="107504" y="4041369"/>
+            <a:ext cx="5400000" cy="2699999"/>
+          </a:xfrm>
+          <a:prstGeom prst="rect">
+            <a:avLst/>
+          </a:prstGeom>
+        </p:spPr>
+      </p:pic>
+      <p:pic>
+        <p:nvPicPr>
+          <p:cNvPr id="32" name="Picture 31"/>
+          <p:cNvPicPr>
+            <a:picLocks noChangeAspect="1"/>
+          </p:cNvPicPr>
+          <p:nvPr/>
+        </p:nvPicPr>
+        <p:blipFill>
+          <a:blip r:embed="rId4" cstate="print">
+            <a:extLst>
+              <a:ext uri="{28A0092B-C50C-407E-A947-70E740481C1C}">
+                <a14:useLocalDpi xmlns:a14="http://schemas.microsoft.com/office/drawing/2010/main" val="0"/>
+              </a:ext>
+            </a:extLst>
+          </a:blip>
+          <a:stretch>
+            <a:fillRect/>
+          </a:stretch>
+        </p:blipFill>
+        <p:spPr>
+          <a:xfrm>
+            <a:off x="179512" y="1231154"/>
+            <a:ext cx="3599999" cy="2701901"/>
+          </a:xfrm>
+          <a:prstGeom prst="rect">
+            <a:avLst/>
+          </a:prstGeom>
+        </p:spPr>
+      </p:pic>
+      <p:sp>
+        <p:nvSpPr>
+          <p:cNvPr id="29" name="ZoneTexte 10"/>
+          <p:cNvSpPr txBox="1"/>
+          <p:nvPr/>
+        </p:nvSpPr>
+        <p:spPr>
+          <a:xfrm>
+            <a:off x="3635896" y="1340768"/>
+            <a:ext cx="1872208" cy="1384995"/>
+          </a:xfrm>
+          <a:prstGeom prst="rect">
+            <a:avLst/>
+          </a:prstGeom>
+          <a:noFill/>
+        </p:spPr>
+        <p:txBody>
+          <a:bodyPr wrap="square" rtlCol="0">
+            <a:spAutoFit/>
+          </a:bodyPr>
+          <a:lstStyle/>
+          <a:p>
+            <a:pPr algn="ctr"/>
+            <a:r>
+              <a:rPr lang="fr-FR" sz="1400" dirty="0" smtClean="0"/>
+              <a:t>30 </a:t>
+            </a:r>
+            <a:r>
+              <a:rPr lang="fr-FR" sz="1400" dirty="0" err="1" smtClean="0"/>
+              <a:t>elements</a:t>
+            </a:r>
+            <a:r>
+              <a:rPr lang="fr-FR" sz="1400" dirty="0" smtClean="0"/>
+              <a:t> in the expansion of J.</a:t>
+            </a:r>
+          </a:p>
+          <a:p>
+            <a:pPr algn="ctr"/>
+            <a:r>
+              <a:rPr lang="fr-FR" sz="1400" dirty="0" smtClean="0"/>
+              <a:t>(</a:t>
+            </a:r>
+            <a:r>
+              <a:rPr lang="fr-FR" sz="1400" dirty="0" err="1"/>
+              <a:t>S</a:t>
+            </a:r>
+            <a:r>
+              <a:rPr lang="fr-FR" sz="1400" dirty="0" err="1" smtClean="0"/>
+              <a:t>eems</a:t>
+            </a:r>
+            <a:r>
+              <a:rPr lang="fr-FR" sz="1400" dirty="0" smtClean="0"/>
+              <a:t> </a:t>
+            </a:r>
+            <a:r>
+              <a:rPr lang="fr-FR" sz="1400" dirty="0" err="1"/>
+              <a:t>e</a:t>
+            </a:r>
+            <a:r>
+              <a:rPr lang="fr-FR" sz="1400" dirty="0" err="1" smtClean="0"/>
+              <a:t>nough</a:t>
+            </a:r>
+            <a:r>
+              <a:rPr lang="fr-FR" sz="1400" dirty="0" smtClean="0"/>
+              <a:t>, </a:t>
+            </a:r>
+            <a:r>
+              <a:rPr lang="fr-FR" sz="1400" dirty="0" err="1" smtClean="0"/>
+              <a:t>checked</a:t>
+            </a:r>
+            <a:r>
+              <a:rPr lang="fr-FR" sz="1400" dirty="0" smtClean="0"/>
+              <a:t> for convergence. </a:t>
+            </a:r>
+            <a:r>
+              <a:rPr lang="fr-FR" sz="1400" dirty="0" err="1" smtClean="0"/>
+              <a:t>Could</a:t>
+            </a:r>
+            <a:r>
+              <a:rPr lang="fr-FR" sz="1400" dirty="0" smtClean="0"/>
+              <a:t> </a:t>
+            </a:r>
+            <a:r>
+              <a:rPr lang="fr-FR" sz="1400" dirty="0" err="1" smtClean="0"/>
+              <a:t>be</a:t>
+            </a:r>
+            <a:r>
+              <a:rPr lang="fr-FR" sz="1400" dirty="0" smtClean="0"/>
+              <a:t> </a:t>
+            </a:r>
+            <a:r>
+              <a:rPr lang="fr-FR" sz="1400" dirty="0" err="1" smtClean="0"/>
+              <a:t>increased</a:t>
+            </a:r>
+            <a:r>
+              <a:rPr lang="fr-FR" sz="1400" dirty="0" smtClean="0"/>
+              <a:t>.)</a:t>
+            </a:r>
+          </a:p>
+        </p:txBody>
+      </p:sp>
+      <p:sp>
+        <p:nvSpPr>
+          <p:cNvPr id="46" name="ZoneTexte 32"/>
+          <p:cNvSpPr txBox="1"/>
+          <p:nvPr/>
+        </p:nvSpPr>
+        <p:spPr>
+          <a:xfrm>
+            <a:off x="323528" y="476672"/>
+            <a:ext cx="1276644" cy="461665"/>
+          </a:xfrm>
+          <a:prstGeom prst="rect">
+            <a:avLst/>
+          </a:prstGeom>
+        </p:spPr>
+        <p:style>
+          <a:lnRef idx="2">
+            <a:schemeClr val="accent6"/>
+          </a:lnRef>
+          <a:fillRef idx="1">
+            <a:schemeClr val="lt1"/>
+          </a:fillRef>
+          <a:effectRef idx="0">
+            <a:schemeClr val="accent6"/>
+          </a:effectRef>
+          <a:fontRef idx="minor">
+            <a:schemeClr val="dk1"/>
+          </a:fontRef>
+        </p:style>
+        <p:txBody>
+          <a:bodyPr wrap="square" rtlCol="0">
+            <a:spAutoFit/>
+          </a:bodyPr>
+          <a:lstStyle/>
+          <a:p>
+            <a:pPr algn="ctr"/>
+            <a:r>
+              <a:rPr lang="fr-FR" sz="1200" dirty="0" smtClean="0"/>
+              <a:t>Constant </a:t>
+            </a:r>
+            <a:r>
+              <a:rPr lang="fr-FR" sz="1200" dirty="0" err="1" smtClean="0"/>
+              <a:t>density</a:t>
+            </a:r>
+            <a:r>
+              <a:rPr lang="fr-FR" sz="1200" dirty="0" smtClean="0"/>
+              <a:t> plasma</a:t>
+            </a:r>
+            <a:endParaRPr lang="fr-FR" sz="1200" dirty="0"/>
+          </a:p>
+        </p:txBody>
+      </p:sp>
+      <p:pic>
+        <p:nvPicPr>
+          <p:cNvPr id="10" name="Picture 9"/>
+          <p:cNvPicPr>
+            <a:picLocks noChangeAspect="1"/>
+          </p:cNvPicPr>
+          <p:nvPr/>
+        </p:nvPicPr>
+        <p:blipFill>
+          <a:blip r:embed="rId5" cstate="print">
+            <a:extLst>
+              <a:ext uri="{28A0092B-C50C-407E-A947-70E740481C1C}">
+                <a14:useLocalDpi xmlns:a14="http://schemas.microsoft.com/office/drawing/2010/main" val="0"/>
+              </a:ext>
+            </a:extLst>
+          </a:blip>
+          <a:stretch>
+            <a:fillRect/>
+          </a:stretch>
+        </p:blipFill>
+        <p:spPr>
+          <a:xfrm>
+            <a:off x="5544000" y="4024364"/>
+            <a:ext cx="3599999" cy="2701901"/>
+          </a:xfrm>
+          <a:prstGeom prst="rect">
+            <a:avLst/>
+          </a:prstGeom>
+        </p:spPr>
+      </p:pic>
+      <p:sp>
+        <p:nvSpPr>
+          <p:cNvPr id="11" name="ZoneTexte 10"/>
+          <p:cNvSpPr txBox="1"/>
+          <p:nvPr/>
+        </p:nvSpPr>
+        <p:spPr>
+          <a:xfrm>
+            <a:off x="3707904" y="2905780"/>
+            <a:ext cx="1872208" cy="523220"/>
+          </a:xfrm>
+          <a:prstGeom prst="rect">
+            <a:avLst/>
+          </a:prstGeom>
+          <a:noFill/>
+        </p:spPr>
+        <p:txBody>
+          <a:bodyPr wrap="square" rtlCol="0">
+            <a:spAutoFit/>
+          </a:bodyPr>
+          <a:lstStyle/>
+          <a:p>
+            <a:pPr algn="ctr"/>
+            <a:r>
+              <a:rPr lang="fr-FR" sz="1400" dirty="0" smtClean="0"/>
+              <a:t>f=50MHz</a:t>
+            </a:r>
+          </a:p>
+          <a:p>
+            <a:pPr algn="ctr"/>
+            <a:r>
+              <a:rPr lang="fr-FR" sz="1400" dirty="0" smtClean="0"/>
+              <a:t>D(H)5%</a:t>
+            </a:r>
+          </a:p>
+        </p:txBody>
+      </p:sp>
+    </p:spTree>
+    <p:extLst>
+      <p:ext uri="{BB962C8B-B14F-4D97-AF65-F5344CB8AC3E}">
+        <p14:creationId xmlns:p14="http://schemas.microsoft.com/office/powerpoint/2010/main" val="1586992031"/>
+      </p:ext>
+    </p:extLst>
+  </p:cSld>
+  <p:clrMapOvr>
+    <a:masterClrMapping/>
+  </p:clrMapOvr>
+</p:sld>
+</file>
+
+<file path=ppt/slides/slide8.xml><?xml version="1.0" encoding="utf-8"?>
+<p:sld xmlns:a="http://schemas.openxmlformats.org/drawingml/2006/main" xmlns:r="http://schemas.openxmlformats.org/officeDocument/2006/relationships" xmlns:p="http://schemas.openxmlformats.org/presentationml/2006/main">
+  <p:cSld>
+    <p:spTree>
+      <p:nvGrpSpPr>
+        <p:cNvPr id="1" name=""/>
+        <p:cNvGrpSpPr/>
+        <p:nvPr/>
+      </p:nvGrpSpPr>
+      <p:grpSpPr>
+        <a:xfrm>
+          <a:off x="0" y="0"/>
+          <a:ext cx="0" cy="0"/>
+          <a:chOff x="0" y="0"/>
+          <a:chExt cx="0" cy="0"/>
+        </a:xfrm>
+      </p:grpSpPr>
+      <p:sp>
+        <p:nvSpPr>
+          <p:cNvPr id="2" name="Titre 1"/>
+          <p:cNvSpPr>
+            <a:spLocks noGrp="1"/>
+          </p:cNvSpPr>
+          <p:nvPr>
+            <p:ph type="title"/>
+          </p:nvPr>
+        </p:nvSpPr>
+        <p:spPr/>
+        <p:txBody>
+          <a:bodyPr/>
+          <a:lstStyle/>
+          <a:p>
+            <a:r>
+              <a:rPr lang="fr-FR" dirty="0" smtClean="0"/>
+              <a:t>Plasma </a:t>
+            </a:r>
+            <a:r>
+              <a:rPr lang="fr-FR" dirty="0" err="1" smtClean="0"/>
+              <a:t>Response</a:t>
+            </a:r>
+            <a:endParaRPr lang="fr-FR" dirty="0"/>
+          </a:p>
+        </p:txBody>
+      </p:sp>
+      <p:pic>
+        <p:nvPicPr>
+          <p:cNvPr id="5" name="Picture 4"/>
+          <p:cNvPicPr>
+            <a:picLocks noChangeAspect="1"/>
+          </p:cNvPicPr>
+          <p:nvPr/>
+        </p:nvPicPr>
+        <p:blipFill>
+          <a:blip r:embed="rId2" cstate="print">
+            <a:extLst>
+              <a:ext uri="{28A0092B-C50C-407E-A947-70E740481C1C}">
+                <a14:useLocalDpi xmlns:a14="http://schemas.microsoft.com/office/drawing/2010/main" val="0"/>
+              </a:ext>
+            </a:extLst>
+          </a:blip>
+          <a:stretch>
+            <a:fillRect/>
+          </a:stretch>
+        </p:blipFill>
+        <p:spPr>
+          <a:xfrm>
+            <a:off x="5544000" y="1231154"/>
+            <a:ext cx="3599999" cy="2701902"/>
+          </a:xfrm>
+          <a:prstGeom prst="rect">
+            <a:avLst/>
+          </a:prstGeom>
+        </p:spPr>
+      </p:pic>
+      <p:pic>
+        <p:nvPicPr>
+          <p:cNvPr id="28" name="Picture 27"/>
+          <p:cNvPicPr>
+            <a:picLocks noChangeAspect="1"/>
+          </p:cNvPicPr>
+          <p:nvPr/>
+        </p:nvPicPr>
+        <p:blipFill>
+          <a:blip r:embed="rId3" cstate="print">
+            <a:extLst>
+              <a:ext uri="{28A0092B-C50C-407E-A947-70E740481C1C}">
+                <a14:useLocalDpi xmlns:a14="http://schemas.microsoft.com/office/drawing/2010/main" val="0"/>
+              </a:ext>
+            </a:extLst>
+          </a:blip>
+          <a:stretch>
+            <a:fillRect/>
+          </a:stretch>
+        </p:blipFill>
+        <p:spPr>
+          <a:xfrm>
+            <a:off x="179912" y="4024364"/>
+            <a:ext cx="3599999" cy="2701901"/>
+          </a:xfrm>
+          <a:prstGeom prst="rect">
+            <a:avLst/>
+          </a:prstGeom>
+        </p:spPr>
+      </p:pic>
+      <p:pic>
+        <p:nvPicPr>
+          <p:cNvPr id="32" name="Picture 31"/>
+          <p:cNvPicPr>
+            <a:picLocks noChangeAspect="1"/>
+          </p:cNvPicPr>
+          <p:nvPr/>
+        </p:nvPicPr>
+        <p:blipFill>
+          <a:blip r:embed="rId4" cstate="print">
+            <a:extLst>
+              <a:ext uri="{28A0092B-C50C-407E-A947-70E740481C1C}">
+                <a14:useLocalDpi xmlns:a14="http://schemas.microsoft.com/office/drawing/2010/main" val="0"/>
+              </a:ext>
+            </a:extLst>
+          </a:blip>
+          <a:stretch>
+            <a:fillRect/>
+          </a:stretch>
+        </p:blipFill>
+        <p:spPr>
+          <a:xfrm>
+            <a:off x="179512" y="1231154"/>
+            <a:ext cx="3599999" cy="2701901"/>
+          </a:xfrm>
+          <a:prstGeom prst="rect">
+            <a:avLst/>
+          </a:prstGeom>
+        </p:spPr>
+      </p:pic>
+      <p:pic>
+        <p:nvPicPr>
+          <p:cNvPr id="34" name="Picture 33"/>
+          <p:cNvPicPr>
+            <a:picLocks noChangeAspect="1"/>
+          </p:cNvPicPr>
+          <p:nvPr/>
+        </p:nvPicPr>
+        <p:blipFill>
+          <a:blip r:embed="rId5" cstate="print">
+            <a:extLst>
+              <a:ext uri="{28A0092B-C50C-407E-A947-70E740481C1C}">
+                <a14:useLocalDpi xmlns:a14="http://schemas.microsoft.com/office/drawing/2010/main" val="0"/>
+              </a:ext>
+            </a:extLst>
+          </a:blip>
+          <a:stretch>
+            <a:fillRect/>
+          </a:stretch>
+        </p:blipFill>
+        <p:spPr>
+          <a:xfrm>
+            <a:off x="5544000" y="4024364"/>
+            <a:ext cx="3599999" cy="2701901"/>
+          </a:xfrm>
+          <a:prstGeom prst="rect">
+            <a:avLst/>
+          </a:prstGeom>
+        </p:spPr>
+      </p:pic>
+      <p:sp>
+        <p:nvSpPr>
+          <p:cNvPr id="29" name="ZoneTexte 10"/>
+          <p:cNvSpPr txBox="1"/>
+          <p:nvPr/>
+        </p:nvSpPr>
+        <p:spPr>
+          <a:xfrm>
+            <a:off x="3635896" y="1340768"/>
+            <a:ext cx="1872208" cy="738664"/>
+          </a:xfrm>
+          <a:prstGeom prst="rect">
+            <a:avLst/>
+          </a:prstGeom>
+          <a:noFill/>
+        </p:spPr>
+        <p:txBody>
+          <a:bodyPr wrap="square" rtlCol="0">
+            <a:spAutoFit/>
+          </a:bodyPr>
+          <a:lstStyle/>
+          <a:p>
+            <a:pPr algn="ctr"/>
+            <a:r>
+              <a:rPr lang="fr-FR" sz="1400" dirty="0" smtClean="0"/>
+              <a:t>B </a:t>
+            </a:r>
+            <a:r>
+              <a:rPr lang="fr-FR" sz="1400" dirty="0" err="1" smtClean="0"/>
+              <a:t>is</a:t>
+            </a:r>
+            <a:r>
+              <a:rPr lang="fr-FR" sz="1400" dirty="0" smtClean="0"/>
+              <a:t> </a:t>
+            </a:r>
+            <a:r>
+              <a:rPr lang="fr-FR" sz="1400" dirty="0" err="1" smtClean="0"/>
+              <a:t>taken</a:t>
+            </a:r>
+            <a:r>
+              <a:rPr lang="fr-FR" sz="1400" dirty="0" smtClean="0"/>
+              <a:t> constant but </a:t>
+            </a:r>
+            <a:r>
+              <a:rPr lang="fr-FR" sz="1400" dirty="0" err="1" smtClean="0"/>
+              <a:t>could</a:t>
+            </a:r>
+            <a:r>
+              <a:rPr lang="fr-FR" sz="1400" dirty="0" smtClean="0"/>
+              <a:t> have the </a:t>
+            </a:r>
+            <a:r>
+              <a:rPr lang="fr-FR" sz="1400" dirty="0" err="1" smtClean="0"/>
+              <a:t>usual</a:t>
+            </a:r>
+            <a:r>
+              <a:rPr lang="fr-FR" sz="1400" dirty="0" smtClean="0"/>
+              <a:t> 1/R </a:t>
+            </a:r>
+            <a:r>
+              <a:rPr lang="fr-FR" sz="1400" dirty="0" err="1" smtClean="0"/>
+              <a:t>dependency</a:t>
+            </a:r>
+            <a:endParaRPr lang="fr-FR" sz="1400" dirty="0" smtClean="0"/>
+          </a:p>
+        </p:txBody>
+      </p:sp>
+      <p:sp>
+        <p:nvSpPr>
+          <p:cNvPr id="46" name="ZoneTexte 32"/>
+          <p:cNvSpPr txBox="1"/>
+          <p:nvPr/>
+        </p:nvSpPr>
+        <p:spPr>
+          <a:xfrm>
+            <a:off x="323528" y="476672"/>
+            <a:ext cx="1276644" cy="461665"/>
+          </a:xfrm>
+          <a:prstGeom prst="rect">
+            <a:avLst/>
+          </a:prstGeom>
+        </p:spPr>
+        <p:style>
+          <a:lnRef idx="2">
+            <a:schemeClr val="accent6"/>
+          </a:lnRef>
+          <a:fillRef idx="1">
+            <a:schemeClr val="lt1"/>
+          </a:fillRef>
+          <a:effectRef idx="0">
+            <a:schemeClr val="accent6"/>
+          </a:effectRef>
+          <a:fontRef idx="minor">
+            <a:schemeClr val="dk1"/>
+          </a:fontRef>
+        </p:style>
+        <p:txBody>
+          <a:bodyPr wrap="square" rtlCol="0">
+            <a:spAutoFit/>
+          </a:bodyPr>
+          <a:lstStyle/>
+          <a:p>
+            <a:pPr algn="ctr"/>
+            <a:r>
+              <a:rPr lang="fr-FR" sz="1200" dirty="0" smtClean="0"/>
+              <a:t>Constant </a:t>
+            </a:r>
+            <a:r>
+              <a:rPr lang="fr-FR" sz="1200" dirty="0" err="1" smtClean="0"/>
+              <a:t>density</a:t>
+            </a:r>
+            <a:r>
+              <a:rPr lang="fr-FR" sz="1200" dirty="0" smtClean="0"/>
+              <a:t> plasma</a:t>
+            </a:r>
+            <a:endParaRPr lang="fr-FR" sz="1200" dirty="0"/>
+          </a:p>
+        </p:txBody>
+      </p:sp>
+      <p:sp>
+        <p:nvSpPr>
+          <p:cNvPr id="10" name="ZoneTexte 10"/>
+          <p:cNvSpPr txBox="1"/>
+          <p:nvPr/>
+        </p:nvSpPr>
+        <p:spPr>
+          <a:xfrm>
+            <a:off x="3707904" y="2761183"/>
+            <a:ext cx="1872208" cy="523220"/>
+          </a:xfrm>
+          <a:prstGeom prst="rect">
+            <a:avLst/>
+          </a:prstGeom>
+          <a:noFill/>
+        </p:spPr>
+        <p:txBody>
+          <a:bodyPr wrap="square" rtlCol="0">
+            <a:spAutoFit/>
+          </a:bodyPr>
+          <a:lstStyle/>
+          <a:p>
+            <a:pPr algn="ctr"/>
+            <a:r>
+              <a:rPr lang="fr-FR" sz="1400" dirty="0" smtClean="0"/>
+              <a:t>f=50MHz</a:t>
+            </a:r>
+          </a:p>
+          <a:p>
+            <a:pPr algn="ctr"/>
+            <a:r>
+              <a:rPr lang="fr-FR" sz="1400" dirty="0" smtClean="0"/>
+              <a:t>D(H)5%</a:t>
+            </a:r>
+          </a:p>
+        </p:txBody>
+      </p:sp>
+      <p:sp>
+        <p:nvSpPr>
+          <p:cNvPr id="11" name="ZoneTexte 10"/>
+          <p:cNvSpPr txBox="1"/>
+          <p:nvPr/>
+        </p:nvSpPr>
+        <p:spPr>
+          <a:xfrm>
+            <a:off x="3707904" y="4571836"/>
+            <a:ext cx="1872208" cy="646331"/>
+          </a:xfrm>
+          <a:prstGeom prst="rect">
+            <a:avLst/>
+          </a:prstGeom>
+          <a:noFill/>
+        </p:spPr>
+        <p:txBody>
+          <a:bodyPr wrap="square" rtlCol="0">
+            <a:spAutoFit/>
+          </a:bodyPr>
+          <a:lstStyle/>
+          <a:p>
+            <a:pPr algn="ctr"/>
+            <a:r>
+              <a:rPr lang="fr-FR" dirty="0" err="1" smtClean="0"/>
+              <a:t>Dipole</a:t>
+            </a:r>
+            <a:r>
+              <a:rPr lang="fr-FR" dirty="0" smtClean="0"/>
+              <a:t> </a:t>
+            </a:r>
+            <a:r>
+              <a:rPr lang="fr-FR" dirty="0" err="1" smtClean="0"/>
+              <a:t>phasing</a:t>
+            </a:r>
+            <a:endParaRPr lang="fr-FR" dirty="0" smtClean="0"/>
+          </a:p>
+          <a:p>
+            <a:pPr algn="ctr"/>
+            <a:r>
+              <a:rPr lang="fr-FR" dirty="0" smtClean="0"/>
+              <a:t>Z</a:t>
+            </a:r>
+            <a:r>
+              <a:rPr lang="fr-FR" baseline="-25000" dirty="0" smtClean="0"/>
+              <a:t>A</a:t>
+            </a:r>
+            <a:r>
+              <a:rPr lang="fr-FR" dirty="0" smtClean="0"/>
+              <a:t>=R</a:t>
+            </a:r>
+            <a:r>
+              <a:rPr lang="fr-FR" baseline="-25000" dirty="0" smtClean="0"/>
+              <a:t>A3</a:t>
+            </a:r>
+            <a:r>
+              <a:rPr lang="fr-FR" dirty="0" smtClean="0"/>
+              <a:t>+iX</a:t>
+            </a:r>
+            <a:r>
+              <a:rPr lang="fr-FR" baseline="-25000" dirty="0" smtClean="0"/>
+              <a:t>A3</a:t>
+            </a:r>
+          </a:p>
+        </p:txBody>
+      </p:sp>
+      <p:sp>
+        <p:nvSpPr>
+          <p:cNvPr id="13" name="ZoneTexte 10"/>
+          <p:cNvSpPr txBox="1"/>
+          <p:nvPr/>
+        </p:nvSpPr>
+        <p:spPr>
+          <a:xfrm>
+            <a:off x="3441296" y="3574757"/>
+            <a:ext cx="2261408" cy="523220"/>
+          </a:xfrm>
+          <a:prstGeom prst="rect">
+            <a:avLst/>
+          </a:prstGeom>
+        </p:spPr>
+        <p:style>
+          <a:lnRef idx="2">
+            <a:schemeClr val="accent5"/>
+          </a:lnRef>
+          <a:fillRef idx="1">
+            <a:schemeClr val="lt1"/>
+          </a:fillRef>
+          <a:effectRef idx="0">
+            <a:schemeClr val="accent5"/>
+          </a:effectRef>
+          <a:fontRef idx="minor">
+            <a:schemeClr val="dk1"/>
+          </a:fontRef>
+        </p:style>
+        <p:txBody>
+          <a:bodyPr wrap="square" rtlCol="0">
+            <a:spAutoFit/>
+          </a:bodyPr>
+          <a:lstStyle/>
+          <a:p>
+            <a:pPr algn="ctr"/>
+            <a:r>
+              <a:rPr lang="fr-FR" sz="1400" dirty="0" smtClean="0"/>
+              <a:t>Z</a:t>
+            </a:r>
+            <a:r>
+              <a:rPr lang="fr-FR" sz="1400" baseline="-25000" dirty="0" smtClean="0"/>
+              <a:t>11</a:t>
+            </a:r>
+            <a:r>
+              <a:rPr lang="fr-FR" sz="1400" dirty="0" smtClean="0"/>
+              <a:t>=(14.7-i130.6)ohm/m</a:t>
+            </a:r>
+          </a:p>
+          <a:p>
+            <a:pPr algn="ctr"/>
+            <a:r>
+              <a:rPr lang="fr-FR" sz="1400" dirty="0"/>
+              <a:t>Z</a:t>
+            </a:r>
+            <a:r>
+              <a:rPr lang="fr-FR" sz="1400" baseline="-25000" dirty="0"/>
+              <a:t>21</a:t>
+            </a:r>
+            <a:r>
+              <a:rPr lang="fr-FR" sz="1400" dirty="0"/>
+              <a:t>=(</a:t>
+            </a:r>
+            <a:r>
+              <a:rPr lang="fr-FR" sz="1400" dirty="0" smtClean="0"/>
+              <a:t>7.88-i12.25)ohm/m</a:t>
+            </a:r>
+            <a:endParaRPr lang="fr-FR" sz="1400" baseline="-25000" dirty="0"/>
+          </a:p>
+        </p:txBody>
+      </p:sp>
+    </p:spTree>
+    <p:extLst>
+      <p:ext uri="{BB962C8B-B14F-4D97-AF65-F5344CB8AC3E}">
+        <p14:creationId xmlns:p14="http://schemas.microsoft.com/office/powerpoint/2010/main" val="1029658173"/>
+      </p:ext>
+    </p:extLst>
+  </p:cSld>
+  <p:clrMapOvr>
+    <a:masterClrMapping/>
+  </p:clrMapOvr>
+</p:sld>
+</file>
+
+<file path=ppt/slides/slide9.xml><?xml version="1.0" encoding="utf-8"?>
+<p:sld xmlns:a="http://schemas.openxmlformats.org/drawingml/2006/main" xmlns:r="http://schemas.openxmlformats.org/officeDocument/2006/relationships" xmlns:p="http://schemas.openxmlformats.org/presentationml/2006/main">
+  <p:cSld>
+    <p:spTree>
+      <p:nvGrpSpPr>
+        <p:cNvPr id="1" name=""/>
+        <p:cNvGrpSpPr/>
+        <p:nvPr/>
+      </p:nvGrpSpPr>
+      <p:grpSpPr>
+        <a:xfrm>
+          <a:off x="0" y="0"/>
+          <a:ext cx="0" cy="0"/>
+          <a:chOff x="0" y="0"/>
+          <a:chExt cx="0" cy="0"/>
+        </a:xfrm>
+      </p:grpSpPr>
+      <p:sp>
+        <p:nvSpPr>
+          <p:cNvPr id="2" name="Title 1"/>
+          <p:cNvSpPr>
+            <a:spLocks noGrp="1"/>
+          </p:cNvSpPr>
+          <p:nvPr>
+            <p:ph type="ctrTitle"/>
+          </p:nvPr>
+        </p:nvSpPr>
+        <p:spPr/>
+        <p:txBody>
+          <a:bodyPr>
+            <a:normAutofit/>
+          </a:bodyPr>
+          <a:lstStyle/>
+          <a:p>
+            <a:r>
+              <a:rPr lang="en-GB" dirty="0" smtClean="0"/>
+              <a:t>Second case:</a:t>
+            </a:r>
+            <a:br>
+              <a:rPr lang="en-GB" dirty="0" smtClean="0"/>
+            </a:br>
+            <a:r>
+              <a:rPr lang="en-GB" dirty="0" smtClean="0"/>
+              <a:t>Double strap – linear profile</a:t>
+            </a:r>
+            <a:endParaRPr lang="en-GB" dirty="0"/>
+          </a:p>
+        </p:txBody>
+      </p:sp>
+    </p:spTree>
+    <p:extLst>
+      <p:ext uri="{BB962C8B-B14F-4D97-AF65-F5344CB8AC3E}">
+        <p14:creationId xmlns:p14="http://schemas.microsoft.com/office/powerpoint/2010/main" val="3763316310"/>
       </p:ext>
     </p:extLst>
   </p:cSld>

--- a/Test Configurations/Test Geometries.pptx
+++ b/Test Configurations/Test Geometries.pptx
@@ -18,6 +18,15 @@
     <p:sldId id="266" r:id="rId12"/>
     <p:sldId id="267" r:id="rId13"/>
     <p:sldId id="268" r:id="rId14"/>
+    <p:sldId id="269" r:id="rId15"/>
+    <p:sldId id="270" r:id="rId16"/>
+    <p:sldId id="271" r:id="rId17"/>
+    <p:sldId id="272" r:id="rId18"/>
+    <p:sldId id="273" r:id="rId19"/>
+    <p:sldId id="274" r:id="rId20"/>
+    <p:sldId id="275" r:id="rId21"/>
+    <p:sldId id="276" r:id="rId22"/>
+    <p:sldId id="277" r:id="rId23"/>
   </p:sldIdLst>
   <p:sldSz cx="9144000" cy="6858000" type="screen4x3"/>
   <p:notesSz cx="6858000" cy="9144000"/>
@@ -3547,15 +3556,7 @@
                   <a:schemeClr val="tx2"/>
                 </a:solidFill>
               </a:rPr>
-              <a:t> </a:t>
-            </a:r>
-            <a:r>
-              <a:rPr lang="fr-FR" dirty="0" smtClean="0">
-                <a:solidFill>
-                  <a:schemeClr val="tx2"/>
-                </a:solidFill>
-              </a:rPr>
-              <a:t>x=</a:t>
+              <a:t> x=</a:t>
             </a:r>
             <a:r>
               <a:rPr lang="fr-FR" dirty="0" err="1" smtClean="0">
@@ -4684,8 +4685,8 @@
           </a:p>
           <a:p>
             <a:r>
-              <a:rPr lang="fr-FR" sz="1200" dirty="0" err="1"/>
-              <a:t>D_strap</a:t>
+              <a:rPr lang="fr-FR" sz="1200" dirty="0" err="1" smtClean="0"/>
+              <a:t>d_strap</a:t>
             </a:r>
             <a:r>
               <a:rPr lang="fr-FR" sz="1200" dirty="0"/>
@@ -4939,134 +4940,17 @@
           <a:p>
             <a:r>
               <a:rPr lang="fr-FR" dirty="0" smtClean="0"/>
-              <a:t>Plasma Configuration</a:t>
+              <a:t>Plasma </a:t>
+            </a:r>
+            <a:r>
+              <a:rPr lang="fr-FR" dirty="0" err="1" smtClean="0"/>
+              <a:t>Conf</a:t>
+            </a:r>
+            <a:r>
+              <a:rPr lang="fr-FR" dirty="0" smtClean="0"/>
+              <a:t>. 5e8</a:t>
             </a:r>
             <a:endParaRPr lang="fr-FR" dirty="0"/>
-          </a:p>
-        </p:txBody>
-      </p:sp>
-      <p:sp>
-        <p:nvSpPr>
-          <p:cNvPr id="29" name="ZoneTexte 10"/>
-          <p:cNvSpPr txBox="1"/>
-          <p:nvPr/>
-        </p:nvSpPr>
-        <p:spPr>
-          <a:xfrm>
-            <a:off x="361208" y="3140968"/>
-            <a:ext cx="1978543" cy="923330"/>
-          </a:xfrm>
-          <a:prstGeom prst="rect">
-            <a:avLst/>
-          </a:prstGeom>
-          <a:noFill/>
-        </p:spPr>
-        <p:txBody>
-          <a:bodyPr wrap="square" rtlCol="0">
-            <a:spAutoFit/>
-          </a:bodyPr>
-          <a:lstStyle/>
-          <a:p>
-            <a:r>
-              <a:rPr lang="fr-FR" dirty="0" err="1"/>
-              <a:t>x</a:t>
-            </a:r>
-            <a:r>
-              <a:rPr lang="fr-FR" dirty="0" err="1" smtClean="0"/>
-              <a:t>_plasma</a:t>
-            </a:r>
-            <a:r>
-              <a:rPr lang="fr-FR" dirty="0" smtClean="0"/>
-              <a:t>=0.05</a:t>
-            </a:r>
-          </a:p>
-          <a:p>
-            <a:r>
-              <a:rPr lang="fr-FR" dirty="0" smtClean="0"/>
-              <a:t>n_e0=1e17</a:t>
-            </a:r>
-          </a:p>
-          <a:p>
-            <a:r>
-              <a:rPr lang="fr-FR" dirty="0" smtClean="0"/>
-              <a:t>n_e1=5e18</a:t>
-            </a:r>
-          </a:p>
-        </p:txBody>
-      </p:sp>
-      <p:sp>
-        <p:nvSpPr>
-          <p:cNvPr id="30" name="ZoneTexte 33"/>
-          <p:cNvSpPr txBox="1"/>
-          <p:nvPr/>
-        </p:nvSpPr>
-        <p:spPr>
-          <a:xfrm>
-            <a:off x="7222289" y="1384517"/>
-            <a:ext cx="1670191" cy="1200329"/>
-          </a:xfrm>
-          <a:prstGeom prst="rect">
-            <a:avLst/>
-          </a:prstGeom>
-          <a:noFill/>
-        </p:spPr>
-        <p:txBody>
-          <a:bodyPr wrap="square" rtlCol="0">
-            <a:spAutoFit/>
-          </a:bodyPr>
-          <a:lstStyle/>
-          <a:p>
-            <a:r>
-              <a:rPr lang="fr-FR" sz="1200" u="sng" dirty="0" err="1" smtClean="0"/>
-              <a:t>Units</a:t>
-            </a:r>
-            <a:r>
-              <a:rPr lang="fr-FR" sz="1200" dirty="0" smtClean="0"/>
-              <a:t>:</a:t>
-            </a:r>
-          </a:p>
-          <a:p>
-            <a:r>
-              <a:rPr lang="fr-FR" sz="1200" dirty="0" err="1" smtClean="0"/>
-              <a:t>Lengths</a:t>
-            </a:r>
-            <a:r>
-              <a:rPr lang="fr-FR" sz="1200" dirty="0" smtClean="0"/>
-              <a:t>: m</a:t>
-            </a:r>
-          </a:p>
-          <a:p>
-            <a:r>
-              <a:rPr lang="fr-FR" sz="1200" dirty="0" err="1" smtClean="0"/>
-              <a:t>Density</a:t>
-            </a:r>
-            <a:r>
-              <a:rPr lang="fr-FR" sz="1200" dirty="0" smtClean="0"/>
-              <a:t>: m-3</a:t>
-            </a:r>
-          </a:p>
-          <a:p>
-            <a:endParaRPr lang="fr-FR" sz="1200" dirty="0"/>
-          </a:p>
-          <a:p>
-            <a:r>
-              <a:rPr lang="fr-FR" sz="1200" dirty="0" smtClean="0">
-                <a:solidFill>
-                  <a:srgbClr val="FF0000"/>
-                </a:solidFill>
-              </a:rPr>
-              <a:t>!! ANTITIER </a:t>
-            </a:r>
-          </a:p>
-          <a:p>
-            <a:r>
-              <a:rPr lang="fr-FR" sz="1200" dirty="0" err="1" smtClean="0"/>
-              <a:t>Density</a:t>
-            </a:r>
-            <a:r>
-              <a:rPr lang="fr-FR" sz="1200" dirty="0" smtClean="0"/>
-              <a:t>: cm-3</a:t>
-            </a:r>
           </a:p>
         </p:txBody>
       </p:sp>
@@ -5092,466 +4976,90 @@
         </p:blipFill>
         <p:spPr>
           <a:xfrm>
-            <a:off x="4994221" y="3679425"/>
-            <a:ext cx="3599999" cy="2701902"/>
+            <a:off x="5544001" y="1231154"/>
+            <a:ext cx="3599997" cy="2701901"/>
           </a:xfrm>
           <a:prstGeom prst="rect">
             <a:avLst/>
           </a:prstGeom>
         </p:spPr>
       </p:pic>
-      <p:grpSp>
-        <p:nvGrpSpPr>
-          <p:cNvPr id="6" name="Group 5"/>
-          <p:cNvGrpSpPr/>
-          <p:nvPr/>
-        </p:nvGrpSpPr>
-        <p:grpSpPr>
-          <a:xfrm>
-            <a:off x="107504" y="4221088"/>
-            <a:ext cx="4032448" cy="2065055"/>
-            <a:chOff x="-252536" y="4108336"/>
-            <a:chExt cx="4032448" cy="2065055"/>
-          </a:xfrm>
-        </p:grpSpPr>
-        <p:cxnSp>
-          <p:nvCxnSpPr>
-            <p:cNvPr id="31" name="Connecteur droit avec flèche 2"/>
-            <p:cNvCxnSpPr/>
-            <p:nvPr/>
-          </p:nvCxnSpPr>
-          <p:spPr>
-            <a:xfrm>
-              <a:off x="323528" y="5727447"/>
-              <a:ext cx="2194005" cy="0"/>
-            </a:xfrm>
-            <a:prstGeom prst="straightConnector1">
-              <a:avLst/>
-            </a:prstGeom>
-            <a:ln w="28575">
-              <a:solidFill>
-                <a:schemeClr val="tx1">
-                  <a:lumMod val="95000"/>
-                  <a:lumOff val="5000"/>
-                </a:schemeClr>
-              </a:solidFill>
-              <a:tailEnd type="arrow"/>
-            </a:ln>
-          </p:spPr>
-          <p:style>
-            <a:lnRef idx="1">
-              <a:schemeClr val="accent1"/>
-            </a:lnRef>
-            <a:fillRef idx="0">
-              <a:schemeClr val="accent1"/>
-            </a:fillRef>
-            <a:effectRef idx="0">
-              <a:schemeClr val="accent1"/>
-            </a:effectRef>
-            <a:fontRef idx="minor">
-              <a:schemeClr val="tx1"/>
-            </a:fontRef>
-          </p:style>
-        </p:cxnSp>
-        <p:cxnSp>
-          <p:nvCxnSpPr>
-            <p:cNvPr id="35" name="Connecteur droit avec flèche 3"/>
-            <p:cNvCxnSpPr/>
-            <p:nvPr/>
-          </p:nvCxnSpPr>
-          <p:spPr>
-            <a:xfrm flipV="1">
-              <a:off x="1653437" y="4396368"/>
-              <a:ext cx="0" cy="1335670"/>
-            </a:xfrm>
-            <a:prstGeom prst="straightConnector1">
-              <a:avLst/>
-            </a:prstGeom>
-            <a:ln w="28575">
-              <a:solidFill>
-                <a:schemeClr val="tx1">
-                  <a:lumMod val="95000"/>
-                  <a:lumOff val="5000"/>
-                </a:schemeClr>
-              </a:solidFill>
-              <a:tailEnd type="arrow"/>
-            </a:ln>
-          </p:spPr>
-          <p:style>
-            <a:lnRef idx="1">
-              <a:schemeClr val="accent1"/>
-            </a:lnRef>
-            <a:fillRef idx="0">
-              <a:schemeClr val="accent1"/>
-            </a:fillRef>
-            <a:effectRef idx="0">
-              <a:schemeClr val="accent1"/>
-            </a:effectRef>
-            <a:fontRef idx="minor">
-              <a:schemeClr val="tx1"/>
-            </a:fontRef>
-          </p:style>
-        </p:cxnSp>
-        <p:sp>
-          <p:nvSpPr>
-            <p:cNvPr id="36" name="ZoneTexte 10"/>
-            <p:cNvSpPr txBox="1"/>
-            <p:nvPr/>
-          </p:nvSpPr>
-          <p:spPr>
-            <a:xfrm>
-              <a:off x="1619672" y="4819124"/>
-              <a:ext cx="654346" cy="369332"/>
-            </a:xfrm>
-            <a:prstGeom prst="rect">
-              <a:avLst/>
-            </a:prstGeom>
-            <a:noFill/>
-          </p:spPr>
-          <p:txBody>
-            <a:bodyPr wrap="none" rtlCol="0">
-              <a:spAutoFit/>
-            </a:bodyPr>
-            <a:lstStyle/>
-            <a:p>
-              <a:r>
-                <a:rPr lang="fr-FR" dirty="0" smtClean="0"/>
-                <a:t>n_e0</a:t>
-              </a:r>
-              <a:endParaRPr lang="fr-FR" dirty="0"/>
-            </a:p>
-          </p:txBody>
-        </p:sp>
-        <p:sp>
-          <p:nvSpPr>
-            <p:cNvPr id="37" name="ZoneTexte 11"/>
-            <p:cNvSpPr txBox="1"/>
-            <p:nvPr/>
-          </p:nvSpPr>
-          <p:spPr>
-            <a:xfrm>
-              <a:off x="2524948" y="5515155"/>
-              <a:ext cx="284052" cy="369332"/>
-            </a:xfrm>
-            <a:prstGeom prst="rect">
-              <a:avLst/>
-            </a:prstGeom>
-            <a:noFill/>
-          </p:spPr>
-          <p:txBody>
-            <a:bodyPr wrap="none" rtlCol="0">
-              <a:spAutoFit/>
-            </a:bodyPr>
-            <a:lstStyle/>
-            <a:p>
-              <a:r>
-                <a:rPr lang="fr-FR" dirty="0" smtClean="0"/>
-                <a:t>x</a:t>
-              </a:r>
-              <a:endParaRPr lang="fr-FR" dirty="0"/>
-            </a:p>
-          </p:txBody>
-        </p:sp>
-        <p:sp>
-          <p:nvSpPr>
-            <p:cNvPr id="38" name="ZoneTexte 12"/>
-            <p:cNvSpPr txBox="1"/>
-            <p:nvPr/>
-          </p:nvSpPr>
-          <p:spPr>
-            <a:xfrm>
-              <a:off x="2072906" y="5804059"/>
-              <a:ext cx="1707006" cy="369332"/>
-            </a:xfrm>
-            <a:prstGeom prst="rect">
-              <a:avLst/>
-            </a:prstGeom>
-            <a:noFill/>
-          </p:spPr>
-          <p:txBody>
-            <a:bodyPr wrap="none" rtlCol="0">
-              <a:spAutoFit/>
-            </a:bodyPr>
-            <a:lstStyle/>
-            <a:p>
-              <a:r>
-                <a:rPr lang="fr-FR" dirty="0" err="1" smtClean="0"/>
-                <a:t>x_ant</a:t>
-              </a:r>
-              <a:r>
-                <a:rPr lang="fr-FR" dirty="0" smtClean="0"/>
-                <a:t>=</a:t>
-              </a:r>
-              <a:r>
-                <a:rPr lang="fr-FR" dirty="0" err="1" smtClean="0"/>
-                <a:t>x_plasma</a:t>
-              </a:r>
-              <a:endParaRPr lang="fr-FR" dirty="0"/>
-            </a:p>
-          </p:txBody>
-        </p:sp>
-        <p:sp>
-          <p:nvSpPr>
-            <p:cNvPr id="39" name="ZoneTexte 13"/>
-            <p:cNvSpPr txBox="1"/>
-            <p:nvPr/>
-          </p:nvSpPr>
-          <p:spPr>
-            <a:xfrm>
-              <a:off x="1486537" y="5782196"/>
-              <a:ext cx="301686" cy="369332"/>
-            </a:xfrm>
-            <a:prstGeom prst="rect">
-              <a:avLst/>
-            </a:prstGeom>
-            <a:noFill/>
-          </p:spPr>
-          <p:txBody>
-            <a:bodyPr wrap="none" rtlCol="0">
-              <a:spAutoFit/>
-            </a:bodyPr>
-            <a:lstStyle/>
-            <a:p>
-              <a:r>
-                <a:rPr lang="fr-FR" dirty="0" smtClean="0"/>
-                <a:t>0</a:t>
-              </a:r>
-              <a:endParaRPr lang="fr-FR" dirty="0"/>
-            </a:p>
-          </p:txBody>
-        </p:sp>
-        <p:cxnSp>
-          <p:nvCxnSpPr>
-            <p:cNvPr id="40" name="Connecteur droit 15"/>
-            <p:cNvCxnSpPr/>
-            <p:nvPr/>
-          </p:nvCxnSpPr>
-          <p:spPr>
-            <a:xfrm flipV="1">
-              <a:off x="1653437" y="5021263"/>
-              <a:ext cx="0" cy="706184"/>
-            </a:xfrm>
-            <a:prstGeom prst="line">
-              <a:avLst/>
-            </a:prstGeom>
-            <a:ln w="19050">
-              <a:solidFill>
-                <a:schemeClr val="tx2"/>
-              </a:solidFill>
-            </a:ln>
-          </p:spPr>
-          <p:style>
-            <a:lnRef idx="1">
-              <a:schemeClr val="accent1"/>
-            </a:lnRef>
-            <a:fillRef idx="0">
-              <a:schemeClr val="accent1"/>
-            </a:fillRef>
-            <a:effectRef idx="0">
-              <a:schemeClr val="accent1"/>
-            </a:effectRef>
-            <a:fontRef idx="minor">
-              <a:schemeClr val="tx1"/>
-            </a:fontRef>
-          </p:style>
-        </p:cxnSp>
-        <p:cxnSp>
-          <p:nvCxnSpPr>
-            <p:cNvPr id="41" name="Connecteur droit 17"/>
-            <p:cNvCxnSpPr/>
-            <p:nvPr/>
-          </p:nvCxnSpPr>
-          <p:spPr>
-            <a:xfrm>
-              <a:off x="755576" y="4756408"/>
-              <a:ext cx="903356" cy="264855"/>
-            </a:xfrm>
-            <a:prstGeom prst="line">
-              <a:avLst/>
-            </a:prstGeom>
-            <a:ln w="19050">
-              <a:solidFill>
-                <a:schemeClr val="tx2"/>
-              </a:solidFill>
-            </a:ln>
-          </p:spPr>
-          <p:style>
-            <a:lnRef idx="1">
-              <a:schemeClr val="accent1"/>
-            </a:lnRef>
-            <a:fillRef idx="0">
-              <a:schemeClr val="accent1"/>
-            </a:fillRef>
-            <a:effectRef idx="0">
-              <a:schemeClr val="accent1"/>
-            </a:effectRef>
-            <a:fontRef idx="minor">
-              <a:schemeClr val="tx1"/>
-            </a:fontRef>
-          </p:style>
-        </p:cxnSp>
-        <p:sp>
-          <p:nvSpPr>
-            <p:cNvPr id="42" name="ZoneTexte 18"/>
-            <p:cNvSpPr txBox="1"/>
-            <p:nvPr/>
-          </p:nvSpPr>
-          <p:spPr>
-            <a:xfrm>
-              <a:off x="1384773" y="4108336"/>
-              <a:ext cx="537327" cy="369332"/>
-            </a:xfrm>
-            <a:prstGeom prst="rect">
-              <a:avLst/>
-            </a:prstGeom>
-            <a:noFill/>
-          </p:spPr>
-          <p:txBody>
-            <a:bodyPr wrap="none" rtlCol="0">
-              <a:spAutoFit/>
-            </a:bodyPr>
-            <a:lstStyle/>
-            <a:p>
-              <a:r>
-                <a:rPr lang="fr-FR" dirty="0" err="1" smtClean="0"/>
-                <a:t>n_e</a:t>
-              </a:r>
-              <a:endParaRPr lang="fr-FR" dirty="0"/>
-            </a:p>
-          </p:txBody>
-        </p:sp>
-        <p:cxnSp>
-          <p:nvCxnSpPr>
-            <p:cNvPr id="43" name="Connecteur droit 15"/>
-            <p:cNvCxnSpPr/>
-            <p:nvPr/>
-          </p:nvCxnSpPr>
-          <p:spPr>
-            <a:xfrm flipV="1">
-              <a:off x="2195736" y="5384765"/>
-              <a:ext cx="0" cy="329441"/>
-            </a:xfrm>
-            <a:prstGeom prst="line">
-              <a:avLst/>
-            </a:prstGeom>
-            <a:ln w="57150">
-              <a:solidFill>
-                <a:schemeClr val="accent6">
-                  <a:lumMod val="75000"/>
-                </a:schemeClr>
-              </a:solidFill>
-            </a:ln>
-          </p:spPr>
-          <p:style>
-            <a:lnRef idx="1">
-              <a:schemeClr val="accent1"/>
-            </a:lnRef>
-            <a:fillRef idx="0">
-              <a:schemeClr val="accent1"/>
-            </a:fillRef>
-            <a:effectRef idx="0">
-              <a:schemeClr val="accent1"/>
-            </a:effectRef>
-            <a:fontRef idx="minor">
-              <a:schemeClr val="tx1"/>
-            </a:fontRef>
-          </p:style>
-        </p:cxnSp>
-        <p:cxnSp>
-          <p:nvCxnSpPr>
-            <p:cNvPr id="54" name="Connecteur droit 17"/>
-            <p:cNvCxnSpPr/>
-            <p:nvPr/>
-          </p:nvCxnSpPr>
-          <p:spPr>
-            <a:xfrm>
-              <a:off x="395536" y="4756408"/>
-              <a:ext cx="369920" cy="0"/>
-            </a:xfrm>
-            <a:prstGeom prst="line">
-              <a:avLst/>
-            </a:prstGeom>
-            <a:ln w="19050">
-              <a:solidFill>
-                <a:schemeClr val="tx2"/>
-              </a:solidFill>
-            </a:ln>
-          </p:spPr>
-          <p:style>
-            <a:lnRef idx="1">
-              <a:schemeClr val="accent1"/>
-            </a:lnRef>
-            <a:fillRef idx="0">
-              <a:schemeClr val="accent1"/>
-            </a:fillRef>
-            <a:effectRef idx="0">
-              <a:schemeClr val="accent1"/>
-            </a:effectRef>
-            <a:fontRef idx="minor">
-              <a:schemeClr val="tx1"/>
-            </a:fontRef>
-          </p:style>
-        </p:cxnSp>
-        <p:sp>
-          <p:nvSpPr>
-            <p:cNvPr id="55" name="ZoneTexte 10"/>
-            <p:cNvSpPr txBox="1"/>
-            <p:nvPr/>
-          </p:nvSpPr>
-          <p:spPr>
-            <a:xfrm>
-              <a:off x="-252536" y="4540384"/>
-              <a:ext cx="654346" cy="369332"/>
-            </a:xfrm>
-            <a:prstGeom prst="rect">
-              <a:avLst/>
-            </a:prstGeom>
-            <a:noFill/>
-          </p:spPr>
-          <p:txBody>
-            <a:bodyPr wrap="none" rtlCol="0">
-              <a:spAutoFit/>
-            </a:bodyPr>
-            <a:lstStyle/>
-            <a:p>
-              <a:r>
-                <a:rPr lang="fr-FR" dirty="0" smtClean="0"/>
-                <a:t>n_e1</a:t>
-              </a:r>
-              <a:endParaRPr lang="fr-FR" dirty="0"/>
-            </a:p>
-          </p:txBody>
-        </p:sp>
-      </p:grpSp>
-      <p:sp>
-        <p:nvSpPr>
-          <p:cNvPr id="44" name="ZoneTexte 10"/>
+      <p:pic>
+        <p:nvPicPr>
+          <p:cNvPr id="28" name="Picture 27"/>
+          <p:cNvPicPr>
+            <a:picLocks noChangeAspect="1"/>
+          </p:cNvPicPr>
+          <p:nvPr/>
+        </p:nvPicPr>
+        <p:blipFill>
+          <a:blip r:embed="rId3" cstate="print">
+            <a:extLst>
+              <a:ext uri="{28A0092B-C50C-407E-A947-70E740481C1C}">
+                <a14:useLocalDpi xmlns:a14="http://schemas.microsoft.com/office/drawing/2010/main" val="0"/>
+              </a:ext>
+            </a:extLst>
+          </a:blip>
+          <a:stretch>
+            <a:fillRect/>
+          </a:stretch>
+        </p:blipFill>
+        <p:spPr>
+          <a:xfrm>
+            <a:off x="107505" y="4041369"/>
+            <a:ext cx="5399998" cy="2699999"/>
+          </a:xfrm>
+          <a:prstGeom prst="rect">
+            <a:avLst/>
+          </a:prstGeom>
+        </p:spPr>
+      </p:pic>
+      <p:pic>
+        <p:nvPicPr>
+          <p:cNvPr id="32" name="Picture 31"/>
+          <p:cNvPicPr>
+            <a:picLocks noChangeAspect="1"/>
+          </p:cNvPicPr>
+          <p:nvPr/>
+        </p:nvPicPr>
+        <p:blipFill>
+          <a:blip r:embed="rId4" cstate="print">
+            <a:extLst>
+              <a:ext uri="{28A0092B-C50C-407E-A947-70E740481C1C}">
+                <a14:useLocalDpi xmlns:a14="http://schemas.microsoft.com/office/drawing/2010/main" val="0"/>
+              </a:ext>
+            </a:extLst>
+          </a:blip>
+          <a:stretch>
+            <a:fillRect/>
+          </a:stretch>
+        </p:blipFill>
+        <p:spPr>
+          <a:xfrm>
+            <a:off x="179513" y="1231154"/>
+            <a:ext cx="3599997" cy="2701901"/>
+          </a:xfrm>
+          <a:prstGeom prst="rect">
+            <a:avLst/>
+          </a:prstGeom>
+        </p:spPr>
+      </p:pic>
+      <p:sp>
+        <p:nvSpPr>
+          <p:cNvPr id="29" name="ZoneTexte 10"/>
           <p:cNvSpPr txBox="1"/>
           <p:nvPr/>
         </p:nvSpPr>
         <p:spPr>
           <a:xfrm>
-            <a:off x="2627784" y="3513782"/>
-            <a:ext cx="1978543" cy="923330"/>
-          </a:xfrm>
-          <a:prstGeom prst="rect">
-            <a:avLst/>
-          </a:prstGeom>
-        </p:spPr>
-        <p:style>
-          <a:lnRef idx="2">
-            <a:schemeClr val="accent1"/>
-          </a:lnRef>
-          <a:fillRef idx="1">
-            <a:schemeClr val="lt1"/>
-          </a:fillRef>
-          <a:effectRef idx="0">
-            <a:schemeClr val="accent1"/>
-          </a:effectRef>
-          <a:fontRef idx="minor">
-            <a:schemeClr val="dk1"/>
-          </a:fontRef>
-        </p:style>
+            <a:off x="3635896" y="1340768"/>
+            <a:ext cx="1872208" cy="523220"/>
+          </a:xfrm>
+          <a:prstGeom prst="rect">
+            <a:avLst/>
+          </a:prstGeom>
+          <a:noFill/>
+        </p:spPr>
         <p:txBody>
           <a:bodyPr wrap="square" rtlCol="0">
             <a:spAutoFit/>
@@ -5560,45 +5068,29 @@
           <a:p>
             <a:pPr algn="ctr"/>
             <a:r>
-              <a:rPr lang="fr-FR" dirty="0" smtClean="0"/>
-              <a:t>ANTITER uses a </a:t>
-            </a:r>
-            <a:r>
-              <a:rPr lang="fr-FR" dirty="0" err="1" smtClean="0"/>
-              <a:t>slightly</a:t>
-            </a:r>
-            <a:r>
-              <a:rPr lang="fr-FR" dirty="0" smtClean="0"/>
-              <a:t> </a:t>
-            </a:r>
-            <a:r>
-              <a:rPr lang="fr-FR" dirty="0" err="1" smtClean="0"/>
-              <a:t>different</a:t>
-            </a:r>
-            <a:r>
-              <a:rPr lang="fr-FR" dirty="0" smtClean="0"/>
-              <a:t> </a:t>
-            </a:r>
-            <a:r>
-              <a:rPr lang="fr-FR" dirty="0" err="1" smtClean="0"/>
-              <a:t>reference</a:t>
-            </a:r>
-            <a:r>
-              <a:rPr lang="fr-FR" dirty="0" smtClean="0"/>
-              <a:t> system </a:t>
-            </a:r>
-          </a:p>
-        </p:txBody>
-      </p:sp>
-      <p:sp>
-        <p:nvSpPr>
-          <p:cNvPr id="45" name="ZoneTexte 32"/>
+              <a:rPr lang="fr-FR" sz="1400" dirty="0" smtClean="0"/>
+              <a:t>30 </a:t>
+            </a:r>
+            <a:r>
+              <a:rPr lang="fr-FR" sz="1400" dirty="0" err="1" smtClean="0"/>
+              <a:t>elements</a:t>
+            </a:r>
+            <a:r>
+              <a:rPr lang="fr-FR" sz="1400" dirty="0" smtClean="0"/>
+              <a:t> in the expansion of J</a:t>
+            </a:r>
+          </a:p>
+        </p:txBody>
+      </p:sp>
+      <p:sp>
+        <p:nvSpPr>
+          <p:cNvPr id="46" name="ZoneTexte 32"/>
           <p:cNvSpPr txBox="1"/>
           <p:nvPr/>
         </p:nvSpPr>
         <p:spPr>
           <a:xfrm>
-            <a:off x="323528" y="476672"/>
+            <a:off x="179512" y="476672"/>
             <a:ext cx="1276644" cy="461665"/>
           </a:xfrm>
           <a:prstGeom prst="rect">
@@ -5627,12 +5119,8 @@
           <a:p>
             <a:pPr algn="ctr"/>
             <a:r>
-              <a:rPr lang="fr-FR" sz="1200" dirty="0" err="1" smtClean="0"/>
-              <a:t>Linear</a:t>
-            </a:r>
-            <a:r>
               <a:rPr lang="fr-FR" sz="1200" dirty="0" smtClean="0"/>
-              <a:t> </a:t>
+              <a:t>Constant </a:t>
             </a:r>
             <a:r>
               <a:rPr lang="fr-FR" sz="1200" dirty="0" err="1" smtClean="0"/>
@@ -5646,94 +5134,46 @@
           </a:p>
         </p:txBody>
       </p:sp>
-      <p:cxnSp>
-        <p:nvCxnSpPr>
-          <p:cNvPr id="32" name="Connecteur droit avec flèche 19"/>
-          <p:cNvCxnSpPr/>
-          <p:nvPr/>
-        </p:nvCxnSpPr>
-        <p:spPr>
-          <a:xfrm>
-            <a:off x="2979417" y="2272268"/>
-            <a:ext cx="3886812" cy="0"/>
-          </a:xfrm>
-          <a:prstGeom prst="straightConnector1">
-            <a:avLst/>
-          </a:prstGeom>
-          <a:ln w="28575">
-            <a:solidFill>
-              <a:schemeClr val="tx1">
-                <a:lumMod val="95000"/>
-                <a:lumOff val="5000"/>
-              </a:schemeClr>
-            </a:solidFill>
-            <a:tailEnd type="arrow"/>
-          </a:ln>
-        </p:spPr>
-        <p:style>
-          <a:lnRef idx="1">
-            <a:schemeClr val="accent1"/>
-          </a:lnRef>
-          <a:fillRef idx="0">
-            <a:schemeClr val="accent1"/>
-          </a:fillRef>
-          <a:effectRef idx="0">
-            <a:schemeClr val="accent1"/>
-          </a:effectRef>
-          <a:fontRef idx="minor">
-            <a:schemeClr val="tx1"/>
-          </a:fontRef>
-        </p:style>
-      </p:cxnSp>
-      <p:cxnSp>
-        <p:nvCxnSpPr>
-          <p:cNvPr id="34" name="Connecteur droit avec flèche 20"/>
-          <p:cNvCxnSpPr/>
-          <p:nvPr/>
-        </p:nvCxnSpPr>
-        <p:spPr>
-          <a:xfrm flipV="1">
-            <a:off x="2979417" y="1268760"/>
-            <a:ext cx="0" cy="1003508"/>
-          </a:xfrm>
-          <a:prstGeom prst="straightConnector1">
-            <a:avLst/>
-          </a:prstGeom>
-          <a:ln w="28575">
-            <a:solidFill>
-              <a:schemeClr val="tx1">
-                <a:lumMod val="95000"/>
-                <a:lumOff val="5000"/>
-              </a:schemeClr>
-            </a:solidFill>
-            <a:tailEnd type="arrow"/>
-          </a:ln>
-        </p:spPr>
-        <p:style>
-          <a:lnRef idx="1">
-            <a:schemeClr val="accent1"/>
-          </a:lnRef>
-          <a:fillRef idx="0">
-            <a:schemeClr val="accent1"/>
-          </a:fillRef>
-          <a:effectRef idx="0">
-            <a:schemeClr val="accent1"/>
-          </a:effectRef>
-          <a:fontRef idx="minor">
-            <a:schemeClr val="tx1"/>
-          </a:fontRef>
-        </p:style>
-      </p:cxnSp>
-      <p:sp>
-        <p:nvSpPr>
-          <p:cNvPr id="46" name="ZoneTexte 21"/>
+      <p:pic>
+        <p:nvPicPr>
+          <p:cNvPr id="10" name="Picture 9"/>
+          <p:cNvPicPr>
+            <a:picLocks noChangeAspect="1"/>
+          </p:cNvPicPr>
+          <p:nvPr/>
+        </p:nvPicPr>
+        <p:blipFill>
+          <a:blip r:embed="rId5" cstate="print">
+            <a:extLst>
+              <a:ext uri="{28A0092B-C50C-407E-A947-70E740481C1C}">
+                <a14:useLocalDpi xmlns:a14="http://schemas.microsoft.com/office/drawing/2010/main" val="0"/>
+              </a:ext>
+            </a:extLst>
+          </a:blip>
+          <a:stretch>
+            <a:fillRect/>
+          </a:stretch>
+        </p:blipFill>
+        <p:spPr>
+          <a:xfrm>
+            <a:off x="5544001" y="4024364"/>
+            <a:ext cx="3599997" cy="2701900"/>
+          </a:xfrm>
+          <a:prstGeom prst="rect">
+            <a:avLst/>
+          </a:prstGeom>
+        </p:spPr>
+      </p:pic>
+      <p:sp>
+        <p:nvSpPr>
+          <p:cNvPr id="11" name="ZoneTexte 10"/>
           <p:cNvSpPr txBox="1"/>
           <p:nvPr/>
         </p:nvSpPr>
         <p:spPr>
           <a:xfrm>
-            <a:off x="2227807" y="1726390"/>
-            <a:ext cx="654346" cy="369332"/>
+            <a:off x="3707904" y="2905780"/>
+            <a:ext cx="1872208" cy="523220"/>
           </a:xfrm>
           <a:prstGeom prst="rect">
             <a:avLst/>
@@ -5741,29 +5181,36 @@
           <a:noFill/>
         </p:spPr>
         <p:txBody>
-          <a:bodyPr wrap="none" rtlCol="0">
+          <a:bodyPr wrap="square" rtlCol="0">
             <a:spAutoFit/>
           </a:bodyPr>
           <a:lstStyle/>
           <a:p>
-            <a:r>
-              <a:rPr lang="fr-FR" dirty="0" smtClean="0"/>
-              <a:t>n_e0</a:t>
-            </a:r>
-            <a:endParaRPr lang="fr-FR" dirty="0"/>
-          </a:p>
-        </p:txBody>
-      </p:sp>
-      <p:sp>
-        <p:nvSpPr>
-          <p:cNvPr id="47" name="ZoneTexte 22"/>
+            <a:pPr algn="ctr"/>
+            <a:r>
+              <a:rPr lang="fr-FR" sz="1400" dirty="0" smtClean="0"/>
+              <a:t>f=50MHz</a:t>
+            </a:r>
+          </a:p>
+          <a:p>
+            <a:pPr algn="ctr"/>
+            <a:r>
+              <a:rPr lang="fr-FR" sz="1400" dirty="0" smtClean="0"/>
+              <a:t>D(H)5%</a:t>
+            </a:r>
+          </a:p>
+        </p:txBody>
+      </p:sp>
+      <p:sp>
+        <p:nvSpPr>
+          <p:cNvPr id="12" name="ZoneTexte 10"/>
           <p:cNvSpPr txBox="1"/>
           <p:nvPr/>
         </p:nvSpPr>
         <p:spPr>
           <a:xfrm>
-            <a:off x="6938237" y="2272268"/>
-            <a:ext cx="284052" cy="369332"/>
+            <a:off x="3936876" y="2348880"/>
+            <a:ext cx="1414264" cy="307777"/>
           </a:xfrm>
           <a:prstGeom prst="rect">
             <a:avLst/>
@@ -5771,213 +5218,23 @@
           <a:noFill/>
         </p:spPr>
         <p:txBody>
-          <a:bodyPr wrap="none" rtlCol="0">
+          <a:bodyPr wrap="square" rtlCol="0">
             <a:spAutoFit/>
           </a:bodyPr>
           <a:lstStyle/>
           <a:p>
-            <a:r>
-              <a:rPr lang="fr-FR" dirty="0" smtClean="0"/>
-              <a:t>x</a:t>
-            </a:r>
-            <a:endParaRPr lang="fr-FR" dirty="0"/>
-          </a:p>
-        </p:txBody>
-      </p:sp>
-      <p:sp>
-        <p:nvSpPr>
-          <p:cNvPr id="48" name="ZoneTexte 23"/>
-          <p:cNvSpPr txBox="1"/>
-          <p:nvPr/>
-        </p:nvSpPr>
-        <p:spPr>
-          <a:xfrm>
-            <a:off x="3337837" y="2348880"/>
-            <a:ext cx="1069524" cy="369332"/>
-          </a:xfrm>
-          <a:prstGeom prst="rect">
-            <a:avLst/>
-          </a:prstGeom>
-          <a:noFill/>
-        </p:spPr>
-        <p:txBody>
-          <a:bodyPr wrap="none" rtlCol="0">
-            <a:spAutoFit/>
-          </a:bodyPr>
-          <a:lstStyle/>
-          <a:p>
-            <a:r>
-              <a:rPr lang="fr-FR" dirty="0" err="1" smtClean="0"/>
-              <a:t>x_plasma</a:t>
-            </a:r>
-            <a:endParaRPr lang="fr-FR" dirty="0"/>
-          </a:p>
-        </p:txBody>
-      </p:sp>
-      <p:sp>
-        <p:nvSpPr>
-          <p:cNvPr id="49" name="ZoneTexte 24"/>
-          <p:cNvSpPr txBox="1"/>
-          <p:nvPr/>
-        </p:nvSpPr>
-        <p:spPr>
-          <a:xfrm>
-            <a:off x="2820127" y="2348880"/>
-            <a:ext cx="301686" cy="369332"/>
-          </a:xfrm>
-          <a:prstGeom prst="rect">
-            <a:avLst/>
-          </a:prstGeom>
-          <a:noFill/>
-        </p:spPr>
-        <p:txBody>
-          <a:bodyPr wrap="none" rtlCol="0">
-            <a:spAutoFit/>
-          </a:bodyPr>
-          <a:lstStyle/>
-          <a:p>
-            <a:r>
-              <a:rPr lang="fr-FR" dirty="0" smtClean="0"/>
-              <a:t>0</a:t>
-            </a:r>
-            <a:endParaRPr lang="fr-FR" dirty="0"/>
-          </a:p>
-        </p:txBody>
-      </p:sp>
-      <p:cxnSp>
-        <p:nvCxnSpPr>
-          <p:cNvPr id="50" name="Connecteur droit 25"/>
-          <p:cNvCxnSpPr/>
-          <p:nvPr/>
-        </p:nvCxnSpPr>
-        <p:spPr>
-          <a:xfrm flipV="1">
-            <a:off x="3481853" y="1919176"/>
-            <a:ext cx="0" cy="353092"/>
-          </a:xfrm>
-          <a:prstGeom prst="line">
-            <a:avLst/>
-          </a:prstGeom>
-          <a:ln w="19050">
-            <a:solidFill>
-              <a:schemeClr val="tx2"/>
-            </a:solidFill>
-          </a:ln>
-        </p:spPr>
-        <p:style>
-          <a:lnRef idx="1">
-            <a:schemeClr val="accent1"/>
-          </a:lnRef>
-          <a:fillRef idx="0">
-            <a:schemeClr val="accent1"/>
-          </a:fillRef>
-          <a:effectRef idx="0">
-            <a:schemeClr val="accent1"/>
-          </a:effectRef>
-          <a:fontRef idx="minor">
-            <a:schemeClr val="tx1"/>
-          </a:fontRef>
-        </p:style>
-      </p:cxnSp>
-      <p:cxnSp>
-        <p:nvCxnSpPr>
-          <p:cNvPr id="51" name="Connecteur droit 26"/>
-          <p:cNvCxnSpPr/>
-          <p:nvPr/>
-        </p:nvCxnSpPr>
-        <p:spPr>
-          <a:xfrm flipV="1">
-            <a:off x="3481853" y="1566084"/>
-            <a:ext cx="3312368" cy="353092"/>
-          </a:xfrm>
-          <a:prstGeom prst="line">
-            <a:avLst/>
-          </a:prstGeom>
-          <a:ln w="19050">
-            <a:solidFill>
-              <a:schemeClr val="tx2"/>
-            </a:solidFill>
-          </a:ln>
-        </p:spPr>
-        <p:style>
-          <a:lnRef idx="1">
-            <a:schemeClr val="accent1"/>
-          </a:lnRef>
-          <a:fillRef idx="0">
-            <a:schemeClr val="accent1"/>
-          </a:fillRef>
-          <a:effectRef idx="0">
-            <a:schemeClr val="accent1"/>
-          </a:effectRef>
-          <a:fontRef idx="minor">
-            <a:schemeClr val="tx1"/>
-          </a:fontRef>
-        </p:style>
-      </p:cxnSp>
-      <p:sp>
-        <p:nvSpPr>
-          <p:cNvPr id="52" name="ZoneTexte 31"/>
-          <p:cNvSpPr txBox="1"/>
-          <p:nvPr/>
-        </p:nvSpPr>
-        <p:spPr>
-          <a:xfrm>
-            <a:off x="4383385" y="1381418"/>
-            <a:ext cx="797013" cy="369332"/>
-          </a:xfrm>
-          <a:prstGeom prst="rect">
-            <a:avLst/>
-          </a:prstGeom>
-          <a:noFill/>
-        </p:spPr>
-        <p:txBody>
-          <a:bodyPr wrap="none" rtlCol="0">
-            <a:spAutoFit/>
-          </a:bodyPr>
-          <a:lstStyle/>
-          <a:p>
-            <a:r>
-              <a:rPr lang="fr-FR" dirty="0" smtClean="0"/>
-              <a:t>Dn_e0</a:t>
-            </a:r>
-            <a:endParaRPr lang="fr-FR" dirty="0"/>
-          </a:p>
-        </p:txBody>
-      </p:sp>
-      <p:sp>
-        <p:nvSpPr>
-          <p:cNvPr id="53" name="ZoneTexte 33"/>
-          <p:cNvSpPr txBox="1"/>
-          <p:nvPr/>
-        </p:nvSpPr>
-        <p:spPr>
-          <a:xfrm>
-            <a:off x="350620" y="1642177"/>
-            <a:ext cx="1590756" cy="276999"/>
-          </a:xfrm>
-          <a:prstGeom prst="rect">
-            <a:avLst/>
-          </a:prstGeom>
-          <a:noFill/>
-        </p:spPr>
-        <p:txBody>
-          <a:bodyPr wrap="none" rtlCol="0">
-            <a:spAutoFit/>
-          </a:bodyPr>
-          <a:lstStyle/>
-          <a:p>
-            <a:r>
-              <a:rPr lang="fr-FR" sz="1200" dirty="0" smtClean="0"/>
-              <a:t>Single gradient plasma</a:t>
-            </a:r>
-            <a:endParaRPr lang="fr-FR" sz="1200" dirty="0"/>
+            <a:pPr algn="ctr"/>
+            <a:r>
+              <a:rPr lang="fr-FR" sz="1400" dirty="0" smtClean="0"/>
+              <a:t>n_e0=5e18</a:t>
+            </a:r>
           </a:p>
         </p:txBody>
       </p:sp>
     </p:spTree>
     <p:extLst>
       <p:ext uri="{BB962C8B-B14F-4D97-AF65-F5344CB8AC3E}">
-        <p14:creationId xmlns:p14="http://schemas.microsoft.com/office/powerpoint/2010/main" val="3244435213"/>
+        <p14:creationId xmlns:p14="http://schemas.microsoft.com/office/powerpoint/2010/main" val="3662945090"/>
       </p:ext>
     </p:extLst>
   </p:cSld>
@@ -6021,7 +5278,15 @@
           <a:p>
             <a:r>
               <a:rPr lang="fr-FR" dirty="0" smtClean="0"/>
-              <a:t>Plasma Configuration</a:t>
+              <a:t>Plasma </a:t>
+            </a:r>
+            <a:r>
+              <a:rPr lang="fr-FR" dirty="0" err="1" smtClean="0"/>
+              <a:t>Response</a:t>
+            </a:r>
+            <a:r>
+              <a:rPr lang="fr-FR" dirty="0" smtClean="0"/>
+              <a:t> 5e8</a:t>
             </a:r>
             <a:endParaRPr lang="fr-FR" dirty="0"/>
           </a:p>
@@ -6049,8 +5314,8 @@
         </p:blipFill>
         <p:spPr>
           <a:xfrm>
-            <a:off x="5544000" y="1231154"/>
-            <a:ext cx="3600000" cy="2701902"/>
+            <a:off x="5544001" y="1231154"/>
+            <a:ext cx="3599997" cy="2701901"/>
           </a:xfrm>
           <a:prstGeom prst="rect">
             <a:avLst/>
@@ -6079,8 +5344,8 @@
         </p:blipFill>
         <p:spPr>
           <a:xfrm>
-            <a:off x="179912" y="4024364"/>
-            <a:ext cx="3599999" cy="2701901"/>
+            <a:off x="179913" y="4024364"/>
+            <a:ext cx="3599997" cy="2701900"/>
           </a:xfrm>
           <a:prstGeom prst="rect">
             <a:avLst/>
@@ -6109,8 +5374,8 @@
         </p:blipFill>
         <p:spPr>
           <a:xfrm>
-            <a:off x="179512" y="1231154"/>
-            <a:ext cx="3599999" cy="2701901"/>
+            <a:off x="179513" y="1231154"/>
+            <a:ext cx="3599997" cy="2701900"/>
           </a:xfrm>
           <a:prstGeom prst="rect">
             <a:avLst/>
@@ -6139,8 +5404,8 @@
         </p:blipFill>
         <p:spPr>
           <a:xfrm>
-            <a:off x="5544000" y="4024364"/>
-            <a:ext cx="3599999" cy="2701901"/>
+            <a:off x="5544001" y="4024364"/>
+            <a:ext cx="3599997" cy="2701900"/>
           </a:xfrm>
           <a:prstGeom prst="rect">
             <a:avLst/>
@@ -6149,117 +5414,13 @@
       </p:pic>
       <p:sp>
         <p:nvSpPr>
-          <p:cNvPr id="29" name="ZoneTexte 10"/>
+          <p:cNvPr id="46" name="ZoneTexte 32"/>
           <p:cNvSpPr txBox="1"/>
           <p:nvPr/>
         </p:nvSpPr>
         <p:spPr>
           <a:xfrm>
-            <a:off x="3635896" y="1340768"/>
-            <a:ext cx="1872208" cy="738664"/>
-          </a:xfrm>
-          <a:prstGeom prst="rect">
-            <a:avLst/>
-          </a:prstGeom>
-          <a:noFill/>
-        </p:spPr>
-        <p:txBody>
-          <a:bodyPr wrap="square" rtlCol="0">
-            <a:spAutoFit/>
-          </a:bodyPr>
-          <a:lstStyle/>
-          <a:p>
-            <a:pPr algn="ctr"/>
-            <a:r>
-              <a:rPr lang="fr-FR" sz="1400" dirty="0" smtClean="0"/>
-              <a:t>B </a:t>
-            </a:r>
-            <a:r>
-              <a:rPr lang="fr-FR" sz="1400" dirty="0" err="1" smtClean="0"/>
-              <a:t>is</a:t>
-            </a:r>
-            <a:r>
-              <a:rPr lang="fr-FR" sz="1400" dirty="0" smtClean="0"/>
-              <a:t> </a:t>
-            </a:r>
-            <a:r>
-              <a:rPr lang="fr-FR" sz="1400" dirty="0" err="1" smtClean="0"/>
-              <a:t>taken</a:t>
-            </a:r>
-            <a:r>
-              <a:rPr lang="fr-FR" sz="1400" dirty="0" smtClean="0"/>
-              <a:t> constant but </a:t>
-            </a:r>
-            <a:r>
-              <a:rPr lang="fr-FR" sz="1400" dirty="0" err="1" smtClean="0"/>
-              <a:t>could</a:t>
-            </a:r>
-            <a:r>
-              <a:rPr lang="fr-FR" sz="1400" dirty="0" smtClean="0"/>
-              <a:t> have the </a:t>
-            </a:r>
-            <a:r>
-              <a:rPr lang="fr-FR" sz="1400" dirty="0" err="1" smtClean="0"/>
-              <a:t>usual</a:t>
-            </a:r>
-            <a:r>
-              <a:rPr lang="fr-FR" sz="1400" dirty="0" smtClean="0"/>
-              <a:t> 1/R </a:t>
-            </a:r>
-            <a:r>
-              <a:rPr lang="fr-FR" sz="1400" dirty="0" err="1" smtClean="0"/>
-              <a:t>dependency</a:t>
-            </a:r>
-            <a:endParaRPr lang="fr-FR" sz="1400" dirty="0" smtClean="0"/>
-          </a:p>
-        </p:txBody>
-      </p:sp>
-      <p:sp>
-        <p:nvSpPr>
-          <p:cNvPr id="47" name="ZoneTexte 10"/>
-          <p:cNvSpPr txBox="1"/>
-          <p:nvPr/>
-        </p:nvSpPr>
-        <p:spPr>
-          <a:xfrm>
-            <a:off x="3707904" y="2761183"/>
-            <a:ext cx="1872208" cy="523220"/>
-          </a:xfrm>
-          <a:prstGeom prst="rect">
-            <a:avLst/>
-          </a:prstGeom>
-          <a:noFill/>
-        </p:spPr>
-        <p:txBody>
-          <a:bodyPr wrap="square" rtlCol="0">
-            <a:spAutoFit/>
-          </a:bodyPr>
-          <a:lstStyle/>
-          <a:p>
-            <a:pPr algn="ctr"/>
-            <a:r>
-              <a:rPr lang="fr-FR" sz="1400" dirty="0" smtClean="0"/>
-              <a:t>f=50MHz</a:t>
-            </a:r>
-          </a:p>
-          <a:p>
-            <a:pPr algn="ctr"/>
-            <a:r>
-              <a:rPr lang="fr-FR" sz="1400" dirty="0" smtClean="0"/>
-              <a:t>D(H)5%</a:t>
-            </a:r>
-          </a:p>
-        </p:txBody>
-      </p:sp>
-      <p:sp>
-        <p:nvSpPr>
-          <p:cNvPr id="11" name="ZoneTexte 32"/>
-          <p:cNvSpPr txBox="1"/>
-          <p:nvPr/>
-        </p:nvSpPr>
-        <p:spPr>
-          <a:xfrm>
-            <a:off x="323528" y="476672"/>
+            <a:off x="179512" y="476672"/>
             <a:ext cx="1276644" cy="461665"/>
           </a:xfrm>
           <a:prstGeom prst="rect">
@@ -6288,12 +5449,8 @@
           <a:p>
             <a:pPr algn="ctr"/>
             <a:r>
-              <a:rPr lang="fr-FR" sz="1200" dirty="0" err="1" smtClean="0"/>
-              <a:t>Linear</a:t>
-            </a:r>
-            <a:r>
               <a:rPr lang="fr-FR" sz="1200" dirty="0" smtClean="0"/>
-              <a:t> </a:t>
+              <a:t>Constant </a:t>
             </a:r>
             <a:r>
               <a:rPr lang="fr-FR" sz="1200" dirty="0" err="1" smtClean="0"/>
@@ -6304,13 +5461,213 @@
               <a:t> plasma</a:t>
             </a:r>
             <a:endParaRPr lang="fr-FR" sz="1200" dirty="0"/>
+          </a:p>
+        </p:txBody>
+      </p:sp>
+      <p:sp>
+        <p:nvSpPr>
+          <p:cNvPr id="10" name="ZoneTexte 10"/>
+          <p:cNvSpPr txBox="1"/>
+          <p:nvPr/>
+        </p:nvSpPr>
+        <p:spPr>
+          <a:xfrm>
+            <a:off x="3707904" y="2761183"/>
+            <a:ext cx="1872208" cy="523220"/>
+          </a:xfrm>
+          <a:prstGeom prst="rect">
+            <a:avLst/>
+          </a:prstGeom>
+          <a:noFill/>
+        </p:spPr>
+        <p:txBody>
+          <a:bodyPr wrap="square" rtlCol="0">
+            <a:spAutoFit/>
+          </a:bodyPr>
+          <a:lstStyle/>
+          <a:p>
+            <a:pPr algn="ctr"/>
+            <a:r>
+              <a:rPr lang="fr-FR" sz="1400" dirty="0" smtClean="0"/>
+              <a:t>f=50MHz</a:t>
+            </a:r>
+          </a:p>
+          <a:p>
+            <a:pPr algn="ctr"/>
+            <a:r>
+              <a:rPr lang="fr-FR" sz="1400" dirty="0" smtClean="0"/>
+              <a:t>D(H)5%</a:t>
+            </a:r>
+          </a:p>
+        </p:txBody>
+      </p:sp>
+      <p:sp>
+        <p:nvSpPr>
+          <p:cNvPr id="11" name="ZoneTexte 10"/>
+          <p:cNvSpPr txBox="1"/>
+          <p:nvPr/>
+        </p:nvSpPr>
+        <p:spPr>
+          <a:xfrm>
+            <a:off x="3707904" y="4571836"/>
+            <a:ext cx="1872208" cy="646331"/>
+          </a:xfrm>
+          <a:prstGeom prst="rect">
+            <a:avLst/>
+          </a:prstGeom>
+          <a:noFill/>
+        </p:spPr>
+        <p:txBody>
+          <a:bodyPr wrap="square" rtlCol="0">
+            <a:spAutoFit/>
+          </a:bodyPr>
+          <a:lstStyle/>
+          <a:p>
+            <a:pPr algn="ctr"/>
+            <a:r>
+              <a:rPr lang="fr-FR" dirty="0" err="1" smtClean="0"/>
+              <a:t>Dipole</a:t>
+            </a:r>
+            <a:r>
+              <a:rPr lang="fr-FR" dirty="0" smtClean="0"/>
+              <a:t> </a:t>
+            </a:r>
+            <a:r>
+              <a:rPr lang="fr-FR" dirty="0" err="1" smtClean="0"/>
+              <a:t>phasing</a:t>
+            </a:r>
+            <a:endParaRPr lang="fr-FR" dirty="0" smtClean="0"/>
+          </a:p>
+          <a:p>
+            <a:pPr algn="ctr"/>
+            <a:r>
+              <a:rPr lang="fr-FR" dirty="0" smtClean="0"/>
+              <a:t>Z</a:t>
+            </a:r>
+            <a:r>
+              <a:rPr lang="fr-FR" baseline="-25000" dirty="0" smtClean="0"/>
+              <a:t>A</a:t>
+            </a:r>
+            <a:r>
+              <a:rPr lang="fr-FR" dirty="0" smtClean="0"/>
+              <a:t>=R</a:t>
+            </a:r>
+            <a:r>
+              <a:rPr lang="fr-FR" baseline="-25000" dirty="0" smtClean="0"/>
+              <a:t>A3</a:t>
+            </a:r>
+            <a:r>
+              <a:rPr lang="fr-FR" dirty="0" smtClean="0"/>
+              <a:t>+iX</a:t>
+            </a:r>
+            <a:r>
+              <a:rPr lang="fr-FR" baseline="-25000" dirty="0" smtClean="0"/>
+              <a:t>A3</a:t>
+            </a:r>
+          </a:p>
+        </p:txBody>
+      </p:sp>
+      <p:sp>
+        <p:nvSpPr>
+          <p:cNvPr id="13" name="ZoneTexte 10"/>
+          <p:cNvSpPr txBox="1"/>
+          <p:nvPr/>
+        </p:nvSpPr>
+        <p:spPr>
+          <a:xfrm>
+            <a:off x="3441296" y="3574757"/>
+            <a:ext cx="2261408" cy="523220"/>
+          </a:xfrm>
+          <a:prstGeom prst="rect">
+            <a:avLst/>
+          </a:prstGeom>
+        </p:spPr>
+        <p:style>
+          <a:lnRef idx="2">
+            <a:schemeClr val="accent5"/>
+          </a:lnRef>
+          <a:fillRef idx="1">
+            <a:schemeClr val="lt1"/>
+          </a:fillRef>
+          <a:effectRef idx="0">
+            <a:schemeClr val="accent5"/>
+          </a:effectRef>
+          <a:fontRef idx="minor">
+            <a:schemeClr val="dk1"/>
+          </a:fontRef>
+        </p:style>
+        <p:txBody>
+          <a:bodyPr wrap="square" rtlCol="0">
+            <a:spAutoFit/>
+          </a:bodyPr>
+          <a:lstStyle/>
+          <a:p>
+            <a:pPr algn="ctr"/>
+            <a:r>
+              <a:rPr lang="fr-FR" sz="1400" dirty="0" smtClean="0"/>
+              <a:t>Z</a:t>
+            </a:r>
+            <a:r>
+              <a:rPr lang="fr-FR" sz="1400" baseline="-25000" dirty="0" smtClean="0"/>
+              <a:t>11</a:t>
+            </a:r>
+            <a:r>
+              <a:rPr lang="fr-FR" sz="1400" dirty="0" smtClean="0"/>
+              <a:t>=(12.9-i126.9)ohm/m</a:t>
+            </a:r>
+          </a:p>
+          <a:p>
+            <a:pPr algn="ctr"/>
+            <a:r>
+              <a:rPr lang="fr-FR" sz="1400" dirty="0"/>
+              <a:t>Z</a:t>
+            </a:r>
+            <a:r>
+              <a:rPr lang="fr-FR" sz="1400" baseline="-25000" dirty="0"/>
+              <a:t>21</a:t>
+            </a:r>
+            <a:r>
+              <a:rPr lang="fr-FR" sz="1400" dirty="0" smtClean="0"/>
+              <a:t>=(11.8-i22.1)ohm/m</a:t>
+            </a:r>
+            <a:endParaRPr lang="fr-FR" sz="1400" baseline="-25000" dirty="0"/>
+          </a:p>
+        </p:txBody>
+      </p:sp>
+      <p:sp>
+        <p:nvSpPr>
+          <p:cNvPr id="12" name="ZoneTexte 10"/>
+          <p:cNvSpPr txBox="1"/>
+          <p:nvPr/>
+        </p:nvSpPr>
+        <p:spPr>
+          <a:xfrm>
+            <a:off x="3936876" y="2348880"/>
+            <a:ext cx="1414264" cy="307777"/>
+          </a:xfrm>
+          <a:prstGeom prst="rect">
+            <a:avLst/>
+          </a:prstGeom>
+          <a:noFill/>
+        </p:spPr>
+        <p:txBody>
+          <a:bodyPr wrap="square" rtlCol="0">
+            <a:spAutoFit/>
+          </a:bodyPr>
+          <a:lstStyle/>
+          <a:p>
+            <a:pPr algn="ctr"/>
+            <a:r>
+              <a:rPr lang="fr-FR" sz="1400" dirty="0" smtClean="0"/>
+              <a:t>n_e0=5e18</a:t>
+            </a:r>
           </a:p>
         </p:txBody>
       </p:sp>
     </p:spTree>
     <p:extLst>
       <p:ext uri="{BB962C8B-B14F-4D97-AF65-F5344CB8AC3E}">
-        <p14:creationId xmlns:p14="http://schemas.microsoft.com/office/powerpoint/2010/main" val="448432596"/>
+        <p14:creationId xmlns:p14="http://schemas.microsoft.com/office/powerpoint/2010/main" val="3817817206"/>
       </p:ext>
     </p:extLst>
   </p:cSld>
@@ -6354,7 +5711,15 @@
           <a:p>
             <a:r>
               <a:rPr lang="fr-FR" dirty="0" smtClean="0"/>
-              <a:t>Plasma Configuration</a:t>
+              <a:t>Plasma </a:t>
+            </a:r>
+            <a:r>
+              <a:rPr lang="fr-FR" dirty="0" err="1" smtClean="0"/>
+              <a:t>Conf</a:t>
+            </a:r>
+            <a:r>
+              <a:rPr lang="fr-FR" dirty="0" smtClean="0"/>
+              <a:t>. 10e8</a:t>
             </a:r>
             <a:endParaRPr lang="fr-FR" dirty="0"/>
           </a:p>
@@ -6382,8 +5747,8 @@
         </p:blipFill>
         <p:spPr>
           <a:xfrm>
-            <a:off x="5544000" y="1231154"/>
-            <a:ext cx="3599999" cy="2701901"/>
+            <a:off x="5544001" y="1231154"/>
+            <a:ext cx="3599997" cy="2701901"/>
           </a:xfrm>
           <a:prstGeom prst="rect">
             <a:avLst/>
@@ -6412,8 +5777,8 @@
         </p:blipFill>
         <p:spPr>
           <a:xfrm>
-            <a:off x="107505" y="4041369"/>
-            <a:ext cx="5399998" cy="2699999"/>
+            <a:off x="179913" y="4024364"/>
+            <a:ext cx="3599997" cy="2701900"/>
           </a:xfrm>
           <a:prstGeom prst="rect">
             <a:avLst/>
@@ -6442,118 +5807,17 @@
         </p:blipFill>
         <p:spPr>
           <a:xfrm>
-            <a:off x="179512" y="1231154"/>
-            <a:ext cx="3599999" cy="2701901"/>
+            <a:off x="179513" y="1231154"/>
+            <a:ext cx="3599997" cy="2701900"/>
           </a:xfrm>
           <a:prstGeom prst="rect">
             <a:avLst/>
           </a:prstGeom>
         </p:spPr>
       </p:pic>
-      <p:sp>
-        <p:nvSpPr>
-          <p:cNvPr id="29" name="ZoneTexte 10"/>
-          <p:cNvSpPr txBox="1"/>
-          <p:nvPr/>
-        </p:nvSpPr>
-        <p:spPr>
-          <a:xfrm>
-            <a:off x="3635896" y="1340768"/>
-            <a:ext cx="1872208" cy="1384995"/>
-          </a:xfrm>
-          <a:prstGeom prst="rect">
-            <a:avLst/>
-          </a:prstGeom>
-          <a:noFill/>
-        </p:spPr>
-        <p:txBody>
-          <a:bodyPr wrap="square" rtlCol="0">
-            <a:spAutoFit/>
-          </a:bodyPr>
-          <a:lstStyle/>
-          <a:p>
-            <a:pPr algn="ctr"/>
-            <a:r>
-              <a:rPr lang="fr-FR" sz="1400" dirty="0" smtClean="0"/>
-              <a:t>30 </a:t>
-            </a:r>
-            <a:r>
-              <a:rPr lang="fr-FR" sz="1400" dirty="0" err="1" smtClean="0"/>
-              <a:t>elements</a:t>
-            </a:r>
-            <a:r>
-              <a:rPr lang="fr-FR" sz="1400" dirty="0" smtClean="0"/>
-              <a:t> in the expansion of J.</a:t>
-            </a:r>
-          </a:p>
-          <a:p>
-            <a:pPr algn="ctr"/>
-            <a:r>
-              <a:rPr lang="fr-FR" sz="1400" dirty="0" smtClean="0"/>
-              <a:t>(</a:t>
-            </a:r>
-            <a:r>
-              <a:rPr lang="fr-FR" sz="1400" dirty="0" err="1"/>
-              <a:t>S</a:t>
-            </a:r>
-            <a:r>
-              <a:rPr lang="fr-FR" sz="1400" dirty="0" err="1" smtClean="0"/>
-              <a:t>eems</a:t>
-            </a:r>
-            <a:r>
-              <a:rPr lang="fr-FR" sz="1400" dirty="0" smtClean="0"/>
-              <a:t> </a:t>
-            </a:r>
-            <a:r>
-              <a:rPr lang="fr-FR" sz="1400" dirty="0" err="1"/>
-              <a:t>e</a:t>
-            </a:r>
-            <a:r>
-              <a:rPr lang="fr-FR" sz="1400" dirty="0" err="1" smtClean="0"/>
-              <a:t>nough</a:t>
-            </a:r>
-            <a:r>
-              <a:rPr lang="fr-FR" sz="1400" dirty="0" smtClean="0"/>
-              <a:t>, </a:t>
-            </a:r>
-            <a:r>
-              <a:rPr lang="fr-FR" sz="1400" dirty="0" err="1" smtClean="0"/>
-              <a:t>checked</a:t>
-            </a:r>
-            <a:r>
-              <a:rPr lang="fr-FR" sz="1400" dirty="0" smtClean="0"/>
-              <a:t> for convergence. </a:t>
-            </a:r>
-            <a:r>
-              <a:rPr lang="fr-FR" sz="1400" dirty="0" err="1" smtClean="0"/>
-              <a:t>Could</a:t>
-            </a:r>
-            <a:r>
-              <a:rPr lang="fr-FR" sz="1400" dirty="0" smtClean="0"/>
-              <a:t> </a:t>
-            </a:r>
-            <a:r>
-              <a:rPr lang="fr-FR" sz="1400" dirty="0" err="1" smtClean="0"/>
-              <a:t>be</a:t>
-            </a:r>
-            <a:r>
-              <a:rPr lang="fr-FR" sz="1400" dirty="0" smtClean="0"/>
-              <a:t> </a:t>
-            </a:r>
-            <a:r>
-              <a:rPr lang="fr-FR" sz="1400" dirty="0" err="1" smtClean="0"/>
-              <a:t>increased</a:t>
-            </a:r>
-            <a:r>
-              <a:rPr lang="fr-FR" sz="1400" dirty="0" smtClean="0"/>
-              <a:t>.)</a:t>
-            </a:r>
-          </a:p>
-        </p:txBody>
-      </p:sp>
       <p:pic>
         <p:nvPicPr>
-          <p:cNvPr id="10" name="Picture 9"/>
+          <p:cNvPr id="34" name="Picture 33"/>
           <p:cNvPicPr>
             <a:picLocks noChangeAspect="1"/>
           </p:cNvPicPr>
@@ -6574,7 +5838,7 @@
         <p:spPr>
           <a:xfrm>
             <a:off x="5544001" y="4024364"/>
-            <a:ext cx="3599997" cy="2701901"/>
+            <a:ext cx="3599997" cy="2701900"/>
           </a:xfrm>
           <a:prstGeom prst="rect">
             <a:avLst/>
@@ -6583,50 +5847,13 @@
       </p:pic>
       <p:sp>
         <p:nvSpPr>
-          <p:cNvPr id="11" name="ZoneTexte 10"/>
+          <p:cNvPr id="46" name="ZoneTexte 32"/>
           <p:cNvSpPr txBox="1"/>
           <p:nvPr/>
         </p:nvSpPr>
         <p:spPr>
           <a:xfrm>
-            <a:off x="3707904" y="2905780"/>
-            <a:ext cx="1872208" cy="523220"/>
-          </a:xfrm>
-          <a:prstGeom prst="rect">
-            <a:avLst/>
-          </a:prstGeom>
-          <a:noFill/>
-        </p:spPr>
-        <p:txBody>
-          <a:bodyPr wrap="square" rtlCol="0">
-            <a:spAutoFit/>
-          </a:bodyPr>
-          <a:lstStyle/>
-          <a:p>
-            <a:pPr algn="ctr"/>
-            <a:r>
-              <a:rPr lang="fr-FR" sz="1400" dirty="0" smtClean="0"/>
-              <a:t>f=50MHz</a:t>
-            </a:r>
-          </a:p>
-          <a:p>
-            <a:pPr algn="ctr"/>
-            <a:r>
-              <a:rPr lang="fr-FR" sz="1400" dirty="0" smtClean="0"/>
-              <a:t>D(H)5%</a:t>
-            </a:r>
-          </a:p>
-        </p:txBody>
-      </p:sp>
-      <p:sp>
-        <p:nvSpPr>
-          <p:cNvPr id="12" name="ZoneTexte 32"/>
-          <p:cNvSpPr txBox="1"/>
-          <p:nvPr/>
-        </p:nvSpPr>
-        <p:spPr>
-          <a:xfrm>
-            <a:off x="323528" y="476672"/>
+            <a:off x="179512" y="476672"/>
             <a:ext cx="1276644" cy="461665"/>
           </a:xfrm>
           <a:prstGeom prst="rect">
@@ -6655,12 +5882,8 @@
           <a:p>
             <a:pPr algn="ctr"/>
             <a:r>
-              <a:rPr lang="fr-FR" sz="1200" dirty="0" err="1" smtClean="0"/>
-              <a:t>Linear</a:t>
-            </a:r>
-            <a:r>
               <a:rPr lang="fr-FR" sz="1200" dirty="0" smtClean="0"/>
-              <a:t> </a:t>
+              <a:t>Constant </a:t>
             </a:r>
             <a:r>
               <a:rPr lang="fr-FR" sz="1200" dirty="0" err="1" smtClean="0"/>
@@ -6671,13 +5894,119 @@
               <a:t> plasma</a:t>
             </a:r>
             <a:endParaRPr lang="fr-FR" sz="1200" dirty="0"/>
+          </a:p>
+        </p:txBody>
+      </p:sp>
+      <p:sp>
+        <p:nvSpPr>
+          <p:cNvPr id="47" name="ZoneTexte 10"/>
+          <p:cNvSpPr txBox="1"/>
+          <p:nvPr/>
+        </p:nvSpPr>
+        <p:spPr>
+          <a:xfrm>
+            <a:off x="3707904" y="2761183"/>
+            <a:ext cx="1872208" cy="523220"/>
+          </a:xfrm>
+          <a:prstGeom prst="rect">
+            <a:avLst/>
+          </a:prstGeom>
+          <a:noFill/>
+        </p:spPr>
+        <p:txBody>
+          <a:bodyPr wrap="square" rtlCol="0">
+            <a:spAutoFit/>
+          </a:bodyPr>
+          <a:lstStyle/>
+          <a:p>
+            <a:pPr algn="ctr"/>
+            <a:r>
+              <a:rPr lang="fr-FR" sz="1400" dirty="0" smtClean="0"/>
+              <a:t>f=50MHz</a:t>
+            </a:r>
+          </a:p>
+          <a:p>
+            <a:pPr algn="ctr"/>
+            <a:r>
+              <a:rPr lang="fr-FR" sz="1400" dirty="0" smtClean="0"/>
+              <a:t>D(H)5%</a:t>
+            </a:r>
+          </a:p>
+        </p:txBody>
+      </p:sp>
+      <p:sp>
+        <p:nvSpPr>
+          <p:cNvPr id="11" name="ZoneTexte 10"/>
+          <p:cNvSpPr txBox="1"/>
+          <p:nvPr/>
+        </p:nvSpPr>
+        <p:spPr>
+          <a:xfrm>
+            <a:off x="990639" y="2258938"/>
+            <a:ext cx="1978543" cy="646331"/>
+          </a:xfrm>
+          <a:prstGeom prst="rect">
+            <a:avLst/>
+          </a:prstGeom>
+          <a:noFill/>
+        </p:spPr>
+        <p:txBody>
+          <a:bodyPr wrap="square" rtlCol="0">
+            <a:spAutoFit/>
+          </a:bodyPr>
+          <a:lstStyle/>
+          <a:p>
+            <a:r>
+              <a:rPr lang="fr-FR" dirty="0" err="1" smtClean="0"/>
+              <a:t>x_plasma</a:t>
+            </a:r>
+            <a:r>
+              <a:rPr lang="fr-FR" dirty="0" smtClean="0"/>
+              <a:t>=0.01</a:t>
+            </a:r>
+          </a:p>
+          <a:p>
+            <a:r>
+              <a:rPr lang="fr-FR" dirty="0" smtClean="0"/>
+              <a:t>n_e0=10e18</a:t>
+            </a:r>
+          </a:p>
+        </p:txBody>
+      </p:sp>
+      <p:sp>
+        <p:nvSpPr>
+          <p:cNvPr id="12" name="ZoneTexte 10"/>
+          <p:cNvSpPr txBox="1"/>
+          <p:nvPr/>
+        </p:nvSpPr>
+        <p:spPr>
+          <a:xfrm>
+            <a:off x="3936876" y="2348880"/>
+            <a:ext cx="1414264" cy="307777"/>
+          </a:xfrm>
+          <a:prstGeom prst="rect">
+            <a:avLst/>
+          </a:prstGeom>
+          <a:noFill/>
+        </p:spPr>
+        <p:txBody>
+          <a:bodyPr wrap="square" rtlCol="0">
+            <a:spAutoFit/>
+          </a:bodyPr>
+          <a:lstStyle/>
+          <a:p>
+            <a:pPr algn="ctr"/>
+            <a:r>
+              <a:rPr lang="fr-FR" sz="1400" dirty="0" smtClean="0"/>
+              <a:t>n_e0=10e18</a:t>
+            </a:r>
           </a:p>
         </p:txBody>
       </p:sp>
     </p:spTree>
     <p:extLst>
       <p:ext uri="{BB962C8B-B14F-4D97-AF65-F5344CB8AC3E}">
-        <p14:creationId xmlns:p14="http://schemas.microsoft.com/office/powerpoint/2010/main" val="3103764326"/>
+        <p14:creationId xmlns:p14="http://schemas.microsoft.com/office/powerpoint/2010/main" val="1456251155"/>
       </p:ext>
     </p:extLst>
   </p:cSld>
@@ -6725,7 +6054,11 @@
             </a:r>
             <a:r>
               <a:rPr lang="fr-FR" dirty="0" err="1" smtClean="0"/>
-              <a:t>Response</a:t>
+              <a:t>Conf</a:t>
+            </a:r>
+            <a:r>
+              <a:rPr lang="fr-FR" dirty="0" smtClean="0"/>
+              <a:t>. 10e8</a:t>
             </a:r>
             <a:endParaRPr lang="fr-FR" dirty="0"/>
           </a:p>
@@ -6753,8 +6086,8 @@
         </p:blipFill>
         <p:spPr>
           <a:xfrm>
-            <a:off x="5544000" y="1231154"/>
-            <a:ext cx="3599999" cy="2701902"/>
+            <a:off x="5544001" y="1231154"/>
+            <a:ext cx="3599997" cy="2701900"/>
           </a:xfrm>
           <a:prstGeom prst="rect">
             <a:avLst/>
@@ -6783,8 +6116,8 @@
         </p:blipFill>
         <p:spPr>
           <a:xfrm>
-            <a:off x="179913" y="4024364"/>
-            <a:ext cx="3599997" cy="2701901"/>
+            <a:off x="107505" y="4041369"/>
+            <a:ext cx="5399998" cy="2699999"/>
           </a:xfrm>
           <a:prstGeom prst="rect">
             <a:avLst/>
@@ -6821,9 +6154,99 @@
           </a:prstGeom>
         </p:spPr>
       </p:pic>
+      <p:sp>
+        <p:nvSpPr>
+          <p:cNvPr id="29" name="ZoneTexte 10"/>
+          <p:cNvSpPr txBox="1"/>
+          <p:nvPr/>
+        </p:nvSpPr>
+        <p:spPr>
+          <a:xfrm>
+            <a:off x="3635896" y="1340768"/>
+            <a:ext cx="1872208" cy="523220"/>
+          </a:xfrm>
+          <a:prstGeom prst="rect">
+            <a:avLst/>
+          </a:prstGeom>
+          <a:noFill/>
+        </p:spPr>
+        <p:txBody>
+          <a:bodyPr wrap="square" rtlCol="0">
+            <a:spAutoFit/>
+          </a:bodyPr>
+          <a:lstStyle/>
+          <a:p>
+            <a:pPr algn="ctr"/>
+            <a:r>
+              <a:rPr lang="fr-FR" sz="1400" dirty="0" smtClean="0"/>
+              <a:t>30 </a:t>
+            </a:r>
+            <a:r>
+              <a:rPr lang="fr-FR" sz="1400" dirty="0" err="1" smtClean="0"/>
+              <a:t>elements</a:t>
+            </a:r>
+            <a:r>
+              <a:rPr lang="fr-FR" sz="1400" dirty="0" smtClean="0"/>
+              <a:t> in the expansion of J</a:t>
+            </a:r>
+          </a:p>
+        </p:txBody>
+      </p:sp>
+      <p:sp>
+        <p:nvSpPr>
+          <p:cNvPr id="46" name="ZoneTexte 32"/>
+          <p:cNvSpPr txBox="1"/>
+          <p:nvPr/>
+        </p:nvSpPr>
+        <p:spPr>
+          <a:xfrm>
+            <a:off x="179512" y="476672"/>
+            <a:ext cx="1276644" cy="461665"/>
+          </a:xfrm>
+          <a:prstGeom prst="rect">
+            <a:avLst/>
+          </a:prstGeom>
+        </p:spPr>
+        <p:style>
+          <a:lnRef idx="2">
+            <a:schemeClr val="accent6"/>
+          </a:lnRef>
+          <a:fillRef idx="1">
+            <a:schemeClr val="lt1"/>
+          </a:fillRef>
+          <a:effectRef idx="0">
+            <a:schemeClr val="accent6"/>
+          </a:effectRef>
+          <a:fontRef idx="minor">
+            <a:schemeClr val="dk1"/>
+          </a:fontRef>
+        </p:style>
+        <p:txBody>
+          <a:bodyPr wrap="square" rtlCol="0">
+            <a:spAutoFit/>
+          </a:bodyPr>
+          <a:lstStyle/>
+          <a:p>
+            <a:pPr algn="ctr"/>
+            <a:r>
+              <a:rPr lang="fr-FR" sz="1200" dirty="0" smtClean="0"/>
+              <a:t>Constant </a:t>
+            </a:r>
+            <a:r>
+              <a:rPr lang="fr-FR" sz="1200" dirty="0" err="1" smtClean="0"/>
+              <a:t>density</a:t>
+            </a:r>
+            <a:r>
+              <a:rPr lang="fr-FR" sz="1200" dirty="0" smtClean="0"/>
+              <a:t> plasma</a:t>
+            </a:r>
+            <a:endParaRPr lang="fr-FR" sz="1200" dirty="0"/>
+          </a:p>
+        </p:txBody>
+      </p:sp>
       <p:pic>
         <p:nvPicPr>
-          <p:cNvPr id="34" name="Picture 33"/>
+          <p:cNvPr id="10" name="Picture 9"/>
           <p:cNvPicPr>
             <a:picLocks noChangeAspect="1"/>
           </p:cNvPicPr>
@@ -6844,7 +6267,7 @@
         <p:spPr>
           <a:xfrm>
             <a:off x="5544001" y="4024364"/>
-            <a:ext cx="3599997" cy="2701901"/>
+            <a:ext cx="3599996" cy="2701900"/>
           </a:xfrm>
           <a:prstGeom prst="rect">
             <a:avLst/>
@@ -6853,14 +6276,14 @@
       </p:pic>
       <p:sp>
         <p:nvSpPr>
-          <p:cNvPr id="29" name="ZoneTexte 10"/>
+          <p:cNvPr id="11" name="ZoneTexte 10"/>
           <p:cNvSpPr txBox="1"/>
           <p:nvPr/>
         </p:nvSpPr>
         <p:spPr>
           <a:xfrm>
-            <a:off x="3635896" y="1340768"/>
-            <a:ext cx="1872208" cy="738664"/>
+            <a:off x="3707904" y="2905780"/>
+            <a:ext cx="1872208" cy="523220"/>
           </a:xfrm>
           <a:prstGeom prst="rect">
             <a:avLst/>
@@ -6876,45 +6299,278 @@
             <a:pPr algn="ctr"/>
             <a:r>
               <a:rPr lang="fr-FR" sz="1400" dirty="0" smtClean="0"/>
-              <a:t>B </a:t>
-            </a:r>
-            <a:r>
-              <a:rPr lang="fr-FR" sz="1400" dirty="0" err="1" smtClean="0"/>
-              <a:t>is</a:t>
-            </a:r>
+              <a:t>f=50MHz</a:t>
+            </a:r>
+          </a:p>
+          <a:p>
+            <a:pPr algn="ctr"/>
             <a:r>
               <a:rPr lang="fr-FR" sz="1400" dirty="0" smtClean="0"/>
-              <a:t> </a:t>
-            </a:r>
-            <a:r>
-              <a:rPr lang="fr-FR" sz="1400" dirty="0" err="1" smtClean="0"/>
-              <a:t>taken</a:t>
-            </a:r>
+              <a:t>D(H)5%</a:t>
+            </a:r>
+          </a:p>
+        </p:txBody>
+      </p:sp>
+      <p:sp>
+        <p:nvSpPr>
+          <p:cNvPr id="12" name="ZoneTexte 10"/>
+          <p:cNvSpPr txBox="1"/>
+          <p:nvPr/>
+        </p:nvSpPr>
+        <p:spPr>
+          <a:xfrm>
+            <a:off x="3936876" y="2348880"/>
+            <a:ext cx="1414264" cy="307777"/>
+          </a:xfrm>
+          <a:prstGeom prst="rect">
+            <a:avLst/>
+          </a:prstGeom>
+          <a:noFill/>
+        </p:spPr>
+        <p:txBody>
+          <a:bodyPr wrap="square" rtlCol="0">
+            <a:spAutoFit/>
+          </a:bodyPr>
+          <a:lstStyle/>
+          <a:p>
+            <a:pPr algn="ctr"/>
             <a:r>
               <a:rPr lang="fr-FR" sz="1400" dirty="0" smtClean="0"/>
-              <a:t> constant but </a:t>
-            </a:r>
-            <a:r>
-              <a:rPr lang="fr-FR" sz="1400" dirty="0" err="1" smtClean="0"/>
-              <a:t>could</a:t>
-            </a:r>
-            <a:r>
-              <a:rPr lang="fr-FR" sz="1400" dirty="0" smtClean="0"/>
-              <a:t> have the </a:t>
-            </a:r>
-            <a:r>
-              <a:rPr lang="fr-FR" sz="1400" dirty="0" err="1" smtClean="0"/>
-              <a:t>usual</a:t>
-            </a:r>
-            <a:r>
-              <a:rPr lang="fr-FR" sz="1400" dirty="0" smtClean="0"/>
-              <a:t> 1/R </a:t>
-            </a:r>
-            <a:r>
-              <a:rPr lang="fr-FR" sz="1400" dirty="0" err="1" smtClean="0"/>
-              <a:t>dependency</a:t>
-            </a:r>
-            <a:endParaRPr lang="fr-FR" sz="1400" dirty="0" smtClean="0"/>
+              <a:t>n_e0=10e18</a:t>
+            </a:r>
+          </a:p>
+        </p:txBody>
+      </p:sp>
+    </p:spTree>
+    <p:extLst>
+      <p:ext uri="{BB962C8B-B14F-4D97-AF65-F5344CB8AC3E}">
+        <p14:creationId xmlns:p14="http://schemas.microsoft.com/office/powerpoint/2010/main" val="3692972816"/>
+      </p:ext>
+    </p:extLst>
+  </p:cSld>
+  <p:clrMapOvr>
+    <a:masterClrMapping/>
+  </p:clrMapOvr>
+</p:sld>
+</file>
+
+<file path=ppt/slides/slide14.xml><?xml version="1.0" encoding="utf-8"?>
+<p:sld xmlns:a="http://schemas.openxmlformats.org/drawingml/2006/main" xmlns:r="http://schemas.openxmlformats.org/officeDocument/2006/relationships" xmlns:p="http://schemas.openxmlformats.org/presentationml/2006/main">
+  <p:cSld>
+    <p:spTree>
+      <p:nvGrpSpPr>
+        <p:cNvPr id="1" name=""/>
+        <p:cNvGrpSpPr/>
+        <p:nvPr/>
+      </p:nvGrpSpPr>
+      <p:grpSpPr>
+        <a:xfrm>
+          <a:off x="0" y="0"/>
+          <a:ext cx="0" cy="0"/>
+          <a:chOff x="0" y="0"/>
+          <a:chExt cx="0" cy="0"/>
+        </a:xfrm>
+      </p:grpSpPr>
+      <p:sp>
+        <p:nvSpPr>
+          <p:cNvPr id="2" name="Titre 1"/>
+          <p:cNvSpPr>
+            <a:spLocks noGrp="1"/>
+          </p:cNvSpPr>
+          <p:nvPr>
+            <p:ph type="title"/>
+          </p:nvPr>
+        </p:nvSpPr>
+        <p:spPr/>
+        <p:txBody>
+          <a:bodyPr/>
+          <a:lstStyle/>
+          <a:p>
+            <a:r>
+              <a:rPr lang="fr-FR" dirty="0" smtClean="0"/>
+              <a:t>Plasma </a:t>
+            </a:r>
+            <a:r>
+              <a:rPr lang="fr-FR" dirty="0" err="1" smtClean="0"/>
+              <a:t>Response</a:t>
+            </a:r>
+            <a:r>
+              <a:rPr lang="fr-FR" dirty="0" smtClean="0"/>
+              <a:t> 10e8</a:t>
+            </a:r>
+            <a:endParaRPr lang="fr-FR" dirty="0"/>
+          </a:p>
+        </p:txBody>
+      </p:sp>
+      <p:pic>
+        <p:nvPicPr>
+          <p:cNvPr id="5" name="Picture 4"/>
+          <p:cNvPicPr>
+            <a:picLocks noChangeAspect="1"/>
+          </p:cNvPicPr>
+          <p:nvPr/>
+        </p:nvPicPr>
+        <p:blipFill>
+          <a:blip r:embed="rId2" cstate="print">
+            <a:extLst>
+              <a:ext uri="{28A0092B-C50C-407E-A947-70E740481C1C}">
+                <a14:useLocalDpi xmlns:a14="http://schemas.microsoft.com/office/drawing/2010/main" val="0"/>
+              </a:ext>
+            </a:extLst>
+          </a:blip>
+          <a:stretch>
+            <a:fillRect/>
+          </a:stretch>
+        </p:blipFill>
+        <p:spPr>
+          <a:xfrm>
+            <a:off x="5544001" y="1231154"/>
+            <a:ext cx="3599997" cy="2701900"/>
+          </a:xfrm>
+          <a:prstGeom prst="rect">
+            <a:avLst/>
+          </a:prstGeom>
+        </p:spPr>
+      </p:pic>
+      <p:pic>
+        <p:nvPicPr>
+          <p:cNvPr id="28" name="Picture 27"/>
+          <p:cNvPicPr>
+            <a:picLocks noChangeAspect="1"/>
+          </p:cNvPicPr>
+          <p:nvPr/>
+        </p:nvPicPr>
+        <p:blipFill>
+          <a:blip r:embed="rId3" cstate="print">
+            <a:extLst>
+              <a:ext uri="{28A0092B-C50C-407E-A947-70E740481C1C}">
+                <a14:useLocalDpi xmlns:a14="http://schemas.microsoft.com/office/drawing/2010/main" val="0"/>
+              </a:ext>
+            </a:extLst>
+          </a:blip>
+          <a:stretch>
+            <a:fillRect/>
+          </a:stretch>
+        </p:blipFill>
+        <p:spPr>
+          <a:xfrm>
+            <a:off x="179913" y="4024364"/>
+            <a:ext cx="3599996" cy="2701900"/>
+          </a:xfrm>
+          <a:prstGeom prst="rect">
+            <a:avLst/>
+          </a:prstGeom>
+        </p:spPr>
+      </p:pic>
+      <p:pic>
+        <p:nvPicPr>
+          <p:cNvPr id="32" name="Picture 31"/>
+          <p:cNvPicPr>
+            <a:picLocks noChangeAspect="1"/>
+          </p:cNvPicPr>
+          <p:nvPr/>
+        </p:nvPicPr>
+        <p:blipFill>
+          <a:blip r:embed="rId4" cstate="print">
+            <a:extLst>
+              <a:ext uri="{28A0092B-C50C-407E-A947-70E740481C1C}">
+                <a14:useLocalDpi xmlns:a14="http://schemas.microsoft.com/office/drawing/2010/main" val="0"/>
+              </a:ext>
+            </a:extLst>
+          </a:blip>
+          <a:stretch>
+            <a:fillRect/>
+          </a:stretch>
+        </p:blipFill>
+        <p:spPr>
+          <a:xfrm>
+            <a:off x="179513" y="1231154"/>
+            <a:ext cx="3599996" cy="2701900"/>
+          </a:xfrm>
+          <a:prstGeom prst="rect">
+            <a:avLst/>
+          </a:prstGeom>
+        </p:spPr>
+      </p:pic>
+      <p:pic>
+        <p:nvPicPr>
+          <p:cNvPr id="34" name="Picture 33"/>
+          <p:cNvPicPr>
+            <a:picLocks noChangeAspect="1"/>
+          </p:cNvPicPr>
+          <p:nvPr/>
+        </p:nvPicPr>
+        <p:blipFill>
+          <a:blip r:embed="rId5" cstate="print">
+            <a:extLst>
+              <a:ext uri="{28A0092B-C50C-407E-A947-70E740481C1C}">
+                <a14:useLocalDpi xmlns:a14="http://schemas.microsoft.com/office/drawing/2010/main" val="0"/>
+              </a:ext>
+            </a:extLst>
+          </a:blip>
+          <a:stretch>
+            <a:fillRect/>
+          </a:stretch>
+        </p:blipFill>
+        <p:spPr>
+          <a:xfrm>
+            <a:off x="5544001" y="4024364"/>
+            <a:ext cx="3599996" cy="2701900"/>
+          </a:xfrm>
+          <a:prstGeom prst="rect">
+            <a:avLst/>
+          </a:prstGeom>
+        </p:spPr>
+      </p:pic>
+      <p:sp>
+        <p:nvSpPr>
+          <p:cNvPr id="46" name="ZoneTexte 32"/>
+          <p:cNvSpPr txBox="1"/>
+          <p:nvPr/>
+        </p:nvSpPr>
+        <p:spPr>
+          <a:xfrm>
+            <a:off x="179512" y="476672"/>
+            <a:ext cx="1276644" cy="461665"/>
+          </a:xfrm>
+          <a:prstGeom prst="rect">
+            <a:avLst/>
+          </a:prstGeom>
+        </p:spPr>
+        <p:style>
+          <a:lnRef idx="2">
+            <a:schemeClr val="accent6"/>
+          </a:lnRef>
+          <a:fillRef idx="1">
+            <a:schemeClr val="lt1"/>
+          </a:fillRef>
+          <a:effectRef idx="0">
+            <a:schemeClr val="accent6"/>
+          </a:effectRef>
+          <a:fontRef idx="minor">
+            <a:schemeClr val="dk1"/>
+          </a:fontRef>
+        </p:style>
+        <p:txBody>
+          <a:bodyPr wrap="square" rtlCol="0">
+            <a:spAutoFit/>
+          </a:bodyPr>
+          <a:lstStyle/>
+          <a:p>
+            <a:pPr algn="ctr"/>
+            <a:r>
+              <a:rPr lang="fr-FR" sz="1200" dirty="0" smtClean="0"/>
+              <a:t>Constant </a:t>
+            </a:r>
+            <a:r>
+              <a:rPr lang="fr-FR" sz="1200" dirty="0" err="1" smtClean="0"/>
+              <a:t>density</a:t>
+            </a:r>
+            <a:r>
+              <a:rPr lang="fr-FR" sz="1200" dirty="0" smtClean="0"/>
+              <a:t> plasma</a:t>
+            </a:r>
+            <a:endParaRPr lang="fr-FR" sz="1200" dirty="0"/>
           </a:p>
         </p:txBody>
       </p:sp>
@@ -7067,7 +6723,7 @@
             </a:r>
             <a:r>
               <a:rPr lang="fr-FR" sz="1400" dirty="0" smtClean="0"/>
-              <a:t>=(4.42-i135.34)ohm/m</a:t>
+              <a:t>=(20.3-i119.2)ohm/m</a:t>
             </a:r>
           </a:p>
           <a:p>
@@ -7082,7 +6738,7 @@
             </a:r>
             <a:r>
               <a:rPr lang="fr-FR" sz="1400" dirty="0" smtClean="0"/>
-              <a:t>=(3.68-i18.78)ohm/m</a:t>
+              <a:t>=(15.0-i12.5)ohm/m</a:t>
             </a:r>
             <a:endParaRPr lang="fr-FR" sz="1400" baseline="-25000" dirty="0"/>
           </a:p>
@@ -7090,13 +6746,228 @@
       </p:sp>
       <p:sp>
         <p:nvSpPr>
-          <p:cNvPr id="12" name="ZoneTexte 32"/>
+          <p:cNvPr id="12" name="ZoneTexte 10"/>
           <p:cNvSpPr txBox="1"/>
           <p:nvPr/>
         </p:nvSpPr>
         <p:spPr>
           <a:xfrm>
-            <a:off x="323528" y="476672"/>
+            <a:off x="3936876" y="2348880"/>
+            <a:ext cx="1414264" cy="307777"/>
+          </a:xfrm>
+          <a:prstGeom prst="rect">
+            <a:avLst/>
+          </a:prstGeom>
+          <a:noFill/>
+        </p:spPr>
+        <p:txBody>
+          <a:bodyPr wrap="square" rtlCol="0">
+            <a:spAutoFit/>
+          </a:bodyPr>
+          <a:lstStyle/>
+          <a:p>
+            <a:pPr algn="ctr"/>
+            <a:r>
+              <a:rPr lang="fr-FR" sz="1400" dirty="0" smtClean="0"/>
+              <a:t>n_e0=10e18</a:t>
+            </a:r>
+          </a:p>
+        </p:txBody>
+      </p:sp>
+    </p:spTree>
+    <p:extLst>
+      <p:ext uri="{BB962C8B-B14F-4D97-AF65-F5344CB8AC3E}">
+        <p14:creationId xmlns:p14="http://schemas.microsoft.com/office/powerpoint/2010/main" val="2996223682"/>
+      </p:ext>
+    </p:extLst>
+  </p:cSld>
+  <p:clrMapOvr>
+    <a:masterClrMapping/>
+  </p:clrMapOvr>
+</p:sld>
+</file>
+
+<file path=ppt/slides/slide15.xml><?xml version="1.0" encoding="utf-8"?>
+<p:sld xmlns:a="http://schemas.openxmlformats.org/drawingml/2006/main" xmlns:r="http://schemas.openxmlformats.org/officeDocument/2006/relationships" xmlns:p="http://schemas.openxmlformats.org/presentationml/2006/main">
+  <p:cSld>
+    <p:spTree>
+      <p:nvGrpSpPr>
+        <p:cNvPr id="1" name=""/>
+        <p:cNvGrpSpPr/>
+        <p:nvPr/>
+      </p:nvGrpSpPr>
+      <p:grpSpPr>
+        <a:xfrm>
+          <a:off x="0" y="0"/>
+          <a:ext cx="0" cy="0"/>
+          <a:chOff x="0" y="0"/>
+          <a:chExt cx="0" cy="0"/>
+        </a:xfrm>
+      </p:grpSpPr>
+      <p:sp>
+        <p:nvSpPr>
+          <p:cNvPr id="2" name="Titre 1"/>
+          <p:cNvSpPr>
+            <a:spLocks noGrp="1"/>
+          </p:cNvSpPr>
+          <p:nvPr>
+            <p:ph type="title"/>
+          </p:nvPr>
+        </p:nvSpPr>
+        <p:spPr/>
+        <p:txBody>
+          <a:bodyPr/>
+          <a:lstStyle/>
+          <a:p>
+            <a:r>
+              <a:rPr lang="fr-FR" dirty="0" smtClean="0"/>
+              <a:t>Plasma </a:t>
+            </a:r>
+            <a:r>
+              <a:rPr lang="fr-FR" dirty="0" err="1" smtClean="0"/>
+              <a:t>Conf</a:t>
+            </a:r>
+            <a:r>
+              <a:rPr lang="fr-FR" dirty="0" smtClean="0"/>
+              <a:t>. </a:t>
+            </a:r>
+            <a:r>
+              <a:rPr lang="fr-FR" dirty="0" err="1" smtClean="0"/>
+              <a:t>compar</a:t>
+            </a:r>
+            <a:endParaRPr lang="fr-FR" dirty="0"/>
+          </a:p>
+        </p:txBody>
+      </p:sp>
+      <p:pic>
+        <p:nvPicPr>
+          <p:cNvPr id="5" name="Picture 4"/>
+          <p:cNvPicPr>
+            <a:picLocks noChangeAspect="1"/>
+          </p:cNvPicPr>
+          <p:nvPr/>
+        </p:nvPicPr>
+        <p:blipFill>
+          <a:blip r:embed="rId2" cstate="print">
+            <a:extLst>
+              <a:ext uri="{28A0092B-C50C-407E-A947-70E740481C1C}">
+                <a14:useLocalDpi xmlns:a14="http://schemas.microsoft.com/office/drawing/2010/main" val="0"/>
+              </a:ext>
+            </a:extLst>
+          </a:blip>
+          <a:stretch>
+            <a:fillRect/>
+          </a:stretch>
+        </p:blipFill>
+        <p:spPr>
+          <a:xfrm>
+            <a:off x="5544001" y="1231154"/>
+            <a:ext cx="3599997" cy="2701900"/>
+          </a:xfrm>
+          <a:prstGeom prst="rect">
+            <a:avLst/>
+          </a:prstGeom>
+        </p:spPr>
+      </p:pic>
+      <p:pic>
+        <p:nvPicPr>
+          <p:cNvPr id="28" name="Picture 27"/>
+          <p:cNvPicPr>
+            <a:picLocks noChangeAspect="1"/>
+          </p:cNvPicPr>
+          <p:nvPr/>
+        </p:nvPicPr>
+        <p:blipFill>
+          <a:blip r:embed="rId3" cstate="print">
+            <a:extLst>
+              <a:ext uri="{28A0092B-C50C-407E-A947-70E740481C1C}">
+                <a14:useLocalDpi xmlns:a14="http://schemas.microsoft.com/office/drawing/2010/main" val="0"/>
+              </a:ext>
+            </a:extLst>
+          </a:blip>
+          <a:stretch>
+            <a:fillRect/>
+          </a:stretch>
+        </p:blipFill>
+        <p:spPr>
+          <a:xfrm>
+            <a:off x="179913" y="4024364"/>
+            <a:ext cx="3599996" cy="2701900"/>
+          </a:xfrm>
+          <a:prstGeom prst="rect">
+            <a:avLst/>
+          </a:prstGeom>
+        </p:spPr>
+      </p:pic>
+      <p:pic>
+        <p:nvPicPr>
+          <p:cNvPr id="32" name="Picture 31"/>
+          <p:cNvPicPr>
+            <a:picLocks noChangeAspect="1"/>
+          </p:cNvPicPr>
+          <p:nvPr/>
+        </p:nvPicPr>
+        <p:blipFill>
+          <a:blip r:embed="rId4" cstate="print">
+            <a:extLst>
+              <a:ext uri="{28A0092B-C50C-407E-A947-70E740481C1C}">
+                <a14:useLocalDpi xmlns:a14="http://schemas.microsoft.com/office/drawing/2010/main" val="0"/>
+              </a:ext>
+            </a:extLst>
+          </a:blip>
+          <a:stretch>
+            <a:fillRect/>
+          </a:stretch>
+        </p:blipFill>
+        <p:spPr>
+          <a:xfrm>
+            <a:off x="179513" y="1231154"/>
+            <a:ext cx="3599996" cy="2701900"/>
+          </a:xfrm>
+          <a:prstGeom prst="rect">
+            <a:avLst/>
+          </a:prstGeom>
+        </p:spPr>
+      </p:pic>
+      <p:pic>
+        <p:nvPicPr>
+          <p:cNvPr id="34" name="Picture 33"/>
+          <p:cNvPicPr>
+            <a:picLocks noChangeAspect="1"/>
+          </p:cNvPicPr>
+          <p:nvPr/>
+        </p:nvPicPr>
+        <p:blipFill>
+          <a:blip r:embed="rId5" cstate="print">
+            <a:extLst>
+              <a:ext uri="{28A0092B-C50C-407E-A947-70E740481C1C}">
+                <a14:useLocalDpi xmlns:a14="http://schemas.microsoft.com/office/drawing/2010/main" val="0"/>
+              </a:ext>
+            </a:extLst>
+          </a:blip>
+          <a:stretch>
+            <a:fillRect/>
+          </a:stretch>
+        </p:blipFill>
+        <p:spPr>
+          <a:xfrm>
+            <a:off x="5544001" y="4024364"/>
+            <a:ext cx="3599996" cy="2701900"/>
+          </a:xfrm>
+          <a:prstGeom prst="rect">
+            <a:avLst/>
+          </a:prstGeom>
+        </p:spPr>
+      </p:pic>
+      <p:sp>
+        <p:nvSpPr>
+          <p:cNvPr id="46" name="ZoneTexte 32"/>
+          <p:cNvSpPr txBox="1"/>
+          <p:nvPr/>
+        </p:nvSpPr>
+        <p:spPr>
+          <a:xfrm>
+            <a:off x="179512" y="476672"/>
             <a:ext cx="1276644" cy="461665"/>
           </a:xfrm>
           <a:prstGeom prst="rect">
@@ -7125,12 +6996,8 @@
           <a:p>
             <a:pPr algn="ctr"/>
             <a:r>
-              <a:rPr lang="fr-FR" sz="1200" dirty="0" err="1" smtClean="0"/>
-              <a:t>Linear</a:t>
-            </a:r>
-            <a:r>
               <a:rPr lang="fr-FR" sz="1200" dirty="0" smtClean="0"/>
-              <a:t> </a:t>
+              <a:t>Constant </a:t>
             </a:r>
             <a:r>
               <a:rPr lang="fr-FR" sz="1200" dirty="0" err="1" smtClean="0"/>
@@ -7141,13 +7008,1302 @@
               <a:t> plasma</a:t>
             </a:r>
             <a:endParaRPr lang="fr-FR" sz="1200" dirty="0"/>
+          </a:p>
+        </p:txBody>
+      </p:sp>
+      <p:sp>
+        <p:nvSpPr>
+          <p:cNvPr id="13" name="ZoneTexte 10"/>
+          <p:cNvSpPr txBox="1"/>
+          <p:nvPr/>
+        </p:nvSpPr>
+        <p:spPr>
+          <a:xfrm>
+            <a:off x="3707904" y="2905780"/>
+            <a:ext cx="1872208" cy="523220"/>
+          </a:xfrm>
+          <a:prstGeom prst="rect">
+            <a:avLst/>
+          </a:prstGeom>
+          <a:noFill/>
+        </p:spPr>
+        <p:txBody>
+          <a:bodyPr wrap="square" rtlCol="0">
+            <a:spAutoFit/>
+          </a:bodyPr>
+          <a:lstStyle/>
+          <a:p>
+            <a:pPr algn="ctr"/>
+            <a:r>
+              <a:rPr lang="fr-FR" sz="1400" dirty="0" smtClean="0"/>
+              <a:t>f=50MHz</a:t>
+            </a:r>
+          </a:p>
+          <a:p>
+            <a:pPr algn="ctr"/>
+            <a:r>
+              <a:rPr lang="fr-FR" sz="1400" dirty="0" smtClean="0"/>
+              <a:t>D(H)5%</a:t>
+            </a:r>
+          </a:p>
+        </p:txBody>
+      </p:sp>
+      <p:sp>
+        <p:nvSpPr>
+          <p:cNvPr id="14" name="ZoneTexte 10"/>
+          <p:cNvSpPr txBox="1"/>
+          <p:nvPr/>
+        </p:nvSpPr>
+        <p:spPr>
+          <a:xfrm>
+            <a:off x="3923928" y="2114272"/>
+            <a:ext cx="1296144" cy="738664"/>
+          </a:xfrm>
+          <a:prstGeom prst="rect">
+            <a:avLst/>
+          </a:prstGeom>
+          <a:noFill/>
+        </p:spPr>
+        <p:txBody>
+          <a:bodyPr wrap="square" rtlCol="0">
+            <a:spAutoFit/>
+          </a:bodyPr>
+          <a:lstStyle/>
+          <a:p>
+            <a:pPr algn="r"/>
+            <a:r>
+              <a:rPr lang="fr-FR" sz="1400" dirty="0" smtClean="0"/>
+              <a:t>n_e0  =  1e18</a:t>
+            </a:r>
+          </a:p>
+          <a:p>
+            <a:pPr algn="r"/>
+            <a:r>
+              <a:rPr lang="fr-FR" sz="1400" dirty="0" smtClean="0">
+                <a:solidFill>
+                  <a:srgbClr val="FF0000"/>
+                </a:solidFill>
+              </a:rPr>
+              <a:t>5e18</a:t>
+            </a:r>
+          </a:p>
+          <a:p>
+            <a:pPr algn="r"/>
+            <a:r>
+              <a:rPr lang="fr-FR" sz="1400" dirty="0" smtClean="0">
+                <a:solidFill>
+                  <a:schemeClr val="tx2">
+                    <a:lumMod val="60000"/>
+                    <a:lumOff val="40000"/>
+                  </a:schemeClr>
+                </a:solidFill>
+              </a:rPr>
+              <a:t>10e18</a:t>
+            </a:r>
           </a:p>
         </p:txBody>
       </p:sp>
     </p:spTree>
     <p:extLst>
       <p:ext uri="{BB962C8B-B14F-4D97-AF65-F5344CB8AC3E}">
-        <p14:creationId xmlns:p14="http://schemas.microsoft.com/office/powerpoint/2010/main" val="2936258547"/>
+        <p14:creationId xmlns:p14="http://schemas.microsoft.com/office/powerpoint/2010/main" val="1792176862"/>
+      </p:ext>
+    </p:extLst>
+  </p:cSld>
+  <p:clrMapOvr>
+    <a:masterClrMapping/>
+  </p:clrMapOvr>
+</p:sld>
+</file>
+
+<file path=ppt/slides/slide16.xml><?xml version="1.0" encoding="utf-8"?>
+<p:sld xmlns:a="http://schemas.openxmlformats.org/drawingml/2006/main" xmlns:r="http://schemas.openxmlformats.org/officeDocument/2006/relationships" xmlns:p="http://schemas.openxmlformats.org/presentationml/2006/main">
+  <p:cSld>
+    <p:spTree>
+      <p:nvGrpSpPr>
+        <p:cNvPr id="1" name=""/>
+        <p:cNvGrpSpPr/>
+        <p:nvPr/>
+      </p:nvGrpSpPr>
+      <p:grpSpPr>
+        <a:xfrm>
+          <a:off x="0" y="0"/>
+          <a:ext cx="0" cy="0"/>
+          <a:chOff x="0" y="0"/>
+          <a:chExt cx="0" cy="0"/>
+        </a:xfrm>
+      </p:grpSpPr>
+      <p:sp>
+        <p:nvSpPr>
+          <p:cNvPr id="2" name="Titre 1"/>
+          <p:cNvSpPr>
+            <a:spLocks noGrp="1"/>
+          </p:cNvSpPr>
+          <p:nvPr>
+            <p:ph type="title"/>
+          </p:nvPr>
+        </p:nvSpPr>
+        <p:spPr/>
+        <p:txBody>
+          <a:bodyPr/>
+          <a:lstStyle/>
+          <a:p>
+            <a:r>
+              <a:rPr lang="fr-FR" dirty="0" smtClean="0"/>
+              <a:t>Plasma </a:t>
+            </a:r>
+            <a:r>
+              <a:rPr lang="fr-FR" dirty="0" err="1" smtClean="0"/>
+              <a:t>Conf</a:t>
+            </a:r>
+            <a:r>
+              <a:rPr lang="fr-FR" dirty="0" smtClean="0"/>
+              <a:t>. </a:t>
+            </a:r>
+            <a:r>
+              <a:rPr lang="fr-FR" dirty="0" err="1" smtClean="0"/>
+              <a:t>compar</a:t>
+            </a:r>
+            <a:endParaRPr lang="fr-FR" dirty="0"/>
+          </a:p>
+        </p:txBody>
+      </p:sp>
+      <p:pic>
+        <p:nvPicPr>
+          <p:cNvPr id="5" name="Picture 4"/>
+          <p:cNvPicPr>
+            <a:picLocks noChangeAspect="1"/>
+          </p:cNvPicPr>
+          <p:nvPr/>
+        </p:nvPicPr>
+        <p:blipFill>
+          <a:blip r:embed="rId2" cstate="print">
+            <a:extLst>
+              <a:ext uri="{28A0092B-C50C-407E-A947-70E740481C1C}">
+                <a14:useLocalDpi xmlns:a14="http://schemas.microsoft.com/office/drawing/2010/main" val="0"/>
+              </a:ext>
+            </a:extLst>
+          </a:blip>
+          <a:stretch>
+            <a:fillRect/>
+          </a:stretch>
+        </p:blipFill>
+        <p:spPr>
+          <a:xfrm>
+            <a:off x="5544001" y="1231154"/>
+            <a:ext cx="3599996" cy="2701900"/>
+          </a:xfrm>
+          <a:prstGeom prst="rect">
+            <a:avLst/>
+          </a:prstGeom>
+        </p:spPr>
+      </p:pic>
+      <p:pic>
+        <p:nvPicPr>
+          <p:cNvPr id="28" name="Picture 27"/>
+          <p:cNvPicPr>
+            <a:picLocks noChangeAspect="1"/>
+          </p:cNvPicPr>
+          <p:nvPr/>
+        </p:nvPicPr>
+        <p:blipFill>
+          <a:blip r:embed="rId3" cstate="print">
+            <a:extLst>
+              <a:ext uri="{28A0092B-C50C-407E-A947-70E740481C1C}">
+                <a14:useLocalDpi xmlns:a14="http://schemas.microsoft.com/office/drawing/2010/main" val="0"/>
+              </a:ext>
+            </a:extLst>
+          </a:blip>
+          <a:stretch>
+            <a:fillRect/>
+          </a:stretch>
+        </p:blipFill>
+        <p:spPr>
+          <a:xfrm>
+            <a:off x="107505" y="4041369"/>
+            <a:ext cx="5399998" cy="2699999"/>
+          </a:xfrm>
+          <a:prstGeom prst="rect">
+            <a:avLst/>
+          </a:prstGeom>
+        </p:spPr>
+      </p:pic>
+      <p:pic>
+        <p:nvPicPr>
+          <p:cNvPr id="32" name="Picture 31"/>
+          <p:cNvPicPr>
+            <a:picLocks noChangeAspect="1"/>
+          </p:cNvPicPr>
+          <p:nvPr/>
+        </p:nvPicPr>
+        <p:blipFill>
+          <a:blip r:embed="rId4" cstate="print">
+            <a:extLst>
+              <a:ext uri="{28A0092B-C50C-407E-A947-70E740481C1C}">
+                <a14:useLocalDpi xmlns:a14="http://schemas.microsoft.com/office/drawing/2010/main" val="0"/>
+              </a:ext>
+            </a:extLst>
+          </a:blip>
+          <a:stretch>
+            <a:fillRect/>
+          </a:stretch>
+        </p:blipFill>
+        <p:spPr>
+          <a:xfrm>
+            <a:off x="179513" y="1231154"/>
+            <a:ext cx="3599997" cy="2701901"/>
+          </a:xfrm>
+          <a:prstGeom prst="rect">
+            <a:avLst/>
+          </a:prstGeom>
+        </p:spPr>
+      </p:pic>
+      <p:sp>
+        <p:nvSpPr>
+          <p:cNvPr id="29" name="ZoneTexte 10"/>
+          <p:cNvSpPr txBox="1"/>
+          <p:nvPr/>
+        </p:nvSpPr>
+        <p:spPr>
+          <a:xfrm>
+            <a:off x="3635896" y="1340768"/>
+            <a:ext cx="1872208" cy="523220"/>
+          </a:xfrm>
+          <a:prstGeom prst="rect">
+            <a:avLst/>
+          </a:prstGeom>
+          <a:noFill/>
+        </p:spPr>
+        <p:txBody>
+          <a:bodyPr wrap="square" rtlCol="0">
+            <a:spAutoFit/>
+          </a:bodyPr>
+          <a:lstStyle/>
+          <a:p>
+            <a:pPr algn="ctr"/>
+            <a:r>
+              <a:rPr lang="fr-FR" sz="1400" dirty="0" smtClean="0"/>
+              <a:t>30 </a:t>
+            </a:r>
+            <a:r>
+              <a:rPr lang="fr-FR" sz="1400" dirty="0" err="1" smtClean="0"/>
+              <a:t>elements</a:t>
+            </a:r>
+            <a:r>
+              <a:rPr lang="fr-FR" sz="1400" dirty="0" smtClean="0"/>
+              <a:t> in the expansion of J</a:t>
+            </a:r>
+          </a:p>
+        </p:txBody>
+      </p:sp>
+      <p:sp>
+        <p:nvSpPr>
+          <p:cNvPr id="46" name="ZoneTexte 32"/>
+          <p:cNvSpPr txBox="1"/>
+          <p:nvPr/>
+        </p:nvSpPr>
+        <p:spPr>
+          <a:xfrm>
+            <a:off x="179512" y="476672"/>
+            <a:ext cx="1276644" cy="461665"/>
+          </a:xfrm>
+          <a:prstGeom prst="rect">
+            <a:avLst/>
+          </a:prstGeom>
+        </p:spPr>
+        <p:style>
+          <a:lnRef idx="2">
+            <a:schemeClr val="accent6"/>
+          </a:lnRef>
+          <a:fillRef idx="1">
+            <a:schemeClr val="lt1"/>
+          </a:fillRef>
+          <a:effectRef idx="0">
+            <a:schemeClr val="accent6"/>
+          </a:effectRef>
+          <a:fontRef idx="minor">
+            <a:schemeClr val="dk1"/>
+          </a:fontRef>
+        </p:style>
+        <p:txBody>
+          <a:bodyPr wrap="square" rtlCol="0">
+            <a:spAutoFit/>
+          </a:bodyPr>
+          <a:lstStyle/>
+          <a:p>
+            <a:pPr algn="ctr"/>
+            <a:r>
+              <a:rPr lang="fr-FR" sz="1200" dirty="0" smtClean="0"/>
+              <a:t>Constant </a:t>
+            </a:r>
+            <a:r>
+              <a:rPr lang="fr-FR" sz="1200" dirty="0" err="1" smtClean="0"/>
+              <a:t>density</a:t>
+            </a:r>
+            <a:r>
+              <a:rPr lang="fr-FR" sz="1200" dirty="0" smtClean="0"/>
+              <a:t> plasma</a:t>
+            </a:r>
+            <a:endParaRPr lang="fr-FR" sz="1200" dirty="0"/>
+          </a:p>
+        </p:txBody>
+      </p:sp>
+      <p:pic>
+        <p:nvPicPr>
+          <p:cNvPr id="10" name="Picture 9"/>
+          <p:cNvPicPr>
+            <a:picLocks noChangeAspect="1"/>
+          </p:cNvPicPr>
+          <p:nvPr/>
+        </p:nvPicPr>
+        <p:blipFill>
+          <a:blip r:embed="rId5" cstate="print">
+            <a:extLst>
+              <a:ext uri="{28A0092B-C50C-407E-A947-70E740481C1C}">
+                <a14:useLocalDpi xmlns:a14="http://schemas.microsoft.com/office/drawing/2010/main" val="0"/>
+              </a:ext>
+            </a:extLst>
+          </a:blip>
+          <a:stretch>
+            <a:fillRect/>
+          </a:stretch>
+        </p:blipFill>
+        <p:spPr>
+          <a:xfrm>
+            <a:off x="5544001" y="4024364"/>
+            <a:ext cx="3599996" cy="2701899"/>
+          </a:xfrm>
+          <a:prstGeom prst="rect">
+            <a:avLst/>
+          </a:prstGeom>
+        </p:spPr>
+      </p:pic>
+      <p:sp>
+        <p:nvSpPr>
+          <p:cNvPr id="11" name="ZoneTexte 10"/>
+          <p:cNvSpPr txBox="1"/>
+          <p:nvPr/>
+        </p:nvSpPr>
+        <p:spPr>
+          <a:xfrm>
+            <a:off x="3707904" y="2905780"/>
+            <a:ext cx="1872208" cy="523220"/>
+          </a:xfrm>
+          <a:prstGeom prst="rect">
+            <a:avLst/>
+          </a:prstGeom>
+          <a:noFill/>
+        </p:spPr>
+        <p:txBody>
+          <a:bodyPr wrap="square" rtlCol="0">
+            <a:spAutoFit/>
+          </a:bodyPr>
+          <a:lstStyle/>
+          <a:p>
+            <a:pPr algn="ctr"/>
+            <a:r>
+              <a:rPr lang="fr-FR" sz="1400" dirty="0" smtClean="0"/>
+              <a:t>f=50MHz</a:t>
+            </a:r>
+          </a:p>
+          <a:p>
+            <a:pPr algn="ctr"/>
+            <a:r>
+              <a:rPr lang="fr-FR" sz="1400" dirty="0" smtClean="0"/>
+              <a:t>D(H)5%</a:t>
+            </a:r>
+          </a:p>
+        </p:txBody>
+      </p:sp>
+      <p:sp>
+        <p:nvSpPr>
+          <p:cNvPr id="12" name="ZoneTexte 10"/>
+          <p:cNvSpPr txBox="1"/>
+          <p:nvPr/>
+        </p:nvSpPr>
+        <p:spPr>
+          <a:xfrm>
+            <a:off x="3923928" y="2114272"/>
+            <a:ext cx="1296144" cy="738664"/>
+          </a:xfrm>
+          <a:prstGeom prst="rect">
+            <a:avLst/>
+          </a:prstGeom>
+          <a:noFill/>
+        </p:spPr>
+        <p:txBody>
+          <a:bodyPr wrap="square" rtlCol="0">
+            <a:spAutoFit/>
+          </a:bodyPr>
+          <a:lstStyle/>
+          <a:p>
+            <a:pPr algn="r"/>
+            <a:r>
+              <a:rPr lang="fr-FR" sz="1400" dirty="0" smtClean="0"/>
+              <a:t>n_e0  =  1e18</a:t>
+            </a:r>
+          </a:p>
+          <a:p>
+            <a:pPr algn="r"/>
+            <a:r>
+              <a:rPr lang="fr-FR" sz="1400" dirty="0" smtClean="0">
+                <a:solidFill>
+                  <a:srgbClr val="FF0000"/>
+                </a:solidFill>
+              </a:rPr>
+              <a:t>5e18</a:t>
+            </a:r>
+          </a:p>
+          <a:p>
+            <a:pPr algn="r"/>
+            <a:r>
+              <a:rPr lang="fr-FR" sz="1400" dirty="0" smtClean="0">
+                <a:solidFill>
+                  <a:schemeClr val="tx2">
+                    <a:lumMod val="60000"/>
+                    <a:lumOff val="40000"/>
+                  </a:schemeClr>
+                </a:solidFill>
+              </a:rPr>
+              <a:t>10e18</a:t>
+            </a:r>
+          </a:p>
+        </p:txBody>
+      </p:sp>
+    </p:spTree>
+    <p:extLst>
+      <p:ext uri="{BB962C8B-B14F-4D97-AF65-F5344CB8AC3E}">
+        <p14:creationId xmlns:p14="http://schemas.microsoft.com/office/powerpoint/2010/main" val="3475641604"/>
+      </p:ext>
+    </p:extLst>
+  </p:cSld>
+  <p:clrMapOvr>
+    <a:masterClrMapping/>
+  </p:clrMapOvr>
+</p:sld>
+</file>
+
+<file path=ppt/slides/slide17.xml><?xml version="1.0" encoding="utf-8"?>
+<p:sld xmlns:a="http://schemas.openxmlformats.org/drawingml/2006/main" xmlns:r="http://schemas.openxmlformats.org/officeDocument/2006/relationships" xmlns:p="http://schemas.openxmlformats.org/presentationml/2006/main">
+  <p:cSld>
+    <p:spTree>
+      <p:nvGrpSpPr>
+        <p:cNvPr id="1" name=""/>
+        <p:cNvGrpSpPr/>
+        <p:nvPr/>
+      </p:nvGrpSpPr>
+      <p:grpSpPr>
+        <a:xfrm>
+          <a:off x="0" y="0"/>
+          <a:ext cx="0" cy="0"/>
+          <a:chOff x="0" y="0"/>
+          <a:chExt cx="0" cy="0"/>
+        </a:xfrm>
+      </p:grpSpPr>
+      <p:sp>
+        <p:nvSpPr>
+          <p:cNvPr id="2" name="Titre 1"/>
+          <p:cNvSpPr>
+            <a:spLocks noGrp="1"/>
+          </p:cNvSpPr>
+          <p:nvPr>
+            <p:ph type="title"/>
+          </p:nvPr>
+        </p:nvSpPr>
+        <p:spPr/>
+        <p:txBody>
+          <a:bodyPr/>
+          <a:lstStyle/>
+          <a:p>
+            <a:r>
+              <a:rPr lang="fr-FR" dirty="0" smtClean="0"/>
+              <a:t>Plasma </a:t>
+            </a:r>
+            <a:r>
+              <a:rPr lang="fr-FR" dirty="0" err="1" smtClean="0"/>
+              <a:t>Response</a:t>
+            </a:r>
+            <a:r>
+              <a:rPr lang="fr-FR" dirty="0" smtClean="0"/>
+              <a:t> </a:t>
+            </a:r>
+            <a:r>
+              <a:rPr lang="fr-FR" dirty="0" err="1" smtClean="0"/>
+              <a:t>compar</a:t>
+            </a:r>
+            <a:endParaRPr lang="fr-FR" dirty="0"/>
+          </a:p>
+        </p:txBody>
+      </p:sp>
+      <p:pic>
+        <p:nvPicPr>
+          <p:cNvPr id="5" name="Picture 4"/>
+          <p:cNvPicPr>
+            <a:picLocks noChangeAspect="1"/>
+          </p:cNvPicPr>
+          <p:nvPr/>
+        </p:nvPicPr>
+        <p:blipFill>
+          <a:blip r:embed="rId2" cstate="print">
+            <a:extLst>
+              <a:ext uri="{28A0092B-C50C-407E-A947-70E740481C1C}">
+                <a14:useLocalDpi xmlns:a14="http://schemas.microsoft.com/office/drawing/2010/main" val="0"/>
+              </a:ext>
+            </a:extLst>
+          </a:blip>
+          <a:stretch>
+            <a:fillRect/>
+          </a:stretch>
+        </p:blipFill>
+        <p:spPr>
+          <a:xfrm>
+            <a:off x="5544001" y="1231154"/>
+            <a:ext cx="3599997" cy="2701900"/>
+          </a:xfrm>
+          <a:prstGeom prst="rect">
+            <a:avLst/>
+          </a:prstGeom>
+        </p:spPr>
+      </p:pic>
+      <p:pic>
+        <p:nvPicPr>
+          <p:cNvPr id="28" name="Picture 27"/>
+          <p:cNvPicPr>
+            <a:picLocks noChangeAspect="1"/>
+          </p:cNvPicPr>
+          <p:nvPr/>
+        </p:nvPicPr>
+        <p:blipFill>
+          <a:blip r:embed="rId3" cstate="print">
+            <a:extLst>
+              <a:ext uri="{28A0092B-C50C-407E-A947-70E740481C1C}">
+                <a14:useLocalDpi xmlns:a14="http://schemas.microsoft.com/office/drawing/2010/main" val="0"/>
+              </a:ext>
+            </a:extLst>
+          </a:blip>
+          <a:stretch>
+            <a:fillRect/>
+          </a:stretch>
+        </p:blipFill>
+        <p:spPr>
+          <a:xfrm>
+            <a:off x="179913" y="4024364"/>
+            <a:ext cx="3599996" cy="2701899"/>
+          </a:xfrm>
+          <a:prstGeom prst="rect">
+            <a:avLst/>
+          </a:prstGeom>
+        </p:spPr>
+      </p:pic>
+      <p:pic>
+        <p:nvPicPr>
+          <p:cNvPr id="32" name="Picture 31"/>
+          <p:cNvPicPr>
+            <a:picLocks noChangeAspect="1"/>
+          </p:cNvPicPr>
+          <p:nvPr/>
+        </p:nvPicPr>
+        <p:blipFill>
+          <a:blip r:embed="rId4" cstate="print">
+            <a:extLst>
+              <a:ext uri="{28A0092B-C50C-407E-A947-70E740481C1C}">
+                <a14:useLocalDpi xmlns:a14="http://schemas.microsoft.com/office/drawing/2010/main" val="0"/>
+              </a:ext>
+            </a:extLst>
+          </a:blip>
+          <a:stretch>
+            <a:fillRect/>
+          </a:stretch>
+        </p:blipFill>
+        <p:spPr>
+          <a:xfrm>
+            <a:off x="179513" y="1231154"/>
+            <a:ext cx="3599996" cy="2701900"/>
+          </a:xfrm>
+          <a:prstGeom prst="rect">
+            <a:avLst/>
+          </a:prstGeom>
+        </p:spPr>
+      </p:pic>
+      <p:pic>
+        <p:nvPicPr>
+          <p:cNvPr id="34" name="Picture 33"/>
+          <p:cNvPicPr>
+            <a:picLocks noChangeAspect="1"/>
+          </p:cNvPicPr>
+          <p:nvPr/>
+        </p:nvPicPr>
+        <p:blipFill>
+          <a:blip r:embed="rId5" cstate="print">
+            <a:extLst>
+              <a:ext uri="{28A0092B-C50C-407E-A947-70E740481C1C}">
+                <a14:useLocalDpi xmlns:a14="http://schemas.microsoft.com/office/drawing/2010/main" val="0"/>
+              </a:ext>
+            </a:extLst>
+          </a:blip>
+          <a:stretch>
+            <a:fillRect/>
+          </a:stretch>
+        </p:blipFill>
+        <p:spPr>
+          <a:xfrm>
+            <a:off x="5544001" y="4024364"/>
+            <a:ext cx="3599996" cy="2701899"/>
+          </a:xfrm>
+          <a:prstGeom prst="rect">
+            <a:avLst/>
+          </a:prstGeom>
+        </p:spPr>
+      </p:pic>
+      <p:sp>
+        <p:nvSpPr>
+          <p:cNvPr id="46" name="ZoneTexte 32"/>
+          <p:cNvSpPr txBox="1"/>
+          <p:nvPr/>
+        </p:nvSpPr>
+        <p:spPr>
+          <a:xfrm>
+            <a:off x="179512" y="476672"/>
+            <a:ext cx="1276644" cy="461665"/>
+          </a:xfrm>
+          <a:prstGeom prst="rect">
+            <a:avLst/>
+          </a:prstGeom>
+        </p:spPr>
+        <p:style>
+          <a:lnRef idx="2">
+            <a:schemeClr val="accent6"/>
+          </a:lnRef>
+          <a:fillRef idx="1">
+            <a:schemeClr val="lt1"/>
+          </a:fillRef>
+          <a:effectRef idx="0">
+            <a:schemeClr val="accent6"/>
+          </a:effectRef>
+          <a:fontRef idx="minor">
+            <a:schemeClr val="dk1"/>
+          </a:fontRef>
+        </p:style>
+        <p:txBody>
+          <a:bodyPr wrap="square" rtlCol="0">
+            <a:spAutoFit/>
+          </a:bodyPr>
+          <a:lstStyle/>
+          <a:p>
+            <a:pPr algn="ctr"/>
+            <a:r>
+              <a:rPr lang="fr-FR" sz="1200" dirty="0" smtClean="0"/>
+              <a:t>Constant </a:t>
+            </a:r>
+            <a:r>
+              <a:rPr lang="fr-FR" sz="1200" dirty="0" err="1" smtClean="0"/>
+              <a:t>density</a:t>
+            </a:r>
+            <a:r>
+              <a:rPr lang="fr-FR" sz="1200" dirty="0" smtClean="0"/>
+              <a:t> plasma</a:t>
+            </a:r>
+            <a:endParaRPr lang="fr-FR" sz="1200" dirty="0"/>
+          </a:p>
+        </p:txBody>
+      </p:sp>
+      <p:sp>
+        <p:nvSpPr>
+          <p:cNvPr id="11" name="ZoneTexte 10"/>
+          <p:cNvSpPr txBox="1"/>
+          <p:nvPr/>
+        </p:nvSpPr>
+        <p:spPr>
+          <a:xfrm>
+            <a:off x="3707904" y="4571836"/>
+            <a:ext cx="1872208" cy="369332"/>
+          </a:xfrm>
+          <a:prstGeom prst="rect">
+            <a:avLst/>
+          </a:prstGeom>
+          <a:noFill/>
+        </p:spPr>
+        <p:txBody>
+          <a:bodyPr wrap="square" rtlCol="0">
+            <a:spAutoFit/>
+          </a:bodyPr>
+          <a:lstStyle/>
+          <a:p>
+            <a:pPr algn="ctr"/>
+            <a:r>
+              <a:rPr lang="fr-FR" dirty="0" err="1" smtClean="0"/>
+              <a:t>Dipole</a:t>
+            </a:r>
+            <a:r>
+              <a:rPr lang="fr-FR" dirty="0" smtClean="0"/>
+              <a:t> </a:t>
+            </a:r>
+            <a:r>
+              <a:rPr lang="fr-FR" dirty="0" err="1" smtClean="0"/>
+              <a:t>phasing</a:t>
+            </a:r>
+            <a:endParaRPr lang="fr-FR" dirty="0" smtClean="0"/>
+          </a:p>
+        </p:txBody>
+      </p:sp>
+      <p:sp>
+        <p:nvSpPr>
+          <p:cNvPr id="14" name="ZoneTexte 10"/>
+          <p:cNvSpPr txBox="1"/>
+          <p:nvPr/>
+        </p:nvSpPr>
+        <p:spPr>
+          <a:xfrm>
+            <a:off x="3707904" y="2905780"/>
+            <a:ext cx="1872208" cy="523220"/>
+          </a:xfrm>
+          <a:prstGeom prst="rect">
+            <a:avLst/>
+          </a:prstGeom>
+          <a:noFill/>
+        </p:spPr>
+        <p:txBody>
+          <a:bodyPr wrap="square" rtlCol="0">
+            <a:spAutoFit/>
+          </a:bodyPr>
+          <a:lstStyle/>
+          <a:p>
+            <a:pPr algn="ctr"/>
+            <a:r>
+              <a:rPr lang="fr-FR" sz="1400" dirty="0" smtClean="0"/>
+              <a:t>f=50MHz</a:t>
+            </a:r>
+          </a:p>
+          <a:p>
+            <a:pPr algn="ctr"/>
+            <a:r>
+              <a:rPr lang="fr-FR" sz="1400" dirty="0" smtClean="0"/>
+              <a:t>D(H)5%</a:t>
+            </a:r>
+          </a:p>
+        </p:txBody>
+      </p:sp>
+      <p:sp>
+        <p:nvSpPr>
+          <p:cNvPr id="15" name="ZoneTexte 10"/>
+          <p:cNvSpPr txBox="1"/>
+          <p:nvPr/>
+        </p:nvSpPr>
+        <p:spPr>
+          <a:xfrm>
+            <a:off x="3923928" y="2114272"/>
+            <a:ext cx="1296144" cy="738664"/>
+          </a:xfrm>
+          <a:prstGeom prst="rect">
+            <a:avLst/>
+          </a:prstGeom>
+          <a:noFill/>
+        </p:spPr>
+        <p:txBody>
+          <a:bodyPr wrap="square" rtlCol="0">
+            <a:spAutoFit/>
+          </a:bodyPr>
+          <a:lstStyle/>
+          <a:p>
+            <a:pPr algn="r"/>
+            <a:r>
+              <a:rPr lang="fr-FR" sz="1400" dirty="0" smtClean="0"/>
+              <a:t>n_e0  =  1e18</a:t>
+            </a:r>
+          </a:p>
+          <a:p>
+            <a:pPr algn="r"/>
+            <a:r>
+              <a:rPr lang="fr-FR" sz="1400" dirty="0" smtClean="0">
+                <a:solidFill>
+                  <a:srgbClr val="FF0000"/>
+                </a:solidFill>
+              </a:rPr>
+              <a:t>5e18</a:t>
+            </a:r>
+          </a:p>
+          <a:p>
+            <a:pPr algn="r"/>
+            <a:r>
+              <a:rPr lang="fr-FR" sz="1400" dirty="0" smtClean="0">
+                <a:solidFill>
+                  <a:schemeClr val="tx2">
+                    <a:lumMod val="60000"/>
+                    <a:lumOff val="40000"/>
+                  </a:schemeClr>
+                </a:solidFill>
+              </a:rPr>
+              <a:t>10e18</a:t>
+            </a:r>
+          </a:p>
+        </p:txBody>
+      </p:sp>
+    </p:spTree>
+    <p:extLst>
+      <p:ext uri="{BB962C8B-B14F-4D97-AF65-F5344CB8AC3E}">
+        <p14:creationId xmlns:p14="http://schemas.microsoft.com/office/powerpoint/2010/main" val="3715240634"/>
+      </p:ext>
+    </p:extLst>
+  </p:cSld>
+  <p:clrMapOvr>
+    <a:masterClrMapping/>
+  </p:clrMapOvr>
+</p:sld>
+</file>
+
+<file path=ppt/slides/slide18.xml><?xml version="1.0" encoding="utf-8"?>
+<p:sld xmlns:a="http://schemas.openxmlformats.org/drawingml/2006/main" xmlns:r="http://schemas.openxmlformats.org/officeDocument/2006/relationships" xmlns:p="http://schemas.openxmlformats.org/presentationml/2006/main">
+  <p:cSld>
+    <p:spTree>
+      <p:nvGrpSpPr>
+        <p:cNvPr id="1" name=""/>
+        <p:cNvGrpSpPr/>
+        <p:nvPr/>
+      </p:nvGrpSpPr>
+      <p:grpSpPr>
+        <a:xfrm>
+          <a:off x="0" y="0"/>
+          <a:ext cx="0" cy="0"/>
+          <a:chOff x="0" y="0"/>
+          <a:chExt cx="0" cy="0"/>
+        </a:xfrm>
+      </p:grpSpPr>
+      <p:sp>
+        <p:nvSpPr>
+          <p:cNvPr id="2" name="Title 1"/>
+          <p:cNvSpPr>
+            <a:spLocks noGrp="1"/>
+          </p:cNvSpPr>
+          <p:nvPr>
+            <p:ph type="ctrTitle"/>
+          </p:nvPr>
+        </p:nvSpPr>
+        <p:spPr/>
+        <p:txBody>
+          <a:bodyPr>
+            <a:normAutofit/>
+          </a:bodyPr>
+          <a:lstStyle/>
+          <a:p>
+            <a:r>
+              <a:rPr lang="en-GB" dirty="0" smtClean="0"/>
+              <a:t>Second case:</a:t>
+            </a:r>
+            <a:br>
+              <a:rPr lang="en-GB" dirty="0" smtClean="0"/>
+            </a:br>
+            <a:r>
+              <a:rPr lang="en-GB" dirty="0" smtClean="0"/>
+              <a:t>Single strap – constant profile</a:t>
+            </a:r>
+            <a:endParaRPr lang="en-GB" dirty="0"/>
+          </a:p>
+        </p:txBody>
+      </p:sp>
+    </p:spTree>
+    <p:extLst>
+      <p:ext uri="{BB962C8B-B14F-4D97-AF65-F5344CB8AC3E}">
+        <p14:creationId xmlns:p14="http://schemas.microsoft.com/office/powerpoint/2010/main" val="346981464"/>
+      </p:ext>
+    </p:extLst>
+  </p:cSld>
+  <p:clrMapOvr>
+    <a:masterClrMapping/>
+  </p:clrMapOvr>
+</p:sld>
+</file>
+
+<file path=ppt/slides/slide19.xml><?xml version="1.0" encoding="utf-8"?>
+<p:sld xmlns:a="http://schemas.openxmlformats.org/drawingml/2006/main" xmlns:r="http://schemas.openxmlformats.org/officeDocument/2006/relationships" xmlns:p="http://schemas.openxmlformats.org/presentationml/2006/main">
+  <p:cSld>
+    <p:spTree>
+      <p:nvGrpSpPr>
+        <p:cNvPr id="1" name=""/>
+        <p:cNvGrpSpPr/>
+        <p:nvPr/>
+      </p:nvGrpSpPr>
+      <p:grpSpPr>
+        <a:xfrm>
+          <a:off x="0" y="0"/>
+          <a:ext cx="0" cy="0"/>
+          <a:chOff x="0" y="0"/>
+          <a:chExt cx="0" cy="0"/>
+        </a:xfrm>
+      </p:grpSpPr>
+      <p:pic>
+        <p:nvPicPr>
+          <p:cNvPr id="5" name="Picture 4"/>
+          <p:cNvPicPr>
+            <a:picLocks noChangeAspect="1"/>
+          </p:cNvPicPr>
+          <p:nvPr/>
+        </p:nvPicPr>
+        <p:blipFill>
+          <a:blip r:embed="rId2" cstate="print">
+            <a:extLst>
+              <a:ext uri="{28A0092B-C50C-407E-A947-70E740481C1C}">
+                <a14:useLocalDpi xmlns:a14="http://schemas.microsoft.com/office/drawing/2010/main" val="0"/>
+              </a:ext>
+            </a:extLst>
+          </a:blip>
+          <a:stretch>
+            <a:fillRect/>
+          </a:stretch>
+        </p:blipFill>
+        <p:spPr>
+          <a:xfrm>
+            <a:off x="5544001" y="1231154"/>
+            <a:ext cx="3599997" cy="2701901"/>
+          </a:xfrm>
+          <a:prstGeom prst="rect">
+            <a:avLst/>
+          </a:prstGeom>
+        </p:spPr>
+      </p:pic>
+      <p:pic>
+        <p:nvPicPr>
+          <p:cNvPr id="32" name="Picture 31"/>
+          <p:cNvPicPr>
+            <a:picLocks noChangeAspect="1"/>
+          </p:cNvPicPr>
+          <p:nvPr/>
+        </p:nvPicPr>
+        <p:blipFill>
+          <a:blip r:embed="rId3" cstate="print">
+            <a:extLst>
+              <a:ext uri="{28A0092B-C50C-407E-A947-70E740481C1C}">
+                <a14:useLocalDpi xmlns:a14="http://schemas.microsoft.com/office/drawing/2010/main" val="0"/>
+              </a:ext>
+            </a:extLst>
+          </a:blip>
+          <a:stretch>
+            <a:fillRect/>
+          </a:stretch>
+        </p:blipFill>
+        <p:spPr>
+          <a:xfrm>
+            <a:off x="179513" y="1231154"/>
+            <a:ext cx="3599997" cy="2701900"/>
+          </a:xfrm>
+          <a:prstGeom prst="rect">
+            <a:avLst/>
+          </a:prstGeom>
+        </p:spPr>
+      </p:pic>
+      <p:sp>
+        <p:nvSpPr>
+          <p:cNvPr id="29" name="ZoneTexte 10"/>
+          <p:cNvSpPr txBox="1"/>
+          <p:nvPr/>
+        </p:nvSpPr>
+        <p:spPr>
+          <a:xfrm>
+            <a:off x="3635896" y="1340768"/>
+            <a:ext cx="1872208" cy="523220"/>
+          </a:xfrm>
+          <a:prstGeom prst="rect">
+            <a:avLst/>
+          </a:prstGeom>
+          <a:noFill/>
+        </p:spPr>
+        <p:txBody>
+          <a:bodyPr wrap="square" rtlCol="0">
+            <a:spAutoFit/>
+          </a:bodyPr>
+          <a:lstStyle/>
+          <a:p>
+            <a:pPr algn="ctr"/>
+            <a:r>
+              <a:rPr lang="fr-FR" sz="1400" dirty="0" smtClean="0"/>
+              <a:t>30 </a:t>
+            </a:r>
+            <a:r>
+              <a:rPr lang="fr-FR" sz="1400" dirty="0" err="1" smtClean="0"/>
+              <a:t>elements</a:t>
+            </a:r>
+            <a:r>
+              <a:rPr lang="fr-FR" sz="1400" dirty="0" smtClean="0"/>
+              <a:t> in the expansion of J</a:t>
+            </a:r>
+          </a:p>
+        </p:txBody>
+      </p:sp>
+      <p:sp>
+        <p:nvSpPr>
+          <p:cNvPr id="46" name="ZoneTexte 32"/>
+          <p:cNvSpPr txBox="1"/>
+          <p:nvPr/>
+        </p:nvSpPr>
+        <p:spPr>
+          <a:xfrm>
+            <a:off x="179512" y="476672"/>
+            <a:ext cx="1276644" cy="461665"/>
+          </a:xfrm>
+          <a:prstGeom prst="rect">
+            <a:avLst/>
+          </a:prstGeom>
+        </p:spPr>
+        <p:style>
+          <a:lnRef idx="2">
+            <a:schemeClr val="accent6"/>
+          </a:lnRef>
+          <a:fillRef idx="1">
+            <a:schemeClr val="lt1"/>
+          </a:fillRef>
+          <a:effectRef idx="0">
+            <a:schemeClr val="accent6"/>
+          </a:effectRef>
+          <a:fontRef idx="minor">
+            <a:schemeClr val="dk1"/>
+          </a:fontRef>
+        </p:style>
+        <p:txBody>
+          <a:bodyPr wrap="square" rtlCol="0">
+            <a:spAutoFit/>
+          </a:bodyPr>
+          <a:lstStyle/>
+          <a:p>
+            <a:pPr algn="ctr"/>
+            <a:r>
+              <a:rPr lang="fr-FR" sz="1200" dirty="0" smtClean="0"/>
+              <a:t>Constant </a:t>
+            </a:r>
+            <a:r>
+              <a:rPr lang="fr-FR" sz="1200" dirty="0" err="1" smtClean="0"/>
+              <a:t>density</a:t>
+            </a:r>
+            <a:r>
+              <a:rPr lang="fr-FR" sz="1200" dirty="0" smtClean="0"/>
+              <a:t> plasma</a:t>
+            </a:r>
+            <a:endParaRPr lang="fr-FR" sz="1200" dirty="0"/>
+          </a:p>
+        </p:txBody>
+      </p:sp>
+      <p:sp>
+        <p:nvSpPr>
+          <p:cNvPr id="11" name="ZoneTexte 10"/>
+          <p:cNvSpPr txBox="1"/>
+          <p:nvPr/>
+        </p:nvSpPr>
+        <p:spPr>
+          <a:xfrm>
+            <a:off x="3707904" y="2905780"/>
+            <a:ext cx="1872208" cy="523220"/>
+          </a:xfrm>
+          <a:prstGeom prst="rect">
+            <a:avLst/>
+          </a:prstGeom>
+          <a:noFill/>
+        </p:spPr>
+        <p:txBody>
+          <a:bodyPr wrap="square" rtlCol="0">
+            <a:spAutoFit/>
+          </a:bodyPr>
+          <a:lstStyle/>
+          <a:p>
+            <a:pPr algn="ctr"/>
+            <a:r>
+              <a:rPr lang="fr-FR" sz="1400" dirty="0" smtClean="0"/>
+              <a:t>f=50MHz</a:t>
+            </a:r>
+          </a:p>
+          <a:p>
+            <a:pPr algn="ctr"/>
+            <a:r>
+              <a:rPr lang="fr-FR" sz="1400" dirty="0" smtClean="0"/>
+              <a:t>D(H)5%</a:t>
+            </a:r>
+          </a:p>
+        </p:txBody>
+      </p:sp>
+      <p:sp>
+        <p:nvSpPr>
+          <p:cNvPr id="13" name="Titre 1"/>
+          <p:cNvSpPr>
+            <a:spLocks noGrp="1"/>
+          </p:cNvSpPr>
+          <p:nvPr>
+            <p:ph type="title"/>
+          </p:nvPr>
+        </p:nvSpPr>
+        <p:spPr>
+          <a:xfrm>
+            <a:off x="457200" y="116632"/>
+            <a:ext cx="8229600" cy="1143000"/>
+          </a:xfrm>
+        </p:spPr>
+        <p:txBody>
+          <a:bodyPr/>
+          <a:lstStyle/>
+          <a:p>
+            <a:r>
+              <a:rPr lang="fr-FR" dirty="0" smtClean="0"/>
+              <a:t>Plasma </a:t>
+            </a:r>
+            <a:r>
+              <a:rPr lang="fr-FR" dirty="0" err="1" smtClean="0"/>
+              <a:t>Response</a:t>
+            </a:r>
+            <a:r>
+              <a:rPr lang="fr-FR" dirty="0" smtClean="0"/>
+              <a:t> 1e8</a:t>
+            </a:r>
+            <a:endParaRPr lang="fr-FR" dirty="0"/>
+          </a:p>
+        </p:txBody>
+      </p:sp>
+      <p:pic>
+        <p:nvPicPr>
+          <p:cNvPr id="12" name="Picture 11"/>
+          <p:cNvPicPr>
+            <a:picLocks noChangeAspect="1"/>
+          </p:cNvPicPr>
+          <p:nvPr/>
+        </p:nvPicPr>
+        <p:blipFill>
+          <a:blip r:embed="rId4" cstate="print">
+            <a:extLst>
+              <a:ext uri="{28A0092B-C50C-407E-A947-70E740481C1C}">
+                <a14:useLocalDpi xmlns:a14="http://schemas.microsoft.com/office/drawing/2010/main" val="0"/>
+              </a:ext>
+            </a:extLst>
+          </a:blip>
+          <a:stretch>
+            <a:fillRect/>
+          </a:stretch>
+        </p:blipFill>
+        <p:spPr>
+          <a:xfrm>
+            <a:off x="179913" y="4024364"/>
+            <a:ext cx="3599995" cy="2701899"/>
+          </a:xfrm>
+          <a:prstGeom prst="rect">
+            <a:avLst/>
+          </a:prstGeom>
+        </p:spPr>
+      </p:pic>
+      <p:pic>
+        <p:nvPicPr>
+          <p:cNvPr id="14" name="Picture 13"/>
+          <p:cNvPicPr>
+            <a:picLocks noChangeAspect="1"/>
+          </p:cNvPicPr>
+          <p:nvPr/>
+        </p:nvPicPr>
+        <p:blipFill>
+          <a:blip r:embed="rId5" cstate="print">
+            <a:extLst>
+              <a:ext uri="{28A0092B-C50C-407E-A947-70E740481C1C}">
+                <a14:useLocalDpi xmlns:a14="http://schemas.microsoft.com/office/drawing/2010/main" val="0"/>
+              </a:ext>
+            </a:extLst>
+          </a:blip>
+          <a:stretch>
+            <a:fillRect/>
+          </a:stretch>
+        </p:blipFill>
+        <p:spPr>
+          <a:xfrm>
+            <a:off x="5544001" y="4024364"/>
+            <a:ext cx="3599995" cy="2701899"/>
+          </a:xfrm>
+          <a:prstGeom prst="rect">
+            <a:avLst/>
+          </a:prstGeom>
+        </p:spPr>
+      </p:pic>
+      <p:sp>
+        <p:nvSpPr>
+          <p:cNvPr id="15" name="ZoneTexte 10"/>
+          <p:cNvSpPr txBox="1"/>
+          <p:nvPr/>
+        </p:nvSpPr>
+        <p:spPr>
+          <a:xfrm>
+            <a:off x="3707904" y="4571836"/>
+            <a:ext cx="1872208" cy="646331"/>
+          </a:xfrm>
+          <a:prstGeom prst="rect">
+            <a:avLst/>
+          </a:prstGeom>
+          <a:noFill/>
+        </p:spPr>
+        <p:txBody>
+          <a:bodyPr wrap="square" rtlCol="0">
+            <a:spAutoFit/>
+          </a:bodyPr>
+          <a:lstStyle/>
+          <a:p>
+            <a:pPr algn="ctr"/>
+            <a:r>
+              <a:rPr lang="fr-FR" dirty="0" smtClean="0"/>
+              <a:t>Z</a:t>
+            </a:r>
+            <a:r>
+              <a:rPr lang="fr-FR" baseline="-25000" dirty="0" smtClean="0"/>
+              <a:t>A</a:t>
+            </a:r>
+            <a:r>
+              <a:rPr lang="fr-FR" dirty="0" smtClean="0"/>
+              <a:t>=R</a:t>
+            </a:r>
+            <a:r>
+              <a:rPr lang="fr-FR" baseline="-25000" dirty="0" smtClean="0"/>
+              <a:t>A3</a:t>
+            </a:r>
+            <a:r>
+              <a:rPr lang="fr-FR" dirty="0" smtClean="0"/>
+              <a:t>+iX</a:t>
+            </a:r>
+            <a:r>
+              <a:rPr lang="fr-FR" baseline="-25000" dirty="0" smtClean="0"/>
+              <a:t>A3</a:t>
+            </a:r>
+          </a:p>
+          <a:p>
+            <a:pPr algn="ctr"/>
+            <a:r>
+              <a:rPr lang="fr-FR" dirty="0" smtClean="0"/>
+              <a:t>0.44+i105</a:t>
+            </a:r>
+          </a:p>
+        </p:txBody>
+      </p:sp>
+      <p:sp>
+        <p:nvSpPr>
+          <p:cNvPr id="16" name="ZoneTexte 10"/>
+          <p:cNvSpPr txBox="1"/>
+          <p:nvPr/>
+        </p:nvSpPr>
+        <p:spPr>
+          <a:xfrm>
+            <a:off x="3936876" y="2348880"/>
+            <a:ext cx="1414264" cy="307777"/>
+          </a:xfrm>
+          <a:prstGeom prst="rect">
+            <a:avLst/>
+          </a:prstGeom>
+          <a:noFill/>
+        </p:spPr>
+        <p:txBody>
+          <a:bodyPr wrap="square" rtlCol="0">
+            <a:spAutoFit/>
+          </a:bodyPr>
+          <a:lstStyle/>
+          <a:p>
+            <a:pPr algn="ctr"/>
+            <a:r>
+              <a:rPr lang="fr-FR" sz="1400" dirty="0" smtClean="0"/>
+              <a:t>n_e0=1e18</a:t>
+            </a:r>
+          </a:p>
+        </p:txBody>
+      </p:sp>
+    </p:spTree>
+    <p:extLst>
+      <p:ext uri="{BB962C8B-B14F-4D97-AF65-F5344CB8AC3E}">
+        <p14:creationId xmlns:p14="http://schemas.microsoft.com/office/powerpoint/2010/main" val="2712019691"/>
       </p:ext>
     </p:extLst>
   </p:cSld>
@@ -8896,6 +10052,1153 @@
 </p:sld>
 </file>
 
+<file path=ppt/slides/slide20.xml><?xml version="1.0" encoding="utf-8"?>
+<p:sld xmlns:a="http://schemas.openxmlformats.org/drawingml/2006/main" xmlns:r="http://schemas.openxmlformats.org/officeDocument/2006/relationships" xmlns:p="http://schemas.openxmlformats.org/presentationml/2006/main">
+  <p:cSld>
+    <p:spTree>
+      <p:nvGrpSpPr>
+        <p:cNvPr id="1" name=""/>
+        <p:cNvGrpSpPr/>
+        <p:nvPr/>
+      </p:nvGrpSpPr>
+      <p:grpSpPr>
+        <a:xfrm>
+          <a:off x="0" y="0"/>
+          <a:ext cx="0" cy="0"/>
+          <a:chOff x="0" y="0"/>
+          <a:chExt cx="0" cy="0"/>
+        </a:xfrm>
+      </p:grpSpPr>
+      <p:pic>
+        <p:nvPicPr>
+          <p:cNvPr id="5" name="Picture 4"/>
+          <p:cNvPicPr>
+            <a:picLocks noChangeAspect="1"/>
+          </p:cNvPicPr>
+          <p:nvPr/>
+        </p:nvPicPr>
+        <p:blipFill>
+          <a:blip r:embed="rId2" cstate="print">
+            <a:extLst>
+              <a:ext uri="{28A0092B-C50C-407E-A947-70E740481C1C}">
+                <a14:useLocalDpi xmlns:a14="http://schemas.microsoft.com/office/drawing/2010/main" val="0"/>
+              </a:ext>
+            </a:extLst>
+          </a:blip>
+          <a:stretch>
+            <a:fillRect/>
+          </a:stretch>
+        </p:blipFill>
+        <p:spPr>
+          <a:xfrm>
+            <a:off x="5544001" y="1231154"/>
+            <a:ext cx="3599997" cy="2701900"/>
+          </a:xfrm>
+          <a:prstGeom prst="rect">
+            <a:avLst/>
+          </a:prstGeom>
+        </p:spPr>
+      </p:pic>
+      <p:pic>
+        <p:nvPicPr>
+          <p:cNvPr id="32" name="Picture 31"/>
+          <p:cNvPicPr>
+            <a:picLocks noChangeAspect="1"/>
+          </p:cNvPicPr>
+          <p:nvPr/>
+        </p:nvPicPr>
+        <p:blipFill>
+          <a:blip r:embed="rId3" cstate="print">
+            <a:extLst>
+              <a:ext uri="{28A0092B-C50C-407E-A947-70E740481C1C}">
+                <a14:useLocalDpi xmlns:a14="http://schemas.microsoft.com/office/drawing/2010/main" val="0"/>
+              </a:ext>
+            </a:extLst>
+          </a:blip>
+          <a:stretch>
+            <a:fillRect/>
+          </a:stretch>
+        </p:blipFill>
+        <p:spPr>
+          <a:xfrm>
+            <a:off x="179513" y="1231154"/>
+            <a:ext cx="3599997" cy="2701900"/>
+          </a:xfrm>
+          <a:prstGeom prst="rect">
+            <a:avLst/>
+          </a:prstGeom>
+        </p:spPr>
+      </p:pic>
+      <p:sp>
+        <p:nvSpPr>
+          <p:cNvPr id="29" name="ZoneTexte 10"/>
+          <p:cNvSpPr txBox="1"/>
+          <p:nvPr/>
+        </p:nvSpPr>
+        <p:spPr>
+          <a:xfrm>
+            <a:off x="3635896" y="1340768"/>
+            <a:ext cx="1872208" cy="523220"/>
+          </a:xfrm>
+          <a:prstGeom prst="rect">
+            <a:avLst/>
+          </a:prstGeom>
+          <a:noFill/>
+        </p:spPr>
+        <p:txBody>
+          <a:bodyPr wrap="square" rtlCol="0">
+            <a:spAutoFit/>
+          </a:bodyPr>
+          <a:lstStyle/>
+          <a:p>
+            <a:pPr algn="ctr"/>
+            <a:r>
+              <a:rPr lang="fr-FR" sz="1400" dirty="0" smtClean="0"/>
+              <a:t>30 </a:t>
+            </a:r>
+            <a:r>
+              <a:rPr lang="fr-FR" sz="1400" dirty="0" err="1" smtClean="0"/>
+              <a:t>elements</a:t>
+            </a:r>
+            <a:r>
+              <a:rPr lang="fr-FR" sz="1400" dirty="0" smtClean="0"/>
+              <a:t> in the expansion of J</a:t>
+            </a:r>
+          </a:p>
+        </p:txBody>
+      </p:sp>
+      <p:sp>
+        <p:nvSpPr>
+          <p:cNvPr id="46" name="ZoneTexte 32"/>
+          <p:cNvSpPr txBox="1"/>
+          <p:nvPr/>
+        </p:nvSpPr>
+        <p:spPr>
+          <a:xfrm>
+            <a:off x="179512" y="476672"/>
+            <a:ext cx="1276644" cy="461665"/>
+          </a:xfrm>
+          <a:prstGeom prst="rect">
+            <a:avLst/>
+          </a:prstGeom>
+        </p:spPr>
+        <p:style>
+          <a:lnRef idx="2">
+            <a:schemeClr val="accent6"/>
+          </a:lnRef>
+          <a:fillRef idx="1">
+            <a:schemeClr val="lt1"/>
+          </a:fillRef>
+          <a:effectRef idx="0">
+            <a:schemeClr val="accent6"/>
+          </a:effectRef>
+          <a:fontRef idx="minor">
+            <a:schemeClr val="dk1"/>
+          </a:fontRef>
+        </p:style>
+        <p:txBody>
+          <a:bodyPr wrap="square" rtlCol="0">
+            <a:spAutoFit/>
+          </a:bodyPr>
+          <a:lstStyle/>
+          <a:p>
+            <a:pPr algn="ctr"/>
+            <a:r>
+              <a:rPr lang="fr-FR" sz="1200" dirty="0" smtClean="0"/>
+              <a:t>Constant </a:t>
+            </a:r>
+            <a:r>
+              <a:rPr lang="fr-FR" sz="1200" dirty="0" err="1" smtClean="0"/>
+              <a:t>density</a:t>
+            </a:r>
+            <a:r>
+              <a:rPr lang="fr-FR" sz="1200" dirty="0" smtClean="0"/>
+              <a:t> plasma</a:t>
+            </a:r>
+            <a:endParaRPr lang="fr-FR" sz="1200" dirty="0"/>
+          </a:p>
+        </p:txBody>
+      </p:sp>
+      <p:sp>
+        <p:nvSpPr>
+          <p:cNvPr id="11" name="ZoneTexte 10"/>
+          <p:cNvSpPr txBox="1"/>
+          <p:nvPr/>
+        </p:nvSpPr>
+        <p:spPr>
+          <a:xfrm>
+            <a:off x="3707904" y="2905780"/>
+            <a:ext cx="1872208" cy="523220"/>
+          </a:xfrm>
+          <a:prstGeom prst="rect">
+            <a:avLst/>
+          </a:prstGeom>
+          <a:noFill/>
+        </p:spPr>
+        <p:txBody>
+          <a:bodyPr wrap="square" rtlCol="0">
+            <a:spAutoFit/>
+          </a:bodyPr>
+          <a:lstStyle/>
+          <a:p>
+            <a:pPr algn="ctr"/>
+            <a:r>
+              <a:rPr lang="fr-FR" sz="1400" dirty="0" smtClean="0"/>
+              <a:t>f=50MHz</a:t>
+            </a:r>
+          </a:p>
+          <a:p>
+            <a:pPr algn="ctr"/>
+            <a:r>
+              <a:rPr lang="fr-FR" sz="1400" dirty="0" smtClean="0"/>
+              <a:t>D(H)5%</a:t>
+            </a:r>
+          </a:p>
+        </p:txBody>
+      </p:sp>
+      <p:sp>
+        <p:nvSpPr>
+          <p:cNvPr id="13" name="Titre 1"/>
+          <p:cNvSpPr>
+            <a:spLocks noGrp="1"/>
+          </p:cNvSpPr>
+          <p:nvPr>
+            <p:ph type="title"/>
+          </p:nvPr>
+        </p:nvSpPr>
+        <p:spPr>
+          <a:xfrm>
+            <a:off x="457200" y="116632"/>
+            <a:ext cx="8229600" cy="1143000"/>
+          </a:xfrm>
+        </p:spPr>
+        <p:txBody>
+          <a:bodyPr/>
+          <a:lstStyle/>
+          <a:p>
+            <a:r>
+              <a:rPr lang="fr-FR" dirty="0" smtClean="0"/>
+              <a:t>Plasma </a:t>
+            </a:r>
+            <a:r>
+              <a:rPr lang="fr-FR" dirty="0" err="1" smtClean="0"/>
+              <a:t>Response</a:t>
+            </a:r>
+            <a:r>
+              <a:rPr lang="fr-FR" dirty="0" smtClean="0"/>
+              <a:t> 5e8</a:t>
+            </a:r>
+            <a:endParaRPr lang="fr-FR" dirty="0"/>
+          </a:p>
+        </p:txBody>
+      </p:sp>
+      <p:pic>
+        <p:nvPicPr>
+          <p:cNvPr id="12" name="Picture 11"/>
+          <p:cNvPicPr>
+            <a:picLocks noChangeAspect="1"/>
+          </p:cNvPicPr>
+          <p:nvPr/>
+        </p:nvPicPr>
+        <p:blipFill>
+          <a:blip r:embed="rId4" cstate="print">
+            <a:extLst>
+              <a:ext uri="{28A0092B-C50C-407E-A947-70E740481C1C}">
+                <a14:useLocalDpi xmlns:a14="http://schemas.microsoft.com/office/drawing/2010/main" val="0"/>
+              </a:ext>
+            </a:extLst>
+          </a:blip>
+          <a:stretch>
+            <a:fillRect/>
+          </a:stretch>
+        </p:blipFill>
+        <p:spPr>
+          <a:xfrm>
+            <a:off x="179913" y="4024364"/>
+            <a:ext cx="3599995" cy="2701898"/>
+          </a:xfrm>
+          <a:prstGeom prst="rect">
+            <a:avLst/>
+          </a:prstGeom>
+        </p:spPr>
+      </p:pic>
+      <p:pic>
+        <p:nvPicPr>
+          <p:cNvPr id="14" name="Picture 13"/>
+          <p:cNvPicPr>
+            <a:picLocks noChangeAspect="1"/>
+          </p:cNvPicPr>
+          <p:nvPr/>
+        </p:nvPicPr>
+        <p:blipFill>
+          <a:blip r:embed="rId5" cstate="print">
+            <a:extLst>
+              <a:ext uri="{28A0092B-C50C-407E-A947-70E740481C1C}">
+                <a14:useLocalDpi xmlns:a14="http://schemas.microsoft.com/office/drawing/2010/main" val="0"/>
+              </a:ext>
+            </a:extLst>
+          </a:blip>
+          <a:stretch>
+            <a:fillRect/>
+          </a:stretch>
+        </p:blipFill>
+        <p:spPr>
+          <a:xfrm>
+            <a:off x="5544001" y="4024364"/>
+            <a:ext cx="3599995" cy="2701898"/>
+          </a:xfrm>
+          <a:prstGeom prst="rect">
+            <a:avLst/>
+          </a:prstGeom>
+        </p:spPr>
+      </p:pic>
+      <p:sp>
+        <p:nvSpPr>
+          <p:cNvPr id="15" name="ZoneTexte 10"/>
+          <p:cNvSpPr txBox="1"/>
+          <p:nvPr/>
+        </p:nvSpPr>
+        <p:spPr>
+          <a:xfrm>
+            <a:off x="3707904" y="4571836"/>
+            <a:ext cx="1872208" cy="646331"/>
+          </a:xfrm>
+          <a:prstGeom prst="rect">
+            <a:avLst/>
+          </a:prstGeom>
+          <a:noFill/>
+        </p:spPr>
+        <p:txBody>
+          <a:bodyPr wrap="square" rtlCol="0">
+            <a:spAutoFit/>
+          </a:bodyPr>
+          <a:lstStyle/>
+          <a:p>
+            <a:pPr algn="ctr"/>
+            <a:r>
+              <a:rPr lang="fr-FR" dirty="0" smtClean="0"/>
+              <a:t>Z</a:t>
+            </a:r>
+            <a:r>
+              <a:rPr lang="fr-FR" baseline="-25000" dirty="0" smtClean="0"/>
+              <a:t>A</a:t>
+            </a:r>
+            <a:r>
+              <a:rPr lang="fr-FR" dirty="0" smtClean="0"/>
+              <a:t>=R</a:t>
+            </a:r>
+            <a:r>
+              <a:rPr lang="fr-FR" baseline="-25000" dirty="0" smtClean="0"/>
+              <a:t>A3</a:t>
+            </a:r>
+            <a:r>
+              <a:rPr lang="fr-FR" dirty="0" smtClean="0"/>
+              <a:t>+iX</a:t>
+            </a:r>
+            <a:r>
+              <a:rPr lang="fr-FR" baseline="-25000" dirty="0" smtClean="0"/>
+              <a:t>A3</a:t>
+            </a:r>
+          </a:p>
+          <a:p>
+            <a:pPr algn="ctr"/>
+            <a:r>
+              <a:rPr lang="fr-FR" dirty="0" smtClean="0"/>
+              <a:t>=3.16+i105</a:t>
+            </a:r>
+          </a:p>
+        </p:txBody>
+      </p:sp>
+      <p:sp>
+        <p:nvSpPr>
+          <p:cNvPr id="16" name="ZoneTexte 10"/>
+          <p:cNvSpPr txBox="1"/>
+          <p:nvPr/>
+        </p:nvSpPr>
+        <p:spPr>
+          <a:xfrm>
+            <a:off x="3936876" y="2348880"/>
+            <a:ext cx="1414264" cy="307777"/>
+          </a:xfrm>
+          <a:prstGeom prst="rect">
+            <a:avLst/>
+          </a:prstGeom>
+          <a:noFill/>
+        </p:spPr>
+        <p:txBody>
+          <a:bodyPr wrap="square" rtlCol="0">
+            <a:spAutoFit/>
+          </a:bodyPr>
+          <a:lstStyle/>
+          <a:p>
+            <a:pPr algn="ctr"/>
+            <a:r>
+              <a:rPr lang="fr-FR" sz="1400" dirty="0" smtClean="0"/>
+              <a:t>n_e0=5e18</a:t>
+            </a:r>
+          </a:p>
+        </p:txBody>
+      </p:sp>
+    </p:spTree>
+    <p:extLst>
+      <p:ext uri="{BB962C8B-B14F-4D97-AF65-F5344CB8AC3E}">
+        <p14:creationId xmlns:p14="http://schemas.microsoft.com/office/powerpoint/2010/main" val="2434085479"/>
+      </p:ext>
+    </p:extLst>
+  </p:cSld>
+  <p:clrMapOvr>
+    <a:masterClrMapping/>
+  </p:clrMapOvr>
+</p:sld>
+</file>
+
+<file path=ppt/slides/slide21.xml><?xml version="1.0" encoding="utf-8"?>
+<p:sld xmlns:a="http://schemas.openxmlformats.org/drawingml/2006/main" xmlns:r="http://schemas.openxmlformats.org/officeDocument/2006/relationships" xmlns:p="http://schemas.openxmlformats.org/presentationml/2006/main">
+  <p:cSld>
+    <p:spTree>
+      <p:nvGrpSpPr>
+        <p:cNvPr id="1" name=""/>
+        <p:cNvGrpSpPr/>
+        <p:nvPr/>
+      </p:nvGrpSpPr>
+      <p:grpSpPr>
+        <a:xfrm>
+          <a:off x="0" y="0"/>
+          <a:ext cx="0" cy="0"/>
+          <a:chOff x="0" y="0"/>
+          <a:chExt cx="0" cy="0"/>
+        </a:xfrm>
+      </p:grpSpPr>
+      <p:pic>
+        <p:nvPicPr>
+          <p:cNvPr id="5" name="Picture 4"/>
+          <p:cNvPicPr>
+            <a:picLocks noChangeAspect="1"/>
+          </p:cNvPicPr>
+          <p:nvPr/>
+        </p:nvPicPr>
+        <p:blipFill>
+          <a:blip r:embed="rId2" cstate="print">
+            <a:extLst>
+              <a:ext uri="{28A0092B-C50C-407E-A947-70E740481C1C}">
+                <a14:useLocalDpi xmlns:a14="http://schemas.microsoft.com/office/drawing/2010/main" val="0"/>
+              </a:ext>
+            </a:extLst>
+          </a:blip>
+          <a:stretch>
+            <a:fillRect/>
+          </a:stretch>
+        </p:blipFill>
+        <p:spPr>
+          <a:xfrm>
+            <a:off x="5544001" y="1231154"/>
+            <a:ext cx="3599997" cy="2701900"/>
+          </a:xfrm>
+          <a:prstGeom prst="rect">
+            <a:avLst/>
+          </a:prstGeom>
+        </p:spPr>
+      </p:pic>
+      <p:pic>
+        <p:nvPicPr>
+          <p:cNvPr id="32" name="Picture 31"/>
+          <p:cNvPicPr>
+            <a:picLocks noChangeAspect="1"/>
+          </p:cNvPicPr>
+          <p:nvPr/>
+        </p:nvPicPr>
+        <p:blipFill>
+          <a:blip r:embed="rId3" cstate="print">
+            <a:extLst>
+              <a:ext uri="{28A0092B-C50C-407E-A947-70E740481C1C}">
+                <a14:useLocalDpi xmlns:a14="http://schemas.microsoft.com/office/drawing/2010/main" val="0"/>
+              </a:ext>
+            </a:extLst>
+          </a:blip>
+          <a:stretch>
+            <a:fillRect/>
+          </a:stretch>
+        </p:blipFill>
+        <p:spPr>
+          <a:xfrm>
+            <a:off x="179513" y="1231154"/>
+            <a:ext cx="3599997" cy="2701900"/>
+          </a:xfrm>
+          <a:prstGeom prst="rect">
+            <a:avLst/>
+          </a:prstGeom>
+        </p:spPr>
+      </p:pic>
+      <p:sp>
+        <p:nvSpPr>
+          <p:cNvPr id="29" name="ZoneTexte 10"/>
+          <p:cNvSpPr txBox="1"/>
+          <p:nvPr/>
+        </p:nvSpPr>
+        <p:spPr>
+          <a:xfrm>
+            <a:off x="3635896" y="1340768"/>
+            <a:ext cx="1872208" cy="523220"/>
+          </a:xfrm>
+          <a:prstGeom prst="rect">
+            <a:avLst/>
+          </a:prstGeom>
+          <a:noFill/>
+        </p:spPr>
+        <p:txBody>
+          <a:bodyPr wrap="square" rtlCol="0">
+            <a:spAutoFit/>
+          </a:bodyPr>
+          <a:lstStyle/>
+          <a:p>
+            <a:pPr algn="ctr"/>
+            <a:r>
+              <a:rPr lang="fr-FR" sz="1400" dirty="0" smtClean="0"/>
+              <a:t>30 </a:t>
+            </a:r>
+            <a:r>
+              <a:rPr lang="fr-FR" sz="1400" dirty="0" err="1" smtClean="0"/>
+              <a:t>elements</a:t>
+            </a:r>
+            <a:r>
+              <a:rPr lang="fr-FR" sz="1400" dirty="0" smtClean="0"/>
+              <a:t> in the expansion of J</a:t>
+            </a:r>
+          </a:p>
+        </p:txBody>
+      </p:sp>
+      <p:sp>
+        <p:nvSpPr>
+          <p:cNvPr id="46" name="ZoneTexte 32"/>
+          <p:cNvSpPr txBox="1"/>
+          <p:nvPr/>
+        </p:nvSpPr>
+        <p:spPr>
+          <a:xfrm>
+            <a:off x="179512" y="476672"/>
+            <a:ext cx="1276644" cy="461665"/>
+          </a:xfrm>
+          <a:prstGeom prst="rect">
+            <a:avLst/>
+          </a:prstGeom>
+        </p:spPr>
+        <p:style>
+          <a:lnRef idx="2">
+            <a:schemeClr val="accent6"/>
+          </a:lnRef>
+          <a:fillRef idx="1">
+            <a:schemeClr val="lt1"/>
+          </a:fillRef>
+          <a:effectRef idx="0">
+            <a:schemeClr val="accent6"/>
+          </a:effectRef>
+          <a:fontRef idx="minor">
+            <a:schemeClr val="dk1"/>
+          </a:fontRef>
+        </p:style>
+        <p:txBody>
+          <a:bodyPr wrap="square" rtlCol="0">
+            <a:spAutoFit/>
+          </a:bodyPr>
+          <a:lstStyle/>
+          <a:p>
+            <a:pPr algn="ctr"/>
+            <a:r>
+              <a:rPr lang="fr-FR" sz="1200" dirty="0" smtClean="0"/>
+              <a:t>Constant </a:t>
+            </a:r>
+            <a:r>
+              <a:rPr lang="fr-FR" sz="1200" dirty="0" err="1" smtClean="0"/>
+              <a:t>density</a:t>
+            </a:r>
+            <a:r>
+              <a:rPr lang="fr-FR" sz="1200" dirty="0" smtClean="0"/>
+              <a:t> plasma</a:t>
+            </a:r>
+            <a:endParaRPr lang="fr-FR" sz="1200" dirty="0"/>
+          </a:p>
+        </p:txBody>
+      </p:sp>
+      <p:sp>
+        <p:nvSpPr>
+          <p:cNvPr id="11" name="ZoneTexte 10"/>
+          <p:cNvSpPr txBox="1"/>
+          <p:nvPr/>
+        </p:nvSpPr>
+        <p:spPr>
+          <a:xfrm>
+            <a:off x="3707904" y="2905780"/>
+            <a:ext cx="1872208" cy="523220"/>
+          </a:xfrm>
+          <a:prstGeom prst="rect">
+            <a:avLst/>
+          </a:prstGeom>
+          <a:noFill/>
+        </p:spPr>
+        <p:txBody>
+          <a:bodyPr wrap="square" rtlCol="0">
+            <a:spAutoFit/>
+          </a:bodyPr>
+          <a:lstStyle/>
+          <a:p>
+            <a:pPr algn="ctr"/>
+            <a:r>
+              <a:rPr lang="fr-FR" sz="1400" dirty="0" smtClean="0"/>
+              <a:t>f=50MHz</a:t>
+            </a:r>
+          </a:p>
+          <a:p>
+            <a:pPr algn="ctr"/>
+            <a:r>
+              <a:rPr lang="fr-FR" sz="1400" dirty="0" smtClean="0"/>
+              <a:t>D(H)5%</a:t>
+            </a:r>
+          </a:p>
+        </p:txBody>
+      </p:sp>
+      <p:sp>
+        <p:nvSpPr>
+          <p:cNvPr id="13" name="Titre 1"/>
+          <p:cNvSpPr>
+            <a:spLocks noGrp="1"/>
+          </p:cNvSpPr>
+          <p:nvPr>
+            <p:ph type="title"/>
+          </p:nvPr>
+        </p:nvSpPr>
+        <p:spPr>
+          <a:xfrm>
+            <a:off x="457200" y="116632"/>
+            <a:ext cx="8229600" cy="1143000"/>
+          </a:xfrm>
+        </p:spPr>
+        <p:txBody>
+          <a:bodyPr/>
+          <a:lstStyle/>
+          <a:p>
+            <a:r>
+              <a:rPr lang="fr-FR" dirty="0" smtClean="0"/>
+              <a:t>Plasma </a:t>
+            </a:r>
+            <a:r>
+              <a:rPr lang="fr-FR" dirty="0" err="1" smtClean="0"/>
+              <a:t>Response</a:t>
+            </a:r>
+            <a:r>
+              <a:rPr lang="fr-FR" dirty="0" smtClean="0"/>
+              <a:t> 10e8</a:t>
+            </a:r>
+            <a:endParaRPr lang="fr-FR" dirty="0"/>
+          </a:p>
+        </p:txBody>
+      </p:sp>
+      <p:pic>
+        <p:nvPicPr>
+          <p:cNvPr id="12" name="Picture 11"/>
+          <p:cNvPicPr>
+            <a:picLocks noChangeAspect="1"/>
+          </p:cNvPicPr>
+          <p:nvPr/>
+        </p:nvPicPr>
+        <p:blipFill>
+          <a:blip r:embed="rId4" cstate="print">
+            <a:extLst>
+              <a:ext uri="{28A0092B-C50C-407E-A947-70E740481C1C}">
+                <a14:useLocalDpi xmlns:a14="http://schemas.microsoft.com/office/drawing/2010/main" val="0"/>
+              </a:ext>
+            </a:extLst>
+          </a:blip>
+          <a:stretch>
+            <a:fillRect/>
+          </a:stretch>
+        </p:blipFill>
+        <p:spPr>
+          <a:xfrm>
+            <a:off x="179913" y="4024364"/>
+            <a:ext cx="3599995" cy="2701898"/>
+          </a:xfrm>
+          <a:prstGeom prst="rect">
+            <a:avLst/>
+          </a:prstGeom>
+        </p:spPr>
+      </p:pic>
+      <p:pic>
+        <p:nvPicPr>
+          <p:cNvPr id="14" name="Picture 13"/>
+          <p:cNvPicPr>
+            <a:picLocks noChangeAspect="1"/>
+          </p:cNvPicPr>
+          <p:nvPr/>
+        </p:nvPicPr>
+        <p:blipFill>
+          <a:blip r:embed="rId5" cstate="print">
+            <a:extLst>
+              <a:ext uri="{28A0092B-C50C-407E-A947-70E740481C1C}">
+                <a14:useLocalDpi xmlns:a14="http://schemas.microsoft.com/office/drawing/2010/main" val="0"/>
+              </a:ext>
+            </a:extLst>
+          </a:blip>
+          <a:stretch>
+            <a:fillRect/>
+          </a:stretch>
+        </p:blipFill>
+        <p:spPr>
+          <a:xfrm>
+            <a:off x="5544001" y="4024364"/>
+            <a:ext cx="3599995" cy="2701898"/>
+          </a:xfrm>
+          <a:prstGeom prst="rect">
+            <a:avLst/>
+          </a:prstGeom>
+        </p:spPr>
+      </p:pic>
+      <p:sp>
+        <p:nvSpPr>
+          <p:cNvPr id="15" name="ZoneTexte 10"/>
+          <p:cNvSpPr txBox="1"/>
+          <p:nvPr/>
+        </p:nvSpPr>
+        <p:spPr>
+          <a:xfrm>
+            <a:off x="3707904" y="4571836"/>
+            <a:ext cx="1872208" cy="646331"/>
+          </a:xfrm>
+          <a:prstGeom prst="rect">
+            <a:avLst/>
+          </a:prstGeom>
+          <a:noFill/>
+        </p:spPr>
+        <p:txBody>
+          <a:bodyPr wrap="square" rtlCol="0">
+            <a:spAutoFit/>
+          </a:bodyPr>
+          <a:lstStyle/>
+          <a:p>
+            <a:pPr algn="ctr"/>
+            <a:r>
+              <a:rPr lang="fr-FR" dirty="0" smtClean="0"/>
+              <a:t>Z</a:t>
+            </a:r>
+            <a:r>
+              <a:rPr lang="fr-FR" baseline="-25000" dirty="0" smtClean="0"/>
+              <a:t>A</a:t>
+            </a:r>
+            <a:r>
+              <a:rPr lang="fr-FR" dirty="0" smtClean="0"/>
+              <a:t>=R</a:t>
+            </a:r>
+            <a:r>
+              <a:rPr lang="fr-FR" baseline="-25000" dirty="0" smtClean="0"/>
+              <a:t>A3</a:t>
+            </a:r>
+            <a:r>
+              <a:rPr lang="fr-FR" dirty="0" smtClean="0"/>
+              <a:t>+iX</a:t>
+            </a:r>
+            <a:r>
+              <a:rPr lang="fr-FR" baseline="-25000" dirty="0" smtClean="0"/>
+              <a:t>A3</a:t>
+            </a:r>
+          </a:p>
+          <a:p>
+            <a:pPr algn="ctr"/>
+            <a:r>
+              <a:rPr lang="fr-FR" dirty="0" smtClean="0"/>
+              <a:t>=7.21+i105</a:t>
+            </a:r>
+          </a:p>
+        </p:txBody>
+      </p:sp>
+      <p:sp>
+        <p:nvSpPr>
+          <p:cNvPr id="16" name="ZoneTexte 10"/>
+          <p:cNvSpPr txBox="1"/>
+          <p:nvPr/>
+        </p:nvSpPr>
+        <p:spPr>
+          <a:xfrm>
+            <a:off x="3936876" y="2348880"/>
+            <a:ext cx="1414264" cy="307777"/>
+          </a:xfrm>
+          <a:prstGeom prst="rect">
+            <a:avLst/>
+          </a:prstGeom>
+          <a:noFill/>
+        </p:spPr>
+        <p:txBody>
+          <a:bodyPr wrap="square" rtlCol="0">
+            <a:spAutoFit/>
+          </a:bodyPr>
+          <a:lstStyle/>
+          <a:p>
+            <a:pPr algn="ctr"/>
+            <a:r>
+              <a:rPr lang="fr-FR" sz="1400" dirty="0" smtClean="0"/>
+              <a:t>n_e0=10e18</a:t>
+            </a:r>
+          </a:p>
+        </p:txBody>
+      </p:sp>
+    </p:spTree>
+    <p:extLst>
+      <p:ext uri="{BB962C8B-B14F-4D97-AF65-F5344CB8AC3E}">
+        <p14:creationId xmlns:p14="http://schemas.microsoft.com/office/powerpoint/2010/main" val="2902689539"/>
+      </p:ext>
+    </p:extLst>
+  </p:cSld>
+  <p:clrMapOvr>
+    <a:masterClrMapping/>
+  </p:clrMapOvr>
+</p:sld>
+</file>
+
+<file path=ppt/slides/slide22.xml><?xml version="1.0" encoding="utf-8"?>
+<p:sld xmlns:a="http://schemas.openxmlformats.org/drawingml/2006/main" xmlns:r="http://schemas.openxmlformats.org/officeDocument/2006/relationships" xmlns:p="http://schemas.openxmlformats.org/presentationml/2006/main">
+  <p:cSld>
+    <p:spTree>
+      <p:nvGrpSpPr>
+        <p:cNvPr id="1" name=""/>
+        <p:cNvGrpSpPr/>
+        <p:nvPr/>
+      </p:nvGrpSpPr>
+      <p:grpSpPr>
+        <a:xfrm>
+          <a:off x="0" y="0"/>
+          <a:ext cx="0" cy="0"/>
+          <a:chOff x="0" y="0"/>
+          <a:chExt cx="0" cy="0"/>
+        </a:xfrm>
+      </p:grpSpPr>
+      <p:pic>
+        <p:nvPicPr>
+          <p:cNvPr id="5" name="Picture 4"/>
+          <p:cNvPicPr>
+            <a:picLocks noChangeAspect="1"/>
+          </p:cNvPicPr>
+          <p:nvPr/>
+        </p:nvPicPr>
+        <p:blipFill>
+          <a:blip r:embed="rId2" cstate="print">
+            <a:extLst>
+              <a:ext uri="{28A0092B-C50C-407E-A947-70E740481C1C}">
+                <a14:useLocalDpi xmlns:a14="http://schemas.microsoft.com/office/drawing/2010/main" val="0"/>
+              </a:ext>
+            </a:extLst>
+          </a:blip>
+          <a:stretch>
+            <a:fillRect/>
+          </a:stretch>
+        </p:blipFill>
+        <p:spPr>
+          <a:xfrm>
+            <a:off x="5544001" y="1231154"/>
+            <a:ext cx="3599996" cy="2701900"/>
+          </a:xfrm>
+          <a:prstGeom prst="rect">
+            <a:avLst/>
+          </a:prstGeom>
+        </p:spPr>
+      </p:pic>
+      <p:pic>
+        <p:nvPicPr>
+          <p:cNvPr id="32" name="Picture 31"/>
+          <p:cNvPicPr>
+            <a:picLocks noChangeAspect="1"/>
+          </p:cNvPicPr>
+          <p:nvPr/>
+        </p:nvPicPr>
+        <p:blipFill>
+          <a:blip r:embed="rId3" cstate="print">
+            <a:extLst>
+              <a:ext uri="{28A0092B-C50C-407E-A947-70E740481C1C}">
+                <a14:useLocalDpi xmlns:a14="http://schemas.microsoft.com/office/drawing/2010/main" val="0"/>
+              </a:ext>
+            </a:extLst>
+          </a:blip>
+          <a:stretch>
+            <a:fillRect/>
+          </a:stretch>
+        </p:blipFill>
+        <p:spPr>
+          <a:xfrm>
+            <a:off x="179513" y="1231154"/>
+            <a:ext cx="3599997" cy="2701900"/>
+          </a:xfrm>
+          <a:prstGeom prst="rect">
+            <a:avLst/>
+          </a:prstGeom>
+        </p:spPr>
+      </p:pic>
+      <p:sp>
+        <p:nvSpPr>
+          <p:cNvPr id="29" name="ZoneTexte 10"/>
+          <p:cNvSpPr txBox="1"/>
+          <p:nvPr/>
+        </p:nvSpPr>
+        <p:spPr>
+          <a:xfrm>
+            <a:off x="3635896" y="1340768"/>
+            <a:ext cx="1872208" cy="523220"/>
+          </a:xfrm>
+          <a:prstGeom prst="rect">
+            <a:avLst/>
+          </a:prstGeom>
+          <a:noFill/>
+        </p:spPr>
+        <p:txBody>
+          <a:bodyPr wrap="square" rtlCol="0">
+            <a:spAutoFit/>
+          </a:bodyPr>
+          <a:lstStyle/>
+          <a:p>
+            <a:pPr algn="ctr"/>
+            <a:r>
+              <a:rPr lang="fr-FR" sz="1400" dirty="0" smtClean="0"/>
+              <a:t>30 </a:t>
+            </a:r>
+            <a:r>
+              <a:rPr lang="fr-FR" sz="1400" dirty="0" err="1" smtClean="0"/>
+              <a:t>elements</a:t>
+            </a:r>
+            <a:r>
+              <a:rPr lang="fr-FR" sz="1400" dirty="0" smtClean="0"/>
+              <a:t> in the expansion of J</a:t>
+            </a:r>
+          </a:p>
+        </p:txBody>
+      </p:sp>
+      <p:sp>
+        <p:nvSpPr>
+          <p:cNvPr id="46" name="ZoneTexte 32"/>
+          <p:cNvSpPr txBox="1"/>
+          <p:nvPr/>
+        </p:nvSpPr>
+        <p:spPr>
+          <a:xfrm>
+            <a:off x="179512" y="476672"/>
+            <a:ext cx="1276644" cy="461665"/>
+          </a:xfrm>
+          <a:prstGeom prst="rect">
+            <a:avLst/>
+          </a:prstGeom>
+        </p:spPr>
+        <p:style>
+          <a:lnRef idx="2">
+            <a:schemeClr val="accent6"/>
+          </a:lnRef>
+          <a:fillRef idx="1">
+            <a:schemeClr val="lt1"/>
+          </a:fillRef>
+          <a:effectRef idx="0">
+            <a:schemeClr val="accent6"/>
+          </a:effectRef>
+          <a:fontRef idx="minor">
+            <a:schemeClr val="dk1"/>
+          </a:fontRef>
+        </p:style>
+        <p:txBody>
+          <a:bodyPr wrap="square" rtlCol="0">
+            <a:spAutoFit/>
+          </a:bodyPr>
+          <a:lstStyle/>
+          <a:p>
+            <a:pPr algn="ctr"/>
+            <a:r>
+              <a:rPr lang="fr-FR" sz="1200" dirty="0" smtClean="0"/>
+              <a:t>Constant </a:t>
+            </a:r>
+            <a:r>
+              <a:rPr lang="fr-FR" sz="1200" dirty="0" err="1" smtClean="0"/>
+              <a:t>density</a:t>
+            </a:r>
+            <a:r>
+              <a:rPr lang="fr-FR" sz="1200" dirty="0" smtClean="0"/>
+              <a:t> plasma</a:t>
+            </a:r>
+            <a:endParaRPr lang="fr-FR" sz="1200" dirty="0"/>
+          </a:p>
+        </p:txBody>
+      </p:sp>
+      <p:sp>
+        <p:nvSpPr>
+          <p:cNvPr id="11" name="ZoneTexte 10"/>
+          <p:cNvSpPr txBox="1"/>
+          <p:nvPr/>
+        </p:nvSpPr>
+        <p:spPr>
+          <a:xfrm>
+            <a:off x="3707904" y="2905780"/>
+            <a:ext cx="1872208" cy="523220"/>
+          </a:xfrm>
+          <a:prstGeom prst="rect">
+            <a:avLst/>
+          </a:prstGeom>
+          <a:noFill/>
+        </p:spPr>
+        <p:txBody>
+          <a:bodyPr wrap="square" rtlCol="0">
+            <a:spAutoFit/>
+          </a:bodyPr>
+          <a:lstStyle/>
+          <a:p>
+            <a:pPr algn="ctr"/>
+            <a:r>
+              <a:rPr lang="fr-FR" sz="1400" dirty="0" smtClean="0"/>
+              <a:t>f=50MHz</a:t>
+            </a:r>
+          </a:p>
+          <a:p>
+            <a:pPr algn="ctr"/>
+            <a:r>
+              <a:rPr lang="fr-FR" sz="1400" dirty="0" smtClean="0"/>
+              <a:t>D(H)5%</a:t>
+            </a:r>
+          </a:p>
+        </p:txBody>
+      </p:sp>
+      <p:sp>
+        <p:nvSpPr>
+          <p:cNvPr id="13" name="Titre 1"/>
+          <p:cNvSpPr>
+            <a:spLocks noGrp="1"/>
+          </p:cNvSpPr>
+          <p:nvPr>
+            <p:ph type="title"/>
+          </p:nvPr>
+        </p:nvSpPr>
+        <p:spPr>
+          <a:xfrm>
+            <a:off x="457200" y="116632"/>
+            <a:ext cx="8229600" cy="1143000"/>
+          </a:xfrm>
+        </p:spPr>
+        <p:txBody>
+          <a:bodyPr/>
+          <a:lstStyle/>
+          <a:p>
+            <a:r>
+              <a:rPr lang="fr-FR" dirty="0" smtClean="0"/>
+              <a:t>Plasma </a:t>
+            </a:r>
+            <a:r>
+              <a:rPr lang="fr-FR" dirty="0" err="1" smtClean="0"/>
+              <a:t>Response</a:t>
+            </a:r>
+            <a:r>
+              <a:rPr lang="fr-FR" dirty="0" smtClean="0"/>
+              <a:t> </a:t>
+            </a:r>
+            <a:r>
+              <a:rPr lang="fr-FR" dirty="0" err="1" smtClean="0"/>
+              <a:t>Compar</a:t>
+            </a:r>
+            <a:endParaRPr lang="fr-FR" dirty="0"/>
+          </a:p>
+        </p:txBody>
+      </p:sp>
+      <p:pic>
+        <p:nvPicPr>
+          <p:cNvPr id="12" name="Picture 11"/>
+          <p:cNvPicPr>
+            <a:picLocks noChangeAspect="1"/>
+          </p:cNvPicPr>
+          <p:nvPr/>
+        </p:nvPicPr>
+        <p:blipFill>
+          <a:blip r:embed="rId4" cstate="print">
+            <a:extLst>
+              <a:ext uri="{28A0092B-C50C-407E-A947-70E740481C1C}">
+                <a14:useLocalDpi xmlns:a14="http://schemas.microsoft.com/office/drawing/2010/main" val="0"/>
+              </a:ext>
+            </a:extLst>
+          </a:blip>
+          <a:stretch>
+            <a:fillRect/>
+          </a:stretch>
+        </p:blipFill>
+        <p:spPr>
+          <a:xfrm>
+            <a:off x="179914" y="4024364"/>
+            <a:ext cx="3599993" cy="2701898"/>
+          </a:xfrm>
+          <a:prstGeom prst="rect">
+            <a:avLst/>
+          </a:prstGeom>
+        </p:spPr>
+      </p:pic>
+      <p:pic>
+        <p:nvPicPr>
+          <p:cNvPr id="14" name="Picture 13"/>
+          <p:cNvPicPr>
+            <a:picLocks noChangeAspect="1"/>
+          </p:cNvPicPr>
+          <p:nvPr/>
+        </p:nvPicPr>
+        <p:blipFill>
+          <a:blip r:embed="rId5" cstate="print">
+            <a:extLst>
+              <a:ext uri="{28A0092B-C50C-407E-A947-70E740481C1C}">
+                <a14:useLocalDpi xmlns:a14="http://schemas.microsoft.com/office/drawing/2010/main" val="0"/>
+              </a:ext>
+            </a:extLst>
+          </a:blip>
+          <a:stretch>
+            <a:fillRect/>
+          </a:stretch>
+        </p:blipFill>
+        <p:spPr>
+          <a:xfrm>
+            <a:off x="5544002" y="4024364"/>
+            <a:ext cx="3599993" cy="2701898"/>
+          </a:xfrm>
+          <a:prstGeom prst="rect">
+            <a:avLst/>
+          </a:prstGeom>
+        </p:spPr>
+      </p:pic>
+      <p:sp>
+        <p:nvSpPr>
+          <p:cNvPr id="16" name="ZoneTexte 10"/>
+          <p:cNvSpPr txBox="1"/>
+          <p:nvPr/>
+        </p:nvSpPr>
+        <p:spPr>
+          <a:xfrm>
+            <a:off x="3936876" y="2348880"/>
+            <a:ext cx="1414264" cy="307777"/>
+          </a:xfrm>
+          <a:prstGeom prst="rect">
+            <a:avLst/>
+          </a:prstGeom>
+          <a:noFill/>
+        </p:spPr>
+        <p:txBody>
+          <a:bodyPr wrap="square" rtlCol="0">
+            <a:spAutoFit/>
+          </a:bodyPr>
+          <a:lstStyle/>
+          <a:p>
+            <a:pPr algn="ctr"/>
+            <a:r>
+              <a:rPr lang="fr-FR" sz="1400" dirty="0" smtClean="0"/>
+              <a:t>n_e0=10e18</a:t>
+            </a:r>
+          </a:p>
+        </p:txBody>
+      </p:sp>
+    </p:spTree>
+    <p:extLst>
+      <p:ext uri="{BB962C8B-B14F-4D97-AF65-F5344CB8AC3E}">
+        <p14:creationId xmlns:p14="http://schemas.microsoft.com/office/powerpoint/2010/main" val="2485523801"/>
+      </p:ext>
+    </p:extLst>
+  </p:cSld>
+  <p:clrMapOvr>
+    <a:masterClrMapping/>
+  </p:clrMapOvr>
+</p:sld>
+</file>
+
 <file path=ppt/slides/slide3.xml><?xml version="1.0" encoding="utf-8"?>
 <p:sld xmlns:a="http://schemas.openxmlformats.org/drawingml/2006/main" xmlns:r="http://schemas.openxmlformats.org/officeDocument/2006/relationships" xmlns:p="http://schemas.openxmlformats.org/presentationml/2006/main">
   <p:cSld>
@@ -9639,7 +11942,7 @@
         <p:spPr>
           <a:xfrm>
             <a:off x="451338" y="5373216"/>
-            <a:ext cx="6947095" cy="1200329"/>
+            <a:ext cx="6947095" cy="646331"/>
           </a:xfrm>
           <a:prstGeom prst="rect">
             <a:avLst/>
@@ -9651,23 +11954,6 @@
             <a:spAutoFit/>
           </a:bodyPr>
           <a:lstStyle/>
-          <a:p>
-            <a:r>
-              <a:rPr lang="fr-FR" dirty="0" err="1"/>
-              <a:t>x</a:t>
-            </a:r>
-            <a:r>
-              <a:rPr lang="fr-FR" dirty="0" err="1" smtClean="0"/>
-              <a:t>_plasma</a:t>
-            </a:r>
-            <a:r>
-              <a:rPr lang="fr-FR" dirty="0" smtClean="0"/>
-              <a:t>=0.05</a:t>
-            </a:r>
-          </a:p>
-          <a:p>
-            <a:endParaRPr lang="fr-FR" dirty="0" smtClean="0"/>
-          </a:p>
           <a:p>
             <a:r>
               <a:rPr lang="fr-FR" dirty="0" smtClean="0"/>
@@ -9796,11 +12082,7 @@
           <a:p>
             <a:r>
               <a:rPr lang="en-GB" dirty="0" smtClean="0"/>
-              <a:t>First </a:t>
-            </a:r>
-            <a:r>
-              <a:rPr lang="en-GB" dirty="0" smtClean="0"/>
-              <a:t>case:</a:t>
+              <a:t>Frist case:</a:t>
             </a:r>
             <a:br>
               <a:rPr lang="en-GB" dirty="0" smtClean="0"/>
@@ -9816,7 +12098,7 @@
     </p:spTree>
     <p:extLst>
       <p:ext uri="{BB962C8B-B14F-4D97-AF65-F5344CB8AC3E}">
-        <p14:creationId xmlns:p14="http://schemas.microsoft.com/office/powerpoint/2010/main" val="2236169441"/>
+        <p14:creationId xmlns:p14="http://schemas.microsoft.com/office/powerpoint/2010/main" val="2176641180"/>
       </p:ext>
     </p:extLst>
   </p:cSld>
@@ -10225,22 +12507,18 @@
           <a:lstStyle/>
           <a:p>
             <a:r>
-              <a:rPr lang="fr-FR" dirty="0" err="1"/>
-              <a:t>x</a:t>
-            </a:r>
-            <a:r>
               <a:rPr lang="fr-FR" dirty="0" err="1" smtClean="0"/>
-              <a:t>_plasma</a:t>
+              <a:t>x_plasma</a:t>
             </a:r>
             <a:r>
               <a:rPr lang="fr-FR" dirty="0" smtClean="0"/>
-              <a:t>=0.05</a:t>
+              <a:t>=0.01</a:t>
             </a:r>
           </a:p>
           <a:p>
             <a:r>
               <a:rPr lang="fr-FR" dirty="0" smtClean="0"/>
-              <a:t>n_e0=5e18</a:t>
+              <a:t>n_e0=1e18</a:t>
             </a:r>
           </a:p>
         </p:txBody>
@@ -10344,7 +12622,7 @@
         <p:spPr>
           <a:xfrm>
             <a:off x="4994221" y="3679425"/>
-            <a:ext cx="3600000" cy="2701902"/>
+            <a:ext cx="3599999" cy="2701902"/>
           </a:xfrm>
           <a:prstGeom prst="rect">
             <a:avLst/>
@@ -10784,7 +13062,7 @@
         </p:nvSpPr>
         <p:spPr>
           <a:xfrm>
-            <a:off x="323528" y="476672"/>
+            <a:off x="179512" y="476672"/>
             <a:ext cx="1276644" cy="461665"/>
           </a:xfrm>
           <a:prstGeom prst="rect">
@@ -10831,7 +13109,7 @@
     </p:spTree>
     <p:extLst>
       <p:ext uri="{BB962C8B-B14F-4D97-AF65-F5344CB8AC3E}">
-        <p14:creationId xmlns:p14="http://schemas.microsoft.com/office/powerpoint/2010/main" val="2076798602"/>
+        <p14:creationId xmlns:p14="http://schemas.microsoft.com/office/powerpoint/2010/main" val="1464938682"/>
       </p:ext>
     </p:extLst>
   </p:cSld>
@@ -10875,7 +13153,15 @@
           <a:p>
             <a:r>
               <a:rPr lang="fr-FR" dirty="0" smtClean="0"/>
-              <a:t>Plasma Configuration</a:t>
+              <a:t>Plasma </a:t>
+            </a:r>
+            <a:r>
+              <a:rPr lang="fr-FR" dirty="0" err="1" smtClean="0"/>
+              <a:t>Conf</a:t>
+            </a:r>
+            <a:r>
+              <a:rPr lang="fr-FR" dirty="0" smtClean="0"/>
+              <a:t>. 1e8</a:t>
             </a:r>
             <a:endParaRPr lang="fr-FR" dirty="0"/>
           </a:p>
@@ -10904,7 +13190,7 @@
         <p:spPr>
           <a:xfrm>
             <a:off x="5544000" y="1231154"/>
-            <a:ext cx="3600000" cy="2701902"/>
+            <a:ext cx="3599999" cy="2701902"/>
           </a:xfrm>
           <a:prstGeom prst="rect">
             <a:avLst/>
@@ -10934,7 +13220,7 @@
         <p:spPr>
           <a:xfrm>
             <a:off x="179912" y="4024364"/>
-            <a:ext cx="3599999" cy="2701902"/>
+            <a:ext cx="3599999" cy="2701901"/>
           </a:xfrm>
           <a:prstGeom prst="rect">
             <a:avLst/>
@@ -10964,7 +13250,7 @@
         <p:spPr>
           <a:xfrm>
             <a:off x="179512" y="1231154"/>
-            <a:ext cx="3599999" cy="2701902"/>
+            <a:ext cx="3599999" cy="2701901"/>
           </a:xfrm>
           <a:prstGeom prst="rect">
             <a:avLst/>
@@ -10994,7 +13280,7 @@
         <p:spPr>
           <a:xfrm>
             <a:off x="5544000" y="4024364"/>
-            <a:ext cx="3599999" cy="2701902"/>
+            <a:ext cx="3599999" cy="2701901"/>
           </a:xfrm>
           <a:prstGeom prst="rect">
             <a:avLst/>
@@ -11202,7 +13488,7 @@
         </p:nvSpPr>
         <p:spPr>
           <a:xfrm>
-            <a:off x="323528" y="476672"/>
+            <a:off x="179512" y="476672"/>
             <a:ext cx="1276644" cy="461665"/>
           </a:xfrm>
           <a:prstGeom prst="rect">
@@ -11283,10 +13569,49 @@
           </a:p>
         </p:txBody>
       </p:sp>
+      <p:sp>
+        <p:nvSpPr>
+          <p:cNvPr id="11" name="ZoneTexte 10"/>
+          <p:cNvSpPr txBox="1"/>
+          <p:nvPr/>
+        </p:nvSpPr>
+        <p:spPr>
+          <a:xfrm>
+            <a:off x="990639" y="2258938"/>
+            <a:ext cx="1978543" cy="646331"/>
+          </a:xfrm>
+          <a:prstGeom prst="rect">
+            <a:avLst/>
+          </a:prstGeom>
+          <a:noFill/>
+        </p:spPr>
+        <p:txBody>
+          <a:bodyPr wrap="square" rtlCol="0">
+            <a:spAutoFit/>
+          </a:bodyPr>
+          <a:lstStyle/>
+          <a:p>
+            <a:r>
+              <a:rPr lang="fr-FR" dirty="0" err="1" smtClean="0"/>
+              <a:t>x_plasma</a:t>
+            </a:r>
+            <a:r>
+              <a:rPr lang="fr-FR" dirty="0" smtClean="0"/>
+              <a:t>=0.01</a:t>
+            </a:r>
+          </a:p>
+          <a:p>
+            <a:r>
+              <a:rPr lang="fr-FR" dirty="0" smtClean="0"/>
+              <a:t>n_e0=1e18</a:t>
+            </a:r>
+          </a:p>
+        </p:txBody>
+      </p:sp>
     </p:spTree>
     <p:extLst>
       <p:ext uri="{BB962C8B-B14F-4D97-AF65-F5344CB8AC3E}">
-        <p14:creationId xmlns:p14="http://schemas.microsoft.com/office/powerpoint/2010/main" val="3385928146"/>
+        <p14:creationId xmlns:p14="http://schemas.microsoft.com/office/powerpoint/2010/main" val="541851916"/>
       </p:ext>
     </p:extLst>
   </p:cSld>
@@ -11313,29 +13638,6 @@
           <a:chExt cx="0" cy="0"/>
         </a:xfrm>
       </p:grpSpPr>
-      <p:sp>
-        <p:nvSpPr>
-          <p:cNvPr id="2" name="Titre 1"/>
-          <p:cNvSpPr>
-            <a:spLocks noGrp="1"/>
-          </p:cNvSpPr>
-          <p:nvPr>
-            <p:ph type="title"/>
-          </p:nvPr>
-        </p:nvSpPr>
-        <p:spPr/>
-        <p:txBody>
-          <a:bodyPr/>
-          <a:lstStyle/>
-          <a:p>
-            <a:r>
-              <a:rPr lang="fr-FR" dirty="0" smtClean="0"/>
-              <a:t>Plasma Configuration</a:t>
-            </a:r>
-            <a:endParaRPr lang="fr-FR" dirty="0"/>
-          </a:p>
-        </p:txBody>
-      </p:sp>
       <p:pic>
         <p:nvPicPr>
           <p:cNvPr id="5" name="Picture 4"/>
@@ -11359,7 +13661,7 @@
         <p:spPr>
           <a:xfrm>
             <a:off x="5544000" y="1231154"/>
-            <a:ext cx="3599999" cy="2701902"/>
+            <a:ext cx="3599999" cy="2701901"/>
           </a:xfrm>
           <a:prstGeom prst="rect">
             <a:avLst/>
@@ -11388,8 +13690,8 @@
         </p:blipFill>
         <p:spPr>
           <a:xfrm>
-            <a:off x="107504" y="4041369"/>
-            <a:ext cx="5400000" cy="2699999"/>
+            <a:off x="107505" y="4041369"/>
+            <a:ext cx="5399998" cy="2699999"/>
           </a:xfrm>
           <a:prstGeom prst="rect">
             <a:avLst/>
@@ -11418,8 +13720,8 @@
         </p:blipFill>
         <p:spPr>
           <a:xfrm>
-            <a:off x="179512" y="1231154"/>
-            <a:ext cx="3599999" cy="2701901"/>
+            <a:off x="179513" y="1231154"/>
+            <a:ext cx="3599997" cy="2701901"/>
           </a:xfrm>
           <a:prstGeom prst="rect">
             <a:avLst/>
@@ -11535,7 +13837,7 @@
         </p:nvSpPr>
         <p:spPr>
           <a:xfrm>
-            <a:off x="323528" y="476672"/>
+            <a:off x="179512" y="476672"/>
             <a:ext cx="1276644" cy="461665"/>
           </a:xfrm>
           <a:prstGeom prst="rect">
@@ -11601,8 +13903,8 @@
         </p:blipFill>
         <p:spPr>
           <a:xfrm>
-            <a:off x="5544000" y="4024364"/>
-            <a:ext cx="3599999" cy="2701901"/>
+            <a:off x="5544001" y="4024364"/>
+            <a:ext cx="3599997" cy="2701901"/>
           </a:xfrm>
           <a:prstGeom prst="rect">
             <a:avLst/>
@@ -11646,10 +13948,46 @@
           </a:p>
         </p:txBody>
       </p:sp>
+      <p:sp>
+        <p:nvSpPr>
+          <p:cNvPr id="13" name="Titre 1"/>
+          <p:cNvSpPr>
+            <a:spLocks noGrp="1"/>
+          </p:cNvSpPr>
+          <p:nvPr>
+            <p:ph type="title"/>
+          </p:nvPr>
+        </p:nvSpPr>
+        <p:spPr>
+          <a:xfrm>
+            <a:off x="457200" y="116632"/>
+            <a:ext cx="8229600" cy="1143000"/>
+          </a:xfrm>
+        </p:spPr>
+        <p:txBody>
+          <a:bodyPr/>
+          <a:lstStyle/>
+          <a:p>
+            <a:r>
+              <a:rPr lang="fr-FR" dirty="0" smtClean="0"/>
+              <a:t>Plasma </a:t>
+            </a:r>
+            <a:r>
+              <a:rPr lang="fr-FR" dirty="0" err="1" smtClean="0"/>
+              <a:t>Conf</a:t>
+            </a:r>
+            <a:r>
+              <a:rPr lang="fr-FR" dirty="0" smtClean="0"/>
+              <a:t>. 1e8</a:t>
+            </a:r>
+            <a:endParaRPr lang="fr-FR" dirty="0"/>
+          </a:p>
+        </p:txBody>
+      </p:sp>
     </p:spTree>
     <p:extLst>
       <p:ext uri="{BB962C8B-B14F-4D97-AF65-F5344CB8AC3E}">
-        <p14:creationId xmlns:p14="http://schemas.microsoft.com/office/powerpoint/2010/main" val="1586992031"/>
+        <p14:creationId xmlns:p14="http://schemas.microsoft.com/office/powerpoint/2010/main" val="4056301627"/>
       </p:ext>
     </p:extLst>
   </p:cSld>
@@ -11699,6 +14037,10 @@
               <a:rPr lang="fr-FR" dirty="0" err="1" smtClean="0"/>
               <a:t>Response</a:t>
             </a:r>
+            <a:r>
+              <a:rPr lang="fr-FR" dirty="0" smtClean="0"/>
+              <a:t> 1e8</a:t>
+            </a:r>
             <a:endParaRPr lang="fr-FR" dirty="0"/>
           </a:p>
         </p:txBody>
@@ -11726,7 +14068,7 @@
         <p:spPr>
           <a:xfrm>
             <a:off x="5544000" y="1231154"/>
-            <a:ext cx="3599999" cy="2701902"/>
+            <a:ext cx="3599999" cy="2701901"/>
           </a:xfrm>
           <a:prstGeom prst="rect">
             <a:avLst/>
@@ -11755,8 +14097,8 @@
         </p:blipFill>
         <p:spPr>
           <a:xfrm>
-            <a:off x="179912" y="4024364"/>
-            <a:ext cx="3599999" cy="2701901"/>
+            <a:off x="179913" y="4024364"/>
+            <a:ext cx="3599997" cy="2701901"/>
           </a:xfrm>
           <a:prstGeom prst="rect">
             <a:avLst/>
@@ -11785,8 +14127,8 @@
         </p:blipFill>
         <p:spPr>
           <a:xfrm>
-            <a:off x="179512" y="1231154"/>
-            <a:ext cx="3599999" cy="2701901"/>
+            <a:off x="179513" y="1231154"/>
+            <a:ext cx="3599997" cy="2701901"/>
           </a:xfrm>
           <a:prstGeom prst="rect">
             <a:avLst/>
@@ -11815,81 +14157,14 @@
         </p:blipFill>
         <p:spPr>
           <a:xfrm>
-            <a:off x="5544000" y="4024364"/>
-            <a:ext cx="3599999" cy="2701901"/>
+            <a:off x="5544001" y="4024364"/>
+            <a:ext cx="3599997" cy="2701901"/>
           </a:xfrm>
           <a:prstGeom prst="rect">
             <a:avLst/>
           </a:prstGeom>
         </p:spPr>
       </p:pic>
-      <p:sp>
-        <p:nvSpPr>
-          <p:cNvPr id="29" name="ZoneTexte 10"/>
-          <p:cNvSpPr txBox="1"/>
-          <p:nvPr/>
-        </p:nvSpPr>
-        <p:spPr>
-          <a:xfrm>
-            <a:off x="3635896" y="1340768"/>
-            <a:ext cx="1872208" cy="738664"/>
-          </a:xfrm>
-          <a:prstGeom prst="rect">
-            <a:avLst/>
-          </a:prstGeom>
-          <a:noFill/>
-        </p:spPr>
-        <p:txBody>
-          <a:bodyPr wrap="square" rtlCol="0">
-            <a:spAutoFit/>
-          </a:bodyPr>
-          <a:lstStyle/>
-          <a:p>
-            <a:pPr algn="ctr"/>
-            <a:r>
-              <a:rPr lang="fr-FR" sz="1400" dirty="0" smtClean="0"/>
-              <a:t>B </a:t>
-            </a:r>
-            <a:r>
-              <a:rPr lang="fr-FR" sz="1400" dirty="0" err="1" smtClean="0"/>
-              <a:t>is</a:t>
-            </a:r>
-            <a:r>
-              <a:rPr lang="fr-FR" sz="1400" dirty="0" smtClean="0"/>
-              <a:t> </a:t>
-            </a:r>
-            <a:r>
-              <a:rPr lang="fr-FR" sz="1400" dirty="0" err="1" smtClean="0"/>
-              <a:t>taken</a:t>
-            </a:r>
-            <a:r>
-              <a:rPr lang="fr-FR" sz="1400" dirty="0" smtClean="0"/>
-              <a:t> constant but </a:t>
-            </a:r>
-            <a:r>
-              <a:rPr lang="fr-FR" sz="1400" dirty="0" err="1" smtClean="0"/>
-              <a:t>could</a:t>
-            </a:r>
-            <a:r>
-              <a:rPr lang="fr-FR" sz="1400" dirty="0" smtClean="0"/>
-              <a:t> have the </a:t>
-            </a:r>
-            <a:r>
-              <a:rPr lang="fr-FR" sz="1400" dirty="0" err="1" smtClean="0"/>
-              <a:t>usual</a:t>
-            </a:r>
-            <a:r>
-              <a:rPr lang="fr-FR" sz="1400" dirty="0" smtClean="0"/>
-              <a:t> 1/R </a:t>
-            </a:r>
-            <a:r>
-              <a:rPr lang="fr-FR" sz="1400" dirty="0" err="1" smtClean="0"/>
-              <a:t>dependency</a:t>
-            </a:r>
-            <a:endParaRPr lang="fr-FR" sz="1400" dirty="0" smtClean="0"/>
-          </a:p>
-        </p:txBody>
-      </p:sp>
       <p:sp>
         <p:nvSpPr>
           <p:cNvPr id="46" name="ZoneTexte 32"/>
@@ -11898,7 +14173,7 @@
         </p:nvSpPr>
         <p:spPr>
           <a:xfrm>
-            <a:off x="323528" y="476672"/>
+            <a:off x="179512" y="476672"/>
             <a:ext cx="1276644" cy="461665"/>
           </a:xfrm>
           <a:prstGeom prst="rect">
@@ -12091,7 +14366,7 @@
             </a:r>
             <a:r>
               <a:rPr lang="fr-FR" sz="1400" dirty="0" smtClean="0"/>
-              <a:t>=(14.7-i130.6)ohm/m</a:t>
+              <a:t>=(2.0-i128.4)ohm/m</a:t>
             </a:r>
           </a:p>
           <a:p>
@@ -12105,21 +14380,47 @@
               <a:t>21</a:t>
             </a:r>
             <a:r>
-              <a:rPr lang="fr-FR" sz="1400" dirty="0"/>
-              <a:t>=(</a:t>
-            </a:r>
-            <a:r>
               <a:rPr lang="fr-FR" sz="1400" dirty="0" smtClean="0"/>
-              <a:t>7.88-i12.25)ohm/m</a:t>
+              <a:t>=(2.0-i24.7)ohm/m</a:t>
             </a:r>
             <a:endParaRPr lang="fr-FR" sz="1400" baseline="-25000" dirty="0"/>
+          </a:p>
+        </p:txBody>
+      </p:sp>
+      <p:sp>
+        <p:nvSpPr>
+          <p:cNvPr id="12" name="ZoneTexte 10"/>
+          <p:cNvSpPr txBox="1"/>
+          <p:nvPr/>
+        </p:nvSpPr>
+        <p:spPr>
+          <a:xfrm>
+            <a:off x="3936876" y="2348880"/>
+            <a:ext cx="1414264" cy="307777"/>
+          </a:xfrm>
+          <a:prstGeom prst="rect">
+            <a:avLst/>
+          </a:prstGeom>
+          <a:noFill/>
+        </p:spPr>
+        <p:txBody>
+          <a:bodyPr wrap="square" rtlCol="0">
+            <a:spAutoFit/>
+          </a:bodyPr>
+          <a:lstStyle/>
+          <a:p>
+            <a:pPr algn="ctr"/>
+            <a:r>
+              <a:rPr lang="fr-FR" sz="1400" dirty="0" smtClean="0"/>
+              <a:t>n_e0=1e18</a:t>
+            </a:r>
           </a:p>
         </p:txBody>
       </p:sp>
     </p:spTree>
     <p:extLst>
       <p:ext uri="{BB962C8B-B14F-4D97-AF65-F5344CB8AC3E}">
-        <p14:creationId xmlns:p14="http://schemas.microsoft.com/office/powerpoint/2010/main" val="1029658173"/>
+        <p14:creationId xmlns:p14="http://schemas.microsoft.com/office/powerpoint/2010/main" val="2422714818"/>
       </p:ext>
     </p:extLst>
   </p:cSld>
@@ -12148,40 +14449,317 @@
       </p:grpSpPr>
       <p:sp>
         <p:nvSpPr>
-          <p:cNvPr id="2" name="Title 1"/>
+          <p:cNvPr id="2" name="Titre 1"/>
           <p:cNvSpPr>
             <a:spLocks noGrp="1"/>
           </p:cNvSpPr>
           <p:nvPr>
-            <p:ph type="ctrTitle"/>
+            <p:ph type="title"/>
           </p:nvPr>
         </p:nvSpPr>
         <p:spPr/>
         <p:txBody>
-          <a:bodyPr>
-            <a:normAutofit/>
+          <a:bodyPr/>
+          <a:lstStyle/>
+          <a:p>
+            <a:r>
+              <a:rPr lang="fr-FR" dirty="0" smtClean="0"/>
+              <a:t>Plasma </a:t>
+            </a:r>
+            <a:r>
+              <a:rPr lang="fr-FR" dirty="0" err="1" smtClean="0"/>
+              <a:t>Conf</a:t>
+            </a:r>
+            <a:r>
+              <a:rPr lang="fr-FR" dirty="0" smtClean="0"/>
+              <a:t>. 5e8</a:t>
+            </a:r>
+            <a:endParaRPr lang="fr-FR" dirty="0"/>
+          </a:p>
+        </p:txBody>
+      </p:sp>
+      <p:pic>
+        <p:nvPicPr>
+          <p:cNvPr id="5" name="Picture 4"/>
+          <p:cNvPicPr>
+            <a:picLocks noChangeAspect="1"/>
+          </p:cNvPicPr>
+          <p:nvPr/>
+        </p:nvPicPr>
+        <p:blipFill>
+          <a:blip r:embed="rId2" cstate="print">
+            <a:extLst>
+              <a:ext uri="{28A0092B-C50C-407E-A947-70E740481C1C}">
+                <a14:useLocalDpi xmlns:a14="http://schemas.microsoft.com/office/drawing/2010/main" val="0"/>
+              </a:ext>
+            </a:extLst>
+          </a:blip>
+          <a:stretch>
+            <a:fillRect/>
+          </a:stretch>
+        </p:blipFill>
+        <p:spPr>
+          <a:xfrm>
+            <a:off x="5544000" y="1231154"/>
+            <a:ext cx="3599999" cy="2701901"/>
+          </a:xfrm>
+          <a:prstGeom prst="rect">
+            <a:avLst/>
+          </a:prstGeom>
+        </p:spPr>
+      </p:pic>
+      <p:pic>
+        <p:nvPicPr>
+          <p:cNvPr id="28" name="Picture 27"/>
+          <p:cNvPicPr>
+            <a:picLocks noChangeAspect="1"/>
+          </p:cNvPicPr>
+          <p:nvPr/>
+        </p:nvPicPr>
+        <p:blipFill>
+          <a:blip r:embed="rId3" cstate="print">
+            <a:extLst>
+              <a:ext uri="{28A0092B-C50C-407E-A947-70E740481C1C}">
+                <a14:useLocalDpi xmlns:a14="http://schemas.microsoft.com/office/drawing/2010/main" val="0"/>
+              </a:ext>
+            </a:extLst>
+          </a:blip>
+          <a:stretch>
+            <a:fillRect/>
+          </a:stretch>
+        </p:blipFill>
+        <p:spPr>
+          <a:xfrm>
+            <a:off x="179913" y="4024364"/>
+            <a:ext cx="3599997" cy="2701901"/>
+          </a:xfrm>
+          <a:prstGeom prst="rect">
+            <a:avLst/>
+          </a:prstGeom>
+        </p:spPr>
+      </p:pic>
+      <p:pic>
+        <p:nvPicPr>
+          <p:cNvPr id="32" name="Picture 31"/>
+          <p:cNvPicPr>
+            <a:picLocks noChangeAspect="1"/>
+          </p:cNvPicPr>
+          <p:nvPr/>
+        </p:nvPicPr>
+        <p:blipFill>
+          <a:blip r:embed="rId4" cstate="print">
+            <a:extLst>
+              <a:ext uri="{28A0092B-C50C-407E-A947-70E740481C1C}">
+                <a14:useLocalDpi xmlns:a14="http://schemas.microsoft.com/office/drawing/2010/main" val="0"/>
+              </a:ext>
+            </a:extLst>
+          </a:blip>
+          <a:stretch>
+            <a:fillRect/>
+          </a:stretch>
+        </p:blipFill>
+        <p:spPr>
+          <a:xfrm>
+            <a:off x="179513" y="1231154"/>
+            <a:ext cx="3599997" cy="2701901"/>
+          </a:xfrm>
+          <a:prstGeom prst="rect">
+            <a:avLst/>
+          </a:prstGeom>
+        </p:spPr>
+      </p:pic>
+      <p:pic>
+        <p:nvPicPr>
+          <p:cNvPr id="34" name="Picture 33"/>
+          <p:cNvPicPr>
+            <a:picLocks noChangeAspect="1"/>
+          </p:cNvPicPr>
+          <p:nvPr/>
+        </p:nvPicPr>
+        <p:blipFill>
+          <a:blip r:embed="rId5" cstate="print">
+            <a:extLst>
+              <a:ext uri="{28A0092B-C50C-407E-A947-70E740481C1C}">
+                <a14:useLocalDpi xmlns:a14="http://schemas.microsoft.com/office/drawing/2010/main" val="0"/>
+              </a:ext>
+            </a:extLst>
+          </a:blip>
+          <a:stretch>
+            <a:fillRect/>
+          </a:stretch>
+        </p:blipFill>
+        <p:spPr>
+          <a:xfrm>
+            <a:off x="5544001" y="4024364"/>
+            <a:ext cx="3599997" cy="2701901"/>
+          </a:xfrm>
+          <a:prstGeom prst="rect">
+            <a:avLst/>
+          </a:prstGeom>
+        </p:spPr>
+      </p:pic>
+      <p:sp>
+        <p:nvSpPr>
+          <p:cNvPr id="46" name="ZoneTexte 32"/>
+          <p:cNvSpPr txBox="1"/>
+          <p:nvPr/>
+        </p:nvSpPr>
+        <p:spPr>
+          <a:xfrm>
+            <a:off x="179512" y="476672"/>
+            <a:ext cx="1276644" cy="461665"/>
+          </a:xfrm>
+          <a:prstGeom prst="rect">
+            <a:avLst/>
+          </a:prstGeom>
+        </p:spPr>
+        <p:style>
+          <a:lnRef idx="2">
+            <a:schemeClr val="accent6"/>
+          </a:lnRef>
+          <a:fillRef idx="1">
+            <a:schemeClr val="lt1"/>
+          </a:fillRef>
+          <a:effectRef idx="0">
+            <a:schemeClr val="accent6"/>
+          </a:effectRef>
+          <a:fontRef idx="minor">
+            <a:schemeClr val="dk1"/>
+          </a:fontRef>
+        </p:style>
+        <p:txBody>
+          <a:bodyPr wrap="square" rtlCol="0">
+            <a:spAutoFit/>
           </a:bodyPr>
           <a:lstStyle/>
           <a:p>
-            <a:r>
-              <a:rPr lang="en-GB" dirty="0" smtClean="0"/>
-              <a:t>Second case:</a:t>
-            </a:r>
-            <a:br>
-              <a:rPr lang="en-GB" dirty="0" smtClean="0"/>
-            </a:br>
-            <a:r>
-              <a:rPr lang="en-GB" dirty="0" smtClean="0"/>
-              <a:t>Double strap – linear profile</a:t>
-            </a:r>
-            <a:endParaRPr lang="en-GB" dirty="0"/>
+            <a:pPr algn="ctr"/>
+            <a:r>
+              <a:rPr lang="fr-FR" sz="1200" dirty="0" smtClean="0"/>
+              <a:t>Constant </a:t>
+            </a:r>
+            <a:r>
+              <a:rPr lang="fr-FR" sz="1200" dirty="0" err="1" smtClean="0"/>
+              <a:t>density</a:t>
+            </a:r>
+            <a:r>
+              <a:rPr lang="fr-FR" sz="1200" dirty="0" smtClean="0"/>
+              <a:t> plasma</a:t>
+            </a:r>
+            <a:endParaRPr lang="fr-FR" sz="1200" dirty="0"/>
+          </a:p>
+        </p:txBody>
+      </p:sp>
+      <p:sp>
+        <p:nvSpPr>
+          <p:cNvPr id="47" name="ZoneTexte 10"/>
+          <p:cNvSpPr txBox="1"/>
+          <p:nvPr/>
+        </p:nvSpPr>
+        <p:spPr>
+          <a:xfrm>
+            <a:off x="3707904" y="2761183"/>
+            <a:ext cx="1872208" cy="523220"/>
+          </a:xfrm>
+          <a:prstGeom prst="rect">
+            <a:avLst/>
+          </a:prstGeom>
+          <a:noFill/>
+        </p:spPr>
+        <p:txBody>
+          <a:bodyPr wrap="square" rtlCol="0">
+            <a:spAutoFit/>
+          </a:bodyPr>
+          <a:lstStyle/>
+          <a:p>
+            <a:pPr algn="ctr"/>
+            <a:r>
+              <a:rPr lang="fr-FR" sz="1400" dirty="0" smtClean="0"/>
+              <a:t>f=50MHz</a:t>
+            </a:r>
+          </a:p>
+          <a:p>
+            <a:pPr algn="ctr"/>
+            <a:r>
+              <a:rPr lang="fr-FR" sz="1400" dirty="0" smtClean="0"/>
+              <a:t>D(H)5%</a:t>
+            </a:r>
+          </a:p>
+        </p:txBody>
+      </p:sp>
+      <p:sp>
+        <p:nvSpPr>
+          <p:cNvPr id="11" name="ZoneTexte 10"/>
+          <p:cNvSpPr txBox="1"/>
+          <p:nvPr/>
+        </p:nvSpPr>
+        <p:spPr>
+          <a:xfrm>
+            <a:off x="990639" y="2258938"/>
+            <a:ext cx="1978543" cy="646331"/>
+          </a:xfrm>
+          <a:prstGeom prst="rect">
+            <a:avLst/>
+          </a:prstGeom>
+          <a:noFill/>
+        </p:spPr>
+        <p:txBody>
+          <a:bodyPr wrap="square" rtlCol="0">
+            <a:spAutoFit/>
+          </a:bodyPr>
+          <a:lstStyle/>
+          <a:p>
+            <a:r>
+              <a:rPr lang="fr-FR" dirty="0" err="1" smtClean="0"/>
+              <a:t>x_plasma</a:t>
+            </a:r>
+            <a:r>
+              <a:rPr lang="fr-FR" dirty="0" smtClean="0"/>
+              <a:t>=0.01</a:t>
+            </a:r>
+          </a:p>
+          <a:p>
+            <a:r>
+              <a:rPr lang="fr-FR" dirty="0" smtClean="0"/>
+              <a:t>n_e0=5e18</a:t>
+            </a:r>
+          </a:p>
+        </p:txBody>
+      </p:sp>
+      <p:sp>
+        <p:nvSpPr>
+          <p:cNvPr id="12" name="ZoneTexte 10"/>
+          <p:cNvSpPr txBox="1"/>
+          <p:nvPr/>
+        </p:nvSpPr>
+        <p:spPr>
+          <a:xfrm>
+            <a:off x="3936876" y="2348880"/>
+            <a:ext cx="1414264" cy="307777"/>
+          </a:xfrm>
+          <a:prstGeom prst="rect">
+            <a:avLst/>
+          </a:prstGeom>
+          <a:noFill/>
+        </p:spPr>
+        <p:txBody>
+          <a:bodyPr wrap="square" rtlCol="0">
+            <a:spAutoFit/>
+          </a:bodyPr>
+          <a:lstStyle/>
+          <a:p>
+            <a:pPr algn="ctr"/>
+            <a:r>
+              <a:rPr lang="fr-FR" sz="1400" dirty="0" smtClean="0"/>
+              <a:t>n_e0=5e18</a:t>
+            </a:r>
           </a:p>
         </p:txBody>
       </p:sp>
     </p:spTree>
     <p:extLst>
       <p:ext uri="{BB962C8B-B14F-4D97-AF65-F5344CB8AC3E}">
-        <p14:creationId xmlns:p14="http://schemas.microsoft.com/office/powerpoint/2010/main" val="3763316310"/>
+        <p14:creationId xmlns:p14="http://schemas.microsoft.com/office/powerpoint/2010/main" val="3387850196"/>
       </p:ext>
     </p:extLst>
   </p:cSld>

--- a/Test Configurations/Test Geometries.pptx
+++ b/Test Configurations/Test Geometries.pptx
@@ -6,27 +6,28 @@
   </p:sldMasterIdLst>
   <p:sldIdLst>
     <p:sldId id="256" r:id="rId2"/>
-    <p:sldId id="258" r:id="rId3"/>
-    <p:sldId id="257" r:id="rId4"/>
-    <p:sldId id="259" r:id="rId5"/>
-    <p:sldId id="260" r:id="rId6"/>
-    <p:sldId id="261" r:id="rId7"/>
-    <p:sldId id="262" r:id="rId8"/>
-    <p:sldId id="263" r:id="rId9"/>
-    <p:sldId id="264" r:id="rId10"/>
-    <p:sldId id="265" r:id="rId11"/>
-    <p:sldId id="266" r:id="rId12"/>
-    <p:sldId id="267" r:id="rId13"/>
-    <p:sldId id="268" r:id="rId14"/>
-    <p:sldId id="269" r:id="rId15"/>
-    <p:sldId id="270" r:id="rId16"/>
-    <p:sldId id="271" r:id="rId17"/>
-    <p:sldId id="272" r:id="rId18"/>
-    <p:sldId id="273" r:id="rId19"/>
-    <p:sldId id="274" r:id="rId20"/>
-    <p:sldId id="275" r:id="rId21"/>
-    <p:sldId id="276" r:id="rId22"/>
-    <p:sldId id="277" r:id="rId23"/>
+    <p:sldId id="278" r:id="rId3"/>
+    <p:sldId id="279" r:id="rId4"/>
+    <p:sldId id="257" r:id="rId5"/>
+    <p:sldId id="259" r:id="rId6"/>
+    <p:sldId id="260" r:id="rId7"/>
+    <p:sldId id="261" r:id="rId8"/>
+    <p:sldId id="262" r:id="rId9"/>
+    <p:sldId id="263" r:id="rId10"/>
+    <p:sldId id="264" r:id="rId11"/>
+    <p:sldId id="265" r:id="rId12"/>
+    <p:sldId id="266" r:id="rId13"/>
+    <p:sldId id="267" r:id="rId14"/>
+    <p:sldId id="268" r:id="rId15"/>
+    <p:sldId id="269" r:id="rId16"/>
+    <p:sldId id="270" r:id="rId17"/>
+    <p:sldId id="271" r:id="rId18"/>
+    <p:sldId id="272" r:id="rId19"/>
+    <p:sldId id="273" r:id="rId20"/>
+    <p:sldId id="274" r:id="rId21"/>
+    <p:sldId id="275" r:id="rId22"/>
+    <p:sldId id="276" r:id="rId23"/>
+    <p:sldId id="277" r:id="rId24"/>
   </p:sldIdLst>
   <p:sldSz cx="9144000" cy="6858000" type="screen4x3"/>
   <p:notesSz cx="6858000" cy="9144000"/>
@@ -309,7 +310,7 @@
           <a:p>
             <a:fld id="{AA309A6D-C09C-4548-B29A-6CF363A7E532}" type="datetimeFigureOut">
               <a:rPr lang="fr-FR" smtClean="0"/>
-              <a:t>14/06/2018</a:t>
+              <a:t>01/08/2018</a:t>
             </a:fld>
             <a:endParaRPr lang="fr-BE"/>
           </a:p>
@@ -474,7 +475,7 @@
           <a:p>
             <a:fld id="{AA309A6D-C09C-4548-B29A-6CF363A7E532}" type="datetimeFigureOut">
               <a:rPr lang="fr-FR" smtClean="0"/>
-              <a:t>14/06/2018</a:t>
+              <a:t>01/08/2018</a:t>
             </a:fld>
             <a:endParaRPr lang="fr-BE"/>
           </a:p>
@@ -649,7 +650,7 @@
           <a:p>
             <a:fld id="{AA309A6D-C09C-4548-B29A-6CF363A7E532}" type="datetimeFigureOut">
               <a:rPr lang="fr-FR" smtClean="0"/>
-              <a:t>14/06/2018</a:t>
+              <a:t>01/08/2018</a:t>
             </a:fld>
             <a:endParaRPr lang="fr-BE"/>
           </a:p>
@@ -814,7 +815,7 @@
           <a:p>
             <a:fld id="{AA309A6D-C09C-4548-B29A-6CF363A7E532}" type="datetimeFigureOut">
               <a:rPr lang="fr-FR" smtClean="0"/>
-              <a:t>14/06/2018</a:t>
+              <a:t>01/08/2018</a:t>
             </a:fld>
             <a:endParaRPr lang="fr-BE"/>
           </a:p>
@@ -1055,7 +1056,7 @@
           <a:p>
             <a:fld id="{AA309A6D-C09C-4548-B29A-6CF363A7E532}" type="datetimeFigureOut">
               <a:rPr lang="fr-FR" smtClean="0"/>
-              <a:t>14/06/2018</a:t>
+              <a:t>01/08/2018</a:t>
             </a:fld>
             <a:endParaRPr lang="fr-BE"/>
           </a:p>
@@ -1338,7 +1339,7 @@
           <a:p>
             <a:fld id="{AA309A6D-C09C-4548-B29A-6CF363A7E532}" type="datetimeFigureOut">
               <a:rPr lang="fr-FR" smtClean="0"/>
-              <a:t>14/06/2018</a:t>
+              <a:t>01/08/2018</a:t>
             </a:fld>
             <a:endParaRPr lang="fr-BE"/>
           </a:p>
@@ -1755,7 +1756,7 @@
           <a:p>
             <a:fld id="{AA309A6D-C09C-4548-B29A-6CF363A7E532}" type="datetimeFigureOut">
               <a:rPr lang="fr-FR" smtClean="0"/>
-              <a:t>14/06/2018</a:t>
+              <a:t>01/08/2018</a:t>
             </a:fld>
             <a:endParaRPr lang="fr-BE"/>
           </a:p>
@@ -1868,7 +1869,7 @@
           <a:p>
             <a:fld id="{AA309A6D-C09C-4548-B29A-6CF363A7E532}" type="datetimeFigureOut">
               <a:rPr lang="fr-FR" smtClean="0"/>
-              <a:t>14/06/2018</a:t>
+              <a:t>01/08/2018</a:t>
             </a:fld>
             <a:endParaRPr lang="fr-BE"/>
           </a:p>
@@ -1958,7 +1959,7 @@
           <a:p>
             <a:fld id="{AA309A6D-C09C-4548-B29A-6CF363A7E532}" type="datetimeFigureOut">
               <a:rPr lang="fr-FR" smtClean="0"/>
-              <a:t>14/06/2018</a:t>
+              <a:t>01/08/2018</a:t>
             </a:fld>
             <a:endParaRPr lang="fr-BE"/>
           </a:p>
@@ -2230,7 +2231,7 @@
           <a:p>
             <a:fld id="{AA309A6D-C09C-4548-B29A-6CF363A7E532}" type="datetimeFigureOut">
               <a:rPr lang="fr-FR" smtClean="0"/>
-              <a:t>14/06/2018</a:t>
+              <a:t>01/08/2018</a:t>
             </a:fld>
             <a:endParaRPr lang="fr-BE"/>
           </a:p>
@@ -2478,7 +2479,7 @@
           <a:p>
             <a:fld id="{AA309A6D-C09C-4548-B29A-6CF363A7E532}" type="datetimeFigureOut">
               <a:rPr lang="fr-FR" smtClean="0"/>
-              <a:t>14/06/2018</a:t>
+              <a:t>01/08/2018</a:t>
             </a:fld>
             <a:endParaRPr lang="fr-BE"/>
           </a:p>
@@ -2686,7 +2687,7 @@
           <a:p>
             <a:fld id="{AA309A6D-C09C-4548-B29A-6CF363A7E532}" type="datetimeFigureOut">
               <a:rPr lang="fr-FR" smtClean="0"/>
-              <a:t>14/06/2018</a:t>
+              <a:t>01/08/2018</a:t>
             </a:fld>
             <a:endParaRPr lang="fr-BE"/>
           </a:p>
@@ -4893,6 +4894,68 @@
           </a:p>
         </p:txBody>
       </p:sp>
+      <p:cxnSp>
+        <p:nvCxnSpPr>
+          <p:cNvPr id="3" name="Connecteur droit 2"/>
+          <p:cNvCxnSpPr/>
+          <p:nvPr/>
+        </p:nvCxnSpPr>
+        <p:spPr>
+          <a:xfrm>
+            <a:off x="1043608" y="260648"/>
+            <a:ext cx="7590643" cy="6192688"/>
+          </a:xfrm>
+          <a:prstGeom prst="line">
+            <a:avLst/>
+          </a:prstGeom>
+        </p:spPr>
+        <p:style>
+          <a:lnRef idx="1">
+            <a:schemeClr val="accent1"/>
+          </a:lnRef>
+          <a:fillRef idx="0">
+            <a:schemeClr val="accent1"/>
+          </a:fillRef>
+          <a:effectRef idx="0">
+            <a:schemeClr val="accent1"/>
+          </a:effectRef>
+          <a:fontRef idx="minor">
+            <a:schemeClr val="tx1"/>
+          </a:fontRef>
+        </p:style>
+      </p:cxnSp>
+      <p:cxnSp>
+        <p:nvCxnSpPr>
+          <p:cNvPr id="10" name="Connecteur droit 9"/>
+          <p:cNvCxnSpPr>
+            <a:stCxn id="4" idx="3"/>
+          </p:cNvCxnSpPr>
+          <p:nvPr/>
+        </p:nvCxnSpPr>
+        <p:spPr>
+          <a:xfrm flipH="1">
+            <a:off x="1259632" y="328092"/>
+            <a:ext cx="7427168" cy="6197252"/>
+          </a:xfrm>
+          <a:prstGeom prst="line">
+            <a:avLst/>
+          </a:prstGeom>
+        </p:spPr>
+        <p:style>
+          <a:lnRef idx="1">
+            <a:schemeClr val="accent1"/>
+          </a:lnRef>
+          <a:fillRef idx="0">
+            <a:schemeClr val="accent1"/>
+          </a:fillRef>
+          <a:effectRef idx="0">
+            <a:schemeClr val="accent1"/>
+          </a:effectRef>
+          <a:fontRef idx="minor">
+            <a:schemeClr val="tx1"/>
+          </a:fontRef>
+        </p:style>
+      </p:cxnSp>
     </p:spTree>
     <p:extLst>
       <p:ext uri="{BB962C8B-B14F-4D97-AF65-F5344CB8AC3E}">
@@ -4976,8 +5039,8 @@
         </p:blipFill>
         <p:spPr>
           <a:xfrm>
-            <a:off x="5544001" y="1231154"/>
-            <a:ext cx="3599997" cy="2701901"/>
+            <a:off x="5544000" y="1231154"/>
+            <a:ext cx="3599999" cy="2701901"/>
           </a:xfrm>
           <a:prstGeom prst="rect">
             <a:avLst/>
@@ -5006,8 +5069,8 @@
         </p:blipFill>
         <p:spPr>
           <a:xfrm>
-            <a:off x="107505" y="4041369"/>
-            <a:ext cx="5399998" cy="2699999"/>
+            <a:off x="179913" y="4024364"/>
+            <a:ext cx="3599997" cy="2701901"/>
           </a:xfrm>
           <a:prstGeom prst="rect">
             <a:avLst/>
@@ -5044,44 +5107,36 @@
           </a:prstGeom>
         </p:spPr>
       </p:pic>
-      <p:sp>
-        <p:nvSpPr>
-          <p:cNvPr id="29" name="ZoneTexte 10"/>
-          <p:cNvSpPr txBox="1"/>
-          <p:nvPr/>
-        </p:nvSpPr>
-        <p:spPr>
-          <a:xfrm>
-            <a:off x="3635896" y="1340768"/>
-            <a:ext cx="1872208" cy="523220"/>
-          </a:xfrm>
-          <a:prstGeom prst="rect">
-            <a:avLst/>
-          </a:prstGeom>
-          <a:noFill/>
-        </p:spPr>
-        <p:txBody>
-          <a:bodyPr wrap="square" rtlCol="0">
-            <a:spAutoFit/>
-          </a:bodyPr>
-          <a:lstStyle/>
-          <a:p>
-            <a:pPr algn="ctr"/>
-            <a:r>
-              <a:rPr lang="fr-FR" sz="1400" dirty="0" smtClean="0"/>
-              <a:t>30 </a:t>
-            </a:r>
-            <a:r>
-              <a:rPr lang="fr-FR" sz="1400" dirty="0" err="1" smtClean="0"/>
-              <a:t>elements</a:t>
-            </a:r>
-            <a:r>
-              <a:rPr lang="fr-FR" sz="1400" dirty="0" smtClean="0"/>
-              <a:t> in the expansion of J</a:t>
-            </a:r>
-          </a:p>
-        </p:txBody>
-      </p:sp>
+      <p:pic>
+        <p:nvPicPr>
+          <p:cNvPr id="34" name="Picture 33"/>
+          <p:cNvPicPr>
+            <a:picLocks noChangeAspect="1"/>
+          </p:cNvPicPr>
+          <p:nvPr/>
+        </p:nvPicPr>
+        <p:blipFill>
+          <a:blip r:embed="rId5" cstate="print">
+            <a:extLst>
+              <a:ext uri="{28A0092B-C50C-407E-A947-70E740481C1C}">
+                <a14:useLocalDpi xmlns:a14="http://schemas.microsoft.com/office/drawing/2010/main" val="0"/>
+              </a:ext>
+            </a:extLst>
+          </a:blip>
+          <a:stretch>
+            <a:fillRect/>
+          </a:stretch>
+        </p:blipFill>
+        <p:spPr>
+          <a:xfrm>
+            <a:off x="5544001" y="4024364"/>
+            <a:ext cx="3599997" cy="2701901"/>
+          </a:xfrm>
+          <a:prstGeom prst="rect">
+            <a:avLst/>
+          </a:prstGeom>
+        </p:spPr>
+      </p:pic>
       <p:sp>
         <p:nvSpPr>
           <p:cNvPr id="46" name="ZoneTexte 32"/>
@@ -5134,45 +5189,15 @@
           </a:p>
         </p:txBody>
       </p:sp>
-      <p:pic>
-        <p:nvPicPr>
-          <p:cNvPr id="10" name="Picture 9"/>
-          <p:cNvPicPr>
-            <a:picLocks noChangeAspect="1"/>
-          </p:cNvPicPr>
-          <p:nvPr/>
-        </p:nvPicPr>
-        <p:blipFill>
-          <a:blip r:embed="rId5" cstate="print">
-            <a:extLst>
-              <a:ext uri="{28A0092B-C50C-407E-A947-70E740481C1C}">
-                <a14:useLocalDpi xmlns:a14="http://schemas.microsoft.com/office/drawing/2010/main" val="0"/>
-              </a:ext>
-            </a:extLst>
-          </a:blip>
-          <a:stretch>
-            <a:fillRect/>
-          </a:stretch>
-        </p:blipFill>
-        <p:spPr>
-          <a:xfrm>
-            <a:off x="5544001" y="4024364"/>
-            <a:ext cx="3599997" cy="2701900"/>
-          </a:xfrm>
-          <a:prstGeom prst="rect">
-            <a:avLst/>
-          </a:prstGeom>
-        </p:spPr>
-      </p:pic>
-      <p:sp>
-        <p:nvSpPr>
-          <p:cNvPr id="11" name="ZoneTexte 10"/>
+      <p:sp>
+        <p:nvSpPr>
+          <p:cNvPr id="47" name="ZoneTexte 10"/>
           <p:cNvSpPr txBox="1"/>
           <p:nvPr/>
         </p:nvSpPr>
         <p:spPr>
           <a:xfrm>
-            <a:off x="3707904" y="2905780"/>
+            <a:off x="3707904" y="2761183"/>
             <a:ext cx="1872208" cy="523220"/>
           </a:xfrm>
           <a:prstGeom prst="rect">
@@ -5203,14 +5228,14 @@
       </p:sp>
       <p:sp>
         <p:nvSpPr>
-          <p:cNvPr id="12" name="ZoneTexte 10"/>
+          <p:cNvPr id="11" name="ZoneTexte 10"/>
           <p:cNvSpPr txBox="1"/>
           <p:nvPr/>
         </p:nvSpPr>
         <p:spPr>
           <a:xfrm>
-            <a:off x="3936876" y="2348880"/>
-            <a:ext cx="1414264" cy="307777"/>
+            <a:off x="990639" y="2258938"/>
+            <a:ext cx="1978543" cy="646331"/>
           </a:xfrm>
           <a:prstGeom prst="rect">
             <a:avLst/>
@@ -5223,6 +5248,45 @@
           </a:bodyPr>
           <a:lstStyle/>
           <a:p>
+            <a:r>
+              <a:rPr lang="fr-FR" dirty="0" err="1" smtClean="0"/>
+              <a:t>x_plasma</a:t>
+            </a:r>
+            <a:r>
+              <a:rPr lang="fr-FR" dirty="0" smtClean="0"/>
+              <a:t>=0.01</a:t>
+            </a:r>
+          </a:p>
+          <a:p>
+            <a:r>
+              <a:rPr lang="fr-FR" dirty="0" smtClean="0"/>
+              <a:t>n_e0=5e18</a:t>
+            </a:r>
+          </a:p>
+        </p:txBody>
+      </p:sp>
+      <p:sp>
+        <p:nvSpPr>
+          <p:cNvPr id="12" name="ZoneTexte 10"/>
+          <p:cNvSpPr txBox="1"/>
+          <p:nvPr/>
+        </p:nvSpPr>
+        <p:spPr>
+          <a:xfrm>
+            <a:off x="3936876" y="2348880"/>
+            <a:ext cx="1414264" cy="307777"/>
+          </a:xfrm>
+          <a:prstGeom prst="rect">
+            <a:avLst/>
+          </a:prstGeom>
+          <a:noFill/>
+        </p:spPr>
+        <p:txBody>
+          <a:bodyPr wrap="square" rtlCol="0">
+            <a:spAutoFit/>
+          </a:bodyPr>
+          <a:lstStyle/>
+          <a:p>
             <a:pPr algn="ctr"/>
             <a:r>
               <a:rPr lang="fr-FR" sz="1400" dirty="0" smtClean="0"/>
@@ -5234,7 +5298,7 @@
     </p:spTree>
     <p:extLst>
       <p:ext uri="{BB962C8B-B14F-4D97-AF65-F5344CB8AC3E}">
-        <p14:creationId xmlns:p14="http://schemas.microsoft.com/office/powerpoint/2010/main" val="3662945090"/>
+        <p14:creationId xmlns:p14="http://schemas.microsoft.com/office/powerpoint/2010/main" val="3387850196"/>
       </p:ext>
     </p:extLst>
   </p:cSld>
@@ -5282,11 +5346,11 @@
             </a:r>
             <a:r>
               <a:rPr lang="fr-FR" dirty="0" err="1" smtClean="0"/>
-              <a:t>Response</a:t>
+              <a:t>Conf</a:t>
             </a:r>
             <a:r>
               <a:rPr lang="fr-FR" dirty="0" smtClean="0"/>
-              <a:t> 5e8</a:t>
+              <a:t>. 5e8</a:t>
             </a:r>
             <a:endParaRPr lang="fr-FR" dirty="0"/>
           </a:p>
@@ -5344,8 +5408,8 @@
         </p:blipFill>
         <p:spPr>
           <a:xfrm>
-            <a:off x="179913" y="4024364"/>
-            <a:ext cx="3599997" cy="2701900"/>
+            <a:off x="107505" y="4041369"/>
+            <a:ext cx="5399998" cy="2699999"/>
           </a:xfrm>
           <a:prstGeom prst="rect">
             <a:avLst/>
@@ -5375,43 +5439,51 @@
         <p:spPr>
           <a:xfrm>
             <a:off x="179513" y="1231154"/>
-            <a:ext cx="3599997" cy="2701900"/>
+            <a:ext cx="3599997" cy="2701901"/>
           </a:xfrm>
           <a:prstGeom prst="rect">
             <a:avLst/>
           </a:prstGeom>
         </p:spPr>
       </p:pic>
-      <p:pic>
-        <p:nvPicPr>
-          <p:cNvPr id="34" name="Picture 33"/>
-          <p:cNvPicPr>
-            <a:picLocks noChangeAspect="1"/>
-          </p:cNvPicPr>
-          <p:nvPr/>
-        </p:nvPicPr>
-        <p:blipFill>
-          <a:blip r:embed="rId5" cstate="print">
-            <a:extLst>
-              <a:ext uri="{28A0092B-C50C-407E-A947-70E740481C1C}">
-                <a14:useLocalDpi xmlns:a14="http://schemas.microsoft.com/office/drawing/2010/main" val="0"/>
-              </a:ext>
-            </a:extLst>
-          </a:blip>
-          <a:stretch>
-            <a:fillRect/>
-          </a:stretch>
-        </p:blipFill>
-        <p:spPr>
-          <a:xfrm>
-            <a:off x="5544001" y="4024364"/>
-            <a:ext cx="3599997" cy="2701900"/>
-          </a:xfrm>
-          <a:prstGeom prst="rect">
-            <a:avLst/>
-          </a:prstGeom>
-        </p:spPr>
-      </p:pic>
+      <p:sp>
+        <p:nvSpPr>
+          <p:cNvPr id="29" name="ZoneTexte 10"/>
+          <p:cNvSpPr txBox="1"/>
+          <p:nvPr/>
+        </p:nvSpPr>
+        <p:spPr>
+          <a:xfrm>
+            <a:off x="3635896" y="1340768"/>
+            <a:ext cx="1872208" cy="523220"/>
+          </a:xfrm>
+          <a:prstGeom prst="rect">
+            <a:avLst/>
+          </a:prstGeom>
+          <a:noFill/>
+        </p:spPr>
+        <p:txBody>
+          <a:bodyPr wrap="square" rtlCol="0">
+            <a:spAutoFit/>
+          </a:bodyPr>
+          <a:lstStyle/>
+          <a:p>
+            <a:pPr algn="ctr"/>
+            <a:r>
+              <a:rPr lang="fr-FR" sz="1400" dirty="0" smtClean="0"/>
+              <a:t>30 </a:t>
+            </a:r>
+            <a:r>
+              <a:rPr lang="fr-FR" sz="1400" dirty="0" err="1" smtClean="0"/>
+              <a:t>elements</a:t>
+            </a:r>
+            <a:r>
+              <a:rPr lang="fr-FR" sz="1400" dirty="0" smtClean="0"/>
+              <a:t> in the expansion of J</a:t>
+            </a:r>
+          </a:p>
+        </p:txBody>
+      </p:sp>
       <p:sp>
         <p:nvSpPr>
           <p:cNvPr id="46" name="ZoneTexte 32"/>
@@ -5464,15 +5536,45 @@
           </a:p>
         </p:txBody>
       </p:sp>
-      <p:sp>
-        <p:nvSpPr>
-          <p:cNvPr id="10" name="ZoneTexte 10"/>
+      <p:pic>
+        <p:nvPicPr>
+          <p:cNvPr id="10" name="Picture 9"/>
+          <p:cNvPicPr>
+            <a:picLocks noChangeAspect="1"/>
+          </p:cNvPicPr>
+          <p:nvPr/>
+        </p:nvPicPr>
+        <p:blipFill>
+          <a:blip r:embed="rId5" cstate="print">
+            <a:extLst>
+              <a:ext uri="{28A0092B-C50C-407E-A947-70E740481C1C}">
+                <a14:useLocalDpi xmlns:a14="http://schemas.microsoft.com/office/drawing/2010/main" val="0"/>
+              </a:ext>
+            </a:extLst>
+          </a:blip>
+          <a:stretch>
+            <a:fillRect/>
+          </a:stretch>
+        </p:blipFill>
+        <p:spPr>
+          <a:xfrm>
+            <a:off x="5544001" y="4024364"/>
+            <a:ext cx="3599997" cy="2701900"/>
+          </a:xfrm>
+          <a:prstGeom prst="rect">
+            <a:avLst/>
+          </a:prstGeom>
+        </p:spPr>
+      </p:pic>
+      <p:sp>
+        <p:nvSpPr>
+          <p:cNvPr id="11" name="ZoneTexte 10"/>
           <p:cNvSpPr txBox="1"/>
           <p:nvPr/>
         </p:nvSpPr>
         <p:spPr>
           <a:xfrm>
-            <a:off x="3707904" y="2761183"/>
+            <a:off x="3707904" y="2905780"/>
             <a:ext cx="1872208" cy="523220"/>
           </a:xfrm>
           <a:prstGeom prst="rect">
@@ -5503,14 +5605,14 @@
       </p:sp>
       <p:sp>
         <p:nvSpPr>
-          <p:cNvPr id="11" name="ZoneTexte 10"/>
+          <p:cNvPr id="12" name="ZoneTexte 10"/>
           <p:cNvSpPr txBox="1"/>
           <p:nvPr/>
         </p:nvSpPr>
         <p:spPr>
           <a:xfrm>
-            <a:off x="3707904" y="4571836"/>
-            <a:ext cx="1872208" cy="646331"/>
+            <a:off x="3936876" y="2348880"/>
+            <a:ext cx="1414264" cy="307777"/>
           </a:xfrm>
           <a:prstGeom prst="rect">
             <a:avLst/>
@@ -5525,139 +5627,6 @@
           <a:p>
             <a:pPr algn="ctr"/>
             <a:r>
-              <a:rPr lang="fr-FR" dirty="0" err="1" smtClean="0"/>
-              <a:t>Dipole</a:t>
-            </a:r>
-            <a:r>
-              <a:rPr lang="fr-FR" dirty="0" smtClean="0"/>
-              <a:t> </a:t>
-            </a:r>
-            <a:r>
-              <a:rPr lang="fr-FR" dirty="0" err="1" smtClean="0"/>
-              <a:t>phasing</a:t>
-            </a:r>
-            <a:endParaRPr lang="fr-FR" dirty="0" smtClean="0"/>
-          </a:p>
-          <a:p>
-            <a:pPr algn="ctr"/>
-            <a:r>
-              <a:rPr lang="fr-FR" dirty="0" smtClean="0"/>
-              <a:t>Z</a:t>
-            </a:r>
-            <a:r>
-              <a:rPr lang="fr-FR" baseline="-25000" dirty="0" smtClean="0"/>
-              <a:t>A</a:t>
-            </a:r>
-            <a:r>
-              <a:rPr lang="fr-FR" dirty="0" smtClean="0"/>
-              <a:t>=R</a:t>
-            </a:r>
-            <a:r>
-              <a:rPr lang="fr-FR" baseline="-25000" dirty="0" smtClean="0"/>
-              <a:t>A3</a:t>
-            </a:r>
-            <a:r>
-              <a:rPr lang="fr-FR" dirty="0" smtClean="0"/>
-              <a:t>+iX</a:t>
-            </a:r>
-            <a:r>
-              <a:rPr lang="fr-FR" baseline="-25000" dirty="0" smtClean="0"/>
-              <a:t>A3</a:t>
-            </a:r>
-          </a:p>
-        </p:txBody>
-      </p:sp>
-      <p:sp>
-        <p:nvSpPr>
-          <p:cNvPr id="13" name="ZoneTexte 10"/>
-          <p:cNvSpPr txBox="1"/>
-          <p:nvPr/>
-        </p:nvSpPr>
-        <p:spPr>
-          <a:xfrm>
-            <a:off x="3441296" y="3574757"/>
-            <a:ext cx="2261408" cy="523220"/>
-          </a:xfrm>
-          <a:prstGeom prst="rect">
-            <a:avLst/>
-          </a:prstGeom>
-        </p:spPr>
-        <p:style>
-          <a:lnRef idx="2">
-            <a:schemeClr val="accent5"/>
-          </a:lnRef>
-          <a:fillRef idx="1">
-            <a:schemeClr val="lt1"/>
-          </a:fillRef>
-          <a:effectRef idx="0">
-            <a:schemeClr val="accent5"/>
-          </a:effectRef>
-          <a:fontRef idx="minor">
-            <a:schemeClr val="dk1"/>
-          </a:fontRef>
-        </p:style>
-        <p:txBody>
-          <a:bodyPr wrap="square" rtlCol="0">
-            <a:spAutoFit/>
-          </a:bodyPr>
-          <a:lstStyle/>
-          <a:p>
-            <a:pPr algn="ctr"/>
-            <a:r>
-              <a:rPr lang="fr-FR" sz="1400" dirty="0" smtClean="0"/>
-              <a:t>Z</a:t>
-            </a:r>
-            <a:r>
-              <a:rPr lang="fr-FR" sz="1400" baseline="-25000" dirty="0" smtClean="0"/>
-              <a:t>11</a:t>
-            </a:r>
-            <a:r>
-              <a:rPr lang="fr-FR" sz="1400" dirty="0" smtClean="0"/>
-              <a:t>=(12.9-i126.9)ohm/m</a:t>
-            </a:r>
-          </a:p>
-          <a:p>
-            <a:pPr algn="ctr"/>
-            <a:r>
-              <a:rPr lang="fr-FR" sz="1400" dirty="0"/>
-              <a:t>Z</a:t>
-            </a:r>
-            <a:r>
-              <a:rPr lang="fr-FR" sz="1400" baseline="-25000" dirty="0"/>
-              <a:t>21</a:t>
-            </a:r>
-            <a:r>
-              <a:rPr lang="fr-FR" sz="1400" dirty="0" smtClean="0"/>
-              <a:t>=(11.8-i22.1)ohm/m</a:t>
-            </a:r>
-            <a:endParaRPr lang="fr-FR" sz="1400" baseline="-25000" dirty="0"/>
-          </a:p>
-        </p:txBody>
-      </p:sp>
-      <p:sp>
-        <p:nvSpPr>
-          <p:cNvPr id="12" name="ZoneTexte 10"/>
-          <p:cNvSpPr txBox="1"/>
-          <p:nvPr/>
-        </p:nvSpPr>
-        <p:spPr>
-          <a:xfrm>
-            <a:off x="3936876" y="2348880"/>
-            <a:ext cx="1414264" cy="307777"/>
-          </a:xfrm>
-          <a:prstGeom prst="rect">
-            <a:avLst/>
-          </a:prstGeom>
-          <a:noFill/>
-        </p:spPr>
-        <p:txBody>
-          <a:bodyPr wrap="square" rtlCol="0">
-            <a:spAutoFit/>
-          </a:bodyPr>
-          <a:lstStyle/>
-          <a:p>
-            <a:pPr algn="ctr"/>
-            <a:r>
               <a:rPr lang="fr-FR" sz="1400" dirty="0" smtClean="0"/>
               <a:t>n_e0=5e18</a:t>
             </a:r>
@@ -5667,7 +5636,7 @@
     </p:spTree>
     <p:extLst>
       <p:ext uri="{BB962C8B-B14F-4D97-AF65-F5344CB8AC3E}">
-        <p14:creationId xmlns:p14="http://schemas.microsoft.com/office/powerpoint/2010/main" val="3817817206"/>
+        <p14:creationId xmlns:p14="http://schemas.microsoft.com/office/powerpoint/2010/main" val="3662945090"/>
       </p:ext>
     </p:extLst>
   </p:cSld>
@@ -5715,11 +5684,11 @@
             </a:r>
             <a:r>
               <a:rPr lang="fr-FR" dirty="0" err="1" smtClean="0"/>
-              <a:t>Conf</a:t>
+              <a:t>Response</a:t>
             </a:r>
             <a:r>
               <a:rPr lang="fr-FR" dirty="0" smtClean="0"/>
-              <a:t>. 10e8</a:t>
+              <a:t> 5e8</a:t>
             </a:r>
             <a:endParaRPr lang="fr-FR" dirty="0"/>
           </a:p>
@@ -5899,7 +5868,7 @@
       </p:sp>
       <p:sp>
         <p:nvSpPr>
-          <p:cNvPr id="47" name="ZoneTexte 10"/>
+          <p:cNvPr id="10" name="ZoneTexte 10"/>
           <p:cNvSpPr txBox="1"/>
           <p:nvPr/>
         </p:nvSpPr>
@@ -5942,8 +5911,8 @@
         </p:nvSpPr>
         <p:spPr>
           <a:xfrm>
-            <a:off x="990639" y="2258938"/>
-            <a:ext cx="1978543" cy="646331"/>
+            <a:off x="3707904" y="4571836"/>
+            <a:ext cx="1872208" cy="646331"/>
           </a:xfrm>
           <a:prstGeom prst="rect">
             <a:avLst/>
@@ -5956,39 +5925,79 @@
           </a:bodyPr>
           <a:lstStyle/>
           <a:p>
+            <a:pPr algn="ctr"/>
             <a:r>
               <a:rPr lang="fr-FR" dirty="0" err="1" smtClean="0"/>
-              <a:t>x_plasma</a:t>
+              <a:t>Dipole</a:t>
             </a:r>
             <a:r>
               <a:rPr lang="fr-FR" dirty="0" smtClean="0"/>
-              <a:t>=0.01</a:t>
-            </a:r>
-          </a:p>
-          <a:p>
+              <a:t> </a:t>
+            </a:r>
+            <a:r>
+              <a:rPr lang="fr-FR" dirty="0" err="1" smtClean="0"/>
+              <a:t>phasing</a:t>
+            </a:r>
+            <a:endParaRPr lang="fr-FR" dirty="0" smtClean="0"/>
+          </a:p>
+          <a:p>
+            <a:pPr algn="ctr"/>
             <a:r>
               <a:rPr lang="fr-FR" dirty="0" smtClean="0"/>
-              <a:t>n_e0=10e18</a:t>
-            </a:r>
-          </a:p>
-        </p:txBody>
-      </p:sp>
-      <p:sp>
-        <p:nvSpPr>
-          <p:cNvPr id="12" name="ZoneTexte 10"/>
+              <a:t>Z</a:t>
+            </a:r>
+            <a:r>
+              <a:rPr lang="fr-FR" baseline="-25000" dirty="0" smtClean="0"/>
+              <a:t>A</a:t>
+            </a:r>
+            <a:r>
+              <a:rPr lang="fr-FR" dirty="0" smtClean="0"/>
+              <a:t>=R</a:t>
+            </a:r>
+            <a:r>
+              <a:rPr lang="fr-FR" baseline="-25000" dirty="0" smtClean="0"/>
+              <a:t>A3</a:t>
+            </a:r>
+            <a:r>
+              <a:rPr lang="fr-FR" dirty="0" smtClean="0"/>
+              <a:t>+iX</a:t>
+            </a:r>
+            <a:r>
+              <a:rPr lang="fr-FR" baseline="-25000" dirty="0" smtClean="0"/>
+              <a:t>A3</a:t>
+            </a:r>
+          </a:p>
+        </p:txBody>
+      </p:sp>
+      <p:sp>
+        <p:nvSpPr>
+          <p:cNvPr id="13" name="ZoneTexte 10"/>
           <p:cNvSpPr txBox="1"/>
           <p:nvPr/>
         </p:nvSpPr>
         <p:spPr>
           <a:xfrm>
-            <a:off x="3936876" y="2348880"/>
-            <a:ext cx="1414264" cy="307777"/>
-          </a:xfrm>
-          <a:prstGeom prst="rect">
-            <a:avLst/>
-          </a:prstGeom>
-          <a:noFill/>
-        </p:spPr>
+            <a:off x="3441296" y="3574757"/>
+            <a:ext cx="2261408" cy="523220"/>
+          </a:xfrm>
+          <a:prstGeom prst="rect">
+            <a:avLst/>
+          </a:prstGeom>
+        </p:spPr>
+        <p:style>
+          <a:lnRef idx="2">
+            <a:schemeClr val="accent5"/>
+          </a:lnRef>
+          <a:fillRef idx="1">
+            <a:schemeClr val="lt1"/>
+          </a:fillRef>
+          <a:effectRef idx="0">
+            <a:schemeClr val="accent5"/>
+          </a:effectRef>
+          <a:fontRef idx="minor">
+            <a:schemeClr val="dk1"/>
+          </a:fontRef>
+        </p:style>
         <p:txBody>
           <a:bodyPr wrap="square" rtlCol="0">
             <a:spAutoFit/>
@@ -5998,7 +6007,61 @@
             <a:pPr algn="ctr"/>
             <a:r>
               <a:rPr lang="fr-FR" sz="1400" dirty="0" smtClean="0"/>
-              <a:t>n_e0=10e18</a:t>
+              <a:t>Z</a:t>
+            </a:r>
+            <a:r>
+              <a:rPr lang="fr-FR" sz="1400" baseline="-25000" dirty="0" smtClean="0"/>
+              <a:t>11</a:t>
+            </a:r>
+            <a:r>
+              <a:rPr lang="fr-FR" sz="1400" dirty="0" smtClean="0"/>
+              <a:t>=(12.9-i126.9)ohm/m</a:t>
+            </a:r>
+          </a:p>
+          <a:p>
+            <a:pPr algn="ctr"/>
+            <a:r>
+              <a:rPr lang="fr-FR" sz="1400" dirty="0"/>
+              <a:t>Z</a:t>
+            </a:r>
+            <a:r>
+              <a:rPr lang="fr-FR" sz="1400" baseline="-25000" dirty="0"/>
+              <a:t>21</a:t>
+            </a:r>
+            <a:r>
+              <a:rPr lang="fr-FR" sz="1400" dirty="0" smtClean="0"/>
+              <a:t>=(11.8-i22.1)ohm/m</a:t>
+            </a:r>
+            <a:endParaRPr lang="fr-FR" sz="1400" baseline="-25000" dirty="0"/>
+          </a:p>
+        </p:txBody>
+      </p:sp>
+      <p:sp>
+        <p:nvSpPr>
+          <p:cNvPr id="12" name="ZoneTexte 10"/>
+          <p:cNvSpPr txBox="1"/>
+          <p:nvPr/>
+        </p:nvSpPr>
+        <p:spPr>
+          <a:xfrm>
+            <a:off x="3936876" y="2348880"/>
+            <a:ext cx="1414264" cy="307777"/>
+          </a:xfrm>
+          <a:prstGeom prst="rect">
+            <a:avLst/>
+          </a:prstGeom>
+          <a:noFill/>
+        </p:spPr>
+        <p:txBody>
+          <a:bodyPr wrap="square" rtlCol="0">
+            <a:spAutoFit/>
+          </a:bodyPr>
+          <a:lstStyle/>
+          <a:p>
+            <a:pPr algn="ctr"/>
+            <a:r>
+              <a:rPr lang="fr-FR" sz="1400" dirty="0" smtClean="0"/>
+              <a:t>n_e0=5e18</a:t>
             </a:r>
           </a:p>
         </p:txBody>
@@ -6006,7 +6069,7 @@
     </p:spTree>
     <p:extLst>
       <p:ext uri="{BB962C8B-B14F-4D97-AF65-F5344CB8AC3E}">
-        <p14:creationId xmlns:p14="http://schemas.microsoft.com/office/powerpoint/2010/main" val="1456251155"/>
+        <p14:creationId xmlns:p14="http://schemas.microsoft.com/office/powerpoint/2010/main" val="3817817206"/>
       </p:ext>
     </p:extLst>
   </p:cSld>
@@ -6087,7 +6150,7 @@
         <p:spPr>
           <a:xfrm>
             <a:off x="5544001" y="1231154"/>
-            <a:ext cx="3599997" cy="2701900"/>
+            <a:ext cx="3599997" cy="2701901"/>
           </a:xfrm>
           <a:prstGeom prst="rect">
             <a:avLst/>
@@ -6116,8 +6179,8 @@
         </p:blipFill>
         <p:spPr>
           <a:xfrm>
-            <a:off x="107505" y="4041369"/>
-            <a:ext cx="5399998" cy="2699999"/>
+            <a:off x="179913" y="4024364"/>
+            <a:ext cx="3599997" cy="2701900"/>
           </a:xfrm>
           <a:prstGeom prst="rect">
             <a:avLst/>
@@ -6147,51 +6210,43 @@
         <p:spPr>
           <a:xfrm>
             <a:off x="179513" y="1231154"/>
-            <a:ext cx="3599997" cy="2701901"/>
+            <a:ext cx="3599997" cy="2701900"/>
           </a:xfrm>
           <a:prstGeom prst="rect">
             <a:avLst/>
           </a:prstGeom>
         </p:spPr>
       </p:pic>
-      <p:sp>
-        <p:nvSpPr>
-          <p:cNvPr id="29" name="ZoneTexte 10"/>
-          <p:cNvSpPr txBox="1"/>
-          <p:nvPr/>
-        </p:nvSpPr>
-        <p:spPr>
-          <a:xfrm>
-            <a:off x="3635896" y="1340768"/>
-            <a:ext cx="1872208" cy="523220"/>
-          </a:xfrm>
-          <a:prstGeom prst="rect">
-            <a:avLst/>
-          </a:prstGeom>
-          <a:noFill/>
-        </p:spPr>
-        <p:txBody>
-          <a:bodyPr wrap="square" rtlCol="0">
-            <a:spAutoFit/>
-          </a:bodyPr>
-          <a:lstStyle/>
-          <a:p>
-            <a:pPr algn="ctr"/>
-            <a:r>
-              <a:rPr lang="fr-FR" sz="1400" dirty="0" smtClean="0"/>
-              <a:t>30 </a:t>
-            </a:r>
-            <a:r>
-              <a:rPr lang="fr-FR" sz="1400" dirty="0" err="1" smtClean="0"/>
-              <a:t>elements</a:t>
-            </a:r>
-            <a:r>
-              <a:rPr lang="fr-FR" sz="1400" dirty="0" smtClean="0"/>
-              <a:t> in the expansion of J</a:t>
-            </a:r>
-          </a:p>
-        </p:txBody>
-      </p:sp>
+      <p:pic>
+        <p:nvPicPr>
+          <p:cNvPr id="34" name="Picture 33"/>
+          <p:cNvPicPr>
+            <a:picLocks noChangeAspect="1"/>
+          </p:cNvPicPr>
+          <p:nvPr/>
+        </p:nvPicPr>
+        <p:blipFill>
+          <a:blip r:embed="rId5" cstate="print">
+            <a:extLst>
+              <a:ext uri="{28A0092B-C50C-407E-A947-70E740481C1C}">
+                <a14:useLocalDpi xmlns:a14="http://schemas.microsoft.com/office/drawing/2010/main" val="0"/>
+              </a:ext>
+            </a:extLst>
+          </a:blip>
+          <a:stretch>
+            <a:fillRect/>
+          </a:stretch>
+        </p:blipFill>
+        <p:spPr>
+          <a:xfrm>
+            <a:off x="5544001" y="4024364"/>
+            <a:ext cx="3599997" cy="2701900"/>
+          </a:xfrm>
+          <a:prstGeom prst="rect">
+            <a:avLst/>
+          </a:prstGeom>
+        </p:spPr>
+      </p:pic>
       <p:sp>
         <p:nvSpPr>
           <p:cNvPr id="46" name="ZoneTexte 32"/>
@@ -6244,45 +6299,15 @@
           </a:p>
         </p:txBody>
       </p:sp>
-      <p:pic>
-        <p:nvPicPr>
-          <p:cNvPr id="10" name="Picture 9"/>
-          <p:cNvPicPr>
-            <a:picLocks noChangeAspect="1"/>
-          </p:cNvPicPr>
-          <p:nvPr/>
-        </p:nvPicPr>
-        <p:blipFill>
-          <a:blip r:embed="rId5" cstate="print">
-            <a:extLst>
-              <a:ext uri="{28A0092B-C50C-407E-A947-70E740481C1C}">
-                <a14:useLocalDpi xmlns:a14="http://schemas.microsoft.com/office/drawing/2010/main" val="0"/>
-              </a:ext>
-            </a:extLst>
-          </a:blip>
-          <a:stretch>
-            <a:fillRect/>
-          </a:stretch>
-        </p:blipFill>
-        <p:spPr>
-          <a:xfrm>
-            <a:off x="5544001" y="4024364"/>
-            <a:ext cx="3599996" cy="2701900"/>
-          </a:xfrm>
-          <a:prstGeom prst="rect">
-            <a:avLst/>
-          </a:prstGeom>
-        </p:spPr>
-      </p:pic>
-      <p:sp>
-        <p:nvSpPr>
-          <p:cNvPr id="11" name="ZoneTexte 10"/>
+      <p:sp>
+        <p:nvSpPr>
+          <p:cNvPr id="47" name="ZoneTexte 10"/>
           <p:cNvSpPr txBox="1"/>
           <p:nvPr/>
         </p:nvSpPr>
         <p:spPr>
           <a:xfrm>
-            <a:off x="3707904" y="2905780"/>
+            <a:off x="3707904" y="2761183"/>
             <a:ext cx="1872208" cy="523220"/>
           </a:xfrm>
           <a:prstGeom prst="rect">
@@ -6313,14 +6338,14 @@
       </p:sp>
       <p:sp>
         <p:nvSpPr>
-          <p:cNvPr id="12" name="ZoneTexte 10"/>
+          <p:cNvPr id="11" name="ZoneTexte 10"/>
           <p:cNvSpPr txBox="1"/>
           <p:nvPr/>
         </p:nvSpPr>
         <p:spPr>
           <a:xfrm>
-            <a:off x="3936876" y="2348880"/>
-            <a:ext cx="1414264" cy="307777"/>
+            <a:off x="990639" y="2258938"/>
+            <a:ext cx="1978543" cy="646331"/>
           </a:xfrm>
           <a:prstGeom prst="rect">
             <a:avLst/>
@@ -6333,6 +6358,45 @@
           </a:bodyPr>
           <a:lstStyle/>
           <a:p>
+            <a:r>
+              <a:rPr lang="fr-FR" dirty="0" err="1" smtClean="0"/>
+              <a:t>x_plasma</a:t>
+            </a:r>
+            <a:r>
+              <a:rPr lang="fr-FR" dirty="0" smtClean="0"/>
+              <a:t>=0.01</a:t>
+            </a:r>
+          </a:p>
+          <a:p>
+            <a:r>
+              <a:rPr lang="fr-FR" dirty="0" smtClean="0"/>
+              <a:t>n_e0=10e18</a:t>
+            </a:r>
+          </a:p>
+        </p:txBody>
+      </p:sp>
+      <p:sp>
+        <p:nvSpPr>
+          <p:cNvPr id="12" name="ZoneTexte 10"/>
+          <p:cNvSpPr txBox="1"/>
+          <p:nvPr/>
+        </p:nvSpPr>
+        <p:spPr>
+          <a:xfrm>
+            <a:off x="3936876" y="2348880"/>
+            <a:ext cx="1414264" cy="307777"/>
+          </a:xfrm>
+          <a:prstGeom prst="rect">
+            <a:avLst/>
+          </a:prstGeom>
+          <a:noFill/>
+        </p:spPr>
+        <p:txBody>
+          <a:bodyPr wrap="square" rtlCol="0">
+            <a:spAutoFit/>
+          </a:bodyPr>
+          <a:lstStyle/>
+          <a:p>
             <a:pPr algn="ctr"/>
             <a:r>
               <a:rPr lang="fr-FR" sz="1400" dirty="0" smtClean="0"/>
@@ -6344,7 +6408,7 @@
     </p:spTree>
     <p:extLst>
       <p:ext uri="{BB962C8B-B14F-4D97-AF65-F5344CB8AC3E}">
-        <p14:creationId xmlns:p14="http://schemas.microsoft.com/office/powerpoint/2010/main" val="3692972816"/>
+        <p14:creationId xmlns:p14="http://schemas.microsoft.com/office/powerpoint/2010/main" val="1456251155"/>
       </p:ext>
     </p:extLst>
   </p:cSld>
@@ -6392,11 +6456,11 @@
             </a:r>
             <a:r>
               <a:rPr lang="fr-FR" dirty="0" err="1" smtClean="0"/>
-              <a:t>Response</a:t>
+              <a:t>Conf</a:t>
             </a:r>
             <a:r>
               <a:rPr lang="fr-FR" dirty="0" smtClean="0"/>
-              <a:t> 10e8</a:t>
+              <a:t>. 10e8</a:t>
             </a:r>
             <a:endParaRPr lang="fr-FR" dirty="0"/>
           </a:p>
@@ -6454,8 +6518,8 @@
         </p:blipFill>
         <p:spPr>
           <a:xfrm>
-            <a:off x="179913" y="4024364"/>
-            <a:ext cx="3599996" cy="2701900"/>
+            <a:off x="107505" y="4041369"/>
+            <a:ext cx="5399998" cy="2699999"/>
           </a:xfrm>
           <a:prstGeom prst="rect">
             <a:avLst/>
@@ -6485,43 +6549,51 @@
         <p:spPr>
           <a:xfrm>
             <a:off x="179513" y="1231154"/>
-            <a:ext cx="3599996" cy="2701900"/>
+            <a:ext cx="3599997" cy="2701901"/>
           </a:xfrm>
           <a:prstGeom prst="rect">
             <a:avLst/>
           </a:prstGeom>
         </p:spPr>
       </p:pic>
-      <p:pic>
-        <p:nvPicPr>
-          <p:cNvPr id="34" name="Picture 33"/>
-          <p:cNvPicPr>
-            <a:picLocks noChangeAspect="1"/>
-          </p:cNvPicPr>
-          <p:nvPr/>
-        </p:nvPicPr>
-        <p:blipFill>
-          <a:blip r:embed="rId5" cstate="print">
-            <a:extLst>
-              <a:ext uri="{28A0092B-C50C-407E-A947-70E740481C1C}">
-                <a14:useLocalDpi xmlns:a14="http://schemas.microsoft.com/office/drawing/2010/main" val="0"/>
-              </a:ext>
-            </a:extLst>
-          </a:blip>
-          <a:stretch>
-            <a:fillRect/>
-          </a:stretch>
-        </p:blipFill>
-        <p:spPr>
-          <a:xfrm>
-            <a:off x="5544001" y="4024364"/>
-            <a:ext cx="3599996" cy="2701900"/>
-          </a:xfrm>
-          <a:prstGeom prst="rect">
-            <a:avLst/>
-          </a:prstGeom>
-        </p:spPr>
-      </p:pic>
+      <p:sp>
+        <p:nvSpPr>
+          <p:cNvPr id="29" name="ZoneTexte 10"/>
+          <p:cNvSpPr txBox="1"/>
+          <p:nvPr/>
+        </p:nvSpPr>
+        <p:spPr>
+          <a:xfrm>
+            <a:off x="3635896" y="1340768"/>
+            <a:ext cx="1872208" cy="523220"/>
+          </a:xfrm>
+          <a:prstGeom prst="rect">
+            <a:avLst/>
+          </a:prstGeom>
+          <a:noFill/>
+        </p:spPr>
+        <p:txBody>
+          <a:bodyPr wrap="square" rtlCol="0">
+            <a:spAutoFit/>
+          </a:bodyPr>
+          <a:lstStyle/>
+          <a:p>
+            <a:pPr algn="ctr"/>
+            <a:r>
+              <a:rPr lang="fr-FR" sz="1400" dirty="0" smtClean="0"/>
+              <a:t>30 </a:t>
+            </a:r>
+            <a:r>
+              <a:rPr lang="fr-FR" sz="1400" dirty="0" err="1" smtClean="0"/>
+              <a:t>elements</a:t>
+            </a:r>
+            <a:r>
+              <a:rPr lang="fr-FR" sz="1400" dirty="0" smtClean="0"/>
+              <a:t> in the expansion of J</a:t>
+            </a:r>
+          </a:p>
+        </p:txBody>
+      </p:sp>
       <p:sp>
         <p:nvSpPr>
           <p:cNvPr id="46" name="ZoneTexte 32"/>
@@ -6574,15 +6646,45 @@
           </a:p>
         </p:txBody>
       </p:sp>
-      <p:sp>
-        <p:nvSpPr>
-          <p:cNvPr id="10" name="ZoneTexte 10"/>
+      <p:pic>
+        <p:nvPicPr>
+          <p:cNvPr id="10" name="Picture 9"/>
+          <p:cNvPicPr>
+            <a:picLocks noChangeAspect="1"/>
+          </p:cNvPicPr>
+          <p:nvPr/>
+        </p:nvPicPr>
+        <p:blipFill>
+          <a:blip r:embed="rId5" cstate="print">
+            <a:extLst>
+              <a:ext uri="{28A0092B-C50C-407E-A947-70E740481C1C}">
+                <a14:useLocalDpi xmlns:a14="http://schemas.microsoft.com/office/drawing/2010/main" val="0"/>
+              </a:ext>
+            </a:extLst>
+          </a:blip>
+          <a:stretch>
+            <a:fillRect/>
+          </a:stretch>
+        </p:blipFill>
+        <p:spPr>
+          <a:xfrm>
+            <a:off x="5544001" y="4024364"/>
+            <a:ext cx="3599996" cy="2701900"/>
+          </a:xfrm>
+          <a:prstGeom prst="rect">
+            <a:avLst/>
+          </a:prstGeom>
+        </p:spPr>
+      </p:pic>
+      <p:sp>
+        <p:nvSpPr>
+          <p:cNvPr id="11" name="ZoneTexte 10"/>
           <p:cNvSpPr txBox="1"/>
           <p:nvPr/>
         </p:nvSpPr>
         <p:spPr>
           <a:xfrm>
-            <a:off x="3707904" y="2761183"/>
+            <a:off x="3707904" y="2905780"/>
             <a:ext cx="1872208" cy="523220"/>
           </a:xfrm>
           <a:prstGeom prst="rect">
@@ -6613,14 +6715,14 @@
       </p:sp>
       <p:sp>
         <p:nvSpPr>
-          <p:cNvPr id="11" name="ZoneTexte 10"/>
+          <p:cNvPr id="12" name="ZoneTexte 10"/>
           <p:cNvSpPr txBox="1"/>
           <p:nvPr/>
         </p:nvSpPr>
         <p:spPr>
           <a:xfrm>
-            <a:off x="3707904" y="4571836"/>
-            <a:ext cx="1872208" cy="646331"/>
+            <a:off x="3936876" y="2348880"/>
+            <a:ext cx="1414264" cy="307777"/>
           </a:xfrm>
           <a:prstGeom prst="rect">
             <a:avLst/>
@@ -6635,139 +6737,6 @@
           <a:p>
             <a:pPr algn="ctr"/>
             <a:r>
-              <a:rPr lang="fr-FR" dirty="0" err="1" smtClean="0"/>
-              <a:t>Dipole</a:t>
-            </a:r>
-            <a:r>
-              <a:rPr lang="fr-FR" dirty="0" smtClean="0"/>
-              <a:t> </a:t>
-            </a:r>
-            <a:r>
-              <a:rPr lang="fr-FR" dirty="0" err="1" smtClean="0"/>
-              <a:t>phasing</a:t>
-            </a:r>
-            <a:endParaRPr lang="fr-FR" dirty="0" smtClean="0"/>
-          </a:p>
-          <a:p>
-            <a:pPr algn="ctr"/>
-            <a:r>
-              <a:rPr lang="fr-FR" dirty="0" smtClean="0"/>
-              <a:t>Z</a:t>
-            </a:r>
-            <a:r>
-              <a:rPr lang="fr-FR" baseline="-25000" dirty="0" smtClean="0"/>
-              <a:t>A</a:t>
-            </a:r>
-            <a:r>
-              <a:rPr lang="fr-FR" dirty="0" smtClean="0"/>
-              <a:t>=R</a:t>
-            </a:r>
-            <a:r>
-              <a:rPr lang="fr-FR" baseline="-25000" dirty="0" smtClean="0"/>
-              <a:t>A3</a:t>
-            </a:r>
-            <a:r>
-              <a:rPr lang="fr-FR" dirty="0" smtClean="0"/>
-              <a:t>+iX</a:t>
-            </a:r>
-            <a:r>
-              <a:rPr lang="fr-FR" baseline="-25000" dirty="0" smtClean="0"/>
-              <a:t>A3</a:t>
-            </a:r>
-          </a:p>
-        </p:txBody>
-      </p:sp>
-      <p:sp>
-        <p:nvSpPr>
-          <p:cNvPr id="13" name="ZoneTexte 10"/>
-          <p:cNvSpPr txBox="1"/>
-          <p:nvPr/>
-        </p:nvSpPr>
-        <p:spPr>
-          <a:xfrm>
-            <a:off x="3441296" y="3574757"/>
-            <a:ext cx="2261408" cy="523220"/>
-          </a:xfrm>
-          <a:prstGeom prst="rect">
-            <a:avLst/>
-          </a:prstGeom>
-        </p:spPr>
-        <p:style>
-          <a:lnRef idx="2">
-            <a:schemeClr val="accent5"/>
-          </a:lnRef>
-          <a:fillRef idx="1">
-            <a:schemeClr val="lt1"/>
-          </a:fillRef>
-          <a:effectRef idx="0">
-            <a:schemeClr val="accent5"/>
-          </a:effectRef>
-          <a:fontRef idx="minor">
-            <a:schemeClr val="dk1"/>
-          </a:fontRef>
-        </p:style>
-        <p:txBody>
-          <a:bodyPr wrap="square" rtlCol="0">
-            <a:spAutoFit/>
-          </a:bodyPr>
-          <a:lstStyle/>
-          <a:p>
-            <a:pPr algn="ctr"/>
-            <a:r>
-              <a:rPr lang="fr-FR" sz="1400" dirty="0" smtClean="0"/>
-              <a:t>Z</a:t>
-            </a:r>
-            <a:r>
-              <a:rPr lang="fr-FR" sz="1400" baseline="-25000" dirty="0" smtClean="0"/>
-              <a:t>11</a:t>
-            </a:r>
-            <a:r>
-              <a:rPr lang="fr-FR" sz="1400" dirty="0" smtClean="0"/>
-              <a:t>=(20.3-i119.2)ohm/m</a:t>
-            </a:r>
-          </a:p>
-          <a:p>
-            <a:pPr algn="ctr"/>
-            <a:r>
-              <a:rPr lang="fr-FR" sz="1400" dirty="0"/>
-              <a:t>Z</a:t>
-            </a:r>
-            <a:r>
-              <a:rPr lang="fr-FR" sz="1400" baseline="-25000" dirty="0"/>
-              <a:t>21</a:t>
-            </a:r>
-            <a:r>
-              <a:rPr lang="fr-FR" sz="1400" dirty="0" smtClean="0"/>
-              <a:t>=(15.0-i12.5)ohm/m</a:t>
-            </a:r>
-            <a:endParaRPr lang="fr-FR" sz="1400" baseline="-25000" dirty="0"/>
-          </a:p>
-        </p:txBody>
-      </p:sp>
-      <p:sp>
-        <p:nvSpPr>
-          <p:cNvPr id="12" name="ZoneTexte 10"/>
-          <p:cNvSpPr txBox="1"/>
-          <p:nvPr/>
-        </p:nvSpPr>
-        <p:spPr>
-          <a:xfrm>
-            <a:off x="3936876" y="2348880"/>
-            <a:ext cx="1414264" cy="307777"/>
-          </a:xfrm>
-          <a:prstGeom prst="rect">
-            <a:avLst/>
-          </a:prstGeom>
-          <a:noFill/>
-        </p:spPr>
-        <p:txBody>
-          <a:bodyPr wrap="square" rtlCol="0">
-            <a:spAutoFit/>
-          </a:bodyPr>
-          <a:lstStyle/>
-          <a:p>
-            <a:pPr algn="ctr"/>
-            <a:r>
               <a:rPr lang="fr-FR" sz="1400" dirty="0" smtClean="0"/>
               <a:t>n_e0=10e18</a:t>
             </a:r>
@@ -6777,7 +6746,7 @@
     </p:spTree>
     <p:extLst>
       <p:ext uri="{BB962C8B-B14F-4D97-AF65-F5344CB8AC3E}">
-        <p14:creationId xmlns:p14="http://schemas.microsoft.com/office/powerpoint/2010/main" val="2996223682"/>
+        <p14:creationId xmlns:p14="http://schemas.microsoft.com/office/powerpoint/2010/main" val="3692972816"/>
       </p:ext>
     </p:extLst>
   </p:cSld>
@@ -6825,15 +6794,11 @@
             </a:r>
             <a:r>
               <a:rPr lang="fr-FR" dirty="0" err="1" smtClean="0"/>
-              <a:t>Conf</a:t>
+              <a:t>Response</a:t>
             </a:r>
             <a:r>
               <a:rPr lang="fr-FR" dirty="0" smtClean="0"/>
-              <a:t>. </a:t>
-            </a:r>
-            <a:r>
-              <a:rPr lang="fr-FR" dirty="0" err="1" smtClean="0"/>
-              <a:t>compar</a:t>
+              <a:t> 10e8</a:t>
             </a:r>
             <a:endParaRPr lang="fr-FR" dirty="0"/>
           </a:p>
@@ -7013,13 +6978,13 @@
       </p:sp>
       <p:sp>
         <p:nvSpPr>
-          <p:cNvPr id="13" name="ZoneTexte 10"/>
+          <p:cNvPr id="10" name="ZoneTexte 10"/>
           <p:cNvSpPr txBox="1"/>
           <p:nvPr/>
         </p:nvSpPr>
         <p:spPr>
           <a:xfrm>
-            <a:off x="3707904" y="2905780"/>
+            <a:off x="3707904" y="2761183"/>
             <a:ext cx="1872208" cy="523220"/>
           </a:xfrm>
           <a:prstGeom prst="rect">
@@ -7050,14 +7015,14 @@
       </p:sp>
       <p:sp>
         <p:nvSpPr>
-          <p:cNvPr id="14" name="ZoneTexte 10"/>
+          <p:cNvPr id="11" name="ZoneTexte 10"/>
           <p:cNvSpPr txBox="1"/>
           <p:nvPr/>
         </p:nvSpPr>
         <p:spPr>
           <a:xfrm>
-            <a:off x="3923928" y="2114272"/>
-            <a:ext cx="1296144" cy="738664"/>
+            <a:off x="3707904" y="4571836"/>
+            <a:ext cx="1872208" cy="646331"/>
           </a:xfrm>
           <a:prstGeom prst="rect">
             <a:avLst/>
@@ -7070,35 +7035,143 @@
           </a:bodyPr>
           <a:lstStyle/>
           <a:p>
-            <a:pPr algn="r"/>
+            <a:pPr algn="ctr"/>
+            <a:r>
+              <a:rPr lang="fr-FR" dirty="0" err="1" smtClean="0"/>
+              <a:t>Dipole</a:t>
+            </a:r>
+            <a:r>
+              <a:rPr lang="fr-FR" dirty="0" smtClean="0"/>
+              <a:t> </a:t>
+            </a:r>
+            <a:r>
+              <a:rPr lang="fr-FR" dirty="0" err="1" smtClean="0"/>
+              <a:t>phasing</a:t>
+            </a:r>
+            <a:endParaRPr lang="fr-FR" dirty="0" smtClean="0"/>
+          </a:p>
+          <a:p>
+            <a:pPr algn="ctr"/>
+            <a:r>
+              <a:rPr lang="fr-FR" dirty="0" smtClean="0"/>
+              <a:t>Z</a:t>
+            </a:r>
+            <a:r>
+              <a:rPr lang="fr-FR" baseline="-25000" dirty="0" smtClean="0"/>
+              <a:t>A</a:t>
+            </a:r>
+            <a:r>
+              <a:rPr lang="fr-FR" dirty="0" smtClean="0"/>
+              <a:t>=R</a:t>
+            </a:r>
+            <a:r>
+              <a:rPr lang="fr-FR" baseline="-25000" dirty="0" smtClean="0"/>
+              <a:t>A3</a:t>
+            </a:r>
+            <a:r>
+              <a:rPr lang="fr-FR" dirty="0" smtClean="0"/>
+              <a:t>+iX</a:t>
+            </a:r>
+            <a:r>
+              <a:rPr lang="fr-FR" baseline="-25000" dirty="0" smtClean="0"/>
+              <a:t>A3</a:t>
+            </a:r>
+          </a:p>
+        </p:txBody>
+      </p:sp>
+      <p:sp>
+        <p:nvSpPr>
+          <p:cNvPr id="13" name="ZoneTexte 10"/>
+          <p:cNvSpPr txBox="1"/>
+          <p:nvPr/>
+        </p:nvSpPr>
+        <p:spPr>
+          <a:xfrm>
+            <a:off x="3441296" y="3574757"/>
+            <a:ext cx="2261408" cy="523220"/>
+          </a:xfrm>
+          <a:prstGeom prst="rect">
+            <a:avLst/>
+          </a:prstGeom>
+        </p:spPr>
+        <p:style>
+          <a:lnRef idx="2">
+            <a:schemeClr val="accent5"/>
+          </a:lnRef>
+          <a:fillRef idx="1">
+            <a:schemeClr val="lt1"/>
+          </a:fillRef>
+          <a:effectRef idx="0">
+            <a:schemeClr val="accent5"/>
+          </a:effectRef>
+          <a:fontRef idx="minor">
+            <a:schemeClr val="dk1"/>
+          </a:fontRef>
+        </p:style>
+        <p:txBody>
+          <a:bodyPr wrap="square" rtlCol="0">
+            <a:spAutoFit/>
+          </a:bodyPr>
+          <a:lstStyle/>
+          <a:p>
+            <a:pPr algn="ctr"/>
             <a:r>
               <a:rPr lang="fr-FR" sz="1400" dirty="0" smtClean="0"/>
-              <a:t>n_e0  =  1e18</a:t>
-            </a:r>
-          </a:p>
-          <a:p>
-            <a:pPr algn="r"/>
-            <a:r>
-              <a:rPr lang="fr-FR" sz="1400" dirty="0" smtClean="0">
-                <a:solidFill>
-                  <a:srgbClr val="FF0000"/>
-                </a:solidFill>
-              </a:rPr>
-              <a:t>5e18</a:t>
-            </a:r>
-          </a:p>
-          <a:p>
-            <a:pPr algn="r"/>
-            <a:r>
-              <a:rPr lang="fr-FR" sz="1400" dirty="0" smtClean="0">
-                <a:solidFill>
-                  <a:schemeClr val="tx2">
-                    <a:lumMod val="60000"/>
-                    <a:lumOff val="40000"/>
-                  </a:schemeClr>
-                </a:solidFill>
-              </a:rPr>
-              <a:t>10e18</a:t>
+              <a:t>Z</a:t>
+            </a:r>
+            <a:r>
+              <a:rPr lang="fr-FR" sz="1400" baseline="-25000" dirty="0" smtClean="0"/>
+              <a:t>11</a:t>
+            </a:r>
+            <a:r>
+              <a:rPr lang="fr-FR" sz="1400" dirty="0" smtClean="0"/>
+              <a:t>=(20.3-i119.2)ohm/m</a:t>
+            </a:r>
+          </a:p>
+          <a:p>
+            <a:pPr algn="ctr"/>
+            <a:r>
+              <a:rPr lang="fr-FR" sz="1400" dirty="0"/>
+              <a:t>Z</a:t>
+            </a:r>
+            <a:r>
+              <a:rPr lang="fr-FR" sz="1400" baseline="-25000" dirty="0"/>
+              <a:t>21</a:t>
+            </a:r>
+            <a:r>
+              <a:rPr lang="fr-FR" sz="1400" dirty="0" smtClean="0"/>
+              <a:t>=(15.0-i12.5)ohm/m</a:t>
+            </a:r>
+            <a:endParaRPr lang="fr-FR" sz="1400" baseline="-25000" dirty="0"/>
+          </a:p>
+        </p:txBody>
+      </p:sp>
+      <p:sp>
+        <p:nvSpPr>
+          <p:cNvPr id="12" name="ZoneTexte 10"/>
+          <p:cNvSpPr txBox="1"/>
+          <p:nvPr/>
+        </p:nvSpPr>
+        <p:spPr>
+          <a:xfrm>
+            <a:off x="3936876" y="2348880"/>
+            <a:ext cx="1414264" cy="307777"/>
+          </a:xfrm>
+          <a:prstGeom prst="rect">
+            <a:avLst/>
+          </a:prstGeom>
+          <a:noFill/>
+        </p:spPr>
+        <p:txBody>
+          <a:bodyPr wrap="square" rtlCol="0">
+            <a:spAutoFit/>
+          </a:bodyPr>
+          <a:lstStyle/>
+          <a:p>
+            <a:pPr algn="ctr"/>
+            <a:r>
+              <a:rPr lang="fr-FR" sz="1400" dirty="0" smtClean="0"/>
+              <a:t>n_e0=10e18</a:t>
             </a:r>
           </a:p>
         </p:txBody>
@@ -7106,7 +7179,7 @@
     </p:spTree>
     <p:extLst>
       <p:ext uri="{BB962C8B-B14F-4D97-AF65-F5344CB8AC3E}">
-        <p14:creationId xmlns:p14="http://schemas.microsoft.com/office/powerpoint/2010/main" val="1792176862"/>
+        <p14:creationId xmlns:p14="http://schemas.microsoft.com/office/powerpoint/2010/main" val="2996223682"/>
       </p:ext>
     </p:extLst>
   </p:cSld>
@@ -7191,7 +7264,7 @@
         <p:spPr>
           <a:xfrm>
             <a:off x="5544001" y="1231154"/>
-            <a:ext cx="3599996" cy="2701900"/>
+            <a:ext cx="3599997" cy="2701900"/>
           </a:xfrm>
           <a:prstGeom prst="rect">
             <a:avLst/>
@@ -7220,8 +7293,8 @@
         </p:blipFill>
         <p:spPr>
           <a:xfrm>
-            <a:off x="107505" y="4041369"/>
-            <a:ext cx="5399998" cy="2699999"/>
+            <a:off x="179913" y="4024364"/>
+            <a:ext cx="3599996" cy="2701900"/>
           </a:xfrm>
           <a:prstGeom prst="rect">
             <a:avLst/>
@@ -7251,51 +7324,43 @@
         <p:spPr>
           <a:xfrm>
             <a:off x="179513" y="1231154"/>
-            <a:ext cx="3599997" cy="2701901"/>
+            <a:ext cx="3599996" cy="2701900"/>
           </a:xfrm>
           <a:prstGeom prst="rect">
             <a:avLst/>
           </a:prstGeom>
         </p:spPr>
       </p:pic>
-      <p:sp>
-        <p:nvSpPr>
-          <p:cNvPr id="29" name="ZoneTexte 10"/>
-          <p:cNvSpPr txBox="1"/>
-          <p:nvPr/>
-        </p:nvSpPr>
-        <p:spPr>
-          <a:xfrm>
-            <a:off x="3635896" y="1340768"/>
-            <a:ext cx="1872208" cy="523220"/>
-          </a:xfrm>
-          <a:prstGeom prst="rect">
-            <a:avLst/>
-          </a:prstGeom>
-          <a:noFill/>
-        </p:spPr>
-        <p:txBody>
-          <a:bodyPr wrap="square" rtlCol="0">
-            <a:spAutoFit/>
-          </a:bodyPr>
-          <a:lstStyle/>
-          <a:p>
-            <a:pPr algn="ctr"/>
-            <a:r>
-              <a:rPr lang="fr-FR" sz="1400" dirty="0" smtClean="0"/>
-              <a:t>30 </a:t>
-            </a:r>
-            <a:r>
-              <a:rPr lang="fr-FR" sz="1400" dirty="0" err="1" smtClean="0"/>
-              <a:t>elements</a:t>
-            </a:r>
-            <a:r>
-              <a:rPr lang="fr-FR" sz="1400" dirty="0" smtClean="0"/>
-              <a:t> in the expansion of J</a:t>
-            </a:r>
-          </a:p>
-        </p:txBody>
-      </p:sp>
+      <p:pic>
+        <p:nvPicPr>
+          <p:cNvPr id="34" name="Picture 33"/>
+          <p:cNvPicPr>
+            <a:picLocks noChangeAspect="1"/>
+          </p:cNvPicPr>
+          <p:nvPr/>
+        </p:nvPicPr>
+        <p:blipFill>
+          <a:blip r:embed="rId5" cstate="print">
+            <a:extLst>
+              <a:ext uri="{28A0092B-C50C-407E-A947-70E740481C1C}">
+                <a14:useLocalDpi xmlns:a14="http://schemas.microsoft.com/office/drawing/2010/main" val="0"/>
+              </a:ext>
+            </a:extLst>
+          </a:blip>
+          <a:stretch>
+            <a:fillRect/>
+          </a:stretch>
+        </p:blipFill>
+        <p:spPr>
+          <a:xfrm>
+            <a:off x="5544001" y="4024364"/>
+            <a:ext cx="3599996" cy="2701900"/>
+          </a:xfrm>
+          <a:prstGeom prst="rect">
+            <a:avLst/>
+          </a:prstGeom>
+        </p:spPr>
+      </p:pic>
       <p:sp>
         <p:nvSpPr>
           <p:cNvPr id="46" name="ZoneTexte 32"/>
@@ -7348,39 +7413,9 @@
           </a:p>
         </p:txBody>
       </p:sp>
-      <p:pic>
-        <p:nvPicPr>
-          <p:cNvPr id="10" name="Picture 9"/>
-          <p:cNvPicPr>
-            <a:picLocks noChangeAspect="1"/>
-          </p:cNvPicPr>
-          <p:nvPr/>
-        </p:nvPicPr>
-        <p:blipFill>
-          <a:blip r:embed="rId5" cstate="print">
-            <a:extLst>
-              <a:ext uri="{28A0092B-C50C-407E-A947-70E740481C1C}">
-                <a14:useLocalDpi xmlns:a14="http://schemas.microsoft.com/office/drawing/2010/main" val="0"/>
-              </a:ext>
-            </a:extLst>
-          </a:blip>
-          <a:stretch>
-            <a:fillRect/>
-          </a:stretch>
-        </p:blipFill>
-        <p:spPr>
-          <a:xfrm>
-            <a:off x="5544001" y="4024364"/>
-            <a:ext cx="3599996" cy="2701899"/>
-          </a:xfrm>
-          <a:prstGeom prst="rect">
-            <a:avLst/>
-          </a:prstGeom>
-        </p:spPr>
-      </p:pic>
-      <p:sp>
-        <p:nvSpPr>
-          <p:cNvPr id="11" name="ZoneTexte 10"/>
+      <p:sp>
+        <p:nvSpPr>
+          <p:cNvPr id="13" name="ZoneTexte 10"/>
           <p:cNvSpPr txBox="1"/>
           <p:nvPr/>
         </p:nvSpPr>
@@ -7417,7 +7452,7 @@
       </p:sp>
       <p:sp>
         <p:nvSpPr>
-          <p:cNvPr id="12" name="ZoneTexte 10"/>
+          <p:cNvPr id="14" name="ZoneTexte 10"/>
           <p:cNvSpPr txBox="1"/>
           <p:nvPr/>
         </p:nvSpPr>
@@ -7473,7 +7508,7 @@
     </p:spTree>
     <p:extLst>
       <p:ext uri="{BB962C8B-B14F-4D97-AF65-F5344CB8AC3E}">
-        <p14:creationId xmlns:p14="http://schemas.microsoft.com/office/powerpoint/2010/main" val="3475641604"/>
+        <p14:creationId xmlns:p14="http://schemas.microsoft.com/office/powerpoint/2010/main" val="1792176862"/>
       </p:ext>
     </p:extLst>
   </p:cSld>
@@ -7521,11 +7556,11 @@
             </a:r>
             <a:r>
               <a:rPr lang="fr-FR" dirty="0" err="1" smtClean="0"/>
-              <a:t>Response</a:t>
+              <a:t>Conf</a:t>
             </a:r>
             <a:r>
               <a:rPr lang="fr-FR" dirty="0" smtClean="0"/>
-              <a:t> </a:t>
+              <a:t>. </a:t>
             </a:r>
             <a:r>
               <a:rPr lang="fr-FR" dirty="0" err="1" smtClean="0"/>
@@ -7558,7 +7593,7 @@
         <p:spPr>
           <a:xfrm>
             <a:off x="5544001" y="1231154"/>
-            <a:ext cx="3599997" cy="2701900"/>
+            <a:ext cx="3599996" cy="2701900"/>
           </a:xfrm>
           <a:prstGeom prst="rect">
             <a:avLst/>
@@ -7587,8 +7622,8 @@
         </p:blipFill>
         <p:spPr>
           <a:xfrm>
-            <a:off x="179913" y="4024364"/>
-            <a:ext cx="3599996" cy="2701899"/>
+            <a:off x="107505" y="4041369"/>
+            <a:ext cx="5399998" cy="2699999"/>
           </a:xfrm>
           <a:prstGeom prst="rect">
             <a:avLst/>
@@ -7618,43 +7653,51 @@
         <p:spPr>
           <a:xfrm>
             <a:off x="179513" y="1231154"/>
-            <a:ext cx="3599996" cy="2701900"/>
+            <a:ext cx="3599997" cy="2701901"/>
           </a:xfrm>
           <a:prstGeom prst="rect">
             <a:avLst/>
           </a:prstGeom>
         </p:spPr>
       </p:pic>
-      <p:pic>
-        <p:nvPicPr>
-          <p:cNvPr id="34" name="Picture 33"/>
-          <p:cNvPicPr>
-            <a:picLocks noChangeAspect="1"/>
-          </p:cNvPicPr>
-          <p:nvPr/>
-        </p:nvPicPr>
-        <p:blipFill>
-          <a:blip r:embed="rId5" cstate="print">
-            <a:extLst>
-              <a:ext uri="{28A0092B-C50C-407E-A947-70E740481C1C}">
-                <a14:useLocalDpi xmlns:a14="http://schemas.microsoft.com/office/drawing/2010/main" val="0"/>
-              </a:ext>
-            </a:extLst>
-          </a:blip>
-          <a:stretch>
-            <a:fillRect/>
-          </a:stretch>
-        </p:blipFill>
-        <p:spPr>
-          <a:xfrm>
-            <a:off x="5544001" y="4024364"/>
-            <a:ext cx="3599996" cy="2701899"/>
-          </a:xfrm>
-          <a:prstGeom prst="rect">
-            <a:avLst/>
-          </a:prstGeom>
-        </p:spPr>
-      </p:pic>
+      <p:sp>
+        <p:nvSpPr>
+          <p:cNvPr id="29" name="ZoneTexte 10"/>
+          <p:cNvSpPr txBox="1"/>
+          <p:nvPr/>
+        </p:nvSpPr>
+        <p:spPr>
+          <a:xfrm>
+            <a:off x="3635896" y="1340768"/>
+            <a:ext cx="1872208" cy="523220"/>
+          </a:xfrm>
+          <a:prstGeom prst="rect">
+            <a:avLst/>
+          </a:prstGeom>
+          <a:noFill/>
+        </p:spPr>
+        <p:txBody>
+          <a:bodyPr wrap="square" rtlCol="0">
+            <a:spAutoFit/>
+          </a:bodyPr>
+          <a:lstStyle/>
+          <a:p>
+            <a:pPr algn="ctr"/>
+            <a:r>
+              <a:rPr lang="fr-FR" sz="1400" dirty="0" smtClean="0"/>
+              <a:t>30 </a:t>
+            </a:r>
+            <a:r>
+              <a:rPr lang="fr-FR" sz="1400" dirty="0" err="1" smtClean="0"/>
+              <a:t>elements</a:t>
+            </a:r>
+            <a:r>
+              <a:rPr lang="fr-FR" sz="1400" dirty="0" smtClean="0"/>
+              <a:t> in the expansion of J</a:t>
+            </a:r>
+          </a:p>
+        </p:txBody>
+      </p:sp>
       <p:sp>
         <p:nvSpPr>
           <p:cNvPr id="46" name="ZoneTexte 32"/>
@@ -7707,6 +7750,36 @@
           </a:p>
         </p:txBody>
       </p:sp>
+      <p:pic>
+        <p:nvPicPr>
+          <p:cNvPr id="10" name="Picture 9"/>
+          <p:cNvPicPr>
+            <a:picLocks noChangeAspect="1"/>
+          </p:cNvPicPr>
+          <p:nvPr/>
+        </p:nvPicPr>
+        <p:blipFill>
+          <a:blip r:embed="rId5" cstate="print">
+            <a:extLst>
+              <a:ext uri="{28A0092B-C50C-407E-A947-70E740481C1C}">
+                <a14:useLocalDpi xmlns:a14="http://schemas.microsoft.com/office/drawing/2010/main" val="0"/>
+              </a:ext>
+            </a:extLst>
+          </a:blip>
+          <a:stretch>
+            <a:fillRect/>
+          </a:stretch>
+        </p:blipFill>
+        <p:spPr>
+          <a:xfrm>
+            <a:off x="5544001" y="4024364"/>
+            <a:ext cx="3599996" cy="2701899"/>
+          </a:xfrm>
+          <a:prstGeom prst="rect">
+            <a:avLst/>
+          </a:prstGeom>
+        </p:spPr>
+      </p:pic>
       <p:sp>
         <p:nvSpPr>
           <p:cNvPr id="11" name="ZoneTexte 10"/>
@@ -7715,8 +7788,8 @@
         </p:nvSpPr>
         <p:spPr>
           <a:xfrm>
-            <a:off x="3707904" y="4571836"/>
-            <a:ext cx="1872208" cy="369332"/>
+            <a:off x="3707904" y="2905780"/>
+            <a:ext cx="1872208" cy="523220"/>
           </a:xfrm>
           <a:prstGeom prst="rect">
             <a:avLst/>
@@ -7731,45 +7804,6 @@
           <a:p>
             <a:pPr algn="ctr"/>
             <a:r>
-              <a:rPr lang="fr-FR" dirty="0" err="1" smtClean="0"/>
-              <a:t>Dipole</a:t>
-            </a:r>
-            <a:r>
-              <a:rPr lang="fr-FR" dirty="0" smtClean="0"/>
-              <a:t> </a:t>
-            </a:r>
-            <a:r>
-              <a:rPr lang="fr-FR" dirty="0" err="1" smtClean="0"/>
-              <a:t>phasing</a:t>
-            </a:r>
-            <a:endParaRPr lang="fr-FR" dirty="0" smtClean="0"/>
-          </a:p>
-        </p:txBody>
-      </p:sp>
-      <p:sp>
-        <p:nvSpPr>
-          <p:cNvPr id="14" name="ZoneTexte 10"/>
-          <p:cNvSpPr txBox="1"/>
-          <p:nvPr/>
-        </p:nvSpPr>
-        <p:spPr>
-          <a:xfrm>
-            <a:off x="3707904" y="2905780"/>
-            <a:ext cx="1872208" cy="523220"/>
-          </a:xfrm>
-          <a:prstGeom prst="rect">
-            <a:avLst/>
-          </a:prstGeom>
-          <a:noFill/>
-        </p:spPr>
-        <p:txBody>
-          <a:bodyPr wrap="square" rtlCol="0">
-            <a:spAutoFit/>
-          </a:bodyPr>
-          <a:lstStyle/>
-          <a:p>
-            <a:pPr algn="ctr"/>
-            <a:r>
               <a:rPr lang="fr-FR" sz="1400" dirty="0" smtClean="0"/>
               <a:t>f=50MHz</a:t>
             </a:r>
@@ -7785,7 +7819,7 @@
       </p:sp>
       <p:sp>
         <p:nvSpPr>
-          <p:cNvPr id="15" name="ZoneTexte 10"/>
+          <p:cNvPr id="12" name="ZoneTexte 10"/>
           <p:cNvSpPr txBox="1"/>
           <p:nvPr/>
         </p:nvSpPr>
@@ -7841,7 +7875,7 @@
     </p:spTree>
     <p:extLst>
       <p:ext uri="{BB962C8B-B14F-4D97-AF65-F5344CB8AC3E}">
-        <p14:creationId xmlns:p14="http://schemas.microsoft.com/office/powerpoint/2010/main" val="3715240634"/>
+        <p14:creationId xmlns:p14="http://schemas.microsoft.com/office/powerpoint/2010/main" val="3475641604"/>
       </p:ext>
     </p:extLst>
   </p:cSld>
@@ -7870,40 +7904,346 @@
       </p:grpSpPr>
       <p:sp>
         <p:nvSpPr>
-          <p:cNvPr id="2" name="Title 1"/>
+          <p:cNvPr id="2" name="Titre 1"/>
           <p:cNvSpPr>
             <a:spLocks noGrp="1"/>
           </p:cNvSpPr>
           <p:nvPr>
-            <p:ph type="ctrTitle"/>
+            <p:ph type="title"/>
           </p:nvPr>
         </p:nvSpPr>
         <p:spPr/>
         <p:txBody>
-          <a:bodyPr>
-            <a:normAutofit/>
+          <a:bodyPr/>
+          <a:lstStyle/>
+          <a:p>
+            <a:r>
+              <a:rPr lang="fr-FR" dirty="0" smtClean="0"/>
+              <a:t>Plasma </a:t>
+            </a:r>
+            <a:r>
+              <a:rPr lang="fr-FR" dirty="0" err="1" smtClean="0"/>
+              <a:t>Response</a:t>
+            </a:r>
+            <a:r>
+              <a:rPr lang="fr-FR" dirty="0" smtClean="0"/>
+              <a:t> </a:t>
+            </a:r>
+            <a:r>
+              <a:rPr lang="fr-FR" dirty="0" err="1" smtClean="0"/>
+              <a:t>compar</a:t>
+            </a:r>
+            <a:endParaRPr lang="fr-FR" dirty="0"/>
+          </a:p>
+        </p:txBody>
+      </p:sp>
+      <p:pic>
+        <p:nvPicPr>
+          <p:cNvPr id="5" name="Picture 4"/>
+          <p:cNvPicPr>
+            <a:picLocks noChangeAspect="1"/>
+          </p:cNvPicPr>
+          <p:nvPr/>
+        </p:nvPicPr>
+        <p:blipFill>
+          <a:blip r:embed="rId2" cstate="print">
+            <a:extLst>
+              <a:ext uri="{28A0092B-C50C-407E-A947-70E740481C1C}">
+                <a14:useLocalDpi xmlns:a14="http://schemas.microsoft.com/office/drawing/2010/main" val="0"/>
+              </a:ext>
+            </a:extLst>
+          </a:blip>
+          <a:stretch>
+            <a:fillRect/>
+          </a:stretch>
+        </p:blipFill>
+        <p:spPr>
+          <a:xfrm>
+            <a:off x="5544001" y="1231154"/>
+            <a:ext cx="3599997" cy="2701900"/>
+          </a:xfrm>
+          <a:prstGeom prst="rect">
+            <a:avLst/>
+          </a:prstGeom>
+        </p:spPr>
+      </p:pic>
+      <p:pic>
+        <p:nvPicPr>
+          <p:cNvPr id="28" name="Picture 27"/>
+          <p:cNvPicPr>
+            <a:picLocks noChangeAspect="1"/>
+          </p:cNvPicPr>
+          <p:nvPr/>
+        </p:nvPicPr>
+        <p:blipFill>
+          <a:blip r:embed="rId3" cstate="print">
+            <a:extLst>
+              <a:ext uri="{28A0092B-C50C-407E-A947-70E740481C1C}">
+                <a14:useLocalDpi xmlns:a14="http://schemas.microsoft.com/office/drawing/2010/main" val="0"/>
+              </a:ext>
+            </a:extLst>
+          </a:blip>
+          <a:stretch>
+            <a:fillRect/>
+          </a:stretch>
+        </p:blipFill>
+        <p:spPr>
+          <a:xfrm>
+            <a:off x="179913" y="4024364"/>
+            <a:ext cx="3599996" cy="2701899"/>
+          </a:xfrm>
+          <a:prstGeom prst="rect">
+            <a:avLst/>
+          </a:prstGeom>
+        </p:spPr>
+      </p:pic>
+      <p:pic>
+        <p:nvPicPr>
+          <p:cNvPr id="32" name="Picture 31"/>
+          <p:cNvPicPr>
+            <a:picLocks noChangeAspect="1"/>
+          </p:cNvPicPr>
+          <p:nvPr/>
+        </p:nvPicPr>
+        <p:blipFill>
+          <a:blip r:embed="rId4" cstate="print">
+            <a:extLst>
+              <a:ext uri="{28A0092B-C50C-407E-A947-70E740481C1C}">
+                <a14:useLocalDpi xmlns:a14="http://schemas.microsoft.com/office/drawing/2010/main" val="0"/>
+              </a:ext>
+            </a:extLst>
+          </a:blip>
+          <a:stretch>
+            <a:fillRect/>
+          </a:stretch>
+        </p:blipFill>
+        <p:spPr>
+          <a:xfrm>
+            <a:off x="179513" y="1231154"/>
+            <a:ext cx="3599996" cy="2701900"/>
+          </a:xfrm>
+          <a:prstGeom prst="rect">
+            <a:avLst/>
+          </a:prstGeom>
+        </p:spPr>
+      </p:pic>
+      <p:pic>
+        <p:nvPicPr>
+          <p:cNvPr id="34" name="Picture 33"/>
+          <p:cNvPicPr>
+            <a:picLocks noChangeAspect="1"/>
+          </p:cNvPicPr>
+          <p:nvPr/>
+        </p:nvPicPr>
+        <p:blipFill>
+          <a:blip r:embed="rId5" cstate="print">
+            <a:extLst>
+              <a:ext uri="{28A0092B-C50C-407E-A947-70E740481C1C}">
+                <a14:useLocalDpi xmlns:a14="http://schemas.microsoft.com/office/drawing/2010/main" val="0"/>
+              </a:ext>
+            </a:extLst>
+          </a:blip>
+          <a:stretch>
+            <a:fillRect/>
+          </a:stretch>
+        </p:blipFill>
+        <p:spPr>
+          <a:xfrm>
+            <a:off x="5544001" y="4024364"/>
+            <a:ext cx="3599996" cy="2701899"/>
+          </a:xfrm>
+          <a:prstGeom prst="rect">
+            <a:avLst/>
+          </a:prstGeom>
+        </p:spPr>
+      </p:pic>
+      <p:sp>
+        <p:nvSpPr>
+          <p:cNvPr id="46" name="ZoneTexte 32"/>
+          <p:cNvSpPr txBox="1"/>
+          <p:nvPr/>
+        </p:nvSpPr>
+        <p:spPr>
+          <a:xfrm>
+            <a:off x="179512" y="476672"/>
+            <a:ext cx="1276644" cy="461665"/>
+          </a:xfrm>
+          <a:prstGeom prst="rect">
+            <a:avLst/>
+          </a:prstGeom>
+        </p:spPr>
+        <p:style>
+          <a:lnRef idx="2">
+            <a:schemeClr val="accent6"/>
+          </a:lnRef>
+          <a:fillRef idx="1">
+            <a:schemeClr val="lt1"/>
+          </a:fillRef>
+          <a:effectRef idx="0">
+            <a:schemeClr val="accent6"/>
+          </a:effectRef>
+          <a:fontRef idx="minor">
+            <a:schemeClr val="dk1"/>
+          </a:fontRef>
+        </p:style>
+        <p:txBody>
+          <a:bodyPr wrap="square" rtlCol="0">
+            <a:spAutoFit/>
           </a:bodyPr>
           <a:lstStyle/>
           <a:p>
-            <a:r>
-              <a:rPr lang="en-GB" dirty="0" smtClean="0"/>
-              <a:t>Second case:</a:t>
-            </a:r>
-            <a:br>
-              <a:rPr lang="en-GB" dirty="0" smtClean="0"/>
-            </a:br>
-            <a:r>
-              <a:rPr lang="en-GB" dirty="0" smtClean="0"/>
-              <a:t>Single strap – constant profile</a:t>
-            </a:r>
-            <a:endParaRPr lang="en-GB" dirty="0"/>
+            <a:pPr algn="ctr"/>
+            <a:r>
+              <a:rPr lang="fr-FR" sz="1200" dirty="0" smtClean="0"/>
+              <a:t>Constant </a:t>
+            </a:r>
+            <a:r>
+              <a:rPr lang="fr-FR" sz="1200" dirty="0" err="1" smtClean="0"/>
+              <a:t>density</a:t>
+            </a:r>
+            <a:r>
+              <a:rPr lang="fr-FR" sz="1200" dirty="0" smtClean="0"/>
+              <a:t> plasma</a:t>
+            </a:r>
+            <a:endParaRPr lang="fr-FR" sz="1200" dirty="0"/>
+          </a:p>
+        </p:txBody>
+      </p:sp>
+      <p:sp>
+        <p:nvSpPr>
+          <p:cNvPr id="11" name="ZoneTexte 10"/>
+          <p:cNvSpPr txBox="1"/>
+          <p:nvPr/>
+        </p:nvSpPr>
+        <p:spPr>
+          <a:xfrm>
+            <a:off x="3707904" y="4571836"/>
+            <a:ext cx="1872208" cy="369332"/>
+          </a:xfrm>
+          <a:prstGeom prst="rect">
+            <a:avLst/>
+          </a:prstGeom>
+          <a:noFill/>
+        </p:spPr>
+        <p:txBody>
+          <a:bodyPr wrap="square" rtlCol="0">
+            <a:spAutoFit/>
+          </a:bodyPr>
+          <a:lstStyle/>
+          <a:p>
+            <a:pPr algn="ctr"/>
+            <a:r>
+              <a:rPr lang="fr-FR" dirty="0" err="1" smtClean="0"/>
+              <a:t>Dipole</a:t>
+            </a:r>
+            <a:r>
+              <a:rPr lang="fr-FR" dirty="0" smtClean="0"/>
+              <a:t> </a:t>
+            </a:r>
+            <a:r>
+              <a:rPr lang="fr-FR" dirty="0" err="1" smtClean="0"/>
+              <a:t>phasing</a:t>
+            </a:r>
+            <a:endParaRPr lang="fr-FR" dirty="0" smtClean="0"/>
+          </a:p>
+        </p:txBody>
+      </p:sp>
+      <p:sp>
+        <p:nvSpPr>
+          <p:cNvPr id="14" name="ZoneTexte 10"/>
+          <p:cNvSpPr txBox="1"/>
+          <p:nvPr/>
+        </p:nvSpPr>
+        <p:spPr>
+          <a:xfrm>
+            <a:off x="3707904" y="2905780"/>
+            <a:ext cx="1872208" cy="523220"/>
+          </a:xfrm>
+          <a:prstGeom prst="rect">
+            <a:avLst/>
+          </a:prstGeom>
+          <a:noFill/>
+        </p:spPr>
+        <p:txBody>
+          <a:bodyPr wrap="square" rtlCol="0">
+            <a:spAutoFit/>
+          </a:bodyPr>
+          <a:lstStyle/>
+          <a:p>
+            <a:pPr algn="ctr"/>
+            <a:r>
+              <a:rPr lang="fr-FR" sz="1400" dirty="0" smtClean="0"/>
+              <a:t>f=50MHz</a:t>
+            </a:r>
+          </a:p>
+          <a:p>
+            <a:pPr algn="ctr"/>
+            <a:r>
+              <a:rPr lang="fr-FR" sz="1400" dirty="0" smtClean="0"/>
+              <a:t>D(H)5%</a:t>
+            </a:r>
+          </a:p>
+        </p:txBody>
+      </p:sp>
+      <p:sp>
+        <p:nvSpPr>
+          <p:cNvPr id="15" name="ZoneTexte 10"/>
+          <p:cNvSpPr txBox="1"/>
+          <p:nvPr/>
+        </p:nvSpPr>
+        <p:spPr>
+          <a:xfrm>
+            <a:off x="3923928" y="2114272"/>
+            <a:ext cx="1296144" cy="738664"/>
+          </a:xfrm>
+          <a:prstGeom prst="rect">
+            <a:avLst/>
+          </a:prstGeom>
+          <a:noFill/>
+        </p:spPr>
+        <p:txBody>
+          <a:bodyPr wrap="square" rtlCol="0">
+            <a:spAutoFit/>
+          </a:bodyPr>
+          <a:lstStyle/>
+          <a:p>
+            <a:pPr algn="r"/>
+            <a:r>
+              <a:rPr lang="fr-FR" sz="1400" dirty="0" smtClean="0"/>
+              <a:t>n_e0  =  1e18</a:t>
+            </a:r>
+          </a:p>
+          <a:p>
+            <a:pPr algn="r"/>
+            <a:r>
+              <a:rPr lang="fr-FR" sz="1400" dirty="0" smtClean="0">
+                <a:solidFill>
+                  <a:srgbClr val="FF0000"/>
+                </a:solidFill>
+              </a:rPr>
+              <a:t>5e18</a:t>
+            </a:r>
+          </a:p>
+          <a:p>
+            <a:pPr algn="r"/>
+            <a:r>
+              <a:rPr lang="fr-FR" sz="1400" dirty="0" smtClean="0">
+                <a:solidFill>
+                  <a:schemeClr val="tx2">
+                    <a:lumMod val="60000"/>
+                    <a:lumOff val="40000"/>
+                  </a:schemeClr>
+                </a:solidFill>
+              </a:rPr>
+              <a:t>10e18</a:t>
+            </a:r>
           </a:p>
         </p:txBody>
       </p:sp>
     </p:spTree>
     <p:extLst>
       <p:ext uri="{BB962C8B-B14F-4D97-AF65-F5344CB8AC3E}">
-        <p14:creationId xmlns:p14="http://schemas.microsoft.com/office/powerpoint/2010/main" val="346981464"/>
+        <p14:creationId xmlns:p14="http://schemas.microsoft.com/office/powerpoint/2010/main" val="3715240634"/>
       </p:ext>
     </p:extLst>
   </p:cSld>
@@ -7930,380 +8270,42 @@
           <a:chExt cx="0" cy="0"/>
         </a:xfrm>
       </p:grpSpPr>
-      <p:pic>
-        <p:nvPicPr>
-          <p:cNvPr id="5" name="Picture 4"/>
-          <p:cNvPicPr>
-            <a:picLocks noChangeAspect="1"/>
-          </p:cNvPicPr>
-          <p:nvPr/>
-        </p:nvPicPr>
-        <p:blipFill>
-          <a:blip r:embed="rId2" cstate="print">
-            <a:extLst>
-              <a:ext uri="{28A0092B-C50C-407E-A947-70E740481C1C}">
-                <a14:useLocalDpi xmlns:a14="http://schemas.microsoft.com/office/drawing/2010/main" val="0"/>
-              </a:ext>
-            </a:extLst>
-          </a:blip>
-          <a:stretch>
-            <a:fillRect/>
-          </a:stretch>
-        </p:blipFill>
-        <p:spPr>
-          <a:xfrm>
-            <a:off x="5544001" y="1231154"/>
-            <a:ext cx="3599997" cy="2701901"/>
-          </a:xfrm>
-          <a:prstGeom prst="rect">
-            <a:avLst/>
-          </a:prstGeom>
-        </p:spPr>
-      </p:pic>
-      <p:pic>
-        <p:nvPicPr>
-          <p:cNvPr id="32" name="Picture 31"/>
-          <p:cNvPicPr>
-            <a:picLocks noChangeAspect="1"/>
-          </p:cNvPicPr>
-          <p:nvPr/>
-        </p:nvPicPr>
-        <p:blipFill>
-          <a:blip r:embed="rId3" cstate="print">
-            <a:extLst>
-              <a:ext uri="{28A0092B-C50C-407E-A947-70E740481C1C}">
-                <a14:useLocalDpi xmlns:a14="http://schemas.microsoft.com/office/drawing/2010/main" val="0"/>
-              </a:ext>
-            </a:extLst>
-          </a:blip>
-          <a:stretch>
-            <a:fillRect/>
-          </a:stretch>
-        </p:blipFill>
-        <p:spPr>
-          <a:xfrm>
-            <a:off x="179513" y="1231154"/>
-            <a:ext cx="3599997" cy="2701900"/>
-          </a:xfrm>
-          <a:prstGeom prst="rect">
-            <a:avLst/>
-          </a:prstGeom>
-        </p:spPr>
-      </p:pic>
-      <p:sp>
-        <p:nvSpPr>
-          <p:cNvPr id="29" name="ZoneTexte 10"/>
-          <p:cNvSpPr txBox="1"/>
-          <p:nvPr/>
-        </p:nvSpPr>
-        <p:spPr>
-          <a:xfrm>
-            <a:off x="3635896" y="1340768"/>
-            <a:ext cx="1872208" cy="523220"/>
-          </a:xfrm>
-          <a:prstGeom prst="rect">
-            <a:avLst/>
-          </a:prstGeom>
-          <a:noFill/>
-        </p:spPr>
-        <p:txBody>
-          <a:bodyPr wrap="square" rtlCol="0">
-            <a:spAutoFit/>
-          </a:bodyPr>
-          <a:lstStyle/>
-          <a:p>
-            <a:pPr algn="ctr"/>
-            <a:r>
-              <a:rPr lang="fr-FR" sz="1400" dirty="0" smtClean="0"/>
-              <a:t>30 </a:t>
-            </a:r>
-            <a:r>
-              <a:rPr lang="fr-FR" sz="1400" dirty="0" err="1" smtClean="0"/>
-              <a:t>elements</a:t>
-            </a:r>
-            <a:r>
-              <a:rPr lang="fr-FR" sz="1400" dirty="0" smtClean="0"/>
-              <a:t> in the expansion of J</a:t>
-            </a:r>
-          </a:p>
-        </p:txBody>
-      </p:sp>
-      <p:sp>
-        <p:nvSpPr>
-          <p:cNvPr id="46" name="ZoneTexte 32"/>
-          <p:cNvSpPr txBox="1"/>
-          <p:nvPr/>
-        </p:nvSpPr>
-        <p:spPr>
-          <a:xfrm>
-            <a:off x="179512" y="476672"/>
-            <a:ext cx="1276644" cy="461665"/>
-          </a:xfrm>
-          <a:prstGeom prst="rect">
-            <a:avLst/>
-          </a:prstGeom>
-        </p:spPr>
-        <p:style>
-          <a:lnRef idx="2">
-            <a:schemeClr val="accent6"/>
-          </a:lnRef>
-          <a:fillRef idx="1">
-            <a:schemeClr val="lt1"/>
-          </a:fillRef>
-          <a:effectRef idx="0">
-            <a:schemeClr val="accent6"/>
-          </a:effectRef>
-          <a:fontRef idx="minor">
-            <a:schemeClr val="dk1"/>
-          </a:fontRef>
-        </p:style>
-        <p:txBody>
-          <a:bodyPr wrap="square" rtlCol="0">
-            <a:spAutoFit/>
-          </a:bodyPr>
-          <a:lstStyle/>
-          <a:p>
-            <a:pPr algn="ctr"/>
-            <a:r>
-              <a:rPr lang="fr-FR" sz="1200" dirty="0" smtClean="0"/>
-              <a:t>Constant </a:t>
-            </a:r>
-            <a:r>
-              <a:rPr lang="fr-FR" sz="1200" dirty="0" err="1" smtClean="0"/>
-              <a:t>density</a:t>
-            </a:r>
-            <a:r>
-              <a:rPr lang="fr-FR" sz="1200" dirty="0" smtClean="0"/>
-              <a:t> plasma</a:t>
-            </a:r>
-            <a:endParaRPr lang="fr-FR" sz="1200" dirty="0"/>
-          </a:p>
-        </p:txBody>
-      </p:sp>
-      <p:sp>
-        <p:nvSpPr>
-          <p:cNvPr id="11" name="ZoneTexte 10"/>
-          <p:cNvSpPr txBox="1"/>
-          <p:nvPr/>
-        </p:nvSpPr>
-        <p:spPr>
-          <a:xfrm>
-            <a:off x="3707904" y="2905780"/>
-            <a:ext cx="1872208" cy="523220"/>
-          </a:xfrm>
-          <a:prstGeom prst="rect">
-            <a:avLst/>
-          </a:prstGeom>
-          <a:noFill/>
-        </p:spPr>
-        <p:txBody>
-          <a:bodyPr wrap="square" rtlCol="0">
-            <a:spAutoFit/>
-          </a:bodyPr>
-          <a:lstStyle/>
-          <a:p>
-            <a:pPr algn="ctr"/>
-            <a:r>
-              <a:rPr lang="fr-FR" sz="1400" dirty="0" smtClean="0"/>
-              <a:t>f=50MHz</a:t>
-            </a:r>
-          </a:p>
-          <a:p>
-            <a:pPr algn="ctr"/>
-            <a:r>
-              <a:rPr lang="fr-FR" sz="1400" dirty="0" smtClean="0"/>
-              <a:t>D(H)5%</a:t>
-            </a:r>
-          </a:p>
-        </p:txBody>
-      </p:sp>
-      <p:sp>
-        <p:nvSpPr>
-          <p:cNvPr id="13" name="Titre 1"/>
+      <p:sp>
+        <p:nvSpPr>
+          <p:cNvPr id="2" name="Title 1"/>
           <p:cNvSpPr>
             <a:spLocks noGrp="1"/>
           </p:cNvSpPr>
           <p:nvPr>
-            <p:ph type="title"/>
+            <p:ph type="ctrTitle"/>
           </p:nvPr>
         </p:nvSpPr>
-        <p:spPr>
-          <a:xfrm>
-            <a:off x="457200" y="116632"/>
-            <a:ext cx="8229600" cy="1143000"/>
-          </a:xfrm>
-        </p:spPr>
-        <p:txBody>
-          <a:bodyPr/>
-          <a:lstStyle/>
-          <a:p>
-            <a:r>
-              <a:rPr lang="fr-FR" dirty="0" smtClean="0"/>
-              <a:t>Plasma </a:t>
-            </a:r>
-            <a:r>
-              <a:rPr lang="fr-FR" dirty="0" err="1" smtClean="0"/>
-              <a:t>Response</a:t>
-            </a:r>
-            <a:r>
-              <a:rPr lang="fr-FR" dirty="0" smtClean="0"/>
-              <a:t> 1e8</a:t>
-            </a:r>
-            <a:endParaRPr lang="fr-FR" dirty="0"/>
-          </a:p>
-        </p:txBody>
-      </p:sp>
-      <p:pic>
-        <p:nvPicPr>
-          <p:cNvPr id="12" name="Picture 11"/>
-          <p:cNvPicPr>
-            <a:picLocks noChangeAspect="1"/>
-          </p:cNvPicPr>
-          <p:nvPr/>
-        </p:nvPicPr>
-        <p:blipFill>
-          <a:blip r:embed="rId4" cstate="print">
-            <a:extLst>
-              <a:ext uri="{28A0092B-C50C-407E-A947-70E740481C1C}">
-                <a14:useLocalDpi xmlns:a14="http://schemas.microsoft.com/office/drawing/2010/main" val="0"/>
-              </a:ext>
-            </a:extLst>
-          </a:blip>
-          <a:stretch>
-            <a:fillRect/>
-          </a:stretch>
-        </p:blipFill>
-        <p:spPr>
-          <a:xfrm>
-            <a:off x="179913" y="4024364"/>
-            <a:ext cx="3599995" cy="2701899"/>
-          </a:xfrm>
-          <a:prstGeom prst="rect">
-            <a:avLst/>
-          </a:prstGeom>
-        </p:spPr>
-      </p:pic>
-      <p:pic>
-        <p:nvPicPr>
-          <p:cNvPr id="14" name="Picture 13"/>
-          <p:cNvPicPr>
-            <a:picLocks noChangeAspect="1"/>
-          </p:cNvPicPr>
-          <p:nvPr/>
-        </p:nvPicPr>
-        <p:blipFill>
-          <a:blip r:embed="rId5" cstate="print">
-            <a:extLst>
-              <a:ext uri="{28A0092B-C50C-407E-A947-70E740481C1C}">
-                <a14:useLocalDpi xmlns:a14="http://schemas.microsoft.com/office/drawing/2010/main" val="0"/>
-              </a:ext>
-            </a:extLst>
-          </a:blip>
-          <a:stretch>
-            <a:fillRect/>
-          </a:stretch>
-        </p:blipFill>
-        <p:spPr>
-          <a:xfrm>
-            <a:off x="5544001" y="4024364"/>
-            <a:ext cx="3599995" cy="2701899"/>
-          </a:xfrm>
-          <a:prstGeom prst="rect">
-            <a:avLst/>
-          </a:prstGeom>
-        </p:spPr>
-      </p:pic>
-      <p:sp>
-        <p:nvSpPr>
-          <p:cNvPr id="15" name="ZoneTexte 10"/>
-          <p:cNvSpPr txBox="1"/>
-          <p:nvPr/>
-        </p:nvSpPr>
-        <p:spPr>
-          <a:xfrm>
-            <a:off x="3707904" y="4571836"/>
-            <a:ext cx="1872208" cy="646331"/>
-          </a:xfrm>
-          <a:prstGeom prst="rect">
-            <a:avLst/>
-          </a:prstGeom>
-          <a:noFill/>
-        </p:spPr>
-        <p:txBody>
-          <a:bodyPr wrap="square" rtlCol="0">
-            <a:spAutoFit/>
+        <p:spPr/>
+        <p:txBody>
+          <a:bodyPr>
+            <a:normAutofit/>
           </a:bodyPr>
           <a:lstStyle/>
           <a:p>
-            <a:pPr algn="ctr"/>
-            <a:r>
-              <a:rPr lang="fr-FR" dirty="0" smtClean="0"/>
-              <a:t>Z</a:t>
-            </a:r>
-            <a:r>
-              <a:rPr lang="fr-FR" baseline="-25000" dirty="0" smtClean="0"/>
-              <a:t>A</a:t>
-            </a:r>
-            <a:r>
-              <a:rPr lang="fr-FR" dirty="0" smtClean="0"/>
-              <a:t>=R</a:t>
-            </a:r>
-            <a:r>
-              <a:rPr lang="fr-FR" baseline="-25000" dirty="0" smtClean="0"/>
-              <a:t>A3</a:t>
-            </a:r>
-            <a:r>
-              <a:rPr lang="fr-FR" dirty="0" smtClean="0"/>
-              <a:t>+iX</a:t>
-            </a:r>
-            <a:r>
-              <a:rPr lang="fr-FR" baseline="-25000" dirty="0" smtClean="0"/>
-              <a:t>A3</a:t>
-            </a:r>
-          </a:p>
-          <a:p>
-            <a:pPr algn="ctr"/>
-            <a:r>
-              <a:rPr lang="fr-FR" dirty="0" smtClean="0"/>
-              <a:t>0.44+i105</a:t>
-            </a:r>
-          </a:p>
-        </p:txBody>
-      </p:sp>
-      <p:sp>
-        <p:nvSpPr>
-          <p:cNvPr id="16" name="ZoneTexte 10"/>
-          <p:cNvSpPr txBox="1"/>
-          <p:nvPr/>
-        </p:nvSpPr>
-        <p:spPr>
-          <a:xfrm>
-            <a:off x="3936876" y="2348880"/>
-            <a:ext cx="1414264" cy="307777"/>
-          </a:xfrm>
-          <a:prstGeom prst="rect">
-            <a:avLst/>
-          </a:prstGeom>
-          <a:noFill/>
-        </p:spPr>
-        <p:txBody>
-          <a:bodyPr wrap="square" rtlCol="0">
-            <a:spAutoFit/>
-          </a:bodyPr>
-          <a:lstStyle/>
-          <a:p>
-            <a:pPr algn="ctr"/>
-            <a:r>
-              <a:rPr lang="fr-FR" sz="1400" dirty="0" smtClean="0"/>
-              <a:t>n_e0=1e18</a:t>
-            </a:r>
+            <a:r>
+              <a:rPr lang="en-GB" dirty="0" smtClean="0"/>
+              <a:t>Second case:</a:t>
+            </a:r>
+            <a:br>
+              <a:rPr lang="en-GB" dirty="0" smtClean="0"/>
+            </a:br>
+            <a:r>
+              <a:rPr lang="en-GB" dirty="0" smtClean="0"/>
+              <a:t>Single strap – constant profile</a:t>
+            </a:r>
+            <a:endParaRPr lang="en-GB" dirty="0"/>
           </a:p>
         </p:txBody>
       </p:sp>
     </p:spTree>
     <p:extLst>
       <p:ext uri="{BB962C8B-B14F-4D97-AF65-F5344CB8AC3E}">
-        <p14:creationId xmlns:p14="http://schemas.microsoft.com/office/powerpoint/2010/main" val="2712019691"/>
+        <p14:creationId xmlns:p14="http://schemas.microsoft.com/office/powerpoint/2010/main" val="346981464"/>
       </p:ext>
     </p:extLst>
   </p:cSld>
@@ -8332,6 +8334,36 @@
       </p:grpSpPr>
       <p:sp>
         <p:nvSpPr>
+          <p:cNvPr id="67" name="ZoneTexte 66"/>
+          <p:cNvSpPr txBox="1"/>
+          <p:nvPr/>
+        </p:nvSpPr>
+        <p:spPr>
+          <a:xfrm>
+            <a:off x="2339752" y="2765688"/>
+            <a:ext cx="620683" cy="261610"/>
+          </a:xfrm>
+          <a:prstGeom prst="rect">
+            <a:avLst/>
+          </a:prstGeom>
+          <a:noFill/>
+        </p:spPr>
+        <p:txBody>
+          <a:bodyPr wrap="none" rtlCol="0">
+            <a:spAutoFit/>
+          </a:bodyPr>
+          <a:lstStyle/>
+          <a:p>
+            <a:r>
+              <a:rPr lang="fr-FR" sz="1100" dirty="0" err="1" smtClean="0"/>
+              <a:t>d_strap</a:t>
+            </a:r>
+            <a:endParaRPr lang="fr-FR" sz="1100" dirty="0"/>
+          </a:p>
+        </p:txBody>
+      </p:sp>
+      <p:sp>
+        <p:nvSpPr>
           <p:cNvPr id="43" name="Rectangle 42"/>
           <p:cNvSpPr/>
           <p:nvPr/>
@@ -8339,7 +8371,7 @@
         <p:spPr>
           <a:xfrm>
             <a:off x="6444208" y="2708920"/>
-            <a:ext cx="1512168" cy="1207566"/>
+            <a:ext cx="864096" cy="1207566"/>
           </a:xfrm>
           <a:prstGeom prst="rect">
             <a:avLst/>
@@ -8385,14 +8417,477 @@
       </p:sp>
       <p:sp>
         <p:nvSpPr>
-          <p:cNvPr id="44" name="Rectangle 43"/>
+          <p:cNvPr id="4" name="Titre 3"/>
+          <p:cNvSpPr>
+            <a:spLocks noGrp="1"/>
+          </p:cNvSpPr>
+          <p:nvPr>
+            <p:ph type="title"/>
+          </p:nvPr>
+        </p:nvSpPr>
+        <p:spPr/>
+        <p:txBody>
+          <a:bodyPr/>
+          <a:lstStyle/>
+          <a:p>
+            <a:r>
+              <a:rPr lang="fr-FR" dirty="0" smtClean="0"/>
+              <a:t>Single </a:t>
+            </a:r>
+            <a:r>
+              <a:rPr lang="fr-FR" dirty="0" err="1" smtClean="0"/>
+              <a:t>Strap</a:t>
+            </a:r>
+            <a:r>
+              <a:rPr lang="fr-FR" dirty="0" smtClean="0"/>
+              <a:t> </a:t>
+            </a:r>
+            <a:r>
+              <a:rPr lang="fr-FR" dirty="0" err="1" smtClean="0"/>
+              <a:t>Antenna</a:t>
+            </a:r>
+            <a:endParaRPr lang="fr-FR" dirty="0"/>
+          </a:p>
+        </p:txBody>
+      </p:sp>
+      <p:cxnSp>
+        <p:nvCxnSpPr>
+          <p:cNvPr id="6" name="Connecteur droit 5"/>
+          <p:cNvCxnSpPr/>
+          <p:nvPr/>
+        </p:nvCxnSpPr>
+        <p:spPr>
+          <a:xfrm>
+            <a:off x="2622900" y="1844824"/>
+            <a:ext cx="0" cy="864096"/>
+          </a:xfrm>
+          <a:prstGeom prst="line">
+            <a:avLst/>
+          </a:prstGeom>
+          <a:ln w="38100">
+            <a:solidFill>
+              <a:schemeClr val="tx1">
+                <a:lumMod val="95000"/>
+                <a:lumOff val="5000"/>
+              </a:schemeClr>
+            </a:solidFill>
+          </a:ln>
+        </p:spPr>
+        <p:style>
+          <a:lnRef idx="1">
+            <a:schemeClr val="accent1"/>
+          </a:lnRef>
+          <a:fillRef idx="0">
+            <a:schemeClr val="accent1"/>
+          </a:fillRef>
+          <a:effectRef idx="0">
+            <a:schemeClr val="accent1"/>
+          </a:effectRef>
+          <a:fontRef idx="minor">
+            <a:schemeClr val="tx1"/>
+          </a:fontRef>
+        </p:style>
+      </p:cxnSp>
+      <p:cxnSp>
+        <p:nvCxnSpPr>
+          <p:cNvPr id="7" name="Connecteur droit 6"/>
+          <p:cNvCxnSpPr/>
+          <p:nvPr/>
+        </p:nvCxnSpPr>
+        <p:spPr>
+          <a:xfrm>
+            <a:off x="1475656" y="2708920"/>
+            <a:ext cx="0" cy="1296144"/>
+          </a:xfrm>
+          <a:prstGeom prst="line">
+            <a:avLst/>
+          </a:prstGeom>
+          <a:ln w="38100">
+            <a:solidFill>
+              <a:schemeClr val="tx1">
+                <a:lumMod val="95000"/>
+                <a:lumOff val="5000"/>
+              </a:schemeClr>
+            </a:solidFill>
+          </a:ln>
+        </p:spPr>
+        <p:style>
+          <a:lnRef idx="1">
+            <a:schemeClr val="accent1"/>
+          </a:lnRef>
+          <a:fillRef idx="0">
+            <a:schemeClr val="accent1"/>
+          </a:fillRef>
+          <a:effectRef idx="0">
+            <a:schemeClr val="accent1"/>
+          </a:effectRef>
+          <a:fontRef idx="minor">
+            <a:schemeClr val="tx1"/>
+          </a:fontRef>
+        </p:style>
+      </p:cxnSp>
+      <p:cxnSp>
+        <p:nvCxnSpPr>
+          <p:cNvPr id="8" name="Connecteur droit 7"/>
+          <p:cNvCxnSpPr/>
+          <p:nvPr/>
+        </p:nvCxnSpPr>
+        <p:spPr>
+          <a:xfrm>
+            <a:off x="1475656" y="2708920"/>
+            <a:ext cx="1152128" cy="0"/>
+          </a:xfrm>
+          <a:prstGeom prst="line">
+            <a:avLst/>
+          </a:prstGeom>
+          <a:ln w="38100">
+            <a:solidFill>
+              <a:schemeClr val="tx1">
+                <a:lumMod val="95000"/>
+                <a:lumOff val="5000"/>
+              </a:schemeClr>
+            </a:solidFill>
+          </a:ln>
+        </p:spPr>
+        <p:style>
+          <a:lnRef idx="1">
+            <a:schemeClr val="accent1"/>
+          </a:lnRef>
+          <a:fillRef idx="0">
+            <a:schemeClr val="accent1"/>
+          </a:fillRef>
+          <a:effectRef idx="0">
+            <a:schemeClr val="accent1"/>
+          </a:effectRef>
+          <a:fontRef idx="minor">
+            <a:schemeClr val="tx1"/>
+          </a:fontRef>
+        </p:style>
+      </p:cxnSp>
+      <p:cxnSp>
+        <p:nvCxnSpPr>
+          <p:cNvPr id="12" name="Connecteur droit 11"/>
+          <p:cNvCxnSpPr/>
+          <p:nvPr/>
+        </p:nvCxnSpPr>
+        <p:spPr>
+          <a:xfrm>
+            <a:off x="1470772" y="4005064"/>
+            <a:ext cx="1152128" cy="0"/>
+          </a:xfrm>
+          <a:prstGeom prst="line">
+            <a:avLst/>
+          </a:prstGeom>
+          <a:ln w="38100">
+            <a:solidFill>
+              <a:schemeClr val="tx1">
+                <a:lumMod val="95000"/>
+                <a:lumOff val="5000"/>
+              </a:schemeClr>
+            </a:solidFill>
+          </a:ln>
+        </p:spPr>
+        <p:style>
+          <a:lnRef idx="1">
+            <a:schemeClr val="accent1"/>
+          </a:lnRef>
+          <a:fillRef idx="0">
+            <a:schemeClr val="accent1"/>
+          </a:fillRef>
+          <a:effectRef idx="0">
+            <a:schemeClr val="accent1"/>
+          </a:effectRef>
+          <a:fontRef idx="minor">
+            <a:schemeClr val="tx1"/>
+          </a:fontRef>
+        </p:style>
+      </p:cxnSp>
+      <p:cxnSp>
+        <p:nvCxnSpPr>
+          <p:cNvPr id="13" name="Connecteur droit 12"/>
+          <p:cNvCxnSpPr/>
+          <p:nvPr/>
+        </p:nvCxnSpPr>
+        <p:spPr>
+          <a:xfrm>
+            <a:off x="2629404" y="4005064"/>
+            <a:ext cx="0" cy="864096"/>
+          </a:xfrm>
+          <a:prstGeom prst="line">
+            <a:avLst/>
+          </a:prstGeom>
+          <a:ln w="38100">
+            <a:solidFill>
+              <a:schemeClr val="tx1">
+                <a:lumMod val="95000"/>
+                <a:lumOff val="5000"/>
+              </a:schemeClr>
+            </a:solidFill>
+          </a:ln>
+        </p:spPr>
+        <p:style>
+          <a:lnRef idx="1">
+            <a:schemeClr val="accent1"/>
+          </a:lnRef>
+          <a:fillRef idx="0">
+            <a:schemeClr val="accent1"/>
+          </a:fillRef>
+          <a:effectRef idx="0">
+            <a:schemeClr val="accent1"/>
+          </a:effectRef>
+          <a:fontRef idx="minor">
+            <a:schemeClr val="tx1"/>
+          </a:fontRef>
+        </p:style>
+      </p:cxnSp>
+      <p:cxnSp>
+        <p:nvCxnSpPr>
+          <p:cNvPr id="14" name="Connecteur droit 13"/>
+          <p:cNvCxnSpPr/>
+          <p:nvPr/>
+        </p:nvCxnSpPr>
+        <p:spPr>
+          <a:xfrm>
+            <a:off x="2339752" y="2708920"/>
+            <a:ext cx="0" cy="1008112"/>
+          </a:xfrm>
+          <a:prstGeom prst="line">
+            <a:avLst/>
+          </a:prstGeom>
+          <a:ln w="38100">
+            <a:solidFill>
+              <a:schemeClr val="accent2"/>
+            </a:solidFill>
+          </a:ln>
+        </p:spPr>
+        <p:style>
+          <a:lnRef idx="1">
+            <a:schemeClr val="accent1"/>
+          </a:lnRef>
+          <a:fillRef idx="0">
+            <a:schemeClr val="accent1"/>
+          </a:fillRef>
+          <a:effectRef idx="0">
+            <a:schemeClr val="accent1"/>
+          </a:effectRef>
+          <a:fontRef idx="minor">
+            <a:schemeClr val="tx1"/>
+          </a:fontRef>
+        </p:style>
+      </p:cxnSp>
+      <p:cxnSp>
+        <p:nvCxnSpPr>
+          <p:cNvPr id="26" name="Connecteur droit 25"/>
+          <p:cNvCxnSpPr/>
+          <p:nvPr/>
+        </p:nvCxnSpPr>
+        <p:spPr>
+          <a:xfrm>
+            <a:off x="2915816" y="1844824"/>
+            <a:ext cx="0" cy="3024336"/>
+          </a:xfrm>
+          <a:prstGeom prst="line">
+            <a:avLst/>
+          </a:prstGeom>
+          <a:ln w="28575">
+            <a:solidFill>
+              <a:schemeClr val="tx2"/>
+            </a:solidFill>
+          </a:ln>
+        </p:spPr>
+        <p:style>
+          <a:lnRef idx="1">
+            <a:schemeClr val="accent1"/>
+          </a:lnRef>
+          <a:fillRef idx="0">
+            <a:schemeClr val="accent1"/>
+          </a:fillRef>
+          <a:effectRef idx="0">
+            <a:schemeClr val="accent1"/>
+          </a:effectRef>
+          <a:fontRef idx="minor">
+            <a:schemeClr val="tx1"/>
+          </a:fontRef>
+        </p:style>
+      </p:cxnSp>
+      <p:sp>
+        <p:nvSpPr>
+          <p:cNvPr id="28" name="ZoneTexte 27"/>
+          <p:cNvSpPr txBox="1"/>
+          <p:nvPr/>
+        </p:nvSpPr>
+        <p:spPr>
+          <a:xfrm>
+            <a:off x="1504846" y="3639487"/>
+            <a:ext cx="674544" cy="276999"/>
+          </a:xfrm>
+          <a:prstGeom prst="rect">
+            <a:avLst/>
+          </a:prstGeom>
+          <a:noFill/>
+        </p:spPr>
+        <p:txBody>
+          <a:bodyPr wrap="none" rtlCol="0">
+            <a:spAutoFit/>
+          </a:bodyPr>
+          <a:lstStyle/>
+          <a:p>
+            <a:r>
+              <a:rPr lang="fr-FR" sz="1200" dirty="0" smtClean="0"/>
+              <a:t>vacuum</a:t>
+            </a:r>
+            <a:endParaRPr lang="fr-FR" sz="1200" dirty="0"/>
+          </a:p>
+        </p:txBody>
+      </p:sp>
+      <p:cxnSp>
+        <p:nvCxnSpPr>
+          <p:cNvPr id="30" name="Connecteur droit avec flèche 29"/>
+          <p:cNvCxnSpPr/>
+          <p:nvPr/>
+        </p:nvCxnSpPr>
+        <p:spPr>
+          <a:xfrm>
+            <a:off x="2629404" y="3496404"/>
+            <a:ext cx="327156" cy="0"/>
+          </a:xfrm>
+          <a:prstGeom prst="straightConnector1">
+            <a:avLst/>
+          </a:prstGeom>
+          <a:ln w="28575">
+            <a:solidFill>
+              <a:schemeClr val="tx1">
+                <a:lumMod val="95000"/>
+                <a:lumOff val="5000"/>
+              </a:schemeClr>
+            </a:solidFill>
+            <a:tailEnd type="arrow"/>
+          </a:ln>
+        </p:spPr>
+        <p:style>
+          <a:lnRef idx="1">
+            <a:schemeClr val="accent1"/>
+          </a:lnRef>
+          <a:fillRef idx="0">
+            <a:schemeClr val="accent1"/>
+          </a:fillRef>
+          <a:effectRef idx="0">
+            <a:schemeClr val="accent1"/>
+          </a:effectRef>
+          <a:fontRef idx="minor">
+            <a:schemeClr val="tx1"/>
+          </a:fontRef>
+        </p:style>
+      </p:cxnSp>
+      <p:cxnSp>
+        <p:nvCxnSpPr>
+          <p:cNvPr id="32" name="Connecteur droit avec flèche 31"/>
+          <p:cNvCxnSpPr/>
+          <p:nvPr/>
+        </p:nvCxnSpPr>
+        <p:spPr>
+          <a:xfrm flipV="1">
+            <a:off x="2629404" y="3208372"/>
+            <a:ext cx="0" cy="288032"/>
+          </a:xfrm>
+          <a:prstGeom prst="straightConnector1">
+            <a:avLst/>
+          </a:prstGeom>
+          <a:ln w="28575">
+            <a:solidFill>
+              <a:schemeClr val="tx1">
+                <a:lumMod val="95000"/>
+                <a:lumOff val="5000"/>
+              </a:schemeClr>
+            </a:solidFill>
+            <a:tailEnd type="arrow"/>
+          </a:ln>
+        </p:spPr>
+        <p:style>
+          <a:lnRef idx="1">
+            <a:schemeClr val="accent1"/>
+          </a:lnRef>
+          <a:fillRef idx="0">
+            <a:schemeClr val="accent1"/>
+          </a:fillRef>
+          <a:effectRef idx="0">
+            <a:schemeClr val="accent1"/>
+          </a:effectRef>
+          <a:fontRef idx="minor">
+            <a:schemeClr val="tx1"/>
+          </a:fontRef>
+        </p:style>
+      </p:cxnSp>
+      <p:sp>
+        <p:nvSpPr>
+          <p:cNvPr id="40" name="ZoneTexte 39"/>
+          <p:cNvSpPr txBox="1"/>
+          <p:nvPr/>
+        </p:nvSpPr>
+        <p:spPr>
+          <a:xfrm>
+            <a:off x="2991804" y="3311738"/>
+            <a:ext cx="284052" cy="369332"/>
+          </a:xfrm>
+          <a:prstGeom prst="rect">
+            <a:avLst/>
+          </a:prstGeom>
+          <a:noFill/>
+        </p:spPr>
+        <p:txBody>
+          <a:bodyPr wrap="none" rtlCol="0">
+            <a:spAutoFit/>
+          </a:bodyPr>
+          <a:lstStyle/>
+          <a:p>
+            <a:r>
+              <a:rPr lang="fr-FR" dirty="0" smtClean="0"/>
+              <a:t>x</a:t>
+            </a:r>
+            <a:endParaRPr lang="fr-FR" dirty="0"/>
+          </a:p>
+        </p:txBody>
+      </p:sp>
+      <p:sp>
+        <p:nvSpPr>
+          <p:cNvPr id="41" name="ZoneTexte 40"/>
+          <p:cNvSpPr txBox="1"/>
+          <p:nvPr/>
+        </p:nvSpPr>
+        <p:spPr>
+          <a:xfrm>
+            <a:off x="2473499" y="2839040"/>
+            <a:ext cx="288862" cy="369332"/>
+          </a:xfrm>
+          <a:prstGeom prst="rect">
+            <a:avLst/>
+          </a:prstGeom>
+          <a:noFill/>
+        </p:spPr>
+        <p:txBody>
+          <a:bodyPr wrap="none" rtlCol="0">
+            <a:spAutoFit/>
+          </a:bodyPr>
+          <a:lstStyle/>
+          <a:p>
+            <a:r>
+              <a:rPr lang="fr-FR" dirty="0" smtClean="0"/>
+              <a:t>y</a:t>
+            </a:r>
+            <a:endParaRPr lang="fr-FR" dirty="0"/>
+          </a:p>
+        </p:txBody>
+      </p:sp>
+      <p:sp>
+        <p:nvSpPr>
+          <p:cNvPr id="42" name="Rectangle 41"/>
           <p:cNvSpPr/>
           <p:nvPr/>
         </p:nvSpPr>
         <p:spPr>
           <a:xfrm>
-            <a:off x="7334508" y="2715776"/>
-            <a:ext cx="417799" cy="1008112"/>
+            <a:off x="6660232" y="2715776"/>
+            <a:ext cx="417799" cy="1200710"/>
           </a:xfrm>
           <a:prstGeom prst="rect">
             <a:avLst/>
@@ -8434,685 +8929,6 @@
           </a:p>
         </p:txBody>
       </p:sp>
-      <p:sp>
-        <p:nvSpPr>
-          <p:cNvPr id="67" name="ZoneTexte 66"/>
-          <p:cNvSpPr txBox="1"/>
-          <p:nvPr/>
-        </p:nvSpPr>
-        <p:spPr>
-          <a:xfrm>
-            <a:off x="2339752" y="2765688"/>
-            <a:ext cx="620683" cy="261610"/>
-          </a:xfrm>
-          <a:prstGeom prst="rect">
-            <a:avLst/>
-          </a:prstGeom>
-          <a:noFill/>
-        </p:spPr>
-        <p:txBody>
-          <a:bodyPr wrap="none" rtlCol="0">
-            <a:spAutoFit/>
-          </a:bodyPr>
-          <a:lstStyle/>
-          <a:p>
-            <a:r>
-              <a:rPr lang="fr-FR" sz="1100" dirty="0" err="1" smtClean="0"/>
-              <a:t>d_strap</a:t>
-            </a:r>
-            <a:endParaRPr lang="fr-FR" sz="1100" dirty="0"/>
-          </a:p>
-        </p:txBody>
-      </p:sp>
-      <p:sp>
-        <p:nvSpPr>
-          <p:cNvPr id="4" name="Titre 3"/>
-          <p:cNvSpPr>
-            <a:spLocks noGrp="1"/>
-          </p:cNvSpPr>
-          <p:nvPr>
-            <p:ph type="title"/>
-          </p:nvPr>
-        </p:nvSpPr>
-        <p:spPr/>
-        <p:txBody>
-          <a:bodyPr/>
-          <a:lstStyle/>
-          <a:p>
-            <a:r>
-              <a:rPr lang="fr-FR" dirty="0" smtClean="0"/>
-              <a:t>Double </a:t>
-            </a:r>
-            <a:r>
-              <a:rPr lang="fr-FR" dirty="0" err="1" smtClean="0"/>
-              <a:t>Straps</a:t>
-            </a:r>
-            <a:r>
-              <a:rPr lang="fr-FR" dirty="0" smtClean="0"/>
-              <a:t> </a:t>
-            </a:r>
-            <a:r>
-              <a:rPr lang="fr-FR" dirty="0" err="1" smtClean="0"/>
-              <a:t>Antenna</a:t>
-            </a:r>
-            <a:endParaRPr lang="fr-FR" dirty="0"/>
-          </a:p>
-        </p:txBody>
-      </p:sp>
-      <p:cxnSp>
-        <p:nvCxnSpPr>
-          <p:cNvPr id="6" name="Connecteur droit 5"/>
-          <p:cNvCxnSpPr/>
-          <p:nvPr/>
-        </p:nvCxnSpPr>
-        <p:spPr>
-          <a:xfrm>
-            <a:off x="2622900" y="1844824"/>
-            <a:ext cx="0" cy="864096"/>
-          </a:xfrm>
-          <a:prstGeom prst="line">
-            <a:avLst/>
-          </a:prstGeom>
-          <a:ln w="38100">
-            <a:solidFill>
-              <a:schemeClr val="tx1">
-                <a:lumMod val="95000"/>
-                <a:lumOff val="5000"/>
-              </a:schemeClr>
-            </a:solidFill>
-          </a:ln>
-        </p:spPr>
-        <p:style>
-          <a:lnRef idx="1">
-            <a:schemeClr val="accent1"/>
-          </a:lnRef>
-          <a:fillRef idx="0">
-            <a:schemeClr val="accent1"/>
-          </a:fillRef>
-          <a:effectRef idx="0">
-            <a:schemeClr val="accent1"/>
-          </a:effectRef>
-          <a:fontRef idx="minor">
-            <a:schemeClr val="tx1"/>
-          </a:fontRef>
-        </p:style>
-      </p:cxnSp>
-      <p:cxnSp>
-        <p:nvCxnSpPr>
-          <p:cNvPr id="7" name="Connecteur droit 6"/>
-          <p:cNvCxnSpPr/>
-          <p:nvPr/>
-        </p:nvCxnSpPr>
-        <p:spPr>
-          <a:xfrm>
-            <a:off x="1475656" y="2708920"/>
-            <a:ext cx="0" cy="786050"/>
-          </a:xfrm>
-          <a:prstGeom prst="line">
-            <a:avLst/>
-          </a:prstGeom>
-          <a:ln w="38100">
-            <a:solidFill>
-              <a:schemeClr val="tx1">
-                <a:lumMod val="95000"/>
-                <a:lumOff val="5000"/>
-              </a:schemeClr>
-            </a:solidFill>
-          </a:ln>
-        </p:spPr>
-        <p:style>
-          <a:lnRef idx="1">
-            <a:schemeClr val="accent1"/>
-          </a:lnRef>
-          <a:fillRef idx="0">
-            <a:schemeClr val="accent1"/>
-          </a:fillRef>
-          <a:effectRef idx="0">
-            <a:schemeClr val="accent1"/>
-          </a:effectRef>
-          <a:fontRef idx="minor">
-            <a:schemeClr val="tx1"/>
-          </a:fontRef>
-        </p:style>
-      </p:cxnSp>
-      <p:cxnSp>
-        <p:nvCxnSpPr>
-          <p:cNvPr id="8" name="Connecteur droit 7"/>
-          <p:cNvCxnSpPr/>
-          <p:nvPr/>
-        </p:nvCxnSpPr>
-        <p:spPr>
-          <a:xfrm>
-            <a:off x="1475656" y="2708920"/>
-            <a:ext cx="1152128" cy="0"/>
-          </a:xfrm>
-          <a:prstGeom prst="line">
-            <a:avLst/>
-          </a:prstGeom>
-          <a:ln w="38100">
-            <a:solidFill>
-              <a:schemeClr val="tx1">
-                <a:lumMod val="95000"/>
-                <a:lumOff val="5000"/>
-              </a:schemeClr>
-            </a:solidFill>
-          </a:ln>
-        </p:spPr>
-        <p:style>
-          <a:lnRef idx="1">
-            <a:schemeClr val="accent1"/>
-          </a:lnRef>
-          <a:fillRef idx="0">
-            <a:schemeClr val="accent1"/>
-          </a:fillRef>
-          <a:effectRef idx="0">
-            <a:schemeClr val="accent1"/>
-          </a:effectRef>
-          <a:fontRef idx="minor">
-            <a:schemeClr val="tx1"/>
-          </a:fontRef>
-        </p:style>
-      </p:cxnSp>
-      <p:cxnSp>
-        <p:nvCxnSpPr>
-          <p:cNvPr id="12" name="Connecteur droit 11"/>
-          <p:cNvCxnSpPr/>
-          <p:nvPr/>
-        </p:nvCxnSpPr>
-        <p:spPr>
-          <a:xfrm>
-            <a:off x="1470772" y="4005064"/>
-            <a:ext cx="1152128" cy="0"/>
-          </a:xfrm>
-          <a:prstGeom prst="line">
-            <a:avLst/>
-          </a:prstGeom>
-          <a:ln w="38100">
-            <a:solidFill>
-              <a:schemeClr val="tx1">
-                <a:lumMod val="95000"/>
-                <a:lumOff val="5000"/>
-              </a:schemeClr>
-            </a:solidFill>
-          </a:ln>
-        </p:spPr>
-        <p:style>
-          <a:lnRef idx="1">
-            <a:schemeClr val="accent1"/>
-          </a:lnRef>
-          <a:fillRef idx="0">
-            <a:schemeClr val="accent1"/>
-          </a:fillRef>
-          <a:effectRef idx="0">
-            <a:schemeClr val="accent1"/>
-          </a:effectRef>
-          <a:fontRef idx="minor">
-            <a:schemeClr val="tx1"/>
-          </a:fontRef>
-        </p:style>
-      </p:cxnSp>
-      <p:cxnSp>
-        <p:nvCxnSpPr>
-          <p:cNvPr id="13" name="Connecteur droit 12"/>
-          <p:cNvCxnSpPr/>
-          <p:nvPr/>
-        </p:nvCxnSpPr>
-        <p:spPr>
-          <a:xfrm>
-            <a:off x="2629404" y="4005064"/>
-            <a:ext cx="0" cy="864096"/>
-          </a:xfrm>
-          <a:prstGeom prst="line">
-            <a:avLst/>
-          </a:prstGeom>
-          <a:ln w="38100">
-            <a:solidFill>
-              <a:schemeClr val="tx1">
-                <a:lumMod val="95000"/>
-                <a:lumOff val="5000"/>
-              </a:schemeClr>
-            </a:solidFill>
-          </a:ln>
-        </p:spPr>
-        <p:style>
-          <a:lnRef idx="1">
-            <a:schemeClr val="accent1"/>
-          </a:lnRef>
-          <a:fillRef idx="0">
-            <a:schemeClr val="accent1"/>
-          </a:fillRef>
-          <a:effectRef idx="0">
-            <a:schemeClr val="accent1"/>
-          </a:effectRef>
-          <a:fontRef idx="minor">
-            <a:schemeClr val="tx1"/>
-          </a:fontRef>
-        </p:style>
-      </p:cxnSp>
-      <p:cxnSp>
-        <p:nvCxnSpPr>
-          <p:cNvPr id="14" name="Connecteur droit 13"/>
-          <p:cNvCxnSpPr/>
-          <p:nvPr/>
-        </p:nvCxnSpPr>
-        <p:spPr>
-          <a:xfrm>
-            <a:off x="2339752" y="2708920"/>
-            <a:ext cx="0" cy="1008112"/>
-          </a:xfrm>
-          <a:prstGeom prst="line">
-            <a:avLst/>
-          </a:prstGeom>
-          <a:ln w="38100">
-            <a:solidFill>
-              <a:schemeClr val="accent2"/>
-            </a:solidFill>
-          </a:ln>
-        </p:spPr>
-        <p:style>
-          <a:lnRef idx="1">
-            <a:schemeClr val="accent1"/>
-          </a:lnRef>
-          <a:fillRef idx="0">
-            <a:schemeClr val="accent1"/>
-          </a:fillRef>
-          <a:effectRef idx="0">
-            <a:schemeClr val="accent1"/>
-          </a:effectRef>
-          <a:fontRef idx="minor">
-            <a:schemeClr val="tx1"/>
-          </a:fontRef>
-        </p:style>
-      </p:cxnSp>
-      <p:cxnSp>
-        <p:nvCxnSpPr>
-          <p:cNvPr id="15" name="Connecteur droit 14"/>
-          <p:cNvCxnSpPr/>
-          <p:nvPr/>
-        </p:nvCxnSpPr>
-        <p:spPr>
-          <a:xfrm flipH="1">
-            <a:off x="1470772" y="3717032"/>
-            <a:ext cx="868980" cy="0"/>
-          </a:xfrm>
-          <a:prstGeom prst="line">
-            <a:avLst/>
-          </a:prstGeom>
-          <a:ln w="38100">
-            <a:solidFill>
-              <a:schemeClr val="accent2"/>
-            </a:solidFill>
-          </a:ln>
-        </p:spPr>
-        <p:style>
-          <a:lnRef idx="1">
-            <a:schemeClr val="accent1"/>
-          </a:lnRef>
-          <a:fillRef idx="0">
-            <a:schemeClr val="accent1"/>
-          </a:fillRef>
-          <a:effectRef idx="0">
-            <a:schemeClr val="accent1"/>
-          </a:effectRef>
-          <a:fontRef idx="minor">
-            <a:schemeClr val="tx1"/>
-          </a:fontRef>
-        </p:style>
-      </p:cxnSp>
-      <p:cxnSp>
-        <p:nvCxnSpPr>
-          <p:cNvPr id="20" name="Connecteur droit 19"/>
-          <p:cNvCxnSpPr/>
-          <p:nvPr/>
-        </p:nvCxnSpPr>
-        <p:spPr>
-          <a:xfrm>
-            <a:off x="1475656" y="3825999"/>
-            <a:ext cx="0" cy="180975"/>
-          </a:xfrm>
-          <a:prstGeom prst="line">
-            <a:avLst/>
-          </a:prstGeom>
-          <a:ln w="38100">
-            <a:solidFill>
-              <a:schemeClr val="tx1">
-                <a:lumMod val="95000"/>
-                <a:lumOff val="5000"/>
-              </a:schemeClr>
-            </a:solidFill>
-          </a:ln>
-        </p:spPr>
-        <p:style>
-          <a:lnRef idx="1">
-            <a:schemeClr val="accent1"/>
-          </a:lnRef>
-          <a:fillRef idx="0">
-            <a:schemeClr val="accent1"/>
-          </a:fillRef>
-          <a:effectRef idx="0">
-            <a:schemeClr val="accent1"/>
-          </a:effectRef>
-          <a:fontRef idx="minor">
-            <a:schemeClr val="tx1"/>
-          </a:fontRef>
-        </p:style>
-      </p:cxnSp>
-      <p:cxnSp>
-        <p:nvCxnSpPr>
-          <p:cNvPr id="26" name="Connecteur droit 25"/>
-          <p:cNvCxnSpPr/>
-          <p:nvPr/>
-        </p:nvCxnSpPr>
-        <p:spPr>
-          <a:xfrm>
-            <a:off x="2915816" y="1844824"/>
-            <a:ext cx="0" cy="3024336"/>
-          </a:xfrm>
-          <a:prstGeom prst="line">
-            <a:avLst/>
-          </a:prstGeom>
-          <a:ln w="28575">
-            <a:solidFill>
-              <a:schemeClr val="tx2"/>
-            </a:solidFill>
-          </a:ln>
-        </p:spPr>
-        <p:style>
-          <a:lnRef idx="1">
-            <a:schemeClr val="accent1"/>
-          </a:lnRef>
-          <a:fillRef idx="0">
-            <a:schemeClr val="accent1"/>
-          </a:fillRef>
-          <a:effectRef idx="0">
-            <a:schemeClr val="accent1"/>
-          </a:effectRef>
-          <a:fontRef idx="minor">
-            <a:schemeClr val="tx1"/>
-          </a:fontRef>
-        </p:style>
-      </p:cxnSp>
-      <p:sp>
-        <p:nvSpPr>
-          <p:cNvPr id="27" name="ZoneTexte 26"/>
-          <p:cNvSpPr txBox="1"/>
-          <p:nvPr/>
-        </p:nvSpPr>
-        <p:spPr>
-          <a:xfrm>
-            <a:off x="3275856" y="1926228"/>
-            <a:ext cx="2299797" cy="369332"/>
-          </a:xfrm>
-          <a:prstGeom prst="rect">
-            <a:avLst/>
-          </a:prstGeom>
-          <a:noFill/>
-        </p:spPr>
-        <p:txBody>
-          <a:bodyPr wrap="none" rtlCol="0">
-            <a:spAutoFit/>
-          </a:bodyPr>
-          <a:lstStyle/>
-          <a:p>
-            <a:r>
-              <a:rPr lang="fr-FR" dirty="0" smtClean="0">
-                <a:solidFill>
-                  <a:schemeClr val="tx2"/>
-                </a:solidFill>
-              </a:rPr>
-              <a:t>Plasma </a:t>
-            </a:r>
-            <a:r>
-              <a:rPr lang="fr-FR" dirty="0" err="1" smtClean="0">
-                <a:solidFill>
-                  <a:schemeClr val="tx2"/>
-                </a:solidFill>
-              </a:rPr>
-              <a:t>from</a:t>
-            </a:r>
-            <a:r>
-              <a:rPr lang="fr-FR" dirty="0" smtClean="0">
-                <a:solidFill>
-                  <a:schemeClr val="tx2"/>
-                </a:solidFill>
-              </a:rPr>
-              <a:t> x=</a:t>
-            </a:r>
-            <a:r>
-              <a:rPr lang="fr-FR" dirty="0" err="1" smtClean="0">
-                <a:solidFill>
-                  <a:schemeClr val="tx2"/>
-                </a:solidFill>
-              </a:rPr>
-              <a:t>x_edge</a:t>
-            </a:r>
-            <a:endParaRPr lang="fr-FR" dirty="0">
-              <a:solidFill>
-                <a:schemeClr val="tx2"/>
-              </a:solidFill>
-            </a:endParaRPr>
-          </a:p>
-        </p:txBody>
-      </p:sp>
-      <p:sp>
-        <p:nvSpPr>
-          <p:cNvPr id="28" name="ZoneTexte 27"/>
-          <p:cNvSpPr txBox="1"/>
-          <p:nvPr/>
-        </p:nvSpPr>
-        <p:spPr>
-          <a:xfrm>
-            <a:off x="1835696" y="3645024"/>
-            <a:ext cx="921855" cy="369332"/>
-          </a:xfrm>
-          <a:prstGeom prst="rect">
-            <a:avLst/>
-          </a:prstGeom>
-          <a:noFill/>
-        </p:spPr>
-        <p:txBody>
-          <a:bodyPr wrap="none" rtlCol="0">
-            <a:spAutoFit/>
-          </a:bodyPr>
-          <a:lstStyle/>
-          <a:p>
-            <a:r>
-              <a:rPr lang="fr-FR" dirty="0" smtClean="0"/>
-              <a:t>vacuum</a:t>
-            </a:r>
-            <a:endParaRPr lang="fr-FR" dirty="0"/>
-          </a:p>
-        </p:txBody>
-      </p:sp>
-      <p:cxnSp>
-        <p:nvCxnSpPr>
-          <p:cNvPr id="30" name="Connecteur droit avec flèche 29"/>
-          <p:cNvCxnSpPr/>
-          <p:nvPr/>
-        </p:nvCxnSpPr>
-        <p:spPr>
-          <a:xfrm>
-            <a:off x="2629404" y="3496404"/>
-            <a:ext cx="327156" cy="0"/>
-          </a:xfrm>
-          <a:prstGeom prst="straightConnector1">
-            <a:avLst/>
-          </a:prstGeom>
-          <a:ln w="28575">
-            <a:solidFill>
-              <a:schemeClr val="tx1">
-                <a:lumMod val="95000"/>
-                <a:lumOff val="5000"/>
-              </a:schemeClr>
-            </a:solidFill>
-            <a:tailEnd type="arrow"/>
-          </a:ln>
-        </p:spPr>
-        <p:style>
-          <a:lnRef idx="1">
-            <a:schemeClr val="accent1"/>
-          </a:lnRef>
-          <a:fillRef idx="0">
-            <a:schemeClr val="accent1"/>
-          </a:fillRef>
-          <a:effectRef idx="0">
-            <a:schemeClr val="accent1"/>
-          </a:effectRef>
-          <a:fontRef idx="minor">
-            <a:schemeClr val="tx1"/>
-          </a:fontRef>
-        </p:style>
-      </p:cxnSp>
-      <p:cxnSp>
-        <p:nvCxnSpPr>
-          <p:cNvPr id="32" name="Connecteur droit avec flèche 31"/>
-          <p:cNvCxnSpPr/>
-          <p:nvPr/>
-        </p:nvCxnSpPr>
-        <p:spPr>
-          <a:xfrm flipV="1">
-            <a:off x="2629404" y="3208372"/>
-            <a:ext cx="0" cy="288032"/>
-          </a:xfrm>
-          <a:prstGeom prst="straightConnector1">
-            <a:avLst/>
-          </a:prstGeom>
-          <a:ln w="28575">
-            <a:solidFill>
-              <a:schemeClr val="tx1">
-                <a:lumMod val="95000"/>
-                <a:lumOff val="5000"/>
-              </a:schemeClr>
-            </a:solidFill>
-            <a:tailEnd type="arrow"/>
-          </a:ln>
-        </p:spPr>
-        <p:style>
-          <a:lnRef idx="1">
-            <a:schemeClr val="accent1"/>
-          </a:lnRef>
-          <a:fillRef idx="0">
-            <a:schemeClr val="accent1"/>
-          </a:fillRef>
-          <a:effectRef idx="0">
-            <a:schemeClr val="accent1"/>
-          </a:effectRef>
-          <a:fontRef idx="minor">
-            <a:schemeClr val="tx1"/>
-          </a:fontRef>
-        </p:style>
-      </p:cxnSp>
-      <p:sp>
-        <p:nvSpPr>
-          <p:cNvPr id="40" name="ZoneTexte 39"/>
-          <p:cNvSpPr txBox="1"/>
-          <p:nvPr/>
-        </p:nvSpPr>
-        <p:spPr>
-          <a:xfrm>
-            <a:off x="2991804" y="3311738"/>
-            <a:ext cx="284052" cy="369332"/>
-          </a:xfrm>
-          <a:prstGeom prst="rect">
-            <a:avLst/>
-          </a:prstGeom>
-          <a:noFill/>
-        </p:spPr>
-        <p:txBody>
-          <a:bodyPr wrap="none" rtlCol="0">
-            <a:spAutoFit/>
-          </a:bodyPr>
-          <a:lstStyle/>
-          <a:p>
-            <a:r>
-              <a:rPr lang="fr-FR" dirty="0" smtClean="0"/>
-              <a:t>x</a:t>
-            </a:r>
-            <a:endParaRPr lang="fr-FR" dirty="0"/>
-          </a:p>
-        </p:txBody>
-      </p:sp>
-      <p:sp>
-        <p:nvSpPr>
-          <p:cNvPr id="41" name="ZoneTexte 40"/>
-          <p:cNvSpPr txBox="1"/>
-          <p:nvPr/>
-        </p:nvSpPr>
-        <p:spPr>
-          <a:xfrm>
-            <a:off x="2473499" y="2839040"/>
-            <a:ext cx="288862" cy="369332"/>
-          </a:xfrm>
-          <a:prstGeom prst="rect">
-            <a:avLst/>
-          </a:prstGeom>
-          <a:noFill/>
-        </p:spPr>
-        <p:txBody>
-          <a:bodyPr wrap="none" rtlCol="0">
-            <a:spAutoFit/>
-          </a:bodyPr>
-          <a:lstStyle/>
-          <a:p>
-            <a:r>
-              <a:rPr lang="fr-FR" dirty="0" smtClean="0"/>
-              <a:t>y</a:t>
-            </a:r>
-            <a:endParaRPr lang="fr-FR" dirty="0"/>
-          </a:p>
-        </p:txBody>
-      </p:sp>
-      <p:sp>
-        <p:nvSpPr>
-          <p:cNvPr id="42" name="Rectangle 41"/>
-          <p:cNvSpPr/>
-          <p:nvPr/>
-        </p:nvSpPr>
-        <p:spPr>
-          <a:xfrm>
-            <a:off x="6660232" y="2715776"/>
-            <a:ext cx="417799" cy="1008112"/>
-          </a:xfrm>
-          <a:prstGeom prst="rect">
-            <a:avLst/>
-          </a:prstGeom>
-          <a:solidFill>
-            <a:schemeClr val="accent2"/>
-          </a:solidFill>
-          <a:ln>
-            <a:solidFill>
-              <a:schemeClr val="tx1">
-                <a:lumMod val="85000"/>
-                <a:lumOff val="15000"/>
-              </a:schemeClr>
-            </a:solidFill>
-          </a:ln>
-        </p:spPr>
-        <p:style>
-          <a:lnRef idx="2">
-            <a:schemeClr val="accent1">
-              <a:shade val="50000"/>
-            </a:schemeClr>
-          </a:lnRef>
-          <a:fillRef idx="1">
-            <a:schemeClr val="accent1"/>
-          </a:fillRef>
-          <a:effectRef idx="0">
-            <a:schemeClr val="accent1"/>
-          </a:effectRef>
-          <a:fontRef idx="minor">
-            <a:schemeClr val="lt1"/>
-          </a:fontRef>
-        </p:style>
-        <p:txBody>
-          <a:bodyPr rtlCol="0" anchor="ctr"/>
-          <a:lstStyle/>
-          <a:p>
-            <a:pPr algn="ctr"/>
-            <a:endParaRPr lang="fr-FR"/>
-          </a:p>
-        </p:txBody>
-      </p:sp>
       <p:cxnSp>
         <p:nvCxnSpPr>
           <p:cNvPr id="45" name="Connecteur droit avec flèche 44"/>
@@ -9162,7 +8978,7 @@
         <p:spPr>
           <a:xfrm>
             <a:off x="6470084" y="4149080"/>
-            <a:ext cx="1486292" cy="0"/>
+            <a:ext cx="838220" cy="0"/>
           </a:xfrm>
           <a:prstGeom prst="straightConnector1">
             <a:avLst/>
@@ -9201,7 +9017,7 @@
         </p:nvCxnSpPr>
         <p:spPr>
           <a:xfrm flipV="1">
-            <a:off x="8070589" y="2715776"/>
+            <a:off x="7596336" y="2715776"/>
             <a:ext cx="0" cy="1008112"/>
           </a:xfrm>
           <a:prstGeom prst="straightConnector1">
@@ -9271,7 +9087,7 @@
         </p:nvCxnSpPr>
         <p:spPr>
           <a:xfrm>
-            <a:off x="7197172" y="3532366"/>
+            <a:off x="6869131" y="3496404"/>
             <a:ext cx="327156" cy="0"/>
           </a:xfrm>
           <a:prstGeom prst="straightConnector1">
@@ -9310,7 +9126,7 @@
         </p:nvCxnSpPr>
         <p:spPr>
           <a:xfrm flipV="1">
-            <a:off x="7197172" y="3244334"/>
+            <a:off x="6869131" y="3208372"/>
             <a:ext cx="0" cy="288032"/>
           </a:xfrm>
           <a:prstGeom prst="straightConnector1">
@@ -9349,7 +9165,7 @@
         </p:nvSpPr>
         <p:spPr>
           <a:xfrm>
-            <a:off x="7468255" y="3275692"/>
+            <a:off x="7231531" y="3311738"/>
             <a:ext cx="284052" cy="369332"/>
           </a:xfrm>
           <a:prstGeom prst="rect">
@@ -9379,7 +9195,7 @@
         </p:nvSpPr>
         <p:spPr>
           <a:xfrm>
-            <a:off x="7041267" y="2839040"/>
+            <a:off x="6713226" y="2839040"/>
             <a:ext cx="288862" cy="369332"/>
           </a:xfrm>
           <a:prstGeom prst="rect">
@@ -9409,7 +9225,7 @@
         </p:nvSpPr>
         <p:spPr>
           <a:xfrm>
-            <a:off x="8214605" y="3023706"/>
+            <a:off x="7740352" y="3023706"/>
             <a:ext cx="893899" cy="369332"/>
           </a:xfrm>
           <a:prstGeom prst="rect">
@@ -9695,59 +9511,8 @@
         </p:nvSpPr>
         <p:spPr>
           <a:xfrm>
-            <a:off x="2195736" y="2715776"/>
-            <a:ext cx="147527" cy="1008112"/>
-          </a:xfrm>
-          <a:prstGeom prst="rect">
-            <a:avLst/>
-          </a:prstGeom>
-          <a:solidFill>
-            <a:schemeClr val="accent2"/>
-          </a:solidFill>
-          <a:ln>
-            <a:solidFill>
-              <a:schemeClr val="tx1">
-                <a:lumMod val="85000"/>
-                <a:lumOff val="15000"/>
-              </a:schemeClr>
-            </a:solidFill>
-          </a:ln>
-        </p:spPr>
-        <p:style>
-          <a:lnRef idx="2">
-            <a:schemeClr val="accent1">
-              <a:shade val="50000"/>
-            </a:schemeClr>
-          </a:lnRef>
-          <a:fillRef idx="1">
-            <a:schemeClr val="accent1"/>
-          </a:fillRef>
-          <a:effectRef idx="0">
-            <a:schemeClr val="accent1"/>
-          </a:effectRef>
-          <a:fontRef idx="minor">
-            <a:schemeClr val="lt1"/>
-          </a:fontRef>
-        </p:style>
-        <p:txBody>
-          <a:bodyPr rtlCol="0" anchor="ctr"/>
-          <a:lstStyle/>
-          <a:p>
-            <a:pPr algn="ctr"/>
-            <a:endParaRPr lang="fr-FR"/>
-          </a:p>
-        </p:txBody>
-      </p:sp>
-      <p:sp>
-        <p:nvSpPr>
-          <p:cNvPr id="71" name="Rectangle 70"/>
-          <p:cNvSpPr/>
-          <p:nvPr/>
-        </p:nvSpPr>
-        <p:spPr>
-          <a:xfrm>
-            <a:off x="1331641" y="3573016"/>
-            <a:ext cx="864095" cy="150872"/>
+            <a:off x="2195737" y="2715776"/>
+            <a:ext cx="144016" cy="1289288"/>
           </a:xfrm>
           <a:prstGeom prst="rect">
             <a:avLst/>
@@ -9838,8 +9603,8 @@
         </p:nvCxnSpPr>
         <p:spPr>
           <a:xfrm flipH="1">
-            <a:off x="2343263" y="3219832"/>
-            <a:ext cx="157700" cy="0"/>
+            <a:off x="2339753" y="3219832"/>
+            <a:ext cx="161210" cy="140588"/>
           </a:xfrm>
           <a:prstGeom prst="straightConnector1">
             <a:avLst/>
@@ -9901,14 +9666,14 @@
       </p:sp>
       <p:cxnSp>
         <p:nvCxnSpPr>
-          <p:cNvPr id="47" name="Connecteur droit avec flèche 46"/>
+          <p:cNvPr id="82" name="Connecteur droit avec flèche 81"/>
           <p:cNvCxnSpPr/>
           <p:nvPr/>
         </p:nvCxnSpPr>
         <p:spPr>
           <a:xfrm>
-            <a:off x="7060540" y="2636912"/>
-            <a:ext cx="269589" cy="0"/>
+            <a:off x="6439674" y="2636912"/>
+            <a:ext cx="220558" cy="0"/>
           </a:xfrm>
           <a:prstGeom prst="straightConnector1">
             <a:avLst/>
@@ -9941,14 +9706,14 @@
       </p:cxnSp>
       <p:sp>
         <p:nvSpPr>
-          <p:cNvPr id="49" name="ZoneTexte 48"/>
+          <p:cNvPr id="83" name="ZoneTexte 82"/>
           <p:cNvSpPr txBox="1"/>
           <p:nvPr/>
         </p:nvSpPr>
         <p:spPr>
           <a:xfrm>
-            <a:off x="7106298" y="2308230"/>
-            <a:ext cx="1246944" cy="369332"/>
+            <a:off x="6084168" y="2375302"/>
+            <a:ext cx="561372" cy="261610"/>
           </a:xfrm>
           <a:prstGeom prst="rect">
             <a:avLst/>
@@ -9962,63 +9727,23 @@
           <a:lstStyle/>
           <a:p>
             <a:r>
-              <a:rPr lang="fr-FR" dirty="0" err="1" smtClean="0"/>
-              <a:t>delta_strap</a:t>
-            </a:r>
-            <a:endParaRPr lang="fr-FR" dirty="0"/>
-          </a:p>
-        </p:txBody>
-      </p:sp>
-      <p:cxnSp>
-        <p:nvCxnSpPr>
-          <p:cNvPr id="50" name="Connecteur droit avec flèche 49"/>
-          <p:cNvCxnSpPr/>
-          <p:nvPr/>
-        </p:nvCxnSpPr>
-        <p:spPr>
-          <a:xfrm>
-            <a:off x="6439674" y="2636912"/>
-            <a:ext cx="220558" cy="0"/>
-          </a:xfrm>
-          <a:prstGeom prst="straightConnector1">
-            <a:avLst/>
-          </a:prstGeom>
-          <a:ln>
-            <a:solidFill>
-              <a:schemeClr val="tx1">
-                <a:lumMod val="85000"/>
-                <a:lumOff val="15000"/>
-              </a:schemeClr>
-            </a:solidFill>
-            <a:headEnd type="triangle" w="med" len="med"/>
-            <a:tailEnd type="triangle" w="med" len="med"/>
-          </a:ln>
-        </p:spPr>
-        <p:style>
-          <a:lnRef idx="1">
-            <a:schemeClr val="accent1"/>
-          </a:lnRef>
-          <a:fillRef idx="0">
-            <a:schemeClr val="accent1"/>
-          </a:fillRef>
-          <a:effectRef idx="0">
-            <a:schemeClr val="accent1"/>
-          </a:effectRef>
-          <a:fontRef idx="minor">
-            <a:schemeClr val="tx1"/>
-          </a:fontRef>
-        </p:style>
-      </p:cxnSp>
-      <p:sp>
-        <p:nvSpPr>
-          <p:cNvPr id="57" name="ZoneTexte 56"/>
+              <a:rPr lang="fr-FR" sz="1100" dirty="0" err="1" smtClean="0"/>
+              <a:t>d_wall</a:t>
+            </a:r>
+            <a:endParaRPr lang="fr-FR" sz="1100" dirty="0"/>
+          </a:p>
+        </p:txBody>
+      </p:sp>
+      <p:sp>
+        <p:nvSpPr>
+          <p:cNvPr id="44" name="ZoneTexte 65"/>
           <p:cNvSpPr txBox="1"/>
           <p:nvPr/>
         </p:nvSpPr>
         <p:spPr>
           <a:xfrm>
-            <a:off x="6084168" y="2375302"/>
-            <a:ext cx="561372" cy="261610"/>
+            <a:off x="1404906" y="5085184"/>
+            <a:ext cx="1669752" cy="923330"/>
           </a:xfrm>
           <a:prstGeom prst="rect">
             <a:avLst/>
@@ -10032,17 +9757,276 @@
           <a:lstStyle/>
           <a:p>
             <a:r>
-              <a:rPr lang="fr-FR" sz="1100" dirty="0" err="1" smtClean="0"/>
+              <a:rPr lang="fr-FR" dirty="0" err="1" smtClean="0"/>
+              <a:t>d_box</a:t>
+            </a:r>
+            <a:r>
+              <a:rPr lang="fr-FR" dirty="0" smtClean="0"/>
+              <a:t>=0.16</a:t>
+            </a:r>
+          </a:p>
+          <a:p>
+            <a:r>
+              <a:rPr lang="fr-FR" dirty="0" err="1" smtClean="0"/>
+              <a:t>d_strap</a:t>
+            </a:r>
+            <a:r>
+              <a:rPr lang="fr-FR" dirty="0" smtClean="0"/>
+              <a:t>=0.04</a:t>
+            </a:r>
+            <a:endParaRPr lang="fr-FR" dirty="0"/>
+          </a:p>
+          <a:p>
+            <a:r>
+              <a:rPr lang="fr-FR" dirty="0" err="1" smtClean="0"/>
+              <a:t>e_strap</a:t>
+            </a:r>
+            <a:r>
+              <a:rPr lang="fr-FR" dirty="0" smtClean="0"/>
+              <a:t>=(0.015)</a:t>
+            </a:r>
+          </a:p>
+        </p:txBody>
+      </p:sp>
+      <p:sp>
+        <p:nvSpPr>
+          <p:cNvPr id="47" name="ZoneTexte 65"/>
+          <p:cNvSpPr txBox="1"/>
+          <p:nvPr/>
+        </p:nvSpPr>
+        <p:spPr>
+          <a:xfrm>
+            <a:off x="5494068" y="4808185"/>
+            <a:ext cx="2994153" cy="1477328"/>
+          </a:xfrm>
+          <a:prstGeom prst="rect">
+            <a:avLst/>
+          </a:prstGeom>
+          <a:noFill/>
+        </p:spPr>
+        <p:txBody>
+          <a:bodyPr wrap="none" rtlCol="0">
+            <a:spAutoFit/>
+          </a:bodyPr>
+          <a:lstStyle/>
+          <a:p>
+            <a:r>
+              <a:rPr lang="fr-FR" dirty="0" err="1" smtClean="0"/>
+              <a:t>h_box</a:t>
+            </a:r>
+            <a:r>
+              <a:rPr lang="fr-FR" dirty="0" smtClean="0"/>
+              <a:t>=0.20</a:t>
+            </a:r>
+          </a:p>
+          <a:p>
+            <a:r>
+              <a:rPr lang="fr-FR" dirty="0" err="1" smtClean="0"/>
+              <a:t>w_box</a:t>
+            </a:r>
+            <a:r>
+              <a:rPr lang="fr-FR" dirty="0" smtClean="0"/>
+              <a:t>=0.20</a:t>
+            </a:r>
+          </a:p>
+          <a:p>
+            <a:r>
+              <a:rPr lang="fr-FR" dirty="0" err="1" smtClean="0"/>
+              <a:t>h_strap</a:t>
+            </a:r>
+            <a:r>
+              <a:rPr lang="fr-FR" dirty="0" smtClean="0"/>
+              <a:t>=0.20 (</a:t>
+            </a:r>
+            <a:r>
+              <a:rPr lang="fr-FR" dirty="0" err="1" smtClean="0"/>
+              <a:t>same</a:t>
+            </a:r>
+            <a:r>
+              <a:rPr lang="fr-FR" dirty="0" smtClean="0"/>
+              <a:t> as </a:t>
+            </a:r>
+            <a:r>
+              <a:rPr lang="fr-FR" dirty="0" err="1" smtClean="0"/>
+              <a:t>h_box</a:t>
+            </a:r>
+            <a:r>
+              <a:rPr lang="fr-FR" dirty="0" smtClean="0"/>
+              <a:t>)</a:t>
+            </a:r>
+            <a:endParaRPr lang="fr-FR" dirty="0"/>
+          </a:p>
+          <a:p>
+            <a:r>
+              <a:rPr lang="fr-FR" dirty="0" err="1" smtClean="0"/>
+              <a:t>w_strap</a:t>
+            </a:r>
+            <a:r>
+              <a:rPr lang="fr-FR" dirty="0" smtClean="0"/>
+              <a:t>=0.12</a:t>
+            </a:r>
+          </a:p>
+          <a:p>
+            <a:r>
+              <a:rPr lang="fr-FR" dirty="0" err="1" smtClean="0"/>
               <a:t>d_wall</a:t>
             </a:r>
-            <a:endParaRPr lang="fr-FR" sz="1100" dirty="0"/>
+            <a:r>
+              <a:rPr lang="fr-FR" dirty="0" smtClean="0"/>
+              <a:t>=0.04</a:t>
+            </a:r>
+          </a:p>
+        </p:txBody>
+      </p:sp>
+      <p:sp>
+        <p:nvSpPr>
+          <p:cNvPr id="49" name="ZoneTexte 33"/>
+          <p:cNvSpPr txBox="1"/>
+          <p:nvPr/>
+        </p:nvSpPr>
+        <p:spPr>
+          <a:xfrm>
+            <a:off x="7222289" y="1384517"/>
+            <a:ext cx="1670191" cy="646331"/>
+          </a:xfrm>
+          <a:prstGeom prst="rect">
+            <a:avLst/>
+          </a:prstGeom>
+          <a:noFill/>
+        </p:spPr>
+        <p:txBody>
+          <a:bodyPr wrap="square" rtlCol="0">
+            <a:spAutoFit/>
+          </a:bodyPr>
+          <a:lstStyle/>
+          <a:p>
+            <a:r>
+              <a:rPr lang="fr-FR" sz="1200" dirty="0" err="1" smtClean="0"/>
+              <a:t>Units</a:t>
+            </a:r>
+            <a:r>
+              <a:rPr lang="fr-FR" sz="1200" dirty="0" smtClean="0"/>
+              <a:t>:</a:t>
+            </a:r>
+          </a:p>
+          <a:p>
+            <a:r>
+              <a:rPr lang="fr-FR" sz="1200" dirty="0" err="1" smtClean="0"/>
+              <a:t>Length</a:t>
+            </a:r>
+            <a:r>
+              <a:rPr lang="fr-FR" sz="1200" dirty="0" smtClean="0"/>
+              <a:t>: m</a:t>
+            </a:r>
+          </a:p>
+          <a:p>
+            <a:r>
+              <a:rPr lang="fr-FR" sz="1200" dirty="0" err="1" smtClean="0"/>
+              <a:t>Density</a:t>
+            </a:r>
+            <a:r>
+              <a:rPr lang="fr-FR" sz="1200" dirty="0" smtClean="0"/>
+              <a:t>: m-3</a:t>
+            </a:r>
+          </a:p>
+        </p:txBody>
+      </p:sp>
+      <p:sp>
+        <p:nvSpPr>
+          <p:cNvPr id="50" name="ZoneTexte 27"/>
+          <p:cNvSpPr txBox="1"/>
+          <p:nvPr/>
+        </p:nvSpPr>
+        <p:spPr>
+          <a:xfrm rot="5400000">
+            <a:off x="2430631" y="3879843"/>
+            <a:ext cx="674544" cy="276999"/>
+          </a:xfrm>
+          <a:prstGeom prst="rect">
+            <a:avLst/>
+          </a:prstGeom>
+          <a:noFill/>
+        </p:spPr>
+        <p:txBody>
+          <a:bodyPr wrap="none" rtlCol="0">
+            <a:spAutoFit/>
+          </a:bodyPr>
+          <a:lstStyle/>
+          <a:p>
+            <a:r>
+              <a:rPr lang="fr-FR" sz="1200" dirty="0" smtClean="0"/>
+              <a:t>vacuum</a:t>
+            </a:r>
+            <a:endParaRPr lang="fr-FR" sz="1200" dirty="0"/>
+          </a:p>
+        </p:txBody>
+      </p:sp>
+      <p:sp>
+        <p:nvSpPr>
+          <p:cNvPr id="57" name="ZoneTexte 26"/>
+          <p:cNvSpPr txBox="1"/>
+          <p:nvPr/>
+        </p:nvSpPr>
+        <p:spPr>
+          <a:xfrm>
+            <a:off x="3275856" y="1926228"/>
+            <a:ext cx="2510111" cy="369332"/>
+          </a:xfrm>
+          <a:prstGeom prst="rect">
+            <a:avLst/>
+          </a:prstGeom>
+          <a:noFill/>
+        </p:spPr>
+        <p:txBody>
+          <a:bodyPr wrap="none" rtlCol="0">
+            <a:spAutoFit/>
+          </a:bodyPr>
+          <a:lstStyle/>
+          <a:p>
+            <a:r>
+              <a:rPr lang="fr-FR" dirty="0" smtClean="0">
+                <a:solidFill>
+                  <a:schemeClr val="tx2"/>
+                </a:solidFill>
+              </a:rPr>
+              <a:t>Plasma </a:t>
+            </a:r>
+            <a:r>
+              <a:rPr lang="fr-FR" dirty="0" err="1" smtClean="0">
+                <a:solidFill>
+                  <a:schemeClr val="tx2"/>
+                </a:solidFill>
+              </a:rPr>
+              <a:t>from</a:t>
+            </a:r>
+            <a:r>
+              <a:rPr lang="fr-FR" dirty="0" smtClean="0">
+                <a:solidFill>
+                  <a:schemeClr val="tx2"/>
+                </a:solidFill>
+              </a:rPr>
+              <a:t> x=</a:t>
+            </a:r>
+            <a:r>
+              <a:rPr lang="fr-FR" dirty="0" err="1" smtClean="0">
+                <a:solidFill>
+                  <a:schemeClr val="tx2"/>
+                </a:solidFill>
+              </a:rPr>
+              <a:t>x_plasma</a:t>
+            </a:r>
+            <a:endParaRPr lang="fr-FR" dirty="0" smtClean="0">
+              <a:solidFill>
+                <a:schemeClr val="tx2"/>
+              </a:solidFill>
+            </a:endParaRPr>
           </a:p>
         </p:txBody>
       </p:sp>
     </p:spTree>
     <p:extLst>
       <p:ext uri="{BB962C8B-B14F-4D97-AF65-F5344CB8AC3E}">
-        <p14:creationId xmlns:p14="http://schemas.microsoft.com/office/powerpoint/2010/main" val="2550000871"/>
+        <p14:creationId xmlns:p14="http://schemas.microsoft.com/office/powerpoint/2010/main" val="2698658866"/>
       </p:ext>
     </p:extLst>
   </p:cSld>
@@ -10092,7 +10076,7 @@
         <p:spPr>
           <a:xfrm>
             <a:off x="5544001" y="1231154"/>
-            <a:ext cx="3599997" cy="2701900"/>
+            <a:ext cx="3599997" cy="2701901"/>
           </a:xfrm>
           <a:prstGeom prst="rect">
             <a:avLst/>
@@ -10286,7 +10270,7 @@
             </a:r>
             <a:r>
               <a:rPr lang="fr-FR" dirty="0" smtClean="0"/>
-              <a:t> 5e8</a:t>
+              <a:t> 1e8</a:t>
             </a:r>
             <a:endParaRPr lang="fr-FR" dirty="0"/>
           </a:p>
@@ -10315,7 +10299,7 @@
         <p:spPr>
           <a:xfrm>
             <a:off x="179913" y="4024364"/>
-            <a:ext cx="3599995" cy="2701898"/>
+            <a:ext cx="3599995" cy="2701899"/>
           </a:xfrm>
           <a:prstGeom prst="rect">
             <a:avLst/>
@@ -10345,7 +10329,7 @@
         <p:spPr>
           <a:xfrm>
             <a:off x="5544001" y="4024364"/>
-            <a:ext cx="3599995" cy="2701898"/>
+            <a:ext cx="3599995" cy="2701899"/>
           </a:xfrm>
           <a:prstGeom prst="rect">
             <a:avLst/>
@@ -10404,7 +10388,7 @@
             <a:pPr algn="ctr"/>
             <a:r>
               <a:rPr lang="fr-FR" dirty="0" smtClean="0"/>
-              <a:t>=3.16+i105</a:t>
+              <a:t>0.44+i105</a:t>
             </a:r>
           </a:p>
         </p:txBody>
@@ -10434,7 +10418,7 @@
             <a:pPr algn="ctr"/>
             <a:r>
               <a:rPr lang="fr-FR" sz="1400" dirty="0" smtClean="0"/>
-              <a:t>n_e0=5e18</a:t>
+              <a:t>n_e0=1e18</a:t>
             </a:r>
           </a:p>
         </p:txBody>
@@ -10442,7 +10426,7 @@
     </p:spTree>
     <p:extLst>
       <p:ext uri="{BB962C8B-B14F-4D97-AF65-F5344CB8AC3E}">
-        <p14:creationId xmlns:p14="http://schemas.microsoft.com/office/powerpoint/2010/main" val="2434085479"/>
+        <p14:creationId xmlns:p14="http://schemas.microsoft.com/office/powerpoint/2010/main" val="2712019691"/>
       </p:ext>
     </p:extLst>
   </p:cSld>
@@ -10686,7 +10670,7 @@
             </a:r>
             <a:r>
               <a:rPr lang="fr-FR" dirty="0" smtClean="0"/>
-              <a:t> 10e8</a:t>
+              <a:t> 5e8</a:t>
             </a:r>
             <a:endParaRPr lang="fr-FR" dirty="0"/>
           </a:p>
@@ -10804,7 +10788,7 @@
             <a:pPr algn="ctr"/>
             <a:r>
               <a:rPr lang="fr-FR" dirty="0" smtClean="0"/>
-              <a:t>=7.21+i105</a:t>
+              <a:t>=3.16+i105</a:t>
             </a:r>
           </a:p>
         </p:txBody>
@@ -10834,7 +10818,7 @@
             <a:pPr algn="ctr"/>
             <a:r>
               <a:rPr lang="fr-FR" sz="1400" dirty="0" smtClean="0"/>
-              <a:t>n_e0=10e18</a:t>
+              <a:t>n_e0=5e18</a:t>
             </a:r>
           </a:p>
         </p:txBody>
@@ -10842,7 +10826,7 @@
     </p:spTree>
     <p:extLst>
       <p:ext uri="{BB962C8B-B14F-4D97-AF65-F5344CB8AC3E}">
-        <p14:creationId xmlns:p14="http://schemas.microsoft.com/office/powerpoint/2010/main" val="2902689539"/>
+        <p14:creationId xmlns:p14="http://schemas.microsoft.com/office/powerpoint/2010/main" val="2434085479"/>
       </p:ext>
     </p:extLst>
   </p:cSld>
@@ -10892,6 +10876,406 @@
         <p:spPr>
           <a:xfrm>
             <a:off x="5544001" y="1231154"/>
+            <a:ext cx="3599997" cy="2701900"/>
+          </a:xfrm>
+          <a:prstGeom prst="rect">
+            <a:avLst/>
+          </a:prstGeom>
+        </p:spPr>
+      </p:pic>
+      <p:pic>
+        <p:nvPicPr>
+          <p:cNvPr id="32" name="Picture 31"/>
+          <p:cNvPicPr>
+            <a:picLocks noChangeAspect="1"/>
+          </p:cNvPicPr>
+          <p:nvPr/>
+        </p:nvPicPr>
+        <p:blipFill>
+          <a:blip r:embed="rId3" cstate="print">
+            <a:extLst>
+              <a:ext uri="{28A0092B-C50C-407E-A947-70E740481C1C}">
+                <a14:useLocalDpi xmlns:a14="http://schemas.microsoft.com/office/drawing/2010/main" val="0"/>
+              </a:ext>
+            </a:extLst>
+          </a:blip>
+          <a:stretch>
+            <a:fillRect/>
+          </a:stretch>
+        </p:blipFill>
+        <p:spPr>
+          <a:xfrm>
+            <a:off x="179513" y="1231154"/>
+            <a:ext cx="3599997" cy="2701900"/>
+          </a:xfrm>
+          <a:prstGeom prst="rect">
+            <a:avLst/>
+          </a:prstGeom>
+        </p:spPr>
+      </p:pic>
+      <p:sp>
+        <p:nvSpPr>
+          <p:cNvPr id="29" name="ZoneTexte 10"/>
+          <p:cNvSpPr txBox="1"/>
+          <p:nvPr/>
+        </p:nvSpPr>
+        <p:spPr>
+          <a:xfrm>
+            <a:off x="3635896" y="1340768"/>
+            <a:ext cx="1872208" cy="523220"/>
+          </a:xfrm>
+          <a:prstGeom prst="rect">
+            <a:avLst/>
+          </a:prstGeom>
+          <a:noFill/>
+        </p:spPr>
+        <p:txBody>
+          <a:bodyPr wrap="square" rtlCol="0">
+            <a:spAutoFit/>
+          </a:bodyPr>
+          <a:lstStyle/>
+          <a:p>
+            <a:pPr algn="ctr"/>
+            <a:r>
+              <a:rPr lang="fr-FR" sz="1400" dirty="0" smtClean="0"/>
+              <a:t>30 </a:t>
+            </a:r>
+            <a:r>
+              <a:rPr lang="fr-FR" sz="1400" dirty="0" err="1" smtClean="0"/>
+              <a:t>elements</a:t>
+            </a:r>
+            <a:r>
+              <a:rPr lang="fr-FR" sz="1400" dirty="0" smtClean="0"/>
+              <a:t> in the expansion of J</a:t>
+            </a:r>
+          </a:p>
+        </p:txBody>
+      </p:sp>
+      <p:sp>
+        <p:nvSpPr>
+          <p:cNvPr id="46" name="ZoneTexte 32"/>
+          <p:cNvSpPr txBox="1"/>
+          <p:nvPr/>
+        </p:nvSpPr>
+        <p:spPr>
+          <a:xfrm>
+            <a:off x="179512" y="476672"/>
+            <a:ext cx="1276644" cy="461665"/>
+          </a:xfrm>
+          <a:prstGeom prst="rect">
+            <a:avLst/>
+          </a:prstGeom>
+        </p:spPr>
+        <p:style>
+          <a:lnRef idx="2">
+            <a:schemeClr val="accent6"/>
+          </a:lnRef>
+          <a:fillRef idx="1">
+            <a:schemeClr val="lt1"/>
+          </a:fillRef>
+          <a:effectRef idx="0">
+            <a:schemeClr val="accent6"/>
+          </a:effectRef>
+          <a:fontRef idx="minor">
+            <a:schemeClr val="dk1"/>
+          </a:fontRef>
+        </p:style>
+        <p:txBody>
+          <a:bodyPr wrap="square" rtlCol="0">
+            <a:spAutoFit/>
+          </a:bodyPr>
+          <a:lstStyle/>
+          <a:p>
+            <a:pPr algn="ctr"/>
+            <a:r>
+              <a:rPr lang="fr-FR" sz="1200" dirty="0" smtClean="0"/>
+              <a:t>Constant </a:t>
+            </a:r>
+            <a:r>
+              <a:rPr lang="fr-FR" sz="1200" dirty="0" err="1" smtClean="0"/>
+              <a:t>density</a:t>
+            </a:r>
+            <a:r>
+              <a:rPr lang="fr-FR" sz="1200" dirty="0" smtClean="0"/>
+              <a:t> plasma</a:t>
+            </a:r>
+            <a:endParaRPr lang="fr-FR" sz="1200" dirty="0"/>
+          </a:p>
+        </p:txBody>
+      </p:sp>
+      <p:sp>
+        <p:nvSpPr>
+          <p:cNvPr id="11" name="ZoneTexte 10"/>
+          <p:cNvSpPr txBox="1"/>
+          <p:nvPr/>
+        </p:nvSpPr>
+        <p:spPr>
+          <a:xfrm>
+            <a:off x="3707904" y="2905780"/>
+            <a:ext cx="1872208" cy="523220"/>
+          </a:xfrm>
+          <a:prstGeom prst="rect">
+            <a:avLst/>
+          </a:prstGeom>
+          <a:noFill/>
+        </p:spPr>
+        <p:txBody>
+          <a:bodyPr wrap="square" rtlCol="0">
+            <a:spAutoFit/>
+          </a:bodyPr>
+          <a:lstStyle/>
+          <a:p>
+            <a:pPr algn="ctr"/>
+            <a:r>
+              <a:rPr lang="fr-FR" sz="1400" dirty="0" smtClean="0"/>
+              <a:t>f=50MHz</a:t>
+            </a:r>
+          </a:p>
+          <a:p>
+            <a:pPr algn="ctr"/>
+            <a:r>
+              <a:rPr lang="fr-FR" sz="1400" dirty="0" smtClean="0"/>
+              <a:t>D(H)5%</a:t>
+            </a:r>
+          </a:p>
+        </p:txBody>
+      </p:sp>
+      <p:sp>
+        <p:nvSpPr>
+          <p:cNvPr id="13" name="Titre 1"/>
+          <p:cNvSpPr>
+            <a:spLocks noGrp="1"/>
+          </p:cNvSpPr>
+          <p:nvPr>
+            <p:ph type="title"/>
+          </p:nvPr>
+        </p:nvSpPr>
+        <p:spPr>
+          <a:xfrm>
+            <a:off x="457200" y="116632"/>
+            <a:ext cx="8229600" cy="1143000"/>
+          </a:xfrm>
+        </p:spPr>
+        <p:txBody>
+          <a:bodyPr/>
+          <a:lstStyle/>
+          <a:p>
+            <a:r>
+              <a:rPr lang="fr-FR" dirty="0" smtClean="0"/>
+              <a:t>Plasma </a:t>
+            </a:r>
+            <a:r>
+              <a:rPr lang="fr-FR" dirty="0" err="1" smtClean="0"/>
+              <a:t>Response</a:t>
+            </a:r>
+            <a:r>
+              <a:rPr lang="fr-FR" dirty="0" smtClean="0"/>
+              <a:t> 10e8</a:t>
+            </a:r>
+            <a:endParaRPr lang="fr-FR" dirty="0"/>
+          </a:p>
+        </p:txBody>
+      </p:sp>
+      <p:pic>
+        <p:nvPicPr>
+          <p:cNvPr id="12" name="Picture 11"/>
+          <p:cNvPicPr>
+            <a:picLocks noChangeAspect="1"/>
+          </p:cNvPicPr>
+          <p:nvPr/>
+        </p:nvPicPr>
+        <p:blipFill>
+          <a:blip r:embed="rId4" cstate="print">
+            <a:extLst>
+              <a:ext uri="{28A0092B-C50C-407E-A947-70E740481C1C}">
+                <a14:useLocalDpi xmlns:a14="http://schemas.microsoft.com/office/drawing/2010/main" val="0"/>
+              </a:ext>
+            </a:extLst>
+          </a:blip>
+          <a:stretch>
+            <a:fillRect/>
+          </a:stretch>
+        </p:blipFill>
+        <p:spPr>
+          <a:xfrm>
+            <a:off x="179913" y="4024364"/>
+            <a:ext cx="3599995" cy="2701898"/>
+          </a:xfrm>
+          <a:prstGeom prst="rect">
+            <a:avLst/>
+          </a:prstGeom>
+        </p:spPr>
+      </p:pic>
+      <p:pic>
+        <p:nvPicPr>
+          <p:cNvPr id="14" name="Picture 13"/>
+          <p:cNvPicPr>
+            <a:picLocks noChangeAspect="1"/>
+          </p:cNvPicPr>
+          <p:nvPr/>
+        </p:nvPicPr>
+        <p:blipFill>
+          <a:blip r:embed="rId5" cstate="print">
+            <a:extLst>
+              <a:ext uri="{28A0092B-C50C-407E-A947-70E740481C1C}">
+                <a14:useLocalDpi xmlns:a14="http://schemas.microsoft.com/office/drawing/2010/main" val="0"/>
+              </a:ext>
+            </a:extLst>
+          </a:blip>
+          <a:stretch>
+            <a:fillRect/>
+          </a:stretch>
+        </p:blipFill>
+        <p:spPr>
+          <a:xfrm>
+            <a:off x="5544001" y="4024364"/>
+            <a:ext cx="3599995" cy="2701898"/>
+          </a:xfrm>
+          <a:prstGeom prst="rect">
+            <a:avLst/>
+          </a:prstGeom>
+        </p:spPr>
+      </p:pic>
+      <p:sp>
+        <p:nvSpPr>
+          <p:cNvPr id="15" name="ZoneTexte 10"/>
+          <p:cNvSpPr txBox="1"/>
+          <p:nvPr/>
+        </p:nvSpPr>
+        <p:spPr>
+          <a:xfrm>
+            <a:off x="3707904" y="4571836"/>
+            <a:ext cx="1872208" cy="646331"/>
+          </a:xfrm>
+          <a:prstGeom prst="rect">
+            <a:avLst/>
+          </a:prstGeom>
+          <a:noFill/>
+        </p:spPr>
+        <p:txBody>
+          <a:bodyPr wrap="square" rtlCol="0">
+            <a:spAutoFit/>
+          </a:bodyPr>
+          <a:lstStyle/>
+          <a:p>
+            <a:pPr algn="ctr"/>
+            <a:r>
+              <a:rPr lang="fr-FR" dirty="0" smtClean="0"/>
+              <a:t>Z</a:t>
+            </a:r>
+            <a:r>
+              <a:rPr lang="fr-FR" baseline="-25000" dirty="0" smtClean="0"/>
+              <a:t>A</a:t>
+            </a:r>
+            <a:r>
+              <a:rPr lang="fr-FR" dirty="0" smtClean="0"/>
+              <a:t>=R</a:t>
+            </a:r>
+            <a:r>
+              <a:rPr lang="fr-FR" baseline="-25000" dirty="0" smtClean="0"/>
+              <a:t>A3</a:t>
+            </a:r>
+            <a:r>
+              <a:rPr lang="fr-FR" dirty="0" smtClean="0"/>
+              <a:t>+iX</a:t>
+            </a:r>
+            <a:r>
+              <a:rPr lang="fr-FR" baseline="-25000" dirty="0" smtClean="0"/>
+              <a:t>A3</a:t>
+            </a:r>
+          </a:p>
+          <a:p>
+            <a:pPr algn="ctr"/>
+            <a:r>
+              <a:rPr lang="fr-FR" dirty="0" smtClean="0"/>
+              <a:t>=7.21+i105</a:t>
+            </a:r>
+          </a:p>
+        </p:txBody>
+      </p:sp>
+      <p:sp>
+        <p:nvSpPr>
+          <p:cNvPr id="16" name="ZoneTexte 10"/>
+          <p:cNvSpPr txBox="1"/>
+          <p:nvPr/>
+        </p:nvSpPr>
+        <p:spPr>
+          <a:xfrm>
+            <a:off x="3936876" y="2348880"/>
+            <a:ext cx="1414264" cy="307777"/>
+          </a:xfrm>
+          <a:prstGeom prst="rect">
+            <a:avLst/>
+          </a:prstGeom>
+          <a:noFill/>
+        </p:spPr>
+        <p:txBody>
+          <a:bodyPr wrap="square" rtlCol="0">
+            <a:spAutoFit/>
+          </a:bodyPr>
+          <a:lstStyle/>
+          <a:p>
+            <a:pPr algn="ctr"/>
+            <a:r>
+              <a:rPr lang="fr-FR" sz="1400" dirty="0" smtClean="0"/>
+              <a:t>n_e0=10e18</a:t>
+            </a:r>
+          </a:p>
+        </p:txBody>
+      </p:sp>
+    </p:spTree>
+    <p:extLst>
+      <p:ext uri="{BB962C8B-B14F-4D97-AF65-F5344CB8AC3E}">
+        <p14:creationId xmlns:p14="http://schemas.microsoft.com/office/powerpoint/2010/main" val="2902689539"/>
+      </p:ext>
+    </p:extLst>
+  </p:cSld>
+  <p:clrMapOvr>
+    <a:masterClrMapping/>
+  </p:clrMapOvr>
+</p:sld>
+</file>
+
+<file path=ppt/slides/slide23.xml><?xml version="1.0" encoding="utf-8"?>
+<p:sld xmlns:a="http://schemas.openxmlformats.org/drawingml/2006/main" xmlns:r="http://schemas.openxmlformats.org/officeDocument/2006/relationships" xmlns:p="http://schemas.openxmlformats.org/presentationml/2006/main">
+  <p:cSld>
+    <p:spTree>
+      <p:nvGrpSpPr>
+        <p:cNvPr id="1" name=""/>
+        <p:cNvGrpSpPr/>
+        <p:nvPr/>
+      </p:nvGrpSpPr>
+      <p:grpSpPr>
+        <a:xfrm>
+          <a:off x="0" y="0"/>
+          <a:ext cx="0" cy="0"/>
+          <a:chOff x="0" y="0"/>
+          <a:chExt cx="0" cy="0"/>
+        </a:xfrm>
+      </p:grpSpPr>
+      <p:pic>
+        <p:nvPicPr>
+          <p:cNvPr id="5" name="Picture 4"/>
+          <p:cNvPicPr>
+            <a:picLocks noChangeAspect="1"/>
+          </p:cNvPicPr>
+          <p:nvPr/>
+        </p:nvPicPr>
+        <p:blipFill>
+          <a:blip r:embed="rId2" cstate="print">
+            <a:extLst>
+              <a:ext uri="{28A0092B-C50C-407E-A947-70E740481C1C}">
+                <a14:useLocalDpi xmlns:a14="http://schemas.microsoft.com/office/drawing/2010/main" val="0"/>
+              </a:ext>
+            </a:extLst>
+          </a:blip>
+          <a:stretch>
+            <a:fillRect/>
+          </a:stretch>
+        </p:blipFill>
+        <p:spPr>
+          <a:xfrm>
+            <a:off x="5544001" y="1231154"/>
             <a:ext cx="3599996" cy="2701900"/>
           </a:xfrm>
           <a:prstGeom prst="rect">
@@ -11218,7 +11602,111 @@
       </p:grpSpPr>
       <p:sp>
         <p:nvSpPr>
-          <p:cNvPr id="2" name="Titre 1"/>
+          <p:cNvPr id="43" name="Rectangle 42"/>
+          <p:cNvSpPr/>
+          <p:nvPr/>
+        </p:nvSpPr>
+        <p:spPr>
+          <a:xfrm>
+            <a:off x="6444208" y="2708920"/>
+            <a:ext cx="1512168" cy="1207566"/>
+          </a:xfrm>
+          <a:prstGeom prst="rect">
+            <a:avLst/>
+          </a:prstGeom>
+          <a:solidFill>
+            <a:schemeClr val="bg1">
+              <a:lumMod val="65000"/>
+            </a:schemeClr>
+          </a:solidFill>
+          <a:ln>
+            <a:solidFill>
+              <a:schemeClr val="tx1">
+                <a:lumMod val="85000"/>
+                <a:lumOff val="15000"/>
+              </a:schemeClr>
+            </a:solidFill>
+          </a:ln>
+        </p:spPr>
+        <p:style>
+          <a:lnRef idx="2">
+            <a:schemeClr val="accent1">
+              <a:shade val="50000"/>
+            </a:schemeClr>
+          </a:lnRef>
+          <a:fillRef idx="1">
+            <a:schemeClr val="accent1"/>
+          </a:fillRef>
+          <a:effectRef idx="0">
+            <a:schemeClr val="accent1"/>
+          </a:effectRef>
+          <a:fontRef idx="minor">
+            <a:schemeClr val="lt1"/>
+          </a:fontRef>
+        </p:style>
+        <p:txBody>
+          <a:bodyPr rtlCol="0" anchor="ctr"/>
+          <a:lstStyle/>
+          <a:p>
+            <a:pPr algn="ctr"/>
+            <a:endParaRPr lang="fr-FR"/>
+          </a:p>
+        </p:txBody>
+      </p:sp>
+      <p:sp>
+        <p:nvSpPr>
+          <p:cNvPr id="44" name="Rectangle 43"/>
+          <p:cNvSpPr/>
+          <p:nvPr/>
+        </p:nvSpPr>
+        <p:spPr>
+          <a:xfrm>
+            <a:off x="7334508" y="2715776"/>
+            <a:ext cx="417799" cy="1200710"/>
+          </a:xfrm>
+          <a:prstGeom prst="rect">
+            <a:avLst/>
+          </a:prstGeom>
+          <a:solidFill>
+            <a:schemeClr val="accent2"/>
+          </a:solidFill>
+          <a:ln>
+            <a:solidFill>
+              <a:schemeClr val="tx1">
+                <a:lumMod val="85000"/>
+                <a:lumOff val="15000"/>
+              </a:schemeClr>
+            </a:solidFill>
+          </a:ln>
+        </p:spPr>
+        <p:style>
+          <a:lnRef idx="2">
+            <a:schemeClr val="accent1">
+              <a:shade val="50000"/>
+            </a:schemeClr>
+          </a:lnRef>
+          <a:fillRef idx="1">
+            <a:schemeClr val="accent1"/>
+          </a:fillRef>
+          <a:effectRef idx="0">
+            <a:schemeClr val="accent1"/>
+          </a:effectRef>
+          <a:fontRef idx="minor">
+            <a:schemeClr val="lt1"/>
+          </a:fontRef>
+        </p:style>
+        <p:txBody>
+          <a:bodyPr rtlCol="0" anchor="ctr"/>
+          <a:lstStyle/>
+          <a:p>
+            <a:pPr algn="ctr"/>
+            <a:endParaRPr lang="fr-FR"/>
+          </a:p>
+        </p:txBody>
+      </p:sp>
+      <p:sp>
+        <p:nvSpPr>
+          <p:cNvPr id="4" name="Titre 3"/>
           <p:cNvSpPr>
             <a:spLocks noGrp="1"/>
           </p:cNvSpPr>
@@ -11233,22 +11721,297 @@
           <a:p>
             <a:r>
               <a:rPr lang="fr-FR" dirty="0" smtClean="0"/>
-              <a:t>Plasma Configurations</a:t>
+              <a:t>Double </a:t>
+            </a:r>
+            <a:r>
+              <a:rPr lang="fr-FR" dirty="0" err="1" smtClean="0"/>
+              <a:t>Straps</a:t>
+            </a:r>
+            <a:r>
+              <a:rPr lang="fr-FR" dirty="0" smtClean="0"/>
+              <a:t> </a:t>
+            </a:r>
+            <a:r>
+              <a:rPr lang="fr-FR" dirty="0" err="1" smtClean="0"/>
+              <a:t>Antenna</a:t>
             </a:r>
             <a:endParaRPr lang="fr-FR" dirty="0"/>
+          </a:p>
+        </p:txBody>
+      </p:sp>
+      <p:sp>
+        <p:nvSpPr>
+          <p:cNvPr id="27" name="ZoneTexte 26"/>
+          <p:cNvSpPr txBox="1"/>
+          <p:nvPr/>
+        </p:nvSpPr>
+        <p:spPr>
+          <a:xfrm>
+            <a:off x="3275856" y="1926228"/>
+            <a:ext cx="2510111" cy="369332"/>
+          </a:xfrm>
+          <a:prstGeom prst="rect">
+            <a:avLst/>
+          </a:prstGeom>
+          <a:noFill/>
+        </p:spPr>
+        <p:txBody>
+          <a:bodyPr wrap="none" rtlCol="0">
+            <a:spAutoFit/>
+          </a:bodyPr>
+          <a:lstStyle/>
+          <a:p>
+            <a:r>
+              <a:rPr lang="fr-FR" dirty="0" smtClean="0">
+                <a:solidFill>
+                  <a:schemeClr val="tx2"/>
+                </a:solidFill>
+              </a:rPr>
+              <a:t>Plasma </a:t>
+            </a:r>
+            <a:r>
+              <a:rPr lang="fr-FR" dirty="0" err="1" smtClean="0">
+                <a:solidFill>
+                  <a:schemeClr val="tx2"/>
+                </a:solidFill>
+              </a:rPr>
+              <a:t>from</a:t>
+            </a:r>
+            <a:r>
+              <a:rPr lang="fr-FR" dirty="0" smtClean="0">
+                <a:solidFill>
+                  <a:schemeClr val="tx2"/>
+                </a:solidFill>
+              </a:rPr>
+              <a:t> x=</a:t>
+            </a:r>
+            <a:r>
+              <a:rPr lang="fr-FR" dirty="0" err="1" smtClean="0">
+                <a:solidFill>
+                  <a:schemeClr val="tx2"/>
+                </a:solidFill>
+              </a:rPr>
+              <a:t>x_plasma</a:t>
+            </a:r>
+            <a:endParaRPr lang="fr-FR" dirty="0" smtClean="0">
+              <a:solidFill>
+                <a:schemeClr val="tx2"/>
+              </a:solidFill>
+            </a:endParaRPr>
+          </a:p>
+        </p:txBody>
+      </p:sp>
+      <p:sp>
+        <p:nvSpPr>
+          <p:cNvPr id="42" name="Rectangle 41"/>
+          <p:cNvSpPr/>
+          <p:nvPr/>
+        </p:nvSpPr>
+        <p:spPr>
+          <a:xfrm>
+            <a:off x="6660232" y="2715776"/>
+            <a:ext cx="417799" cy="1200710"/>
+          </a:xfrm>
+          <a:prstGeom prst="rect">
+            <a:avLst/>
+          </a:prstGeom>
+          <a:solidFill>
+            <a:schemeClr val="accent2"/>
+          </a:solidFill>
+          <a:ln>
+            <a:solidFill>
+              <a:schemeClr val="tx1">
+                <a:lumMod val="85000"/>
+                <a:lumOff val="15000"/>
+              </a:schemeClr>
+            </a:solidFill>
+          </a:ln>
+        </p:spPr>
+        <p:style>
+          <a:lnRef idx="2">
+            <a:schemeClr val="accent1">
+              <a:shade val="50000"/>
+            </a:schemeClr>
+          </a:lnRef>
+          <a:fillRef idx="1">
+            <a:schemeClr val="accent1"/>
+          </a:fillRef>
+          <a:effectRef idx="0">
+            <a:schemeClr val="accent1"/>
+          </a:effectRef>
+          <a:fontRef idx="minor">
+            <a:schemeClr val="lt1"/>
+          </a:fontRef>
+        </p:style>
+        <p:txBody>
+          <a:bodyPr rtlCol="0" anchor="ctr"/>
+          <a:lstStyle/>
+          <a:p>
+            <a:pPr algn="ctr"/>
+            <a:endParaRPr lang="fr-FR"/>
           </a:p>
         </p:txBody>
       </p:sp>
       <p:cxnSp>
         <p:nvCxnSpPr>
-          <p:cNvPr id="3" name="Connecteur droit avec flèche 2"/>
+          <p:cNvPr id="45" name="Connecteur droit avec flèche 44"/>
           <p:cNvCxnSpPr/>
           <p:nvPr/>
         </p:nvCxnSpPr>
         <p:spPr>
           <a:xfrm>
-            <a:off x="2979417" y="2572692"/>
-            <a:ext cx="3886812" cy="0"/>
+            <a:off x="6660232" y="2492896"/>
+            <a:ext cx="417799" cy="0"/>
+          </a:xfrm>
+          <a:prstGeom prst="straightConnector1">
+            <a:avLst/>
+          </a:prstGeom>
+          <a:ln>
+            <a:solidFill>
+              <a:schemeClr val="tx1">
+                <a:lumMod val="85000"/>
+                <a:lumOff val="15000"/>
+              </a:schemeClr>
+            </a:solidFill>
+            <a:headEnd type="triangle" w="med" len="med"/>
+            <a:tailEnd type="triangle" w="med" len="med"/>
+          </a:ln>
+        </p:spPr>
+        <p:style>
+          <a:lnRef idx="1">
+            <a:schemeClr val="accent1"/>
+          </a:lnRef>
+          <a:fillRef idx="0">
+            <a:schemeClr val="accent1"/>
+          </a:fillRef>
+          <a:effectRef idx="0">
+            <a:schemeClr val="accent1"/>
+          </a:effectRef>
+          <a:fontRef idx="minor">
+            <a:schemeClr val="tx1"/>
+          </a:fontRef>
+        </p:style>
+      </p:cxnSp>
+      <p:cxnSp>
+        <p:nvCxnSpPr>
+          <p:cNvPr id="46" name="Connecteur droit avec flèche 45"/>
+          <p:cNvCxnSpPr/>
+          <p:nvPr/>
+        </p:nvCxnSpPr>
+        <p:spPr>
+          <a:xfrm>
+            <a:off x="6470084" y="4149080"/>
+            <a:ext cx="1486292" cy="0"/>
+          </a:xfrm>
+          <a:prstGeom prst="straightConnector1">
+            <a:avLst/>
+          </a:prstGeom>
+          <a:ln>
+            <a:solidFill>
+              <a:schemeClr val="tx1">
+                <a:lumMod val="85000"/>
+                <a:lumOff val="15000"/>
+              </a:schemeClr>
+            </a:solidFill>
+            <a:headEnd type="triangle" w="med" len="med"/>
+            <a:tailEnd type="triangle" w="med" len="med"/>
+          </a:ln>
+        </p:spPr>
+        <p:style>
+          <a:lnRef idx="1">
+            <a:schemeClr val="accent1"/>
+          </a:lnRef>
+          <a:fillRef idx="0">
+            <a:schemeClr val="accent1"/>
+          </a:fillRef>
+          <a:effectRef idx="0">
+            <a:schemeClr val="accent1"/>
+          </a:effectRef>
+          <a:fontRef idx="minor">
+            <a:schemeClr val="tx1"/>
+          </a:fontRef>
+        </p:style>
+      </p:cxnSp>
+      <p:cxnSp>
+        <p:nvCxnSpPr>
+          <p:cNvPr id="48" name="Connecteur droit avec flèche 47"/>
+          <p:cNvCxnSpPr/>
+          <p:nvPr/>
+        </p:nvCxnSpPr>
+        <p:spPr>
+          <a:xfrm flipV="1">
+            <a:off x="8070589" y="2715776"/>
+            <a:ext cx="0" cy="1008112"/>
+          </a:xfrm>
+          <a:prstGeom prst="straightConnector1">
+            <a:avLst/>
+          </a:prstGeom>
+          <a:ln>
+            <a:solidFill>
+              <a:schemeClr val="tx1">
+                <a:lumMod val="85000"/>
+                <a:lumOff val="15000"/>
+              </a:schemeClr>
+            </a:solidFill>
+            <a:headEnd type="triangle" w="med" len="med"/>
+            <a:tailEnd type="triangle" w="med" len="med"/>
+          </a:ln>
+        </p:spPr>
+        <p:style>
+          <a:lnRef idx="1">
+            <a:schemeClr val="accent1"/>
+          </a:lnRef>
+          <a:fillRef idx="0">
+            <a:schemeClr val="accent1"/>
+          </a:fillRef>
+          <a:effectRef idx="0">
+            <a:schemeClr val="accent1"/>
+          </a:effectRef>
+          <a:fontRef idx="minor">
+            <a:schemeClr val="tx1"/>
+          </a:fontRef>
+        </p:style>
+      </p:cxnSp>
+      <p:sp>
+        <p:nvSpPr>
+          <p:cNvPr id="51" name="ZoneTexte 50"/>
+          <p:cNvSpPr txBox="1"/>
+          <p:nvPr/>
+        </p:nvSpPr>
+        <p:spPr>
+          <a:xfrm>
+            <a:off x="6444208" y="2060848"/>
+            <a:ext cx="937180" cy="369332"/>
+          </a:xfrm>
+          <a:prstGeom prst="rect">
+            <a:avLst/>
+          </a:prstGeom>
+          <a:noFill/>
+        </p:spPr>
+        <p:txBody>
+          <a:bodyPr wrap="none" rtlCol="0">
+            <a:spAutoFit/>
+          </a:bodyPr>
+          <a:lstStyle/>
+          <a:p>
+            <a:r>
+              <a:rPr lang="fr-FR" dirty="0" err="1" smtClean="0"/>
+              <a:t>w_strap</a:t>
+            </a:r>
+            <a:endParaRPr lang="fr-FR" dirty="0"/>
+          </a:p>
+        </p:txBody>
+      </p:sp>
+      <p:cxnSp>
+        <p:nvCxnSpPr>
+          <p:cNvPr id="52" name="Connecteur droit avec flèche 51"/>
+          <p:cNvCxnSpPr/>
+          <p:nvPr/>
+        </p:nvCxnSpPr>
+        <p:spPr>
+          <a:xfrm>
+            <a:off x="7197172" y="3532366"/>
+            <a:ext cx="327156" cy="0"/>
           </a:xfrm>
           <a:prstGeom prst="straightConnector1">
             <a:avLst/>
@@ -11280,14 +12043,14 @@
       </p:cxnSp>
       <p:cxnSp>
         <p:nvCxnSpPr>
-          <p:cNvPr id="4" name="Connecteur droit avec flèche 3"/>
+          <p:cNvPr id="53" name="Connecteur droit avec flèche 52"/>
           <p:cNvCxnSpPr/>
           <p:nvPr/>
         </p:nvCxnSpPr>
         <p:spPr>
           <a:xfrm flipV="1">
-            <a:off x="2979417" y="1569184"/>
-            <a:ext cx="0" cy="1003508"/>
+            <a:off x="7197172" y="3244334"/>
+            <a:ext cx="0" cy="288032"/>
           </a:xfrm>
           <a:prstGeom prst="straightConnector1">
             <a:avLst/>
@@ -11319,14 +12082,14 @@
       </p:cxnSp>
       <p:sp>
         <p:nvSpPr>
-          <p:cNvPr id="11" name="ZoneTexte 10"/>
+          <p:cNvPr id="54" name="ZoneTexte 53"/>
           <p:cNvSpPr txBox="1"/>
           <p:nvPr/>
         </p:nvSpPr>
         <p:spPr>
           <a:xfrm>
-            <a:off x="2257717" y="1703908"/>
-            <a:ext cx="654346" cy="369332"/>
+            <a:off x="7468255" y="3275692"/>
+            <a:ext cx="284052" cy="369332"/>
           </a:xfrm>
           <a:prstGeom prst="rect">
             <a:avLst/>
@@ -11341,7 +12104,7 @@
           <a:p>
             <a:r>
               <a:rPr lang="fr-FR" dirty="0" smtClean="0"/>
-              <a:t>n_e0</a:t>
+              <a:t>z</a:t>
             </a:r>
             <a:endParaRPr lang="fr-FR" dirty="0"/>
           </a:p>
@@ -11349,14 +12112,14 @@
       </p:sp>
       <p:sp>
         <p:nvSpPr>
-          <p:cNvPr id="12" name="ZoneTexte 11"/>
+          <p:cNvPr id="55" name="ZoneTexte 54"/>
           <p:cNvSpPr txBox="1"/>
           <p:nvPr/>
         </p:nvSpPr>
         <p:spPr>
           <a:xfrm>
-            <a:off x="6938237" y="2572692"/>
-            <a:ext cx="284052" cy="369332"/>
+            <a:off x="7041267" y="2839040"/>
+            <a:ext cx="288862" cy="369332"/>
           </a:xfrm>
           <a:prstGeom prst="rect">
             <a:avLst/>
@@ -11371,7 +12134,7 @@
           <a:p>
             <a:r>
               <a:rPr lang="fr-FR" dirty="0" smtClean="0"/>
-              <a:t>x</a:t>
+              <a:t>y</a:t>
             </a:r>
             <a:endParaRPr lang="fr-FR" dirty="0"/>
           </a:p>
@@ -11379,14 +12142,14 @@
       </p:sp>
       <p:sp>
         <p:nvSpPr>
-          <p:cNvPr id="13" name="ZoneTexte 12"/>
+          <p:cNvPr id="56" name="ZoneTexte 55"/>
           <p:cNvSpPr txBox="1"/>
           <p:nvPr/>
         </p:nvSpPr>
         <p:spPr>
           <a:xfrm>
-            <a:off x="3337837" y="2649304"/>
-            <a:ext cx="1069524" cy="369332"/>
+            <a:off x="8214605" y="3023706"/>
+            <a:ext cx="893899" cy="369332"/>
           </a:xfrm>
           <a:prstGeom prst="rect">
             <a:avLst/>
@@ -11401,22 +12164,62 @@
           <a:p>
             <a:r>
               <a:rPr lang="fr-FR" dirty="0" err="1" smtClean="0"/>
-              <a:t>x_plasma</a:t>
+              <a:t>h_strap</a:t>
             </a:r>
             <a:endParaRPr lang="fr-FR" dirty="0"/>
           </a:p>
         </p:txBody>
       </p:sp>
-      <p:sp>
-        <p:nvSpPr>
-          <p:cNvPr id="14" name="ZoneTexte 13"/>
+      <p:cxnSp>
+        <p:nvCxnSpPr>
+          <p:cNvPr id="58" name="Connecteur droit avec flèche 57"/>
+          <p:cNvCxnSpPr/>
+          <p:nvPr/>
+        </p:nvCxnSpPr>
+        <p:spPr>
+          <a:xfrm flipV="1">
+            <a:off x="6012160" y="2730604"/>
+            <a:ext cx="0" cy="1185882"/>
+          </a:xfrm>
+          <a:prstGeom prst="straightConnector1">
+            <a:avLst/>
+          </a:prstGeom>
+          <a:ln>
+            <a:solidFill>
+              <a:schemeClr val="tx1">
+                <a:lumMod val="85000"/>
+                <a:lumOff val="15000"/>
+              </a:schemeClr>
+            </a:solidFill>
+            <a:headEnd type="triangle" w="med" len="med"/>
+            <a:tailEnd type="triangle" w="med" len="med"/>
+          </a:ln>
+        </p:spPr>
+        <p:style>
+          <a:lnRef idx="1">
+            <a:schemeClr val="accent1"/>
+          </a:lnRef>
+          <a:fillRef idx="0">
+            <a:schemeClr val="accent1"/>
+          </a:fillRef>
+          <a:effectRef idx="0">
+            <a:schemeClr val="accent1"/>
+          </a:effectRef>
+          <a:fontRef idx="minor">
+            <a:schemeClr val="tx1"/>
+          </a:fontRef>
+        </p:style>
+      </p:cxnSp>
+      <p:sp>
+        <p:nvSpPr>
+          <p:cNvPr id="60" name="ZoneTexte 59"/>
           <p:cNvSpPr txBox="1"/>
           <p:nvPr/>
         </p:nvSpPr>
         <p:spPr>
           <a:xfrm>
-            <a:off x="2820127" y="2649304"/>
-            <a:ext cx="301686" cy="369332"/>
+            <a:off x="5195420" y="3125638"/>
+            <a:ext cx="760465" cy="369332"/>
           </a:xfrm>
           <a:prstGeom prst="rect">
             <a:avLst/>
@@ -11430,8 +12233,38 @@
           <a:lstStyle/>
           <a:p>
             <a:r>
-              <a:rPr lang="fr-FR" dirty="0" smtClean="0"/>
-              <a:t>0</a:t>
+              <a:rPr lang="fr-FR" dirty="0" err="1" smtClean="0"/>
+              <a:t>h_box</a:t>
+            </a:r>
+            <a:endParaRPr lang="fr-FR" dirty="0"/>
+          </a:p>
+        </p:txBody>
+      </p:sp>
+      <p:sp>
+        <p:nvSpPr>
+          <p:cNvPr id="61" name="ZoneTexte 60"/>
+          <p:cNvSpPr txBox="1"/>
+          <p:nvPr/>
+        </p:nvSpPr>
+        <p:spPr>
+          <a:xfrm>
+            <a:off x="6530762" y="4252446"/>
+            <a:ext cx="803746" cy="369332"/>
+          </a:xfrm>
+          <a:prstGeom prst="rect">
+            <a:avLst/>
+          </a:prstGeom>
+          <a:noFill/>
+        </p:spPr>
+        <p:txBody>
+          <a:bodyPr wrap="none" rtlCol="0">
+            <a:spAutoFit/>
+          </a:bodyPr>
+          <a:lstStyle/>
+          <a:p>
+            <a:r>
+              <a:rPr lang="fr-FR" dirty="0" err="1" smtClean="0"/>
+              <a:t>w_box</a:t>
             </a:r>
             <a:endParaRPr lang="fr-FR" dirty="0"/>
           </a:p>
@@ -11439,21 +12272,347 @@
       </p:sp>
       <p:cxnSp>
         <p:nvCxnSpPr>
-          <p:cNvPr id="16" name="Connecteur droit 15"/>
+          <p:cNvPr id="47" name="Connecteur droit avec flèche 46"/>
           <p:cNvCxnSpPr/>
           <p:nvPr/>
         </p:nvCxnSpPr>
         <p:spPr>
-          <a:xfrm flipV="1">
-            <a:off x="3481853" y="1866508"/>
-            <a:ext cx="0" cy="706184"/>
+          <a:xfrm>
+            <a:off x="7060540" y="2636912"/>
+            <a:ext cx="269589" cy="0"/>
+          </a:xfrm>
+          <a:prstGeom prst="straightConnector1">
+            <a:avLst/>
+          </a:prstGeom>
+          <a:ln>
+            <a:solidFill>
+              <a:schemeClr val="tx1">
+                <a:lumMod val="85000"/>
+                <a:lumOff val="15000"/>
+              </a:schemeClr>
+            </a:solidFill>
+            <a:headEnd type="triangle" w="med" len="med"/>
+            <a:tailEnd type="triangle" w="med" len="med"/>
+          </a:ln>
+        </p:spPr>
+        <p:style>
+          <a:lnRef idx="1">
+            <a:schemeClr val="accent1"/>
+          </a:lnRef>
+          <a:fillRef idx="0">
+            <a:schemeClr val="accent1"/>
+          </a:fillRef>
+          <a:effectRef idx="0">
+            <a:schemeClr val="accent1"/>
+          </a:effectRef>
+          <a:fontRef idx="minor">
+            <a:schemeClr val="tx1"/>
+          </a:fontRef>
+        </p:style>
+      </p:cxnSp>
+      <p:sp>
+        <p:nvSpPr>
+          <p:cNvPr id="49" name="ZoneTexte 48"/>
+          <p:cNvSpPr txBox="1"/>
+          <p:nvPr/>
+        </p:nvSpPr>
+        <p:spPr>
+          <a:xfrm>
+            <a:off x="7106298" y="2308230"/>
+            <a:ext cx="1246944" cy="369332"/>
+          </a:xfrm>
+          <a:prstGeom prst="rect">
+            <a:avLst/>
+          </a:prstGeom>
+          <a:noFill/>
+        </p:spPr>
+        <p:txBody>
+          <a:bodyPr wrap="none" rtlCol="0">
+            <a:spAutoFit/>
+          </a:bodyPr>
+          <a:lstStyle/>
+          <a:p>
+            <a:r>
+              <a:rPr lang="fr-FR" dirty="0" err="1" smtClean="0"/>
+              <a:t>delta_strap</a:t>
+            </a:r>
+            <a:endParaRPr lang="fr-FR" dirty="0"/>
+          </a:p>
+        </p:txBody>
+      </p:sp>
+      <p:cxnSp>
+        <p:nvCxnSpPr>
+          <p:cNvPr id="50" name="Connecteur droit avec flèche 49"/>
+          <p:cNvCxnSpPr/>
+          <p:nvPr/>
+        </p:nvCxnSpPr>
+        <p:spPr>
+          <a:xfrm>
+            <a:off x="6439674" y="2636912"/>
+            <a:ext cx="220558" cy="0"/>
+          </a:xfrm>
+          <a:prstGeom prst="straightConnector1">
+            <a:avLst/>
+          </a:prstGeom>
+          <a:ln>
+            <a:solidFill>
+              <a:schemeClr val="tx1">
+                <a:lumMod val="85000"/>
+                <a:lumOff val="15000"/>
+              </a:schemeClr>
+            </a:solidFill>
+            <a:headEnd type="triangle" w="med" len="med"/>
+            <a:tailEnd type="triangle" w="med" len="med"/>
+          </a:ln>
+        </p:spPr>
+        <p:style>
+          <a:lnRef idx="1">
+            <a:schemeClr val="accent1"/>
+          </a:lnRef>
+          <a:fillRef idx="0">
+            <a:schemeClr val="accent1"/>
+          </a:fillRef>
+          <a:effectRef idx="0">
+            <a:schemeClr val="accent1"/>
+          </a:effectRef>
+          <a:fontRef idx="minor">
+            <a:schemeClr val="tx1"/>
+          </a:fontRef>
+        </p:style>
+      </p:cxnSp>
+      <p:sp>
+        <p:nvSpPr>
+          <p:cNvPr id="57" name="ZoneTexte 56"/>
+          <p:cNvSpPr txBox="1"/>
+          <p:nvPr/>
+        </p:nvSpPr>
+        <p:spPr>
+          <a:xfrm>
+            <a:off x="6084168" y="2375302"/>
+            <a:ext cx="561372" cy="261610"/>
+          </a:xfrm>
+          <a:prstGeom prst="rect">
+            <a:avLst/>
+          </a:prstGeom>
+          <a:noFill/>
+        </p:spPr>
+        <p:txBody>
+          <a:bodyPr wrap="none" rtlCol="0">
+            <a:spAutoFit/>
+          </a:bodyPr>
+          <a:lstStyle/>
+          <a:p>
+            <a:r>
+              <a:rPr lang="fr-FR" sz="1100" dirty="0" err="1" smtClean="0"/>
+              <a:t>d_wall</a:t>
+            </a:r>
+            <a:endParaRPr lang="fr-FR" sz="1100" dirty="0"/>
+          </a:p>
+        </p:txBody>
+      </p:sp>
+      <p:sp>
+        <p:nvSpPr>
+          <p:cNvPr id="63" name="ZoneTexte 65"/>
+          <p:cNvSpPr txBox="1"/>
+          <p:nvPr/>
+        </p:nvSpPr>
+        <p:spPr>
+          <a:xfrm>
+            <a:off x="5494068" y="4808185"/>
+            <a:ext cx="2994153" cy="1754326"/>
+          </a:xfrm>
+          <a:prstGeom prst="rect">
+            <a:avLst/>
+          </a:prstGeom>
+          <a:noFill/>
+        </p:spPr>
+        <p:txBody>
+          <a:bodyPr wrap="none" rtlCol="0">
+            <a:spAutoFit/>
+          </a:bodyPr>
+          <a:lstStyle/>
+          <a:p>
+            <a:r>
+              <a:rPr lang="fr-FR" dirty="0" err="1" smtClean="0"/>
+              <a:t>h_box</a:t>
+            </a:r>
+            <a:r>
+              <a:rPr lang="fr-FR" dirty="0" smtClean="0"/>
+              <a:t>=0.20</a:t>
+            </a:r>
+          </a:p>
+          <a:p>
+            <a:r>
+              <a:rPr lang="fr-FR" dirty="0" err="1" smtClean="0"/>
+              <a:t>w_box</a:t>
+            </a:r>
+            <a:r>
+              <a:rPr lang="fr-FR" dirty="0" smtClean="0"/>
+              <a:t>=0.43</a:t>
+            </a:r>
+          </a:p>
+          <a:p>
+            <a:r>
+              <a:rPr lang="fr-FR" dirty="0" err="1" smtClean="0"/>
+              <a:t>h_strap</a:t>
+            </a:r>
+            <a:r>
+              <a:rPr lang="fr-FR" dirty="0" smtClean="0"/>
+              <a:t>=0.20 (</a:t>
+            </a:r>
+            <a:r>
+              <a:rPr lang="fr-FR" dirty="0" err="1" smtClean="0"/>
+              <a:t>same</a:t>
+            </a:r>
+            <a:r>
+              <a:rPr lang="fr-FR" dirty="0" smtClean="0"/>
+              <a:t> as </a:t>
+            </a:r>
+            <a:r>
+              <a:rPr lang="fr-FR" dirty="0" err="1" smtClean="0"/>
+              <a:t>h_box</a:t>
+            </a:r>
+            <a:r>
+              <a:rPr lang="fr-FR" dirty="0" smtClean="0"/>
+              <a:t>)</a:t>
+            </a:r>
+            <a:endParaRPr lang="fr-FR" dirty="0"/>
+          </a:p>
+          <a:p>
+            <a:r>
+              <a:rPr lang="fr-FR" dirty="0" err="1" smtClean="0"/>
+              <a:t>w_strap</a:t>
+            </a:r>
+            <a:r>
+              <a:rPr lang="fr-FR" dirty="0" smtClean="0"/>
+              <a:t>=0.12</a:t>
+            </a:r>
+          </a:p>
+          <a:p>
+            <a:r>
+              <a:rPr lang="fr-FR" dirty="0" err="1" smtClean="0"/>
+              <a:t>d_wall</a:t>
+            </a:r>
+            <a:r>
+              <a:rPr lang="fr-FR" dirty="0" smtClean="0"/>
+              <a:t>=0.045</a:t>
+            </a:r>
+          </a:p>
+          <a:p>
+            <a:r>
+              <a:rPr lang="fr-FR" dirty="0" err="1" smtClean="0"/>
+              <a:t>delta_strap</a:t>
+            </a:r>
+            <a:r>
+              <a:rPr lang="fr-FR" dirty="0" smtClean="0"/>
+              <a:t>=0.1</a:t>
+            </a:r>
+          </a:p>
+        </p:txBody>
+      </p:sp>
+      <p:sp>
+        <p:nvSpPr>
+          <p:cNvPr id="65" name="ZoneTexte 33"/>
+          <p:cNvSpPr txBox="1"/>
+          <p:nvPr/>
+        </p:nvSpPr>
+        <p:spPr>
+          <a:xfrm>
+            <a:off x="7222289" y="1384517"/>
+            <a:ext cx="1670191" cy="646331"/>
+          </a:xfrm>
+          <a:prstGeom prst="rect">
+            <a:avLst/>
+          </a:prstGeom>
+          <a:noFill/>
+        </p:spPr>
+        <p:txBody>
+          <a:bodyPr wrap="square" rtlCol="0">
+            <a:spAutoFit/>
+          </a:bodyPr>
+          <a:lstStyle/>
+          <a:p>
+            <a:r>
+              <a:rPr lang="fr-FR" sz="1200" dirty="0" err="1" smtClean="0"/>
+              <a:t>Units</a:t>
+            </a:r>
+            <a:r>
+              <a:rPr lang="fr-FR" sz="1200" dirty="0" smtClean="0"/>
+              <a:t>:</a:t>
+            </a:r>
+          </a:p>
+          <a:p>
+            <a:r>
+              <a:rPr lang="fr-FR" sz="1200" dirty="0" err="1" smtClean="0"/>
+              <a:t>Length</a:t>
+            </a:r>
+            <a:r>
+              <a:rPr lang="fr-FR" sz="1200" dirty="0" smtClean="0"/>
+              <a:t>: m</a:t>
+            </a:r>
+          </a:p>
+          <a:p>
+            <a:r>
+              <a:rPr lang="fr-FR" sz="1200" dirty="0" err="1" smtClean="0"/>
+              <a:t>Density</a:t>
+            </a:r>
+            <a:r>
+              <a:rPr lang="fr-FR" sz="1200" dirty="0" smtClean="0"/>
+              <a:t>: m-3</a:t>
+            </a:r>
+          </a:p>
+        </p:txBody>
+      </p:sp>
+      <p:sp>
+        <p:nvSpPr>
+          <p:cNvPr id="69" name="ZoneTexte 66"/>
+          <p:cNvSpPr txBox="1"/>
+          <p:nvPr/>
+        </p:nvSpPr>
+        <p:spPr>
+          <a:xfrm>
+            <a:off x="2339752" y="2765688"/>
+            <a:ext cx="620683" cy="261610"/>
+          </a:xfrm>
+          <a:prstGeom prst="rect">
+            <a:avLst/>
+          </a:prstGeom>
+          <a:noFill/>
+        </p:spPr>
+        <p:txBody>
+          <a:bodyPr wrap="none" rtlCol="0">
+            <a:spAutoFit/>
+          </a:bodyPr>
+          <a:lstStyle/>
+          <a:p>
+            <a:r>
+              <a:rPr lang="fr-FR" sz="1100" dirty="0" err="1" smtClean="0"/>
+              <a:t>d_strap</a:t>
+            </a:r>
+            <a:endParaRPr lang="fr-FR" sz="1100" dirty="0"/>
+          </a:p>
+        </p:txBody>
+      </p:sp>
+      <p:cxnSp>
+        <p:nvCxnSpPr>
+          <p:cNvPr id="72" name="Connecteur droit 5"/>
+          <p:cNvCxnSpPr/>
+          <p:nvPr/>
+        </p:nvCxnSpPr>
+        <p:spPr>
+          <a:xfrm>
+            <a:off x="2622900" y="1844824"/>
+            <a:ext cx="0" cy="864096"/>
           </a:xfrm>
           <a:prstGeom prst="line">
             <a:avLst/>
           </a:prstGeom>
-          <a:ln w="19050">
+          <a:ln w="38100">
             <a:solidFill>
-              <a:schemeClr val="tx2"/>
+              <a:schemeClr val="tx1">
+                <a:lumMod val="95000"/>
+                <a:lumOff val="5000"/>
+              </a:schemeClr>
             </a:solidFill>
           </a:ln>
         </p:spPr>
@@ -11474,21 +12633,24 @@
       </p:cxnSp>
       <p:cxnSp>
         <p:nvCxnSpPr>
-          <p:cNvPr id="18" name="Connecteur droit 17"/>
+          <p:cNvPr id="73" name="Connecteur droit 6"/>
           <p:cNvCxnSpPr/>
           <p:nvPr/>
         </p:nvCxnSpPr>
         <p:spPr>
           <a:xfrm>
-            <a:off x="3481853" y="1866508"/>
-            <a:ext cx="3312368" cy="0"/>
+            <a:off x="1475656" y="2708920"/>
+            <a:ext cx="0" cy="1296144"/>
           </a:xfrm>
           <a:prstGeom prst="line">
             <a:avLst/>
           </a:prstGeom>
-          <a:ln w="19050">
+          <a:ln w="38100">
             <a:solidFill>
-              <a:schemeClr val="tx2"/>
+              <a:schemeClr val="tx1">
+                <a:lumMod val="95000"/>
+                <a:lumOff val="5000"/>
+              </a:schemeClr>
             </a:solidFill>
           </a:ln>
         </p:spPr>
@@ -11507,16 +12669,200 @@
           </a:fontRef>
         </p:style>
       </p:cxnSp>
-      <p:sp>
-        <p:nvSpPr>
-          <p:cNvPr id="19" name="ZoneTexte 18"/>
+      <p:cxnSp>
+        <p:nvCxnSpPr>
+          <p:cNvPr id="74" name="Connecteur droit 7"/>
+          <p:cNvCxnSpPr/>
+          <p:nvPr/>
+        </p:nvCxnSpPr>
+        <p:spPr>
+          <a:xfrm>
+            <a:off x="1475656" y="2708920"/>
+            <a:ext cx="1152128" cy="0"/>
+          </a:xfrm>
+          <a:prstGeom prst="line">
+            <a:avLst/>
+          </a:prstGeom>
+          <a:ln w="38100">
+            <a:solidFill>
+              <a:schemeClr val="tx1">
+                <a:lumMod val="95000"/>
+                <a:lumOff val="5000"/>
+              </a:schemeClr>
+            </a:solidFill>
+          </a:ln>
+        </p:spPr>
+        <p:style>
+          <a:lnRef idx="1">
+            <a:schemeClr val="accent1"/>
+          </a:lnRef>
+          <a:fillRef idx="0">
+            <a:schemeClr val="accent1"/>
+          </a:fillRef>
+          <a:effectRef idx="0">
+            <a:schemeClr val="accent1"/>
+          </a:effectRef>
+          <a:fontRef idx="minor">
+            <a:schemeClr val="tx1"/>
+          </a:fontRef>
+        </p:style>
+      </p:cxnSp>
+      <p:cxnSp>
+        <p:nvCxnSpPr>
+          <p:cNvPr id="75" name="Connecteur droit 11"/>
+          <p:cNvCxnSpPr/>
+          <p:nvPr/>
+        </p:nvCxnSpPr>
+        <p:spPr>
+          <a:xfrm>
+            <a:off x="1470772" y="4005064"/>
+            <a:ext cx="1152128" cy="0"/>
+          </a:xfrm>
+          <a:prstGeom prst="line">
+            <a:avLst/>
+          </a:prstGeom>
+          <a:ln w="38100">
+            <a:solidFill>
+              <a:schemeClr val="tx1">
+                <a:lumMod val="95000"/>
+                <a:lumOff val="5000"/>
+              </a:schemeClr>
+            </a:solidFill>
+          </a:ln>
+        </p:spPr>
+        <p:style>
+          <a:lnRef idx="1">
+            <a:schemeClr val="accent1"/>
+          </a:lnRef>
+          <a:fillRef idx="0">
+            <a:schemeClr val="accent1"/>
+          </a:fillRef>
+          <a:effectRef idx="0">
+            <a:schemeClr val="accent1"/>
+          </a:effectRef>
+          <a:fontRef idx="minor">
+            <a:schemeClr val="tx1"/>
+          </a:fontRef>
+        </p:style>
+      </p:cxnSp>
+      <p:cxnSp>
+        <p:nvCxnSpPr>
+          <p:cNvPr id="77" name="Connecteur droit 12"/>
+          <p:cNvCxnSpPr/>
+          <p:nvPr/>
+        </p:nvCxnSpPr>
+        <p:spPr>
+          <a:xfrm>
+            <a:off x="2629404" y="4005064"/>
+            <a:ext cx="0" cy="864096"/>
+          </a:xfrm>
+          <a:prstGeom prst="line">
+            <a:avLst/>
+          </a:prstGeom>
+          <a:ln w="38100">
+            <a:solidFill>
+              <a:schemeClr val="tx1">
+                <a:lumMod val="95000"/>
+                <a:lumOff val="5000"/>
+              </a:schemeClr>
+            </a:solidFill>
+          </a:ln>
+        </p:spPr>
+        <p:style>
+          <a:lnRef idx="1">
+            <a:schemeClr val="accent1"/>
+          </a:lnRef>
+          <a:fillRef idx="0">
+            <a:schemeClr val="accent1"/>
+          </a:fillRef>
+          <a:effectRef idx="0">
+            <a:schemeClr val="accent1"/>
+          </a:effectRef>
+          <a:fontRef idx="minor">
+            <a:schemeClr val="tx1"/>
+          </a:fontRef>
+        </p:style>
+      </p:cxnSp>
+      <p:cxnSp>
+        <p:nvCxnSpPr>
+          <p:cNvPr id="79" name="Connecteur droit 13"/>
+          <p:cNvCxnSpPr/>
+          <p:nvPr/>
+        </p:nvCxnSpPr>
+        <p:spPr>
+          <a:xfrm>
+            <a:off x="2339752" y="2708920"/>
+            <a:ext cx="0" cy="1008112"/>
+          </a:xfrm>
+          <a:prstGeom prst="line">
+            <a:avLst/>
+          </a:prstGeom>
+          <a:ln w="38100">
+            <a:solidFill>
+              <a:schemeClr val="accent2"/>
+            </a:solidFill>
+          </a:ln>
+        </p:spPr>
+        <p:style>
+          <a:lnRef idx="1">
+            <a:schemeClr val="accent1"/>
+          </a:lnRef>
+          <a:fillRef idx="0">
+            <a:schemeClr val="accent1"/>
+          </a:fillRef>
+          <a:effectRef idx="0">
+            <a:schemeClr val="accent1"/>
+          </a:effectRef>
+          <a:fontRef idx="minor">
+            <a:schemeClr val="tx1"/>
+          </a:fontRef>
+        </p:style>
+      </p:cxnSp>
+      <p:cxnSp>
+        <p:nvCxnSpPr>
+          <p:cNvPr id="80" name="Connecteur droit 25"/>
+          <p:cNvCxnSpPr/>
+          <p:nvPr/>
+        </p:nvCxnSpPr>
+        <p:spPr>
+          <a:xfrm>
+            <a:off x="2915816" y="1844824"/>
+            <a:ext cx="0" cy="3024336"/>
+          </a:xfrm>
+          <a:prstGeom prst="line">
+            <a:avLst/>
+          </a:prstGeom>
+          <a:ln w="28575">
+            <a:solidFill>
+              <a:schemeClr val="tx2"/>
+            </a:solidFill>
+          </a:ln>
+        </p:spPr>
+        <p:style>
+          <a:lnRef idx="1">
+            <a:schemeClr val="accent1"/>
+          </a:lnRef>
+          <a:fillRef idx="0">
+            <a:schemeClr val="accent1"/>
+          </a:fillRef>
+          <a:effectRef idx="0">
+            <a:schemeClr val="accent1"/>
+          </a:effectRef>
+          <a:fontRef idx="minor">
+            <a:schemeClr val="tx1"/>
+          </a:fontRef>
+        </p:style>
+      </p:cxnSp>
+      <p:sp>
+        <p:nvSpPr>
+          <p:cNvPr id="82" name="ZoneTexte 27"/>
           <p:cNvSpPr txBox="1"/>
           <p:nvPr/>
         </p:nvSpPr>
         <p:spPr>
           <a:xfrm>
-            <a:off x="2584890" y="1199852"/>
-            <a:ext cx="537327" cy="369332"/>
+            <a:off x="1504846" y="3639487"/>
+            <a:ext cx="674544" cy="276999"/>
           </a:xfrm>
           <a:prstGeom prst="rect">
             <a:avLst/>
@@ -11530,23 +12876,23 @@
           <a:lstStyle/>
           <a:p>
             <a:r>
-              <a:rPr lang="fr-FR" dirty="0" err="1" smtClean="0"/>
-              <a:t>n_e</a:t>
-            </a:r>
-            <a:endParaRPr lang="fr-FR" dirty="0"/>
+              <a:rPr lang="fr-FR" sz="1200" dirty="0" smtClean="0"/>
+              <a:t>vacuum</a:t>
+            </a:r>
+            <a:endParaRPr lang="fr-FR" sz="1200" dirty="0"/>
           </a:p>
         </p:txBody>
       </p:sp>
       <p:cxnSp>
         <p:nvCxnSpPr>
-          <p:cNvPr id="20" name="Connecteur droit avec flèche 19"/>
+          <p:cNvPr id="83" name="Connecteur droit avec flèche 29"/>
           <p:cNvCxnSpPr/>
           <p:nvPr/>
         </p:nvCxnSpPr>
         <p:spPr>
           <a:xfrm>
-            <a:off x="2979417" y="4653136"/>
-            <a:ext cx="3886812" cy="0"/>
+            <a:off x="2629404" y="3496404"/>
+            <a:ext cx="327156" cy="0"/>
           </a:xfrm>
           <a:prstGeom prst="straightConnector1">
             <a:avLst/>
@@ -11578,14 +12924,14 @@
       </p:cxnSp>
       <p:cxnSp>
         <p:nvCxnSpPr>
-          <p:cNvPr id="21" name="Connecteur droit avec flèche 20"/>
+          <p:cNvPr id="84" name="Connecteur droit avec flèche 31"/>
           <p:cNvCxnSpPr/>
           <p:nvPr/>
         </p:nvCxnSpPr>
         <p:spPr>
           <a:xfrm flipV="1">
-            <a:off x="2979417" y="3649628"/>
-            <a:ext cx="0" cy="1003508"/>
+            <a:off x="2629404" y="3208372"/>
+            <a:ext cx="0" cy="288032"/>
           </a:xfrm>
           <a:prstGeom prst="straightConnector1">
             <a:avLst/>
@@ -11617,14 +12963,14 @@
       </p:cxnSp>
       <p:sp>
         <p:nvSpPr>
-          <p:cNvPr id="22" name="ZoneTexte 21"/>
+          <p:cNvPr id="85" name="ZoneTexte 39"/>
           <p:cNvSpPr txBox="1"/>
           <p:nvPr/>
         </p:nvSpPr>
         <p:spPr>
           <a:xfrm>
-            <a:off x="2227807" y="4107258"/>
-            <a:ext cx="654346" cy="369332"/>
+            <a:off x="2991804" y="3311738"/>
+            <a:ext cx="284052" cy="369332"/>
           </a:xfrm>
           <a:prstGeom prst="rect">
             <a:avLst/>
@@ -11639,7 +12985,7 @@
           <a:p>
             <a:r>
               <a:rPr lang="fr-FR" dirty="0" smtClean="0"/>
-              <a:t>n_e0</a:t>
+              <a:t>x</a:t>
             </a:r>
             <a:endParaRPr lang="fr-FR" dirty="0"/>
           </a:p>
@@ -11647,14 +12993,14 @@
       </p:sp>
       <p:sp>
         <p:nvSpPr>
-          <p:cNvPr id="23" name="ZoneTexte 22"/>
+          <p:cNvPr id="86" name="ZoneTexte 40"/>
           <p:cNvSpPr txBox="1"/>
           <p:nvPr/>
         </p:nvSpPr>
         <p:spPr>
           <a:xfrm>
-            <a:off x="6938237" y="4653136"/>
-            <a:ext cx="284052" cy="369332"/>
+            <a:off x="2473499" y="2839040"/>
+            <a:ext cx="288862" cy="369332"/>
           </a:xfrm>
           <a:prstGeom prst="rect">
             <a:avLst/>
@@ -11669,67 +13015,7 @@
           <a:p>
             <a:r>
               <a:rPr lang="fr-FR" dirty="0" smtClean="0"/>
-              <a:t>x</a:t>
-            </a:r>
-            <a:endParaRPr lang="fr-FR" dirty="0"/>
-          </a:p>
-        </p:txBody>
-      </p:sp>
-      <p:sp>
-        <p:nvSpPr>
-          <p:cNvPr id="24" name="ZoneTexte 23"/>
-          <p:cNvSpPr txBox="1"/>
-          <p:nvPr/>
-        </p:nvSpPr>
-        <p:spPr>
-          <a:xfrm>
-            <a:off x="3337837" y="4729748"/>
-            <a:ext cx="1069524" cy="369332"/>
-          </a:xfrm>
-          <a:prstGeom prst="rect">
-            <a:avLst/>
-          </a:prstGeom>
-          <a:noFill/>
-        </p:spPr>
-        <p:txBody>
-          <a:bodyPr wrap="none" rtlCol="0">
-            <a:spAutoFit/>
-          </a:bodyPr>
-          <a:lstStyle/>
-          <a:p>
-            <a:r>
-              <a:rPr lang="fr-FR" dirty="0" err="1" smtClean="0"/>
-              <a:t>x_plasma</a:t>
-            </a:r>
-            <a:endParaRPr lang="fr-FR" dirty="0"/>
-          </a:p>
-        </p:txBody>
-      </p:sp>
-      <p:sp>
-        <p:nvSpPr>
-          <p:cNvPr id="25" name="ZoneTexte 24"/>
-          <p:cNvSpPr txBox="1"/>
-          <p:nvPr/>
-        </p:nvSpPr>
-        <p:spPr>
-          <a:xfrm>
-            <a:off x="2820127" y="4729748"/>
-            <a:ext cx="301686" cy="369332"/>
-          </a:xfrm>
-          <a:prstGeom prst="rect">
-            <a:avLst/>
-          </a:prstGeom>
-          <a:noFill/>
-        </p:spPr>
-        <p:txBody>
-          <a:bodyPr wrap="none" rtlCol="0">
-            <a:spAutoFit/>
-          </a:bodyPr>
-          <a:lstStyle/>
-          <a:p>
-            <a:r>
-              <a:rPr lang="fr-FR" dirty="0" smtClean="0"/>
-              <a:t>0</a:t>
+              <a:t>y</a:t>
             </a:r>
             <a:endParaRPr lang="fr-FR" dirty="0"/>
           </a:p>
@@ -11737,22 +13023,27 @@
       </p:sp>
       <p:cxnSp>
         <p:nvCxnSpPr>
-          <p:cNvPr id="26" name="Connecteur droit 25"/>
+          <p:cNvPr id="87" name="Connecteur droit avec flèche 61"/>
           <p:cNvCxnSpPr/>
           <p:nvPr/>
         </p:nvCxnSpPr>
         <p:spPr>
-          <a:xfrm flipV="1">
-            <a:off x="3481853" y="4300044"/>
-            <a:ext cx="0" cy="353092"/>
-          </a:xfrm>
-          <a:prstGeom prst="line">
-            <a:avLst/>
-          </a:prstGeom>
-          <a:ln w="19050">
+          <a:xfrm>
+            <a:off x="1475656" y="4365104"/>
+            <a:ext cx="1131520" cy="0"/>
+          </a:xfrm>
+          <a:prstGeom prst="straightConnector1">
+            <a:avLst/>
+          </a:prstGeom>
+          <a:ln>
             <a:solidFill>
-              <a:schemeClr val="tx2"/>
+              <a:schemeClr val="tx1">
+                <a:lumMod val="85000"/>
+                <a:lumOff val="15000"/>
+              </a:schemeClr>
             </a:solidFill>
+            <a:headEnd type="triangle" w="med" len="med"/>
+            <a:tailEnd type="triangle" w="med" len="med"/>
           </a:ln>
         </p:spPr>
         <p:style>
@@ -11772,22 +13063,27 @@
       </p:cxnSp>
       <p:cxnSp>
         <p:nvCxnSpPr>
-          <p:cNvPr id="27" name="Connecteur droit 26"/>
+          <p:cNvPr id="88" name="Connecteur droit avec flèche 63"/>
           <p:cNvCxnSpPr/>
           <p:nvPr/>
         </p:nvCxnSpPr>
         <p:spPr>
-          <a:xfrm flipV="1">
-            <a:off x="3481853" y="3946952"/>
-            <a:ext cx="3312368" cy="353092"/>
-          </a:xfrm>
-          <a:prstGeom prst="line">
-            <a:avLst/>
-          </a:prstGeom>
-          <a:ln w="19050">
+          <a:xfrm>
+            <a:off x="2411760" y="2803788"/>
+            <a:ext cx="217644" cy="0"/>
+          </a:xfrm>
+          <a:prstGeom prst="straightConnector1">
+            <a:avLst/>
+          </a:prstGeom>
+          <a:ln>
             <a:solidFill>
-              <a:schemeClr val="tx2"/>
+              <a:schemeClr val="tx1">
+                <a:lumMod val="85000"/>
+                <a:lumOff val="15000"/>
+              </a:schemeClr>
             </a:solidFill>
+            <a:headEnd type="triangle" w="med" len="med"/>
+            <a:tailEnd type="triangle" w="med" len="med"/>
           </a:ln>
         </p:spPr>
         <p:style>
@@ -11807,14 +13103,14 @@
       </p:cxnSp>
       <p:sp>
         <p:nvSpPr>
-          <p:cNvPr id="28" name="ZoneTexte 27"/>
+          <p:cNvPr id="89" name="ZoneTexte 65"/>
           <p:cNvSpPr txBox="1"/>
           <p:nvPr/>
         </p:nvSpPr>
         <p:spPr>
           <a:xfrm>
-            <a:off x="2584890" y="3280296"/>
-            <a:ext cx="537327" cy="369332"/>
+            <a:off x="1713034" y="4437112"/>
+            <a:ext cx="760465" cy="369332"/>
           </a:xfrm>
           <a:prstGeom prst="rect">
             <a:avLst/>
@@ -11829,7 +13125,7 @@
           <a:p>
             <a:r>
               <a:rPr lang="fr-FR" dirty="0" err="1" smtClean="0"/>
-              <a:t>n_e</a:t>
+              <a:t>d_box</a:t>
             </a:r>
             <a:endParaRPr lang="fr-FR" dirty="0"/>
           </a:p>
@@ -11837,14 +13133,14 @@
       </p:sp>
       <p:sp>
         <p:nvSpPr>
-          <p:cNvPr id="32" name="ZoneTexte 31"/>
+          <p:cNvPr id="90" name="ZoneTexte 67"/>
           <p:cNvSpPr txBox="1"/>
           <p:nvPr/>
         </p:nvSpPr>
         <p:spPr>
           <a:xfrm>
-            <a:off x="4383385" y="3762286"/>
-            <a:ext cx="797013" cy="369332"/>
+            <a:off x="1127958" y="1783849"/>
+            <a:ext cx="1373005" cy="646331"/>
           </a:xfrm>
           <a:prstGeom prst="rect">
             <a:avLst/>
@@ -11857,9 +13153,25 @@
           </a:bodyPr>
           <a:lstStyle/>
           <a:p>
+            <a:pPr algn="r"/>
+            <a:r>
+              <a:rPr lang="fr-FR" dirty="0" err="1" smtClean="0"/>
+              <a:t>Antenna</a:t>
+            </a:r>
             <a:r>
               <a:rPr lang="fr-FR" dirty="0" smtClean="0"/>
-              <a:t>Dn_e0</a:t>
+              <a:t> box</a:t>
+            </a:r>
+            <a:br>
+              <a:rPr lang="fr-FR" dirty="0" smtClean="0"/>
+            </a:br>
+            <a:r>
+              <a:rPr lang="fr-FR" dirty="0" err="1" smtClean="0"/>
+              <a:t>from</a:t>
+            </a:r>
+            <a:r>
+              <a:rPr lang="fr-FR" dirty="0" smtClean="0"/>
+              <a:t> x=0</a:t>
             </a:r>
             <a:endParaRPr lang="fr-FR" dirty="0"/>
           </a:p>
@@ -11867,14 +13179,145 @@
       </p:sp>
       <p:sp>
         <p:nvSpPr>
-          <p:cNvPr id="33" name="ZoneTexte 32"/>
+          <p:cNvPr id="91" name="Rectangle 90"/>
+          <p:cNvSpPr/>
+          <p:nvPr/>
+        </p:nvSpPr>
+        <p:spPr>
+          <a:xfrm>
+            <a:off x="2195737" y="2715776"/>
+            <a:ext cx="144016" cy="1289288"/>
+          </a:xfrm>
+          <a:prstGeom prst="rect">
+            <a:avLst/>
+          </a:prstGeom>
+          <a:solidFill>
+            <a:schemeClr val="accent2"/>
+          </a:solidFill>
+          <a:ln>
+            <a:solidFill>
+              <a:schemeClr val="tx1">
+                <a:lumMod val="85000"/>
+                <a:lumOff val="15000"/>
+              </a:schemeClr>
+            </a:solidFill>
+          </a:ln>
+        </p:spPr>
+        <p:style>
+          <a:lnRef idx="2">
+            <a:schemeClr val="accent1">
+              <a:shade val="50000"/>
+            </a:schemeClr>
+          </a:lnRef>
+          <a:fillRef idx="1">
+            <a:schemeClr val="accent1"/>
+          </a:fillRef>
+          <a:effectRef idx="0">
+            <a:schemeClr val="accent1"/>
+          </a:effectRef>
+          <a:fontRef idx="minor">
+            <a:schemeClr val="lt1"/>
+          </a:fontRef>
+        </p:style>
+        <p:txBody>
+          <a:bodyPr rtlCol="0" anchor="ctr"/>
+          <a:lstStyle/>
+          <a:p>
+            <a:pPr algn="ctr"/>
+            <a:endParaRPr lang="fr-FR"/>
+          </a:p>
+        </p:txBody>
+      </p:sp>
+      <p:cxnSp>
+        <p:nvCxnSpPr>
+          <p:cNvPr id="92" name="Connecteur droit avec flèche 75"/>
+          <p:cNvCxnSpPr/>
+          <p:nvPr/>
+        </p:nvCxnSpPr>
+        <p:spPr>
+          <a:xfrm>
+            <a:off x="2032158" y="3212976"/>
+            <a:ext cx="163578" cy="0"/>
+          </a:xfrm>
+          <a:prstGeom prst="straightConnector1">
+            <a:avLst/>
+          </a:prstGeom>
+          <a:ln w="12700">
+            <a:solidFill>
+              <a:schemeClr val="tx1">
+                <a:lumMod val="95000"/>
+                <a:lumOff val="5000"/>
+              </a:schemeClr>
+            </a:solidFill>
+            <a:tailEnd type="arrow"/>
+          </a:ln>
+        </p:spPr>
+        <p:style>
+          <a:lnRef idx="1">
+            <a:schemeClr val="accent1"/>
+          </a:lnRef>
+          <a:fillRef idx="0">
+            <a:schemeClr val="accent1"/>
+          </a:fillRef>
+          <a:effectRef idx="0">
+            <a:schemeClr val="accent1"/>
+          </a:effectRef>
+          <a:fontRef idx="minor">
+            <a:schemeClr val="tx1"/>
+          </a:fontRef>
+        </p:style>
+      </p:cxnSp>
+      <p:cxnSp>
+        <p:nvCxnSpPr>
+          <p:cNvPr id="93" name="Connecteur droit avec flèche 77"/>
+          <p:cNvCxnSpPr>
+            <a:endCxn id="91" idx="3"/>
+          </p:cNvCxnSpPr>
+          <p:nvPr/>
+        </p:nvCxnSpPr>
+        <p:spPr>
+          <a:xfrm flipH="1">
+            <a:off x="2339753" y="3219832"/>
+            <a:ext cx="161210" cy="140588"/>
+          </a:xfrm>
+          <a:prstGeom prst="straightConnector1">
+            <a:avLst/>
+          </a:prstGeom>
+          <a:ln w="12700">
+            <a:solidFill>
+              <a:schemeClr val="tx1">
+                <a:lumMod val="95000"/>
+                <a:lumOff val="5000"/>
+              </a:schemeClr>
+            </a:solidFill>
+            <a:tailEnd type="arrow"/>
+          </a:ln>
+        </p:spPr>
+        <p:style>
+          <a:lnRef idx="1">
+            <a:schemeClr val="accent1"/>
+          </a:lnRef>
+          <a:fillRef idx="0">
+            <a:schemeClr val="accent1"/>
+          </a:fillRef>
+          <a:effectRef idx="0">
+            <a:schemeClr val="accent1"/>
+          </a:effectRef>
+          <a:fontRef idx="minor">
+            <a:schemeClr val="tx1"/>
+          </a:fontRef>
+        </p:style>
+      </p:cxnSp>
+      <p:sp>
+        <p:nvSpPr>
+          <p:cNvPr id="94" name="ZoneTexte 80"/>
           <p:cNvSpPr txBox="1"/>
           <p:nvPr/>
         </p:nvSpPr>
         <p:spPr>
           <a:xfrm>
-            <a:off x="323528" y="1888574"/>
-            <a:ext cx="1712135" cy="276999"/>
+            <a:off x="1494554" y="3086333"/>
+            <a:ext cx="617477" cy="261610"/>
           </a:xfrm>
           <a:prstGeom prst="rect">
             <a:avLst/>
@@ -11888,31 +13331,23 @@
           <a:lstStyle/>
           <a:p>
             <a:r>
-              <a:rPr lang="fr-FR" sz="1200" dirty="0" smtClean="0"/>
-              <a:t>Constant </a:t>
-            </a:r>
-            <a:r>
-              <a:rPr lang="fr-FR" sz="1200" dirty="0" err="1" smtClean="0"/>
-              <a:t>density</a:t>
-            </a:r>
-            <a:r>
-              <a:rPr lang="fr-FR" sz="1200" dirty="0" smtClean="0"/>
-              <a:t> plasma</a:t>
-            </a:r>
-            <a:endParaRPr lang="fr-FR" sz="1200" dirty="0"/>
-          </a:p>
-        </p:txBody>
-      </p:sp>
-      <p:sp>
-        <p:nvSpPr>
-          <p:cNvPr id="34" name="ZoneTexte 33"/>
+              <a:rPr lang="fr-FR" sz="1100" dirty="0" err="1" smtClean="0"/>
+              <a:t>e_strap</a:t>
+            </a:r>
+            <a:endParaRPr lang="fr-FR" sz="1100" dirty="0"/>
+          </a:p>
+        </p:txBody>
+      </p:sp>
+      <p:sp>
+        <p:nvSpPr>
+          <p:cNvPr id="95" name="ZoneTexte 65"/>
           <p:cNvSpPr txBox="1"/>
           <p:nvPr/>
         </p:nvSpPr>
         <p:spPr>
           <a:xfrm>
-            <a:off x="350620" y="4023045"/>
-            <a:ext cx="1590756" cy="276999"/>
+            <a:off x="1404906" y="5085184"/>
+            <a:ext cx="1669752" cy="923330"/>
           </a:xfrm>
           <a:prstGeom prst="rect">
             <a:avLst/>
@@ -11926,23 +13361,47 @@
           <a:lstStyle/>
           <a:p>
             <a:r>
-              <a:rPr lang="fr-FR" sz="1200" dirty="0" smtClean="0"/>
-              <a:t>Single gradient plasma</a:t>
-            </a:r>
-            <a:endParaRPr lang="fr-FR" sz="1200" dirty="0"/>
-          </a:p>
-        </p:txBody>
-      </p:sp>
-      <p:sp>
-        <p:nvSpPr>
-          <p:cNvPr id="29" name="ZoneTexte 10"/>
+              <a:rPr lang="fr-FR" dirty="0" err="1" smtClean="0"/>
+              <a:t>d_box</a:t>
+            </a:r>
+            <a:r>
+              <a:rPr lang="fr-FR" dirty="0" smtClean="0"/>
+              <a:t>=0.16</a:t>
+            </a:r>
+          </a:p>
+          <a:p>
+            <a:r>
+              <a:rPr lang="fr-FR" dirty="0" err="1" smtClean="0"/>
+              <a:t>d_strap</a:t>
+            </a:r>
+            <a:r>
+              <a:rPr lang="fr-FR" dirty="0" smtClean="0"/>
+              <a:t>=0.04</a:t>
+            </a:r>
+            <a:endParaRPr lang="fr-FR" dirty="0"/>
+          </a:p>
+          <a:p>
+            <a:r>
+              <a:rPr lang="fr-FR" dirty="0" err="1" smtClean="0"/>
+              <a:t>e_strap</a:t>
+            </a:r>
+            <a:r>
+              <a:rPr lang="fr-FR" dirty="0" smtClean="0"/>
+              <a:t>=(0.015)</a:t>
+            </a:r>
+          </a:p>
+        </p:txBody>
+      </p:sp>
+      <p:sp>
+        <p:nvSpPr>
+          <p:cNvPr id="96" name="ZoneTexte 27"/>
           <p:cNvSpPr txBox="1"/>
           <p:nvPr/>
         </p:nvSpPr>
         <p:spPr>
-          <a:xfrm>
-            <a:off x="451338" y="5373216"/>
-            <a:ext cx="6947095" cy="646331"/>
+          <a:xfrm rot="5400000">
+            <a:off x="2430631" y="3879843"/>
+            <a:ext cx="674544" cy="276999"/>
           </a:xfrm>
           <a:prstGeom prst="rect">
             <a:avLst/>
@@ -11956,87 +13415,17 @@
           <a:lstStyle/>
           <a:p>
             <a:r>
-              <a:rPr lang="fr-FR" dirty="0" smtClean="0"/>
-              <a:t>ANTITER: Base </a:t>
-            </a:r>
-            <a:r>
-              <a:rPr lang="fr-FR" dirty="0" err="1" smtClean="0"/>
-              <a:t>density</a:t>
-            </a:r>
-            <a:r>
-              <a:rPr lang="fr-FR" dirty="0" smtClean="0"/>
-              <a:t> for vacuum </a:t>
-            </a:r>
-            <a:r>
-              <a:rPr lang="fr-FR" dirty="0" err="1" smtClean="0"/>
-              <a:t>is</a:t>
-            </a:r>
-            <a:r>
-              <a:rPr lang="fr-FR" dirty="0" smtClean="0"/>
-              <a:t> </a:t>
-            </a:r>
-            <a:r>
-              <a:rPr lang="fr-FR" dirty="0" err="1" smtClean="0"/>
-              <a:t>n_edge</a:t>
-            </a:r>
-            <a:r>
-              <a:rPr lang="fr-FR" dirty="0" smtClean="0"/>
-              <a:t>=1e11</a:t>
-            </a:r>
-          </a:p>
-          <a:p>
-            <a:r>
-              <a:rPr lang="fr-FR" dirty="0" smtClean="0"/>
-              <a:t>This </a:t>
-            </a:r>
-            <a:r>
-              <a:rPr lang="fr-FR" dirty="0" err="1" smtClean="0"/>
-              <a:t>is</a:t>
-            </a:r>
-            <a:r>
-              <a:rPr lang="fr-FR" dirty="0" smtClean="0"/>
-              <a:t> made for </a:t>
-            </a:r>
-            <a:r>
-              <a:rPr lang="fr-FR" dirty="0" err="1" smtClean="0"/>
-              <a:t>numerics</a:t>
-            </a:r>
-            <a:r>
-              <a:rPr lang="fr-FR" dirty="0" smtClean="0"/>
-              <a:t> but has a </a:t>
-            </a:r>
-            <a:r>
-              <a:rPr lang="fr-FR" dirty="0" err="1" smtClean="0"/>
-              <a:t>very</a:t>
-            </a:r>
-            <a:r>
-              <a:rPr lang="fr-FR" dirty="0" smtClean="0"/>
-              <a:t> </a:t>
-            </a:r>
-            <a:r>
-              <a:rPr lang="fr-FR" dirty="0" err="1" smtClean="0"/>
-              <a:t>low</a:t>
-            </a:r>
-            <a:r>
-              <a:rPr lang="fr-FR" dirty="0" smtClean="0"/>
-              <a:t> impact on </a:t>
-            </a:r>
-            <a:r>
-              <a:rPr lang="fr-FR" dirty="0" err="1" smtClean="0"/>
-              <a:t>kperp</a:t>
-            </a:r>
-            <a:r>
-              <a:rPr lang="fr-FR" dirty="0" smtClean="0"/>
-              <a:t> in vacuum</a:t>
-            </a:r>
-            <a:endParaRPr lang="fr-FR" dirty="0"/>
+              <a:rPr lang="fr-FR" sz="1200" dirty="0" smtClean="0"/>
+              <a:t>vacuum</a:t>
+            </a:r>
+            <a:endParaRPr lang="fr-FR" sz="1200" dirty="0"/>
           </a:p>
         </p:txBody>
       </p:sp>
     </p:spTree>
     <p:extLst>
       <p:ext uri="{BB962C8B-B14F-4D97-AF65-F5344CB8AC3E}">
-        <p14:creationId xmlns:p14="http://schemas.microsoft.com/office/powerpoint/2010/main" val="1932039448"/>
+        <p14:creationId xmlns:p14="http://schemas.microsoft.com/office/powerpoint/2010/main" val="1832609435"/>
       </p:ext>
     </p:extLst>
   </p:cSld>
@@ -12065,6 +13454,853 @@
       </p:grpSpPr>
       <p:sp>
         <p:nvSpPr>
+          <p:cNvPr id="2" name="Titre 1"/>
+          <p:cNvSpPr>
+            <a:spLocks noGrp="1"/>
+          </p:cNvSpPr>
+          <p:nvPr>
+            <p:ph type="title"/>
+          </p:nvPr>
+        </p:nvSpPr>
+        <p:spPr/>
+        <p:txBody>
+          <a:bodyPr/>
+          <a:lstStyle/>
+          <a:p>
+            <a:r>
+              <a:rPr lang="fr-FR" dirty="0" smtClean="0"/>
+              <a:t>Plasma Configurations</a:t>
+            </a:r>
+            <a:endParaRPr lang="fr-FR" dirty="0"/>
+          </a:p>
+        </p:txBody>
+      </p:sp>
+      <p:cxnSp>
+        <p:nvCxnSpPr>
+          <p:cNvPr id="3" name="Connecteur droit avec flèche 2"/>
+          <p:cNvCxnSpPr/>
+          <p:nvPr/>
+        </p:nvCxnSpPr>
+        <p:spPr>
+          <a:xfrm>
+            <a:off x="2979417" y="2572692"/>
+            <a:ext cx="3886812" cy="0"/>
+          </a:xfrm>
+          <a:prstGeom prst="straightConnector1">
+            <a:avLst/>
+          </a:prstGeom>
+          <a:ln w="28575">
+            <a:solidFill>
+              <a:schemeClr val="tx1">
+                <a:lumMod val="95000"/>
+                <a:lumOff val="5000"/>
+              </a:schemeClr>
+            </a:solidFill>
+            <a:tailEnd type="arrow"/>
+          </a:ln>
+        </p:spPr>
+        <p:style>
+          <a:lnRef idx="1">
+            <a:schemeClr val="accent1"/>
+          </a:lnRef>
+          <a:fillRef idx="0">
+            <a:schemeClr val="accent1"/>
+          </a:fillRef>
+          <a:effectRef idx="0">
+            <a:schemeClr val="accent1"/>
+          </a:effectRef>
+          <a:fontRef idx="minor">
+            <a:schemeClr val="tx1"/>
+          </a:fontRef>
+        </p:style>
+      </p:cxnSp>
+      <p:cxnSp>
+        <p:nvCxnSpPr>
+          <p:cNvPr id="4" name="Connecteur droit avec flèche 3"/>
+          <p:cNvCxnSpPr/>
+          <p:nvPr/>
+        </p:nvCxnSpPr>
+        <p:spPr>
+          <a:xfrm flipV="1">
+            <a:off x="2979417" y="1569184"/>
+            <a:ext cx="0" cy="1003508"/>
+          </a:xfrm>
+          <a:prstGeom prst="straightConnector1">
+            <a:avLst/>
+          </a:prstGeom>
+          <a:ln w="28575">
+            <a:solidFill>
+              <a:schemeClr val="tx1">
+                <a:lumMod val="95000"/>
+                <a:lumOff val="5000"/>
+              </a:schemeClr>
+            </a:solidFill>
+            <a:tailEnd type="arrow"/>
+          </a:ln>
+        </p:spPr>
+        <p:style>
+          <a:lnRef idx="1">
+            <a:schemeClr val="accent1"/>
+          </a:lnRef>
+          <a:fillRef idx="0">
+            <a:schemeClr val="accent1"/>
+          </a:fillRef>
+          <a:effectRef idx="0">
+            <a:schemeClr val="accent1"/>
+          </a:effectRef>
+          <a:fontRef idx="minor">
+            <a:schemeClr val="tx1"/>
+          </a:fontRef>
+        </p:style>
+      </p:cxnSp>
+      <p:sp>
+        <p:nvSpPr>
+          <p:cNvPr id="11" name="ZoneTexte 10"/>
+          <p:cNvSpPr txBox="1"/>
+          <p:nvPr/>
+        </p:nvSpPr>
+        <p:spPr>
+          <a:xfrm>
+            <a:off x="2257717" y="1703908"/>
+            <a:ext cx="654346" cy="369332"/>
+          </a:xfrm>
+          <a:prstGeom prst="rect">
+            <a:avLst/>
+          </a:prstGeom>
+          <a:noFill/>
+        </p:spPr>
+        <p:txBody>
+          <a:bodyPr wrap="none" rtlCol="0">
+            <a:spAutoFit/>
+          </a:bodyPr>
+          <a:lstStyle/>
+          <a:p>
+            <a:r>
+              <a:rPr lang="fr-FR" dirty="0" smtClean="0"/>
+              <a:t>n_e0</a:t>
+            </a:r>
+            <a:endParaRPr lang="fr-FR" dirty="0"/>
+          </a:p>
+        </p:txBody>
+      </p:sp>
+      <p:sp>
+        <p:nvSpPr>
+          <p:cNvPr id="12" name="ZoneTexte 11"/>
+          <p:cNvSpPr txBox="1"/>
+          <p:nvPr/>
+        </p:nvSpPr>
+        <p:spPr>
+          <a:xfrm>
+            <a:off x="6938237" y="2572692"/>
+            <a:ext cx="284052" cy="369332"/>
+          </a:xfrm>
+          <a:prstGeom prst="rect">
+            <a:avLst/>
+          </a:prstGeom>
+          <a:noFill/>
+        </p:spPr>
+        <p:txBody>
+          <a:bodyPr wrap="none" rtlCol="0">
+            <a:spAutoFit/>
+          </a:bodyPr>
+          <a:lstStyle/>
+          <a:p>
+            <a:r>
+              <a:rPr lang="fr-FR" dirty="0" smtClean="0"/>
+              <a:t>x</a:t>
+            </a:r>
+            <a:endParaRPr lang="fr-FR" dirty="0"/>
+          </a:p>
+        </p:txBody>
+      </p:sp>
+      <p:sp>
+        <p:nvSpPr>
+          <p:cNvPr id="13" name="ZoneTexte 12"/>
+          <p:cNvSpPr txBox="1"/>
+          <p:nvPr/>
+        </p:nvSpPr>
+        <p:spPr>
+          <a:xfrm>
+            <a:off x="3337837" y="2649304"/>
+            <a:ext cx="1069524" cy="369332"/>
+          </a:xfrm>
+          <a:prstGeom prst="rect">
+            <a:avLst/>
+          </a:prstGeom>
+          <a:noFill/>
+        </p:spPr>
+        <p:txBody>
+          <a:bodyPr wrap="none" rtlCol="0">
+            <a:spAutoFit/>
+          </a:bodyPr>
+          <a:lstStyle/>
+          <a:p>
+            <a:r>
+              <a:rPr lang="fr-FR" dirty="0" err="1" smtClean="0"/>
+              <a:t>x_plasma</a:t>
+            </a:r>
+            <a:endParaRPr lang="fr-FR" dirty="0"/>
+          </a:p>
+        </p:txBody>
+      </p:sp>
+      <p:sp>
+        <p:nvSpPr>
+          <p:cNvPr id="14" name="ZoneTexte 13"/>
+          <p:cNvSpPr txBox="1"/>
+          <p:nvPr/>
+        </p:nvSpPr>
+        <p:spPr>
+          <a:xfrm>
+            <a:off x="2820127" y="2649304"/>
+            <a:ext cx="301686" cy="369332"/>
+          </a:xfrm>
+          <a:prstGeom prst="rect">
+            <a:avLst/>
+          </a:prstGeom>
+          <a:noFill/>
+        </p:spPr>
+        <p:txBody>
+          <a:bodyPr wrap="none" rtlCol="0">
+            <a:spAutoFit/>
+          </a:bodyPr>
+          <a:lstStyle/>
+          <a:p>
+            <a:r>
+              <a:rPr lang="fr-FR" dirty="0" smtClean="0"/>
+              <a:t>0</a:t>
+            </a:r>
+            <a:endParaRPr lang="fr-FR" dirty="0"/>
+          </a:p>
+        </p:txBody>
+      </p:sp>
+      <p:cxnSp>
+        <p:nvCxnSpPr>
+          <p:cNvPr id="16" name="Connecteur droit 15"/>
+          <p:cNvCxnSpPr/>
+          <p:nvPr/>
+        </p:nvCxnSpPr>
+        <p:spPr>
+          <a:xfrm flipV="1">
+            <a:off x="3481853" y="1866508"/>
+            <a:ext cx="0" cy="706184"/>
+          </a:xfrm>
+          <a:prstGeom prst="line">
+            <a:avLst/>
+          </a:prstGeom>
+          <a:ln w="19050">
+            <a:solidFill>
+              <a:schemeClr val="tx2"/>
+            </a:solidFill>
+          </a:ln>
+        </p:spPr>
+        <p:style>
+          <a:lnRef idx="1">
+            <a:schemeClr val="accent1"/>
+          </a:lnRef>
+          <a:fillRef idx="0">
+            <a:schemeClr val="accent1"/>
+          </a:fillRef>
+          <a:effectRef idx="0">
+            <a:schemeClr val="accent1"/>
+          </a:effectRef>
+          <a:fontRef idx="minor">
+            <a:schemeClr val="tx1"/>
+          </a:fontRef>
+        </p:style>
+      </p:cxnSp>
+      <p:cxnSp>
+        <p:nvCxnSpPr>
+          <p:cNvPr id="18" name="Connecteur droit 17"/>
+          <p:cNvCxnSpPr/>
+          <p:nvPr/>
+        </p:nvCxnSpPr>
+        <p:spPr>
+          <a:xfrm>
+            <a:off x="3481853" y="1866508"/>
+            <a:ext cx="3312368" cy="0"/>
+          </a:xfrm>
+          <a:prstGeom prst="line">
+            <a:avLst/>
+          </a:prstGeom>
+          <a:ln w="19050">
+            <a:solidFill>
+              <a:schemeClr val="tx2"/>
+            </a:solidFill>
+          </a:ln>
+        </p:spPr>
+        <p:style>
+          <a:lnRef idx="1">
+            <a:schemeClr val="accent1"/>
+          </a:lnRef>
+          <a:fillRef idx="0">
+            <a:schemeClr val="accent1"/>
+          </a:fillRef>
+          <a:effectRef idx="0">
+            <a:schemeClr val="accent1"/>
+          </a:effectRef>
+          <a:fontRef idx="minor">
+            <a:schemeClr val="tx1"/>
+          </a:fontRef>
+        </p:style>
+      </p:cxnSp>
+      <p:sp>
+        <p:nvSpPr>
+          <p:cNvPr id="19" name="ZoneTexte 18"/>
+          <p:cNvSpPr txBox="1"/>
+          <p:nvPr/>
+        </p:nvSpPr>
+        <p:spPr>
+          <a:xfrm>
+            <a:off x="2584890" y="1199852"/>
+            <a:ext cx="537327" cy="369332"/>
+          </a:xfrm>
+          <a:prstGeom prst="rect">
+            <a:avLst/>
+          </a:prstGeom>
+          <a:noFill/>
+        </p:spPr>
+        <p:txBody>
+          <a:bodyPr wrap="none" rtlCol="0">
+            <a:spAutoFit/>
+          </a:bodyPr>
+          <a:lstStyle/>
+          <a:p>
+            <a:r>
+              <a:rPr lang="fr-FR" dirty="0" err="1" smtClean="0"/>
+              <a:t>n_e</a:t>
+            </a:r>
+            <a:endParaRPr lang="fr-FR" dirty="0"/>
+          </a:p>
+        </p:txBody>
+      </p:sp>
+      <p:cxnSp>
+        <p:nvCxnSpPr>
+          <p:cNvPr id="20" name="Connecteur droit avec flèche 19"/>
+          <p:cNvCxnSpPr/>
+          <p:nvPr/>
+        </p:nvCxnSpPr>
+        <p:spPr>
+          <a:xfrm>
+            <a:off x="2979417" y="4653136"/>
+            <a:ext cx="3886812" cy="0"/>
+          </a:xfrm>
+          <a:prstGeom prst="straightConnector1">
+            <a:avLst/>
+          </a:prstGeom>
+          <a:ln w="28575">
+            <a:solidFill>
+              <a:schemeClr val="tx1">
+                <a:lumMod val="95000"/>
+                <a:lumOff val="5000"/>
+              </a:schemeClr>
+            </a:solidFill>
+            <a:tailEnd type="arrow"/>
+          </a:ln>
+        </p:spPr>
+        <p:style>
+          <a:lnRef idx="1">
+            <a:schemeClr val="accent1"/>
+          </a:lnRef>
+          <a:fillRef idx="0">
+            <a:schemeClr val="accent1"/>
+          </a:fillRef>
+          <a:effectRef idx="0">
+            <a:schemeClr val="accent1"/>
+          </a:effectRef>
+          <a:fontRef idx="minor">
+            <a:schemeClr val="tx1"/>
+          </a:fontRef>
+        </p:style>
+      </p:cxnSp>
+      <p:cxnSp>
+        <p:nvCxnSpPr>
+          <p:cNvPr id="21" name="Connecteur droit avec flèche 20"/>
+          <p:cNvCxnSpPr/>
+          <p:nvPr/>
+        </p:nvCxnSpPr>
+        <p:spPr>
+          <a:xfrm flipV="1">
+            <a:off x="2979417" y="3649628"/>
+            <a:ext cx="0" cy="1003508"/>
+          </a:xfrm>
+          <a:prstGeom prst="straightConnector1">
+            <a:avLst/>
+          </a:prstGeom>
+          <a:ln w="28575">
+            <a:solidFill>
+              <a:schemeClr val="tx1">
+                <a:lumMod val="95000"/>
+                <a:lumOff val="5000"/>
+              </a:schemeClr>
+            </a:solidFill>
+            <a:tailEnd type="arrow"/>
+          </a:ln>
+        </p:spPr>
+        <p:style>
+          <a:lnRef idx="1">
+            <a:schemeClr val="accent1"/>
+          </a:lnRef>
+          <a:fillRef idx="0">
+            <a:schemeClr val="accent1"/>
+          </a:fillRef>
+          <a:effectRef idx="0">
+            <a:schemeClr val="accent1"/>
+          </a:effectRef>
+          <a:fontRef idx="minor">
+            <a:schemeClr val="tx1"/>
+          </a:fontRef>
+        </p:style>
+      </p:cxnSp>
+      <p:sp>
+        <p:nvSpPr>
+          <p:cNvPr id="22" name="ZoneTexte 21"/>
+          <p:cNvSpPr txBox="1"/>
+          <p:nvPr/>
+        </p:nvSpPr>
+        <p:spPr>
+          <a:xfrm>
+            <a:off x="2227807" y="4107258"/>
+            <a:ext cx="654346" cy="369332"/>
+          </a:xfrm>
+          <a:prstGeom prst="rect">
+            <a:avLst/>
+          </a:prstGeom>
+          <a:noFill/>
+        </p:spPr>
+        <p:txBody>
+          <a:bodyPr wrap="none" rtlCol="0">
+            <a:spAutoFit/>
+          </a:bodyPr>
+          <a:lstStyle/>
+          <a:p>
+            <a:r>
+              <a:rPr lang="fr-FR" dirty="0" smtClean="0"/>
+              <a:t>n_e0</a:t>
+            </a:r>
+            <a:endParaRPr lang="fr-FR" dirty="0"/>
+          </a:p>
+        </p:txBody>
+      </p:sp>
+      <p:sp>
+        <p:nvSpPr>
+          <p:cNvPr id="23" name="ZoneTexte 22"/>
+          <p:cNvSpPr txBox="1"/>
+          <p:nvPr/>
+        </p:nvSpPr>
+        <p:spPr>
+          <a:xfrm>
+            <a:off x="6938237" y="4653136"/>
+            <a:ext cx="284052" cy="369332"/>
+          </a:xfrm>
+          <a:prstGeom prst="rect">
+            <a:avLst/>
+          </a:prstGeom>
+          <a:noFill/>
+        </p:spPr>
+        <p:txBody>
+          <a:bodyPr wrap="none" rtlCol="0">
+            <a:spAutoFit/>
+          </a:bodyPr>
+          <a:lstStyle/>
+          <a:p>
+            <a:r>
+              <a:rPr lang="fr-FR" dirty="0" smtClean="0"/>
+              <a:t>x</a:t>
+            </a:r>
+            <a:endParaRPr lang="fr-FR" dirty="0"/>
+          </a:p>
+        </p:txBody>
+      </p:sp>
+      <p:sp>
+        <p:nvSpPr>
+          <p:cNvPr id="24" name="ZoneTexte 23"/>
+          <p:cNvSpPr txBox="1"/>
+          <p:nvPr/>
+        </p:nvSpPr>
+        <p:spPr>
+          <a:xfrm>
+            <a:off x="3337837" y="4729748"/>
+            <a:ext cx="1069524" cy="369332"/>
+          </a:xfrm>
+          <a:prstGeom prst="rect">
+            <a:avLst/>
+          </a:prstGeom>
+          <a:noFill/>
+        </p:spPr>
+        <p:txBody>
+          <a:bodyPr wrap="none" rtlCol="0">
+            <a:spAutoFit/>
+          </a:bodyPr>
+          <a:lstStyle/>
+          <a:p>
+            <a:r>
+              <a:rPr lang="fr-FR" dirty="0" err="1" smtClean="0"/>
+              <a:t>x_plasma</a:t>
+            </a:r>
+            <a:endParaRPr lang="fr-FR" dirty="0"/>
+          </a:p>
+        </p:txBody>
+      </p:sp>
+      <p:sp>
+        <p:nvSpPr>
+          <p:cNvPr id="25" name="ZoneTexte 24"/>
+          <p:cNvSpPr txBox="1"/>
+          <p:nvPr/>
+        </p:nvSpPr>
+        <p:spPr>
+          <a:xfrm>
+            <a:off x="2820127" y="4729748"/>
+            <a:ext cx="301686" cy="369332"/>
+          </a:xfrm>
+          <a:prstGeom prst="rect">
+            <a:avLst/>
+          </a:prstGeom>
+          <a:noFill/>
+        </p:spPr>
+        <p:txBody>
+          <a:bodyPr wrap="none" rtlCol="0">
+            <a:spAutoFit/>
+          </a:bodyPr>
+          <a:lstStyle/>
+          <a:p>
+            <a:r>
+              <a:rPr lang="fr-FR" dirty="0" smtClean="0"/>
+              <a:t>0</a:t>
+            </a:r>
+            <a:endParaRPr lang="fr-FR" dirty="0"/>
+          </a:p>
+        </p:txBody>
+      </p:sp>
+      <p:cxnSp>
+        <p:nvCxnSpPr>
+          <p:cNvPr id="26" name="Connecteur droit 25"/>
+          <p:cNvCxnSpPr/>
+          <p:nvPr/>
+        </p:nvCxnSpPr>
+        <p:spPr>
+          <a:xfrm flipV="1">
+            <a:off x="3481853" y="4300044"/>
+            <a:ext cx="0" cy="353092"/>
+          </a:xfrm>
+          <a:prstGeom prst="line">
+            <a:avLst/>
+          </a:prstGeom>
+          <a:ln w="19050">
+            <a:solidFill>
+              <a:schemeClr val="tx2"/>
+            </a:solidFill>
+          </a:ln>
+        </p:spPr>
+        <p:style>
+          <a:lnRef idx="1">
+            <a:schemeClr val="accent1"/>
+          </a:lnRef>
+          <a:fillRef idx="0">
+            <a:schemeClr val="accent1"/>
+          </a:fillRef>
+          <a:effectRef idx="0">
+            <a:schemeClr val="accent1"/>
+          </a:effectRef>
+          <a:fontRef idx="minor">
+            <a:schemeClr val="tx1"/>
+          </a:fontRef>
+        </p:style>
+      </p:cxnSp>
+      <p:cxnSp>
+        <p:nvCxnSpPr>
+          <p:cNvPr id="27" name="Connecteur droit 26"/>
+          <p:cNvCxnSpPr/>
+          <p:nvPr/>
+        </p:nvCxnSpPr>
+        <p:spPr>
+          <a:xfrm flipV="1">
+            <a:off x="3481853" y="3946952"/>
+            <a:ext cx="3312368" cy="353092"/>
+          </a:xfrm>
+          <a:prstGeom prst="line">
+            <a:avLst/>
+          </a:prstGeom>
+          <a:ln w="19050">
+            <a:solidFill>
+              <a:schemeClr val="tx2"/>
+            </a:solidFill>
+          </a:ln>
+        </p:spPr>
+        <p:style>
+          <a:lnRef idx="1">
+            <a:schemeClr val="accent1"/>
+          </a:lnRef>
+          <a:fillRef idx="0">
+            <a:schemeClr val="accent1"/>
+          </a:fillRef>
+          <a:effectRef idx="0">
+            <a:schemeClr val="accent1"/>
+          </a:effectRef>
+          <a:fontRef idx="minor">
+            <a:schemeClr val="tx1"/>
+          </a:fontRef>
+        </p:style>
+      </p:cxnSp>
+      <p:sp>
+        <p:nvSpPr>
+          <p:cNvPr id="28" name="ZoneTexte 27"/>
+          <p:cNvSpPr txBox="1"/>
+          <p:nvPr/>
+        </p:nvSpPr>
+        <p:spPr>
+          <a:xfrm>
+            <a:off x="2584890" y="3280296"/>
+            <a:ext cx="537327" cy="369332"/>
+          </a:xfrm>
+          <a:prstGeom prst="rect">
+            <a:avLst/>
+          </a:prstGeom>
+          <a:noFill/>
+        </p:spPr>
+        <p:txBody>
+          <a:bodyPr wrap="none" rtlCol="0">
+            <a:spAutoFit/>
+          </a:bodyPr>
+          <a:lstStyle/>
+          <a:p>
+            <a:r>
+              <a:rPr lang="fr-FR" dirty="0" err="1" smtClean="0"/>
+              <a:t>n_e</a:t>
+            </a:r>
+            <a:endParaRPr lang="fr-FR" dirty="0"/>
+          </a:p>
+        </p:txBody>
+      </p:sp>
+      <p:sp>
+        <p:nvSpPr>
+          <p:cNvPr id="32" name="ZoneTexte 31"/>
+          <p:cNvSpPr txBox="1"/>
+          <p:nvPr/>
+        </p:nvSpPr>
+        <p:spPr>
+          <a:xfrm>
+            <a:off x="4383385" y="3762286"/>
+            <a:ext cx="797013" cy="369332"/>
+          </a:xfrm>
+          <a:prstGeom prst="rect">
+            <a:avLst/>
+          </a:prstGeom>
+          <a:noFill/>
+        </p:spPr>
+        <p:txBody>
+          <a:bodyPr wrap="none" rtlCol="0">
+            <a:spAutoFit/>
+          </a:bodyPr>
+          <a:lstStyle/>
+          <a:p>
+            <a:r>
+              <a:rPr lang="fr-FR" dirty="0" smtClean="0"/>
+              <a:t>Dn_e0</a:t>
+            </a:r>
+            <a:endParaRPr lang="fr-FR" dirty="0"/>
+          </a:p>
+        </p:txBody>
+      </p:sp>
+      <p:sp>
+        <p:nvSpPr>
+          <p:cNvPr id="33" name="ZoneTexte 32"/>
+          <p:cNvSpPr txBox="1"/>
+          <p:nvPr/>
+        </p:nvSpPr>
+        <p:spPr>
+          <a:xfrm>
+            <a:off x="323528" y="1888574"/>
+            <a:ext cx="1712135" cy="276999"/>
+          </a:xfrm>
+          <a:prstGeom prst="rect">
+            <a:avLst/>
+          </a:prstGeom>
+          <a:noFill/>
+        </p:spPr>
+        <p:txBody>
+          <a:bodyPr wrap="none" rtlCol="0">
+            <a:spAutoFit/>
+          </a:bodyPr>
+          <a:lstStyle/>
+          <a:p>
+            <a:r>
+              <a:rPr lang="fr-FR" sz="1200" dirty="0" smtClean="0"/>
+              <a:t>Constant </a:t>
+            </a:r>
+            <a:r>
+              <a:rPr lang="fr-FR" sz="1200" dirty="0" err="1" smtClean="0"/>
+              <a:t>density</a:t>
+            </a:r>
+            <a:r>
+              <a:rPr lang="fr-FR" sz="1200" dirty="0" smtClean="0"/>
+              <a:t> plasma</a:t>
+            </a:r>
+            <a:endParaRPr lang="fr-FR" sz="1200" dirty="0"/>
+          </a:p>
+        </p:txBody>
+      </p:sp>
+      <p:sp>
+        <p:nvSpPr>
+          <p:cNvPr id="34" name="ZoneTexte 33"/>
+          <p:cNvSpPr txBox="1"/>
+          <p:nvPr/>
+        </p:nvSpPr>
+        <p:spPr>
+          <a:xfrm>
+            <a:off x="350620" y="4023045"/>
+            <a:ext cx="1590756" cy="276999"/>
+          </a:xfrm>
+          <a:prstGeom prst="rect">
+            <a:avLst/>
+          </a:prstGeom>
+          <a:noFill/>
+        </p:spPr>
+        <p:txBody>
+          <a:bodyPr wrap="none" rtlCol="0">
+            <a:spAutoFit/>
+          </a:bodyPr>
+          <a:lstStyle/>
+          <a:p>
+            <a:r>
+              <a:rPr lang="fr-FR" sz="1200" dirty="0" smtClean="0"/>
+              <a:t>Single gradient plasma</a:t>
+            </a:r>
+            <a:endParaRPr lang="fr-FR" sz="1200" dirty="0"/>
+          </a:p>
+        </p:txBody>
+      </p:sp>
+      <p:sp>
+        <p:nvSpPr>
+          <p:cNvPr id="29" name="ZoneTexte 10"/>
+          <p:cNvSpPr txBox="1"/>
+          <p:nvPr/>
+        </p:nvSpPr>
+        <p:spPr>
+          <a:xfrm>
+            <a:off x="451338" y="5373216"/>
+            <a:ext cx="6947095" cy="646331"/>
+          </a:xfrm>
+          <a:prstGeom prst="rect">
+            <a:avLst/>
+          </a:prstGeom>
+          <a:noFill/>
+        </p:spPr>
+        <p:txBody>
+          <a:bodyPr wrap="none" rtlCol="0">
+            <a:spAutoFit/>
+          </a:bodyPr>
+          <a:lstStyle/>
+          <a:p>
+            <a:r>
+              <a:rPr lang="fr-FR" dirty="0" smtClean="0"/>
+              <a:t>ANTITER: Base </a:t>
+            </a:r>
+            <a:r>
+              <a:rPr lang="fr-FR" dirty="0" err="1" smtClean="0"/>
+              <a:t>density</a:t>
+            </a:r>
+            <a:r>
+              <a:rPr lang="fr-FR" dirty="0" smtClean="0"/>
+              <a:t> for vacuum </a:t>
+            </a:r>
+            <a:r>
+              <a:rPr lang="fr-FR" dirty="0" err="1" smtClean="0"/>
+              <a:t>is</a:t>
+            </a:r>
+            <a:r>
+              <a:rPr lang="fr-FR" dirty="0" smtClean="0"/>
+              <a:t> </a:t>
+            </a:r>
+            <a:r>
+              <a:rPr lang="fr-FR" dirty="0" err="1" smtClean="0"/>
+              <a:t>n_edge</a:t>
+            </a:r>
+            <a:r>
+              <a:rPr lang="fr-FR" dirty="0" smtClean="0"/>
+              <a:t>=1e11</a:t>
+            </a:r>
+          </a:p>
+          <a:p>
+            <a:r>
+              <a:rPr lang="fr-FR" dirty="0" smtClean="0"/>
+              <a:t>This </a:t>
+            </a:r>
+            <a:r>
+              <a:rPr lang="fr-FR" dirty="0" err="1" smtClean="0"/>
+              <a:t>is</a:t>
+            </a:r>
+            <a:r>
+              <a:rPr lang="fr-FR" dirty="0" smtClean="0"/>
+              <a:t> made for </a:t>
+            </a:r>
+            <a:r>
+              <a:rPr lang="fr-FR" dirty="0" err="1" smtClean="0"/>
+              <a:t>numerics</a:t>
+            </a:r>
+            <a:r>
+              <a:rPr lang="fr-FR" dirty="0" smtClean="0"/>
+              <a:t> but has a </a:t>
+            </a:r>
+            <a:r>
+              <a:rPr lang="fr-FR" dirty="0" err="1" smtClean="0"/>
+              <a:t>very</a:t>
+            </a:r>
+            <a:r>
+              <a:rPr lang="fr-FR" dirty="0" smtClean="0"/>
+              <a:t> </a:t>
+            </a:r>
+            <a:r>
+              <a:rPr lang="fr-FR" dirty="0" err="1" smtClean="0"/>
+              <a:t>low</a:t>
+            </a:r>
+            <a:r>
+              <a:rPr lang="fr-FR" dirty="0" smtClean="0"/>
+              <a:t> impact on </a:t>
+            </a:r>
+            <a:r>
+              <a:rPr lang="fr-FR" dirty="0" err="1" smtClean="0"/>
+              <a:t>kperp</a:t>
+            </a:r>
+            <a:r>
+              <a:rPr lang="fr-FR" dirty="0" smtClean="0"/>
+              <a:t> in vacuum</a:t>
+            </a:r>
+            <a:endParaRPr lang="fr-FR" dirty="0"/>
+          </a:p>
+        </p:txBody>
+      </p:sp>
+    </p:spTree>
+    <p:extLst>
+      <p:ext uri="{BB962C8B-B14F-4D97-AF65-F5344CB8AC3E}">
+        <p14:creationId xmlns:p14="http://schemas.microsoft.com/office/powerpoint/2010/main" val="1932039448"/>
+      </p:ext>
+    </p:extLst>
+  </p:cSld>
+  <p:clrMapOvr>
+    <a:masterClrMapping/>
+  </p:clrMapOvr>
+</p:sld>
+</file>
+
+<file path=ppt/slides/slide5.xml><?xml version="1.0" encoding="utf-8"?>
+<p:sld xmlns:a="http://schemas.openxmlformats.org/drawingml/2006/main" xmlns:r="http://schemas.openxmlformats.org/officeDocument/2006/relationships" xmlns:p="http://schemas.openxmlformats.org/presentationml/2006/main">
+  <p:cSld>
+    <p:spTree>
+      <p:nvGrpSpPr>
+        <p:cNvPr id="1" name=""/>
+        <p:cNvGrpSpPr/>
+        <p:nvPr/>
+      </p:nvGrpSpPr>
+      <p:grpSpPr>
+        <a:xfrm>
+          <a:off x="0" y="0"/>
+          <a:ext cx="0" cy="0"/>
+          <a:chOff x="0" y="0"/>
+          <a:chExt cx="0" cy="0"/>
+        </a:xfrm>
+      </p:grpSpPr>
+      <p:sp>
+        <p:nvSpPr>
           <p:cNvPr id="2" name="Title 1"/>
           <p:cNvSpPr>
             <a:spLocks noGrp="1"/>
@@ -12108,7 +14344,7 @@
 </p:sld>
 </file>
 
-<file path=ppt/slides/slide5.xml><?xml version="1.0" encoding="utf-8"?>
+<file path=ppt/slides/slide6.xml><?xml version="1.0" encoding="utf-8"?>
 <p:sld xmlns:a="http://schemas.openxmlformats.org/drawingml/2006/main" xmlns:r="http://schemas.openxmlformats.org/officeDocument/2006/relationships" xmlns:p="http://schemas.openxmlformats.org/presentationml/2006/main">
   <p:cSld>
     <p:spTree>
@@ -13119,508 +15355,6 @@
 </p:sld>
 </file>
 
-<file path=ppt/slides/slide6.xml><?xml version="1.0" encoding="utf-8"?>
-<p:sld xmlns:a="http://schemas.openxmlformats.org/drawingml/2006/main" xmlns:r="http://schemas.openxmlformats.org/officeDocument/2006/relationships" xmlns:p="http://schemas.openxmlformats.org/presentationml/2006/main">
-  <p:cSld>
-    <p:spTree>
-      <p:nvGrpSpPr>
-        <p:cNvPr id="1" name=""/>
-        <p:cNvGrpSpPr/>
-        <p:nvPr/>
-      </p:nvGrpSpPr>
-      <p:grpSpPr>
-        <a:xfrm>
-          <a:off x="0" y="0"/>
-          <a:ext cx="0" cy="0"/>
-          <a:chOff x="0" y="0"/>
-          <a:chExt cx="0" cy="0"/>
-        </a:xfrm>
-      </p:grpSpPr>
-      <p:sp>
-        <p:nvSpPr>
-          <p:cNvPr id="2" name="Titre 1"/>
-          <p:cNvSpPr>
-            <a:spLocks noGrp="1"/>
-          </p:cNvSpPr>
-          <p:nvPr>
-            <p:ph type="title"/>
-          </p:nvPr>
-        </p:nvSpPr>
-        <p:spPr/>
-        <p:txBody>
-          <a:bodyPr/>
-          <a:lstStyle/>
-          <a:p>
-            <a:r>
-              <a:rPr lang="fr-FR" dirty="0" smtClean="0"/>
-              <a:t>Plasma </a:t>
-            </a:r>
-            <a:r>
-              <a:rPr lang="fr-FR" dirty="0" err="1" smtClean="0"/>
-              <a:t>Conf</a:t>
-            </a:r>
-            <a:r>
-              <a:rPr lang="fr-FR" dirty="0" smtClean="0"/>
-              <a:t>. 1e8</a:t>
-            </a:r>
-            <a:endParaRPr lang="fr-FR" dirty="0"/>
-          </a:p>
-        </p:txBody>
-      </p:sp>
-      <p:pic>
-        <p:nvPicPr>
-          <p:cNvPr id="5" name="Picture 4"/>
-          <p:cNvPicPr>
-            <a:picLocks noChangeAspect="1"/>
-          </p:cNvPicPr>
-          <p:nvPr/>
-        </p:nvPicPr>
-        <p:blipFill>
-          <a:blip r:embed="rId2" cstate="print">
-            <a:extLst>
-              <a:ext uri="{28A0092B-C50C-407E-A947-70E740481C1C}">
-                <a14:useLocalDpi xmlns:a14="http://schemas.microsoft.com/office/drawing/2010/main" val="0"/>
-              </a:ext>
-            </a:extLst>
-          </a:blip>
-          <a:stretch>
-            <a:fillRect/>
-          </a:stretch>
-        </p:blipFill>
-        <p:spPr>
-          <a:xfrm>
-            <a:off x="5544000" y="1231154"/>
-            <a:ext cx="3599999" cy="2701902"/>
-          </a:xfrm>
-          <a:prstGeom prst="rect">
-            <a:avLst/>
-          </a:prstGeom>
-        </p:spPr>
-      </p:pic>
-      <p:pic>
-        <p:nvPicPr>
-          <p:cNvPr id="28" name="Picture 27"/>
-          <p:cNvPicPr>
-            <a:picLocks noChangeAspect="1"/>
-          </p:cNvPicPr>
-          <p:nvPr/>
-        </p:nvPicPr>
-        <p:blipFill>
-          <a:blip r:embed="rId3" cstate="print">
-            <a:extLst>
-              <a:ext uri="{28A0092B-C50C-407E-A947-70E740481C1C}">
-                <a14:useLocalDpi xmlns:a14="http://schemas.microsoft.com/office/drawing/2010/main" val="0"/>
-              </a:ext>
-            </a:extLst>
-          </a:blip>
-          <a:stretch>
-            <a:fillRect/>
-          </a:stretch>
-        </p:blipFill>
-        <p:spPr>
-          <a:xfrm>
-            <a:off x="179912" y="4024364"/>
-            <a:ext cx="3599999" cy="2701901"/>
-          </a:xfrm>
-          <a:prstGeom prst="rect">
-            <a:avLst/>
-          </a:prstGeom>
-        </p:spPr>
-      </p:pic>
-      <p:pic>
-        <p:nvPicPr>
-          <p:cNvPr id="32" name="Picture 31"/>
-          <p:cNvPicPr>
-            <a:picLocks noChangeAspect="1"/>
-          </p:cNvPicPr>
-          <p:nvPr/>
-        </p:nvPicPr>
-        <p:blipFill>
-          <a:blip r:embed="rId4" cstate="print">
-            <a:extLst>
-              <a:ext uri="{28A0092B-C50C-407E-A947-70E740481C1C}">
-                <a14:useLocalDpi xmlns:a14="http://schemas.microsoft.com/office/drawing/2010/main" val="0"/>
-              </a:ext>
-            </a:extLst>
-          </a:blip>
-          <a:stretch>
-            <a:fillRect/>
-          </a:stretch>
-        </p:blipFill>
-        <p:spPr>
-          <a:xfrm>
-            <a:off x="179512" y="1231154"/>
-            <a:ext cx="3599999" cy="2701901"/>
-          </a:xfrm>
-          <a:prstGeom prst="rect">
-            <a:avLst/>
-          </a:prstGeom>
-        </p:spPr>
-      </p:pic>
-      <p:pic>
-        <p:nvPicPr>
-          <p:cNvPr id="34" name="Picture 33"/>
-          <p:cNvPicPr>
-            <a:picLocks noChangeAspect="1"/>
-          </p:cNvPicPr>
-          <p:nvPr/>
-        </p:nvPicPr>
-        <p:blipFill>
-          <a:blip r:embed="rId5" cstate="print">
-            <a:extLst>
-              <a:ext uri="{28A0092B-C50C-407E-A947-70E740481C1C}">
-                <a14:useLocalDpi xmlns:a14="http://schemas.microsoft.com/office/drawing/2010/main" val="0"/>
-              </a:ext>
-            </a:extLst>
-          </a:blip>
-          <a:stretch>
-            <a:fillRect/>
-          </a:stretch>
-        </p:blipFill>
-        <p:spPr>
-          <a:xfrm>
-            <a:off x="5544000" y="4024364"/>
-            <a:ext cx="3599999" cy="2701901"/>
-          </a:xfrm>
-          <a:prstGeom prst="rect">
-            <a:avLst/>
-          </a:prstGeom>
-        </p:spPr>
-      </p:pic>
-      <p:sp>
-        <p:nvSpPr>
-          <p:cNvPr id="29" name="ZoneTexte 10"/>
-          <p:cNvSpPr txBox="1"/>
-          <p:nvPr/>
-        </p:nvSpPr>
-        <p:spPr>
-          <a:xfrm>
-            <a:off x="3635896" y="1340768"/>
-            <a:ext cx="1872208" cy="738664"/>
-          </a:xfrm>
-          <a:prstGeom prst="rect">
-            <a:avLst/>
-          </a:prstGeom>
-          <a:noFill/>
-        </p:spPr>
-        <p:txBody>
-          <a:bodyPr wrap="square" rtlCol="0">
-            <a:spAutoFit/>
-          </a:bodyPr>
-          <a:lstStyle/>
-          <a:p>
-            <a:pPr algn="ctr"/>
-            <a:r>
-              <a:rPr lang="fr-FR" sz="1400" dirty="0" smtClean="0"/>
-              <a:t>B </a:t>
-            </a:r>
-            <a:r>
-              <a:rPr lang="fr-FR" sz="1400" dirty="0" err="1" smtClean="0"/>
-              <a:t>is</a:t>
-            </a:r>
-            <a:r>
-              <a:rPr lang="fr-FR" sz="1400" dirty="0" smtClean="0"/>
-              <a:t> </a:t>
-            </a:r>
-            <a:r>
-              <a:rPr lang="fr-FR" sz="1400" dirty="0" err="1" smtClean="0"/>
-              <a:t>taken</a:t>
-            </a:r>
-            <a:r>
-              <a:rPr lang="fr-FR" sz="1400" dirty="0" smtClean="0"/>
-              <a:t> constant but </a:t>
-            </a:r>
-            <a:r>
-              <a:rPr lang="fr-FR" sz="1400" dirty="0" err="1" smtClean="0"/>
-              <a:t>could</a:t>
-            </a:r>
-            <a:r>
-              <a:rPr lang="fr-FR" sz="1400" dirty="0" smtClean="0"/>
-              <a:t> have the </a:t>
-            </a:r>
-            <a:r>
-              <a:rPr lang="fr-FR" sz="1400" dirty="0" err="1" smtClean="0"/>
-              <a:t>usual</a:t>
-            </a:r>
-            <a:r>
-              <a:rPr lang="fr-FR" sz="1400" dirty="0" smtClean="0"/>
-              <a:t> 1/R </a:t>
-            </a:r>
-            <a:r>
-              <a:rPr lang="fr-FR" sz="1400" dirty="0" err="1" smtClean="0"/>
-              <a:t>dependency</a:t>
-            </a:r>
-            <a:endParaRPr lang="fr-FR" sz="1400" dirty="0" smtClean="0"/>
-          </a:p>
-        </p:txBody>
-      </p:sp>
-      <p:sp>
-        <p:nvSpPr>
-          <p:cNvPr id="45" name="ZoneTexte 10"/>
-          <p:cNvSpPr txBox="1"/>
-          <p:nvPr/>
-        </p:nvSpPr>
-        <p:spPr>
-          <a:xfrm>
-            <a:off x="3664699" y="3916213"/>
-            <a:ext cx="2059429" cy="1384995"/>
-          </a:xfrm>
-          <a:prstGeom prst="rect">
-            <a:avLst/>
-          </a:prstGeom>
-          <a:noFill/>
-        </p:spPr>
-        <p:txBody>
-          <a:bodyPr wrap="square" rtlCol="0">
-            <a:spAutoFit/>
-          </a:bodyPr>
-          <a:lstStyle/>
-          <a:p>
-            <a:pPr algn="ctr"/>
-            <a:r>
-              <a:rPr lang="fr-FR" sz="1400" dirty="0" smtClean="0"/>
-              <a:t>ANTITER </a:t>
-            </a:r>
-            <a:r>
-              <a:rPr lang="fr-FR" sz="1400" dirty="0" err="1" smtClean="0"/>
-              <a:t>is</a:t>
-            </a:r>
-            <a:r>
-              <a:rPr lang="fr-FR" sz="1400" dirty="0" smtClean="0"/>
-              <a:t> </a:t>
-            </a:r>
-            <a:r>
-              <a:rPr lang="fr-FR" sz="1400" dirty="0" err="1" smtClean="0"/>
-              <a:t>considering</a:t>
-            </a:r>
-            <a:r>
-              <a:rPr lang="fr-FR" sz="1400" dirty="0" smtClean="0"/>
-              <a:t> </a:t>
-            </a:r>
-            <a:r>
-              <a:rPr lang="fr-FR" sz="1400" dirty="0" err="1" smtClean="0"/>
-              <a:t>only</a:t>
-            </a:r>
-            <a:r>
-              <a:rPr lang="fr-FR" sz="1400" dirty="0" smtClean="0"/>
-              <a:t> the </a:t>
-            </a:r>
-            <a:r>
-              <a:rPr lang="fr-FR" sz="1400" dirty="0" err="1" smtClean="0"/>
-              <a:t>fast</a:t>
-            </a:r>
-            <a:r>
-              <a:rPr lang="fr-FR" sz="1400" dirty="0" smtClean="0"/>
-              <a:t> </a:t>
-            </a:r>
-            <a:r>
-              <a:rPr lang="fr-FR" sz="1400" dirty="0" err="1" smtClean="0"/>
-              <a:t>magneto-sonic</a:t>
-            </a:r>
-            <a:r>
-              <a:rPr lang="fr-FR" sz="1400" dirty="0" smtClean="0"/>
-              <a:t> </a:t>
-            </a:r>
-            <a:r>
-              <a:rPr lang="fr-FR" sz="1400" dirty="0" err="1" smtClean="0"/>
-              <a:t>wave</a:t>
-            </a:r>
-            <a:r>
-              <a:rPr lang="fr-FR" sz="1400" dirty="0" smtClean="0"/>
-              <a:t> (FMW) </a:t>
-            </a:r>
-            <a:r>
-              <a:rPr lang="fr-FR" sz="1400" dirty="0" err="1" smtClean="0"/>
-              <a:t>so</a:t>
-            </a:r>
-            <a:r>
-              <a:rPr lang="fr-FR" sz="1400" dirty="0" smtClean="0"/>
-              <a:t> the </a:t>
-            </a:r>
-            <a:r>
-              <a:rPr lang="fr-FR" sz="1400" dirty="0" err="1" smtClean="0"/>
-              <a:t>palsma</a:t>
-            </a:r>
-            <a:r>
-              <a:rPr lang="fr-FR" sz="1400" dirty="0" smtClean="0"/>
-              <a:t> </a:t>
-            </a:r>
-            <a:r>
-              <a:rPr lang="fr-FR" sz="1400" dirty="0" err="1" smtClean="0"/>
-              <a:t>is</a:t>
-            </a:r>
-            <a:r>
-              <a:rPr lang="fr-FR" sz="1400" dirty="0" smtClean="0"/>
-              <a:t> </a:t>
-            </a:r>
-            <a:r>
-              <a:rPr lang="fr-FR" sz="1400" dirty="0" err="1" smtClean="0"/>
-              <a:t>described</a:t>
-            </a:r>
-            <a:r>
-              <a:rPr lang="fr-FR" sz="1400" dirty="0" smtClean="0"/>
-              <a:t> by eps1 ( </a:t>
-            </a:r>
-            <a:r>
-              <a:rPr lang="fr-FR" sz="1400" dirty="0" err="1" smtClean="0"/>
-              <a:t>Stix</a:t>
-            </a:r>
-            <a:r>
-              <a:rPr lang="fr-FR" sz="1400" dirty="0" smtClean="0"/>
-              <a:t> S) and eps2 (</a:t>
-            </a:r>
-            <a:r>
-              <a:rPr lang="fr-FR" sz="1400" dirty="0" err="1" smtClean="0"/>
-              <a:t>Stix</a:t>
-            </a:r>
-            <a:r>
-              <a:rPr lang="fr-FR" sz="1400" dirty="0" smtClean="0"/>
-              <a:t> D)</a:t>
-            </a:r>
-          </a:p>
-        </p:txBody>
-      </p:sp>
-      <p:sp>
-        <p:nvSpPr>
-          <p:cNvPr id="46" name="ZoneTexte 32"/>
-          <p:cNvSpPr txBox="1"/>
-          <p:nvPr/>
-        </p:nvSpPr>
-        <p:spPr>
-          <a:xfrm>
-            <a:off x="179512" y="476672"/>
-            <a:ext cx="1276644" cy="461665"/>
-          </a:xfrm>
-          <a:prstGeom prst="rect">
-            <a:avLst/>
-          </a:prstGeom>
-        </p:spPr>
-        <p:style>
-          <a:lnRef idx="2">
-            <a:schemeClr val="accent6"/>
-          </a:lnRef>
-          <a:fillRef idx="1">
-            <a:schemeClr val="lt1"/>
-          </a:fillRef>
-          <a:effectRef idx="0">
-            <a:schemeClr val="accent6"/>
-          </a:effectRef>
-          <a:fontRef idx="minor">
-            <a:schemeClr val="dk1"/>
-          </a:fontRef>
-        </p:style>
-        <p:txBody>
-          <a:bodyPr wrap="square" rtlCol="0">
-            <a:spAutoFit/>
-          </a:bodyPr>
-          <a:lstStyle/>
-          <a:p>
-            <a:pPr algn="ctr"/>
-            <a:r>
-              <a:rPr lang="fr-FR" sz="1200" dirty="0" smtClean="0"/>
-              <a:t>Constant </a:t>
-            </a:r>
-            <a:r>
-              <a:rPr lang="fr-FR" sz="1200" dirty="0" err="1" smtClean="0"/>
-              <a:t>density</a:t>
-            </a:r>
-            <a:r>
-              <a:rPr lang="fr-FR" sz="1200" dirty="0" smtClean="0"/>
-              <a:t> plasma</a:t>
-            </a:r>
-            <a:endParaRPr lang="fr-FR" sz="1200" dirty="0"/>
-          </a:p>
-        </p:txBody>
-      </p:sp>
-      <p:sp>
-        <p:nvSpPr>
-          <p:cNvPr id="47" name="ZoneTexte 10"/>
-          <p:cNvSpPr txBox="1"/>
-          <p:nvPr/>
-        </p:nvSpPr>
-        <p:spPr>
-          <a:xfrm>
-            <a:off x="3707904" y="2761183"/>
-            <a:ext cx="1872208" cy="523220"/>
-          </a:xfrm>
-          <a:prstGeom prst="rect">
-            <a:avLst/>
-          </a:prstGeom>
-          <a:noFill/>
-        </p:spPr>
-        <p:txBody>
-          <a:bodyPr wrap="square" rtlCol="0">
-            <a:spAutoFit/>
-          </a:bodyPr>
-          <a:lstStyle/>
-          <a:p>
-            <a:pPr algn="ctr"/>
-            <a:r>
-              <a:rPr lang="fr-FR" sz="1400" dirty="0" smtClean="0"/>
-              <a:t>f=50MHz</a:t>
-            </a:r>
-          </a:p>
-          <a:p>
-            <a:pPr algn="ctr"/>
-            <a:r>
-              <a:rPr lang="fr-FR" sz="1400" dirty="0" smtClean="0"/>
-              <a:t>D(H)5%</a:t>
-            </a:r>
-          </a:p>
-        </p:txBody>
-      </p:sp>
-      <p:sp>
-        <p:nvSpPr>
-          <p:cNvPr id="11" name="ZoneTexte 10"/>
-          <p:cNvSpPr txBox="1"/>
-          <p:nvPr/>
-        </p:nvSpPr>
-        <p:spPr>
-          <a:xfrm>
-            <a:off x="990639" y="2258938"/>
-            <a:ext cx="1978543" cy="646331"/>
-          </a:xfrm>
-          <a:prstGeom prst="rect">
-            <a:avLst/>
-          </a:prstGeom>
-          <a:noFill/>
-        </p:spPr>
-        <p:txBody>
-          <a:bodyPr wrap="square" rtlCol="0">
-            <a:spAutoFit/>
-          </a:bodyPr>
-          <a:lstStyle/>
-          <a:p>
-            <a:r>
-              <a:rPr lang="fr-FR" dirty="0" err="1" smtClean="0"/>
-              <a:t>x_plasma</a:t>
-            </a:r>
-            <a:r>
-              <a:rPr lang="fr-FR" dirty="0" smtClean="0"/>
-              <a:t>=0.01</a:t>
-            </a:r>
-          </a:p>
-          <a:p>
-            <a:r>
-              <a:rPr lang="fr-FR" dirty="0" smtClean="0"/>
-              <a:t>n_e0=1e18</a:t>
-            </a:r>
-          </a:p>
-        </p:txBody>
-      </p:sp>
-    </p:spTree>
-    <p:extLst>
-      <p:ext uri="{BB962C8B-B14F-4D97-AF65-F5344CB8AC3E}">
-        <p14:creationId xmlns:p14="http://schemas.microsoft.com/office/powerpoint/2010/main" val="541851916"/>
-      </p:ext>
-    </p:extLst>
-  </p:cSld>
-  <p:clrMapOvr>
-    <a:masterClrMapping/>
-  </p:clrMapOvr>
-</p:sld>
-</file>
-
 <file path=ppt/slides/slide7.xml><?xml version="1.0" encoding="utf-8"?>
 <p:sld xmlns:a="http://schemas.openxmlformats.org/drawingml/2006/main" xmlns:r="http://schemas.openxmlformats.org/officeDocument/2006/relationships" xmlns:p="http://schemas.openxmlformats.org/presentationml/2006/main">
   <p:cSld>
@@ -13638,6 +15372,37 @@
           <a:chExt cx="0" cy="0"/>
         </a:xfrm>
       </p:grpSpPr>
+      <p:sp>
+        <p:nvSpPr>
+          <p:cNvPr id="2" name="Titre 1"/>
+          <p:cNvSpPr>
+            <a:spLocks noGrp="1"/>
+          </p:cNvSpPr>
+          <p:nvPr>
+            <p:ph type="title"/>
+          </p:nvPr>
+        </p:nvSpPr>
+        <p:spPr/>
+        <p:txBody>
+          <a:bodyPr/>
+          <a:lstStyle/>
+          <a:p>
+            <a:r>
+              <a:rPr lang="fr-FR" dirty="0" smtClean="0"/>
+              <a:t>Plasma </a:t>
+            </a:r>
+            <a:r>
+              <a:rPr lang="fr-FR" dirty="0" err="1" smtClean="0"/>
+              <a:t>Conf</a:t>
+            </a:r>
+            <a:r>
+              <a:rPr lang="fr-FR" dirty="0" smtClean="0"/>
+              <a:t>. 1e8</a:t>
+            </a:r>
+            <a:endParaRPr lang="fr-FR" dirty="0"/>
+          </a:p>
+        </p:txBody>
+      </p:sp>
       <p:pic>
         <p:nvPicPr>
           <p:cNvPr id="5" name="Picture 4"/>
@@ -13661,7 +15426,7 @@
         <p:spPr>
           <a:xfrm>
             <a:off x="5544000" y="1231154"/>
-            <a:ext cx="3599999" cy="2701901"/>
+            <a:ext cx="3599999" cy="2701902"/>
           </a:xfrm>
           <a:prstGeom prst="rect">
             <a:avLst/>
@@ -13690,8 +15455,8 @@
         </p:blipFill>
         <p:spPr>
           <a:xfrm>
-            <a:off x="107505" y="4041369"/>
-            <a:ext cx="5399998" cy="2699999"/>
+            <a:off x="179912" y="4024364"/>
+            <a:ext cx="3599999" cy="2701901"/>
           </a:xfrm>
           <a:prstGeom prst="rect">
             <a:avLst/>
@@ -13720,8 +15485,38 @@
         </p:blipFill>
         <p:spPr>
           <a:xfrm>
-            <a:off x="179513" y="1231154"/>
-            <a:ext cx="3599997" cy="2701901"/>
+            <a:off x="179512" y="1231154"/>
+            <a:ext cx="3599999" cy="2701901"/>
+          </a:xfrm>
+          <a:prstGeom prst="rect">
+            <a:avLst/>
+          </a:prstGeom>
+        </p:spPr>
+      </p:pic>
+      <p:pic>
+        <p:nvPicPr>
+          <p:cNvPr id="34" name="Picture 33"/>
+          <p:cNvPicPr>
+            <a:picLocks noChangeAspect="1"/>
+          </p:cNvPicPr>
+          <p:nvPr/>
+        </p:nvPicPr>
+        <p:blipFill>
+          <a:blip r:embed="rId5" cstate="print">
+            <a:extLst>
+              <a:ext uri="{28A0092B-C50C-407E-A947-70E740481C1C}">
+                <a14:useLocalDpi xmlns:a14="http://schemas.microsoft.com/office/drawing/2010/main" val="0"/>
+              </a:ext>
+            </a:extLst>
+          </a:blip>
+          <a:stretch>
+            <a:fillRect/>
+          </a:stretch>
+        </p:blipFill>
+        <p:spPr>
+          <a:xfrm>
+            <a:off x="5544000" y="4024364"/>
+            <a:ext cx="3599999" cy="2701901"/>
           </a:xfrm>
           <a:prstGeom prst="rect">
             <a:avLst/>
@@ -13737,7 +15532,7 @@
         <p:spPr>
           <a:xfrm>
             <a:off x="3635896" y="1340768"/>
-            <a:ext cx="1872208" cy="1384995"/>
+            <a:ext cx="1872208" cy="738664"/>
           </a:xfrm>
           <a:prstGeom prst="rect">
             <a:avLst/>
@@ -13753,58 +15548,78 @@
             <a:pPr algn="ctr"/>
             <a:r>
               <a:rPr lang="fr-FR" sz="1400" dirty="0" smtClean="0"/>
-              <a:t>30 </a:t>
+              <a:t>B </a:t>
             </a:r>
             <a:r>
               <a:rPr lang="fr-FR" sz="1400" dirty="0" err="1" smtClean="0"/>
-              <a:t>elements</a:t>
-            </a:r>
-            <a:r>
-              <a:rPr lang="fr-FR" sz="1400" dirty="0" smtClean="0"/>
-              <a:t> in the expansion of J.</a:t>
-            </a:r>
-          </a:p>
-          <a:p>
-            <a:pPr algn="ctr"/>
-            <a:r>
-              <a:rPr lang="fr-FR" sz="1400" dirty="0" smtClean="0"/>
-              <a:t>(</a:t>
-            </a:r>
-            <a:r>
-              <a:rPr lang="fr-FR" sz="1400" dirty="0" err="1"/>
-              <a:t>S</a:t>
-            </a:r>
-            <a:r>
-              <a:rPr lang="fr-FR" sz="1400" dirty="0" err="1" smtClean="0"/>
-              <a:t>eems</a:t>
+              <a:t>is</a:t>
             </a:r>
             <a:r>
               <a:rPr lang="fr-FR" sz="1400" dirty="0" smtClean="0"/>
               <a:t> </a:t>
             </a:r>
             <a:r>
-              <a:rPr lang="fr-FR" sz="1400" dirty="0" err="1"/>
-              <a:t>e</a:t>
-            </a:r>
-            <a:r>
               <a:rPr lang="fr-FR" sz="1400" dirty="0" err="1" smtClean="0"/>
-              <a:t>nough</a:t>
+              <a:t>taken</a:t>
             </a:r>
             <a:r>
               <a:rPr lang="fr-FR" sz="1400" dirty="0" smtClean="0"/>
-              <a:t>, </a:t>
+              <a:t> constant but </a:t>
             </a:r>
             <a:r>
               <a:rPr lang="fr-FR" sz="1400" dirty="0" err="1" smtClean="0"/>
-              <a:t>checked</a:t>
+              <a:t>could</a:t>
             </a:r>
             <a:r>
               <a:rPr lang="fr-FR" sz="1400" dirty="0" smtClean="0"/>
-              <a:t> for convergence. </a:t>
+              <a:t> have the </a:t>
             </a:r>
             <a:r>
               <a:rPr lang="fr-FR" sz="1400" dirty="0" err="1" smtClean="0"/>
-              <a:t>Could</a:t>
+              <a:t>usual</a:t>
+            </a:r>
+            <a:r>
+              <a:rPr lang="fr-FR" sz="1400" dirty="0" smtClean="0"/>
+              <a:t> 1/R </a:t>
+            </a:r>
+            <a:r>
+              <a:rPr lang="fr-FR" sz="1400" dirty="0" err="1" smtClean="0"/>
+              <a:t>dependency</a:t>
+            </a:r>
+            <a:endParaRPr lang="fr-FR" sz="1400" dirty="0" smtClean="0"/>
+          </a:p>
+        </p:txBody>
+      </p:sp>
+      <p:sp>
+        <p:nvSpPr>
+          <p:cNvPr id="45" name="ZoneTexte 10"/>
+          <p:cNvSpPr txBox="1"/>
+          <p:nvPr/>
+        </p:nvSpPr>
+        <p:spPr>
+          <a:xfrm>
+            <a:off x="3664699" y="3916213"/>
+            <a:ext cx="2059429" cy="1384995"/>
+          </a:xfrm>
+          <a:prstGeom prst="rect">
+            <a:avLst/>
+          </a:prstGeom>
+          <a:noFill/>
+        </p:spPr>
+        <p:txBody>
+          <a:bodyPr wrap="square" rtlCol="0">
+            <a:spAutoFit/>
+          </a:bodyPr>
+          <a:lstStyle/>
+          <a:p>
+            <a:pPr algn="ctr"/>
+            <a:r>
+              <a:rPr lang="fr-FR" sz="1400" dirty="0" smtClean="0"/>
+              <a:t>ANTITER </a:t>
+            </a:r>
+            <a:r>
+              <a:rPr lang="fr-FR" sz="1400" dirty="0" err="1" smtClean="0"/>
+              <a:t>is</a:t>
             </a:r>
             <a:r>
               <a:rPr lang="fr-FR" sz="1400" dirty="0" smtClean="0"/>
@@ -13812,7 +15627,7 @@
             </a:r>
             <a:r>
               <a:rPr lang="fr-FR" sz="1400" dirty="0" err="1" smtClean="0"/>
-              <a:t>be</a:t>
+              <a:t>considering</a:t>
             </a:r>
             <a:r>
               <a:rPr lang="fr-FR" sz="1400" dirty="0" smtClean="0"/>
@@ -13820,11 +15635,83 @@
             </a:r>
             <a:r>
               <a:rPr lang="fr-FR" sz="1400" dirty="0" err="1" smtClean="0"/>
-              <a:t>increased</a:t>
+              <a:t>only</a:t>
             </a:r>
             <a:r>
               <a:rPr lang="fr-FR" sz="1400" dirty="0" smtClean="0"/>
-              <a:t>.)</a:t>
+              <a:t> the </a:t>
+            </a:r>
+            <a:r>
+              <a:rPr lang="fr-FR" sz="1400" dirty="0" err="1" smtClean="0"/>
+              <a:t>fast</a:t>
+            </a:r>
+            <a:r>
+              <a:rPr lang="fr-FR" sz="1400" dirty="0" smtClean="0"/>
+              <a:t> </a:t>
+            </a:r>
+            <a:r>
+              <a:rPr lang="fr-FR" sz="1400" dirty="0" err="1" smtClean="0"/>
+              <a:t>magneto-sonic</a:t>
+            </a:r>
+            <a:r>
+              <a:rPr lang="fr-FR" sz="1400" dirty="0" smtClean="0"/>
+              <a:t> </a:t>
+            </a:r>
+            <a:r>
+              <a:rPr lang="fr-FR" sz="1400" dirty="0" err="1" smtClean="0"/>
+              <a:t>wave</a:t>
+            </a:r>
+            <a:r>
+              <a:rPr lang="fr-FR" sz="1400" dirty="0" smtClean="0"/>
+              <a:t> (FMW) </a:t>
+            </a:r>
+            <a:r>
+              <a:rPr lang="fr-FR" sz="1400" dirty="0" err="1" smtClean="0"/>
+              <a:t>so</a:t>
+            </a:r>
+            <a:r>
+              <a:rPr lang="fr-FR" sz="1400" dirty="0" smtClean="0"/>
+              <a:t> the </a:t>
+            </a:r>
+            <a:r>
+              <a:rPr lang="fr-FR" sz="1400" dirty="0" err="1" smtClean="0"/>
+              <a:t>palsma</a:t>
+            </a:r>
+            <a:r>
+              <a:rPr lang="fr-FR" sz="1400" dirty="0" smtClean="0"/>
+              <a:t> </a:t>
+            </a:r>
+            <a:r>
+              <a:rPr lang="fr-FR" sz="1400" dirty="0" err="1" smtClean="0"/>
+              <a:t>is</a:t>
+            </a:r>
+            <a:r>
+              <a:rPr lang="fr-FR" sz="1400" dirty="0" smtClean="0"/>
+              <a:t> </a:t>
+            </a:r>
+            <a:r>
+              <a:rPr lang="fr-FR" sz="1400" dirty="0" err="1" smtClean="0"/>
+              <a:t>described</a:t>
+            </a:r>
+            <a:r>
+              <a:rPr lang="fr-FR" sz="1400" dirty="0" smtClean="0"/>
+              <a:t> by eps1 ( </a:t>
+            </a:r>
+            <a:r>
+              <a:rPr lang="fr-FR" sz="1400" dirty="0" err="1" smtClean="0"/>
+              <a:t>Stix</a:t>
+            </a:r>
+            <a:r>
+              <a:rPr lang="fr-FR" sz="1400" dirty="0" smtClean="0"/>
+              <a:t> S) and eps2 (</a:t>
+            </a:r>
+            <a:r>
+              <a:rPr lang="fr-FR" sz="1400" dirty="0" err="1" smtClean="0"/>
+              <a:t>Stix</a:t>
+            </a:r>
+            <a:r>
+              <a:rPr lang="fr-FR" sz="1400" dirty="0" smtClean="0"/>
+              <a:t> D)</a:t>
             </a:r>
           </a:p>
         </p:txBody>
@@ -13881,45 +15768,15 @@
           </a:p>
         </p:txBody>
       </p:sp>
-      <p:pic>
-        <p:nvPicPr>
-          <p:cNvPr id="10" name="Picture 9"/>
-          <p:cNvPicPr>
-            <a:picLocks noChangeAspect="1"/>
-          </p:cNvPicPr>
-          <p:nvPr/>
-        </p:nvPicPr>
-        <p:blipFill>
-          <a:blip r:embed="rId5" cstate="print">
-            <a:extLst>
-              <a:ext uri="{28A0092B-C50C-407E-A947-70E740481C1C}">
-                <a14:useLocalDpi xmlns:a14="http://schemas.microsoft.com/office/drawing/2010/main" val="0"/>
-              </a:ext>
-            </a:extLst>
-          </a:blip>
-          <a:stretch>
-            <a:fillRect/>
-          </a:stretch>
-        </p:blipFill>
-        <p:spPr>
-          <a:xfrm>
-            <a:off x="5544001" y="4024364"/>
-            <a:ext cx="3599997" cy="2701901"/>
-          </a:xfrm>
-          <a:prstGeom prst="rect">
-            <a:avLst/>
-          </a:prstGeom>
-        </p:spPr>
-      </p:pic>
-      <p:sp>
-        <p:nvSpPr>
-          <p:cNvPr id="11" name="ZoneTexte 10"/>
+      <p:sp>
+        <p:nvSpPr>
+          <p:cNvPr id="47" name="ZoneTexte 10"/>
           <p:cNvSpPr txBox="1"/>
           <p:nvPr/>
         </p:nvSpPr>
         <p:spPr>
           <a:xfrm>
-            <a:off x="3707904" y="2905780"/>
+            <a:off x="3707904" y="2761183"/>
             <a:ext cx="1872208" cy="523220"/>
           </a:xfrm>
           <a:prstGeom prst="rect">
@@ -13950,44 +15807,47 @@
       </p:sp>
       <p:sp>
         <p:nvSpPr>
-          <p:cNvPr id="13" name="Titre 1"/>
-          <p:cNvSpPr>
-            <a:spLocks noGrp="1"/>
-          </p:cNvSpPr>
-          <p:nvPr>
-            <p:ph type="title"/>
-          </p:nvPr>
-        </p:nvSpPr>
-        <p:spPr>
-          <a:xfrm>
-            <a:off x="457200" y="116632"/>
-            <a:ext cx="8229600" cy="1143000"/>
-          </a:xfrm>
-        </p:spPr>
-        <p:txBody>
-          <a:bodyPr/>
-          <a:lstStyle/>
-          <a:p>
+          <p:cNvPr id="11" name="ZoneTexte 10"/>
+          <p:cNvSpPr txBox="1"/>
+          <p:nvPr/>
+        </p:nvSpPr>
+        <p:spPr>
+          <a:xfrm>
+            <a:off x="990639" y="2258938"/>
+            <a:ext cx="1978543" cy="646331"/>
+          </a:xfrm>
+          <a:prstGeom prst="rect">
+            <a:avLst/>
+          </a:prstGeom>
+          <a:noFill/>
+        </p:spPr>
+        <p:txBody>
+          <a:bodyPr wrap="square" rtlCol="0">
+            <a:spAutoFit/>
+          </a:bodyPr>
+          <a:lstStyle/>
+          <a:p>
+            <a:r>
+              <a:rPr lang="fr-FR" dirty="0" err="1" smtClean="0"/>
+              <a:t>x_plasma</a:t>
+            </a:r>
             <a:r>
               <a:rPr lang="fr-FR" dirty="0" smtClean="0"/>
-              <a:t>Plasma </a:t>
-            </a:r>
-            <a:r>
-              <a:rPr lang="fr-FR" dirty="0" err="1" smtClean="0"/>
-              <a:t>Conf</a:t>
-            </a:r>
+              <a:t>=0.01</a:t>
+            </a:r>
+          </a:p>
+          <a:p>
             <a:r>
               <a:rPr lang="fr-FR" dirty="0" smtClean="0"/>
-              <a:t>. 1e8</a:t>
-            </a:r>
-            <a:endParaRPr lang="fr-FR" dirty="0"/>
+              <a:t>n_e0=1e18</a:t>
+            </a:r>
           </a:p>
         </p:txBody>
       </p:sp>
     </p:spTree>
     <p:extLst>
       <p:ext uri="{BB962C8B-B14F-4D97-AF65-F5344CB8AC3E}">
-        <p14:creationId xmlns:p14="http://schemas.microsoft.com/office/powerpoint/2010/main" val="4056301627"/>
+        <p14:creationId xmlns:p14="http://schemas.microsoft.com/office/powerpoint/2010/main" val="541851916"/>
       </p:ext>
     </p:extLst>
   </p:cSld>
@@ -14014,37 +15874,6 @@
           <a:chExt cx="0" cy="0"/>
         </a:xfrm>
       </p:grpSpPr>
-      <p:sp>
-        <p:nvSpPr>
-          <p:cNvPr id="2" name="Titre 1"/>
-          <p:cNvSpPr>
-            <a:spLocks noGrp="1"/>
-          </p:cNvSpPr>
-          <p:nvPr>
-            <p:ph type="title"/>
-          </p:nvPr>
-        </p:nvSpPr>
-        <p:spPr/>
-        <p:txBody>
-          <a:bodyPr/>
-          <a:lstStyle/>
-          <a:p>
-            <a:r>
-              <a:rPr lang="fr-FR" dirty="0" smtClean="0"/>
-              <a:t>Plasma </a:t>
-            </a:r>
-            <a:r>
-              <a:rPr lang="fr-FR" dirty="0" err="1" smtClean="0"/>
-              <a:t>Response</a:t>
-            </a:r>
-            <a:r>
-              <a:rPr lang="fr-FR" dirty="0" smtClean="0"/>
-              <a:t> 1e8</a:t>
-            </a:r>
-            <a:endParaRPr lang="fr-FR" dirty="0"/>
-          </a:p>
-        </p:txBody>
-      </p:sp>
       <p:pic>
         <p:nvPicPr>
           <p:cNvPr id="5" name="Picture 4"/>
@@ -14097,8 +15926,8 @@
         </p:blipFill>
         <p:spPr>
           <a:xfrm>
-            <a:off x="179913" y="4024364"/>
-            <a:ext cx="3599997" cy="2701901"/>
+            <a:off x="107505" y="4041369"/>
+            <a:ext cx="5399998" cy="2699999"/>
           </a:xfrm>
           <a:prstGeom prst="rect">
             <a:avLst/>
@@ -14135,36 +15964,107 @@
           </a:prstGeom>
         </p:spPr>
       </p:pic>
-      <p:pic>
-        <p:nvPicPr>
-          <p:cNvPr id="34" name="Picture 33"/>
-          <p:cNvPicPr>
-            <a:picLocks noChangeAspect="1"/>
-          </p:cNvPicPr>
-          <p:nvPr/>
-        </p:nvPicPr>
-        <p:blipFill>
-          <a:blip r:embed="rId5" cstate="print">
-            <a:extLst>
-              <a:ext uri="{28A0092B-C50C-407E-A947-70E740481C1C}">
-                <a14:useLocalDpi xmlns:a14="http://schemas.microsoft.com/office/drawing/2010/main" val="0"/>
-              </a:ext>
-            </a:extLst>
-          </a:blip>
-          <a:stretch>
-            <a:fillRect/>
-          </a:stretch>
-        </p:blipFill>
-        <p:spPr>
-          <a:xfrm>
-            <a:off x="5544001" y="4024364"/>
-            <a:ext cx="3599997" cy="2701901"/>
-          </a:xfrm>
-          <a:prstGeom prst="rect">
-            <a:avLst/>
-          </a:prstGeom>
-        </p:spPr>
-      </p:pic>
+      <p:sp>
+        <p:nvSpPr>
+          <p:cNvPr id="29" name="ZoneTexte 10"/>
+          <p:cNvSpPr txBox="1"/>
+          <p:nvPr/>
+        </p:nvSpPr>
+        <p:spPr>
+          <a:xfrm>
+            <a:off x="3635896" y="1340768"/>
+            <a:ext cx="1872208" cy="1384995"/>
+          </a:xfrm>
+          <a:prstGeom prst="rect">
+            <a:avLst/>
+          </a:prstGeom>
+          <a:noFill/>
+        </p:spPr>
+        <p:txBody>
+          <a:bodyPr wrap="square" rtlCol="0">
+            <a:spAutoFit/>
+          </a:bodyPr>
+          <a:lstStyle/>
+          <a:p>
+            <a:pPr algn="ctr"/>
+            <a:r>
+              <a:rPr lang="fr-FR" sz="1400" dirty="0" smtClean="0"/>
+              <a:t>30 </a:t>
+            </a:r>
+            <a:r>
+              <a:rPr lang="fr-FR" sz="1400" dirty="0" err="1" smtClean="0"/>
+              <a:t>elements</a:t>
+            </a:r>
+            <a:r>
+              <a:rPr lang="fr-FR" sz="1400" dirty="0" smtClean="0"/>
+              <a:t> in the expansion of J.</a:t>
+            </a:r>
+          </a:p>
+          <a:p>
+            <a:pPr algn="ctr"/>
+            <a:r>
+              <a:rPr lang="fr-FR" sz="1400" dirty="0" smtClean="0"/>
+              <a:t>(</a:t>
+            </a:r>
+            <a:r>
+              <a:rPr lang="fr-FR" sz="1400" dirty="0" err="1"/>
+              <a:t>S</a:t>
+            </a:r>
+            <a:r>
+              <a:rPr lang="fr-FR" sz="1400" dirty="0" err="1" smtClean="0"/>
+              <a:t>eems</a:t>
+            </a:r>
+            <a:r>
+              <a:rPr lang="fr-FR" sz="1400" dirty="0" smtClean="0"/>
+              <a:t> </a:t>
+            </a:r>
+            <a:r>
+              <a:rPr lang="fr-FR" sz="1400" dirty="0" err="1"/>
+              <a:t>e</a:t>
+            </a:r>
+            <a:r>
+              <a:rPr lang="fr-FR" sz="1400" dirty="0" err="1" smtClean="0"/>
+              <a:t>nough</a:t>
+            </a:r>
+            <a:r>
+              <a:rPr lang="fr-FR" sz="1400" dirty="0" smtClean="0"/>
+              <a:t>, </a:t>
+            </a:r>
+            <a:r>
+              <a:rPr lang="fr-FR" sz="1400" dirty="0" err="1" smtClean="0"/>
+              <a:t>checked</a:t>
+            </a:r>
+            <a:r>
+              <a:rPr lang="fr-FR" sz="1400" dirty="0" smtClean="0"/>
+              <a:t> for convergence. </a:t>
+            </a:r>
+            <a:r>
+              <a:rPr lang="fr-FR" sz="1400" dirty="0" err="1" smtClean="0"/>
+              <a:t>Could</a:t>
+            </a:r>
+            <a:r>
+              <a:rPr lang="fr-FR" sz="1400" dirty="0" smtClean="0"/>
+              <a:t> </a:t>
+            </a:r>
+            <a:r>
+              <a:rPr lang="fr-FR" sz="1400" dirty="0" err="1" smtClean="0"/>
+              <a:t>be</a:t>
+            </a:r>
+            <a:r>
+              <a:rPr lang="fr-FR" sz="1400" dirty="0" smtClean="0"/>
+              <a:t> </a:t>
+            </a:r>
+            <a:r>
+              <a:rPr lang="fr-FR" sz="1400" dirty="0" err="1" smtClean="0"/>
+              <a:t>increased</a:t>
+            </a:r>
+            <a:r>
+              <a:rPr lang="fr-FR" sz="1400" dirty="0" smtClean="0"/>
+              <a:t>.)</a:t>
+            </a:r>
+          </a:p>
+        </p:txBody>
+      </p:sp>
       <p:sp>
         <p:nvSpPr>
           <p:cNvPr id="46" name="ZoneTexte 32"/>
@@ -14217,15 +16117,45 @@
           </a:p>
         </p:txBody>
       </p:sp>
-      <p:sp>
-        <p:nvSpPr>
-          <p:cNvPr id="10" name="ZoneTexte 10"/>
+      <p:pic>
+        <p:nvPicPr>
+          <p:cNvPr id="10" name="Picture 9"/>
+          <p:cNvPicPr>
+            <a:picLocks noChangeAspect="1"/>
+          </p:cNvPicPr>
+          <p:nvPr/>
+        </p:nvPicPr>
+        <p:blipFill>
+          <a:blip r:embed="rId5" cstate="print">
+            <a:extLst>
+              <a:ext uri="{28A0092B-C50C-407E-A947-70E740481C1C}">
+                <a14:useLocalDpi xmlns:a14="http://schemas.microsoft.com/office/drawing/2010/main" val="0"/>
+              </a:ext>
+            </a:extLst>
+          </a:blip>
+          <a:stretch>
+            <a:fillRect/>
+          </a:stretch>
+        </p:blipFill>
+        <p:spPr>
+          <a:xfrm>
+            <a:off x="5544001" y="4024364"/>
+            <a:ext cx="3599997" cy="2701901"/>
+          </a:xfrm>
+          <a:prstGeom prst="rect">
+            <a:avLst/>
+          </a:prstGeom>
+        </p:spPr>
+      </p:pic>
+      <p:sp>
+        <p:nvSpPr>
+          <p:cNvPr id="11" name="ZoneTexte 10"/>
           <p:cNvSpPr txBox="1"/>
           <p:nvPr/>
         </p:nvSpPr>
         <p:spPr>
           <a:xfrm>
-            <a:off x="3707904" y="2761183"/>
+            <a:off x="3707904" y="2905780"/>
             <a:ext cx="1872208" cy="523220"/>
           </a:xfrm>
           <a:prstGeom prst="rect">
@@ -14256,171 +16186,44 @@
       </p:sp>
       <p:sp>
         <p:nvSpPr>
-          <p:cNvPr id="11" name="ZoneTexte 10"/>
-          <p:cNvSpPr txBox="1"/>
-          <p:nvPr/>
-        </p:nvSpPr>
-        <p:spPr>
-          <a:xfrm>
-            <a:off x="3707904" y="4571836"/>
-            <a:ext cx="1872208" cy="646331"/>
-          </a:xfrm>
-          <a:prstGeom prst="rect">
-            <a:avLst/>
-          </a:prstGeom>
-          <a:noFill/>
-        </p:spPr>
-        <p:txBody>
-          <a:bodyPr wrap="square" rtlCol="0">
-            <a:spAutoFit/>
-          </a:bodyPr>
-          <a:lstStyle/>
-          <a:p>
-            <a:pPr algn="ctr"/>
+          <p:cNvPr id="13" name="Titre 1"/>
+          <p:cNvSpPr>
+            <a:spLocks noGrp="1"/>
+          </p:cNvSpPr>
+          <p:nvPr>
+            <p:ph type="title"/>
+          </p:nvPr>
+        </p:nvSpPr>
+        <p:spPr>
+          <a:xfrm>
+            <a:off x="457200" y="116632"/>
+            <a:ext cx="8229600" cy="1143000"/>
+          </a:xfrm>
+        </p:spPr>
+        <p:txBody>
+          <a:bodyPr/>
+          <a:lstStyle/>
+          <a:p>
+            <a:r>
+              <a:rPr lang="fr-FR" dirty="0" smtClean="0"/>
+              <a:t>Plasma </a:t>
+            </a:r>
             <a:r>
               <a:rPr lang="fr-FR" dirty="0" err="1" smtClean="0"/>
-              <a:t>Dipole</a:t>
+              <a:t>Conf</a:t>
             </a:r>
             <a:r>
               <a:rPr lang="fr-FR" dirty="0" smtClean="0"/>
-              <a:t> </a:t>
-            </a:r>
-            <a:r>
-              <a:rPr lang="fr-FR" dirty="0" err="1" smtClean="0"/>
-              <a:t>phasing</a:t>
-            </a:r>
-            <a:endParaRPr lang="fr-FR" dirty="0" smtClean="0"/>
-          </a:p>
-          <a:p>
-            <a:pPr algn="ctr"/>
-            <a:r>
-              <a:rPr lang="fr-FR" dirty="0" smtClean="0"/>
-              <a:t>Z</a:t>
-            </a:r>
-            <a:r>
-              <a:rPr lang="fr-FR" baseline="-25000" dirty="0" smtClean="0"/>
-              <a:t>A</a:t>
-            </a:r>
-            <a:r>
-              <a:rPr lang="fr-FR" dirty="0" smtClean="0"/>
-              <a:t>=R</a:t>
-            </a:r>
-            <a:r>
-              <a:rPr lang="fr-FR" baseline="-25000" dirty="0" smtClean="0"/>
-              <a:t>A3</a:t>
-            </a:r>
-            <a:r>
-              <a:rPr lang="fr-FR" dirty="0" smtClean="0"/>
-              <a:t>+iX</a:t>
-            </a:r>
-            <a:r>
-              <a:rPr lang="fr-FR" baseline="-25000" dirty="0" smtClean="0"/>
-              <a:t>A3</a:t>
-            </a:r>
-          </a:p>
-        </p:txBody>
-      </p:sp>
-      <p:sp>
-        <p:nvSpPr>
-          <p:cNvPr id="13" name="ZoneTexte 10"/>
-          <p:cNvSpPr txBox="1"/>
-          <p:nvPr/>
-        </p:nvSpPr>
-        <p:spPr>
-          <a:xfrm>
-            <a:off x="3441296" y="3574757"/>
-            <a:ext cx="2261408" cy="523220"/>
-          </a:xfrm>
-          <a:prstGeom prst="rect">
-            <a:avLst/>
-          </a:prstGeom>
-        </p:spPr>
-        <p:style>
-          <a:lnRef idx="2">
-            <a:schemeClr val="accent5"/>
-          </a:lnRef>
-          <a:fillRef idx="1">
-            <a:schemeClr val="lt1"/>
-          </a:fillRef>
-          <a:effectRef idx="0">
-            <a:schemeClr val="accent5"/>
-          </a:effectRef>
-          <a:fontRef idx="minor">
-            <a:schemeClr val="dk1"/>
-          </a:fontRef>
-        </p:style>
-        <p:txBody>
-          <a:bodyPr wrap="square" rtlCol="0">
-            <a:spAutoFit/>
-          </a:bodyPr>
-          <a:lstStyle/>
-          <a:p>
-            <a:pPr algn="ctr"/>
-            <a:r>
-              <a:rPr lang="fr-FR" sz="1400" dirty="0" smtClean="0"/>
-              <a:t>Z</a:t>
-            </a:r>
-            <a:r>
-              <a:rPr lang="fr-FR" sz="1400" baseline="-25000" dirty="0" smtClean="0"/>
-              <a:t>11</a:t>
-            </a:r>
-            <a:r>
-              <a:rPr lang="fr-FR" sz="1400" dirty="0" smtClean="0"/>
-              <a:t>=(2.0-i128.4)ohm/m</a:t>
-            </a:r>
-          </a:p>
-          <a:p>
-            <a:pPr algn="ctr"/>
-            <a:r>
-              <a:rPr lang="fr-FR" sz="1400" dirty="0"/>
-              <a:t>Z</a:t>
-            </a:r>
-            <a:r>
-              <a:rPr lang="fr-FR" sz="1400" baseline="-25000" dirty="0"/>
-              <a:t>21</a:t>
-            </a:r>
-            <a:r>
-              <a:rPr lang="fr-FR" sz="1400" dirty="0" smtClean="0"/>
-              <a:t>=(2.0-i24.7)ohm/m</a:t>
-            </a:r>
-            <a:endParaRPr lang="fr-FR" sz="1400" baseline="-25000" dirty="0"/>
-          </a:p>
-        </p:txBody>
-      </p:sp>
-      <p:sp>
-        <p:nvSpPr>
-          <p:cNvPr id="12" name="ZoneTexte 10"/>
-          <p:cNvSpPr txBox="1"/>
-          <p:nvPr/>
-        </p:nvSpPr>
-        <p:spPr>
-          <a:xfrm>
-            <a:off x="3936876" y="2348880"/>
-            <a:ext cx="1414264" cy="307777"/>
-          </a:xfrm>
-          <a:prstGeom prst="rect">
-            <a:avLst/>
-          </a:prstGeom>
-          <a:noFill/>
-        </p:spPr>
-        <p:txBody>
-          <a:bodyPr wrap="square" rtlCol="0">
-            <a:spAutoFit/>
-          </a:bodyPr>
-          <a:lstStyle/>
-          <a:p>
-            <a:pPr algn="ctr"/>
-            <a:r>
-              <a:rPr lang="fr-FR" sz="1400" dirty="0" smtClean="0"/>
-              <a:t>n_e0=1e18</a:t>
-            </a:r>
+              <a:t>. 1e8</a:t>
+            </a:r>
+            <a:endParaRPr lang="fr-FR" dirty="0"/>
           </a:p>
         </p:txBody>
       </p:sp>
     </p:spTree>
     <p:extLst>
       <p:ext uri="{BB962C8B-B14F-4D97-AF65-F5344CB8AC3E}">
-        <p14:creationId xmlns:p14="http://schemas.microsoft.com/office/powerpoint/2010/main" val="2422714818"/>
+        <p14:creationId xmlns:p14="http://schemas.microsoft.com/office/powerpoint/2010/main" val="4056301627"/>
       </p:ext>
     </p:extLst>
   </p:cSld>
@@ -14468,11 +16271,11 @@
             </a:r>
             <a:r>
               <a:rPr lang="fr-FR" dirty="0" err="1" smtClean="0"/>
-              <a:t>Conf</a:t>
+              <a:t>Response</a:t>
             </a:r>
             <a:r>
               <a:rPr lang="fr-FR" dirty="0" smtClean="0"/>
-              <a:t>. 5e8</a:t>
+              <a:t> 1e8</a:t>
             </a:r>
             <a:endParaRPr lang="fr-FR" dirty="0"/>
           </a:p>
@@ -14652,7 +16455,7 @@
       </p:sp>
       <p:sp>
         <p:nvSpPr>
-          <p:cNvPr id="47" name="ZoneTexte 10"/>
+          <p:cNvPr id="10" name="ZoneTexte 10"/>
           <p:cNvSpPr txBox="1"/>
           <p:nvPr/>
         </p:nvSpPr>
@@ -14695,8 +16498,8 @@
         </p:nvSpPr>
         <p:spPr>
           <a:xfrm>
-            <a:off x="990639" y="2258938"/>
-            <a:ext cx="1978543" cy="646331"/>
+            <a:off x="3707904" y="4571836"/>
+            <a:ext cx="1872208" cy="646331"/>
           </a:xfrm>
           <a:prstGeom prst="rect">
             <a:avLst/>
@@ -14709,39 +16512,79 @@
           </a:bodyPr>
           <a:lstStyle/>
           <a:p>
+            <a:pPr algn="ctr"/>
             <a:r>
               <a:rPr lang="fr-FR" dirty="0" err="1" smtClean="0"/>
-              <a:t>x_plasma</a:t>
+              <a:t>Dipole</a:t>
             </a:r>
             <a:r>
               <a:rPr lang="fr-FR" dirty="0" smtClean="0"/>
-              <a:t>=0.01</a:t>
-            </a:r>
-          </a:p>
-          <a:p>
+              <a:t> </a:t>
+            </a:r>
+            <a:r>
+              <a:rPr lang="fr-FR" dirty="0" err="1" smtClean="0"/>
+              <a:t>phasing</a:t>
+            </a:r>
+            <a:endParaRPr lang="fr-FR" dirty="0" smtClean="0"/>
+          </a:p>
+          <a:p>
+            <a:pPr algn="ctr"/>
             <a:r>
               <a:rPr lang="fr-FR" dirty="0" smtClean="0"/>
-              <a:t>n_e0=5e18</a:t>
-            </a:r>
-          </a:p>
-        </p:txBody>
-      </p:sp>
-      <p:sp>
-        <p:nvSpPr>
-          <p:cNvPr id="12" name="ZoneTexte 10"/>
+              <a:t>Z</a:t>
+            </a:r>
+            <a:r>
+              <a:rPr lang="fr-FR" baseline="-25000" dirty="0" smtClean="0"/>
+              <a:t>A</a:t>
+            </a:r>
+            <a:r>
+              <a:rPr lang="fr-FR" dirty="0" smtClean="0"/>
+              <a:t>=R</a:t>
+            </a:r>
+            <a:r>
+              <a:rPr lang="fr-FR" baseline="-25000" dirty="0" smtClean="0"/>
+              <a:t>A3</a:t>
+            </a:r>
+            <a:r>
+              <a:rPr lang="fr-FR" dirty="0" smtClean="0"/>
+              <a:t>+iX</a:t>
+            </a:r>
+            <a:r>
+              <a:rPr lang="fr-FR" baseline="-25000" dirty="0" smtClean="0"/>
+              <a:t>A3</a:t>
+            </a:r>
+          </a:p>
+        </p:txBody>
+      </p:sp>
+      <p:sp>
+        <p:nvSpPr>
+          <p:cNvPr id="13" name="ZoneTexte 10"/>
           <p:cNvSpPr txBox="1"/>
           <p:nvPr/>
         </p:nvSpPr>
         <p:spPr>
           <a:xfrm>
-            <a:off x="3936876" y="2348880"/>
-            <a:ext cx="1414264" cy="307777"/>
-          </a:xfrm>
-          <a:prstGeom prst="rect">
-            <a:avLst/>
-          </a:prstGeom>
-          <a:noFill/>
-        </p:spPr>
+            <a:off x="3441296" y="3574757"/>
+            <a:ext cx="2261408" cy="523220"/>
+          </a:xfrm>
+          <a:prstGeom prst="rect">
+            <a:avLst/>
+          </a:prstGeom>
+        </p:spPr>
+        <p:style>
+          <a:lnRef idx="2">
+            <a:schemeClr val="accent5"/>
+          </a:lnRef>
+          <a:fillRef idx="1">
+            <a:schemeClr val="lt1"/>
+          </a:fillRef>
+          <a:effectRef idx="0">
+            <a:schemeClr val="accent5"/>
+          </a:effectRef>
+          <a:fontRef idx="minor">
+            <a:schemeClr val="dk1"/>
+          </a:fontRef>
+        </p:style>
         <p:txBody>
           <a:bodyPr wrap="square" rtlCol="0">
             <a:spAutoFit/>
@@ -14751,7 +16594,61 @@
             <a:pPr algn="ctr"/>
             <a:r>
               <a:rPr lang="fr-FR" sz="1400" dirty="0" smtClean="0"/>
-              <a:t>n_e0=5e18</a:t>
+              <a:t>Z</a:t>
+            </a:r>
+            <a:r>
+              <a:rPr lang="fr-FR" sz="1400" baseline="-25000" dirty="0" smtClean="0"/>
+              <a:t>11</a:t>
+            </a:r>
+            <a:r>
+              <a:rPr lang="fr-FR" sz="1400" dirty="0" smtClean="0"/>
+              <a:t>=(2.0-i128.4)ohm/m</a:t>
+            </a:r>
+          </a:p>
+          <a:p>
+            <a:pPr algn="ctr"/>
+            <a:r>
+              <a:rPr lang="fr-FR" sz="1400" dirty="0"/>
+              <a:t>Z</a:t>
+            </a:r>
+            <a:r>
+              <a:rPr lang="fr-FR" sz="1400" baseline="-25000" dirty="0"/>
+              <a:t>21</a:t>
+            </a:r>
+            <a:r>
+              <a:rPr lang="fr-FR" sz="1400" dirty="0" smtClean="0"/>
+              <a:t>=(2.0-i24.7)ohm/m</a:t>
+            </a:r>
+            <a:endParaRPr lang="fr-FR" sz="1400" baseline="-25000" dirty="0"/>
+          </a:p>
+        </p:txBody>
+      </p:sp>
+      <p:sp>
+        <p:nvSpPr>
+          <p:cNvPr id="12" name="ZoneTexte 10"/>
+          <p:cNvSpPr txBox="1"/>
+          <p:nvPr/>
+        </p:nvSpPr>
+        <p:spPr>
+          <a:xfrm>
+            <a:off x="3936876" y="2348880"/>
+            <a:ext cx="1414264" cy="307777"/>
+          </a:xfrm>
+          <a:prstGeom prst="rect">
+            <a:avLst/>
+          </a:prstGeom>
+          <a:noFill/>
+        </p:spPr>
+        <p:txBody>
+          <a:bodyPr wrap="square" rtlCol="0">
+            <a:spAutoFit/>
+          </a:bodyPr>
+          <a:lstStyle/>
+          <a:p>
+            <a:pPr algn="ctr"/>
+            <a:r>
+              <a:rPr lang="fr-FR" sz="1400" dirty="0" smtClean="0"/>
+              <a:t>n_e0=1e18</a:t>
             </a:r>
           </a:p>
         </p:txBody>
@@ -14759,7 +16656,7 @@
     </p:spTree>
     <p:extLst>
       <p:ext uri="{BB962C8B-B14F-4D97-AF65-F5344CB8AC3E}">
-        <p14:creationId xmlns:p14="http://schemas.microsoft.com/office/powerpoint/2010/main" val="3387850196"/>
+        <p14:creationId xmlns:p14="http://schemas.microsoft.com/office/powerpoint/2010/main" val="2422714818"/>
       </p:ext>
     </p:extLst>
   </p:cSld>

--- a/Test Configurations/Test Geometries.pptx
+++ b/Test Configurations/Test Geometries.pptx
@@ -6,28 +6,27 @@
   </p:sldMasterIdLst>
   <p:sldIdLst>
     <p:sldId id="256" r:id="rId2"/>
-    <p:sldId id="278" r:id="rId3"/>
-    <p:sldId id="279" r:id="rId4"/>
-    <p:sldId id="257" r:id="rId5"/>
-    <p:sldId id="259" r:id="rId6"/>
-    <p:sldId id="260" r:id="rId7"/>
-    <p:sldId id="261" r:id="rId8"/>
-    <p:sldId id="262" r:id="rId9"/>
-    <p:sldId id="263" r:id="rId10"/>
-    <p:sldId id="264" r:id="rId11"/>
-    <p:sldId id="265" r:id="rId12"/>
-    <p:sldId id="266" r:id="rId13"/>
-    <p:sldId id="267" r:id="rId14"/>
-    <p:sldId id="268" r:id="rId15"/>
-    <p:sldId id="269" r:id="rId16"/>
-    <p:sldId id="270" r:id="rId17"/>
-    <p:sldId id="271" r:id="rId18"/>
-    <p:sldId id="272" r:id="rId19"/>
-    <p:sldId id="273" r:id="rId20"/>
-    <p:sldId id="274" r:id="rId21"/>
-    <p:sldId id="275" r:id="rId22"/>
-    <p:sldId id="276" r:id="rId23"/>
-    <p:sldId id="277" r:id="rId24"/>
+    <p:sldId id="258" r:id="rId3"/>
+    <p:sldId id="257" r:id="rId4"/>
+    <p:sldId id="259" r:id="rId5"/>
+    <p:sldId id="260" r:id="rId6"/>
+    <p:sldId id="261" r:id="rId7"/>
+    <p:sldId id="262" r:id="rId8"/>
+    <p:sldId id="263" r:id="rId9"/>
+    <p:sldId id="264" r:id="rId10"/>
+    <p:sldId id="265" r:id="rId11"/>
+    <p:sldId id="266" r:id="rId12"/>
+    <p:sldId id="267" r:id="rId13"/>
+    <p:sldId id="268" r:id="rId14"/>
+    <p:sldId id="269" r:id="rId15"/>
+    <p:sldId id="270" r:id="rId16"/>
+    <p:sldId id="271" r:id="rId17"/>
+    <p:sldId id="272" r:id="rId18"/>
+    <p:sldId id="273" r:id="rId19"/>
+    <p:sldId id="274" r:id="rId20"/>
+    <p:sldId id="275" r:id="rId21"/>
+    <p:sldId id="276" r:id="rId22"/>
+    <p:sldId id="277" r:id="rId23"/>
   </p:sldIdLst>
   <p:sldSz cx="9144000" cy="6858000" type="screen4x3"/>
   <p:notesSz cx="6858000" cy="9144000"/>
@@ -310,7 +309,7 @@
           <a:p>
             <a:fld id="{AA309A6D-C09C-4548-B29A-6CF363A7E532}" type="datetimeFigureOut">
               <a:rPr lang="fr-FR" smtClean="0"/>
-              <a:t>01/08/2018</a:t>
+              <a:t>14/06/2018</a:t>
             </a:fld>
             <a:endParaRPr lang="fr-BE"/>
           </a:p>
@@ -475,7 +474,7 @@
           <a:p>
             <a:fld id="{AA309A6D-C09C-4548-B29A-6CF363A7E532}" type="datetimeFigureOut">
               <a:rPr lang="fr-FR" smtClean="0"/>
-              <a:t>01/08/2018</a:t>
+              <a:t>14/06/2018</a:t>
             </a:fld>
             <a:endParaRPr lang="fr-BE"/>
           </a:p>
@@ -650,7 +649,7 @@
           <a:p>
             <a:fld id="{AA309A6D-C09C-4548-B29A-6CF363A7E532}" type="datetimeFigureOut">
               <a:rPr lang="fr-FR" smtClean="0"/>
-              <a:t>01/08/2018</a:t>
+              <a:t>14/06/2018</a:t>
             </a:fld>
             <a:endParaRPr lang="fr-BE"/>
           </a:p>
@@ -815,7 +814,7 @@
           <a:p>
             <a:fld id="{AA309A6D-C09C-4548-B29A-6CF363A7E532}" type="datetimeFigureOut">
               <a:rPr lang="fr-FR" smtClean="0"/>
-              <a:t>01/08/2018</a:t>
+              <a:t>14/06/2018</a:t>
             </a:fld>
             <a:endParaRPr lang="fr-BE"/>
           </a:p>
@@ -1056,7 +1055,7 @@
           <a:p>
             <a:fld id="{AA309A6D-C09C-4548-B29A-6CF363A7E532}" type="datetimeFigureOut">
               <a:rPr lang="fr-FR" smtClean="0"/>
-              <a:t>01/08/2018</a:t>
+              <a:t>14/06/2018</a:t>
             </a:fld>
             <a:endParaRPr lang="fr-BE"/>
           </a:p>
@@ -1339,7 +1338,7 @@
           <a:p>
             <a:fld id="{AA309A6D-C09C-4548-B29A-6CF363A7E532}" type="datetimeFigureOut">
               <a:rPr lang="fr-FR" smtClean="0"/>
-              <a:t>01/08/2018</a:t>
+              <a:t>14/06/2018</a:t>
             </a:fld>
             <a:endParaRPr lang="fr-BE"/>
           </a:p>
@@ -1756,7 +1755,7 @@
           <a:p>
             <a:fld id="{AA309A6D-C09C-4548-B29A-6CF363A7E532}" type="datetimeFigureOut">
               <a:rPr lang="fr-FR" smtClean="0"/>
-              <a:t>01/08/2018</a:t>
+              <a:t>14/06/2018</a:t>
             </a:fld>
             <a:endParaRPr lang="fr-BE"/>
           </a:p>
@@ -1869,7 +1868,7 @@
           <a:p>
             <a:fld id="{AA309A6D-C09C-4548-B29A-6CF363A7E532}" type="datetimeFigureOut">
               <a:rPr lang="fr-FR" smtClean="0"/>
-              <a:t>01/08/2018</a:t>
+              <a:t>14/06/2018</a:t>
             </a:fld>
             <a:endParaRPr lang="fr-BE"/>
           </a:p>
@@ -1959,7 +1958,7 @@
           <a:p>
             <a:fld id="{AA309A6D-C09C-4548-B29A-6CF363A7E532}" type="datetimeFigureOut">
               <a:rPr lang="fr-FR" smtClean="0"/>
-              <a:t>01/08/2018</a:t>
+              <a:t>14/06/2018</a:t>
             </a:fld>
             <a:endParaRPr lang="fr-BE"/>
           </a:p>
@@ -2231,7 +2230,7 @@
           <a:p>
             <a:fld id="{AA309A6D-C09C-4548-B29A-6CF363A7E532}" type="datetimeFigureOut">
               <a:rPr lang="fr-FR" smtClean="0"/>
-              <a:t>01/08/2018</a:t>
+              <a:t>14/06/2018</a:t>
             </a:fld>
             <a:endParaRPr lang="fr-BE"/>
           </a:p>
@@ -2479,7 +2478,7 @@
           <a:p>
             <a:fld id="{AA309A6D-C09C-4548-B29A-6CF363A7E532}" type="datetimeFigureOut">
               <a:rPr lang="fr-FR" smtClean="0"/>
-              <a:t>01/08/2018</a:t>
+              <a:t>14/06/2018</a:t>
             </a:fld>
             <a:endParaRPr lang="fr-BE"/>
           </a:p>
@@ -2687,7 +2686,7 @@
           <a:p>
             <a:fld id="{AA309A6D-C09C-4548-B29A-6CF363A7E532}" type="datetimeFigureOut">
               <a:rPr lang="fr-FR" smtClean="0"/>
-              <a:t>01/08/2018</a:t>
+              <a:t>14/06/2018</a:t>
             </a:fld>
             <a:endParaRPr lang="fr-BE"/>
           </a:p>
@@ -4894,68 +4893,6 @@
           </a:p>
         </p:txBody>
       </p:sp>
-      <p:cxnSp>
-        <p:nvCxnSpPr>
-          <p:cNvPr id="3" name="Connecteur droit 2"/>
-          <p:cNvCxnSpPr/>
-          <p:nvPr/>
-        </p:nvCxnSpPr>
-        <p:spPr>
-          <a:xfrm>
-            <a:off x="1043608" y="260648"/>
-            <a:ext cx="7590643" cy="6192688"/>
-          </a:xfrm>
-          <a:prstGeom prst="line">
-            <a:avLst/>
-          </a:prstGeom>
-        </p:spPr>
-        <p:style>
-          <a:lnRef idx="1">
-            <a:schemeClr val="accent1"/>
-          </a:lnRef>
-          <a:fillRef idx="0">
-            <a:schemeClr val="accent1"/>
-          </a:fillRef>
-          <a:effectRef idx="0">
-            <a:schemeClr val="accent1"/>
-          </a:effectRef>
-          <a:fontRef idx="minor">
-            <a:schemeClr val="tx1"/>
-          </a:fontRef>
-        </p:style>
-      </p:cxnSp>
-      <p:cxnSp>
-        <p:nvCxnSpPr>
-          <p:cNvPr id="10" name="Connecteur droit 9"/>
-          <p:cNvCxnSpPr>
-            <a:stCxn id="4" idx="3"/>
-          </p:cNvCxnSpPr>
-          <p:nvPr/>
-        </p:nvCxnSpPr>
-        <p:spPr>
-          <a:xfrm flipH="1">
-            <a:off x="1259632" y="328092"/>
-            <a:ext cx="7427168" cy="6197252"/>
-          </a:xfrm>
-          <a:prstGeom prst="line">
-            <a:avLst/>
-          </a:prstGeom>
-        </p:spPr>
-        <p:style>
-          <a:lnRef idx="1">
-            <a:schemeClr val="accent1"/>
-          </a:lnRef>
-          <a:fillRef idx="0">
-            <a:schemeClr val="accent1"/>
-          </a:fillRef>
-          <a:effectRef idx="0">
-            <a:schemeClr val="accent1"/>
-          </a:effectRef>
-          <a:fontRef idx="minor">
-            <a:schemeClr val="tx1"/>
-          </a:fontRef>
-        </p:style>
-      </p:cxnSp>
     </p:spTree>
     <p:extLst>
       <p:ext uri="{BB962C8B-B14F-4D97-AF65-F5344CB8AC3E}">
@@ -5039,8 +4976,8 @@
         </p:blipFill>
         <p:spPr>
           <a:xfrm>
-            <a:off x="5544000" y="1231154"/>
-            <a:ext cx="3599999" cy="2701901"/>
+            <a:off x="5544001" y="1231154"/>
+            <a:ext cx="3599997" cy="2701901"/>
           </a:xfrm>
           <a:prstGeom prst="rect">
             <a:avLst/>
@@ -5069,8 +5006,8 @@
         </p:blipFill>
         <p:spPr>
           <a:xfrm>
-            <a:off x="179913" y="4024364"/>
-            <a:ext cx="3599997" cy="2701901"/>
+            <a:off x="107505" y="4041369"/>
+            <a:ext cx="5399998" cy="2699999"/>
           </a:xfrm>
           <a:prstGeom prst="rect">
             <a:avLst/>
@@ -5107,36 +5044,44 @@
           </a:prstGeom>
         </p:spPr>
       </p:pic>
-      <p:pic>
-        <p:nvPicPr>
-          <p:cNvPr id="34" name="Picture 33"/>
-          <p:cNvPicPr>
-            <a:picLocks noChangeAspect="1"/>
-          </p:cNvPicPr>
-          <p:nvPr/>
-        </p:nvPicPr>
-        <p:blipFill>
-          <a:blip r:embed="rId5" cstate="print">
-            <a:extLst>
-              <a:ext uri="{28A0092B-C50C-407E-A947-70E740481C1C}">
-                <a14:useLocalDpi xmlns:a14="http://schemas.microsoft.com/office/drawing/2010/main" val="0"/>
-              </a:ext>
-            </a:extLst>
-          </a:blip>
-          <a:stretch>
-            <a:fillRect/>
-          </a:stretch>
-        </p:blipFill>
-        <p:spPr>
-          <a:xfrm>
-            <a:off x="5544001" y="4024364"/>
-            <a:ext cx="3599997" cy="2701901"/>
-          </a:xfrm>
-          <a:prstGeom prst="rect">
-            <a:avLst/>
-          </a:prstGeom>
-        </p:spPr>
-      </p:pic>
+      <p:sp>
+        <p:nvSpPr>
+          <p:cNvPr id="29" name="ZoneTexte 10"/>
+          <p:cNvSpPr txBox="1"/>
+          <p:nvPr/>
+        </p:nvSpPr>
+        <p:spPr>
+          <a:xfrm>
+            <a:off x="3635896" y="1340768"/>
+            <a:ext cx="1872208" cy="523220"/>
+          </a:xfrm>
+          <a:prstGeom prst="rect">
+            <a:avLst/>
+          </a:prstGeom>
+          <a:noFill/>
+        </p:spPr>
+        <p:txBody>
+          <a:bodyPr wrap="square" rtlCol="0">
+            <a:spAutoFit/>
+          </a:bodyPr>
+          <a:lstStyle/>
+          <a:p>
+            <a:pPr algn="ctr"/>
+            <a:r>
+              <a:rPr lang="fr-FR" sz="1400" dirty="0" smtClean="0"/>
+              <a:t>30 </a:t>
+            </a:r>
+            <a:r>
+              <a:rPr lang="fr-FR" sz="1400" dirty="0" err="1" smtClean="0"/>
+              <a:t>elements</a:t>
+            </a:r>
+            <a:r>
+              <a:rPr lang="fr-FR" sz="1400" dirty="0" smtClean="0"/>
+              <a:t> in the expansion of J</a:t>
+            </a:r>
+          </a:p>
+        </p:txBody>
+      </p:sp>
       <p:sp>
         <p:nvSpPr>
           <p:cNvPr id="46" name="ZoneTexte 32"/>
@@ -5189,15 +5134,45 @@
           </a:p>
         </p:txBody>
       </p:sp>
-      <p:sp>
-        <p:nvSpPr>
-          <p:cNvPr id="47" name="ZoneTexte 10"/>
+      <p:pic>
+        <p:nvPicPr>
+          <p:cNvPr id="10" name="Picture 9"/>
+          <p:cNvPicPr>
+            <a:picLocks noChangeAspect="1"/>
+          </p:cNvPicPr>
+          <p:nvPr/>
+        </p:nvPicPr>
+        <p:blipFill>
+          <a:blip r:embed="rId5" cstate="print">
+            <a:extLst>
+              <a:ext uri="{28A0092B-C50C-407E-A947-70E740481C1C}">
+                <a14:useLocalDpi xmlns:a14="http://schemas.microsoft.com/office/drawing/2010/main" val="0"/>
+              </a:ext>
+            </a:extLst>
+          </a:blip>
+          <a:stretch>
+            <a:fillRect/>
+          </a:stretch>
+        </p:blipFill>
+        <p:spPr>
+          <a:xfrm>
+            <a:off x="5544001" y="4024364"/>
+            <a:ext cx="3599997" cy="2701900"/>
+          </a:xfrm>
+          <a:prstGeom prst="rect">
+            <a:avLst/>
+          </a:prstGeom>
+        </p:spPr>
+      </p:pic>
+      <p:sp>
+        <p:nvSpPr>
+          <p:cNvPr id="11" name="ZoneTexte 10"/>
           <p:cNvSpPr txBox="1"/>
           <p:nvPr/>
         </p:nvSpPr>
         <p:spPr>
           <a:xfrm>
-            <a:off x="3707904" y="2761183"/>
+            <a:off x="3707904" y="2905780"/>
             <a:ext cx="1872208" cy="523220"/>
           </a:xfrm>
           <a:prstGeom prst="rect">
@@ -5228,14 +5203,14 @@
       </p:sp>
       <p:sp>
         <p:nvSpPr>
-          <p:cNvPr id="11" name="ZoneTexte 10"/>
+          <p:cNvPr id="12" name="ZoneTexte 10"/>
           <p:cNvSpPr txBox="1"/>
           <p:nvPr/>
         </p:nvSpPr>
         <p:spPr>
           <a:xfrm>
-            <a:off x="990639" y="2258938"/>
-            <a:ext cx="1978543" cy="646331"/>
+            <a:off x="3936876" y="2348880"/>
+            <a:ext cx="1414264" cy="307777"/>
           </a:xfrm>
           <a:prstGeom prst="rect">
             <a:avLst/>
@@ -5248,45 +5223,6 @@
           </a:bodyPr>
           <a:lstStyle/>
           <a:p>
-            <a:r>
-              <a:rPr lang="fr-FR" dirty="0" err="1" smtClean="0"/>
-              <a:t>x_plasma</a:t>
-            </a:r>
-            <a:r>
-              <a:rPr lang="fr-FR" dirty="0" smtClean="0"/>
-              <a:t>=0.01</a:t>
-            </a:r>
-          </a:p>
-          <a:p>
-            <a:r>
-              <a:rPr lang="fr-FR" dirty="0" smtClean="0"/>
-              <a:t>n_e0=5e18</a:t>
-            </a:r>
-          </a:p>
-        </p:txBody>
-      </p:sp>
-      <p:sp>
-        <p:nvSpPr>
-          <p:cNvPr id="12" name="ZoneTexte 10"/>
-          <p:cNvSpPr txBox="1"/>
-          <p:nvPr/>
-        </p:nvSpPr>
-        <p:spPr>
-          <a:xfrm>
-            <a:off x="3936876" y="2348880"/>
-            <a:ext cx="1414264" cy="307777"/>
-          </a:xfrm>
-          <a:prstGeom prst="rect">
-            <a:avLst/>
-          </a:prstGeom>
-          <a:noFill/>
-        </p:spPr>
-        <p:txBody>
-          <a:bodyPr wrap="square" rtlCol="0">
-            <a:spAutoFit/>
-          </a:bodyPr>
-          <a:lstStyle/>
-          <a:p>
             <a:pPr algn="ctr"/>
             <a:r>
               <a:rPr lang="fr-FR" sz="1400" dirty="0" smtClean="0"/>
@@ -5298,7 +5234,7 @@
     </p:spTree>
     <p:extLst>
       <p:ext uri="{BB962C8B-B14F-4D97-AF65-F5344CB8AC3E}">
-        <p14:creationId xmlns:p14="http://schemas.microsoft.com/office/powerpoint/2010/main" val="3387850196"/>
+        <p14:creationId xmlns:p14="http://schemas.microsoft.com/office/powerpoint/2010/main" val="3662945090"/>
       </p:ext>
     </p:extLst>
   </p:cSld>
@@ -5346,11 +5282,11 @@
             </a:r>
             <a:r>
               <a:rPr lang="fr-FR" dirty="0" err="1" smtClean="0"/>
-              <a:t>Conf</a:t>
+              <a:t>Response</a:t>
             </a:r>
             <a:r>
               <a:rPr lang="fr-FR" dirty="0" smtClean="0"/>
-              <a:t>. 5e8</a:t>
+              <a:t> 5e8</a:t>
             </a:r>
             <a:endParaRPr lang="fr-FR" dirty="0"/>
           </a:p>
@@ -5408,8 +5344,8 @@
         </p:blipFill>
         <p:spPr>
           <a:xfrm>
-            <a:off x="107505" y="4041369"/>
-            <a:ext cx="5399998" cy="2699999"/>
+            <a:off x="179913" y="4024364"/>
+            <a:ext cx="3599997" cy="2701900"/>
           </a:xfrm>
           <a:prstGeom prst="rect">
             <a:avLst/>
@@ -5439,51 +5375,43 @@
         <p:spPr>
           <a:xfrm>
             <a:off x="179513" y="1231154"/>
-            <a:ext cx="3599997" cy="2701901"/>
+            <a:ext cx="3599997" cy="2701900"/>
           </a:xfrm>
           <a:prstGeom prst="rect">
             <a:avLst/>
           </a:prstGeom>
         </p:spPr>
       </p:pic>
-      <p:sp>
-        <p:nvSpPr>
-          <p:cNvPr id="29" name="ZoneTexte 10"/>
-          <p:cNvSpPr txBox="1"/>
-          <p:nvPr/>
-        </p:nvSpPr>
-        <p:spPr>
-          <a:xfrm>
-            <a:off x="3635896" y="1340768"/>
-            <a:ext cx="1872208" cy="523220"/>
-          </a:xfrm>
-          <a:prstGeom prst="rect">
-            <a:avLst/>
-          </a:prstGeom>
-          <a:noFill/>
-        </p:spPr>
-        <p:txBody>
-          <a:bodyPr wrap="square" rtlCol="0">
-            <a:spAutoFit/>
-          </a:bodyPr>
-          <a:lstStyle/>
-          <a:p>
-            <a:pPr algn="ctr"/>
-            <a:r>
-              <a:rPr lang="fr-FR" sz="1400" dirty="0" smtClean="0"/>
-              <a:t>30 </a:t>
-            </a:r>
-            <a:r>
-              <a:rPr lang="fr-FR" sz="1400" dirty="0" err="1" smtClean="0"/>
-              <a:t>elements</a:t>
-            </a:r>
-            <a:r>
-              <a:rPr lang="fr-FR" sz="1400" dirty="0" smtClean="0"/>
-              <a:t> in the expansion of J</a:t>
-            </a:r>
-          </a:p>
-        </p:txBody>
-      </p:sp>
+      <p:pic>
+        <p:nvPicPr>
+          <p:cNvPr id="34" name="Picture 33"/>
+          <p:cNvPicPr>
+            <a:picLocks noChangeAspect="1"/>
+          </p:cNvPicPr>
+          <p:nvPr/>
+        </p:nvPicPr>
+        <p:blipFill>
+          <a:blip r:embed="rId5" cstate="print">
+            <a:extLst>
+              <a:ext uri="{28A0092B-C50C-407E-A947-70E740481C1C}">
+                <a14:useLocalDpi xmlns:a14="http://schemas.microsoft.com/office/drawing/2010/main" val="0"/>
+              </a:ext>
+            </a:extLst>
+          </a:blip>
+          <a:stretch>
+            <a:fillRect/>
+          </a:stretch>
+        </p:blipFill>
+        <p:spPr>
+          <a:xfrm>
+            <a:off x="5544001" y="4024364"/>
+            <a:ext cx="3599997" cy="2701900"/>
+          </a:xfrm>
+          <a:prstGeom prst="rect">
+            <a:avLst/>
+          </a:prstGeom>
+        </p:spPr>
+      </p:pic>
       <p:sp>
         <p:nvSpPr>
           <p:cNvPr id="46" name="ZoneTexte 32"/>
@@ -5536,45 +5464,15 @@
           </a:p>
         </p:txBody>
       </p:sp>
-      <p:pic>
-        <p:nvPicPr>
-          <p:cNvPr id="10" name="Picture 9"/>
-          <p:cNvPicPr>
-            <a:picLocks noChangeAspect="1"/>
-          </p:cNvPicPr>
-          <p:nvPr/>
-        </p:nvPicPr>
-        <p:blipFill>
-          <a:blip r:embed="rId5" cstate="print">
-            <a:extLst>
-              <a:ext uri="{28A0092B-C50C-407E-A947-70E740481C1C}">
-                <a14:useLocalDpi xmlns:a14="http://schemas.microsoft.com/office/drawing/2010/main" val="0"/>
-              </a:ext>
-            </a:extLst>
-          </a:blip>
-          <a:stretch>
-            <a:fillRect/>
-          </a:stretch>
-        </p:blipFill>
-        <p:spPr>
-          <a:xfrm>
-            <a:off x="5544001" y="4024364"/>
-            <a:ext cx="3599997" cy="2701900"/>
-          </a:xfrm>
-          <a:prstGeom prst="rect">
-            <a:avLst/>
-          </a:prstGeom>
-        </p:spPr>
-      </p:pic>
-      <p:sp>
-        <p:nvSpPr>
-          <p:cNvPr id="11" name="ZoneTexte 10"/>
+      <p:sp>
+        <p:nvSpPr>
+          <p:cNvPr id="10" name="ZoneTexte 10"/>
           <p:cNvSpPr txBox="1"/>
           <p:nvPr/>
         </p:nvSpPr>
         <p:spPr>
           <a:xfrm>
-            <a:off x="3707904" y="2905780"/>
+            <a:off x="3707904" y="2761183"/>
             <a:ext cx="1872208" cy="523220"/>
           </a:xfrm>
           <a:prstGeom prst="rect">
@@ -5605,14 +5503,14 @@
       </p:sp>
       <p:sp>
         <p:nvSpPr>
-          <p:cNvPr id="12" name="ZoneTexte 10"/>
+          <p:cNvPr id="11" name="ZoneTexte 10"/>
           <p:cNvSpPr txBox="1"/>
           <p:nvPr/>
         </p:nvSpPr>
         <p:spPr>
           <a:xfrm>
-            <a:off x="3936876" y="2348880"/>
-            <a:ext cx="1414264" cy="307777"/>
+            <a:off x="3707904" y="4571836"/>
+            <a:ext cx="1872208" cy="646331"/>
           </a:xfrm>
           <a:prstGeom prst="rect">
             <a:avLst/>
@@ -5627,6 +5525,139 @@
           <a:p>
             <a:pPr algn="ctr"/>
             <a:r>
+              <a:rPr lang="fr-FR" dirty="0" err="1" smtClean="0"/>
+              <a:t>Dipole</a:t>
+            </a:r>
+            <a:r>
+              <a:rPr lang="fr-FR" dirty="0" smtClean="0"/>
+              <a:t> </a:t>
+            </a:r>
+            <a:r>
+              <a:rPr lang="fr-FR" dirty="0" err="1" smtClean="0"/>
+              <a:t>phasing</a:t>
+            </a:r>
+            <a:endParaRPr lang="fr-FR" dirty="0" smtClean="0"/>
+          </a:p>
+          <a:p>
+            <a:pPr algn="ctr"/>
+            <a:r>
+              <a:rPr lang="fr-FR" dirty="0" smtClean="0"/>
+              <a:t>Z</a:t>
+            </a:r>
+            <a:r>
+              <a:rPr lang="fr-FR" baseline="-25000" dirty="0" smtClean="0"/>
+              <a:t>A</a:t>
+            </a:r>
+            <a:r>
+              <a:rPr lang="fr-FR" dirty="0" smtClean="0"/>
+              <a:t>=R</a:t>
+            </a:r>
+            <a:r>
+              <a:rPr lang="fr-FR" baseline="-25000" dirty="0" smtClean="0"/>
+              <a:t>A3</a:t>
+            </a:r>
+            <a:r>
+              <a:rPr lang="fr-FR" dirty="0" smtClean="0"/>
+              <a:t>+iX</a:t>
+            </a:r>
+            <a:r>
+              <a:rPr lang="fr-FR" baseline="-25000" dirty="0" smtClean="0"/>
+              <a:t>A3</a:t>
+            </a:r>
+          </a:p>
+        </p:txBody>
+      </p:sp>
+      <p:sp>
+        <p:nvSpPr>
+          <p:cNvPr id="13" name="ZoneTexte 10"/>
+          <p:cNvSpPr txBox="1"/>
+          <p:nvPr/>
+        </p:nvSpPr>
+        <p:spPr>
+          <a:xfrm>
+            <a:off x="3441296" y="3574757"/>
+            <a:ext cx="2261408" cy="523220"/>
+          </a:xfrm>
+          <a:prstGeom prst="rect">
+            <a:avLst/>
+          </a:prstGeom>
+        </p:spPr>
+        <p:style>
+          <a:lnRef idx="2">
+            <a:schemeClr val="accent5"/>
+          </a:lnRef>
+          <a:fillRef idx="1">
+            <a:schemeClr val="lt1"/>
+          </a:fillRef>
+          <a:effectRef idx="0">
+            <a:schemeClr val="accent5"/>
+          </a:effectRef>
+          <a:fontRef idx="minor">
+            <a:schemeClr val="dk1"/>
+          </a:fontRef>
+        </p:style>
+        <p:txBody>
+          <a:bodyPr wrap="square" rtlCol="0">
+            <a:spAutoFit/>
+          </a:bodyPr>
+          <a:lstStyle/>
+          <a:p>
+            <a:pPr algn="ctr"/>
+            <a:r>
+              <a:rPr lang="fr-FR" sz="1400" dirty="0" smtClean="0"/>
+              <a:t>Z</a:t>
+            </a:r>
+            <a:r>
+              <a:rPr lang="fr-FR" sz="1400" baseline="-25000" dirty="0" smtClean="0"/>
+              <a:t>11</a:t>
+            </a:r>
+            <a:r>
+              <a:rPr lang="fr-FR" sz="1400" dirty="0" smtClean="0"/>
+              <a:t>=(12.9-i126.9)ohm/m</a:t>
+            </a:r>
+          </a:p>
+          <a:p>
+            <a:pPr algn="ctr"/>
+            <a:r>
+              <a:rPr lang="fr-FR" sz="1400" dirty="0"/>
+              <a:t>Z</a:t>
+            </a:r>
+            <a:r>
+              <a:rPr lang="fr-FR" sz="1400" baseline="-25000" dirty="0"/>
+              <a:t>21</a:t>
+            </a:r>
+            <a:r>
+              <a:rPr lang="fr-FR" sz="1400" dirty="0" smtClean="0"/>
+              <a:t>=(11.8-i22.1)ohm/m</a:t>
+            </a:r>
+            <a:endParaRPr lang="fr-FR" sz="1400" baseline="-25000" dirty="0"/>
+          </a:p>
+        </p:txBody>
+      </p:sp>
+      <p:sp>
+        <p:nvSpPr>
+          <p:cNvPr id="12" name="ZoneTexte 10"/>
+          <p:cNvSpPr txBox="1"/>
+          <p:nvPr/>
+        </p:nvSpPr>
+        <p:spPr>
+          <a:xfrm>
+            <a:off x="3936876" y="2348880"/>
+            <a:ext cx="1414264" cy="307777"/>
+          </a:xfrm>
+          <a:prstGeom prst="rect">
+            <a:avLst/>
+          </a:prstGeom>
+          <a:noFill/>
+        </p:spPr>
+        <p:txBody>
+          <a:bodyPr wrap="square" rtlCol="0">
+            <a:spAutoFit/>
+          </a:bodyPr>
+          <a:lstStyle/>
+          <a:p>
+            <a:pPr algn="ctr"/>
+            <a:r>
               <a:rPr lang="fr-FR" sz="1400" dirty="0" smtClean="0"/>
               <a:t>n_e0=5e18</a:t>
             </a:r>
@@ -5636,7 +5667,7 @@
     </p:spTree>
     <p:extLst>
       <p:ext uri="{BB962C8B-B14F-4D97-AF65-F5344CB8AC3E}">
-        <p14:creationId xmlns:p14="http://schemas.microsoft.com/office/powerpoint/2010/main" val="3662945090"/>
+        <p14:creationId xmlns:p14="http://schemas.microsoft.com/office/powerpoint/2010/main" val="3817817206"/>
       </p:ext>
     </p:extLst>
   </p:cSld>
@@ -5684,11 +5715,11 @@
             </a:r>
             <a:r>
               <a:rPr lang="fr-FR" dirty="0" err="1" smtClean="0"/>
-              <a:t>Response</a:t>
+              <a:t>Conf</a:t>
             </a:r>
             <a:r>
               <a:rPr lang="fr-FR" dirty="0" smtClean="0"/>
-              <a:t> 5e8</a:t>
+              <a:t>. 10e8</a:t>
             </a:r>
             <a:endParaRPr lang="fr-FR" dirty="0"/>
           </a:p>
@@ -5868,7 +5899,7 @@
       </p:sp>
       <p:sp>
         <p:nvSpPr>
-          <p:cNvPr id="10" name="ZoneTexte 10"/>
+          <p:cNvPr id="47" name="ZoneTexte 10"/>
           <p:cNvSpPr txBox="1"/>
           <p:nvPr/>
         </p:nvSpPr>
@@ -5911,8 +5942,8 @@
         </p:nvSpPr>
         <p:spPr>
           <a:xfrm>
-            <a:off x="3707904" y="4571836"/>
-            <a:ext cx="1872208" cy="646331"/>
+            <a:off x="990639" y="2258938"/>
+            <a:ext cx="1978543" cy="646331"/>
           </a:xfrm>
           <a:prstGeom prst="rect">
             <a:avLst/>
@@ -5925,79 +5956,39 @@
           </a:bodyPr>
           <a:lstStyle/>
           <a:p>
-            <a:pPr algn="ctr"/>
             <a:r>
               <a:rPr lang="fr-FR" dirty="0" err="1" smtClean="0"/>
-              <a:t>Dipole</a:t>
+              <a:t>x_plasma</a:t>
             </a:r>
             <a:r>
               <a:rPr lang="fr-FR" dirty="0" smtClean="0"/>
-              <a:t> </a:t>
-            </a:r>
-            <a:r>
-              <a:rPr lang="fr-FR" dirty="0" err="1" smtClean="0"/>
-              <a:t>phasing</a:t>
-            </a:r>
-            <a:endParaRPr lang="fr-FR" dirty="0" smtClean="0"/>
-          </a:p>
-          <a:p>
-            <a:pPr algn="ctr"/>
+              <a:t>=0.01</a:t>
+            </a:r>
+          </a:p>
+          <a:p>
             <a:r>
               <a:rPr lang="fr-FR" dirty="0" smtClean="0"/>
-              <a:t>Z</a:t>
-            </a:r>
-            <a:r>
-              <a:rPr lang="fr-FR" baseline="-25000" dirty="0" smtClean="0"/>
-              <a:t>A</a:t>
-            </a:r>
-            <a:r>
-              <a:rPr lang="fr-FR" dirty="0" smtClean="0"/>
-              <a:t>=R</a:t>
-            </a:r>
-            <a:r>
-              <a:rPr lang="fr-FR" baseline="-25000" dirty="0" smtClean="0"/>
-              <a:t>A3</a:t>
-            </a:r>
-            <a:r>
-              <a:rPr lang="fr-FR" dirty="0" smtClean="0"/>
-              <a:t>+iX</a:t>
-            </a:r>
-            <a:r>
-              <a:rPr lang="fr-FR" baseline="-25000" dirty="0" smtClean="0"/>
-              <a:t>A3</a:t>
-            </a:r>
-          </a:p>
-        </p:txBody>
-      </p:sp>
-      <p:sp>
-        <p:nvSpPr>
-          <p:cNvPr id="13" name="ZoneTexte 10"/>
+              <a:t>n_e0=10e18</a:t>
+            </a:r>
+          </a:p>
+        </p:txBody>
+      </p:sp>
+      <p:sp>
+        <p:nvSpPr>
+          <p:cNvPr id="12" name="ZoneTexte 10"/>
           <p:cNvSpPr txBox="1"/>
           <p:nvPr/>
         </p:nvSpPr>
         <p:spPr>
           <a:xfrm>
-            <a:off x="3441296" y="3574757"/>
-            <a:ext cx="2261408" cy="523220"/>
-          </a:xfrm>
-          <a:prstGeom prst="rect">
-            <a:avLst/>
-          </a:prstGeom>
-        </p:spPr>
-        <p:style>
-          <a:lnRef idx="2">
-            <a:schemeClr val="accent5"/>
-          </a:lnRef>
-          <a:fillRef idx="1">
-            <a:schemeClr val="lt1"/>
-          </a:fillRef>
-          <a:effectRef idx="0">
-            <a:schemeClr val="accent5"/>
-          </a:effectRef>
-          <a:fontRef idx="minor">
-            <a:schemeClr val="dk1"/>
-          </a:fontRef>
-        </p:style>
+            <a:off x="3936876" y="2348880"/>
+            <a:ext cx="1414264" cy="307777"/>
+          </a:xfrm>
+          <a:prstGeom prst="rect">
+            <a:avLst/>
+          </a:prstGeom>
+          <a:noFill/>
+        </p:spPr>
         <p:txBody>
           <a:bodyPr wrap="square" rtlCol="0">
             <a:spAutoFit/>
@@ -6007,61 +5998,7 @@
             <a:pPr algn="ctr"/>
             <a:r>
               <a:rPr lang="fr-FR" sz="1400" dirty="0" smtClean="0"/>
-              <a:t>Z</a:t>
-            </a:r>
-            <a:r>
-              <a:rPr lang="fr-FR" sz="1400" baseline="-25000" dirty="0" smtClean="0"/>
-              <a:t>11</a:t>
-            </a:r>
-            <a:r>
-              <a:rPr lang="fr-FR" sz="1400" dirty="0" smtClean="0"/>
-              <a:t>=(12.9-i126.9)ohm/m</a:t>
-            </a:r>
-          </a:p>
-          <a:p>
-            <a:pPr algn="ctr"/>
-            <a:r>
-              <a:rPr lang="fr-FR" sz="1400" dirty="0"/>
-              <a:t>Z</a:t>
-            </a:r>
-            <a:r>
-              <a:rPr lang="fr-FR" sz="1400" baseline="-25000" dirty="0"/>
-              <a:t>21</a:t>
-            </a:r>
-            <a:r>
-              <a:rPr lang="fr-FR" sz="1400" dirty="0" smtClean="0"/>
-              <a:t>=(11.8-i22.1)ohm/m</a:t>
-            </a:r>
-            <a:endParaRPr lang="fr-FR" sz="1400" baseline="-25000" dirty="0"/>
-          </a:p>
-        </p:txBody>
-      </p:sp>
-      <p:sp>
-        <p:nvSpPr>
-          <p:cNvPr id="12" name="ZoneTexte 10"/>
-          <p:cNvSpPr txBox="1"/>
-          <p:nvPr/>
-        </p:nvSpPr>
-        <p:spPr>
-          <a:xfrm>
-            <a:off x="3936876" y="2348880"/>
-            <a:ext cx="1414264" cy="307777"/>
-          </a:xfrm>
-          <a:prstGeom prst="rect">
-            <a:avLst/>
-          </a:prstGeom>
-          <a:noFill/>
-        </p:spPr>
-        <p:txBody>
-          <a:bodyPr wrap="square" rtlCol="0">
-            <a:spAutoFit/>
-          </a:bodyPr>
-          <a:lstStyle/>
-          <a:p>
-            <a:pPr algn="ctr"/>
-            <a:r>
-              <a:rPr lang="fr-FR" sz="1400" dirty="0" smtClean="0"/>
-              <a:t>n_e0=5e18</a:t>
+              <a:t>n_e0=10e18</a:t>
             </a:r>
           </a:p>
         </p:txBody>
@@ -6069,7 +6006,7 @@
     </p:spTree>
     <p:extLst>
       <p:ext uri="{BB962C8B-B14F-4D97-AF65-F5344CB8AC3E}">
-        <p14:creationId xmlns:p14="http://schemas.microsoft.com/office/powerpoint/2010/main" val="3817817206"/>
+        <p14:creationId xmlns:p14="http://schemas.microsoft.com/office/powerpoint/2010/main" val="1456251155"/>
       </p:ext>
     </p:extLst>
   </p:cSld>
@@ -6150,7 +6087,7 @@
         <p:spPr>
           <a:xfrm>
             <a:off x="5544001" y="1231154"/>
-            <a:ext cx="3599997" cy="2701901"/>
+            <a:ext cx="3599997" cy="2701900"/>
           </a:xfrm>
           <a:prstGeom prst="rect">
             <a:avLst/>
@@ -6179,8 +6116,8 @@
         </p:blipFill>
         <p:spPr>
           <a:xfrm>
-            <a:off x="179913" y="4024364"/>
-            <a:ext cx="3599997" cy="2701900"/>
+            <a:off x="107505" y="4041369"/>
+            <a:ext cx="5399998" cy="2699999"/>
           </a:xfrm>
           <a:prstGeom prst="rect">
             <a:avLst/>
@@ -6210,43 +6147,51 @@
         <p:spPr>
           <a:xfrm>
             <a:off x="179513" y="1231154"/>
-            <a:ext cx="3599997" cy="2701900"/>
+            <a:ext cx="3599997" cy="2701901"/>
           </a:xfrm>
           <a:prstGeom prst="rect">
             <a:avLst/>
           </a:prstGeom>
         </p:spPr>
       </p:pic>
-      <p:pic>
-        <p:nvPicPr>
-          <p:cNvPr id="34" name="Picture 33"/>
-          <p:cNvPicPr>
-            <a:picLocks noChangeAspect="1"/>
-          </p:cNvPicPr>
-          <p:nvPr/>
-        </p:nvPicPr>
-        <p:blipFill>
-          <a:blip r:embed="rId5" cstate="print">
-            <a:extLst>
-              <a:ext uri="{28A0092B-C50C-407E-A947-70E740481C1C}">
-                <a14:useLocalDpi xmlns:a14="http://schemas.microsoft.com/office/drawing/2010/main" val="0"/>
-              </a:ext>
-            </a:extLst>
-          </a:blip>
-          <a:stretch>
-            <a:fillRect/>
-          </a:stretch>
-        </p:blipFill>
-        <p:spPr>
-          <a:xfrm>
-            <a:off x="5544001" y="4024364"/>
-            <a:ext cx="3599997" cy="2701900"/>
-          </a:xfrm>
-          <a:prstGeom prst="rect">
-            <a:avLst/>
-          </a:prstGeom>
-        </p:spPr>
-      </p:pic>
+      <p:sp>
+        <p:nvSpPr>
+          <p:cNvPr id="29" name="ZoneTexte 10"/>
+          <p:cNvSpPr txBox="1"/>
+          <p:nvPr/>
+        </p:nvSpPr>
+        <p:spPr>
+          <a:xfrm>
+            <a:off x="3635896" y="1340768"/>
+            <a:ext cx="1872208" cy="523220"/>
+          </a:xfrm>
+          <a:prstGeom prst="rect">
+            <a:avLst/>
+          </a:prstGeom>
+          <a:noFill/>
+        </p:spPr>
+        <p:txBody>
+          <a:bodyPr wrap="square" rtlCol="0">
+            <a:spAutoFit/>
+          </a:bodyPr>
+          <a:lstStyle/>
+          <a:p>
+            <a:pPr algn="ctr"/>
+            <a:r>
+              <a:rPr lang="fr-FR" sz="1400" dirty="0" smtClean="0"/>
+              <a:t>30 </a:t>
+            </a:r>
+            <a:r>
+              <a:rPr lang="fr-FR" sz="1400" dirty="0" err="1" smtClean="0"/>
+              <a:t>elements</a:t>
+            </a:r>
+            <a:r>
+              <a:rPr lang="fr-FR" sz="1400" dirty="0" smtClean="0"/>
+              <a:t> in the expansion of J</a:t>
+            </a:r>
+          </a:p>
+        </p:txBody>
+      </p:sp>
       <p:sp>
         <p:nvSpPr>
           <p:cNvPr id="46" name="ZoneTexte 32"/>
@@ -6299,15 +6244,45 @@
           </a:p>
         </p:txBody>
       </p:sp>
-      <p:sp>
-        <p:nvSpPr>
-          <p:cNvPr id="47" name="ZoneTexte 10"/>
+      <p:pic>
+        <p:nvPicPr>
+          <p:cNvPr id="10" name="Picture 9"/>
+          <p:cNvPicPr>
+            <a:picLocks noChangeAspect="1"/>
+          </p:cNvPicPr>
+          <p:nvPr/>
+        </p:nvPicPr>
+        <p:blipFill>
+          <a:blip r:embed="rId5" cstate="print">
+            <a:extLst>
+              <a:ext uri="{28A0092B-C50C-407E-A947-70E740481C1C}">
+                <a14:useLocalDpi xmlns:a14="http://schemas.microsoft.com/office/drawing/2010/main" val="0"/>
+              </a:ext>
+            </a:extLst>
+          </a:blip>
+          <a:stretch>
+            <a:fillRect/>
+          </a:stretch>
+        </p:blipFill>
+        <p:spPr>
+          <a:xfrm>
+            <a:off x="5544001" y="4024364"/>
+            <a:ext cx="3599996" cy="2701900"/>
+          </a:xfrm>
+          <a:prstGeom prst="rect">
+            <a:avLst/>
+          </a:prstGeom>
+        </p:spPr>
+      </p:pic>
+      <p:sp>
+        <p:nvSpPr>
+          <p:cNvPr id="11" name="ZoneTexte 10"/>
           <p:cNvSpPr txBox="1"/>
           <p:nvPr/>
         </p:nvSpPr>
         <p:spPr>
           <a:xfrm>
-            <a:off x="3707904" y="2761183"/>
+            <a:off x="3707904" y="2905780"/>
             <a:ext cx="1872208" cy="523220"/>
           </a:xfrm>
           <a:prstGeom prst="rect">
@@ -6338,14 +6313,14 @@
       </p:sp>
       <p:sp>
         <p:nvSpPr>
-          <p:cNvPr id="11" name="ZoneTexte 10"/>
+          <p:cNvPr id="12" name="ZoneTexte 10"/>
           <p:cNvSpPr txBox="1"/>
           <p:nvPr/>
         </p:nvSpPr>
         <p:spPr>
           <a:xfrm>
-            <a:off x="990639" y="2258938"/>
-            <a:ext cx="1978543" cy="646331"/>
+            <a:off x="3936876" y="2348880"/>
+            <a:ext cx="1414264" cy="307777"/>
           </a:xfrm>
           <a:prstGeom prst="rect">
             <a:avLst/>
@@ -6358,45 +6333,6 @@
           </a:bodyPr>
           <a:lstStyle/>
           <a:p>
-            <a:r>
-              <a:rPr lang="fr-FR" dirty="0" err="1" smtClean="0"/>
-              <a:t>x_plasma</a:t>
-            </a:r>
-            <a:r>
-              <a:rPr lang="fr-FR" dirty="0" smtClean="0"/>
-              <a:t>=0.01</a:t>
-            </a:r>
-          </a:p>
-          <a:p>
-            <a:r>
-              <a:rPr lang="fr-FR" dirty="0" smtClean="0"/>
-              <a:t>n_e0=10e18</a:t>
-            </a:r>
-          </a:p>
-        </p:txBody>
-      </p:sp>
-      <p:sp>
-        <p:nvSpPr>
-          <p:cNvPr id="12" name="ZoneTexte 10"/>
-          <p:cNvSpPr txBox="1"/>
-          <p:nvPr/>
-        </p:nvSpPr>
-        <p:spPr>
-          <a:xfrm>
-            <a:off x="3936876" y="2348880"/>
-            <a:ext cx="1414264" cy="307777"/>
-          </a:xfrm>
-          <a:prstGeom prst="rect">
-            <a:avLst/>
-          </a:prstGeom>
-          <a:noFill/>
-        </p:spPr>
-        <p:txBody>
-          <a:bodyPr wrap="square" rtlCol="0">
-            <a:spAutoFit/>
-          </a:bodyPr>
-          <a:lstStyle/>
-          <a:p>
             <a:pPr algn="ctr"/>
             <a:r>
               <a:rPr lang="fr-FR" sz="1400" dirty="0" smtClean="0"/>
@@ -6408,7 +6344,7 @@
     </p:spTree>
     <p:extLst>
       <p:ext uri="{BB962C8B-B14F-4D97-AF65-F5344CB8AC3E}">
-        <p14:creationId xmlns:p14="http://schemas.microsoft.com/office/powerpoint/2010/main" val="1456251155"/>
+        <p14:creationId xmlns:p14="http://schemas.microsoft.com/office/powerpoint/2010/main" val="3692972816"/>
       </p:ext>
     </p:extLst>
   </p:cSld>
@@ -6456,11 +6392,11 @@
             </a:r>
             <a:r>
               <a:rPr lang="fr-FR" dirty="0" err="1" smtClean="0"/>
-              <a:t>Conf</a:t>
+              <a:t>Response</a:t>
             </a:r>
             <a:r>
               <a:rPr lang="fr-FR" dirty="0" smtClean="0"/>
-              <a:t>. 10e8</a:t>
+              <a:t> 10e8</a:t>
             </a:r>
             <a:endParaRPr lang="fr-FR" dirty="0"/>
           </a:p>
@@ -6518,8 +6454,8 @@
         </p:blipFill>
         <p:spPr>
           <a:xfrm>
-            <a:off x="107505" y="4041369"/>
-            <a:ext cx="5399998" cy="2699999"/>
+            <a:off x="179913" y="4024364"/>
+            <a:ext cx="3599996" cy="2701900"/>
           </a:xfrm>
           <a:prstGeom prst="rect">
             <a:avLst/>
@@ -6549,51 +6485,43 @@
         <p:spPr>
           <a:xfrm>
             <a:off x="179513" y="1231154"/>
-            <a:ext cx="3599997" cy="2701901"/>
+            <a:ext cx="3599996" cy="2701900"/>
           </a:xfrm>
           <a:prstGeom prst="rect">
             <a:avLst/>
           </a:prstGeom>
         </p:spPr>
       </p:pic>
-      <p:sp>
-        <p:nvSpPr>
-          <p:cNvPr id="29" name="ZoneTexte 10"/>
-          <p:cNvSpPr txBox="1"/>
-          <p:nvPr/>
-        </p:nvSpPr>
-        <p:spPr>
-          <a:xfrm>
-            <a:off x="3635896" y="1340768"/>
-            <a:ext cx="1872208" cy="523220"/>
-          </a:xfrm>
-          <a:prstGeom prst="rect">
-            <a:avLst/>
-          </a:prstGeom>
-          <a:noFill/>
-        </p:spPr>
-        <p:txBody>
-          <a:bodyPr wrap="square" rtlCol="0">
-            <a:spAutoFit/>
-          </a:bodyPr>
-          <a:lstStyle/>
-          <a:p>
-            <a:pPr algn="ctr"/>
-            <a:r>
-              <a:rPr lang="fr-FR" sz="1400" dirty="0" smtClean="0"/>
-              <a:t>30 </a:t>
-            </a:r>
-            <a:r>
-              <a:rPr lang="fr-FR" sz="1400" dirty="0" err="1" smtClean="0"/>
-              <a:t>elements</a:t>
-            </a:r>
-            <a:r>
-              <a:rPr lang="fr-FR" sz="1400" dirty="0" smtClean="0"/>
-              <a:t> in the expansion of J</a:t>
-            </a:r>
-          </a:p>
-        </p:txBody>
-      </p:sp>
+      <p:pic>
+        <p:nvPicPr>
+          <p:cNvPr id="34" name="Picture 33"/>
+          <p:cNvPicPr>
+            <a:picLocks noChangeAspect="1"/>
+          </p:cNvPicPr>
+          <p:nvPr/>
+        </p:nvPicPr>
+        <p:blipFill>
+          <a:blip r:embed="rId5" cstate="print">
+            <a:extLst>
+              <a:ext uri="{28A0092B-C50C-407E-A947-70E740481C1C}">
+                <a14:useLocalDpi xmlns:a14="http://schemas.microsoft.com/office/drawing/2010/main" val="0"/>
+              </a:ext>
+            </a:extLst>
+          </a:blip>
+          <a:stretch>
+            <a:fillRect/>
+          </a:stretch>
+        </p:blipFill>
+        <p:spPr>
+          <a:xfrm>
+            <a:off x="5544001" y="4024364"/>
+            <a:ext cx="3599996" cy="2701900"/>
+          </a:xfrm>
+          <a:prstGeom prst="rect">
+            <a:avLst/>
+          </a:prstGeom>
+        </p:spPr>
+      </p:pic>
       <p:sp>
         <p:nvSpPr>
           <p:cNvPr id="46" name="ZoneTexte 32"/>
@@ -6646,45 +6574,15 @@
           </a:p>
         </p:txBody>
       </p:sp>
-      <p:pic>
-        <p:nvPicPr>
-          <p:cNvPr id="10" name="Picture 9"/>
-          <p:cNvPicPr>
-            <a:picLocks noChangeAspect="1"/>
-          </p:cNvPicPr>
-          <p:nvPr/>
-        </p:nvPicPr>
-        <p:blipFill>
-          <a:blip r:embed="rId5" cstate="print">
-            <a:extLst>
-              <a:ext uri="{28A0092B-C50C-407E-A947-70E740481C1C}">
-                <a14:useLocalDpi xmlns:a14="http://schemas.microsoft.com/office/drawing/2010/main" val="0"/>
-              </a:ext>
-            </a:extLst>
-          </a:blip>
-          <a:stretch>
-            <a:fillRect/>
-          </a:stretch>
-        </p:blipFill>
-        <p:spPr>
-          <a:xfrm>
-            <a:off x="5544001" y="4024364"/>
-            <a:ext cx="3599996" cy="2701900"/>
-          </a:xfrm>
-          <a:prstGeom prst="rect">
-            <a:avLst/>
-          </a:prstGeom>
-        </p:spPr>
-      </p:pic>
-      <p:sp>
-        <p:nvSpPr>
-          <p:cNvPr id="11" name="ZoneTexte 10"/>
+      <p:sp>
+        <p:nvSpPr>
+          <p:cNvPr id="10" name="ZoneTexte 10"/>
           <p:cNvSpPr txBox="1"/>
           <p:nvPr/>
         </p:nvSpPr>
         <p:spPr>
           <a:xfrm>
-            <a:off x="3707904" y="2905780"/>
+            <a:off x="3707904" y="2761183"/>
             <a:ext cx="1872208" cy="523220"/>
           </a:xfrm>
           <a:prstGeom prst="rect">
@@ -6715,14 +6613,14 @@
       </p:sp>
       <p:sp>
         <p:nvSpPr>
-          <p:cNvPr id="12" name="ZoneTexte 10"/>
+          <p:cNvPr id="11" name="ZoneTexte 10"/>
           <p:cNvSpPr txBox="1"/>
           <p:nvPr/>
         </p:nvSpPr>
         <p:spPr>
           <a:xfrm>
-            <a:off x="3936876" y="2348880"/>
-            <a:ext cx="1414264" cy="307777"/>
+            <a:off x="3707904" y="4571836"/>
+            <a:ext cx="1872208" cy="646331"/>
           </a:xfrm>
           <a:prstGeom prst="rect">
             <a:avLst/>
@@ -6737,6 +6635,139 @@
           <a:p>
             <a:pPr algn="ctr"/>
             <a:r>
+              <a:rPr lang="fr-FR" dirty="0" err="1" smtClean="0"/>
+              <a:t>Dipole</a:t>
+            </a:r>
+            <a:r>
+              <a:rPr lang="fr-FR" dirty="0" smtClean="0"/>
+              <a:t> </a:t>
+            </a:r>
+            <a:r>
+              <a:rPr lang="fr-FR" dirty="0" err="1" smtClean="0"/>
+              <a:t>phasing</a:t>
+            </a:r>
+            <a:endParaRPr lang="fr-FR" dirty="0" smtClean="0"/>
+          </a:p>
+          <a:p>
+            <a:pPr algn="ctr"/>
+            <a:r>
+              <a:rPr lang="fr-FR" dirty="0" smtClean="0"/>
+              <a:t>Z</a:t>
+            </a:r>
+            <a:r>
+              <a:rPr lang="fr-FR" baseline="-25000" dirty="0" smtClean="0"/>
+              <a:t>A</a:t>
+            </a:r>
+            <a:r>
+              <a:rPr lang="fr-FR" dirty="0" smtClean="0"/>
+              <a:t>=R</a:t>
+            </a:r>
+            <a:r>
+              <a:rPr lang="fr-FR" baseline="-25000" dirty="0" smtClean="0"/>
+              <a:t>A3</a:t>
+            </a:r>
+            <a:r>
+              <a:rPr lang="fr-FR" dirty="0" smtClean="0"/>
+              <a:t>+iX</a:t>
+            </a:r>
+            <a:r>
+              <a:rPr lang="fr-FR" baseline="-25000" dirty="0" smtClean="0"/>
+              <a:t>A3</a:t>
+            </a:r>
+          </a:p>
+        </p:txBody>
+      </p:sp>
+      <p:sp>
+        <p:nvSpPr>
+          <p:cNvPr id="13" name="ZoneTexte 10"/>
+          <p:cNvSpPr txBox="1"/>
+          <p:nvPr/>
+        </p:nvSpPr>
+        <p:spPr>
+          <a:xfrm>
+            <a:off x="3441296" y="3574757"/>
+            <a:ext cx="2261408" cy="523220"/>
+          </a:xfrm>
+          <a:prstGeom prst="rect">
+            <a:avLst/>
+          </a:prstGeom>
+        </p:spPr>
+        <p:style>
+          <a:lnRef idx="2">
+            <a:schemeClr val="accent5"/>
+          </a:lnRef>
+          <a:fillRef idx="1">
+            <a:schemeClr val="lt1"/>
+          </a:fillRef>
+          <a:effectRef idx="0">
+            <a:schemeClr val="accent5"/>
+          </a:effectRef>
+          <a:fontRef idx="minor">
+            <a:schemeClr val="dk1"/>
+          </a:fontRef>
+        </p:style>
+        <p:txBody>
+          <a:bodyPr wrap="square" rtlCol="0">
+            <a:spAutoFit/>
+          </a:bodyPr>
+          <a:lstStyle/>
+          <a:p>
+            <a:pPr algn="ctr"/>
+            <a:r>
+              <a:rPr lang="fr-FR" sz="1400" dirty="0" smtClean="0"/>
+              <a:t>Z</a:t>
+            </a:r>
+            <a:r>
+              <a:rPr lang="fr-FR" sz="1400" baseline="-25000" dirty="0" smtClean="0"/>
+              <a:t>11</a:t>
+            </a:r>
+            <a:r>
+              <a:rPr lang="fr-FR" sz="1400" dirty="0" smtClean="0"/>
+              <a:t>=(20.3-i119.2)ohm/m</a:t>
+            </a:r>
+          </a:p>
+          <a:p>
+            <a:pPr algn="ctr"/>
+            <a:r>
+              <a:rPr lang="fr-FR" sz="1400" dirty="0"/>
+              <a:t>Z</a:t>
+            </a:r>
+            <a:r>
+              <a:rPr lang="fr-FR" sz="1400" baseline="-25000" dirty="0"/>
+              <a:t>21</a:t>
+            </a:r>
+            <a:r>
+              <a:rPr lang="fr-FR" sz="1400" dirty="0" smtClean="0"/>
+              <a:t>=(15.0-i12.5)ohm/m</a:t>
+            </a:r>
+            <a:endParaRPr lang="fr-FR" sz="1400" baseline="-25000" dirty="0"/>
+          </a:p>
+        </p:txBody>
+      </p:sp>
+      <p:sp>
+        <p:nvSpPr>
+          <p:cNvPr id="12" name="ZoneTexte 10"/>
+          <p:cNvSpPr txBox="1"/>
+          <p:nvPr/>
+        </p:nvSpPr>
+        <p:spPr>
+          <a:xfrm>
+            <a:off x="3936876" y="2348880"/>
+            <a:ext cx="1414264" cy="307777"/>
+          </a:xfrm>
+          <a:prstGeom prst="rect">
+            <a:avLst/>
+          </a:prstGeom>
+          <a:noFill/>
+        </p:spPr>
+        <p:txBody>
+          <a:bodyPr wrap="square" rtlCol="0">
+            <a:spAutoFit/>
+          </a:bodyPr>
+          <a:lstStyle/>
+          <a:p>
+            <a:pPr algn="ctr"/>
+            <a:r>
               <a:rPr lang="fr-FR" sz="1400" dirty="0" smtClean="0"/>
               <a:t>n_e0=10e18</a:t>
             </a:r>
@@ -6746,7 +6777,7 @@
     </p:spTree>
     <p:extLst>
       <p:ext uri="{BB962C8B-B14F-4D97-AF65-F5344CB8AC3E}">
-        <p14:creationId xmlns:p14="http://schemas.microsoft.com/office/powerpoint/2010/main" val="3692972816"/>
+        <p14:creationId xmlns:p14="http://schemas.microsoft.com/office/powerpoint/2010/main" val="2996223682"/>
       </p:ext>
     </p:extLst>
   </p:cSld>
@@ -6794,11 +6825,15 @@
             </a:r>
             <a:r>
               <a:rPr lang="fr-FR" dirty="0" err="1" smtClean="0"/>
-              <a:t>Response</a:t>
+              <a:t>Conf</a:t>
             </a:r>
             <a:r>
               <a:rPr lang="fr-FR" dirty="0" smtClean="0"/>
-              <a:t> 10e8</a:t>
+              <a:t>. </a:t>
+            </a:r>
+            <a:r>
+              <a:rPr lang="fr-FR" dirty="0" err="1" smtClean="0"/>
+              <a:t>compar</a:t>
             </a:r>
             <a:endParaRPr lang="fr-FR" dirty="0"/>
           </a:p>
@@ -6978,13 +7013,13 @@
       </p:sp>
       <p:sp>
         <p:nvSpPr>
-          <p:cNvPr id="10" name="ZoneTexte 10"/>
+          <p:cNvPr id="13" name="ZoneTexte 10"/>
           <p:cNvSpPr txBox="1"/>
           <p:nvPr/>
         </p:nvSpPr>
         <p:spPr>
           <a:xfrm>
-            <a:off x="3707904" y="2761183"/>
+            <a:off x="3707904" y="2905780"/>
             <a:ext cx="1872208" cy="523220"/>
           </a:xfrm>
           <a:prstGeom prst="rect">
@@ -7015,14 +7050,14 @@
       </p:sp>
       <p:sp>
         <p:nvSpPr>
-          <p:cNvPr id="11" name="ZoneTexte 10"/>
+          <p:cNvPr id="14" name="ZoneTexte 10"/>
           <p:cNvSpPr txBox="1"/>
           <p:nvPr/>
         </p:nvSpPr>
         <p:spPr>
           <a:xfrm>
-            <a:off x="3707904" y="4571836"/>
-            <a:ext cx="1872208" cy="646331"/>
+            <a:off x="3923928" y="2114272"/>
+            <a:ext cx="1296144" cy="738664"/>
           </a:xfrm>
           <a:prstGeom prst="rect">
             <a:avLst/>
@@ -7035,143 +7070,35 @@
           </a:bodyPr>
           <a:lstStyle/>
           <a:p>
-            <a:pPr algn="ctr"/>
-            <a:r>
-              <a:rPr lang="fr-FR" dirty="0" err="1" smtClean="0"/>
-              <a:t>Dipole</a:t>
-            </a:r>
-            <a:r>
-              <a:rPr lang="fr-FR" dirty="0" smtClean="0"/>
-              <a:t> </a:t>
-            </a:r>
-            <a:r>
-              <a:rPr lang="fr-FR" dirty="0" err="1" smtClean="0"/>
-              <a:t>phasing</a:t>
-            </a:r>
-            <a:endParaRPr lang="fr-FR" dirty="0" smtClean="0"/>
-          </a:p>
-          <a:p>
-            <a:pPr algn="ctr"/>
-            <a:r>
-              <a:rPr lang="fr-FR" dirty="0" smtClean="0"/>
-              <a:t>Z</a:t>
-            </a:r>
-            <a:r>
-              <a:rPr lang="fr-FR" baseline="-25000" dirty="0" smtClean="0"/>
-              <a:t>A</a:t>
-            </a:r>
-            <a:r>
-              <a:rPr lang="fr-FR" dirty="0" smtClean="0"/>
-              <a:t>=R</a:t>
-            </a:r>
-            <a:r>
-              <a:rPr lang="fr-FR" baseline="-25000" dirty="0" smtClean="0"/>
-              <a:t>A3</a:t>
-            </a:r>
-            <a:r>
-              <a:rPr lang="fr-FR" dirty="0" smtClean="0"/>
-              <a:t>+iX</a:t>
-            </a:r>
-            <a:r>
-              <a:rPr lang="fr-FR" baseline="-25000" dirty="0" smtClean="0"/>
-              <a:t>A3</a:t>
-            </a:r>
-          </a:p>
-        </p:txBody>
-      </p:sp>
-      <p:sp>
-        <p:nvSpPr>
-          <p:cNvPr id="13" name="ZoneTexte 10"/>
-          <p:cNvSpPr txBox="1"/>
-          <p:nvPr/>
-        </p:nvSpPr>
-        <p:spPr>
-          <a:xfrm>
-            <a:off x="3441296" y="3574757"/>
-            <a:ext cx="2261408" cy="523220"/>
-          </a:xfrm>
-          <a:prstGeom prst="rect">
-            <a:avLst/>
-          </a:prstGeom>
-        </p:spPr>
-        <p:style>
-          <a:lnRef idx="2">
-            <a:schemeClr val="accent5"/>
-          </a:lnRef>
-          <a:fillRef idx="1">
-            <a:schemeClr val="lt1"/>
-          </a:fillRef>
-          <a:effectRef idx="0">
-            <a:schemeClr val="accent5"/>
-          </a:effectRef>
-          <a:fontRef idx="minor">
-            <a:schemeClr val="dk1"/>
-          </a:fontRef>
-        </p:style>
-        <p:txBody>
-          <a:bodyPr wrap="square" rtlCol="0">
-            <a:spAutoFit/>
-          </a:bodyPr>
-          <a:lstStyle/>
-          <a:p>
-            <a:pPr algn="ctr"/>
+            <a:pPr algn="r"/>
             <a:r>
               <a:rPr lang="fr-FR" sz="1400" dirty="0" smtClean="0"/>
-              <a:t>Z</a:t>
-            </a:r>
-            <a:r>
-              <a:rPr lang="fr-FR" sz="1400" baseline="-25000" dirty="0" smtClean="0"/>
-              <a:t>11</a:t>
-            </a:r>
-            <a:r>
-              <a:rPr lang="fr-FR" sz="1400" dirty="0" smtClean="0"/>
-              <a:t>=(20.3-i119.2)ohm/m</a:t>
-            </a:r>
-          </a:p>
-          <a:p>
-            <a:pPr algn="ctr"/>
-            <a:r>
-              <a:rPr lang="fr-FR" sz="1400" dirty="0"/>
-              <a:t>Z</a:t>
-            </a:r>
-            <a:r>
-              <a:rPr lang="fr-FR" sz="1400" baseline="-25000" dirty="0"/>
-              <a:t>21</a:t>
-            </a:r>
-            <a:r>
-              <a:rPr lang="fr-FR" sz="1400" dirty="0" smtClean="0"/>
-              <a:t>=(15.0-i12.5)ohm/m</a:t>
-            </a:r>
-            <a:endParaRPr lang="fr-FR" sz="1400" baseline="-25000" dirty="0"/>
-          </a:p>
-        </p:txBody>
-      </p:sp>
-      <p:sp>
-        <p:nvSpPr>
-          <p:cNvPr id="12" name="ZoneTexte 10"/>
-          <p:cNvSpPr txBox="1"/>
-          <p:nvPr/>
-        </p:nvSpPr>
-        <p:spPr>
-          <a:xfrm>
-            <a:off x="3936876" y="2348880"/>
-            <a:ext cx="1414264" cy="307777"/>
-          </a:xfrm>
-          <a:prstGeom prst="rect">
-            <a:avLst/>
-          </a:prstGeom>
-          <a:noFill/>
-        </p:spPr>
-        <p:txBody>
-          <a:bodyPr wrap="square" rtlCol="0">
-            <a:spAutoFit/>
-          </a:bodyPr>
-          <a:lstStyle/>
-          <a:p>
-            <a:pPr algn="ctr"/>
-            <a:r>
-              <a:rPr lang="fr-FR" sz="1400" dirty="0" smtClean="0"/>
-              <a:t>n_e0=10e18</a:t>
+              <a:t>n_e0  =  1e18</a:t>
+            </a:r>
+          </a:p>
+          <a:p>
+            <a:pPr algn="r"/>
+            <a:r>
+              <a:rPr lang="fr-FR" sz="1400" dirty="0" smtClean="0">
+                <a:solidFill>
+                  <a:srgbClr val="FF0000"/>
+                </a:solidFill>
+              </a:rPr>
+              <a:t>5e18</a:t>
+            </a:r>
+          </a:p>
+          <a:p>
+            <a:pPr algn="r"/>
+            <a:r>
+              <a:rPr lang="fr-FR" sz="1400" dirty="0" smtClean="0">
+                <a:solidFill>
+                  <a:schemeClr val="tx2">
+                    <a:lumMod val="60000"/>
+                    <a:lumOff val="40000"/>
+                  </a:schemeClr>
+                </a:solidFill>
+              </a:rPr>
+              <a:t>10e18</a:t>
             </a:r>
           </a:p>
         </p:txBody>
@@ -7179,7 +7106,7 @@
     </p:spTree>
     <p:extLst>
       <p:ext uri="{BB962C8B-B14F-4D97-AF65-F5344CB8AC3E}">
-        <p14:creationId xmlns:p14="http://schemas.microsoft.com/office/powerpoint/2010/main" val="2996223682"/>
+        <p14:creationId xmlns:p14="http://schemas.microsoft.com/office/powerpoint/2010/main" val="1792176862"/>
       </p:ext>
     </p:extLst>
   </p:cSld>
@@ -7264,7 +7191,7 @@
         <p:spPr>
           <a:xfrm>
             <a:off x="5544001" y="1231154"/>
-            <a:ext cx="3599997" cy="2701900"/>
+            <a:ext cx="3599996" cy="2701900"/>
           </a:xfrm>
           <a:prstGeom prst="rect">
             <a:avLst/>
@@ -7293,8 +7220,8 @@
         </p:blipFill>
         <p:spPr>
           <a:xfrm>
-            <a:off x="179913" y="4024364"/>
-            <a:ext cx="3599996" cy="2701900"/>
+            <a:off x="107505" y="4041369"/>
+            <a:ext cx="5399998" cy="2699999"/>
           </a:xfrm>
           <a:prstGeom prst="rect">
             <a:avLst/>
@@ -7324,43 +7251,51 @@
         <p:spPr>
           <a:xfrm>
             <a:off x="179513" y="1231154"/>
-            <a:ext cx="3599996" cy="2701900"/>
+            <a:ext cx="3599997" cy="2701901"/>
           </a:xfrm>
           <a:prstGeom prst="rect">
             <a:avLst/>
           </a:prstGeom>
         </p:spPr>
       </p:pic>
-      <p:pic>
-        <p:nvPicPr>
-          <p:cNvPr id="34" name="Picture 33"/>
-          <p:cNvPicPr>
-            <a:picLocks noChangeAspect="1"/>
-          </p:cNvPicPr>
-          <p:nvPr/>
-        </p:nvPicPr>
-        <p:blipFill>
-          <a:blip r:embed="rId5" cstate="print">
-            <a:extLst>
-              <a:ext uri="{28A0092B-C50C-407E-A947-70E740481C1C}">
-                <a14:useLocalDpi xmlns:a14="http://schemas.microsoft.com/office/drawing/2010/main" val="0"/>
-              </a:ext>
-            </a:extLst>
-          </a:blip>
-          <a:stretch>
-            <a:fillRect/>
-          </a:stretch>
-        </p:blipFill>
-        <p:spPr>
-          <a:xfrm>
-            <a:off x="5544001" y="4024364"/>
-            <a:ext cx="3599996" cy="2701900"/>
-          </a:xfrm>
-          <a:prstGeom prst="rect">
-            <a:avLst/>
-          </a:prstGeom>
-        </p:spPr>
-      </p:pic>
+      <p:sp>
+        <p:nvSpPr>
+          <p:cNvPr id="29" name="ZoneTexte 10"/>
+          <p:cNvSpPr txBox="1"/>
+          <p:nvPr/>
+        </p:nvSpPr>
+        <p:spPr>
+          <a:xfrm>
+            <a:off x="3635896" y="1340768"/>
+            <a:ext cx="1872208" cy="523220"/>
+          </a:xfrm>
+          <a:prstGeom prst="rect">
+            <a:avLst/>
+          </a:prstGeom>
+          <a:noFill/>
+        </p:spPr>
+        <p:txBody>
+          <a:bodyPr wrap="square" rtlCol="0">
+            <a:spAutoFit/>
+          </a:bodyPr>
+          <a:lstStyle/>
+          <a:p>
+            <a:pPr algn="ctr"/>
+            <a:r>
+              <a:rPr lang="fr-FR" sz="1400" dirty="0" smtClean="0"/>
+              <a:t>30 </a:t>
+            </a:r>
+            <a:r>
+              <a:rPr lang="fr-FR" sz="1400" dirty="0" err="1" smtClean="0"/>
+              <a:t>elements</a:t>
+            </a:r>
+            <a:r>
+              <a:rPr lang="fr-FR" sz="1400" dirty="0" smtClean="0"/>
+              <a:t> in the expansion of J</a:t>
+            </a:r>
+          </a:p>
+        </p:txBody>
+      </p:sp>
       <p:sp>
         <p:nvSpPr>
           <p:cNvPr id="46" name="ZoneTexte 32"/>
@@ -7413,9 +7348,39 @@
           </a:p>
         </p:txBody>
       </p:sp>
-      <p:sp>
-        <p:nvSpPr>
-          <p:cNvPr id="13" name="ZoneTexte 10"/>
+      <p:pic>
+        <p:nvPicPr>
+          <p:cNvPr id="10" name="Picture 9"/>
+          <p:cNvPicPr>
+            <a:picLocks noChangeAspect="1"/>
+          </p:cNvPicPr>
+          <p:nvPr/>
+        </p:nvPicPr>
+        <p:blipFill>
+          <a:blip r:embed="rId5" cstate="print">
+            <a:extLst>
+              <a:ext uri="{28A0092B-C50C-407E-A947-70E740481C1C}">
+                <a14:useLocalDpi xmlns:a14="http://schemas.microsoft.com/office/drawing/2010/main" val="0"/>
+              </a:ext>
+            </a:extLst>
+          </a:blip>
+          <a:stretch>
+            <a:fillRect/>
+          </a:stretch>
+        </p:blipFill>
+        <p:spPr>
+          <a:xfrm>
+            <a:off x="5544001" y="4024364"/>
+            <a:ext cx="3599996" cy="2701899"/>
+          </a:xfrm>
+          <a:prstGeom prst="rect">
+            <a:avLst/>
+          </a:prstGeom>
+        </p:spPr>
+      </p:pic>
+      <p:sp>
+        <p:nvSpPr>
+          <p:cNvPr id="11" name="ZoneTexte 10"/>
           <p:cNvSpPr txBox="1"/>
           <p:nvPr/>
         </p:nvSpPr>
@@ -7452,7 +7417,7 @@
       </p:sp>
       <p:sp>
         <p:nvSpPr>
-          <p:cNvPr id="14" name="ZoneTexte 10"/>
+          <p:cNvPr id="12" name="ZoneTexte 10"/>
           <p:cNvSpPr txBox="1"/>
           <p:nvPr/>
         </p:nvSpPr>
@@ -7508,7 +7473,7 @@
     </p:spTree>
     <p:extLst>
       <p:ext uri="{BB962C8B-B14F-4D97-AF65-F5344CB8AC3E}">
-        <p14:creationId xmlns:p14="http://schemas.microsoft.com/office/powerpoint/2010/main" val="1792176862"/>
+        <p14:creationId xmlns:p14="http://schemas.microsoft.com/office/powerpoint/2010/main" val="3475641604"/>
       </p:ext>
     </p:extLst>
   </p:cSld>
@@ -7556,11 +7521,11 @@
             </a:r>
             <a:r>
               <a:rPr lang="fr-FR" dirty="0" err="1" smtClean="0"/>
-              <a:t>Conf</a:t>
+              <a:t>Response</a:t>
             </a:r>
             <a:r>
               <a:rPr lang="fr-FR" dirty="0" smtClean="0"/>
-              <a:t>. </a:t>
+              <a:t> </a:t>
             </a:r>
             <a:r>
               <a:rPr lang="fr-FR" dirty="0" err="1" smtClean="0"/>
@@ -7593,7 +7558,7 @@
         <p:spPr>
           <a:xfrm>
             <a:off x="5544001" y="1231154"/>
-            <a:ext cx="3599996" cy="2701900"/>
+            <a:ext cx="3599997" cy="2701900"/>
           </a:xfrm>
           <a:prstGeom prst="rect">
             <a:avLst/>
@@ -7622,8 +7587,8 @@
         </p:blipFill>
         <p:spPr>
           <a:xfrm>
-            <a:off x="107505" y="4041369"/>
-            <a:ext cx="5399998" cy="2699999"/>
+            <a:off x="179913" y="4024364"/>
+            <a:ext cx="3599996" cy="2701899"/>
           </a:xfrm>
           <a:prstGeom prst="rect">
             <a:avLst/>
@@ -7653,51 +7618,43 @@
         <p:spPr>
           <a:xfrm>
             <a:off x="179513" y="1231154"/>
-            <a:ext cx="3599997" cy="2701901"/>
+            <a:ext cx="3599996" cy="2701900"/>
           </a:xfrm>
           <a:prstGeom prst="rect">
             <a:avLst/>
           </a:prstGeom>
         </p:spPr>
       </p:pic>
-      <p:sp>
-        <p:nvSpPr>
-          <p:cNvPr id="29" name="ZoneTexte 10"/>
-          <p:cNvSpPr txBox="1"/>
-          <p:nvPr/>
-        </p:nvSpPr>
-        <p:spPr>
-          <a:xfrm>
-            <a:off x="3635896" y="1340768"/>
-            <a:ext cx="1872208" cy="523220"/>
-          </a:xfrm>
-          <a:prstGeom prst="rect">
-            <a:avLst/>
-          </a:prstGeom>
-          <a:noFill/>
-        </p:spPr>
-        <p:txBody>
-          <a:bodyPr wrap="square" rtlCol="0">
-            <a:spAutoFit/>
-          </a:bodyPr>
-          <a:lstStyle/>
-          <a:p>
-            <a:pPr algn="ctr"/>
-            <a:r>
-              <a:rPr lang="fr-FR" sz="1400" dirty="0" smtClean="0"/>
-              <a:t>30 </a:t>
-            </a:r>
-            <a:r>
-              <a:rPr lang="fr-FR" sz="1400" dirty="0" err="1" smtClean="0"/>
-              <a:t>elements</a:t>
-            </a:r>
-            <a:r>
-              <a:rPr lang="fr-FR" sz="1400" dirty="0" smtClean="0"/>
-              <a:t> in the expansion of J</a:t>
-            </a:r>
-          </a:p>
-        </p:txBody>
-      </p:sp>
+      <p:pic>
+        <p:nvPicPr>
+          <p:cNvPr id="34" name="Picture 33"/>
+          <p:cNvPicPr>
+            <a:picLocks noChangeAspect="1"/>
+          </p:cNvPicPr>
+          <p:nvPr/>
+        </p:nvPicPr>
+        <p:blipFill>
+          <a:blip r:embed="rId5" cstate="print">
+            <a:extLst>
+              <a:ext uri="{28A0092B-C50C-407E-A947-70E740481C1C}">
+                <a14:useLocalDpi xmlns:a14="http://schemas.microsoft.com/office/drawing/2010/main" val="0"/>
+              </a:ext>
+            </a:extLst>
+          </a:blip>
+          <a:stretch>
+            <a:fillRect/>
+          </a:stretch>
+        </p:blipFill>
+        <p:spPr>
+          <a:xfrm>
+            <a:off x="5544001" y="4024364"/>
+            <a:ext cx="3599996" cy="2701899"/>
+          </a:xfrm>
+          <a:prstGeom prst="rect">
+            <a:avLst/>
+          </a:prstGeom>
+        </p:spPr>
+      </p:pic>
       <p:sp>
         <p:nvSpPr>
           <p:cNvPr id="46" name="ZoneTexte 32"/>
@@ -7750,36 +7707,6 @@
           </a:p>
         </p:txBody>
       </p:sp>
-      <p:pic>
-        <p:nvPicPr>
-          <p:cNvPr id="10" name="Picture 9"/>
-          <p:cNvPicPr>
-            <a:picLocks noChangeAspect="1"/>
-          </p:cNvPicPr>
-          <p:nvPr/>
-        </p:nvPicPr>
-        <p:blipFill>
-          <a:blip r:embed="rId5" cstate="print">
-            <a:extLst>
-              <a:ext uri="{28A0092B-C50C-407E-A947-70E740481C1C}">
-                <a14:useLocalDpi xmlns:a14="http://schemas.microsoft.com/office/drawing/2010/main" val="0"/>
-              </a:ext>
-            </a:extLst>
-          </a:blip>
-          <a:stretch>
-            <a:fillRect/>
-          </a:stretch>
-        </p:blipFill>
-        <p:spPr>
-          <a:xfrm>
-            <a:off x="5544001" y="4024364"/>
-            <a:ext cx="3599996" cy="2701899"/>
-          </a:xfrm>
-          <a:prstGeom prst="rect">
-            <a:avLst/>
-          </a:prstGeom>
-        </p:spPr>
-      </p:pic>
       <p:sp>
         <p:nvSpPr>
           <p:cNvPr id="11" name="ZoneTexte 10"/>
@@ -7788,8 +7715,8 @@
         </p:nvSpPr>
         <p:spPr>
           <a:xfrm>
-            <a:off x="3707904" y="2905780"/>
-            <a:ext cx="1872208" cy="523220"/>
+            <a:off x="3707904" y="4571836"/>
+            <a:ext cx="1872208" cy="369332"/>
           </a:xfrm>
           <a:prstGeom prst="rect">
             <a:avLst/>
@@ -7804,6 +7731,45 @@
           <a:p>
             <a:pPr algn="ctr"/>
             <a:r>
+              <a:rPr lang="fr-FR" dirty="0" err="1" smtClean="0"/>
+              <a:t>Dipole</a:t>
+            </a:r>
+            <a:r>
+              <a:rPr lang="fr-FR" dirty="0" smtClean="0"/>
+              <a:t> </a:t>
+            </a:r>
+            <a:r>
+              <a:rPr lang="fr-FR" dirty="0" err="1" smtClean="0"/>
+              <a:t>phasing</a:t>
+            </a:r>
+            <a:endParaRPr lang="fr-FR" dirty="0" smtClean="0"/>
+          </a:p>
+        </p:txBody>
+      </p:sp>
+      <p:sp>
+        <p:nvSpPr>
+          <p:cNvPr id="14" name="ZoneTexte 10"/>
+          <p:cNvSpPr txBox="1"/>
+          <p:nvPr/>
+        </p:nvSpPr>
+        <p:spPr>
+          <a:xfrm>
+            <a:off x="3707904" y="2905780"/>
+            <a:ext cx="1872208" cy="523220"/>
+          </a:xfrm>
+          <a:prstGeom prst="rect">
+            <a:avLst/>
+          </a:prstGeom>
+          <a:noFill/>
+        </p:spPr>
+        <p:txBody>
+          <a:bodyPr wrap="square" rtlCol="0">
+            <a:spAutoFit/>
+          </a:bodyPr>
+          <a:lstStyle/>
+          <a:p>
+            <a:pPr algn="ctr"/>
+            <a:r>
               <a:rPr lang="fr-FR" sz="1400" dirty="0" smtClean="0"/>
               <a:t>f=50MHz</a:t>
             </a:r>
@@ -7819,7 +7785,7 @@
       </p:sp>
       <p:sp>
         <p:nvSpPr>
-          <p:cNvPr id="12" name="ZoneTexte 10"/>
+          <p:cNvPr id="15" name="ZoneTexte 10"/>
           <p:cNvSpPr txBox="1"/>
           <p:nvPr/>
         </p:nvSpPr>
@@ -7875,7 +7841,7 @@
     </p:spTree>
     <p:extLst>
       <p:ext uri="{BB962C8B-B14F-4D97-AF65-F5344CB8AC3E}">
-        <p14:creationId xmlns:p14="http://schemas.microsoft.com/office/powerpoint/2010/main" val="3475641604"/>
+        <p14:creationId xmlns:p14="http://schemas.microsoft.com/office/powerpoint/2010/main" val="3715240634"/>
       </p:ext>
     </p:extLst>
   </p:cSld>
@@ -7904,346 +7870,40 @@
       </p:grpSpPr>
       <p:sp>
         <p:nvSpPr>
-          <p:cNvPr id="2" name="Titre 1"/>
+          <p:cNvPr id="2" name="Title 1"/>
           <p:cNvSpPr>
             <a:spLocks noGrp="1"/>
           </p:cNvSpPr>
           <p:nvPr>
-            <p:ph type="title"/>
+            <p:ph type="ctrTitle"/>
           </p:nvPr>
         </p:nvSpPr>
         <p:spPr/>
         <p:txBody>
-          <a:bodyPr/>
-          <a:lstStyle/>
-          <a:p>
-            <a:r>
-              <a:rPr lang="fr-FR" dirty="0" smtClean="0"/>
-              <a:t>Plasma </a:t>
-            </a:r>
-            <a:r>
-              <a:rPr lang="fr-FR" dirty="0" err="1" smtClean="0"/>
-              <a:t>Response</a:t>
-            </a:r>
-            <a:r>
-              <a:rPr lang="fr-FR" dirty="0" smtClean="0"/>
-              <a:t> </a:t>
-            </a:r>
-            <a:r>
-              <a:rPr lang="fr-FR" dirty="0" err="1" smtClean="0"/>
-              <a:t>compar</a:t>
-            </a:r>
-            <a:endParaRPr lang="fr-FR" dirty="0"/>
-          </a:p>
-        </p:txBody>
-      </p:sp>
-      <p:pic>
-        <p:nvPicPr>
-          <p:cNvPr id="5" name="Picture 4"/>
-          <p:cNvPicPr>
-            <a:picLocks noChangeAspect="1"/>
-          </p:cNvPicPr>
-          <p:nvPr/>
-        </p:nvPicPr>
-        <p:blipFill>
-          <a:blip r:embed="rId2" cstate="print">
-            <a:extLst>
-              <a:ext uri="{28A0092B-C50C-407E-A947-70E740481C1C}">
-                <a14:useLocalDpi xmlns:a14="http://schemas.microsoft.com/office/drawing/2010/main" val="0"/>
-              </a:ext>
-            </a:extLst>
-          </a:blip>
-          <a:stretch>
-            <a:fillRect/>
-          </a:stretch>
-        </p:blipFill>
-        <p:spPr>
-          <a:xfrm>
-            <a:off x="5544001" y="1231154"/>
-            <a:ext cx="3599997" cy="2701900"/>
-          </a:xfrm>
-          <a:prstGeom prst="rect">
-            <a:avLst/>
-          </a:prstGeom>
-        </p:spPr>
-      </p:pic>
-      <p:pic>
-        <p:nvPicPr>
-          <p:cNvPr id="28" name="Picture 27"/>
-          <p:cNvPicPr>
-            <a:picLocks noChangeAspect="1"/>
-          </p:cNvPicPr>
-          <p:nvPr/>
-        </p:nvPicPr>
-        <p:blipFill>
-          <a:blip r:embed="rId3" cstate="print">
-            <a:extLst>
-              <a:ext uri="{28A0092B-C50C-407E-A947-70E740481C1C}">
-                <a14:useLocalDpi xmlns:a14="http://schemas.microsoft.com/office/drawing/2010/main" val="0"/>
-              </a:ext>
-            </a:extLst>
-          </a:blip>
-          <a:stretch>
-            <a:fillRect/>
-          </a:stretch>
-        </p:blipFill>
-        <p:spPr>
-          <a:xfrm>
-            <a:off x="179913" y="4024364"/>
-            <a:ext cx="3599996" cy="2701899"/>
-          </a:xfrm>
-          <a:prstGeom prst="rect">
-            <a:avLst/>
-          </a:prstGeom>
-        </p:spPr>
-      </p:pic>
-      <p:pic>
-        <p:nvPicPr>
-          <p:cNvPr id="32" name="Picture 31"/>
-          <p:cNvPicPr>
-            <a:picLocks noChangeAspect="1"/>
-          </p:cNvPicPr>
-          <p:nvPr/>
-        </p:nvPicPr>
-        <p:blipFill>
-          <a:blip r:embed="rId4" cstate="print">
-            <a:extLst>
-              <a:ext uri="{28A0092B-C50C-407E-A947-70E740481C1C}">
-                <a14:useLocalDpi xmlns:a14="http://schemas.microsoft.com/office/drawing/2010/main" val="0"/>
-              </a:ext>
-            </a:extLst>
-          </a:blip>
-          <a:stretch>
-            <a:fillRect/>
-          </a:stretch>
-        </p:blipFill>
-        <p:spPr>
-          <a:xfrm>
-            <a:off x="179513" y="1231154"/>
-            <a:ext cx="3599996" cy="2701900"/>
-          </a:xfrm>
-          <a:prstGeom prst="rect">
-            <a:avLst/>
-          </a:prstGeom>
-        </p:spPr>
-      </p:pic>
-      <p:pic>
-        <p:nvPicPr>
-          <p:cNvPr id="34" name="Picture 33"/>
-          <p:cNvPicPr>
-            <a:picLocks noChangeAspect="1"/>
-          </p:cNvPicPr>
-          <p:nvPr/>
-        </p:nvPicPr>
-        <p:blipFill>
-          <a:blip r:embed="rId5" cstate="print">
-            <a:extLst>
-              <a:ext uri="{28A0092B-C50C-407E-A947-70E740481C1C}">
-                <a14:useLocalDpi xmlns:a14="http://schemas.microsoft.com/office/drawing/2010/main" val="0"/>
-              </a:ext>
-            </a:extLst>
-          </a:blip>
-          <a:stretch>
-            <a:fillRect/>
-          </a:stretch>
-        </p:blipFill>
-        <p:spPr>
-          <a:xfrm>
-            <a:off x="5544001" y="4024364"/>
-            <a:ext cx="3599996" cy="2701899"/>
-          </a:xfrm>
-          <a:prstGeom prst="rect">
-            <a:avLst/>
-          </a:prstGeom>
-        </p:spPr>
-      </p:pic>
-      <p:sp>
-        <p:nvSpPr>
-          <p:cNvPr id="46" name="ZoneTexte 32"/>
-          <p:cNvSpPr txBox="1"/>
-          <p:nvPr/>
-        </p:nvSpPr>
-        <p:spPr>
-          <a:xfrm>
-            <a:off x="179512" y="476672"/>
-            <a:ext cx="1276644" cy="461665"/>
-          </a:xfrm>
-          <a:prstGeom prst="rect">
-            <a:avLst/>
-          </a:prstGeom>
-        </p:spPr>
-        <p:style>
-          <a:lnRef idx="2">
-            <a:schemeClr val="accent6"/>
-          </a:lnRef>
-          <a:fillRef idx="1">
-            <a:schemeClr val="lt1"/>
-          </a:fillRef>
-          <a:effectRef idx="0">
-            <a:schemeClr val="accent6"/>
-          </a:effectRef>
-          <a:fontRef idx="minor">
-            <a:schemeClr val="dk1"/>
-          </a:fontRef>
-        </p:style>
-        <p:txBody>
-          <a:bodyPr wrap="square" rtlCol="0">
-            <a:spAutoFit/>
+          <a:bodyPr>
+            <a:normAutofit/>
           </a:bodyPr>
           <a:lstStyle/>
           <a:p>
-            <a:pPr algn="ctr"/>
-            <a:r>
-              <a:rPr lang="fr-FR" sz="1200" dirty="0" smtClean="0"/>
-              <a:t>Constant </a:t>
-            </a:r>
-            <a:r>
-              <a:rPr lang="fr-FR" sz="1200" dirty="0" err="1" smtClean="0"/>
-              <a:t>density</a:t>
-            </a:r>
-            <a:r>
-              <a:rPr lang="fr-FR" sz="1200" dirty="0" smtClean="0"/>
-              <a:t> plasma</a:t>
-            </a:r>
-            <a:endParaRPr lang="fr-FR" sz="1200" dirty="0"/>
-          </a:p>
-        </p:txBody>
-      </p:sp>
-      <p:sp>
-        <p:nvSpPr>
-          <p:cNvPr id="11" name="ZoneTexte 10"/>
-          <p:cNvSpPr txBox="1"/>
-          <p:nvPr/>
-        </p:nvSpPr>
-        <p:spPr>
-          <a:xfrm>
-            <a:off x="3707904" y="4571836"/>
-            <a:ext cx="1872208" cy="369332"/>
-          </a:xfrm>
-          <a:prstGeom prst="rect">
-            <a:avLst/>
-          </a:prstGeom>
-          <a:noFill/>
-        </p:spPr>
-        <p:txBody>
-          <a:bodyPr wrap="square" rtlCol="0">
-            <a:spAutoFit/>
-          </a:bodyPr>
-          <a:lstStyle/>
-          <a:p>
-            <a:pPr algn="ctr"/>
-            <a:r>
-              <a:rPr lang="fr-FR" dirty="0" err="1" smtClean="0"/>
-              <a:t>Dipole</a:t>
-            </a:r>
-            <a:r>
-              <a:rPr lang="fr-FR" dirty="0" smtClean="0"/>
-              <a:t> </a:t>
-            </a:r>
-            <a:r>
-              <a:rPr lang="fr-FR" dirty="0" err="1" smtClean="0"/>
-              <a:t>phasing</a:t>
-            </a:r>
-            <a:endParaRPr lang="fr-FR" dirty="0" smtClean="0"/>
-          </a:p>
-        </p:txBody>
-      </p:sp>
-      <p:sp>
-        <p:nvSpPr>
-          <p:cNvPr id="14" name="ZoneTexte 10"/>
-          <p:cNvSpPr txBox="1"/>
-          <p:nvPr/>
-        </p:nvSpPr>
-        <p:spPr>
-          <a:xfrm>
-            <a:off x="3707904" y="2905780"/>
-            <a:ext cx="1872208" cy="523220"/>
-          </a:xfrm>
-          <a:prstGeom prst="rect">
-            <a:avLst/>
-          </a:prstGeom>
-          <a:noFill/>
-        </p:spPr>
-        <p:txBody>
-          <a:bodyPr wrap="square" rtlCol="0">
-            <a:spAutoFit/>
-          </a:bodyPr>
-          <a:lstStyle/>
-          <a:p>
-            <a:pPr algn="ctr"/>
-            <a:r>
-              <a:rPr lang="fr-FR" sz="1400" dirty="0" smtClean="0"/>
-              <a:t>f=50MHz</a:t>
-            </a:r>
-          </a:p>
-          <a:p>
-            <a:pPr algn="ctr"/>
-            <a:r>
-              <a:rPr lang="fr-FR" sz="1400" dirty="0" smtClean="0"/>
-              <a:t>D(H)5%</a:t>
-            </a:r>
-          </a:p>
-        </p:txBody>
-      </p:sp>
-      <p:sp>
-        <p:nvSpPr>
-          <p:cNvPr id="15" name="ZoneTexte 10"/>
-          <p:cNvSpPr txBox="1"/>
-          <p:nvPr/>
-        </p:nvSpPr>
-        <p:spPr>
-          <a:xfrm>
-            <a:off x="3923928" y="2114272"/>
-            <a:ext cx="1296144" cy="738664"/>
-          </a:xfrm>
-          <a:prstGeom prst="rect">
-            <a:avLst/>
-          </a:prstGeom>
-          <a:noFill/>
-        </p:spPr>
-        <p:txBody>
-          <a:bodyPr wrap="square" rtlCol="0">
-            <a:spAutoFit/>
-          </a:bodyPr>
-          <a:lstStyle/>
-          <a:p>
-            <a:pPr algn="r"/>
-            <a:r>
-              <a:rPr lang="fr-FR" sz="1400" dirty="0" smtClean="0"/>
-              <a:t>n_e0  =  1e18</a:t>
-            </a:r>
-          </a:p>
-          <a:p>
-            <a:pPr algn="r"/>
-            <a:r>
-              <a:rPr lang="fr-FR" sz="1400" dirty="0" smtClean="0">
-                <a:solidFill>
-                  <a:srgbClr val="FF0000"/>
-                </a:solidFill>
-              </a:rPr>
-              <a:t>5e18</a:t>
-            </a:r>
-          </a:p>
-          <a:p>
-            <a:pPr algn="r"/>
-            <a:r>
-              <a:rPr lang="fr-FR" sz="1400" dirty="0" smtClean="0">
-                <a:solidFill>
-                  <a:schemeClr val="tx2">
-                    <a:lumMod val="60000"/>
-                    <a:lumOff val="40000"/>
-                  </a:schemeClr>
-                </a:solidFill>
-              </a:rPr>
-              <a:t>10e18</a:t>
-            </a:r>
+            <a:r>
+              <a:rPr lang="en-GB" dirty="0" smtClean="0"/>
+              <a:t>Second case:</a:t>
+            </a:r>
+            <a:br>
+              <a:rPr lang="en-GB" dirty="0" smtClean="0"/>
+            </a:br>
+            <a:r>
+              <a:rPr lang="en-GB" dirty="0" smtClean="0"/>
+              <a:t>Single strap – constant profile</a:t>
+            </a:r>
+            <a:endParaRPr lang="en-GB" dirty="0"/>
           </a:p>
         </p:txBody>
       </p:sp>
     </p:spTree>
     <p:extLst>
       <p:ext uri="{BB962C8B-B14F-4D97-AF65-F5344CB8AC3E}">
-        <p14:creationId xmlns:p14="http://schemas.microsoft.com/office/powerpoint/2010/main" val="3715240634"/>
+        <p14:creationId xmlns:p14="http://schemas.microsoft.com/office/powerpoint/2010/main" val="346981464"/>
       </p:ext>
     </p:extLst>
   </p:cSld>
@@ -8270,42 +7930,380 @@
           <a:chExt cx="0" cy="0"/>
         </a:xfrm>
       </p:grpSpPr>
-      <p:sp>
-        <p:nvSpPr>
-          <p:cNvPr id="2" name="Title 1"/>
+      <p:pic>
+        <p:nvPicPr>
+          <p:cNvPr id="5" name="Picture 4"/>
+          <p:cNvPicPr>
+            <a:picLocks noChangeAspect="1"/>
+          </p:cNvPicPr>
+          <p:nvPr/>
+        </p:nvPicPr>
+        <p:blipFill>
+          <a:blip r:embed="rId2" cstate="print">
+            <a:extLst>
+              <a:ext uri="{28A0092B-C50C-407E-A947-70E740481C1C}">
+                <a14:useLocalDpi xmlns:a14="http://schemas.microsoft.com/office/drawing/2010/main" val="0"/>
+              </a:ext>
+            </a:extLst>
+          </a:blip>
+          <a:stretch>
+            <a:fillRect/>
+          </a:stretch>
+        </p:blipFill>
+        <p:spPr>
+          <a:xfrm>
+            <a:off x="5544001" y="1231154"/>
+            <a:ext cx="3599997" cy="2701901"/>
+          </a:xfrm>
+          <a:prstGeom prst="rect">
+            <a:avLst/>
+          </a:prstGeom>
+        </p:spPr>
+      </p:pic>
+      <p:pic>
+        <p:nvPicPr>
+          <p:cNvPr id="32" name="Picture 31"/>
+          <p:cNvPicPr>
+            <a:picLocks noChangeAspect="1"/>
+          </p:cNvPicPr>
+          <p:nvPr/>
+        </p:nvPicPr>
+        <p:blipFill>
+          <a:blip r:embed="rId3" cstate="print">
+            <a:extLst>
+              <a:ext uri="{28A0092B-C50C-407E-A947-70E740481C1C}">
+                <a14:useLocalDpi xmlns:a14="http://schemas.microsoft.com/office/drawing/2010/main" val="0"/>
+              </a:ext>
+            </a:extLst>
+          </a:blip>
+          <a:stretch>
+            <a:fillRect/>
+          </a:stretch>
+        </p:blipFill>
+        <p:spPr>
+          <a:xfrm>
+            <a:off x="179513" y="1231154"/>
+            <a:ext cx="3599997" cy="2701900"/>
+          </a:xfrm>
+          <a:prstGeom prst="rect">
+            <a:avLst/>
+          </a:prstGeom>
+        </p:spPr>
+      </p:pic>
+      <p:sp>
+        <p:nvSpPr>
+          <p:cNvPr id="29" name="ZoneTexte 10"/>
+          <p:cNvSpPr txBox="1"/>
+          <p:nvPr/>
+        </p:nvSpPr>
+        <p:spPr>
+          <a:xfrm>
+            <a:off x="3635896" y="1340768"/>
+            <a:ext cx="1872208" cy="523220"/>
+          </a:xfrm>
+          <a:prstGeom prst="rect">
+            <a:avLst/>
+          </a:prstGeom>
+          <a:noFill/>
+        </p:spPr>
+        <p:txBody>
+          <a:bodyPr wrap="square" rtlCol="0">
+            <a:spAutoFit/>
+          </a:bodyPr>
+          <a:lstStyle/>
+          <a:p>
+            <a:pPr algn="ctr"/>
+            <a:r>
+              <a:rPr lang="fr-FR" sz="1400" dirty="0" smtClean="0"/>
+              <a:t>30 </a:t>
+            </a:r>
+            <a:r>
+              <a:rPr lang="fr-FR" sz="1400" dirty="0" err="1" smtClean="0"/>
+              <a:t>elements</a:t>
+            </a:r>
+            <a:r>
+              <a:rPr lang="fr-FR" sz="1400" dirty="0" smtClean="0"/>
+              <a:t> in the expansion of J</a:t>
+            </a:r>
+          </a:p>
+        </p:txBody>
+      </p:sp>
+      <p:sp>
+        <p:nvSpPr>
+          <p:cNvPr id="46" name="ZoneTexte 32"/>
+          <p:cNvSpPr txBox="1"/>
+          <p:nvPr/>
+        </p:nvSpPr>
+        <p:spPr>
+          <a:xfrm>
+            <a:off x="179512" y="476672"/>
+            <a:ext cx="1276644" cy="461665"/>
+          </a:xfrm>
+          <a:prstGeom prst="rect">
+            <a:avLst/>
+          </a:prstGeom>
+        </p:spPr>
+        <p:style>
+          <a:lnRef idx="2">
+            <a:schemeClr val="accent6"/>
+          </a:lnRef>
+          <a:fillRef idx="1">
+            <a:schemeClr val="lt1"/>
+          </a:fillRef>
+          <a:effectRef idx="0">
+            <a:schemeClr val="accent6"/>
+          </a:effectRef>
+          <a:fontRef idx="minor">
+            <a:schemeClr val="dk1"/>
+          </a:fontRef>
+        </p:style>
+        <p:txBody>
+          <a:bodyPr wrap="square" rtlCol="0">
+            <a:spAutoFit/>
+          </a:bodyPr>
+          <a:lstStyle/>
+          <a:p>
+            <a:pPr algn="ctr"/>
+            <a:r>
+              <a:rPr lang="fr-FR" sz="1200" dirty="0" smtClean="0"/>
+              <a:t>Constant </a:t>
+            </a:r>
+            <a:r>
+              <a:rPr lang="fr-FR" sz="1200" dirty="0" err="1" smtClean="0"/>
+              <a:t>density</a:t>
+            </a:r>
+            <a:r>
+              <a:rPr lang="fr-FR" sz="1200" dirty="0" smtClean="0"/>
+              <a:t> plasma</a:t>
+            </a:r>
+            <a:endParaRPr lang="fr-FR" sz="1200" dirty="0"/>
+          </a:p>
+        </p:txBody>
+      </p:sp>
+      <p:sp>
+        <p:nvSpPr>
+          <p:cNvPr id="11" name="ZoneTexte 10"/>
+          <p:cNvSpPr txBox="1"/>
+          <p:nvPr/>
+        </p:nvSpPr>
+        <p:spPr>
+          <a:xfrm>
+            <a:off x="3707904" y="2905780"/>
+            <a:ext cx="1872208" cy="523220"/>
+          </a:xfrm>
+          <a:prstGeom prst="rect">
+            <a:avLst/>
+          </a:prstGeom>
+          <a:noFill/>
+        </p:spPr>
+        <p:txBody>
+          <a:bodyPr wrap="square" rtlCol="0">
+            <a:spAutoFit/>
+          </a:bodyPr>
+          <a:lstStyle/>
+          <a:p>
+            <a:pPr algn="ctr"/>
+            <a:r>
+              <a:rPr lang="fr-FR" sz="1400" dirty="0" smtClean="0"/>
+              <a:t>f=50MHz</a:t>
+            </a:r>
+          </a:p>
+          <a:p>
+            <a:pPr algn="ctr"/>
+            <a:r>
+              <a:rPr lang="fr-FR" sz="1400" dirty="0" smtClean="0"/>
+              <a:t>D(H)5%</a:t>
+            </a:r>
+          </a:p>
+        </p:txBody>
+      </p:sp>
+      <p:sp>
+        <p:nvSpPr>
+          <p:cNvPr id="13" name="Titre 1"/>
           <p:cNvSpPr>
             <a:spLocks noGrp="1"/>
           </p:cNvSpPr>
           <p:nvPr>
-            <p:ph type="ctrTitle"/>
+            <p:ph type="title"/>
           </p:nvPr>
         </p:nvSpPr>
-        <p:spPr/>
-        <p:txBody>
-          <a:bodyPr>
-            <a:normAutofit/>
+        <p:spPr>
+          <a:xfrm>
+            <a:off x="457200" y="116632"/>
+            <a:ext cx="8229600" cy="1143000"/>
+          </a:xfrm>
+        </p:spPr>
+        <p:txBody>
+          <a:bodyPr/>
+          <a:lstStyle/>
+          <a:p>
+            <a:r>
+              <a:rPr lang="fr-FR" dirty="0" smtClean="0"/>
+              <a:t>Plasma </a:t>
+            </a:r>
+            <a:r>
+              <a:rPr lang="fr-FR" dirty="0" err="1" smtClean="0"/>
+              <a:t>Response</a:t>
+            </a:r>
+            <a:r>
+              <a:rPr lang="fr-FR" dirty="0" smtClean="0"/>
+              <a:t> 1e8</a:t>
+            </a:r>
+            <a:endParaRPr lang="fr-FR" dirty="0"/>
+          </a:p>
+        </p:txBody>
+      </p:sp>
+      <p:pic>
+        <p:nvPicPr>
+          <p:cNvPr id="12" name="Picture 11"/>
+          <p:cNvPicPr>
+            <a:picLocks noChangeAspect="1"/>
+          </p:cNvPicPr>
+          <p:nvPr/>
+        </p:nvPicPr>
+        <p:blipFill>
+          <a:blip r:embed="rId4" cstate="print">
+            <a:extLst>
+              <a:ext uri="{28A0092B-C50C-407E-A947-70E740481C1C}">
+                <a14:useLocalDpi xmlns:a14="http://schemas.microsoft.com/office/drawing/2010/main" val="0"/>
+              </a:ext>
+            </a:extLst>
+          </a:blip>
+          <a:stretch>
+            <a:fillRect/>
+          </a:stretch>
+        </p:blipFill>
+        <p:spPr>
+          <a:xfrm>
+            <a:off x="179913" y="4024364"/>
+            <a:ext cx="3599995" cy="2701899"/>
+          </a:xfrm>
+          <a:prstGeom prst="rect">
+            <a:avLst/>
+          </a:prstGeom>
+        </p:spPr>
+      </p:pic>
+      <p:pic>
+        <p:nvPicPr>
+          <p:cNvPr id="14" name="Picture 13"/>
+          <p:cNvPicPr>
+            <a:picLocks noChangeAspect="1"/>
+          </p:cNvPicPr>
+          <p:nvPr/>
+        </p:nvPicPr>
+        <p:blipFill>
+          <a:blip r:embed="rId5" cstate="print">
+            <a:extLst>
+              <a:ext uri="{28A0092B-C50C-407E-A947-70E740481C1C}">
+                <a14:useLocalDpi xmlns:a14="http://schemas.microsoft.com/office/drawing/2010/main" val="0"/>
+              </a:ext>
+            </a:extLst>
+          </a:blip>
+          <a:stretch>
+            <a:fillRect/>
+          </a:stretch>
+        </p:blipFill>
+        <p:spPr>
+          <a:xfrm>
+            <a:off x="5544001" y="4024364"/>
+            <a:ext cx="3599995" cy="2701899"/>
+          </a:xfrm>
+          <a:prstGeom prst="rect">
+            <a:avLst/>
+          </a:prstGeom>
+        </p:spPr>
+      </p:pic>
+      <p:sp>
+        <p:nvSpPr>
+          <p:cNvPr id="15" name="ZoneTexte 10"/>
+          <p:cNvSpPr txBox="1"/>
+          <p:nvPr/>
+        </p:nvSpPr>
+        <p:spPr>
+          <a:xfrm>
+            <a:off x="3707904" y="4571836"/>
+            <a:ext cx="1872208" cy="646331"/>
+          </a:xfrm>
+          <a:prstGeom prst="rect">
+            <a:avLst/>
+          </a:prstGeom>
+          <a:noFill/>
+        </p:spPr>
+        <p:txBody>
+          <a:bodyPr wrap="square" rtlCol="0">
+            <a:spAutoFit/>
           </a:bodyPr>
           <a:lstStyle/>
           <a:p>
-            <a:r>
-              <a:rPr lang="en-GB" dirty="0" smtClean="0"/>
-              <a:t>Second case:</a:t>
-            </a:r>
-            <a:br>
-              <a:rPr lang="en-GB" dirty="0" smtClean="0"/>
-            </a:br>
-            <a:r>
-              <a:rPr lang="en-GB" dirty="0" smtClean="0"/>
-              <a:t>Single strap – constant profile</a:t>
-            </a:r>
-            <a:endParaRPr lang="en-GB" dirty="0"/>
+            <a:pPr algn="ctr"/>
+            <a:r>
+              <a:rPr lang="fr-FR" dirty="0" smtClean="0"/>
+              <a:t>Z</a:t>
+            </a:r>
+            <a:r>
+              <a:rPr lang="fr-FR" baseline="-25000" dirty="0" smtClean="0"/>
+              <a:t>A</a:t>
+            </a:r>
+            <a:r>
+              <a:rPr lang="fr-FR" dirty="0" smtClean="0"/>
+              <a:t>=R</a:t>
+            </a:r>
+            <a:r>
+              <a:rPr lang="fr-FR" baseline="-25000" dirty="0" smtClean="0"/>
+              <a:t>A3</a:t>
+            </a:r>
+            <a:r>
+              <a:rPr lang="fr-FR" dirty="0" smtClean="0"/>
+              <a:t>+iX</a:t>
+            </a:r>
+            <a:r>
+              <a:rPr lang="fr-FR" baseline="-25000" dirty="0" smtClean="0"/>
+              <a:t>A3</a:t>
+            </a:r>
+          </a:p>
+          <a:p>
+            <a:pPr algn="ctr"/>
+            <a:r>
+              <a:rPr lang="fr-FR" dirty="0" smtClean="0"/>
+              <a:t>0.44+i105</a:t>
+            </a:r>
+          </a:p>
+        </p:txBody>
+      </p:sp>
+      <p:sp>
+        <p:nvSpPr>
+          <p:cNvPr id="16" name="ZoneTexte 10"/>
+          <p:cNvSpPr txBox="1"/>
+          <p:nvPr/>
+        </p:nvSpPr>
+        <p:spPr>
+          <a:xfrm>
+            <a:off x="3936876" y="2348880"/>
+            <a:ext cx="1414264" cy="307777"/>
+          </a:xfrm>
+          <a:prstGeom prst="rect">
+            <a:avLst/>
+          </a:prstGeom>
+          <a:noFill/>
+        </p:spPr>
+        <p:txBody>
+          <a:bodyPr wrap="square" rtlCol="0">
+            <a:spAutoFit/>
+          </a:bodyPr>
+          <a:lstStyle/>
+          <a:p>
+            <a:pPr algn="ctr"/>
+            <a:r>
+              <a:rPr lang="fr-FR" sz="1400" dirty="0" smtClean="0"/>
+              <a:t>n_e0=1e18</a:t>
+            </a:r>
           </a:p>
         </p:txBody>
       </p:sp>
     </p:spTree>
     <p:extLst>
       <p:ext uri="{BB962C8B-B14F-4D97-AF65-F5344CB8AC3E}">
-        <p14:creationId xmlns:p14="http://schemas.microsoft.com/office/powerpoint/2010/main" val="346981464"/>
+        <p14:creationId xmlns:p14="http://schemas.microsoft.com/office/powerpoint/2010/main" val="2712019691"/>
       </p:ext>
     </p:extLst>
   </p:cSld>
@@ -8334,36 +8332,6 @@
       </p:grpSpPr>
       <p:sp>
         <p:nvSpPr>
-          <p:cNvPr id="67" name="ZoneTexte 66"/>
-          <p:cNvSpPr txBox="1"/>
-          <p:nvPr/>
-        </p:nvSpPr>
-        <p:spPr>
-          <a:xfrm>
-            <a:off x="2339752" y="2765688"/>
-            <a:ext cx="620683" cy="261610"/>
-          </a:xfrm>
-          <a:prstGeom prst="rect">
-            <a:avLst/>
-          </a:prstGeom>
-          <a:noFill/>
-        </p:spPr>
-        <p:txBody>
-          <a:bodyPr wrap="none" rtlCol="0">
-            <a:spAutoFit/>
-          </a:bodyPr>
-          <a:lstStyle/>
-          <a:p>
-            <a:r>
-              <a:rPr lang="fr-FR" sz="1100" dirty="0" err="1" smtClean="0"/>
-              <a:t>d_strap</a:t>
-            </a:r>
-            <a:endParaRPr lang="fr-FR" sz="1100" dirty="0"/>
-          </a:p>
-        </p:txBody>
-      </p:sp>
-      <p:sp>
-        <p:nvSpPr>
           <p:cNvPr id="43" name="Rectangle 42"/>
           <p:cNvSpPr/>
           <p:nvPr/>
@@ -8371,7 +8339,7 @@
         <p:spPr>
           <a:xfrm>
             <a:off x="6444208" y="2708920"/>
-            <a:ext cx="864096" cy="1207566"/>
+            <a:ext cx="1512168" cy="1207566"/>
           </a:xfrm>
           <a:prstGeom prst="rect">
             <a:avLst/>
@@ -8417,477 +8385,14 @@
       </p:sp>
       <p:sp>
         <p:nvSpPr>
-          <p:cNvPr id="4" name="Titre 3"/>
-          <p:cNvSpPr>
-            <a:spLocks noGrp="1"/>
-          </p:cNvSpPr>
-          <p:nvPr>
-            <p:ph type="title"/>
-          </p:nvPr>
-        </p:nvSpPr>
-        <p:spPr/>
-        <p:txBody>
-          <a:bodyPr/>
-          <a:lstStyle/>
-          <a:p>
-            <a:r>
-              <a:rPr lang="fr-FR" dirty="0" smtClean="0"/>
-              <a:t>Single </a:t>
-            </a:r>
-            <a:r>
-              <a:rPr lang="fr-FR" dirty="0" err="1" smtClean="0"/>
-              <a:t>Strap</a:t>
-            </a:r>
-            <a:r>
-              <a:rPr lang="fr-FR" dirty="0" smtClean="0"/>
-              <a:t> </a:t>
-            </a:r>
-            <a:r>
-              <a:rPr lang="fr-FR" dirty="0" err="1" smtClean="0"/>
-              <a:t>Antenna</a:t>
-            </a:r>
-            <a:endParaRPr lang="fr-FR" dirty="0"/>
-          </a:p>
-        </p:txBody>
-      </p:sp>
-      <p:cxnSp>
-        <p:nvCxnSpPr>
-          <p:cNvPr id="6" name="Connecteur droit 5"/>
-          <p:cNvCxnSpPr/>
-          <p:nvPr/>
-        </p:nvCxnSpPr>
-        <p:spPr>
-          <a:xfrm>
-            <a:off x="2622900" y="1844824"/>
-            <a:ext cx="0" cy="864096"/>
-          </a:xfrm>
-          <a:prstGeom prst="line">
-            <a:avLst/>
-          </a:prstGeom>
-          <a:ln w="38100">
-            <a:solidFill>
-              <a:schemeClr val="tx1">
-                <a:lumMod val="95000"/>
-                <a:lumOff val="5000"/>
-              </a:schemeClr>
-            </a:solidFill>
-          </a:ln>
-        </p:spPr>
-        <p:style>
-          <a:lnRef idx="1">
-            <a:schemeClr val="accent1"/>
-          </a:lnRef>
-          <a:fillRef idx="0">
-            <a:schemeClr val="accent1"/>
-          </a:fillRef>
-          <a:effectRef idx="0">
-            <a:schemeClr val="accent1"/>
-          </a:effectRef>
-          <a:fontRef idx="minor">
-            <a:schemeClr val="tx1"/>
-          </a:fontRef>
-        </p:style>
-      </p:cxnSp>
-      <p:cxnSp>
-        <p:nvCxnSpPr>
-          <p:cNvPr id="7" name="Connecteur droit 6"/>
-          <p:cNvCxnSpPr/>
-          <p:nvPr/>
-        </p:nvCxnSpPr>
-        <p:spPr>
-          <a:xfrm>
-            <a:off x="1475656" y="2708920"/>
-            <a:ext cx="0" cy="1296144"/>
-          </a:xfrm>
-          <a:prstGeom prst="line">
-            <a:avLst/>
-          </a:prstGeom>
-          <a:ln w="38100">
-            <a:solidFill>
-              <a:schemeClr val="tx1">
-                <a:lumMod val="95000"/>
-                <a:lumOff val="5000"/>
-              </a:schemeClr>
-            </a:solidFill>
-          </a:ln>
-        </p:spPr>
-        <p:style>
-          <a:lnRef idx="1">
-            <a:schemeClr val="accent1"/>
-          </a:lnRef>
-          <a:fillRef idx="0">
-            <a:schemeClr val="accent1"/>
-          </a:fillRef>
-          <a:effectRef idx="0">
-            <a:schemeClr val="accent1"/>
-          </a:effectRef>
-          <a:fontRef idx="minor">
-            <a:schemeClr val="tx1"/>
-          </a:fontRef>
-        </p:style>
-      </p:cxnSp>
-      <p:cxnSp>
-        <p:nvCxnSpPr>
-          <p:cNvPr id="8" name="Connecteur droit 7"/>
-          <p:cNvCxnSpPr/>
-          <p:nvPr/>
-        </p:nvCxnSpPr>
-        <p:spPr>
-          <a:xfrm>
-            <a:off x="1475656" y="2708920"/>
-            <a:ext cx="1152128" cy="0"/>
-          </a:xfrm>
-          <a:prstGeom prst="line">
-            <a:avLst/>
-          </a:prstGeom>
-          <a:ln w="38100">
-            <a:solidFill>
-              <a:schemeClr val="tx1">
-                <a:lumMod val="95000"/>
-                <a:lumOff val="5000"/>
-              </a:schemeClr>
-            </a:solidFill>
-          </a:ln>
-        </p:spPr>
-        <p:style>
-          <a:lnRef idx="1">
-            <a:schemeClr val="accent1"/>
-          </a:lnRef>
-          <a:fillRef idx="0">
-            <a:schemeClr val="accent1"/>
-          </a:fillRef>
-          <a:effectRef idx="0">
-            <a:schemeClr val="accent1"/>
-          </a:effectRef>
-          <a:fontRef idx="minor">
-            <a:schemeClr val="tx1"/>
-          </a:fontRef>
-        </p:style>
-      </p:cxnSp>
-      <p:cxnSp>
-        <p:nvCxnSpPr>
-          <p:cNvPr id="12" name="Connecteur droit 11"/>
-          <p:cNvCxnSpPr/>
-          <p:nvPr/>
-        </p:nvCxnSpPr>
-        <p:spPr>
-          <a:xfrm>
-            <a:off x="1470772" y="4005064"/>
-            <a:ext cx="1152128" cy="0"/>
-          </a:xfrm>
-          <a:prstGeom prst="line">
-            <a:avLst/>
-          </a:prstGeom>
-          <a:ln w="38100">
-            <a:solidFill>
-              <a:schemeClr val="tx1">
-                <a:lumMod val="95000"/>
-                <a:lumOff val="5000"/>
-              </a:schemeClr>
-            </a:solidFill>
-          </a:ln>
-        </p:spPr>
-        <p:style>
-          <a:lnRef idx="1">
-            <a:schemeClr val="accent1"/>
-          </a:lnRef>
-          <a:fillRef idx="0">
-            <a:schemeClr val="accent1"/>
-          </a:fillRef>
-          <a:effectRef idx="0">
-            <a:schemeClr val="accent1"/>
-          </a:effectRef>
-          <a:fontRef idx="minor">
-            <a:schemeClr val="tx1"/>
-          </a:fontRef>
-        </p:style>
-      </p:cxnSp>
-      <p:cxnSp>
-        <p:nvCxnSpPr>
-          <p:cNvPr id="13" name="Connecteur droit 12"/>
-          <p:cNvCxnSpPr/>
-          <p:nvPr/>
-        </p:nvCxnSpPr>
-        <p:spPr>
-          <a:xfrm>
-            <a:off x="2629404" y="4005064"/>
-            <a:ext cx="0" cy="864096"/>
-          </a:xfrm>
-          <a:prstGeom prst="line">
-            <a:avLst/>
-          </a:prstGeom>
-          <a:ln w="38100">
-            <a:solidFill>
-              <a:schemeClr val="tx1">
-                <a:lumMod val="95000"/>
-                <a:lumOff val="5000"/>
-              </a:schemeClr>
-            </a:solidFill>
-          </a:ln>
-        </p:spPr>
-        <p:style>
-          <a:lnRef idx="1">
-            <a:schemeClr val="accent1"/>
-          </a:lnRef>
-          <a:fillRef idx="0">
-            <a:schemeClr val="accent1"/>
-          </a:fillRef>
-          <a:effectRef idx="0">
-            <a:schemeClr val="accent1"/>
-          </a:effectRef>
-          <a:fontRef idx="minor">
-            <a:schemeClr val="tx1"/>
-          </a:fontRef>
-        </p:style>
-      </p:cxnSp>
-      <p:cxnSp>
-        <p:nvCxnSpPr>
-          <p:cNvPr id="14" name="Connecteur droit 13"/>
-          <p:cNvCxnSpPr/>
-          <p:nvPr/>
-        </p:nvCxnSpPr>
-        <p:spPr>
-          <a:xfrm>
-            <a:off x="2339752" y="2708920"/>
-            <a:ext cx="0" cy="1008112"/>
-          </a:xfrm>
-          <a:prstGeom prst="line">
-            <a:avLst/>
-          </a:prstGeom>
-          <a:ln w="38100">
-            <a:solidFill>
-              <a:schemeClr val="accent2"/>
-            </a:solidFill>
-          </a:ln>
-        </p:spPr>
-        <p:style>
-          <a:lnRef idx="1">
-            <a:schemeClr val="accent1"/>
-          </a:lnRef>
-          <a:fillRef idx="0">
-            <a:schemeClr val="accent1"/>
-          </a:fillRef>
-          <a:effectRef idx="0">
-            <a:schemeClr val="accent1"/>
-          </a:effectRef>
-          <a:fontRef idx="minor">
-            <a:schemeClr val="tx1"/>
-          </a:fontRef>
-        </p:style>
-      </p:cxnSp>
-      <p:cxnSp>
-        <p:nvCxnSpPr>
-          <p:cNvPr id="26" name="Connecteur droit 25"/>
-          <p:cNvCxnSpPr/>
-          <p:nvPr/>
-        </p:nvCxnSpPr>
-        <p:spPr>
-          <a:xfrm>
-            <a:off x="2915816" y="1844824"/>
-            <a:ext cx="0" cy="3024336"/>
-          </a:xfrm>
-          <a:prstGeom prst="line">
-            <a:avLst/>
-          </a:prstGeom>
-          <a:ln w="28575">
-            <a:solidFill>
-              <a:schemeClr val="tx2"/>
-            </a:solidFill>
-          </a:ln>
-        </p:spPr>
-        <p:style>
-          <a:lnRef idx="1">
-            <a:schemeClr val="accent1"/>
-          </a:lnRef>
-          <a:fillRef idx="0">
-            <a:schemeClr val="accent1"/>
-          </a:fillRef>
-          <a:effectRef idx="0">
-            <a:schemeClr val="accent1"/>
-          </a:effectRef>
-          <a:fontRef idx="minor">
-            <a:schemeClr val="tx1"/>
-          </a:fontRef>
-        </p:style>
-      </p:cxnSp>
-      <p:sp>
-        <p:nvSpPr>
-          <p:cNvPr id="28" name="ZoneTexte 27"/>
-          <p:cNvSpPr txBox="1"/>
-          <p:nvPr/>
-        </p:nvSpPr>
-        <p:spPr>
-          <a:xfrm>
-            <a:off x="1504846" y="3639487"/>
-            <a:ext cx="674544" cy="276999"/>
-          </a:xfrm>
-          <a:prstGeom prst="rect">
-            <a:avLst/>
-          </a:prstGeom>
-          <a:noFill/>
-        </p:spPr>
-        <p:txBody>
-          <a:bodyPr wrap="none" rtlCol="0">
-            <a:spAutoFit/>
-          </a:bodyPr>
-          <a:lstStyle/>
-          <a:p>
-            <a:r>
-              <a:rPr lang="fr-FR" sz="1200" dirty="0" smtClean="0"/>
-              <a:t>vacuum</a:t>
-            </a:r>
-            <a:endParaRPr lang="fr-FR" sz="1200" dirty="0"/>
-          </a:p>
-        </p:txBody>
-      </p:sp>
-      <p:cxnSp>
-        <p:nvCxnSpPr>
-          <p:cNvPr id="30" name="Connecteur droit avec flèche 29"/>
-          <p:cNvCxnSpPr/>
-          <p:nvPr/>
-        </p:nvCxnSpPr>
-        <p:spPr>
-          <a:xfrm>
-            <a:off x="2629404" y="3496404"/>
-            <a:ext cx="327156" cy="0"/>
-          </a:xfrm>
-          <a:prstGeom prst="straightConnector1">
-            <a:avLst/>
-          </a:prstGeom>
-          <a:ln w="28575">
-            <a:solidFill>
-              <a:schemeClr val="tx1">
-                <a:lumMod val="95000"/>
-                <a:lumOff val="5000"/>
-              </a:schemeClr>
-            </a:solidFill>
-            <a:tailEnd type="arrow"/>
-          </a:ln>
-        </p:spPr>
-        <p:style>
-          <a:lnRef idx="1">
-            <a:schemeClr val="accent1"/>
-          </a:lnRef>
-          <a:fillRef idx="0">
-            <a:schemeClr val="accent1"/>
-          </a:fillRef>
-          <a:effectRef idx="0">
-            <a:schemeClr val="accent1"/>
-          </a:effectRef>
-          <a:fontRef idx="minor">
-            <a:schemeClr val="tx1"/>
-          </a:fontRef>
-        </p:style>
-      </p:cxnSp>
-      <p:cxnSp>
-        <p:nvCxnSpPr>
-          <p:cNvPr id="32" name="Connecteur droit avec flèche 31"/>
-          <p:cNvCxnSpPr/>
-          <p:nvPr/>
-        </p:nvCxnSpPr>
-        <p:spPr>
-          <a:xfrm flipV="1">
-            <a:off x="2629404" y="3208372"/>
-            <a:ext cx="0" cy="288032"/>
-          </a:xfrm>
-          <a:prstGeom prst="straightConnector1">
-            <a:avLst/>
-          </a:prstGeom>
-          <a:ln w="28575">
-            <a:solidFill>
-              <a:schemeClr val="tx1">
-                <a:lumMod val="95000"/>
-                <a:lumOff val="5000"/>
-              </a:schemeClr>
-            </a:solidFill>
-            <a:tailEnd type="arrow"/>
-          </a:ln>
-        </p:spPr>
-        <p:style>
-          <a:lnRef idx="1">
-            <a:schemeClr val="accent1"/>
-          </a:lnRef>
-          <a:fillRef idx="0">
-            <a:schemeClr val="accent1"/>
-          </a:fillRef>
-          <a:effectRef idx="0">
-            <a:schemeClr val="accent1"/>
-          </a:effectRef>
-          <a:fontRef idx="minor">
-            <a:schemeClr val="tx1"/>
-          </a:fontRef>
-        </p:style>
-      </p:cxnSp>
-      <p:sp>
-        <p:nvSpPr>
-          <p:cNvPr id="40" name="ZoneTexte 39"/>
-          <p:cNvSpPr txBox="1"/>
-          <p:nvPr/>
-        </p:nvSpPr>
-        <p:spPr>
-          <a:xfrm>
-            <a:off x="2991804" y="3311738"/>
-            <a:ext cx="284052" cy="369332"/>
-          </a:xfrm>
-          <a:prstGeom prst="rect">
-            <a:avLst/>
-          </a:prstGeom>
-          <a:noFill/>
-        </p:spPr>
-        <p:txBody>
-          <a:bodyPr wrap="none" rtlCol="0">
-            <a:spAutoFit/>
-          </a:bodyPr>
-          <a:lstStyle/>
-          <a:p>
-            <a:r>
-              <a:rPr lang="fr-FR" dirty="0" smtClean="0"/>
-              <a:t>x</a:t>
-            </a:r>
-            <a:endParaRPr lang="fr-FR" dirty="0"/>
-          </a:p>
-        </p:txBody>
-      </p:sp>
-      <p:sp>
-        <p:nvSpPr>
-          <p:cNvPr id="41" name="ZoneTexte 40"/>
-          <p:cNvSpPr txBox="1"/>
-          <p:nvPr/>
-        </p:nvSpPr>
-        <p:spPr>
-          <a:xfrm>
-            <a:off x="2473499" y="2839040"/>
-            <a:ext cx="288862" cy="369332"/>
-          </a:xfrm>
-          <a:prstGeom prst="rect">
-            <a:avLst/>
-          </a:prstGeom>
-          <a:noFill/>
-        </p:spPr>
-        <p:txBody>
-          <a:bodyPr wrap="none" rtlCol="0">
-            <a:spAutoFit/>
-          </a:bodyPr>
-          <a:lstStyle/>
-          <a:p>
-            <a:r>
-              <a:rPr lang="fr-FR" dirty="0" smtClean="0"/>
-              <a:t>y</a:t>
-            </a:r>
-            <a:endParaRPr lang="fr-FR" dirty="0"/>
-          </a:p>
-        </p:txBody>
-      </p:sp>
-      <p:sp>
-        <p:nvSpPr>
-          <p:cNvPr id="42" name="Rectangle 41"/>
+          <p:cNvPr id="44" name="Rectangle 43"/>
           <p:cNvSpPr/>
           <p:nvPr/>
         </p:nvSpPr>
         <p:spPr>
           <a:xfrm>
-            <a:off x="6660232" y="2715776"/>
-            <a:ext cx="417799" cy="1200710"/>
+            <a:off x="7334508" y="2715776"/>
+            <a:ext cx="417799" cy="1008112"/>
           </a:xfrm>
           <a:prstGeom prst="rect">
             <a:avLst/>
@@ -8929,6 +8434,685 @@
           </a:p>
         </p:txBody>
       </p:sp>
+      <p:sp>
+        <p:nvSpPr>
+          <p:cNvPr id="67" name="ZoneTexte 66"/>
+          <p:cNvSpPr txBox="1"/>
+          <p:nvPr/>
+        </p:nvSpPr>
+        <p:spPr>
+          <a:xfrm>
+            <a:off x="2339752" y="2765688"/>
+            <a:ext cx="620683" cy="261610"/>
+          </a:xfrm>
+          <a:prstGeom prst="rect">
+            <a:avLst/>
+          </a:prstGeom>
+          <a:noFill/>
+        </p:spPr>
+        <p:txBody>
+          <a:bodyPr wrap="none" rtlCol="0">
+            <a:spAutoFit/>
+          </a:bodyPr>
+          <a:lstStyle/>
+          <a:p>
+            <a:r>
+              <a:rPr lang="fr-FR" sz="1100" dirty="0" err="1" smtClean="0"/>
+              <a:t>d_strap</a:t>
+            </a:r>
+            <a:endParaRPr lang="fr-FR" sz="1100" dirty="0"/>
+          </a:p>
+        </p:txBody>
+      </p:sp>
+      <p:sp>
+        <p:nvSpPr>
+          <p:cNvPr id="4" name="Titre 3"/>
+          <p:cNvSpPr>
+            <a:spLocks noGrp="1"/>
+          </p:cNvSpPr>
+          <p:nvPr>
+            <p:ph type="title"/>
+          </p:nvPr>
+        </p:nvSpPr>
+        <p:spPr/>
+        <p:txBody>
+          <a:bodyPr/>
+          <a:lstStyle/>
+          <a:p>
+            <a:r>
+              <a:rPr lang="fr-FR" dirty="0" smtClean="0"/>
+              <a:t>Double </a:t>
+            </a:r>
+            <a:r>
+              <a:rPr lang="fr-FR" dirty="0" err="1" smtClean="0"/>
+              <a:t>Straps</a:t>
+            </a:r>
+            <a:r>
+              <a:rPr lang="fr-FR" dirty="0" smtClean="0"/>
+              <a:t> </a:t>
+            </a:r>
+            <a:r>
+              <a:rPr lang="fr-FR" dirty="0" err="1" smtClean="0"/>
+              <a:t>Antenna</a:t>
+            </a:r>
+            <a:endParaRPr lang="fr-FR" dirty="0"/>
+          </a:p>
+        </p:txBody>
+      </p:sp>
+      <p:cxnSp>
+        <p:nvCxnSpPr>
+          <p:cNvPr id="6" name="Connecteur droit 5"/>
+          <p:cNvCxnSpPr/>
+          <p:nvPr/>
+        </p:nvCxnSpPr>
+        <p:spPr>
+          <a:xfrm>
+            <a:off x="2622900" y="1844824"/>
+            <a:ext cx="0" cy="864096"/>
+          </a:xfrm>
+          <a:prstGeom prst="line">
+            <a:avLst/>
+          </a:prstGeom>
+          <a:ln w="38100">
+            <a:solidFill>
+              <a:schemeClr val="tx1">
+                <a:lumMod val="95000"/>
+                <a:lumOff val="5000"/>
+              </a:schemeClr>
+            </a:solidFill>
+          </a:ln>
+        </p:spPr>
+        <p:style>
+          <a:lnRef idx="1">
+            <a:schemeClr val="accent1"/>
+          </a:lnRef>
+          <a:fillRef idx="0">
+            <a:schemeClr val="accent1"/>
+          </a:fillRef>
+          <a:effectRef idx="0">
+            <a:schemeClr val="accent1"/>
+          </a:effectRef>
+          <a:fontRef idx="minor">
+            <a:schemeClr val="tx1"/>
+          </a:fontRef>
+        </p:style>
+      </p:cxnSp>
+      <p:cxnSp>
+        <p:nvCxnSpPr>
+          <p:cNvPr id="7" name="Connecteur droit 6"/>
+          <p:cNvCxnSpPr/>
+          <p:nvPr/>
+        </p:nvCxnSpPr>
+        <p:spPr>
+          <a:xfrm>
+            <a:off x="1475656" y="2708920"/>
+            <a:ext cx="0" cy="786050"/>
+          </a:xfrm>
+          <a:prstGeom prst="line">
+            <a:avLst/>
+          </a:prstGeom>
+          <a:ln w="38100">
+            <a:solidFill>
+              <a:schemeClr val="tx1">
+                <a:lumMod val="95000"/>
+                <a:lumOff val="5000"/>
+              </a:schemeClr>
+            </a:solidFill>
+          </a:ln>
+        </p:spPr>
+        <p:style>
+          <a:lnRef idx="1">
+            <a:schemeClr val="accent1"/>
+          </a:lnRef>
+          <a:fillRef idx="0">
+            <a:schemeClr val="accent1"/>
+          </a:fillRef>
+          <a:effectRef idx="0">
+            <a:schemeClr val="accent1"/>
+          </a:effectRef>
+          <a:fontRef idx="minor">
+            <a:schemeClr val="tx1"/>
+          </a:fontRef>
+        </p:style>
+      </p:cxnSp>
+      <p:cxnSp>
+        <p:nvCxnSpPr>
+          <p:cNvPr id="8" name="Connecteur droit 7"/>
+          <p:cNvCxnSpPr/>
+          <p:nvPr/>
+        </p:nvCxnSpPr>
+        <p:spPr>
+          <a:xfrm>
+            <a:off x="1475656" y="2708920"/>
+            <a:ext cx="1152128" cy="0"/>
+          </a:xfrm>
+          <a:prstGeom prst="line">
+            <a:avLst/>
+          </a:prstGeom>
+          <a:ln w="38100">
+            <a:solidFill>
+              <a:schemeClr val="tx1">
+                <a:lumMod val="95000"/>
+                <a:lumOff val="5000"/>
+              </a:schemeClr>
+            </a:solidFill>
+          </a:ln>
+        </p:spPr>
+        <p:style>
+          <a:lnRef idx="1">
+            <a:schemeClr val="accent1"/>
+          </a:lnRef>
+          <a:fillRef idx="0">
+            <a:schemeClr val="accent1"/>
+          </a:fillRef>
+          <a:effectRef idx="0">
+            <a:schemeClr val="accent1"/>
+          </a:effectRef>
+          <a:fontRef idx="minor">
+            <a:schemeClr val="tx1"/>
+          </a:fontRef>
+        </p:style>
+      </p:cxnSp>
+      <p:cxnSp>
+        <p:nvCxnSpPr>
+          <p:cNvPr id="12" name="Connecteur droit 11"/>
+          <p:cNvCxnSpPr/>
+          <p:nvPr/>
+        </p:nvCxnSpPr>
+        <p:spPr>
+          <a:xfrm>
+            <a:off x="1470772" y="4005064"/>
+            <a:ext cx="1152128" cy="0"/>
+          </a:xfrm>
+          <a:prstGeom prst="line">
+            <a:avLst/>
+          </a:prstGeom>
+          <a:ln w="38100">
+            <a:solidFill>
+              <a:schemeClr val="tx1">
+                <a:lumMod val="95000"/>
+                <a:lumOff val="5000"/>
+              </a:schemeClr>
+            </a:solidFill>
+          </a:ln>
+        </p:spPr>
+        <p:style>
+          <a:lnRef idx="1">
+            <a:schemeClr val="accent1"/>
+          </a:lnRef>
+          <a:fillRef idx="0">
+            <a:schemeClr val="accent1"/>
+          </a:fillRef>
+          <a:effectRef idx="0">
+            <a:schemeClr val="accent1"/>
+          </a:effectRef>
+          <a:fontRef idx="minor">
+            <a:schemeClr val="tx1"/>
+          </a:fontRef>
+        </p:style>
+      </p:cxnSp>
+      <p:cxnSp>
+        <p:nvCxnSpPr>
+          <p:cNvPr id="13" name="Connecteur droit 12"/>
+          <p:cNvCxnSpPr/>
+          <p:nvPr/>
+        </p:nvCxnSpPr>
+        <p:spPr>
+          <a:xfrm>
+            <a:off x="2629404" y="4005064"/>
+            <a:ext cx="0" cy="864096"/>
+          </a:xfrm>
+          <a:prstGeom prst="line">
+            <a:avLst/>
+          </a:prstGeom>
+          <a:ln w="38100">
+            <a:solidFill>
+              <a:schemeClr val="tx1">
+                <a:lumMod val="95000"/>
+                <a:lumOff val="5000"/>
+              </a:schemeClr>
+            </a:solidFill>
+          </a:ln>
+        </p:spPr>
+        <p:style>
+          <a:lnRef idx="1">
+            <a:schemeClr val="accent1"/>
+          </a:lnRef>
+          <a:fillRef idx="0">
+            <a:schemeClr val="accent1"/>
+          </a:fillRef>
+          <a:effectRef idx="0">
+            <a:schemeClr val="accent1"/>
+          </a:effectRef>
+          <a:fontRef idx="minor">
+            <a:schemeClr val="tx1"/>
+          </a:fontRef>
+        </p:style>
+      </p:cxnSp>
+      <p:cxnSp>
+        <p:nvCxnSpPr>
+          <p:cNvPr id="14" name="Connecteur droit 13"/>
+          <p:cNvCxnSpPr/>
+          <p:nvPr/>
+        </p:nvCxnSpPr>
+        <p:spPr>
+          <a:xfrm>
+            <a:off x="2339752" y="2708920"/>
+            <a:ext cx="0" cy="1008112"/>
+          </a:xfrm>
+          <a:prstGeom prst="line">
+            <a:avLst/>
+          </a:prstGeom>
+          <a:ln w="38100">
+            <a:solidFill>
+              <a:schemeClr val="accent2"/>
+            </a:solidFill>
+          </a:ln>
+        </p:spPr>
+        <p:style>
+          <a:lnRef idx="1">
+            <a:schemeClr val="accent1"/>
+          </a:lnRef>
+          <a:fillRef idx="0">
+            <a:schemeClr val="accent1"/>
+          </a:fillRef>
+          <a:effectRef idx="0">
+            <a:schemeClr val="accent1"/>
+          </a:effectRef>
+          <a:fontRef idx="minor">
+            <a:schemeClr val="tx1"/>
+          </a:fontRef>
+        </p:style>
+      </p:cxnSp>
+      <p:cxnSp>
+        <p:nvCxnSpPr>
+          <p:cNvPr id="15" name="Connecteur droit 14"/>
+          <p:cNvCxnSpPr/>
+          <p:nvPr/>
+        </p:nvCxnSpPr>
+        <p:spPr>
+          <a:xfrm flipH="1">
+            <a:off x="1470772" y="3717032"/>
+            <a:ext cx="868980" cy="0"/>
+          </a:xfrm>
+          <a:prstGeom prst="line">
+            <a:avLst/>
+          </a:prstGeom>
+          <a:ln w="38100">
+            <a:solidFill>
+              <a:schemeClr val="accent2"/>
+            </a:solidFill>
+          </a:ln>
+        </p:spPr>
+        <p:style>
+          <a:lnRef idx="1">
+            <a:schemeClr val="accent1"/>
+          </a:lnRef>
+          <a:fillRef idx="0">
+            <a:schemeClr val="accent1"/>
+          </a:fillRef>
+          <a:effectRef idx="0">
+            <a:schemeClr val="accent1"/>
+          </a:effectRef>
+          <a:fontRef idx="minor">
+            <a:schemeClr val="tx1"/>
+          </a:fontRef>
+        </p:style>
+      </p:cxnSp>
+      <p:cxnSp>
+        <p:nvCxnSpPr>
+          <p:cNvPr id="20" name="Connecteur droit 19"/>
+          <p:cNvCxnSpPr/>
+          <p:nvPr/>
+        </p:nvCxnSpPr>
+        <p:spPr>
+          <a:xfrm>
+            <a:off x="1475656" y="3825999"/>
+            <a:ext cx="0" cy="180975"/>
+          </a:xfrm>
+          <a:prstGeom prst="line">
+            <a:avLst/>
+          </a:prstGeom>
+          <a:ln w="38100">
+            <a:solidFill>
+              <a:schemeClr val="tx1">
+                <a:lumMod val="95000"/>
+                <a:lumOff val="5000"/>
+              </a:schemeClr>
+            </a:solidFill>
+          </a:ln>
+        </p:spPr>
+        <p:style>
+          <a:lnRef idx="1">
+            <a:schemeClr val="accent1"/>
+          </a:lnRef>
+          <a:fillRef idx="0">
+            <a:schemeClr val="accent1"/>
+          </a:fillRef>
+          <a:effectRef idx="0">
+            <a:schemeClr val="accent1"/>
+          </a:effectRef>
+          <a:fontRef idx="minor">
+            <a:schemeClr val="tx1"/>
+          </a:fontRef>
+        </p:style>
+      </p:cxnSp>
+      <p:cxnSp>
+        <p:nvCxnSpPr>
+          <p:cNvPr id="26" name="Connecteur droit 25"/>
+          <p:cNvCxnSpPr/>
+          <p:nvPr/>
+        </p:nvCxnSpPr>
+        <p:spPr>
+          <a:xfrm>
+            <a:off x="2915816" y="1844824"/>
+            <a:ext cx="0" cy="3024336"/>
+          </a:xfrm>
+          <a:prstGeom prst="line">
+            <a:avLst/>
+          </a:prstGeom>
+          <a:ln w="28575">
+            <a:solidFill>
+              <a:schemeClr val="tx2"/>
+            </a:solidFill>
+          </a:ln>
+        </p:spPr>
+        <p:style>
+          <a:lnRef idx="1">
+            <a:schemeClr val="accent1"/>
+          </a:lnRef>
+          <a:fillRef idx="0">
+            <a:schemeClr val="accent1"/>
+          </a:fillRef>
+          <a:effectRef idx="0">
+            <a:schemeClr val="accent1"/>
+          </a:effectRef>
+          <a:fontRef idx="minor">
+            <a:schemeClr val="tx1"/>
+          </a:fontRef>
+        </p:style>
+      </p:cxnSp>
+      <p:sp>
+        <p:nvSpPr>
+          <p:cNvPr id="27" name="ZoneTexte 26"/>
+          <p:cNvSpPr txBox="1"/>
+          <p:nvPr/>
+        </p:nvSpPr>
+        <p:spPr>
+          <a:xfrm>
+            <a:off x="3275856" y="1926228"/>
+            <a:ext cx="2299797" cy="369332"/>
+          </a:xfrm>
+          <a:prstGeom prst="rect">
+            <a:avLst/>
+          </a:prstGeom>
+          <a:noFill/>
+        </p:spPr>
+        <p:txBody>
+          <a:bodyPr wrap="none" rtlCol="0">
+            <a:spAutoFit/>
+          </a:bodyPr>
+          <a:lstStyle/>
+          <a:p>
+            <a:r>
+              <a:rPr lang="fr-FR" dirty="0" smtClean="0">
+                <a:solidFill>
+                  <a:schemeClr val="tx2"/>
+                </a:solidFill>
+              </a:rPr>
+              <a:t>Plasma </a:t>
+            </a:r>
+            <a:r>
+              <a:rPr lang="fr-FR" dirty="0" err="1" smtClean="0">
+                <a:solidFill>
+                  <a:schemeClr val="tx2"/>
+                </a:solidFill>
+              </a:rPr>
+              <a:t>from</a:t>
+            </a:r>
+            <a:r>
+              <a:rPr lang="fr-FR" dirty="0" smtClean="0">
+                <a:solidFill>
+                  <a:schemeClr val="tx2"/>
+                </a:solidFill>
+              </a:rPr>
+              <a:t> x=</a:t>
+            </a:r>
+            <a:r>
+              <a:rPr lang="fr-FR" dirty="0" err="1" smtClean="0">
+                <a:solidFill>
+                  <a:schemeClr val="tx2"/>
+                </a:solidFill>
+              </a:rPr>
+              <a:t>x_edge</a:t>
+            </a:r>
+            <a:endParaRPr lang="fr-FR" dirty="0">
+              <a:solidFill>
+                <a:schemeClr val="tx2"/>
+              </a:solidFill>
+            </a:endParaRPr>
+          </a:p>
+        </p:txBody>
+      </p:sp>
+      <p:sp>
+        <p:nvSpPr>
+          <p:cNvPr id="28" name="ZoneTexte 27"/>
+          <p:cNvSpPr txBox="1"/>
+          <p:nvPr/>
+        </p:nvSpPr>
+        <p:spPr>
+          <a:xfrm>
+            <a:off x="1835696" y="3645024"/>
+            <a:ext cx="921855" cy="369332"/>
+          </a:xfrm>
+          <a:prstGeom prst="rect">
+            <a:avLst/>
+          </a:prstGeom>
+          <a:noFill/>
+        </p:spPr>
+        <p:txBody>
+          <a:bodyPr wrap="none" rtlCol="0">
+            <a:spAutoFit/>
+          </a:bodyPr>
+          <a:lstStyle/>
+          <a:p>
+            <a:r>
+              <a:rPr lang="fr-FR" dirty="0" smtClean="0"/>
+              <a:t>vacuum</a:t>
+            </a:r>
+            <a:endParaRPr lang="fr-FR" dirty="0"/>
+          </a:p>
+        </p:txBody>
+      </p:sp>
+      <p:cxnSp>
+        <p:nvCxnSpPr>
+          <p:cNvPr id="30" name="Connecteur droit avec flèche 29"/>
+          <p:cNvCxnSpPr/>
+          <p:nvPr/>
+        </p:nvCxnSpPr>
+        <p:spPr>
+          <a:xfrm>
+            <a:off x="2629404" y="3496404"/>
+            <a:ext cx="327156" cy="0"/>
+          </a:xfrm>
+          <a:prstGeom prst="straightConnector1">
+            <a:avLst/>
+          </a:prstGeom>
+          <a:ln w="28575">
+            <a:solidFill>
+              <a:schemeClr val="tx1">
+                <a:lumMod val="95000"/>
+                <a:lumOff val="5000"/>
+              </a:schemeClr>
+            </a:solidFill>
+            <a:tailEnd type="arrow"/>
+          </a:ln>
+        </p:spPr>
+        <p:style>
+          <a:lnRef idx="1">
+            <a:schemeClr val="accent1"/>
+          </a:lnRef>
+          <a:fillRef idx="0">
+            <a:schemeClr val="accent1"/>
+          </a:fillRef>
+          <a:effectRef idx="0">
+            <a:schemeClr val="accent1"/>
+          </a:effectRef>
+          <a:fontRef idx="minor">
+            <a:schemeClr val="tx1"/>
+          </a:fontRef>
+        </p:style>
+      </p:cxnSp>
+      <p:cxnSp>
+        <p:nvCxnSpPr>
+          <p:cNvPr id="32" name="Connecteur droit avec flèche 31"/>
+          <p:cNvCxnSpPr/>
+          <p:nvPr/>
+        </p:nvCxnSpPr>
+        <p:spPr>
+          <a:xfrm flipV="1">
+            <a:off x="2629404" y="3208372"/>
+            <a:ext cx="0" cy="288032"/>
+          </a:xfrm>
+          <a:prstGeom prst="straightConnector1">
+            <a:avLst/>
+          </a:prstGeom>
+          <a:ln w="28575">
+            <a:solidFill>
+              <a:schemeClr val="tx1">
+                <a:lumMod val="95000"/>
+                <a:lumOff val="5000"/>
+              </a:schemeClr>
+            </a:solidFill>
+            <a:tailEnd type="arrow"/>
+          </a:ln>
+        </p:spPr>
+        <p:style>
+          <a:lnRef idx="1">
+            <a:schemeClr val="accent1"/>
+          </a:lnRef>
+          <a:fillRef idx="0">
+            <a:schemeClr val="accent1"/>
+          </a:fillRef>
+          <a:effectRef idx="0">
+            <a:schemeClr val="accent1"/>
+          </a:effectRef>
+          <a:fontRef idx="minor">
+            <a:schemeClr val="tx1"/>
+          </a:fontRef>
+        </p:style>
+      </p:cxnSp>
+      <p:sp>
+        <p:nvSpPr>
+          <p:cNvPr id="40" name="ZoneTexte 39"/>
+          <p:cNvSpPr txBox="1"/>
+          <p:nvPr/>
+        </p:nvSpPr>
+        <p:spPr>
+          <a:xfrm>
+            <a:off x="2991804" y="3311738"/>
+            <a:ext cx="284052" cy="369332"/>
+          </a:xfrm>
+          <a:prstGeom prst="rect">
+            <a:avLst/>
+          </a:prstGeom>
+          <a:noFill/>
+        </p:spPr>
+        <p:txBody>
+          <a:bodyPr wrap="none" rtlCol="0">
+            <a:spAutoFit/>
+          </a:bodyPr>
+          <a:lstStyle/>
+          <a:p>
+            <a:r>
+              <a:rPr lang="fr-FR" dirty="0" smtClean="0"/>
+              <a:t>x</a:t>
+            </a:r>
+            <a:endParaRPr lang="fr-FR" dirty="0"/>
+          </a:p>
+        </p:txBody>
+      </p:sp>
+      <p:sp>
+        <p:nvSpPr>
+          <p:cNvPr id="41" name="ZoneTexte 40"/>
+          <p:cNvSpPr txBox="1"/>
+          <p:nvPr/>
+        </p:nvSpPr>
+        <p:spPr>
+          <a:xfrm>
+            <a:off x="2473499" y="2839040"/>
+            <a:ext cx="288862" cy="369332"/>
+          </a:xfrm>
+          <a:prstGeom prst="rect">
+            <a:avLst/>
+          </a:prstGeom>
+          <a:noFill/>
+        </p:spPr>
+        <p:txBody>
+          <a:bodyPr wrap="none" rtlCol="0">
+            <a:spAutoFit/>
+          </a:bodyPr>
+          <a:lstStyle/>
+          <a:p>
+            <a:r>
+              <a:rPr lang="fr-FR" dirty="0" smtClean="0"/>
+              <a:t>y</a:t>
+            </a:r>
+            <a:endParaRPr lang="fr-FR" dirty="0"/>
+          </a:p>
+        </p:txBody>
+      </p:sp>
+      <p:sp>
+        <p:nvSpPr>
+          <p:cNvPr id="42" name="Rectangle 41"/>
+          <p:cNvSpPr/>
+          <p:nvPr/>
+        </p:nvSpPr>
+        <p:spPr>
+          <a:xfrm>
+            <a:off x="6660232" y="2715776"/>
+            <a:ext cx="417799" cy="1008112"/>
+          </a:xfrm>
+          <a:prstGeom prst="rect">
+            <a:avLst/>
+          </a:prstGeom>
+          <a:solidFill>
+            <a:schemeClr val="accent2"/>
+          </a:solidFill>
+          <a:ln>
+            <a:solidFill>
+              <a:schemeClr val="tx1">
+                <a:lumMod val="85000"/>
+                <a:lumOff val="15000"/>
+              </a:schemeClr>
+            </a:solidFill>
+          </a:ln>
+        </p:spPr>
+        <p:style>
+          <a:lnRef idx="2">
+            <a:schemeClr val="accent1">
+              <a:shade val="50000"/>
+            </a:schemeClr>
+          </a:lnRef>
+          <a:fillRef idx="1">
+            <a:schemeClr val="accent1"/>
+          </a:fillRef>
+          <a:effectRef idx="0">
+            <a:schemeClr val="accent1"/>
+          </a:effectRef>
+          <a:fontRef idx="minor">
+            <a:schemeClr val="lt1"/>
+          </a:fontRef>
+        </p:style>
+        <p:txBody>
+          <a:bodyPr rtlCol="0" anchor="ctr"/>
+          <a:lstStyle/>
+          <a:p>
+            <a:pPr algn="ctr"/>
+            <a:endParaRPr lang="fr-FR"/>
+          </a:p>
+        </p:txBody>
+      </p:sp>
       <p:cxnSp>
         <p:nvCxnSpPr>
           <p:cNvPr id="45" name="Connecteur droit avec flèche 44"/>
@@ -8978,7 +9162,7 @@
         <p:spPr>
           <a:xfrm>
             <a:off x="6470084" y="4149080"/>
-            <a:ext cx="838220" cy="0"/>
+            <a:ext cx="1486292" cy="0"/>
           </a:xfrm>
           <a:prstGeom prst="straightConnector1">
             <a:avLst/>
@@ -9017,7 +9201,7 @@
         </p:nvCxnSpPr>
         <p:spPr>
           <a:xfrm flipV="1">
-            <a:off x="7596336" y="2715776"/>
+            <a:off x="8070589" y="2715776"/>
             <a:ext cx="0" cy="1008112"/>
           </a:xfrm>
           <a:prstGeom prst="straightConnector1">
@@ -9087,7 +9271,7 @@
         </p:nvCxnSpPr>
         <p:spPr>
           <a:xfrm>
-            <a:off x="6869131" y="3496404"/>
+            <a:off x="7197172" y="3532366"/>
             <a:ext cx="327156" cy="0"/>
           </a:xfrm>
           <a:prstGeom prst="straightConnector1">
@@ -9126,7 +9310,7 @@
         </p:nvCxnSpPr>
         <p:spPr>
           <a:xfrm flipV="1">
-            <a:off x="6869131" y="3208372"/>
+            <a:off x="7197172" y="3244334"/>
             <a:ext cx="0" cy="288032"/>
           </a:xfrm>
           <a:prstGeom prst="straightConnector1">
@@ -9165,7 +9349,7 @@
         </p:nvSpPr>
         <p:spPr>
           <a:xfrm>
-            <a:off x="7231531" y="3311738"/>
+            <a:off x="7468255" y="3275692"/>
             <a:ext cx="284052" cy="369332"/>
           </a:xfrm>
           <a:prstGeom prst="rect">
@@ -9195,7 +9379,7 @@
         </p:nvSpPr>
         <p:spPr>
           <a:xfrm>
-            <a:off x="6713226" y="2839040"/>
+            <a:off x="7041267" y="2839040"/>
             <a:ext cx="288862" cy="369332"/>
           </a:xfrm>
           <a:prstGeom prst="rect">
@@ -9225,7 +9409,7 @@
         </p:nvSpPr>
         <p:spPr>
           <a:xfrm>
-            <a:off x="7740352" y="3023706"/>
+            <a:off x="8214605" y="3023706"/>
             <a:ext cx="893899" cy="369332"/>
           </a:xfrm>
           <a:prstGeom prst="rect">
@@ -9511,8 +9695,59 @@
         </p:nvSpPr>
         <p:spPr>
           <a:xfrm>
-            <a:off x="2195737" y="2715776"/>
-            <a:ext cx="144016" cy="1289288"/>
+            <a:off x="2195736" y="2715776"/>
+            <a:ext cx="147527" cy="1008112"/>
+          </a:xfrm>
+          <a:prstGeom prst="rect">
+            <a:avLst/>
+          </a:prstGeom>
+          <a:solidFill>
+            <a:schemeClr val="accent2"/>
+          </a:solidFill>
+          <a:ln>
+            <a:solidFill>
+              <a:schemeClr val="tx1">
+                <a:lumMod val="85000"/>
+                <a:lumOff val="15000"/>
+              </a:schemeClr>
+            </a:solidFill>
+          </a:ln>
+        </p:spPr>
+        <p:style>
+          <a:lnRef idx="2">
+            <a:schemeClr val="accent1">
+              <a:shade val="50000"/>
+            </a:schemeClr>
+          </a:lnRef>
+          <a:fillRef idx="1">
+            <a:schemeClr val="accent1"/>
+          </a:fillRef>
+          <a:effectRef idx="0">
+            <a:schemeClr val="accent1"/>
+          </a:effectRef>
+          <a:fontRef idx="minor">
+            <a:schemeClr val="lt1"/>
+          </a:fontRef>
+        </p:style>
+        <p:txBody>
+          <a:bodyPr rtlCol="0" anchor="ctr"/>
+          <a:lstStyle/>
+          <a:p>
+            <a:pPr algn="ctr"/>
+            <a:endParaRPr lang="fr-FR"/>
+          </a:p>
+        </p:txBody>
+      </p:sp>
+      <p:sp>
+        <p:nvSpPr>
+          <p:cNvPr id="71" name="Rectangle 70"/>
+          <p:cNvSpPr/>
+          <p:nvPr/>
+        </p:nvSpPr>
+        <p:spPr>
+          <a:xfrm>
+            <a:off x="1331641" y="3573016"/>
+            <a:ext cx="864095" cy="150872"/>
           </a:xfrm>
           <a:prstGeom prst="rect">
             <a:avLst/>
@@ -9603,8 +9838,8 @@
         </p:nvCxnSpPr>
         <p:spPr>
           <a:xfrm flipH="1">
-            <a:off x="2339753" y="3219832"/>
-            <a:ext cx="161210" cy="140588"/>
+            <a:off x="2343263" y="3219832"/>
+            <a:ext cx="157700" cy="0"/>
           </a:xfrm>
           <a:prstGeom prst="straightConnector1">
             <a:avLst/>
@@ -9666,14 +9901,14 @@
       </p:sp>
       <p:cxnSp>
         <p:nvCxnSpPr>
-          <p:cNvPr id="82" name="Connecteur droit avec flèche 81"/>
+          <p:cNvPr id="47" name="Connecteur droit avec flèche 46"/>
           <p:cNvCxnSpPr/>
           <p:nvPr/>
         </p:nvCxnSpPr>
         <p:spPr>
           <a:xfrm>
-            <a:off x="6439674" y="2636912"/>
-            <a:ext cx="220558" cy="0"/>
+            <a:off x="7060540" y="2636912"/>
+            <a:ext cx="269589" cy="0"/>
           </a:xfrm>
           <a:prstGeom prst="straightConnector1">
             <a:avLst/>
@@ -9706,14 +9941,14 @@
       </p:cxnSp>
       <p:sp>
         <p:nvSpPr>
-          <p:cNvPr id="83" name="ZoneTexte 82"/>
+          <p:cNvPr id="49" name="ZoneTexte 48"/>
           <p:cNvSpPr txBox="1"/>
           <p:nvPr/>
         </p:nvSpPr>
         <p:spPr>
           <a:xfrm>
-            <a:off x="6084168" y="2375302"/>
-            <a:ext cx="561372" cy="261610"/>
+            <a:off x="7106298" y="2308230"/>
+            <a:ext cx="1246944" cy="369332"/>
           </a:xfrm>
           <a:prstGeom prst="rect">
             <a:avLst/>
@@ -9727,23 +9962,63 @@
           <a:lstStyle/>
           <a:p>
             <a:r>
-              <a:rPr lang="fr-FR" sz="1100" dirty="0" err="1" smtClean="0"/>
-              <a:t>d_wall</a:t>
-            </a:r>
-            <a:endParaRPr lang="fr-FR" sz="1100" dirty="0"/>
-          </a:p>
-        </p:txBody>
-      </p:sp>
-      <p:sp>
-        <p:nvSpPr>
-          <p:cNvPr id="44" name="ZoneTexte 65"/>
+              <a:rPr lang="fr-FR" dirty="0" err="1" smtClean="0"/>
+              <a:t>delta_strap</a:t>
+            </a:r>
+            <a:endParaRPr lang="fr-FR" dirty="0"/>
+          </a:p>
+        </p:txBody>
+      </p:sp>
+      <p:cxnSp>
+        <p:nvCxnSpPr>
+          <p:cNvPr id="50" name="Connecteur droit avec flèche 49"/>
+          <p:cNvCxnSpPr/>
+          <p:nvPr/>
+        </p:nvCxnSpPr>
+        <p:spPr>
+          <a:xfrm>
+            <a:off x="6439674" y="2636912"/>
+            <a:ext cx="220558" cy="0"/>
+          </a:xfrm>
+          <a:prstGeom prst="straightConnector1">
+            <a:avLst/>
+          </a:prstGeom>
+          <a:ln>
+            <a:solidFill>
+              <a:schemeClr val="tx1">
+                <a:lumMod val="85000"/>
+                <a:lumOff val="15000"/>
+              </a:schemeClr>
+            </a:solidFill>
+            <a:headEnd type="triangle" w="med" len="med"/>
+            <a:tailEnd type="triangle" w="med" len="med"/>
+          </a:ln>
+        </p:spPr>
+        <p:style>
+          <a:lnRef idx="1">
+            <a:schemeClr val="accent1"/>
+          </a:lnRef>
+          <a:fillRef idx="0">
+            <a:schemeClr val="accent1"/>
+          </a:fillRef>
+          <a:effectRef idx="0">
+            <a:schemeClr val="accent1"/>
+          </a:effectRef>
+          <a:fontRef idx="minor">
+            <a:schemeClr val="tx1"/>
+          </a:fontRef>
+        </p:style>
+      </p:cxnSp>
+      <p:sp>
+        <p:nvSpPr>
+          <p:cNvPr id="57" name="ZoneTexte 56"/>
           <p:cNvSpPr txBox="1"/>
           <p:nvPr/>
         </p:nvSpPr>
         <p:spPr>
           <a:xfrm>
-            <a:off x="1404906" y="5085184"/>
-            <a:ext cx="1669752" cy="923330"/>
+            <a:off x="6084168" y="2375302"/>
+            <a:ext cx="561372" cy="261610"/>
           </a:xfrm>
           <a:prstGeom prst="rect">
             <a:avLst/>
@@ -9757,276 +10032,17 @@
           <a:lstStyle/>
           <a:p>
             <a:r>
-              <a:rPr lang="fr-FR" dirty="0" err="1" smtClean="0"/>
-              <a:t>d_box</a:t>
-            </a:r>
-            <a:r>
-              <a:rPr lang="fr-FR" dirty="0" smtClean="0"/>
-              <a:t>=0.16</a:t>
-            </a:r>
-          </a:p>
-          <a:p>
-            <a:r>
-              <a:rPr lang="fr-FR" dirty="0" err="1" smtClean="0"/>
-              <a:t>d_strap</a:t>
-            </a:r>
-            <a:r>
-              <a:rPr lang="fr-FR" dirty="0" smtClean="0"/>
-              <a:t>=0.04</a:t>
-            </a:r>
-            <a:endParaRPr lang="fr-FR" dirty="0"/>
-          </a:p>
-          <a:p>
-            <a:r>
-              <a:rPr lang="fr-FR" dirty="0" err="1" smtClean="0"/>
-              <a:t>e_strap</a:t>
-            </a:r>
-            <a:r>
-              <a:rPr lang="fr-FR" dirty="0" smtClean="0"/>
-              <a:t>=(0.015)</a:t>
-            </a:r>
-          </a:p>
-        </p:txBody>
-      </p:sp>
-      <p:sp>
-        <p:nvSpPr>
-          <p:cNvPr id="47" name="ZoneTexte 65"/>
-          <p:cNvSpPr txBox="1"/>
-          <p:nvPr/>
-        </p:nvSpPr>
-        <p:spPr>
-          <a:xfrm>
-            <a:off x="5494068" y="4808185"/>
-            <a:ext cx="2994153" cy="1477328"/>
-          </a:xfrm>
-          <a:prstGeom prst="rect">
-            <a:avLst/>
-          </a:prstGeom>
-          <a:noFill/>
-        </p:spPr>
-        <p:txBody>
-          <a:bodyPr wrap="none" rtlCol="0">
-            <a:spAutoFit/>
-          </a:bodyPr>
-          <a:lstStyle/>
-          <a:p>
-            <a:r>
-              <a:rPr lang="fr-FR" dirty="0" err="1" smtClean="0"/>
-              <a:t>h_box</a:t>
-            </a:r>
-            <a:r>
-              <a:rPr lang="fr-FR" dirty="0" smtClean="0"/>
-              <a:t>=0.20</a:t>
-            </a:r>
-          </a:p>
-          <a:p>
-            <a:r>
-              <a:rPr lang="fr-FR" dirty="0" err="1" smtClean="0"/>
-              <a:t>w_box</a:t>
-            </a:r>
-            <a:r>
-              <a:rPr lang="fr-FR" dirty="0" smtClean="0"/>
-              <a:t>=0.20</a:t>
-            </a:r>
-          </a:p>
-          <a:p>
-            <a:r>
-              <a:rPr lang="fr-FR" dirty="0" err="1" smtClean="0"/>
-              <a:t>h_strap</a:t>
-            </a:r>
-            <a:r>
-              <a:rPr lang="fr-FR" dirty="0" smtClean="0"/>
-              <a:t>=0.20 (</a:t>
-            </a:r>
-            <a:r>
-              <a:rPr lang="fr-FR" dirty="0" err="1" smtClean="0"/>
-              <a:t>same</a:t>
-            </a:r>
-            <a:r>
-              <a:rPr lang="fr-FR" dirty="0" smtClean="0"/>
-              <a:t> as </a:t>
-            </a:r>
-            <a:r>
-              <a:rPr lang="fr-FR" dirty="0" err="1" smtClean="0"/>
-              <a:t>h_box</a:t>
-            </a:r>
-            <a:r>
-              <a:rPr lang="fr-FR" dirty="0" smtClean="0"/>
-              <a:t>)</a:t>
-            </a:r>
-            <a:endParaRPr lang="fr-FR" dirty="0"/>
-          </a:p>
-          <a:p>
-            <a:r>
-              <a:rPr lang="fr-FR" dirty="0" err="1" smtClean="0"/>
-              <a:t>w_strap</a:t>
-            </a:r>
-            <a:r>
-              <a:rPr lang="fr-FR" dirty="0" smtClean="0"/>
-              <a:t>=0.12</a:t>
-            </a:r>
-          </a:p>
-          <a:p>
-            <a:r>
-              <a:rPr lang="fr-FR" dirty="0" err="1" smtClean="0"/>
+              <a:rPr lang="fr-FR" sz="1100" dirty="0" err="1" smtClean="0"/>
               <a:t>d_wall</a:t>
             </a:r>
-            <a:r>
-              <a:rPr lang="fr-FR" dirty="0" smtClean="0"/>
-              <a:t>=0.04</a:t>
-            </a:r>
-          </a:p>
-        </p:txBody>
-      </p:sp>
-      <p:sp>
-        <p:nvSpPr>
-          <p:cNvPr id="49" name="ZoneTexte 33"/>
-          <p:cNvSpPr txBox="1"/>
-          <p:nvPr/>
-        </p:nvSpPr>
-        <p:spPr>
-          <a:xfrm>
-            <a:off x="7222289" y="1384517"/>
-            <a:ext cx="1670191" cy="646331"/>
-          </a:xfrm>
-          <a:prstGeom prst="rect">
-            <a:avLst/>
-          </a:prstGeom>
-          <a:noFill/>
-        </p:spPr>
-        <p:txBody>
-          <a:bodyPr wrap="square" rtlCol="0">
-            <a:spAutoFit/>
-          </a:bodyPr>
-          <a:lstStyle/>
-          <a:p>
-            <a:r>
-              <a:rPr lang="fr-FR" sz="1200" dirty="0" err="1" smtClean="0"/>
-              <a:t>Units</a:t>
-            </a:r>
-            <a:r>
-              <a:rPr lang="fr-FR" sz="1200" dirty="0" smtClean="0"/>
-              <a:t>:</a:t>
-            </a:r>
-          </a:p>
-          <a:p>
-            <a:r>
-              <a:rPr lang="fr-FR" sz="1200" dirty="0" err="1" smtClean="0"/>
-              <a:t>Length</a:t>
-            </a:r>
-            <a:r>
-              <a:rPr lang="fr-FR" sz="1200" dirty="0" smtClean="0"/>
-              <a:t>: m</a:t>
-            </a:r>
-          </a:p>
-          <a:p>
-            <a:r>
-              <a:rPr lang="fr-FR" sz="1200" dirty="0" err="1" smtClean="0"/>
-              <a:t>Density</a:t>
-            </a:r>
-            <a:r>
-              <a:rPr lang="fr-FR" sz="1200" dirty="0" smtClean="0"/>
-              <a:t>: m-3</a:t>
-            </a:r>
-          </a:p>
-        </p:txBody>
-      </p:sp>
-      <p:sp>
-        <p:nvSpPr>
-          <p:cNvPr id="50" name="ZoneTexte 27"/>
-          <p:cNvSpPr txBox="1"/>
-          <p:nvPr/>
-        </p:nvSpPr>
-        <p:spPr>
-          <a:xfrm rot="5400000">
-            <a:off x="2430631" y="3879843"/>
-            <a:ext cx="674544" cy="276999"/>
-          </a:xfrm>
-          <a:prstGeom prst="rect">
-            <a:avLst/>
-          </a:prstGeom>
-          <a:noFill/>
-        </p:spPr>
-        <p:txBody>
-          <a:bodyPr wrap="none" rtlCol="0">
-            <a:spAutoFit/>
-          </a:bodyPr>
-          <a:lstStyle/>
-          <a:p>
-            <a:r>
-              <a:rPr lang="fr-FR" sz="1200" dirty="0" smtClean="0"/>
-              <a:t>vacuum</a:t>
-            </a:r>
-            <a:endParaRPr lang="fr-FR" sz="1200" dirty="0"/>
-          </a:p>
-        </p:txBody>
-      </p:sp>
-      <p:sp>
-        <p:nvSpPr>
-          <p:cNvPr id="57" name="ZoneTexte 26"/>
-          <p:cNvSpPr txBox="1"/>
-          <p:nvPr/>
-        </p:nvSpPr>
-        <p:spPr>
-          <a:xfrm>
-            <a:off x="3275856" y="1926228"/>
-            <a:ext cx="2510111" cy="369332"/>
-          </a:xfrm>
-          <a:prstGeom prst="rect">
-            <a:avLst/>
-          </a:prstGeom>
-          <a:noFill/>
-        </p:spPr>
-        <p:txBody>
-          <a:bodyPr wrap="none" rtlCol="0">
-            <a:spAutoFit/>
-          </a:bodyPr>
-          <a:lstStyle/>
-          <a:p>
-            <a:r>
-              <a:rPr lang="fr-FR" dirty="0" smtClean="0">
-                <a:solidFill>
-                  <a:schemeClr val="tx2"/>
-                </a:solidFill>
-              </a:rPr>
-              <a:t>Plasma </a:t>
-            </a:r>
-            <a:r>
-              <a:rPr lang="fr-FR" dirty="0" err="1" smtClean="0">
-                <a:solidFill>
-                  <a:schemeClr val="tx2"/>
-                </a:solidFill>
-              </a:rPr>
-              <a:t>from</a:t>
-            </a:r>
-            <a:r>
-              <a:rPr lang="fr-FR" dirty="0" smtClean="0">
-                <a:solidFill>
-                  <a:schemeClr val="tx2"/>
-                </a:solidFill>
-              </a:rPr>
-              <a:t> x=</a:t>
-            </a:r>
-            <a:r>
-              <a:rPr lang="fr-FR" dirty="0" err="1" smtClean="0">
-                <a:solidFill>
-                  <a:schemeClr val="tx2"/>
-                </a:solidFill>
-              </a:rPr>
-              <a:t>x_plasma</a:t>
-            </a:r>
-            <a:endParaRPr lang="fr-FR" dirty="0" smtClean="0">
-              <a:solidFill>
-                <a:schemeClr val="tx2"/>
-              </a:solidFill>
-            </a:endParaRPr>
+            <a:endParaRPr lang="fr-FR" sz="1100" dirty="0"/>
           </a:p>
         </p:txBody>
       </p:sp>
     </p:spTree>
     <p:extLst>
       <p:ext uri="{BB962C8B-B14F-4D97-AF65-F5344CB8AC3E}">
-        <p14:creationId xmlns:p14="http://schemas.microsoft.com/office/powerpoint/2010/main" val="2698658866"/>
+        <p14:creationId xmlns:p14="http://schemas.microsoft.com/office/powerpoint/2010/main" val="2550000871"/>
       </p:ext>
     </p:extLst>
   </p:cSld>
@@ -10076,7 +10092,7 @@
         <p:spPr>
           <a:xfrm>
             <a:off x="5544001" y="1231154"/>
-            <a:ext cx="3599997" cy="2701901"/>
+            <a:ext cx="3599997" cy="2701900"/>
           </a:xfrm>
           <a:prstGeom prst="rect">
             <a:avLst/>
@@ -10270,7 +10286,7 @@
             </a:r>
             <a:r>
               <a:rPr lang="fr-FR" dirty="0" smtClean="0"/>
-              <a:t> 1e8</a:t>
+              <a:t> 5e8</a:t>
             </a:r>
             <a:endParaRPr lang="fr-FR" dirty="0"/>
           </a:p>
@@ -10299,7 +10315,7 @@
         <p:spPr>
           <a:xfrm>
             <a:off x="179913" y="4024364"/>
-            <a:ext cx="3599995" cy="2701899"/>
+            <a:ext cx="3599995" cy="2701898"/>
           </a:xfrm>
           <a:prstGeom prst="rect">
             <a:avLst/>
@@ -10329,7 +10345,7 @@
         <p:spPr>
           <a:xfrm>
             <a:off x="5544001" y="4024364"/>
-            <a:ext cx="3599995" cy="2701899"/>
+            <a:ext cx="3599995" cy="2701898"/>
           </a:xfrm>
           <a:prstGeom prst="rect">
             <a:avLst/>
@@ -10388,7 +10404,7 @@
             <a:pPr algn="ctr"/>
             <a:r>
               <a:rPr lang="fr-FR" dirty="0" smtClean="0"/>
-              <a:t>0.44+i105</a:t>
+              <a:t>=3.16+i105</a:t>
             </a:r>
           </a:p>
         </p:txBody>
@@ -10418,7 +10434,7 @@
             <a:pPr algn="ctr"/>
             <a:r>
               <a:rPr lang="fr-FR" sz="1400" dirty="0" smtClean="0"/>
-              <a:t>n_e0=1e18</a:t>
+              <a:t>n_e0=5e18</a:t>
             </a:r>
           </a:p>
         </p:txBody>
@@ -10426,7 +10442,7 @@
     </p:spTree>
     <p:extLst>
       <p:ext uri="{BB962C8B-B14F-4D97-AF65-F5344CB8AC3E}">
-        <p14:creationId xmlns:p14="http://schemas.microsoft.com/office/powerpoint/2010/main" val="2712019691"/>
+        <p14:creationId xmlns:p14="http://schemas.microsoft.com/office/powerpoint/2010/main" val="2434085479"/>
       </p:ext>
     </p:extLst>
   </p:cSld>
@@ -10670,7 +10686,7 @@
             </a:r>
             <a:r>
               <a:rPr lang="fr-FR" dirty="0" smtClean="0"/>
-              <a:t> 5e8</a:t>
+              <a:t> 10e8</a:t>
             </a:r>
             <a:endParaRPr lang="fr-FR" dirty="0"/>
           </a:p>
@@ -10788,7 +10804,7 @@
             <a:pPr algn="ctr"/>
             <a:r>
               <a:rPr lang="fr-FR" dirty="0" smtClean="0"/>
-              <a:t>=3.16+i105</a:t>
+              <a:t>=7.21+i105</a:t>
             </a:r>
           </a:p>
         </p:txBody>
@@ -10818,7 +10834,7 @@
             <a:pPr algn="ctr"/>
             <a:r>
               <a:rPr lang="fr-FR" sz="1400" dirty="0" smtClean="0"/>
-              <a:t>n_e0=5e18</a:t>
+              <a:t>n_e0=10e18</a:t>
             </a:r>
           </a:p>
         </p:txBody>
@@ -10826,7 +10842,7 @@
     </p:spTree>
     <p:extLst>
       <p:ext uri="{BB962C8B-B14F-4D97-AF65-F5344CB8AC3E}">
-        <p14:creationId xmlns:p14="http://schemas.microsoft.com/office/powerpoint/2010/main" val="2434085479"/>
+        <p14:creationId xmlns:p14="http://schemas.microsoft.com/office/powerpoint/2010/main" val="2902689539"/>
       </p:ext>
     </p:extLst>
   </p:cSld>
@@ -10876,406 +10892,6 @@
         <p:spPr>
           <a:xfrm>
             <a:off x="5544001" y="1231154"/>
-            <a:ext cx="3599997" cy="2701900"/>
-          </a:xfrm>
-          <a:prstGeom prst="rect">
-            <a:avLst/>
-          </a:prstGeom>
-        </p:spPr>
-      </p:pic>
-      <p:pic>
-        <p:nvPicPr>
-          <p:cNvPr id="32" name="Picture 31"/>
-          <p:cNvPicPr>
-            <a:picLocks noChangeAspect="1"/>
-          </p:cNvPicPr>
-          <p:nvPr/>
-        </p:nvPicPr>
-        <p:blipFill>
-          <a:blip r:embed="rId3" cstate="print">
-            <a:extLst>
-              <a:ext uri="{28A0092B-C50C-407E-A947-70E740481C1C}">
-                <a14:useLocalDpi xmlns:a14="http://schemas.microsoft.com/office/drawing/2010/main" val="0"/>
-              </a:ext>
-            </a:extLst>
-          </a:blip>
-          <a:stretch>
-            <a:fillRect/>
-          </a:stretch>
-        </p:blipFill>
-        <p:spPr>
-          <a:xfrm>
-            <a:off x="179513" y="1231154"/>
-            <a:ext cx="3599997" cy="2701900"/>
-          </a:xfrm>
-          <a:prstGeom prst="rect">
-            <a:avLst/>
-          </a:prstGeom>
-        </p:spPr>
-      </p:pic>
-      <p:sp>
-        <p:nvSpPr>
-          <p:cNvPr id="29" name="ZoneTexte 10"/>
-          <p:cNvSpPr txBox="1"/>
-          <p:nvPr/>
-        </p:nvSpPr>
-        <p:spPr>
-          <a:xfrm>
-            <a:off x="3635896" y="1340768"/>
-            <a:ext cx="1872208" cy="523220"/>
-          </a:xfrm>
-          <a:prstGeom prst="rect">
-            <a:avLst/>
-          </a:prstGeom>
-          <a:noFill/>
-        </p:spPr>
-        <p:txBody>
-          <a:bodyPr wrap="square" rtlCol="0">
-            <a:spAutoFit/>
-          </a:bodyPr>
-          <a:lstStyle/>
-          <a:p>
-            <a:pPr algn="ctr"/>
-            <a:r>
-              <a:rPr lang="fr-FR" sz="1400" dirty="0" smtClean="0"/>
-              <a:t>30 </a:t>
-            </a:r>
-            <a:r>
-              <a:rPr lang="fr-FR" sz="1400" dirty="0" err="1" smtClean="0"/>
-              <a:t>elements</a:t>
-            </a:r>
-            <a:r>
-              <a:rPr lang="fr-FR" sz="1400" dirty="0" smtClean="0"/>
-              <a:t> in the expansion of J</a:t>
-            </a:r>
-          </a:p>
-        </p:txBody>
-      </p:sp>
-      <p:sp>
-        <p:nvSpPr>
-          <p:cNvPr id="46" name="ZoneTexte 32"/>
-          <p:cNvSpPr txBox="1"/>
-          <p:nvPr/>
-        </p:nvSpPr>
-        <p:spPr>
-          <a:xfrm>
-            <a:off x="179512" y="476672"/>
-            <a:ext cx="1276644" cy="461665"/>
-          </a:xfrm>
-          <a:prstGeom prst="rect">
-            <a:avLst/>
-          </a:prstGeom>
-        </p:spPr>
-        <p:style>
-          <a:lnRef idx="2">
-            <a:schemeClr val="accent6"/>
-          </a:lnRef>
-          <a:fillRef idx="1">
-            <a:schemeClr val="lt1"/>
-          </a:fillRef>
-          <a:effectRef idx="0">
-            <a:schemeClr val="accent6"/>
-          </a:effectRef>
-          <a:fontRef idx="minor">
-            <a:schemeClr val="dk1"/>
-          </a:fontRef>
-        </p:style>
-        <p:txBody>
-          <a:bodyPr wrap="square" rtlCol="0">
-            <a:spAutoFit/>
-          </a:bodyPr>
-          <a:lstStyle/>
-          <a:p>
-            <a:pPr algn="ctr"/>
-            <a:r>
-              <a:rPr lang="fr-FR" sz="1200" dirty="0" smtClean="0"/>
-              <a:t>Constant </a:t>
-            </a:r>
-            <a:r>
-              <a:rPr lang="fr-FR" sz="1200" dirty="0" err="1" smtClean="0"/>
-              <a:t>density</a:t>
-            </a:r>
-            <a:r>
-              <a:rPr lang="fr-FR" sz="1200" dirty="0" smtClean="0"/>
-              <a:t> plasma</a:t>
-            </a:r>
-            <a:endParaRPr lang="fr-FR" sz="1200" dirty="0"/>
-          </a:p>
-        </p:txBody>
-      </p:sp>
-      <p:sp>
-        <p:nvSpPr>
-          <p:cNvPr id="11" name="ZoneTexte 10"/>
-          <p:cNvSpPr txBox="1"/>
-          <p:nvPr/>
-        </p:nvSpPr>
-        <p:spPr>
-          <a:xfrm>
-            <a:off x="3707904" y="2905780"/>
-            <a:ext cx="1872208" cy="523220"/>
-          </a:xfrm>
-          <a:prstGeom prst="rect">
-            <a:avLst/>
-          </a:prstGeom>
-          <a:noFill/>
-        </p:spPr>
-        <p:txBody>
-          <a:bodyPr wrap="square" rtlCol="0">
-            <a:spAutoFit/>
-          </a:bodyPr>
-          <a:lstStyle/>
-          <a:p>
-            <a:pPr algn="ctr"/>
-            <a:r>
-              <a:rPr lang="fr-FR" sz="1400" dirty="0" smtClean="0"/>
-              <a:t>f=50MHz</a:t>
-            </a:r>
-          </a:p>
-          <a:p>
-            <a:pPr algn="ctr"/>
-            <a:r>
-              <a:rPr lang="fr-FR" sz="1400" dirty="0" smtClean="0"/>
-              <a:t>D(H)5%</a:t>
-            </a:r>
-          </a:p>
-        </p:txBody>
-      </p:sp>
-      <p:sp>
-        <p:nvSpPr>
-          <p:cNvPr id="13" name="Titre 1"/>
-          <p:cNvSpPr>
-            <a:spLocks noGrp="1"/>
-          </p:cNvSpPr>
-          <p:nvPr>
-            <p:ph type="title"/>
-          </p:nvPr>
-        </p:nvSpPr>
-        <p:spPr>
-          <a:xfrm>
-            <a:off x="457200" y="116632"/>
-            <a:ext cx="8229600" cy="1143000"/>
-          </a:xfrm>
-        </p:spPr>
-        <p:txBody>
-          <a:bodyPr/>
-          <a:lstStyle/>
-          <a:p>
-            <a:r>
-              <a:rPr lang="fr-FR" dirty="0" smtClean="0"/>
-              <a:t>Plasma </a:t>
-            </a:r>
-            <a:r>
-              <a:rPr lang="fr-FR" dirty="0" err="1" smtClean="0"/>
-              <a:t>Response</a:t>
-            </a:r>
-            <a:r>
-              <a:rPr lang="fr-FR" dirty="0" smtClean="0"/>
-              <a:t> 10e8</a:t>
-            </a:r>
-            <a:endParaRPr lang="fr-FR" dirty="0"/>
-          </a:p>
-        </p:txBody>
-      </p:sp>
-      <p:pic>
-        <p:nvPicPr>
-          <p:cNvPr id="12" name="Picture 11"/>
-          <p:cNvPicPr>
-            <a:picLocks noChangeAspect="1"/>
-          </p:cNvPicPr>
-          <p:nvPr/>
-        </p:nvPicPr>
-        <p:blipFill>
-          <a:blip r:embed="rId4" cstate="print">
-            <a:extLst>
-              <a:ext uri="{28A0092B-C50C-407E-A947-70E740481C1C}">
-                <a14:useLocalDpi xmlns:a14="http://schemas.microsoft.com/office/drawing/2010/main" val="0"/>
-              </a:ext>
-            </a:extLst>
-          </a:blip>
-          <a:stretch>
-            <a:fillRect/>
-          </a:stretch>
-        </p:blipFill>
-        <p:spPr>
-          <a:xfrm>
-            <a:off x="179913" y="4024364"/>
-            <a:ext cx="3599995" cy="2701898"/>
-          </a:xfrm>
-          <a:prstGeom prst="rect">
-            <a:avLst/>
-          </a:prstGeom>
-        </p:spPr>
-      </p:pic>
-      <p:pic>
-        <p:nvPicPr>
-          <p:cNvPr id="14" name="Picture 13"/>
-          <p:cNvPicPr>
-            <a:picLocks noChangeAspect="1"/>
-          </p:cNvPicPr>
-          <p:nvPr/>
-        </p:nvPicPr>
-        <p:blipFill>
-          <a:blip r:embed="rId5" cstate="print">
-            <a:extLst>
-              <a:ext uri="{28A0092B-C50C-407E-A947-70E740481C1C}">
-                <a14:useLocalDpi xmlns:a14="http://schemas.microsoft.com/office/drawing/2010/main" val="0"/>
-              </a:ext>
-            </a:extLst>
-          </a:blip>
-          <a:stretch>
-            <a:fillRect/>
-          </a:stretch>
-        </p:blipFill>
-        <p:spPr>
-          <a:xfrm>
-            <a:off x="5544001" y="4024364"/>
-            <a:ext cx="3599995" cy="2701898"/>
-          </a:xfrm>
-          <a:prstGeom prst="rect">
-            <a:avLst/>
-          </a:prstGeom>
-        </p:spPr>
-      </p:pic>
-      <p:sp>
-        <p:nvSpPr>
-          <p:cNvPr id="15" name="ZoneTexte 10"/>
-          <p:cNvSpPr txBox="1"/>
-          <p:nvPr/>
-        </p:nvSpPr>
-        <p:spPr>
-          <a:xfrm>
-            <a:off x="3707904" y="4571836"/>
-            <a:ext cx="1872208" cy="646331"/>
-          </a:xfrm>
-          <a:prstGeom prst="rect">
-            <a:avLst/>
-          </a:prstGeom>
-          <a:noFill/>
-        </p:spPr>
-        <p:txBody>
-          <a:bodyPr wrap="square" rtlCol="0">
-            <a:spAutoFit/>
-          </a:bodyPr>
-          <a:lstStyle/>
-          <a:p>
-            <a:pPr algn="ctr"/>
-            <a:r>
-              <a:rPr lang="fr-FR" dirty="0" smtClean="0"/>
-              <a:t>Z</a:t>
-            </a:r>
-            <a:r>
-              <a:rPr lang="fr-FR" baseline="-25000" dirty="0" smtClean="0"/>
-              <a:t>A</a:t>
-            </a:r>
-            <a:r>
-              <a:rPr lang="fr-FR" dirty="0" smtClean="0"/>
-              <a:t>=R</a:t>
-            </a:r>
-            <a:r>
-              <a:rPr lang="fr-FR" baseline="-25000" dirty="0" smtClean="0"/>
-              <a:t>A3</a:t>
-            </a:r>
-            <a:r>
-              <a:rPr lang="fr-FR" dirty="0" smtClean="0"/>
-              <a:t>+iX</a:t>
-            </a:r>
-            <a:r>
-              <a:rPr lang="fr-FR" baseline="-25000" dirty="0" smtClean="0"/>
-              <a:t>A3</a:t>
-            </a:r>
-          </a:p>
-          <a:p>
-            <a:pPr algn="ctr"/>
-            <a:r>
-              <a:rPr lang="fr-FR" dirty="0" smtClean="0"/>
-              <a:t>=7.21+i105</a:t>
-            </a:r>
-          </a:p>
-        </p:txBody>
-      </p:sp>
-      <p:sp>
-        <p:nvSpPr>
-          <p:cNvPr id="16" name="ZoneTexte 10"/>
-          <p:cNvSpPr txBox="1"/>
-          <p:nvPr/>
-        </p:nvSpPr>
-        <p:spPr>
-          <a:xfrm>
-            <a:off x="3936876" y="2348880"/>
-            <a:ext cx="1414264" cy="307777"/>
-          </a:xfrm>
-          <a:prstGeom prst="rect">
-            <a:avLst/>
-          </a:prstGeom>
-          <a:noFill/>
-        </p:spPr>
-        <p:txBody>
-          <a:bodyPr wrap="square" rtlCol="0">
-            <a:spAutoFit/>
-          </a:bodyPr>
-          <a:lstStyle/>
-          <a:p>
-            <a:pPr algn="ctr"/>
-            <a:r>
-              <a:rPr lang="fr-FR" sz="1400" dirty="0" smtClean="0"/>
-              <a:t>n_e0=10e18</a:t>
-            </a:r>
-          </a:p>
-        </p:txBody>
-      </p:sp>
-    </p:spTree>
-    <p:extLst>
-      <p:ext uri="{BB962C8B-B14F-4D97-AF65-F5344CB8AC3E}">
-        <p14:creationId xmlns:p14="http://schemas.microsoft.com/office/powerpoint/2010/main" val="2902689539"/>
-      </p:ext>
-    </p:extLst>
-  </p:cSld>
-  <p:clrMapOvr>
-    <a:masterClrMapping/>
-  </p:clrMapOvr>
-</p:sld>
-</file>
-
-<file path=ppt/slides/slide23.xml><?xml version="1.0" encoding="utf-8"?>
-<p:sld xmlns:a="http://schemas.openxmlformats.org/drawingml/2006/main" xmlns:r="http://schemas.openxmlformats.org/officeDocument/2006/relationships" xmlns:p="http://schemas.openxmlformats.org/presentationml/2006/main">
-  <p:cSld>
-    <p:spTree>
-      <p:nvGrpSpPr>
-        <p:cNvPr id="1" name=""/>
-        <p:cNvGrpSpPr/>
-        <p:nvPr/>
-      </p:nvGrpSpPr>
-      <p:grpSpPr>
-        <a:xfrm>
-          <a:off x="0" y="0"/>
-          <a:ext cx="0" cy="0"/>
-          <a:chOff x="0" y="0"/>
-          <a:chExt cx="0" cy="0"/>
-        </a:xfrm>
-      </p:grpSpPr>
-      <p:pic>
-        <p:nvPicPr>
-          <p:cNvPr id="5" name="Picture 4"/>
-          <p:cNvPicPr>
-            <a:picLocks noChangeAspect="1"/>
-          </p:cNvPicPr>
-          <p:nvPr/>
-        </p:nvPicPr>
-        <p:blipFill>
-          <a:blip r:embed="rId2" cstate="print">
-            <a:extLst>
-              <a:ext uri="{28A0092B-C50C-407E-A947-70E740481C1C}">
-                <a14:useLocalDpi xmlns:a14="http://schemas.microsoft.com/office/drawing/2010/main" val="0"/>
-              </a:ext>
-            </a:extLst>
-          </a:blip>
-          <a:stretch>
-            <a:fillRect/>
-          </a:stretch>
-        </p:blipFill>
-        <p:spPr>
-          <a:xfrm>
-            <a:off x="5544001" y="1231154"/>
             <a:ext cx="3599996" cy="2701900"/>
           </a:xfrm>
           <a:prstGeom prst="rect">
@@ -11602,111 +11218,7 @@
       </p:grpSpPr>
       <p:sp>
         <p:nvSpPr>
-          <p:cNvPr id="43" name="Rectangle 42"/>
-          <p:cNvSpPr/>
-          <p:nvPr/>
-        </p:nvSpPr>
-        <p:spPr>
-          <a:xfrm>
-            <a:off x="6444208" y="2708920"/>
-            <a:ext cx="1512168" cy="1207566"/>
-          </a:xfrm>
-          <a:prstGeom prst="rect">
-            <a:avLst/>
-          </a:prstGeom>
-          <a:solidFill>
-            <a:schemeClr val="bg1">
-              <a:lumMod val="65000"/>
-            </a:schemeClr>
-          </a:solidFill>
-          <a:ln>
-            <a:solidFill>
-              <a:schemeClr val="tx1">
-                <a:lumMod val="85000"/>
-                <a:lumOff val="15000"/>
-              </a:schemeClr>
-            </a:solidFill>
-          </a:ln>
-        </p:spPr>
-        <p:style>
-          <a:lnRef idx="2">
-            <a:schemeClr val="accent1">
-              <a:shade val="50000"/>
-            </a:schemeClr>
-          </a:lnRef>
-          <a:fillRef idx="1">
-            <a:schemeClr val="accent1"/>
-          </a:fillRef>
-          <a:effectRef idx="0">
-            <a:schemeClr val="accent1"/>
-          </a:effectRef>
-          <a:fontRef idx="minor">
-            <a:schemeClr val="lt1"/>
-          </a:fontRef>
-        </p:style>
-        <p:txBody>
-          <a:bodyPr rtlCol="0" anchor="ctr"/>
-          <a:lstStyle/>
-          <a:p>
-            <a:pPr algn="ctr"/>
-            <a:endParaRPr lang="fr-FR"/>
-          </a:p>
-        </p:txBody>
-      </p:sp>
-      <p:sp>
-        <p:nvSpPr>
-          <p:cNvPr id="44" name="Rectangle 43"/>
-          <p:cNvSpPr/>
-          <p:nvPr/>
-        </p:nvSpPr>
-        <p:spPr>
-          <a:xfrm>
-            <a:off x="7334508" y="2715776"/>
-            <a:ext cx="417799" cy="1200710"/>
-          </a:xfrm>
-          <a:prstGeom prst="rect">
-            <a:avLst/>
-          </a:prstGeom>
-          <a:solidFill>
-            <a:schemeClr val="accent2"/>
-          </a:solidFill>
-          <a:ln>
-            <a:solidFill>
-              <a:schemeClr val="tx1">
-                <a:lumMod val="85000"/>
-                <a:lumOff val="15000"/>
-              </a:schemeClr>
-            </a:solidFill>
-          </a:ln>
-        </p:spPr>
-        <p:style>
-          <a:lnRef idx="2">
-            <a:schemeClr val="accent1">
-              <a:shade val="50000"/>
-            </a:schemeClr>
-          </a:lnRef>
-          <a:fillRef idx="1">
-            <a:schemeClr val="accent1"/>
-          </a:fillRef>
-          <a:effectRef idx="0">
-            <a:schemeClr val="accent1"/>
-          </a:effectRef>
-          <a:fontRef idx="minor">
-            <a:schemeClr val="lt1"/>
-          </a:fontRef>
-        </p:style>
-        <p:txBody>
-          <a:bodyPr rtlCol="0" anchor="ctr"/>
-          <a:lstStyle/>
-          <a:p>
-            <a:pPr algn="ctr"/>
-            <a:endParaRPr lang="fr-FR"/>
-          </a:p>
-        </p:txBody>
-      </p:sp>
-      <p:sp>
-        <p:nvSpPr>
-          <p:cNvPr id="4" name="Titre 3"/>
+          <p:cNvPr id="2" name="Titre 1"/>
           <p:cNvSpPr>
             <a:spLocks noGrp="1"/>
           </p:cNvSpPr>
@@ -11721,297 +11233,22 @@
           <a:p>
             <a:r>
               <a:rPr lang="fr-FR" dirty="0" smtClean="0"/>
-              <a:t>Double </a:t>
-            </a:r>
-            <a:r>
-              <a:rPr lang="fr-FR" dirty="0" err="1" smtClean="0"/>
-              <a:t>Straps</a:t>
-            </a:r>
-            <a:r>
-              <a:rPr lang="fr-FR" dirty="0" smtClean="0"/>
-              <a:t> </a:t>
-            </a:r>
-            <a:r>
-              <a:rPr lang="fr-FR" dirty="0" err="1" smtClean="0"/>
-              <a:t>Antenna</a:t>
+              <a:t>Plasma Configurations</a:t>
             </a:r>
             <a:endParaRPr lang="fr-FR" dirty="0"/>
-          </a:p>
-        </p:txBody>
-      </p:sp>
-      <p:sp>
-        <p:nvSpPr>
-          <p:cNvPr id="27" name="ZoneTexte 26"/>
-          <p:cNvSpPr txBox="1"/>
-          <p:nvPr/>
-        </p:nvSpPr>
-        <p:spPr>
-          <a:xfrm>
-            <a:off x="3275856" y="1926228"/>
-            <a:ext cx="2510111" cy="369332"/>
-          </a:xfrm>
-          <a:prstGeom prst="rect">
-            <a:avLst/>
-          </a:prstGeom>
-          <a:noFill/>
-        </p:spPr>
-        <p:txBody>
-          <a:bodyPr wrap="none" rtlCol="0">
-            <a:spAutoFit/>
-          </a:bodyPr>
-          <a:lstStyle/>
-          <a:p>
-            <a:r>
-              <a:rPr lang="fr-FR" dirty="0" smtClean="0">
-                <a:solidFill>
-                  <a:schemeClr val="tx2"/>
-                </a:solidFill>
-              </a:rPr>
-              <a:t>Plasma </a:t>
-            </a:r>
-            <a:r>
-              <a:rPr lang="fr-FR" dirty="0" err="1" smtClean="0">
-                <a:solidFill>
-                  <a:schemeClr val="tx2"/>
-                </a:solidFill>
-              </a:rPr>
-              <a:t>from</a:t>
-            </a:r>
-            <a:r>
-              <a:rPr lang="fr-FR" dirty="0" smtClean="0">
-                <a:solidFill>
-                  <a:schemeClr val="tx2"/>
-                </a:solidFill>
-              </a:rPr>
-              <a:t> x=</a:t>
-            </a:r>
-            <a:r>
-              <a:rPr lang="fr-FR" dirty="0" err="1" smtClean="0">
-                <a:solidFill>
-                  <a:schemeClr val="tx2"/>
-                </a:solidFill>
-              </a:rPr>
-              <a:t>x_plasma</a:t>
-            </a:r>
-            <a:endParaRPr lang="fr-FR" dirty="0" smtClean="0">
-              <a:solidFill>
-                <a:schemeClr val="tx2"/>
-              </a:solidFill>
-            </a:endParaRPr>
-          </a:p>
-        </p:txBody>
-      </p:sp>
-      <p:sp>
-        <p:nvSpPr>
-          <p:cNvPr id="42" name="Rectangle 41"/>
-          <p:cNvSpPr/>
-          <p:nvPr/>
-        </p:nvSpPr>
-        <p:spPr>
-          <a:xfrm>
-            <a:off x="6660232" y="2715776"/>
-            <a:ext cx="417799" cy="1200710"/>
-          </a:xfrm>
-          <a:prstGeom prst="rect">
-            <a:avLst/>
-          </a:prstGeom>
-          <a:solidFill>
-            <a:schemeClr val="accent2"/>
-          </a:solidFill>
-          <a:ln>
-            <a:solidFill>
-              <a:schemeClr val="tx1">
-                <a:lumMod val="85000"/>
-                <a:lumOff val="15000"/>
-              </a:schemeClr>
-            </a:solidFill>
-          </a:ln>
-        </p:spPr>
-        <p:style>
-          <a:lnRef idx="2">
-            <a:schemeClr val="accent1">
-              <a:shade val="50000"/>
-            </a:schemeClr>
-          </a:lnRef>
-          <a:fillRef idx="1">
-            <a:schemeClr val="accent1"/>
-          </a:fillRef>
-          <a:effectRef idx="0">
-            <a:schemeClr val="accent1"/>
-          </a:effectRef>
-          <a:fontRef idx="minor">
-            <a:schemeClr val="lt1"/>
-          </a:fontRef>
-        </p:style>
-        <p:txBody>
-          <a:bodyPr rtlCol="0" anchor="ctr"/>
-          <a:lstStyle/>
-          <a:p>
-            <a:pPr algn="ctr"/>
-            <a:endParaRPr lang="fr-FR"/>
           </a:p>
         </p:txBody>
       </p:sp>
       <p:cxnSp>
         <p:nvCxnSpPr>
-          <p:cNvPr id="45" name="Connecteur droit avec flèche 44"/>
+          <p:cNvPr id="3" name="Connecteur droit avec flèche 2"/>
           <p:cNvCxnSpPr/>
           <p:nvPr/>
         </p:nvCxnSpPr>
         <p:spPr>
           <a:xfrm>
-            <a:off x="6660232" y="2492896"/>
-            <a:ext cx="417799" cy="0"/>
-          </a:xfrm>
-          <a:prstGeom prst="straightConnector1">
-            <a:avLst/>
-          </a:prstGeom>
-          <a:ln>
-            <a:solidFill>
-              <a:schemeClr val="tx1">
-                <a:lumMod val="85000"/>
-                <a:lumOff val="15000"/>
-              </a:schemeClr>
-            </a:solidFill>
-            <a:headEnd type="triangle" w="med" len="med"/>
-            <a:tailEnd type="triangle" w="med" len="med"/>
-          </a:ln>
-        </p:spPr>
-        <p:style>
-          <a:lnRef idx="1">
-            <a:schemeClr val="accent1"/>
-          </a:lnRef>
-          <a:fillRef idx="0">
-            <a:schemeClr val="accent1"/>
-          </a:fillRef>
-          <a:effectRef idx="0">
-            <a:schemeClr val="accent1"/>
-          </a:effectRef>
-          <a:fontRef idx="minor">
-            <a:schemeClr val="tx1"/>
-          </a:fontRef>
-        </p:style>
-      </p:cxnSp>
-      <p:cxnSp>
-        <p:nvCxnSpPr>
-          <p:cNvPr id="46" name="Connecteur droit avec flèche 45"/>
-          <p:cNvCxnSpPr/>
-          <p:nvPr/>
-        </p:nvCxnSpPr>
-        <p:spPr>
-          <a:xfrm>
-            <a:off x="6470084" y="4149080"/>
-            <a:ext cx="1486292" cy="0"/>
-          </a:xfrm>
-          <a:prstGeom prst="straightConnector1">
-            <a:avLst/>
-          </a:prstGeom>
-          <a:ln>
-            <a:solidFill>
-              <a:schemeClr val="tx1">
-                <a:lumMod val="85000"/>
-                <a:lumOff val="15000"/>
-              </a:schemeClr>
-            </a:solidFill>
-            <a:headEnd type="triangle" w="med" len="med"/>
-            <a:tailEnd type="triangle" w="med" len="med"/>
-          </a:ln>
-        </p:spPr>
-        <p:style>
-          <a:lnRef idx="1">
-            <a:schemeClr val="accent1"/>
-          </a:lnRef>
-          <a:fillRef idx="0">
-            <a:schemeClr val="accent1"/>
-          </a:fillRef>
-          <a:effectRef idx="0">
-            <a:schemeClr val="accent1"/>
-          </a:effectRef>
-          <a:fontRef idx="minor">
-            <a:schemeClr val="tx1"/>
-          </a:fontRef>
-        </p:style>
-      </p:cxnSp>
-      <p:cxnSp>
-        <p:nvCxnSpPr>
-          <p:cNvPr id="48" name="Connecteur droit avec flèche 47"/>
-          <p:cNvCxnSpPr/>
-          <p:nvPr/>
-        </p:nvCxnSpPr>
-        <p:spPr>
-          <a:xfrm flipV="1">
-            <a:off x="8070589" y="2715776"/>
-            <a:ext cx="0" cy="1008112"/>
-          </a:xfrm>
-          <a:prstGeom prst="straightConnector1">
-            <a:avLst/>
-          </a:prstGeom>
-          <a:ln>
-            <a:solidFill>
-              <a:schemeClr val="tx1">
-                <a:lumMod val="85000"/>
-                <a:lumOff val="15000"/>
-              </a:schemeClr>
-            </a:solidFill>
-            <a:headEnd type="triangle" w="med" len="med"/>
-            <a:tailEnd type="triangle" w="med" len="med"/>
-          </a:ln>
-        </p:spPr>
-        <p:style>
-          <a:lnRef idx="1">
-            <a:schemeClr val="accent1"/>
-          </a:lnRef>
-          <a:fillRef idx="0">
-            <a:schemeClr val="accent1"/>
-          </a:fillRef>
-          <a:effectRef idx="0">
-            <a:schemeClr val="accent1"/>
-          </a:effectRef>
-          <a:fontRef idx="minor">
-            <a:schemeClr val="tx1"/>
-          </a:fontRef>
-        </p:style>
-      </p:cxnSp>
-      <p:sp>
-        <p:nvSpPr>
-          <p:cNvPr id="51" name="ZoneTexte 50"/>
-          <p:cNvSpPr txBox="1"/>
-          <p:nvPr/>
-        </p:nvSpPr>
-        <p:spPr>
-          <a:xfrm>
-            <a:off x="6444208" y="2060848"/>
-            <a:ext cx="937180" cy="369332"/>
-          </a:xfrm>
-          <a:prstGeom prst="rect">
-            <a:avLst/>
-          </a:prstGeom>
-          <a:noFill/>
-        </p:spPr>
-        <p:txBody>
-          <a:bodyPr wrap="none" rtlCol="0">
-            <a:spAutoFit/>
-          </a:bodyPr>
-          <a:lstStyle/>
-          <a:p>
-            <a:r>
-              <a:rPr lang="fr-FR" dirty="0" err="1" smtClean="0"/>
-              <a:t>w_strap</a:t>
-            </a:r>
-            <a:endParaRPr lang="fr-FR" dirty="0"/>
-          </a:p>
-        </p:txBody>
-      </p:sp>
-      <p:cxnSp>
-        <p:nvCxnSpPr>
-          <p:cNvPr id="52" name="Connecteur droit avec flèche 51"/>
-          <p:cNvCxnSpPr/>
-          <p:nvPr/>
-        </p:nvCxnSpPr>
-        <p:spPr>
-          <a:xfrm>
-            <a:off x="7197172" y="3532366"/>
-            <a:ext cx="327156" cy="0"/>
+            <a:off x="2979417" y="2572692"/>
+            <a:ext cx="3886812" cy="0"/>
           </a:xfrm>
           <a:prstGeom prst="straightConnector1">
             <a:avLst/>
@@ -12043,14 +11280,14 @@
       </p:cxnSp>
       <p:cxnSp>
         <p:nvCxnSpPr>
-          <p:cNvPr id="53" name="Connecteur droit avec flèche 52"/>
+          <p:cNvPr id="4" name="Connecteur droit avec flèche 3"/>
           <p:cNvCxnSpPr/>
           <p:nvPr/>
         </p:nvCxnSpPr>
         <p:spPr>
           <a:xfrm flipV="1">
-            <a:off x="7197172" y="3244334"/>
-            <a:ext cx="0" cy="288032"/>
+            <a:off x="2979417" y="1569184"/>
+            <a:ext cx="0" cy="1003508"/>
           </a:xfrm>
           <a:prstGeom prst="straightConnector1">
             <a:avLst/>
@@ -12082,14 +11319,14 @@
       </p:cxnSp>
       <p:sp>
         <p:nvSpPr>
-          <p:cNvPr id="54" name="ZoneTexte 53"/>
+          <p:cNvPr id="11" name="ZoneTexte 10"/>
           <p:cNvSpPr txBox="1"/>
           <p:nvPr/>
         </p:nvSpPr>
         <p:spPr>
           <a:xfrm>
-            <a:off x="7468255" y="3275692"/>
-            <a:ext cx="284052" cy="369332"/>
+            <a:off x="2257717" y="1703908"/>
+            <a:ext cx="654346" cy="369332"/>
           </a:xfrm>
           <a:prstGeom prst="rect">
             <a:avLst/>
@@ -12104,7 +11341,7 @@
           <a:p>
             <a:r>
               <a:rPr lang="fr-FR" dirty="0" smtClean="0"/>
-              <a:t>z</a:t>
+              <a:t>n_e0</a:t>
             </a:r>
             <a:endParaRPr lang="fr-FR" dirty="0"/>
           </a:p>
@@ -12112,14 +11349,14 @@
       </p:sp>
       <p:sp>
         <p:nvSpPr>
-          <p:cNvPr id="55" name="ZoneTexte 54"/>
+          <p:cNvPr id="12" name="ZoneTexte 11"/>
           <p:cNvSpPr txBox="1"/>
           <p:nvPr/>
         </p:nvSpPr>
         <p:spPr>
           <a:xfrm>
-            <a:off x="7041267" y="2839040"/>
-            <a:ext cx="288862" cy="369332"/>
+            <a:off x="6938237" y="2572692"/>
+            <a:ext cx="284052" cy="369332"/>
           </a:xfrm>
           <a:prstGeom prst="rect">
             <a:avLst/>
@@ -12134,7 +11371,7 @@
           <a:p>
             <a:r>
               <a:rPr lang="fr-FR" dirty="0" smtClean="0"/>
-              <a:t>y</a:t>
+              <a:t>x</a:t>
             </a:r>
             <a:endParaRPr lang="fr-FR" dirty="0"/>
           </a:p>
@@ -12142,14 +11379,14 @@
       </p:sp>
       <p:sp>
         <p:nvSpPr>
-          <p:cNvPr id="56" name="ZoneTexte 55"/>
+          <p:cNvPr id="13" name="ZoneTexte 12"/>
           <p:cNvSpPr txBox="1"/>
           <p:nvPr/>
         </p:nvSpPr>
         <p:spPr>
           <a:xfrm>
-            <a:off x="8214605" y="3023706"/>
-            <a:ext cx="893899" cy="369332"/>
+            <a:off x="3337837" y="2649304"/>
+            <a:ext cx="1069524" cy="369332"/>
           </a:xfrm>
           <a:prstGeom prst="rect">
             <a:avLst/>
@@ -12164,62 +11401,22 @@
           <a:p>
             <a:r>
               <a:rPr lang="fr-FR" dirty="0" err="1" smtClean="0"/>
-              <a:t>h_strap</a:t>
+              <a:t>x_plasma</a:t>
             </a:r>
             <a:endParaRPr lang="fr-FR" dirty="0"/>
           </a:p>
         </p:txBody>
       </p:sp>
-      <p:cxnSp>
-        <p:nvCxnSpPr>
-          <p:cNvPr id="58" name="Connecteur droit avec flèche 57"/>
-          <p:cNvCxnSpPr/>
-          <p:nvPr/>
-        </p:nvCxnSpPr>
-        <p:spPr>
-          <a:xfrm flipV="1">
-            <a:off x="6012160" y="2730604"/>
-            <a:ext cx="0" cy="1185882"/>
-          </a:xfrm>
-          <a:prstGeom prst="straightConnector1">
-            <a:avLst/>
-          </a:prstGeom>
-          <a:ln>
-            <a:solidFill>
-              <a:schemeClr val="tx1">
-                <a:lumMod val="85000"/>
-                <a:lumOff val="15000"/>
-              </a:schemeClr>
-            </a:solidFill>
-            <a:headEnd type="triangle" w="med" len="med"/>
-            <a:tailEnd type="triangle" w="med" len="med"/>
-          </a:ln>
-        </p:spPr>
-        <p:style>
-          <a:lnRef idx="1">
-            <a:schemeClr val="accent1"/>
-          </a:lnRef>
-          <a:fillRef idx="0">
-            <a:schemeClr val="accent1"/>
-          </a:fillRef>
-          <a:effectRef idx="0">
-            <a:schemeClr val="accent1"/>
-          </a:effectRef>
-          <a:fontRef idx="minor">
-            <a:schemeClr val="tx1"/>
-          </a:fontRef>
-        </p:style>
-      </p:cxnSp>
-      <p:sp>
-        <p:nvSpPr>
-          <p:cNvPr id="60" name="ZoneTexte 59"/>
+      <p:sp>
+        <p:nvSpPr>
+          <p:cNvPr id="14" name="ZoneTexte 13"/>
           <p:cNvSpPr txBox="1"/>
           <p:nvPr/>
         </p:nvSpPr>
         <p:spPr>
           <a:xfrm>
-            <a:off x="5195420" y="3125638"/>
-            <a:ext cx="760465" cy="369332"/>
+            <a:off x="2820127" y="2649304"/>
+            <a:ext cx="301686" cy="369332"/>
           </a:xfrm>
           <a:prstGeom prst="rect">
             <a:avLst/>
@@ -12233,38 +11430,8 @@
           <a:lstStyle/>
           <a:p>
             <a:r>
-              <a:rPr lang="fr-FR" dirty="0" err="1" smtClean="0"/>
-              <a:t>h_box</a:t>
-            </a:r>
-            <a:endParaRPr lang="fr-FR" dirty="0"/>
-          </a:p>
-        </p:txBody>
-      </p:sp>
-      <p:sp>
-        <p:nvSpPr>
-          <p:cNvPr id="61" name="ZoneTexte 60"/>
-          <p:cNvSpPr txBox="1"/>
-          <p:nvPr/>
-        </p:nvSpPr>
-        <p:spPr>
-          <a:xfrm>
-            <a:off x="6530762" y="4252446"/>
-            <a:ext cx="803746" cy="369332"/>
-          </a:xfrm>
-          <a:prstGeom prst="rect">
-            <a:avLst/>
-          </a:prstGeom>
-          <a:noFill/>
-        </p:spPr>
-        <p:txBody>
-          <a:bodyPr wrap="none" rtlCol="0">
-            <a:spAutoFit/>
-          </a:bodyPr>
-          <a:lstStyle/>
-          <a:p>
-            <a:r>
-              <a:rPr lang="fr-FR" dirty="0" err="1" smtClean="0"/>
-              <a:t>w_box</a:t>
+              <a:rPr lang="fr-FR" dirty="0" smtClean="0"/>
+              <a:t>0</a:t>
             </a:r>
             <a:endParaRPr lang="fr-FR" dirty="0"/>
           </a:p>
@@ -12272,347 +11439,21 @@
       </p:sp>
       <p:cxnSp>
         <p:nvCxnSpPr>
-          <p:cNvPr id="47" name="Connecteur droit avec flèche 46"/>
+          <p:cNvPr id="16" name="Connecteur droit 15"/>
           <p:cNvCxnSpPr/>
           <p:nvPr/>
         </p:nvCxnSpPr>
         <p:spPr>
-          <a:xfrm>
-            <a:off x="7060540" y="2636912"/>
-            <a:ext cx="269589" cy="0"/>
-          </a:xfrm>
-          <a:prstGeom prst="straightConnector1">
-            <a:avLst/>
-          </a:prstGeom>
-          <a:ln>
+          <a:xfrm flipV="1">
+            <a:off x="3481853" y="1866508"/>
+            <a:ext cx="0" cy="706184"/>
+          </a:xfrm>
+          <a:prstGeom prst="line">
+            <a:avLst/>
+          </a:prstGeom>
+          <a:ln w="19050">
             <a:solidFill>
-              <a:schemeClr val="tx1">
-                <a:lumMod val="85000"/>
-                <a:lumOff val="15000"/>
-              </a:schemeClr>
-            </a:solidFill>
-            <a:headEnd type="triangle" w="med" len="med"/>
-            <a:tailEnd type="triangle" w="med" len="med"/>
-          </a:ln>
-        </p:spPr>
-        <p:style>
-          <a:lnRef idx="1">
-            <a:schemeClr val="accent1"/>
-          </a:lnRef>
-          <a:fillRef idx="0">
-            <a:schemeClr val="accent1"/>
-          </a:fillRef>
-          <a:effectRef idx="0">
-            <a:schemeClr val="accent1"/>
-          </a:effectRef>
-          <a:fontRef idx="minor">
-            <a:schemeClr val="tx1"/>
-          </a:fontRef>
-        </p:style>
-      </p:cxnSp>
-      <p:sp>
-        <p:nvSpPr>
-          <p:cNvPr id="49" name="ZoneTexte 48"/>
-          <p:cNvSpPr txBox="1"/>
-          <p:nvPr/>
-        </p:nvSpPr>
-        <p:spPr>
-          <a:xfrm>
-            <a:off x="7106298" y="2308230"/>
-            <a:ext cx="1246944" cy="369332"/>
-          </a:xfrm>
-          <a:prstGeom prst="rect">
-            <a:avLst/>
-          </a:prstGeom>
-          <a:noFill/>
-        </p:spPr>
-        <p:txBody>
-          <a:bodyPr wrap="none" rtlCol="0">
-            <a:spAutoFit/>
-          </a:bodyPr>
-          <a:lstStyle/>
-          <a:p>
-            <a:r>
-              <a:rPr lang="fr-FR" dirty="0" err="1" smtClean="0"/>
-              <a:t>delta_strap</a:t>
-            </a:r>
-            <a:endParaRPr lang="fr-FR" dirty="0"/>
-          </a:p>
-        </p:txBody>
-      </p:sp>
-      <p:cxnSp>
-        <p:nvCxnSpPr>
-          <p:cNvPr id="50" name="Connecteur droit avec flèche 49"/>
-          <p:cNvCxnSpPr/>
-          <p:nvPr/>
-        </p:nvCxnSpPr>
-        <p:spPr>
-          <a:xfrm>
-            <a:off x="6439674" y="2636912"/>
-            <a:ext cx="220558" cy="0"/>
-          </a:xfrm>
-          <a:prstGeom prst="straightConnector1">
-            <a:avLst/>
-          </a:prstGeom>
-          <a:ln>
-            <a:solidFill>
-              <a:schemeClr val="tx1">
-                <a:lumMod val="85000"/>
-                <a:lumOff val="15000"/>
-              </a:schemeClr>
-            </a:solidFill>
-            <a:headEnd type="triangle" w="med" len="med"/>
-            <a:tailEnd type="triangle" w="med" len="med"/>
-          </a:ln>
-        </p:spPr>
-        <p:style>
-          <a:lnRef idx="1">
-            <a:schemeClr val="accent1"/>
-          </a:lnRef>
-          <a:fillRef idx="0">
-            <a:schemeClr val="accent1"/>
-          </a:fillRef>
-          <a:effectRef idx="0">
-            <a:schemeClr val="accent1"/>
-          </a:effectRef>
-          <a:fontRef idx="minor">
-            <a:schemeClr val="tx1"/>
-          </a:fontRef>
-        </p:style>
-      </p:cxnSp>
-      <p:sp>
-        <p:nvSpPr>
-          <p:cNvPr id="57" name="ZoneTexte 56"/>
-          <p:cNvSpPr txBox="1"/>
-          <p:nvPr/>
-        </p:nvSpPr>
-        <p:spPr>
-          <a:xfrm>
-            <a:off x="6084168" y="2375302"/>
-            <a:ext cx="561372" cy="261610"/>
-          </a:xfrm>
-          <a:prstGeom prst="rect">
-            <a:avLst/>
-          </a:prstGeom>
-          <a:noFill/>
-        </p:spPr>
-        <p:txBody>
-          <a:bodyPr wrap="none" rtlCol="0">
-            <a:spAutoFit/>
-          </a:bodyPr>
-          <a:lstStyle/>
-          <a:p>
-            <a:r>
-              <a:rPr lang="fr-FR" sz="1100" dirty="0" err="1" smtClean="0"/>
-              <a:t>d_wall</a:t>
-            </a:r>
-            <a:endParaRPr lang="fr-FR" sz="1100" dirty="0"/>
-          </a:p>
-        </p:txBody>
-      </p:sp>
-      <p:sp>
-        <p:nvSpPr>
-          <p:cNvPr id="63" name="ZoneTexte 65"/>
-          <p:cNvSpPr txBox="1"/>
-          <p:nvPr/>
-        </p:nvSpPr>
-        <p:spPr>
-          <a:xfrm>
-            <a:off x="5494068" y="4808185"/>
-            <a:ext cx="2994153" cy="1754326"/>
-          </a:xfrm>
-          <a:prstGeom prst="rect">
-            <a:avLst/>
-          </a:prstGeom>
-          <a:noFill/>
-        </p:spPr>
-        <p:txBody>
-          <a:bodyPr wrap="none" rtlCol="0">
-            <a:spAutoFit/>
-          </a:bodyPr>
-          <a:lstStyle/>
-          <a:p>
-            <a:r>
-              <a:rPr lang="fr-FR" dirty="0" err="1" smtClean="0"/>
-              <a:t>h_box</a:t>
-            </a:r>
-            <a:r>
-              <a:rPr lang="fr-FR" dirty="0" smtClean="0"/>
-              <a:t>=0.20</a:t>
-            </a:r>
-          </a:p>
-          <a:p>
-            <a:r>
-              <a:rPr lang="fr-FR" dirty="0" err="1" smtClean="0"/>
-              <a:t>w_box</a:t>
-            </a:r>
-            <a:r>
-              <a:rPr lang="fr-FR" dirty="0" smtClean="0"/>
-              <a:t>=0.43</a:t>
-            </a:r>
-          </a:p>
-          <a:p>
-            <a:r>
-              <a:rPr lang="fr-FR" dirty="0" err="1" smtClean="0"/>
-              <a:t>h_strap</a:t>
-            </a:r>
-            <a:r>
-              <a:rPr lang="fr-FR" dirty="0" smtClean="0"/>
-              <a:t>=0.20 (</a:t>
-            </a:r>
-            <a:r>
-              <a:rPr lang="fr-FR" dirty="0" err="1" smtClean="0"/>
-              <a:t>same</a:t>
-            </a:r>
-            <a:r>
-              <a:rPr lang="fr-FR" dirty="0" smtClean="0"/>
-              <a:t> as </a:t>
-            </a:r>
-            <a:r>
-              <a:rPr lang="fr-FR" dirty="0" err="1" smtClean="0"/>
-              <a:t>h_box</a:t>
-            </a:r>
-            <a:r>
-              <a:rPr lang="fr-FR" dirty="0" smtClean="0"/>
-              <a:t>)</a:t>
-            </a:r>
-            <a:endParaRPr lang="fr-FR" dirty="0"/>
-          </a:p>
-          <a:p>
-            <a:r>
-              <a:rPr lang="fr-FR" dirty="0" err="1" smtClean="0"/>
-              <a:t>w_strap</a:t>
-            </a:r>
-            <a:r>
-              <a:rPr lang="fr-FR" dirty="0" smtClean="0"/>
-              <a:t>=0.12</a:t>
-            </a:r>
-          </a:p>
-          <a:p>
-            <a:r>
-              <a:rPr lang="fr-FR" dirty="0" err="1" smtClean="0"/>
-              <a:t>d_wall</a:t>
-            </a:r>
-            <a:r>
-              <a:rPr lang="fr-FR" dirty="0" smtClean="0"/>
-              <a:t>=0.045</a:t>
-            </a:r>
-          </a:p>
-          <a:p>
-            <a:r>
-              <a:rPr lang="fr-FR" dirty="0" err="1" smtClean="0"/>
-              <a:t>delta_strap</a:t>
-            </a:r>
-            <a:r>
-              <a:rPr lang="fr-FR" dirty="0" smtClean="0"/>
-              <a:t>=0.1</a:t>
-            </a:r>
-          </a:p>
-        </p:txBody>
-      </p:sp>
-      <p:sp>
-        <p:nvSpPr>
-          <p:cNvPr id="65" name="ZoneTexte 33"/>
-          <p:cNvSpPr txBox="1"/>
-          <p:nvPr/>
-        </p:nvSpPr>
-        <p:spPr>
-          <a:xfrm>
-            <a:off x="7222289" y="1384517"/>
-            <a:ext cx="1670191" cy="646331"/>
-          </a:xfrm>
-          <a:prstGeom prst="rect">
-            <a:avLst/>
-          </a:prstGeom>
-          <a:noFill/>
-        </p:spPr>
-        <p:txBody>
-          <a:bodyPr wrap="square" rtlCol="0">
-            <a:spAutoFit/>
-          </a:bodyPr>
-          <a:lstStyle/>
-          <a:p>
-            <a:r>
-              <a:rPr lang="fr-FR" sz="1200" dirty="0" err="1" smtClean="0"/>
-              <a:t>Units</a:t>
-            </a:r>
-            <a:r>
-              <a:rPr lang="fr-FR" sz="1200" dirty="0" smtClean="0"/>
-              <a:t>:</a:t>
-            </a:r>
-          </a:p>
-          <a:p>
-            <a:r>
-              <a:rPr lang="fr-FR" sz="1200" dirty="0" err="1" smtClean="0"/>
-              <a:t>Length</a:t>
-            </a:r>
-            <a:r>
-              <a:rPr lang="fr-FR" sz="1200" dirty="0" smtClean="0"/>
-              <a:t>: m</a:t>
-            </a:r>
-          </a:p>
-          <a:p>
-            <a:r>
-              <a:rPr lang="fr-FR" sz="1200" dirty="0" err="1" smtClean="0"/>
-              <a:t>Density</a:t>
-            </a:r>
-            <a:r>
-              <a:rPr lang="fr-FR" sz="1200" dirty="0" smtClean="0"/>
-              <a:t>: m-3</a:t>
-            </a:r>
-          </a:p>
-        </p:txBody>
-      </p:sp>
-      <p:sp>
-        <p:nvSpPr>
-          <p:cNvPr id="69" name="ZoneTexte 66"/>
-          <p:cNvSpPr txBox="1"/>
-          <p:nvPr/>
-        </p:nvSpPr>
-        <p:spPr>
-          <a:xfrm>
-            <a:off x="2339752" y="2765688"/>
-            <a:ext cx="620683" cy="261610"/>
-          </a:xfrm>
-          <a:prstGeom prst="rect">
-            <a:avLst/>
-          </a:prstGeom>
-          <a:noFill/>
-        </p:spPr>
-        <p:txBody>
-          <a:bodyPr wrap="none" rtlCol="0">
-            <a:spAutoFit/>
-          </a:bodyPr>
-          <a:lstStyle/>
-          <a:p>
-            <a:r>
-              <a:rPr lang="fr-FR" sz="1100" dirty="0" err="1" smtClean="0"/>
-              <a:t>d_strap</a:t>
-            </a:r>
-            <a:endParaRPr lang="fr-FR" sz="1100" dirty="0"/>
-          </a:p>
-        </p:txBody>
-      </p:sp>
-      <p:cxnSp>
-        <p:nvCxnSpPr>
-          <p:cNvPr id="72" name="Connecteur droit 5"/>
-          <p:cNvCxnSpPr/>
-          <p:nvPr/>
-        </p:nvCxnSpPr>
-        <p:spPr>
-          <a:xfrm>
-            <a:off x="2622900" y="1844824"/>
-            <a:ext cx="0" cy="864096"/>
-          </a:xfrm>
-          <a:prstGeom prst="line">
-            <a:avLst/>
-          </a:prstGeom>
-          <a:ln w="38100">
-            <a:solidFill>
-              <a:schemeClr val="tx1">
-                <a:lumMod val="95000"/>
-                <a:lumOff val="5000"/>
-              </a:schemeClr>
+              <a:schemeClr val="tx2"/>
             </a:solidFill>
           </a:ln>
         </p:spPr>
@@ -12633,24 +11474,21 @@
       </p:cxnSp>
       <p:cxnSp>
         <p:nvCxnSpPr>
-          <p:cNvPr id="73" name="Connecteur droit 6"/>
+          <p:cNvPr id="18" name="Connecteur droit 17"/>
           <p:cNvCxnSpPr/>
           <p:nvPr/>
         </p:nvCxnSpPr>
         <p:spPr>
           <a:xfrm>
-            <a:off x="1475656" y="2708920"/>
-            <a:ext cx="0" cy="1296144"/>
+            <a:off x="3481853" y="1866508"/>
+            <a:ext cx="3312368" cy="0"/>
           </a:xfrm>
           <a:prstGeom prst="line">
             <a:avLst/>
           </a:prstGeom>
-          <a:ln w="38100">
+          <a:ln w="19050">
             <a:solidFill>
-              <a:schemeClr val="tx1">
-                <a:lumMod val="95000"/>
-                <a:lumOff val="5000"/>
-              </a:schemeClr>
+              <a:schemeClr val="tx2"/>
             </a:solidFill>
           </a:ln>
         </p:spPr>
@@ -12669,200 +11507,16 @@
           </a:fontRef>
         </p:style>
       </p:cxnSp>
-      <p:cxnSp>
-        <p:nvCxnSpPr>
-          <p:cNvPr id="74" name="Connecteur droit 7"/>
-          <p:cNvCxnSpPr/>
-          <p:nvPr/>
-        </p:nvCxnSpPr>
-        <p:spPr>
-          <a:xfrm>
-            <a:off x="1475656" y="2708920"/>
-            <a:ext cx="1152128" cy="0"/>
-          </a:xfrm>
-          <a:prstGeom prst="line">
-            <a:avLst/>
-          </a:prstGeom>
-          <a:ln w="38100">
-            <a:solidFill>
-              <a:schemeClr val="tx1">
-                <a:lumMod val="95000"/>
-                <a:lumOff val="5000"/>
-              </a:schemeClr>
-            </a:solidFill>
-          </a:ln>
-        </p:spPr>
-        <p:style>
-          <a:lnRef idx="1">
-            <a:schemeClr val="accent1"/>
-          </a:lnRef>
-          <a:fillRef idx="0">
-            <a:schemeClr val="accent1"/>
-          </a:fillRef>
-          <a:effectRef idx="0">
-            <a:schemeClr val="accent1"/>
-          </a:effectRef>
-          <a:fontRef idx="minor">
-            <a:schemeClr val="tx1"/>
-          </a:fontRef>
-        </p:style>
-      </p:cxnSp>
-      <p:cxnSp>
-        <p:nvCxnSpPr>
-          <p:cNvPr id="75" name="Connecteur droit 11"/>
-          <p:cNvCxnSpPr/>
-          <p:nvPr/>
-        </p:nvCxnSpPr>
-        <p:spPr>
-          <a:xfrm>
-            <a:off x="1470772" y="4005064"/>
-            <a:ext cx="1152128" cy="0"/>
-          </a:xfrm>
-          <a:prstGeom prst="line">
-            <a:avLst/>
-          </a:prstGeom>
-          <a:ln w="38100">
-            <a:solidFill>
-              <a:schemeClr val="tx1">
-                <a:lumMod val="95000"/>
-                <a:lumOff val="5000"/>
-              </a:schemeClr>
-            </a:solidFill>
-          </a:ln>
-        </p:spPr>
-        <p:style>
-          <a:lnRef idx="1">
-            <a:schemeClr val="accent1"/>
-          </a:lnRef>
-          <a:fillRef idx="0">
-            <a:schemeClr val="accent1"/>
-          </a:fillRef>
-          <a:effectRef idx="0">
-            <a:schemeClr val="accent1"/>
-          </a:effectRef>
-          <a:fontRef idx="minor">
-            <a:schemeClr val="tx1"/>
-          </a:fontRef>
-        </p:style>
-      </p:cxnSp>
-      <p:cxnSp>
-        <p:nvCxnSpPr>
-          <p:cNvPr id="77" name="Connecteur droit 12"/>
-          <p:cNvCxnSpPr/>
-          <p:nvPr/>
-        </p:nvCxnSpPr>
-        <p:spPr>
-          <a:xfrm>
-            <a:off x="2629404" y="4005064"/>
-            <a:ext cx="0" cy="864096"/>
-          </a:xfrm>
-          <a:prstGeom prst="line">
-            <a:avLst/>
-          </a:prstGeom>
-          <a:ln w="38100">
-            <a:solidFill>
-              <a:schemeClr val="tx1">
-                <a:lumMod val="95000"/>
-                <a:lumOff val="5000"/>
-              </a:schemeClr>
-            </a:solidFill>
-          </a:ln>
-        </p:spPr>
-        <p:style>
-          <a:lnRef idx="1">
-            <a:schemeClr val="accent1"/>
-          </a:lnRef>
-          <a:fillRef idx="0">
-            <a:schemeClr val="accent1"/>
-          </a:fillRef>
-          <a:effectRef idx="0">
-            <a:schemeClr val="accent1"/>
-          </a:effectRef>
-          <a:fontRef idx="minor">
-            <a:schemeClr val="tx1"/>
-          </a:fontRef>
-        </p:style>
-      </p:cxnSp>
-      <p:cxnSp>
-        <p:nvCxnSpPr>
-          <p:cNvPr id="79" name="Connecteur droit 13"/>
-          <p:cNvCxnSpPr/>
-          <p:nvPr/>
-        </p:nvCxnSpPr>
-        <p:spPr>
-          <a:xfrm>
-            <a:off x="2339752" y="2708920"/>
-            <a:ext cx="0" cy="1008112"/>
-          </a:xfrm>
-          <a:prstGeom prst="line">
-            <a:avLst/>
-          </a:prstGeom>
-          <a:ln w="38100">
-            <a:solidFill>
-              <a:schemeClr val="accent2"/>
-            </a:solidFill>
-          </a:ln>
-        </p:spPr>
-        <p:style>
-          <a:lnRef idx="1">
-            <a:schemeClr val="accent1"/>
-          </a:lnRef>
-          <a:fillRef idx="0">
-            <a:schemeClr val="accent1"/>
-          </a:fillRef>
-          <a:effectRef idx="0">
-            <a:schemeClr val="accent1"/>
-          </a:effectRef>
-          <a:fontRef idx="minor">
-            <a:schemeClr val="tx1"/>
-          </a:fontRef>
-        </p:style>
-      </p:cxnSp>
-      <p:cxnSp>
-        <p:nvCxnSpPr>
-          <p:cNvPr id="80" name="Connecteur droit 25"/>
-          <p:cNvCxnSpPr/>
-          <p:nvPr/>
-        </p:nvCxnSpPr>
-        <p:spPr>
-          <a:xfrm>
-            <a:off x="2915816" y="1844824"/>
-            <a:ext cx="0" cy="3024336"/>
-          </a:xfrm>
-          <a:prstGeom prst="line">
-            <a:avLst/>
-          </a:prstGeom>
-          <a:ln w="28575">
-            <a:solidFill>
-              <a:schemeClr val="tx2"/>
-            </a:solidFill>
-          </a:ln>
-        </p:spPr>
-        <p:style>
-          <a:lnRef idx="1">
-            <a:schemeClr val="accent1"/>
-          </a:lnRef>
-          <a:fillRef idx="0">
-            <a:schemeClr val="accent1"/>
-          </a:fillRef>
-          <a:effectRef idx="0">
-            <a:schemeClr val="accent1"/>
-          </a:effectRef>
-          <a:fontRef idx="minor">
-            <a:schemeClr val="tx1"/>
-          </a:fontRef>
-        </p:style>
-      </p:cxnSp>
-      <p:sp>
-        <p:nvSpPr>
-          <p:cNvPr id="82" name="ZoneTexte 27"/>
+      <p:sp>
+        <p:nvSpPr>
+          <p:cNvPr id="19" name="ZoneTexte 18"/>
           <p:cNvSpPr txBox="1"/>
           <p:nvPr/>
         </p:nvSpPr>
         <p:spPr>
           <a:xfrm>
-            <a:off x="1504846" y="3639487"/>
-            <a:ext cx="674544" cy="276999"/>
+            <a:off x="2584890" y="1199852"/>
+            <a:ext cx="537327" cy="369332"/>
           </a:xfrm>
           <a:prstGeom prst="rect">
             <a:avLst/>
@@ -12876,23 +11530,23 @@
           <a:lstStyle/>
           <a:p>
             <a:r>
-              <a:rPr lang="fr-FR" sz="1200" dirty="0" smtClean="0"/>
-              <a:t>vacuum</a:t>
-            </a:r>
-            <a:endParaRPr lang="fr-FR" sz="1200" dirty="0"/>
+              <a:rPr lang="fr-FR" dirty="0" err="1" smtClean="0"/>
+              <a:t>n_e</a:t>
+            </a:r>
+            <a:endParaRPr lang="fr-FR" dirty="0"/>
           </a:p>
         </p:txBody>
       </p:sp>
       <p:cxnSp>
         <p:nvCxnSpPr>
-          <p:cNvPr id="83" name="Connecteur droit avec flèche 29"/>
+          <p:cNvPr id="20" name="Connecteur droit avec flèche 19"/>
           <p:cNvCxnSpPr/>
           <p:nvPr/>
         </p:nvCxnSpPr>
         <p:spPr>
           <a:xfrm>
-            <a:off x="2629404" y="3496404"/>
-            <a:ext cx="327156" cy="0"/>
+            <a:off x="2979417" y="4653136"/>
+            <a:ext cx="3886812" cy="0"/>
           </a:xfrm>
           <a:prstGeom prst="straightConnector1">
             <a:avLst/>
@@ -12924,14 +11578,14 @@
       </p:cxnSp>
       <p:cxnSp>
         <p:nvCxnSpPr>
-          <p:cNvPr id="84" name="Connecteur droit avec flèche 31"/>
+          <p:cNvPr id="21" name="Connecteur droit avec flèche 20"/>
           <p:cNvCxnSpPr/>
           <p:nvPr/>
         </p:nvCxnSpPr>
         <p:spPr>
           <a:xfrm flipV="1">
-            <a:off x="2629404" y="3208372"/>
-            <a:ext cx="0" cy="288032"/>
+            <a:off x="2979417" y="3649628"/>
+            <a:ext cx="0" cy="1003508"/>
           </a:xfrm>
           <a:prstGeom prst="straightConnector1">
             <a:avLst/>
@@ -12963,14 +11617,14 @@
       </p:cxnSp>
       <p:sp>
         <p:nvSpPr>
-          <p:cNvPr id="85" name="ZoneTexte 39"/>
+          <p:cNvPr id="22" name="ZoneTexte 21"/>
           <p:cNvSpPr txBox="1"/>
           <p:nvPr/>
         </p:nvSpPr>
         <p:spPr>
           <a:xfrm>
-            <a:off x="2991804" y="3311738"/>
-            <a:ext cx="284052" cy="369332"/>
+            <a:off x="2227807" y="4107258"/>
+            <a:ext cx="654346" cy="369332"/>
           </a:xfrm>
           <a:prstGeom prst="rect">
             <a:avLst/>
@@ -12985,7 +11639,7 @@
           <a:p>
             <a:r>
               <a:rPr lang="fr-FR" dirty="0" smtClean="0"/>
-              <a:t>x</a:t>
+              <a:t>n_e0</a:t>
             </a:r>
             <a:endParaRPr lang="fr-FR" dirty="0"/>
           </a:p>
@@ -12993,14 +11647,14 @@
       </p:sp>
       <p:sp>
         <p:nvSpPr>
-          <p:cNvPr id="86" name="ZoneTexte 40"/>
+          <p:cNvPr id="23" name="ZoneTexte 22"/>
           <p:cNvSpPr txBox="1"/>
           <p:nvPr/>
         </p:nvSpPr>
         <p:spPr>
           <a:xfrm>
-            <a:off x="2473499" y="2839040"/>
-            <a:ext cx="288862" cy="369332"/>
+            <a:off x="6938237" y="4653136"/>
+            <a:ext cx="284052" cy="369332"/>
           </a:xfrm>
           <a:prstGeom prst="rect">
             <a:avLst/>
@@ -13015,7 +11669,67 @@
           <a:p>
             <a:r>
               <a:rPr lang="fr-FR" dirty="0" smtClean="0"/>
-              <a:t>y</a:t>
+              <a:t>x</a:t>
+            </a:r>
+            <a:endParaRPr lang="fr-FR" dirty="0"/>
+          </a:p>
+        </p:txBody>
+      </p:sp>
+      <p:sp>
+        <p:nvSpPr>
+          <p:cNvPr id="24" name="ZoneTexte 23"/>
+          <p:cNvSpPr txBox="1"/>
+          <p:nvPr/>
+        </p:nvSpPr>
+        <p:spPr>
+          <a:xfrm>
+            <a:off x="3337837" y="4729748"/>
+            <a:ext cx="1069524" cy="369332"/>
+          </a:xfrm>
+          <a:prstGeom prst="rect">
+            <a:avLst/>
+          </a:prstGeom>
+          <a:noFill/>
+        </p:spPr>
+        <p:txBody>
+          <a:bodyPr wrap="none" rtlCol="0">
+            <a:spAutoFit/>
+          </a:bodyPr>
+          <a:lstStyle/>
+          <a:p>
+            <a:r>
+              <a:rPr lang="fr-FR" dirty="0" err="1" smtClean="0"/>
+              <a:t>x_plasma</a:t>
+            </a:r>
+            <a:endParaRPr lang="fr-FR" dirty="0"/>
+          </a:p>
+        </p:txBody>
+      </p:sp>
+      <p:sp>
+        <p:nvSpPr>
+          <p:cNvPr id="25" name="ZoneTexte 24"/>
+          <p:cNvSpPr txBox="1"/>
+          <p:nvPr/>
+        </p:nvSpPr>
+        <p:spPr>
+          <a:xfrm>
+            <a:off x="2820127" y="4729748"/>
+            <a:ext cx="301686" cy="369332"/>
+          </a:xfrm>
+          <a:prstGeom prst="rect">
+            <a:avLst/>
+          </a:prstGeom>
+          <a:noFill/>
+        </p:spPr>
+        <p:txBody>
+          <a:bodyPr wrap="none" rtlCol="0">
+            <a:spAutoFit/>
+          </a:bodyPr>
+          <a:lstStyle/>
+          <a:p>
+            <a:r>
+              <a:rPr lang="fr-FR" dirty="0" smtClean="0"/>
+              <a:t>0</a:t>
             </a:r>
             <a:endParaRPr lang="fr-FR" dirty="0"/>
           </a:p>
@@ -13023,27 +11737,22 @@
       </p:sp>
       <p:cxnSp>
         <p:nvCxnSpPr>
-          <p:cNvPr id="87" name="Connecteur droit avec flèche 61"/>
+          <p:cNvPr id="26" name="Connecteur droit 25"/>
           <p:cNvCxnSpPr/>
           <p:nvPr/>
         </p:nvCxnSpPr>
         <p:spPr>
-          <a:xfrm>
-            <a:off x="1475656" y="4365104"/>
-            <a:ext cx="1131520" cy="0"/>
-          </a:xfrm>
-          <a:prstGeom prst="straightConnector1">
-            <a:avLst/>
-          </a:prstGeom>
-          <a:ln>
+          <a:xfrm flipV="1">
+            <a:off x="3481853" y="4300044"/>
+            <a:ext cx="0" cy="353092"/>
+          </a:xfrm>
+          <a:prstGeom prst="line">
+            <a:avLst/>
+          </a:prstGeom>
+          <a:ln w="19050">
             <a:solidFill>
-              <a:schemeClr val="tx1">
-                <a:lumMod val="85000"/>
-                <a:lumOff val="15000"/>
-              </a:schemeClr>
+              <a:schemeClr val="tx2"/>
             </a:solidFill>
-            <a:headEnd type="triangle" w="med" len="med"/>
-            <a:tailEnd type="triangle" w="med" len="med"/>
           </a:ln>
         </p:spPr>
         <p:style>
@@ -13063,27 +11772,22 @@
       </p:cxnSp>
       <p:cxnSp>
         <p:nvCxnSpPr>
-          <p:cNvPr id="88" name="Connecteur droit avec flèche 63"/>
+          <p:cNvPr id="27" name="Connecteur droit 26"/>
           <p:cNvCxnSpPr/>
           <p:nvPr/>
         </p:nvCxnSpPr>
         <p:spPr>
-          <a:xfrm>
-            <a:off x="2411760" y="2803788"/>
-            <a:ext cx="217644" cy="0"/>
-          </a:xfrm>
-          <a:prstGeom prst="straightConnector1">
-            <a:avLst/>
-          </a:prstGeom>
-          <a:ln>
+          <a:xfrm flipV="1">
+            <a:off x="3481853" y="3946952"/>
+            <a:ext cx="3312368" cy="353092"/>
+          </a:xfrm>
+          <a:prstGeom prst="line">
+            <a:avLst/>
+          </a:prstGeom>
+          <a:ln w="19050">
             <a:solidFill>
-              <a:schemeClr val="tx1">
-                <a:lumMod val="85000"/>
-                <a:lumOff val="15000"/>
-              </a:schemeClr>
+              <a:schemeClr val="tx2"/>
             </a:solidFill>
-            <a:headEnd type="triangle" w="med" len="med"/>
-            <a:tailEnd type="triangle" w="med" len="med"/>
           </a:ln>
         </p:spPr>
         <p:style>
@@ -13103,14 +11807,14 @@
       </p:cxnSp>
       <p:sp>
         <p:nvSpPr>
-          <p:cNvPr id="89" name="ZoneTexte 65"/>
+          <p:cNvPr id="28" name="ZoneTexte 27"/>
           <p:cNvSpPr txBox="1"/>
           <p:nvPr/>
         </p:nvSpPr>
         <p:spPr>
           <a:xfrm>
-            <a:off x="1713034" y="4437112"/>
-            <a:ext cx="760465" cy="369332"/>
+            <a:off x="2584890" y="3280296"/>
+            <a:ext cx="537327" cy="369332"/>
           </a:xfrm>
           <a:prstGeom prst="rect">
             <a:avLst/>
@@ -13125,7 +11829,7 @@
           <a:p>
             <a:r>
               <a:rPr lang="fr-FR" dirty="0" err="1" smtClean="0"/>
-              <a:t>d_box</a:t>
+              <a:t>n_e</a:t>
             </a:r>
             <a:endParaRPr lang="fr-FR" dirty="0"/>
           </a:p>
@@ -13133,14 +11837,14 @@
       </p:sp>
       <p:sp>
         <p:nvSpPr>
-          <p:cNvPr id="90" name="ZoneTexte 67"/>
+          <p:cNvPr id="32" name="ZoneTexte 31"/>
           <p:cNvSpPr txBox="1"/>
           <p:nvPr/>
         </p:nvSpPr>
         <p:spPr>
           <a:xfrm>
-            <a:off x="1127958" y="1783849"/>
-            <a:ext cx="1373005" cy="646331"/>
+            <a:off x="4383385" y="3762286"/>
+            <a:ext cx="797013" cy="369332"/>
           </a:xfrm>
           <a:prstGeom prst="rect">
             <a:avLst/>
@@ -13153,25 +11857,9 @@
           </a:bodyPr>
           <a:lstStyle/>
           <a:p>
-            <a:pPr algn="r"/>
-            <a:r>
-              <a:rPr lang="fr-FR" dirty="0" err="1" smtClean="0"/>
-              <a:t>Antenna</a:t>
-            </a:r>
             <a:r>
               <a:rPr lang="fr-FR" dirty="0" smtClean="0"/>
-              <a:t> box</a:t>
-            </a:r>
-            <a:br>
-              <a:rPr lang="fr-FR" dirty="0" smtClean="0"/>
-            </a:br>
-            <a:r>
-              <a:rPr lang="fr-FR" dirty="0" err="1" smtClean="0"/>
-              <a:t>from</a:t>
-            </a:r>
-            <a:r>
-              <a:rPr lang="fr-FR" dirty="0" smtClean="0"/>
-              <a:t> x=0</a:t>
+              <a:t>Dn_e0</a:t>
             </a:r>
             <a:endParaRPr lang="fr-FR" dirty="0"/>
           </a:p>
@@ -13179,145 +11867,14 @@
       </p:sp>
       <p:sp>
         <p:nvSpPr>
-          <p:cNvPr id="91" name="Rectangle 90"/>
-          <p:cNvSpPr/>
-          <p:nvPr/>
-        </p:nvSpPr>
-        <p:spPr>
-          <a:xfrm>
-            <a:off x="2195737" y="2715776"/>
-            <a:ext cx="144016" cy="1289288"/>
-          </a:xfrm>
-          <a:prstGeom prst="rect">
-            <a:avLst/>
-          </a:prstGeom>
-          <a:solidFill>
-            <a:schemeClr val="accent2"/>
-          </a:solidFill>
-          <a:ln>
-            <a:solidFill>
-              <a:schemeClr val="tx1">
-                <a:lumMod val="85000"/>
-                <a:lumOff val="15000"/>
-              </a:schemeClr>
-            </a:solidFill>
-          </a:ln>
-        </p:spPr>
-        <p:style>
-          <a:lnRef idx="2">
-            <a:schemeClr val="accent1">
-              <a:shade val="50000"/>
-            </a:schemeClr>
-          </a:lnRef>
-          <a:fillRef idx="1">
-            <a:schemeClr val="accent1"/>
-          </a:fillRef>
-          <a:effectRef idx="0">
-            <a:schemeClr val="accent1"/>
-          </a:effectRef>
-          <a:fontRef idx="minor">
-            <a:schemeClr val="lt1"/>
-          </a:fontRef>
-        </p:style>
-        <p:txBody>
-          <a:bodyPr rtlCol="0" anchor="ctr"/>
-          <a:lstStyle/>
-          <a:p>
-            <a:pPr algn="ctr"/>
-            <a:endParaRPr lang="fr-FR"/>
-          </a:p>
-        </p:txBody>
-      </p:sp>
-      <p:cxnSp>
-        <p:nvCxnSpPr>
-          <p:cNvPr id="92" name="Connecteur droit avec flèche 75"/>
-          <p:cNvCxnSpPr/>
-          <p:nvPr/>
-        </p:nvCxnSpPr>
-        <p:spPr>
-          <a:xfrm>
-            <a:off x="2032158" y="3212976"/>
-            <a:ext cx="163578" cy="0"/>
-          </a:xfrm>
-          <a:prstGeom prst="straightConnector1">
-            <a:avLst/>
-          </a:prstGeom>
-          <a:ln w="12700">
-            <a:solidFill>
-              <a:schemeClr val="tx1">
-                <a:lumMod val="95000"/>
-                <a:lumOff val="5000"/>
-              </a:schemeClr>
-            </a:solidFill>
-            <a:tailEnd type="arrow"/>
-          </a:ln>
-        </p:spPr>
-        <p:style>
-          <a:lnRef idx="1">
-            <a:schemeClr val="accent1"/>
-          </a:lnRef>
-          <a:fillRef idx="0">
-            <a:schemeClr val="accent1"/>
-          </a:fillRef>
-          <a:effectRef idx="0">
-            <a:schemeClr val="accent1"/>
-          </a:effectRef>
-          <a:fontRef idx="minor">
-            <a:schemeClr val="tx1"/>
-          </a:fontRef>
-        </p:style>
-      </p:cxnSp>
-      <p:cxnSp>
-        <p:nvCxnSpPr>
-          <p:cNvPr id="93" name="Connecteur droit avec flèche 77"/>
-          <p:cNvCxnSpPr>
-            <a:endCxn id="91" idx="3"/>
-          </p:cNvCxnSpPr>
-          <p:nvPr/>
-        </p:nvCxnSpPr>
-        <p:spPr>
-          <a:xfrm flipH="1">
-            <a:off x="2339753" y="3219832"/>
-            <a:ext cx="161210" cy="140588"/>
-          </a:xfrm>
-          <a:prstGeom prst="straightConnector1">
-            <a:avLst/>
-          </a:prstGeom>
-          <a:ln w="12700">
-            <a:solidFill>
-              <a:schemeClr val="tx1">
-                <a:lumMod val="95000"/>
-                <a:lumOff val="5000"/>
-              </a:schemeClr>
-            </a:solidFill>
-            <a:tailEnd type="arrow"/>
-          </a:ln>
-        </p:spPr>
-        <p:style>
-          <a:lnRef idx="1">
-            <a:schemeClr val="accent1"/>
-          </a:lnRef>
-          <a:fillRef idx="0">
-            <a:schemeClr val="accent1"/>
-          </a:fillRef>
-          <a:effectRef idx="0">
-            <a:schemeClr val="accent1"/>
-          </a:effectRef>
-          <a:fontRef idx="minor">
-            <a:schemeClr val="tx1"/>
-          </a:fontRef>
-        </p:style>
-      </p:cxnSp>
-      <p:sp>
-        <p:nvSpPr>
-          <p:cNvPr id="94" name="ZoneTexte 80"/>
+          <p:cNvPr id="33" name="ZoneTexte 32"/>
           <p:cNvSpPr txBox="1"/>
           <p:nvPr/>
         </p:nvSpPr>
         <p:spPr>
           <a:xfrm>
-            <a:off x="1494554" y="3086333"/>
-            <a:ext cx="617477" cy="261610"/>
+            <a:off x="323528" y="1888574"/>
+            <a:ext cx="1712135" cy="276999"/>
           </a:xfrm>
           <a:prstGeom prst="rect">
             <a:avLst/>
@@ -13331,23 +11888,31 @@
           <a:lstStyle/>
           <a:p>
             <a:r>
-              <a:rPr lang="fr-FR" sz="1100" dirty="0" err="1" smtClean="0"/>
-              <a:t>e_strap</a:t>
-            </a:r>
-            <a:endParaRPr lang="fr-FR" sz="1100" dirty="0"/>
-          </a:p>
-        </p:txBody>
-      </p:sp>
-      <p:sp>
-        <p:nvSpPr>
-          <p:cNvPr id="95" name="ZoneTexte 65"/>
+              <a:rPr lang="fr-FR" sz="1200" dirty="0" smtClean="0"/>
+              <a:t>Constant </a:t>
+            </a:r>
+            <a:r>
+              <a:rPr lang="fr-FR" sz="1200" dirty="0" err="1" smtClean="0"/>
+              <a:t>density</a:t>
+            </a:r>
+            <a:r>
+              <a:rPr lang="fr-FR" sz="1200" dirty="0" smtClean="0"/>
+              <a:t> plasma</a:t>
+            </a:r>
+            <a:endParaRPr lang="fr-FR" sz="1200" dirty="0"/>
+          </a:p>
+        </p:txBody>
+      </p:sp>
+      <p:sp>
+        <p:nvSpPr>
+          <p:cNvPr id="34" name="ZoneTexte 33"/>
           <p:cNvSpPr txBox="1"/>
           <p:nvPr/>
         </p:nvSpPr>
         <p:spPr>
           <a:xfrm>
-            <a:off x="1404906" y="5085184"/>
-            <a:ext cx="1669752" cy="923330"/>
+            <a:off x="350620" y="4023045"/>
+            <a:ext cx="1590756" cy="276999"/>
           </a:xfrm>
           <a:prstGeom prst="rect">
             <a:avLst/>
@@ -13361,47 +11926,23 @@
           <a:lstStyle/>
           <a:p>
             <a:r>
-              <a:rPr lang="fr-FR" dirty="0" err="1" smtClean="0"/>
-              <a:t>d_box</a:t>
-            </a:r>
-            <a:r>
-              <a:rPr lang="fr-FR" dirty="0" smtClean="0"/>
-              <a:t>=0.16</a:t>
-            </a:r>
-          </a:p>
-          <a:p>
-            <a:r>
-              <a:rPr lang="fr-FR" dirty="0" err="1" smtClean="0"/>
-              <a:t>d_strap</a:t>
-            </a:r>
-            <a:r>
-              <a:rPr lang="fr-FR" dirty="0" smtClean="0"/>
-              <a:t>=0.04</a:t>
-            </a:r>
-            <a:endParaRPr lang="fr-FR" dirty="0"/>
-          </a:p>
-          <a:p>
-            <a:r>
-              <a:rPr lang="fr-FR" dirty="0" err="1" smtClean="0"/>
-              <a:t>e_strap</a:t>
-            </a:r>
-            <a:r>
-              <a:rPr lang="fr-FR" dirty="0" smtClean="0"/>
-              <a:t>=(0.015)</a:t>
-            </a:r>
-          </a:p>
-        </p:txBody>
-      </p:sp>
-      <p:sp>
-        <p:nvSpPr>
-          <p:cNvPr id="96" name="ZoneTexte 27"/>
+              <a:rPr lang="fr-FR" sz="1200" dirty="0" smtClean="0"/>
+              <a:t>Single gradient plasma</a:t>
+            </a:r>
+            <a:endParaRPr lang="fr-FR" sz="1200" dirty="0"/>
+          </a:p>
+        </p:txBody>
+      </p:sp>
+      <p:sp>
+        <p:nvSpPr>
+          <p:cNvPr id="29" name="ZoneTexte 10"/>
           <p:cNvSpPr txBox="1"/>
           <p:nvPr/>
         </p:nvSpPr>
         <p:spPr>
-          <a:xfrm rot="5400000">
-            <a:off x="2430631" y="3879843"/>
-            <a:ext cx="674544" cy="276999"/>
+          <a:xfrm>
+            <a:off x="451338" y="5373216"/>
+            <a:ext cx="6947095" cy="646331"/>
           </a:xfrm>
           <a:prstGeom prst="rect">
             <a:avLst/>
@@ -13415,17 +11956,87 @@
           <a:lstStyle/>
           <a:p>
             <a:r>
-              <a:rPr lang="fr-FR" sz="1200" dirty="0" smtClean="0"/>
-              <a:t>vacuum</a:t>
-            </a:r>
-            <a:endParaRPr lang="fr-FR" sz="1200" dirty="0"/>
+              <a:rPr lang="fr-FR" dirty="0" smtClean="0"/>
+              <a:t>ANTITER: Base </a:t>
+            </a:r>
+            <a:r>
+              <a:rPr lang="fr-FR" dirty="0" err="1" smtClean="0"/>
+              <a:t>density</a:t>
+            </a:r>
+            <a:r>
+              <a:rPr lang="fr-FR" dirty="0" smtClean="0"/>
+              <a:t> for vacuum </a:t>
+            </a:r>
+            <a:r>
+              <a:rPr lang="fr-FR" dirty="0" err="1" smtClean="0"/>
+              <a:t>is</a:t>
+            </a:r>
+            <a:r>
+              <a:rPr lang="fr-FR" dirty="0" smtClean="0"/>
+              <a:t> </a:t>
+            </a:r>
+            <a:r>
+              <a:rPr lang="fr-FR" dirty="0" err="1" smtClean="0"/>
+              <a:t>n_edge</a:t>
+            </a:r>
+            <a:r>
+              <a:rPr lang="fr-FR" dirty="0" smtClean="0"/>
+              <a:t>=1e11</a:t>
+            </a:r>
+          </a:p>
+          <a:p>
+            <a:r>
+              <a:rPr lang="fr-FR" dirty="0" smtClean="0"/>
+              <a:t>This </a:t>
+            </a:r>
+            <a:r>
+              <a:rPr lang="fr-FR" dirty="0" err="1" smtClean="0"/>
+              <a:t>is</a:t>
+            </a:r>
+            <a:r>
+              <a:rPr lang="fr-FR" dirty="0" smtClean="0"/>
+              <a:t> made for </a:t>
+            </a:r>
+            <a:r>
+              <a:rPr lang="fr-FR" dirty="0" err="1" smtClean="0"/>
+              <a:t>numerics</a:t>
+            </a:r>
+            <a:r>
+              <a:rPr lang="fr-FR" dirty="0" smtClean="0"/>
+              <a:t> but has a </a:t>
+            </a:r>
+            <a:r>
+              <a:rPr lang="fr-FR" dirty="0" err="1" smtClean="0"/>
+              <a:t>very</a:t>
+            </a:r>
+            <a:r>
+              <a:rPr lang="fr-FR" dirty="0" smtClean="0"/>
+              <a:t> </a:t>
+            </a:r>
+            <a:r>
+              <a:rPr lang="fr-FR" dirty="0" err="1" smtClean="0"/>
+              <a:t>low</a:t>
+            </a:r>
+            <a:r>
+              <a:rPr lang="fr-FR" dirty="0" smtClean="0"/>
+              <a:t> impact on </a:t>
+            </a:r>
+            <a:r>
+              <a:rPr lang="fr-FR" dirty="0" err="1" smtClean="0"/>
+              <a:t>kperp</a:t>
+            </a:r>
+            <a:r>
+              <a:rPr lang="fr-FR" dirty="0" smtClean="0"/>
+              <a:t> in vacuum</a:t>
+            </a:r>
+            <a:endParaRPr lang="fr-FR" dirty="0"/>
           </a:p>
         </p:txBody>
       </p:sp>
     </p:spTree>
     <p:extLst>
       <p:ext uri="{BB962C8B-B14F-4D97-AF65-F5344CB8AC3E}">
-        <p14:creationId xmlns:p14="http://schemas.microsoft.com/office/powerpoint/2010/main" val="1832609435"/>
+        <p14:creationId xmlns:p14="http://schemas.microsoft.com/office/powerpoint/2010/main" val="1932039448"/>
       </p:ext>
     </p:extLst>
   </p:cSld>
@@ -13454,853 +12065,6 @@
       </p:grpSpPr>
       <p:sp>
         <p:nvSpPr>
-          <p:cNvPr id="2" name="Titre 1"/>
-          <p:cNvSpPr>
-            <a:spLocks noGrp="1"/>
-          </p:cNvSpPr>
-          <p:nvPr>
-            <p:ph type="title"/>
-          </p:nvPr>
-        </p:nvSpPr>
-        <p:spPr/>
-        <p:txBody>
-          <a:bodyPr/>
-          <a:lstStyle/>
-          <a:p>
-            <a:r>
-              <a:rPr lang="fr-FR" dirty="0" smtClean="0"/>
-              <a:t>Plasma Configurations</a:t>
-            </a:r>
-            <a:endParaRPr lang="fr-FR" dirty="0"/>
-          </a:p>
-        </p:txBody>
-      </p:sp>
-      <p:cxnSp>
-        <p:nvCxnSpPr>
-          <p:cNvPr id="3" name="Connecteur droit avec flèche 2"/>
-          <p:cNvCxnSpPr/>
-          <p:nvPr/>
-        </p:nvCxnSpPr>
-        <p:spPr>
-          <a:xfrm>
-            <a:off x="2979417" y="2572692"/>
-            <a:ext cx="3886812" cy="0"/>
-          </a:xfrm>
-          <a:prstGeom prst="straightConnector1">
-            <a:avLst/>
-          </a:prstGeom>
-          <a:ln w="28575">
-            <a:solidFill>
-              <a:schemeClr val="tx1">
-                <a:lumMod val="95000"/>
-                <a:lumOff val="5000"/>
-              </a:schemeClr>
-            </a:solidFill>
-            <a:tailEnd type="arrow"/>
-          </a:ln>
-        </p:spPr>
-        <p:style>
-          <a:lnRef idx="1">
-            <a:schemeClr val="accent1"/>
-          </a:lnRef>
-          <a:fillRef idx="0">
-            <a:schemeClr val="accent1"/>
-          </a:fillRef>
-          <a:effectRef idx="0">
-            <a:schemeClr val="accent1"/>
-          </a:effectRef>
-          <a:fontRef idx="minor">
-            <a:schemeClr val="tx1"/>
-          </a:fontRef>
-        </p:style>
-      </p:cxnSp>
-      <p:cxnSp>
-        <p:nvCxnSpPr>
-          <p:cNvPr id="4" name="Connecteur droit avec flèche 3"/>
-          <p:cNvCxnSpPr/>
-          <p:nvPr/>
-        </p:nvCxnSpPr>
-        <p:spPr>
-          <a:xfrm flipV="1">
-            <a:off x="2979417" y="1569184"/>
-            <a:ext cx="0" cy="1003508"/>
-          </a:xfrm>
-          <a:prstGeom prst="straightConnector1">
-            <a:avLst/>
-          </a:prstGeom>
-          <a:ln w="28575">
-            <a:solidFill>
-              <a:schemeClr val="tx1">
-                <a:lumMod val="95000"/>
-                <a:lumOff val="5000"/>
-              </a:schemeClr>
-            </a:solidFill>
-            <a:tailEnd type="arrow"/>
-          </a:ln>
-        </p:spPr>
-        <p:style>
-          <a:lnRef idx="1">
-            <a:schemeClr val="accent1"/>
-          </a:lnRef>
-          <a:fillRef idx="0">
-            <a:schemeClr val="accent1"/>
-          </a:fillRef>
-          <a:effectRef idx="0">
-            <a:schemeClr val="accent1"/>
-          </a:effectRef>
-          <a:fontRef idx="minor">
-            <a:schemeClr val="tx1"/>
-          </a:fontRef>
-        </p:style>
-      </p:cxnSp>
-      <p:sp>
-        <p:nvSpPr>
-          <p:cNvPr id="11" name="ZoneTexte 10"/>
-          <p:cNvSpPr txBox="1"/>
-          <p:nvPr/>
-        </p:nvSpPr>
-        <p:spPr>
-          <a:xfrm>
-            <a:off x="2257717" y="1703908"/>
-            <a:ext cx="654346" cy="369332"/>
-          </a:xfrm>
-          <a:prstGeom prst="rect">
-            <a:avLst/>
-          </a:prstGeom>
-          <a:noFill/>
-        </p:spPr>
-        <p:txBody>
-          <a:bodyPr wrap="none" rtlCol="0">
-            <a:spAutoFit/>
-          </a:bodyPr>
-          <a:lstStyle/>
-          <a:p>
-            <a:r>
-              <a:rPr lang="fr-FR" dirty="0" smtClean="0"/>
-              <a:t>n_e0</a:t>
-            </a:r>
-            <a:endParaRPr lang="fr-FR" dirty="0"/>
-          </a:p>
-        </p:txBody>
-      </p:sp>
-      <p:sp>
-        <p:nvSpPr>
-          <p:cNvPr id="12" name="ZoneTexte 11"/>
-          <p:cNvSpPr txBox="1"/>
-          <p:nvPr/>
-        </p:nvSpPr>
-        <p:spPr>
-          <a:xfrm>
-            <a:off x="6938237" y="2572692"/>
-            <a:ext cx="284052" cy="369332"/>
-          </a:xfrm>
-          <a:prstGeom prst="rect">
-            <a:avLst/>
-          </a:prstGeom>
-          <a:noFill/>
-        </p:spPr>
-        <p:txBody>
-          <a:bodyPr wrap="none" rtlCol="0">
-            <a:spAutoFit/>
-          </a:bodyPr>
-          <a:lstStyle/>
-          <a:p>
-            <a:r>
-              <a:rPr lang="fr-FR" dirty="0" smtClean="0"/>
-              <a:t>x</a:t>
-            </a:r>
-            <a:endParaRPr lang="fr-FR" dirty="0"/>
-          </a:p>
-        </p:txBody>
-      </p:sp>
-      <p:sp>
-        <p:nvSpPr>
-          <p:cNvPr id="13" name="ZoneTexte 12"/>
-          <p:cNvSpPr txBox="1"/>
-          <p:nvPr/>
-        </p:nvSpPr>
-        <p:spPr>
-          <a:xfrm>
-            <a:off x="3337837" y="2649304"/>
-            <a:ext cx="1069524" cy="369332"/>
-          </a:xfrm>
-          <a:prstGeom prst="rect">
-            <a:avLst/>
-          </a:prstGeom>
-          <a:noFill/>
-        </p:spPr>
-        <p:txBody>
-          <a:bodyPr wrap="none" rtlCol="0">
-            <a:spAutoFit/>
-          </a:bodyPr>
-          <a:lstStyle/>
-          <a:p>
-            <a:r>
-              <a:rPr lang="fr-FR" dirty="0" err="1" smtClean="0"/>
-              <a:t>x_plasma</a:t>
-            </a:r>
-            <a:endParaRPr lang="fr-FR" dirty="0"/>
-          </a:p>
-        </p:txBody>
-      </p:sp>
-      <p:sp>
-        <p:nvSpPr>
-          <p:cNvPr id="14" name="ZoneTexte 13"/>
-          <p:cNvSpPr txBox="1"/>
-          <p:nvPr/>
-        </p:nvSpPr>
-        <p:spPr>
-          <a:xfrm>
-            <a:off x="2820127" y="2649304"/>
-            <a:ext cx="301686" cy="369332"/>
-          </a:xfrm>
-          <a:prstGeom prst="rect">
-            <a:avLst/>
-          </a:prstGeom>
-          <a:noFill/>
-        </p:spPr>
-        <p:txBody>
-          <a:bodyPr wrap="none" rtlCol="0">
-            <a:spAutoFit/>
-          </a:bodyPr>
-          <a:lstStyle/>
-          <a:p>
-            <a:r>
-              <a:rPr lang="fr-FR" dirty="0" smtClean="0"/>
-              <a:t>0</a:t>
-            </a:r>
-            <a:endParaRPr lang="fr-FR" dirty="0"/>
-          </a:p>
-        </p:txBody>
-      </p:sp>
-      <p:cxnSp>
-        <p:nvCxnSpPr>
-          <p:cNvPr id="16" name="Connecteur droit 15"/>
-          <p:cNvCxnSpPr/>
-          <p:nvPr/>
-        </p:nvCxnSpPr>
-        <p:spPr>
-          <a:xfrm flipV="1">
-            <a:off x="3481853" y="1866508"/>
-            <a:ext cx="0" cy="706184"/>
-          </a:xfrm>
-          <a:prstGeom prst="line">
-            <a:avLst/>
-          </a:prstGeom>
-          <a:ln w="19050">
-            <a:solidFill>
-              <a:schemeClr val="tx2"/>
-            </a:solidFill>
-          </a:ln>
-        </p:spPr>
-        <p:style>
-          <a:lnRef idx="1">
-            <a:schemeClr val="accent1"/>
-          </a:lnRef>
-          <a:fillRef idx="0">
-            <a:schemeClr val="accent1"/>
-          </a:fillRef>
-          <a:effectRef idx="0">
-            <a:schemeClr val="accent1"/>
-          </a:effectRef>
-          <a:fontRef idx="minor">
-            <a:schemeClr val="tx1"/>
-          </a:fontRef>
-        </p:style>
-      </p:cxnSp>
-      <p:cxnSp>
-        <p:nvCxnSpPr>
-          <p:cNvPr id="18" name="Connecteur droit 17"/>
-          <p:cNvCxnSpPr/>
-          <p:nvPr/>
-        </p:nvCxnSpPr>
-        <p:spPr>
-          <a:xfrm>
-            <a:off x="3481853" y="1866508"/>
-            <a:ext cx="3312368" cy="0"/>
-          </a:xfrm>
-          <a:prstGeom prst="line">
-            <a:avLst/>
-          </a:prstGeom>
-          <a:ln w="19050">
-            <a:solidFill>
-              <a:schemeClr val="tx2"/>
-            </a:solidFill>
-          </a:ln>
-        </p:spPr>
-        <p:style>
-          <a:lnRef idx="1">
-            <a:schemeClr val="accent1"/>
-          </a:lnRef>
-          <a:fillRef idx="0">
-            <a:schemeClr val="accent1"/>
-          </a:fillRef>
-          <a:effectRef idx="0">
-            <a:schemeClr val="accent1"/>
-          </a:effectRef>
-          <a:fontRef idx="minor">
-            <a:schemeClr val="tx1"/>
-          </a:fontRef>
-        </p:style>
-      </p:cxnSp>
-      <p:sp>
-        <p:nvSpPr>
-          <p:cNvPr id="19" name="ZoneTexte 18"/>
-          <p:cNvSpPr txBox="1"/>
-          <p:nvPr/>
-        </p:nvSpPr>
-        <p:spPr>
-          <a:xfrm>
-            <a:off x="2584890" y="1199852"/>
-            <a:ext cx="537327" cy="369332"/>
-          </a:xfrm>
-          <a:prstGeom prst="rect">
-            <a:avLst/>
-          </a:prstGeom>
-          <a:noFill/>
-        </p:spPr>
-        <p:txBody>
-          <a:bodyPr wrap="none" rtlCol="0">
-            <a:spAutoFit/>
-          </a:bodyPr>
-          <a:lstStyle/>
-          <a:p>
-            <a:r>
-              <a:rPr lang="fr-FR" dirty="0" err="1" smtClean="0"/>
-              <a:t>n_e</a:t>
-            </a:r>
-            <a:endParaRPr lang="fr-FR" dirty="0"/>
-          </a:p>
-        </p:txBody>
-      </p:sp>
-      <p:cxnSp>
-        <p:nvCxnSpPr>
-          <p:cNvPr id="20" name="Connecteur droit avec flèche 19"/>
-          <p:cNvCxnSpPr/>
-          <p:nvPr/>
-        </p:nvCxnSpPr>
-        <p:spPr>
-          <a:xfrm>
-            <a:off x="2979417" y="4653136"/>
-            <a:ext cx="3886812" cy="0"/>
-          </a:xfrm>
-          <a:prstGeom prst="straightConnector1">
-            <a:avLst/>
-          </a:prstGeom>
-          <a:ln w="28575">
-            <a:solidFill>
-              <a:schemeClr val="tx1">
-                <a:lumMod val="95000"/>
-                <a:lumOff val="5000"/>
-              </a:schemeClr>
-            </a:solidFill>
-            <a:tailEnd type="arrow"/>
-          </a:ln>
-        </p:spPr>
-        <p:style>
-          <a:lnRef idx="1">
-            <a:schemeClr val="accent1"/>
-          </a:lnRef>
-          <a:fillRef idx="0">
-            <a:schemeClr val="accent1"/>
-          </a:fillRef>
-          <a:effectRef idx="0">
-            <a:schemeClr val="accent1"/>
-          </a:effectRef>
-          <a:fontRef idx="minor">
-            <a:schemeClr val="tx1"/>
-          </a:fontRef>
-        </p:style>
-      </p:cxnSp>
-      <p:cxnSp>
-        <p:nvCxnSpPr>
-          <p:cNvPr id="21" name="Connecteur droit avec flèche 20"/>
-          <p:cNvCxnSpPr/>
-          <p:nvPr/>
-        </p:nvCxnSpPr>
-        <p:spPr>
-          <a:xfrm flipV="1">
-            <a:off x="2979417" y="3649628"/>
-            <a:ext cx="0" cy="1003508"/>
-          </a:xfrm>
-          <a:prstGeom prst="straightConnector1">
-            <a:avLst/>
-          </a:prstGeom>
-          <a:ln w="28575">
-            <a:solidFill>
-              <a:schemeClr val="tx1">
-                <a:lumMod val="95000"/>
-                <a:lumOff val="5000"/>
-              </a:schemeClr>
-            </a:solidFill>
-            <a:tailEnd type="arrow"/>
-          </a:ln>
-        </p:spPr>
-        <p:style>
-          <a:lnRef idx="1">
-            <a:schemeClr val="accent1"/>
-          </a:lnRef>
-          <a:fillRef idx="0">
-            <a:schemeClr val="accent1"/>
-          </a:fillRef>
-          <a:effectRef idx="0">
-            <a:schemeClr val="accent1"/>
-          </a:effectRef>
-          <a:fontRef idx="minor">
-            <a:schemeClr val="tx1"/>
-          </a:fontRef>
-        </p:style>
-      </p:cxnSp>
-      <p:sp>
-        <p:nvSpPr>
-          <p:cNvPr id="22" name="ZoneTexte 21"/>
-          <p:cNvSpPr txBox="1"/>
-          <p:nvPr/>
-        </p:nvSpPr>
-        <p:spPr>
-          <a:xfrm>
-            <a:off x="2227807" y="4107258"/>
-            <a:ext cx="654346" cy="369332"/>
-          </a:xfrm>
-          <a:prstGeom prst="rect">
-            <a:avLst/>
-          </a:prstGeom>
-          <a:noFill/>
-        </p:spPr>
-        <p:txBody>
-          <a:bodyPr wrap="none" rtlCol="0">
-            <a:spAutoFit/>
-          </a:bodyPr>
-          <a:lstStyle/>
-          <a:p>
-            <a:r>
-              <a:rPr lang="fr-FR" dirty="0" smtClean="0"/>
-              <a:t>n_e0</a:t>
-            </a:r>
-            <a:endParaRPr lang="fr-FR" dirty="0"/>
-          </a:p>
-        </p:txBody>
-      </p:sp>
-      <p:sp>
-        <p:nvSpPr>
-          <p:cNvPr id="23" name="ZoneTexte 22"/>
-          <p:cNvSpPr txBox="1"/>
-          <p:nvPr/>
-        </p:nvSpPr>
-        <p:spPr>
-          <a:xfrm>
-            <a:off x="6938237" y="4653136"/>
-            <a:ext cx="284052" cy="369332"/>
-          </a:xfrm>
-          <a:prstGeom prst="rect">
-            <a:avLst/>
-          </a:prstGeom>
-          <a:noFill/>
-        </p:spPr>
-        <p:txBody>
-          <a:bodyPr wrap="none" rtlCol="0">
-            <a:spAutoFit/>
-          </a:bodyPr>
-          <a:lstStyle/>
-          <a:p>
-            <a:r>
-              <a:rPr lang="fr-FR" dirty="0" smtClean="0"/>
-              <a:t>x</a:t>
-            </a:r>
-            <a:endParaRPr lang="fr-FR" dirty="0"/>
-          </a:p>
-        </p:txBody>
-      </p:sp>
-      <p:sp>
-        <p:nvSpPr>
-          <p:cNvPr id="24" name="ZoneTexte 23"/>
-          <p:cNvSpPr txBox="1"/>
-          <p:nvPr/>
-        </p:nvSpPr>
-        <p:spPr>
-          <a:xfrm>
-            <a:off x="3337837" y="4729748"/>
-            <a:ext cx="1069524" cy="369332"/>
-          </a:xfrm>
-          <a:prstGeom prst="rect">
-            <a:avLst/>
-          </a:prstGeom>
-          <a:noFill/>
-        </p:spPr>
-        <p:txBody>
-          <a:bodyPr wrap="none" rtlCol="0">
-            <a:spAutoFit/>
-          </a:bodyPr>
-          <a:lstStyle/>
-          <a:p>
-            <a:r>
-              <a:rPr lang="fr-FR" dirty="0" err="1" smtClean="0"/>
-              <a:t>x_plasma</a:t>
-            </a:r>
-            <a:endParaRPr lang="fr-FR" dirty="0"/>
-          </a:p>
-        </p:txBody>
-      </p:sp>
-      <p:sp>
-        <p:nvSpPr>
-          <p:cNvPr id="25" name="ZoneTexte 24"/>
-          <p:cNvSpPr txBox="1"/>
-          <p:nvPr/>
-        </p:nvSpPr>
-        <p:spPr>
-          <a:xfrm>
-            <a:off x="2820127" y="4729748"/>
-            <a:ext cx="301686" cy="369332"/>
-          </a:xfrm>
-          <a:prstGeom prst="rect">
-            <a:avLst/>
-          </a:prstGeom>
-          <a:noFill/>
-        </p:spPr>
-        <p:txBody>
-          <a:bodyPr wrap="none" rtlCol="0">
-            <a:spAutoFit/>
-          </a:bodyPr>
-          <a:lstStyle/>
-          <a:p>
-            <a:r>
-              <a:rPr lang="fr-FR" dirty="0" smtClean="0"/>
-              <a:t>0</a:t>
-            </a:r>
-            <a:endParaRPr lang="fr-FR" dirty="0"/>
-          </a:p>
-        </p:txBody>
-      </p:sp>
-      <p:cxnSp>
-        <p:nvCxnSpPr>
-          <p:cNvPr id="26" name="Connecteur droit 25"/>
-          <p:cNvCxnSpPr/>
-          <p:nvPr/>
-        </p:nvCxnSpPr>
-        <p:spPr>
-          <a:xfrm flipV="1">
-            <a:off x="3481853" y="4300044"/>
-            <a:ext cx="0" cy="353092"/>
-          </a:xfrm>
-          <a:prstGeom prst="line">
-            <a:avLst/>
-          </a:prstGeom>
-          <a:ln w="19050">
-            <a:solidFill>
-              <a:schemeClr val="tx2"/>
-            </a:solidFill>
-          </a:ln>
-        </p:spPr>
-        <p:style>
-          <a:lnRef idx="1">
-            <a:schemeClr val="accent1"/>
-          </a:lnRef>
-          <a:fillRef idx="0">
-            <a:schemeClr val="accent1"/>
-          </a:fillRef>
-          <a:effectRef idx="0">
-            <a:schemeClr val="accent1"/>
-          </a:effectRef>
-          <a:fontRef idx="minor">
-            <a:schemeClr val="tx1"/>
-          </a:fontRef>
-        </p:style>
-      </p:cxnSp>
-      <p:cxnSp>
-        <p:nvCxnSpPr>
-          <p:cNvPr id="27" name="Connecteur droit 26"/>
-          <p:cNvCxnSpPr/>
-          <p:nvPr/>
-        </p:nvCxnSpPr>
-        <p:spPr>
-          <a:xfrm flipV="1">
-            <a:off x="3481853" y="3946952"/>
-            <a:ext cx="3312368" cy="353092"/>
-          </a:xfrm>
-          <a:prstGeom prst="line">
-            <a:avLst/>
-          </a:prstGeom>
-          <a:ln w="19050">
-            <a:solidFill>
-              <a:schemeClr val="tx2"/>
-            </a:solidFill>
-          </a:ln>
-        </p:spPr>
-        <p:style>
-          <a:lnRef idx="1">
-            <a:schemeClr val="accent1"/>
-          </a:lnRef>
-          <a:fillRef idx="0">
-            <a:schemeClr val="accent1"/>
-          </a:fillRef>
-          <a:effectRef idx="0">
-            <a:schemeClr val="accent1"/>
-          </a:effectRef>
-          <a:fontRef idx="minor">
-            <a:schemeClr val="tx1"/>
-          </a:fontRef>
-        </p:style>
-      </p:cxnSp>
-      <p:sp>
-        <p:nvSpPr>
-          <p:cNvPr id="28" name="ZoneTexte 27"/>
-          <p:cNvSpPr txBox="1"/>
-          <p:nvPr/>
-        </p:nvSpPr>
-        <p:spPr>
-          <a:xfrm>
-            <a:off x="2584890" y="3280296"/>
-            <a:ext cx="537327" cy="369332"/>
-          </a:xfrm>
-          <a:prstGeom prst="rect">
-            <a:avLst/>
-          </a:prstGeom>
-          <a:noFill/>
-        </p:spPr>
-        <p:txBody>
-          <a:bodyPr wrap="none" rtlCol="0">
-            <a:spAutoFit/>
-          </a:bodyPr>
-          <a:lstStyle/>
-          <a:p>
-            <a:r>
-              <a:rPr lang="fr-FR" dirty="0" err="1" smtClean="0"/>
-              <a:t>n_e</a:t>
-            </a:r>
-            <a:endParaRPr lang="fr-FR" dirty="0"/>
-          </a:p>
-        </p:txBody>
-      </p:sp>
-      <p:sp>
-        <p:nvSpPr>
-          <p:cNvPr id="32" name="ZoneTexte 31"/>
-          <p:cNvSpPr txBox="1"/>
-          <p:nvPr/>
-        </p:nvSpPr>
-        <p:spPr>
-          <a:xfrm>
-            <a:off x="4383385" y="3762286"/>
-            <a:ext cx="797013" cy="369332"/>
-          </a:xfrm>
-          <a:prstGeom prst="rect">
-            <a:avLst/>
-          </a:prstGeom>
-          <a:noFill/>
-        </p:spPr>
-        <p:txBody>
-          <a:bodyPr wrap="none" rtlCol="0">
-            <a:spAutoFit/>
-          </a:bodyPr>
-          <a:lstStyle/>
-          <a:p>
-            <a:r>
-              <a:rPr lang="fr-FR" dirty="0" smtClean="0"/>
-              <a:t>Dn_e0</a:t>
-            </a:r>
-            <a:endParaRPr lang="fr-FR" dirty="0"/>
-          </a:p>
-        </p:txBody>
-      </p:sp>
-      <p:sp>
-        <p:nvSpPr>
-          <p:cNvPr id="33" name="ZoneTexte 32"/>
-          <p:cNvSpPr txBox="1"/>
-          <p:nvPr/>
-        </p:nvSpPr>
-        <p:spPr>
-          <a:xfrm>
-            <a:off x="323528" y="1888574"/>
-            <a:ext cx="1712135" cy="276999"/>
-          </a:xfrm>
-          <a:prstGeom prst="rect">
-            <a:avLst/>
-          </a:prstGeom>
-          <a:noFill/>
-        </p:spPr>
-        <p:txBody>
-          <a:bodyPr wrap="none" rtlCol="0">
-            <a:spAutoFit/>
-          </a:bodyPr>
-          <a:lstStyle/>
-          <a:p>
-            <a:r>
-              <a:rPr lang="fr-FR" sz="1200" dirty="0" smtClean="0"/>
-              <a:t>Constant </a:t>
-            </a:r>
-            <a:r>
-              <a:rPr lang="fr-FR" sz="1200" dirty="0" err="1" smtClean="0"/>
-              <a:t>density</a:t>
-            </a:r>
-            <a:r>
-              <a:rPr lang="fr-FR" sz="1200" dirty="0" smtClean="0"/>
-              <a:t> plasma</a:t>
-            </a:r>
-            <a:endParaRPr lang="fr-FR" sz="1200" dirty="0"/>
-          </a:p>
-        </p:txBody>
-      </p:sp>
-      <p:sp>
-        <p:nvSpPr>
-          <p:cNvPr id="34" name="ZoneTexte 33"/>
-          <p:cNvSpPr txBox="1"/>
-          <p:nvPr/>
-        </p:nvSpPr>
-        <p:spPr>
-          <a:xfrm>
-            <a:off x="350620" y="4023045"/>
-            <a:ext cx="1590756" cy="276999"/>
-          </a:xfrm>
-          <a:prstGeom prst="rect">
-            <a:avLst/>
-          </a:prstGeom>
-          <a:noFill/>
-        </p:spPr>
-        <p:txBody>
-          <a:bodyPr wrap="none" rtlCol="0">
-            <a:spAutoFit/>
-          </a:bodyPr>
-          <a:lstStyle/>
-          <a:p>
-            <a:r>
-              <a:rPr lang="fr-FR" sz="1200" dirty="0" smtClean="0"/>
-              <a:t>Single gradient plasma</a:t>
-            </a:r>
-            <a:endParaRPr lang="fr-FR" sz="1200" dirty="0"/>
-          </a:p>
-        </p:txBody>
-      </p:sp>
-      <p:sp>
-        <p:nvSpPr>
-          <p:cNvPr id="29" name="ZoneTexte 10"/>
-          <p:cNvSpPr txBox="1"/>
-          <p:nvPr/>
-        </p:nvSpPr>
-        <p:spPr>
-          <a:xfrm>
-            <a:off x="451338" y="5373216"/>
-            <a:ext cx="6947095" cy="646331"/>
-          </a:xfrm>
-          <a:prstGeom prst="rect">
-            <a:avLst/>
-          </a:prstGeom>
-          <a:noFill/>
-        </p:spPr>
-        <p:txBody>
-          <a:bodyPr wrap="none" rtlCol="0">
-            <a:spAutoFit/>
-          </a:bodyPr>
-          <a:lstStyle/>
-          <a:p>
-            <a:r>
-              <a:rPr lang="fr-FR" dirty="0" smtClean="0"/>
-              <a:t>ANTITER: Base </a:t>
-            </a:r>
-            <a:r>
-              <a:rPr lang="fr-FR" dirty="0" err="1" smtClean="0"/>
-              <a:t>density</a:t>
-            </a:r>
-            <a:r>
-              <a:rPr lang="fr-FR" dirty="0" smtClean="0"/>
-              <a:t> for vacuum </a:t>
-            </a:r>
-            <a:r>
-              <a:rPr lang="fr-FR" dirty="0" err="1" smtClean="0"/>
-              <a:t>is</a:t>
-            </a:r>
-            <a:r>
-              <a:rPr lang="fr-FR" dirty="0" smtClean="0"/>
-              <a:t> </a:t>
-            </a:r>
-            <a:r>
-              <a:rPr lang="fr-FR" dirty="0" err="1" smtClean="0"/>
-              <a:t>n_edge</a:t>
-            </a:r>
-            <a:r>
-              <a:rPr lang="fr-FR" dirty="0" smtClean="0"/>
-              <a:t>=1e11</a:t>
-            </a:r>
-          </a:p>
-          <a:p>
-            <a:r>
-              <a:rPr lang="fr-FR" dirty="0" smtClean="0"/>
-              <a:t>This </a:t>
-            </a:r>
-            <a:r>
-              <a:rPr lang="fr-FR" dirty="0" err="1" smtClean="0"/>
-              <a:t>is</a:t>
-            </a:r>
-            <a:r>
-              <a:rPr lang="fr-FR" dirty="0" smtClean="0"/>
-              <a:t> made for </a:t>
-            </a:r>
-            <a:r>
-              <a:rPr lang="fr-FR" dirty="0" err="1" smtClean="0"/>
-              <a:t>numerics</a:t>
-            </a:r>
-            <a:r>
-              <a:rPr lang="fr-FR" dirty="0" smtClean="0"/>
-              <a:t> but has a </a:t>
-            </a:r>
-            <a:r>
-              <a:rPr lang="fr-FR" dirty="0" err="1" smtClean="0"/>
-              <a:t>very</a:t>
-            </a:r>
-            <a:r>
-              <a:rPr lang="fr-FR" dirty="0" smtClean="0"/>
-              <a:t> </a:t>
-            </a:r>
-            <a:r>
-              <a:rPr lang="fr-FR" dirty="0" err="1" smtClean="0"/>
-              <a:t>low</a:t>
-            </a:r>
-            <a:r>
-              <a:rPr lang="fr-FR" dirty="0" smtClean="0"/>
-              <a:t> impact on </a:t>
-            </a:r>
-            <a:r>
-              <a:rPr lang="fr-FR" dirty="0" err="1" smtClean="0"/>
-              <a:t>kperp</a:t>
-            </a:r>
-            <a:r>
-              <a:rPr lang="fr-FR" dirty="0" smtClean="0"/>
-              <a:t> in vacuum</a:t>
-            </a:r>
-            <a:endParaRPr lang="fr-FR" dirty="0"/>
-          </a:p>
-        </p:txBody>
-      </p:sp>
-    </p:spTree>
-    <p:extLst>
-      <p:ext uri="{BB962C8B-B14F-4D97-AF65-F5344CB8AC3E}">
-        <p14:creationId xmlns:p14="http://schemas.microsoft.com/office/powerpoint/2010/main" val="1932039448"/>
-      </p:ext>
-    </p:extLst>
-  </p:cSld>
-  <p:clrMapOvr>
-    <a:masterClrMapping/>
-  </p:clrMapOvr>
-</p:sld>
-</file>
-
-<file path=ppt/slides/slide5.xml><?xml version="1.0" encoding="utf-8"?>
-<p:sld xmlns:a="http://schemas.openxmlformats.org/drawingml/2006/main" xmlns:r="http://schemas.openxmlformats.org/officeDocument/2006/relationships" xmlns:p="http://schemas.openxmlformats.org/presentationml/2006/main">
-  <p:cSld>
-    <p:spTree>
-      <p:nvGrpSpPr>
-        <p:cNvPr id="1" name=""/>
-        <p:cNvGrpSpPr/>
-        <p:nvPr/>
-      </p:nvGrpSpPr>
-      <p:grpSpPr>
-        <a:xfrm>
-          <a:off x="0" y="0"/>
-          <a:ext cx="0" cy="0"/>
-          <a:chOff x="0" y="0"/>
-          <a:chExt cx="0" cy="0"/>
-        </a:xfrm>
-      </p:grpSpPr>
-      <p:sp>
-        <p:nvSpPr>
           <p:cNvPr id="2" name="Title 1"/>
           <p:cNvSpPr>
             <a:spLocks noGrp="1"/>
@@ -14344,7 +12108,7 @@
 </p:sld>
 </file>
 
-<file path=ppt/slides/slide6.xml><?xml version="1.0" encoding="utf-8"?>
+<file path=ppt/slides/slide5.xml><?xml version="1.0" encoding="utf-8"?>
 <p:sld xmlns:a="http://schemas.openxmlformats.org/drawingml/2006/main" xmlns:r="http://schemas.openxmlformats.org/officeDocument/2006/relationships" xmlns:p="http://schemas.openxmlformats.org/presentationml/2006/main">
   <p:cSld>
     <p:spTree>
@@ -15355,6 +13119,508 @@
 </p:sld>
 </file>
 
+<file path=ppt/slides/slide6.xml><?xml version="1.0" encoding="utf-8"?>
+<p:sld xmlns:a="http://schemas.openxmlformats.org/drawingml/2006/main" xmlns:r="http://schemas.openxmlformats.org/officeDocument/2006/relationships" xmlns:p="http://schemas.openxmlformats.org/presentationml/2006/main">
+  <p:cSld>
+    <p:spTree>
+      <p:nvGrpSpPr>
+        <p:cNvPr id="1" name=""/>
+        <p:cNvGrpSpPr/>
+        <p:nvPr/>
+      </p:nvGrpSpPr>
+      <p:grpSpPr>
+        <a:xfrm>
+          <a:off x="0" y="0"/>
+          <a:ext cx="0" cy="0"/>
+          <a:chOff x="0" y="0"/>
+          <a:chExt cx="0" cy="0"/>
+        </a:xfrm>
+      </p:grpSpPr>
+      <p:sp>
+        <p:nvSpPr>
+          <p:cNvPr id="2" name="Titre 1"/>
+          <p:cNvSpPr>
+            <a:spLocks noGrp="1"/>
+          </p:cNvSpPr>
+          <p:nvPr>
+            <p:ph type="title"/>
+          </p:nvPr>
+        </p:nvSpPr>
+        <p:spPr/>
+        <p:txBody>
+          <a:bodyPr/>
+          <a:lstStyle/>
+          <a:p>
+            <a:r>
+              <a:rPr lang="fr-FR" dirty="0" smtClean="0"/>
+              <a:t>Plasma </a:t>
+            </a:r>
+            <a:r>
+              <a:rPr lang="fr-FR" dirty="0" err="1" smtClean="0"/>
+              <a:t>Conf</a:t>
+            </a:r>
+            <a:r>
+              <a:rPr lang="fr-FR" dirty="0" smtClean="0"/>
+              <a:t>. 1e8</a:t>
+            </a:r>
+            <a:endParaRPr lang="fr-FR" dirty="0"/>
+          </a:p>
+        </p:txBody>
+      </p:sp>
+      <p:pic>
+        <p:nvPicPr>
+          <p:cNvPr id="5" name="Picture 4"/>
+          <p:cNvPicPr>
+            <a:picLocks noChangeAspect="1"/>
+          </p:cNvPicPr>
+          <p:nvPr/>
+        </p:nvPicPr>
+        <p:blipFill>
+          <a:blip r:embed="rId2" cstate="print">
+            <a:extLst>
+              <a:ext uri="{28A0092B-C50C-407E-A947-70E740481C1C}">
+                <a14:useLocalDpi xmlns:a14="http://schemas.microsoft.com/office/drawing/2010/main" val="0"/>
+              </a:ext>
+            </a:extLst>
+          </a:blip>
+          <a:stretch>
+            <a:fillRect/>
+          </a:stretch>
+        </p:blipFill>
+        <p:spPr>
+          <a:xfrm>
+            <a:off x="5544000" y="1231154"/>
+            <a:ext cx="3599999" cy="2701902"/>
+          </a:xfrm>
+          <a:prstGeom prst="rect">
+            <a:avLst/>
+          </a:prstGeom>
+        </p:spPr>
+      </p:pic>
+      <p:pic>
+        <p:nvPicPr>
+          <p:cNvPr id="28" name="Picture 27"/>
+          <p:cNvPicPr>
+            <a:picLocks noChangeAspect="1"/>
+          </p:cNvPicPr>
+          <p:nvPr/>
+        </p:nvPicPr>
+        <p:blipFill>
+          <a:blip r:embed="rId3" cstate="print">
+            <a:extLst>
+              <a:ext uri="{28A0092B-C50C-407E-A947-70E740481C1C}">
+                <a14:useLocalDpi xmlns:a14="http://schemas.microsoft.com/office/drawing/2010/main" val="0"/>
+              </a:ext>
+            </a:extLst>
+          </a:blip>
+          <a:stretch>
+            <a:fillRect/>
+          </a:stretch>
+        </p:blipFill>
+        <p:spPr>
+          <a:xfrm>
+            <a:off x="179912" y="4024364"/>
+            <a:ext cx="3599999" cy="2701901"/>
+          </a:xfrm>
+          <a:prstGeom prst="rect">
+            <a:avLst/>
+          </a:prstGeom>
+        </p:spPr>
+      </p:pic>
+      <p:pic>
+        <p:nvPicPr>
+          <p:cNvPr id="32" name="Picture 31"/>
+          <p:cNvPicPr>
+            <a:picLocks noChangeAspect="1"/>
+          </p:cNvPicPr>
+          <p:nvPr/>
+        </p:nvPicPr>
+        <p:blipFill>
+          <a:blip r:embed="rId4" cstate="print">
+            <a:extLst>
+              <a:ext uri="{28A0092B-C50C-407E-A947-70E740481C1C}">
+                <a14:useLocalDpi xmlns:a14="http://schemas.microsoft.com/office/drawing/2010/main" val="0"/>
+              </a:ext>
+            </a:extLst>
+          </a:blip>
+          <a:stretch>
+            <a:fillRect/>
+          </a:stretch>
+        </p:blipFill>
+        <p:spPr>
+          <a:xfrm>
+            <a:off x="179512" y="1231154"/>
+            <a:ext cx="3599999" cy="2701901"/>
+          </a:xfrm>
+          <a:prstGeom prst="rect">
+            <a:avLst/>
+          </a:prstGeom>
+        </p:spPr>
+      </p:pic>
+      <p:pic>
+        <p:nvPicPr>
+          <p:cNvPr id="34" name="Picture 33"/>
+          <p:cNvPicPr>
+            <a:picLocks noChangeAspect="1"/>
+          </p:cNvPicPr>
+          <p:nvPr/>
+        </p:nvPicPr>
+        <p:blipFill>
+          <a:blip r:embed="rId5" cstate="print">
+            <a:extLst>
+              <a:ext uri="{28A0092B-C50C-407E-A947-70E740481C1C}">
+                <a14:useLocalDpi xmlns:a14="http://schemas.microsoft.com/office/drawing/2010/main" val="0"/>
+              </a:ext>
+            </a:extLst>
+          </a:blip>
+          <a:stretch>
+            <a:fillRect/>
+          </a:stretch>
+        </p:blipFill>
+        <p:spPr>
+          <a:xfrm>
+            <a:off x="5544000" y="4024364"/>
+            <a:ext cx="3599999" cy="2701901"/>
+          </a:xfrm>
+          <a:prstGeom prst="rect">
+            <a:avLst/>
+          </a:prstGeom>
+        </p:spPr>
+      </p:pic>
+      <p:sp>
+        <p:nvSpPr>
+          <p:cNvPr id="29" name="ZoneTexte 10"/>
+          <p:cNvSpPr txBox="1"/>
+          <p:nvPr/>
+        </p:nvSpPr>
+        <p:spPr>
+          <a:xfrm>
+            <a:off x="3635896" y="1340768"/>
+            <a:ext cx="1872208" cy="738664"/>
+          </a:xfrm>
+          <a:prstGeom prst="rect">
+            <a:avLst/>
+          </a:prstGeom>
+          <a:noFill/>
+        </p:spPr>
+        <p:txBody>
+          <a:bodyPr wrap="square" rtlCol="0">
+            <a:spAutoFit/>
+          </a:bodyPr>
+          <a:lstStyle/>
+          <a:p>
+            <a:pPr algn="ctr"/>
+            <a:r>
+              <a:rPr lang="fr-FR" sz="1400" dirty="0" smtClean="0"/>
+              <a:t>B </a:t>
+            </a:r>
+            <a:r>
+              <a:rPr lang="fr-FR" sz="1400" dirty="0" err="1" smtClean="0"/>
+              <a:t>is</a:t>
+            </a:r>
+            <a:r>
+              <a:rPr lang="fr-FR" sz="1400" dirty="0" smtClean="0"/>
+              <a:t> </a:t>
+            </a:r>
+            <a:r>
+              <a:rPr lang="fr-FR" sz="1400" dirty="0" err="1" smtClean="0"/>
+              <a:t>taken</a:t>
+            </a:r>
+            <a:r>
+              <a:rPr lang="fr-FR" sz="1400" dirty="0" smtClean="0"/>
+              <a:t> constant but </a:t>
+            </a:r>
+            <a:r>
+              <a:rPr lang="fr-FR" sz="1400" dirty="0" err="1" smtClean="0"/>
+              <a:t>could</a:t>
+            </a:r>
+            <a:r>
+              <a:rPr lang="fr-FR" sz="1400" dirty="0" smtClean="0"/>
+              <a:t> have the </a:t>
+            </a:r>
+            <a:r>
+              <a:rPr lang="fr-FR" sz="1400" dirty="0" err="1" smtClean="0"/>
+              <a:t>usual</a:t>
+            </a:r>
+            <a:r>
+              <a:rPr lang="fr-FR" sz="1400" dirty="0" smtClean="0"/>
+              <a:t> 1/R </a:t>
+            </a:r>
+            <a:r>
+              <a:rPr lang="fr-FR" sz="1400" dirty="0" err="1" smtClean="0"/>
+              <a:t>dependency</a:t>
+            </a:r>
+            <a:endParaRPr lang="fr-FR" sz="1400" dirty="0" smtClean="0"/>
+          </a:p>
+        </p:txBody>
+      </p:sp>
+      <p:sp>
+        <p:nvSpPr>
+          <p:cNvPr id="45" name="ZoneTexte 10"/>
+          <p:cNvSpPr txBox="1"/>
+          <p:nvPr/>
+        </p:nvSpPr>
+        <p:spPr>
+          <a:xfrm>
+            <a:off x="3664699" y="3916213"/>
+            <a:ext cx="2059429" cy="1384995"/>
+          </a:xfrm>
+          <a:prstGeom prst="rect">
+            <a:avLst/>
+          </a:prstGeom>
+          <a:noFill/>
+        </p:spPr>
+        <p:txBody>
+          <a:bodyPr wrap="square" rtlCol="0">
+            <a:spAutoFit/>
+          </a:bodyPr>
+          <a:lstStyle/>
+          <a:p>
+            <a:pPr algn="ctr"/>
+            <a:r>
+              <a:rPr lang="fr-FR" sz="1400" dirty="0" smtClean="0"/>
+              <a:t>ANTITER </a:t>
+            </a:r>
+            <a:r>
+              <a:rPr lang="fr-FR" sz="1400" dirty="0" err="1" smtClean="0"/>
+              <a:t>is</a:t>
+            </a:r>
+            <a:r>
+              <a:rPr lang="fr-FR" sz="1400" dirty="0" smtClean="0"/>
+              <a:t> </a:t>
+            </a:r>
+            <a:r>
+              <a:rPr lang="fr-FR" sz="1400" dirty="0" err="1" smtClean="0"/>
+              <a:t>considering</a:t>
+            </a:r>
+            <a:r>
+              <a:rPr lang="fr-FR" sz="1400" dirty="0" smtClean="0"/>
+              <a:t> </a:t>
+            </a:r>
+            <a:r>
+              <a:rPr lang="fr-FR" sz="1400" dirty="0" err="1" smtClean="0"/>
+              <a:t>only</a:t>
+            </a:r>
+            <a:r>
+              <a:rPr lang="fr-FR" sz="1400" dirty="0" smtClean="0"/>
+              <a:t> the </a:t>
+            </a:r>
+            <a:r>
+              <a:rPr lang="fr-FR" sz="1400" dirty="0" err="1" smtClean="0"/>
+              <a:t>fast</a:t>
+            </a:r>
+            <a:r>
+              <a:rPr lang="fr-FR" sz="1400" dirty="0" smtClean="0"/>
+              <a:t> </a:t>
+            </a:r>
+            <a:r>
+              <a:rPr lang="fr-FR" sz="1400" dirty="0" err="1" smtClean="0"/>
+              <a:t>magneto-sonic</a:t>
+            </a:r>
+            <a:r>
+              <a:rPr lang="fr-FR" sz="1400" dirty="0" smtClean="0"/>
+              <a:t> </a:t>
+            </a:r>
+            <a:r>
+              <a:rPr lang="fr-FR" sz="1400" dirty="0" err="1" smtClean="0"/>
+              <a:t>wave</a:t>
+            </a:r>
+            <a:r>
+              <a:rPr lang="fr-FR" sz="1400" dirty="0" smtClean="0"/>
+              <a:t> (FMW) </a:t>
+            </a:r>
+            <a:r>
+              <a:rPr lang="fr-FR" sz="1400" dirty="0" err="1" smtClean="0"/>
+              <a:t>so</a:t>
+            </a:r>
+            <a:r>
+              <a:rPr lang="fr-FR" sz="1400" dirty="0" smtClean="0"/>
+              <a:t> the </a:t>
+            </a:r>
+            <a:r>
+              <a:rPr lang="fr-FR" sz="1400" dirty="0" err="1" smtClean="0"/>
+              <a:t>palsma</a:t>
+            </a:r>
+            <a:r>
+              <a:rPr lang="fr-FR" sz="1400" dirty="0" smtClean="0"/>
+              <a:t> </a:t>
+            </a:r>
+            <a:r>
+              <a:rPr lang="fr-FR" sz="1400" dirty="0" err="1" smtClean="0"/>
+              <a:t>is</a:t>
+            </a:r>
+            <a:r>
+              <a:rPr lang="fr-FR" sz="1400" dirty="0" smtClean="0"/>
+              <a:t> </a:t>
+            </a:r>
+            <a:r>
+              <a:rPr lang="fr-FR" sz="1400" dirty="0" err="1" smtClean="0"/>
+              <a:t>described</a:t>
+            </a:r>
+            <a:r>
+              <a:rPr lang="fr-FR" sz="1400" dirty="0" smtClean="0"/>
+              <a:t> by eps1 ( </a:t>
+            </a:r>
+            <a:r>
+              <a:rPr lang="fr-FR" sz="1400" dirty="0" err="1" smtClean="0"/>
+              <a:t>Stix</a:t>
+            </a:r>
+            <a:r>
+              <a:rPr lang="fr-FR" sz="1400" dirty="0" smtClean="0"/>
+              <a:t> S) and eps2 (</a:t>
+            </a:r>
+            <a:r>
+              <a:rPr lang="fr-FR" sz="1400" dirty="0" err="1" smtClean="0"/>
+              <a:t>Stix</a:t>
+            </a:r>
+            <a:r>
+              <a:rPr lang="fr-FR" sz="1400" dirty="0" smtClean="0"/>
+              <a:t> D)</a:t>
+            </a:r>
+          </a:p>
+        </p:txBody>
+      </p:sp>
+      <p:sp>
+        <p:nvSpPr>
+          <p:cNvPr id="46" name="ZoneTexte 32"/>
+          <p:cNvSpPr txBox="1"/>
+          <p:nvPr/>
+        </p:nvSpPr>
+        <p:spPr>
+          <a:xfrm>
+            <a:off x="179512" y="476672"/>
+            <a:ext cx="1276644" cy="461665"/>
+          </a:xfrm>
+          <a:prstGeom prst="rect">
+            <a:avLst/>
+          </a:prstGeom>
+        </p:spPr>
+        <p:style>
+          <a:lnRef idx="2">
+            <a:schemeClr val="accent6"/>
+          </a:lnRef>
+          <a:fillRef idx="1">
+            <a:schemeClr val="lt1"/>
+          </a:fillRef>
+          <a:effectRef idx="0">
+            <a:schemeClr val="accent6"/>
+          </a:effectRef>
+          <a:fontRef idx="minor">
+            <a:schemeClr val="dk1"/>
+          </a:fontRef>
+        </p:style>
+        <p:txBody>
+          <a:bodyPr wrap="square" rtlCol="0">
+            <a:spAutoFit/>
+          </a:bodyPr>
+          <a:lstStyle/>
+          <a:p>
+            <a:pPr algn="ctr"/>
+            <a:r>
+              <a:rPr lang="fr-FR" sz="1200" dirty="0" smtClean="0"/>
+              <a:t>Constant </a:t>
+            </a:r>
+            <a:r>
+              <a:rPr lang="fr-FR" sz="1200" dirty="0" err="1" smtClean="0"/>
+              <a:t>density</a:t>
+            </a:r>
+            <a:r>
+              <a:rPr lang="fr-FR" sz="1200" dirty="0" smtClean="0"/>
+              <a:t> plasma</a:t>
+            </a:r>
+            <a:endParaRPr lang="fr-FR" sz="1200" dirty="0"/>
+          </a:p>
+        </p:txBody>
+      </p:sp>
+      <p:sp>
+        <p:nvSpPr>
+          <p:cNvPr id="47" name="ZoneTexte 10"/>
+          <p:cNvSpPr txBox="1"/>
+          <p:nvPr/>
+        </p:nvSpPr>
+        <p:spPr>
+          <a:xfrm>
+            <a:off x="3707904" y="2761183"/>
+            <a:ext cx="1872208" cy="523220"/>
+          </a:xfrm>
+          <a:prstGeom prst="rect">
+            <a:avLst/>
+          </a:prstGeom>
+          <a:noFill/>
+        </p:spPr>
+        <p:txBody>
+          <a:bodyPr wrap="square" rtlCol="0">
+            <a:spAutoFit/>
+          </a:bodyPr>
+          <a:lstStyle/>
+          <a:p>
+            <a:pPr algn="ctr"/>
+            <a:r>
+              <a:rPr lang="fr-FR" sz="1400" dirty="0" smtClean="0"/>
+              <a:t>f=50MHz</a:t>
+            </a:r>
+          </a:p>
+          <a:p>
+            <a:pPr algn="ctr"/>
+            <a:r>
+              <a:rPr lang="fr-FR" sz="1400" dirty="0" smtClean="0"/>
+              <a:t>D(H)5%</a:t>
+            </a:r>
+          </a:p>
+        </p:txBody>
+      </p:sp>
+      <p:sp>
+        <p:nvSpPr>
+          <p:cNvPr id="11" name="ZoneTexte 10"/>
+          <p:cNvSpPr txBox="1"/>
+          <p:nvPr/>
+        </p:nvSpPr>
+        <p:spPr>
+          <a:xfrm>
+            <a:off x="990639" y="2258938"/>
+            <a:ext cx="1978543" cy="646331"/>
+          </a:xfrm>
+          <a:prstGeom prst="rect">
+            <a:avLst/>
+          </a:prstGeom>
+          <a:noFill/>
+        </p:spPr>
+        <p:txBody>
+          <a:bodyPr wrap="square" rtlCol="0">
+            <a:spAutoFit/>
+          </a:bodyPr>
+          <a:lstStyle/>
+          <a:p>
+            <a:r>
+              <a:rPr lang="fr-FR" dirty="0" err="1" smtClean="0"/>
+              <a:t>x_plasma</a:t>
+            </a:r>
+            <a:r>
+              <a:rPr lang="fr-FR" dirty="0" smtClean="0"/>
+              <a:t>=0.01</a:t>
+            </a:r>
+          </a:p>
+          <a:p>
+            <a:r>
+              <a:rPr lang="fr-FR" dirty="0" smtClean="0"/>
+              <a:t>n_e0=1e18</a:t>
+            </a:r>
+          </a:p>
+        </p:txBody>
+      </p:sp>
+    </p:spTree>
+    <p:extLst>
+      <p:ext uri="{BB962C8B-B14F-4D97-AF65-F5344CB8AC3E}">
+        <p14:creationId xmlns:p14="http://schemas.microsoft.com/office/powerpoint/2010/main" val="541851916"/>
+      </p:ext>
+    </p:extLst>
+  </p:cSld>
+  <p:clrMapOvr>
+    <a:masterClrMapping/>
+  </p:clrMapOvr>
+</p:sld>
+</file>
+
 <file path=ppt/slides/slide7.xml><?xml version="1.0" encoding="utf-8"?>
 <p:sld xmlns:a="http://schemas.openxmlformats.org/drawingml/2006/main" xmlns:r="http://schemas.openxmlformats.org/officeDocument/2006/relationships" xmlns:p="http://schemas.openxmlformats.org/presentationml/2006/main">
   <p:cSld>
@@ -15372,37 +13638,6 @@
           <a:chExt cx="0" cy="0"/>
         </a:xfrm>
       </p:grpSpPr>
-      <p:sp>
-        <p:nvSpPr>
-          <p:cNvPr id="2" name="Titre 1"/>
-          <p:cNvSpPr>
-            <a:spLocks noGrp="1"/>
-          </p:cNvSpPr>
-          <p:nvPr>
-            <p:ph type="title"/>
-          </p:nvPr>
-        </p:nvSpPr>
-        <p:spPr/>
-        <p:txBody>
-          <a:bodyPr/>
-          <a:lstStyle/>
-          <a:p>
-            <a:r>
-              <a:rPr lang="fr-FR" dirty="0" smtClean="0"/>
-              <a:t>Plasma </a:t>
-            </a:r>
-            <a:r>
-              <a:rPr lang="fr-FR" dirty="0" err="1" smtClean="0"/>
-              <a:t>Conf</a:t>
-            </a:r>
-            <a:r>
-              <a:rPr lang="fr-FR" dirty="0" smtClean="0"/>
-              <a:t>. 1e8</a:t>
-            </a:r>
-            <a:endParaRPr lang="fr-FR" dirty="0"/>
-          </a:p>
-        </p:txBody>
-      </p:sp>
       <p:pic>
         <p:nvPicPr>
           <p:cNvPr id="5" name="Picture 4"/>
@@ -15426,7 +13661,7 @@
         <p:spPr>
           <a:xfrm>
             <a:off x="5544000" y="1231154"/>
-            <a:ext cx="3599999" cy="2701902"/>
+            <a:ext cx="3599999" cy="2701901"/>
           </a:xfrm>
           <a:prstGeom prst="rect">
             <a:avLst/>
@@ -15455,8 +13690,8 @@
         </p:blipFill>
         <p:spPr>
           <a:xfrm>
-            <a:off x="179912" y="4024364"/>
-            <a:ext cx="3599999" cy="2701901"/>
+            <a:off x="107505" y="4041369"/>
+            <a:ext cx="5399998" cy="2699999"/>
           </a:xfrm>
           <a:prstGeom prst="rect">
             <a:avLst/>
@@ -15485,38 +13720,8 @@
         </p:blipFill>
         <p:spPr>
           <a:xfrm>
-            <a:off x="179512" y="1231154"/>
-            <a:ext cx="3599999" cy="2701901"/>
-          </a:xfrm>
-          <a:prstGeom prst="rect">
-            <a:avLst/>
-          </a:prstGeom>
-        </p:spPr>
-      </p:pic>
-      <p:pic>
-        <p:nvPicPr>
-          <p:cNvPr id="34" name="Picture 33"/>
-          <p:cNvPicPr>
-            <a:picLocks noChangeAspect="1"/>
-          </p:cNvPicPr>
-          <p:nvPr/>
-        </p:nvPicPr>
-        <p:blipFill>
-          <a:blip r:embed="rId5" cstate="print">
-            <a:extLst>
-              <a:ext uri="{28A0092B-C50C-407E-A947-70E740481C1C}">
-                <a14:useLocalDpi xmlns:a14="http://schemas.microsoft.com/office/drawing/2010/main" val="0"/>
-              </a:ext>
-            </a:extLst>
-          </a:blip>
-          <a:stretch>
-            <a:fillRect/>
-          </a:stretch>
-        </p:blipFill>
-        <p:spPr>
-          <a:xfrm>
-            <a:off x="5544000" y="4024364"/>
-            <a:ext cx="3599999" cy="2701901"/>
+            <a:off x="179513" y="1231154"/>
+            <a:ext cx="3599997" cy="2701901"/>
           </a:xfrm>
           <a:prstGeom prst="rect">
             <a:avLst/>
@@ -15532,7 +13737,7 @@
         <p:spPr>
           <a:xfrm>
             <a:off x="3635896" y="1340768"/>
-            <a:ext cx="1872208" cy="738664"/>
+            <a:ext cx="1872208" cy="1384995"/>
           </a:xfrm>
           <a:prstGeom prst="rect">
             <a:avLst/>
@@ -15548,78 +13753,58 @@
             <a:pPr algn="ctr"/>
             <a:r>
               <a:rPr lang="fr-FR" sz="1400" dirty="0" smtClean="0"/>
-              <a:t>B </a:t>
+              <a:t>30 </a:t>
             </a:r>
             <a:r>
               <a:rPr lang="fr-FR" sz="1400" dirty="0" err="1" smtClean="0"/>
-              <a:t>is</a:t>
+              <a:t>elements</a:t>
+            </a:r>
+            <a:r>
+              <a:rPr lang="fr-FR" sz="1400" dirty="0" smtClean="0"/>
+              <a:t> in the expansion of J.</a:t>
+            </a:r>
+          </a:p>
+          <a:p>
+            <a:pPr algn="ctr"/>
+            <a:r>
+              <a:rPr lang="fr-FR" sz="1400" dirty="0" smtClean="0"/>
+              <a:t>(</a:t>
+            </a:r>
+            <a:r>
+              <a:rPr lang="fr-FR" sz="1400" dirty="0" err="1"/>
+              <a:t>S</a:t>
+            </a:r>
+            <a:r>
+              <a:rPr lang="fr-FR" sz="1400" dirty="0" err="1" smtClean="0"/>
+              <a:t>eems</a:t>
             </a:r>
             <a:r>
               <a:rPr lang="fr-FR" sz="1400" dirty="0" smtClean="0"/>
               <a:t> </a:t>
             </a:r>
             <a:r>
+              <a:rPr lang="fr-FR" sz="1400" dirty="0" err="1"/>
+              <a:t>e</a:t>
+            </a:r>
+            <a:r>
               <a:rPr lang="fr-FR" sz="1400" dirty="0" err="1" smtClean="0"/>
-              <a:t>taken</a:t>
+              <a:t>nough</a:t>
             </a:r>
             <a:r>
               <a:rPr lang="fr-FR" sz="1400" dirty="0" smtClean="0"/>
-              <a:t> constant but </a:t>
+              <a:t>, </a:t>
             </a:r>
             <a:r>
               <a:rPr lang="fr-FR" sz="1400" dirty="0" err="1" smtClean="0"/>
-              <a:t>could</a:t>
+              <a:t>checked</a:t>
             </a:r>
             <a:r>
               <a:rPr lang="fr-FR" sz="1400" dirty="0" smtClean="0"/>
-              <a:t> have the </a:t>
+              <a:t> for convergence. </a:t>
             </a:r>
             <a:r>
               <a:rPr lang="fr-FR" sz="1400" dirty="0" err="1" smtClean="0"/>
-              <a:t>usual</a:t>
-            </a:r>
-            <a:r>
-              <a:rPr lang="fr-FR" sz="1400" dirty="0" smtClean="0"/>
-              <a:t> 1/R </a:t>
-            </a:r>
-            <a:r>
-              <a:rPr lang="fr-FR" sz="1400" dirty="0" err="1" smtClean="0"/>
-              <a:t>dependency</a:t>
-            </a:r>
-            <a:endParaRPr lang="fr-FR" sz="1400" dirty="0" smtClean="0"/>
-          </a:p>
-        </p:txBody>
-      </p:sp>
-      <p:sp>
-        <p:nvSpPr>
-          <p:cNvPr id="45" name="ZoneTexte 10"/>
-          <p:cNvSpPr txBox="1"/>
-          <p:nvPr/>
-        </p:nvSpPr>
-        <p:spPr>
-          <a:xfrm>
-            <a:off x="3664699" y="3916213"/>
-            <a:ext cx="2059429" cy="1384995"/>
-          </a:xfrm>
-          <a:prstGeom prst="rect">
-            <a:avLst/>
-          </a:prstGeom>
-          <a:noFill/>
-        </p:spPr>
-        <p:txBody>
-          <a:bodyPr wrap="square" rtlCol="0">
-            <a:spAutoFit/>
-          </a:bodyPr>
-          <a:lstStyle/>
-          <a:p>
-            <a:pPr algn="ctr"/>
-            <a:r>
-              <a:rPr lang="fr-FR" sz="1400" dirty="0" smtClean="0"/>
-              <a:t>ANTITER </a:t>
-            </a:r>
-            <a:r>
-              <a:rPr lang="fr-FR" sz="1400" dirty="0" err="1" smtClean="0"/>
-              <a:t>is</a:t>
+              <a:t>Could</a:t>
             </a:r>
             <a:r>
               <a:rPr lang="fr-FR" sz="1400" dirty="0" smtClean="0"/>
@@ -15627,7 +13812,7 @@
             </a:r>
             <a:r>
               <a:rPr lang="fr-FR" sz="1400" dirty="0" err="1" smtClean="0"/>
-              <a:t>considering</a:t>
+              <a:t>be</a:t>
             </a:r>
             <a:r>
               <a:rPr lang="fr-FR" sz="1400" dirty="0" smtClean="0"/>
@@ -15635,83 +13820,11 @@
             </a:r>
             <a:r>
               <a:rPr lang="fr-FR" sz="1400" dirty="0" err="1" smtClean="0"/>
-              <a:t>only</a:t>
+              <a:t>increased</a:t>
             </a:r>
             <a:r>
               <a:rPr lang="fr-FR" sz="1400" dirty="0" smtClean="0"/>
-              <a:t> the </a:t>
-            </a:r>
-            <a:r>
-              <a:rPr lang="fr-FR" sz="1400" dirty="0" err="1" smtClean="0"/>
-              <a:t>fast</a:t>
-            </a:r>
-            <a:r>
-              <a:rPr lang="fr-FR" sz="1400" dirty="0" smtClean="0"/>
-              <a:t> </a:t>
-            </a:r>
-            <a:r>
-              <a:rPr lang="fr-FR" sz="1400" dirty="0" err="1" smtClean="0"/>
-              <a:t>magneto-sonic</a:t>
-            </a:r>
-            <a:r>
-              <a:rPr lang="fr-FR" sz="1400" dirty="0" smtClean="0"/>
-              <a:t> </a:t>
-            </a:r>
-            <a:r>
-              <a:rPr lang="fr-FR" sz="1400" dirty="0" err="1" smtClean="0"/>
-              <a:t>wave</a:t>
-            </a:r>
-            <a:r>
-              <a:rPr lang="fr-FR" sz="1400" dirty="0" smtClean="0"/>
-              <a:t> (FMW) </a:t>
-            </a:r>
-            <a:r>
-              <a:rPr lang="fr-FR" sz="1400" dirty="0" err="1" smtClean="0"/>
-              <a:t>so</a:t>
-            </a:r>
-            <a:r>
-              <a:rPr lang="fr-FR" sz="1400" dirty="0" smtClean="0"/>
-              <a:t> the </a:t>
-            </a:r>
-            <a:r>
-              <a:rPr lang="fr-FR" sz="1400" dirty="0" err="1" smtClean="0"/>
-              <a:t>palsma</a:t>
-            </a:r>
-            <a:r>
-              <a:rPr lang="fr-FR" sz="1400" dirty="0" smtClean="0"/>
-              <a:t> </a:t>
-            </a:r>
-            <a:r>
-              <a:rPr lang="fr-FR" sz="1400" dirty="0" err="1" smtClean="0"/>
-              <a:t>is</a:t>
-            </a:r>
-            <a:r>
-              <a:rPr lang="fr-FR" sz="1400" dirty="0" smtClean="0"/>
-              <a:t> </a:t>
-            </a:r>
-            <a:r>
-              <a:rPr lang="fr-FR" sz="1400" dirty="0" err="1" smtClean="0"/>
-              <a:t>described</a:t>
-            </a:r>
-            <a:r>
-              <a:rPr lang="fr-FR" sz="1400" dirty="0" smtClean="0"/>
-              <a:t> by eps1 ( </a:t>
-            </a:r>
-            <a:r>
-              <a:rPr lang="fr-FR" sz="1400" dirty="0" err="1" smtClean="0"/>
-              <a:t>Stix</a:t>
-            </a:r>
-            <a:r>
-              <a:rPr lang="fr-FR" sz="1400" dirty="0" smtClean="0"/>
-              <a:t> S) and eps2 (</a:t>
-            </a:r>
-            <a:r>
-              <a:rPr lang="fr-FR" sz="1400" dirty="0" err="1" smtClean="0"/>
-              <a:t>Stix</a:t>
-            </a:r>
-            <a:r>
-              <a:rPr lang="fr-FR" sz="1400" dirty="0" smtClean="0"/>
-              <a:t> D)</a:t>
+              <a:t>.)</a:t>
             </a:r>
           </a:p>
         </p:txBody>
@@ -15768,15 +13881,45 @@
           </a:p>
         </p:txBody>
       </p:sp>
-      <p:sp>
-        <p:nvSpPr>
-          <p:cNvPr id="47" name="ZoneTexte 10"/>
+      <p:pic>
+        <p:nvPicPr>
+          <p:cNvPr id="10" name="Picture 9"/>
+          <p:cNvPicPr>
+            <a:picLocks noChangeAspect="1"/>
+          </p:cNvPicPr>
+          <p:nvPr/>
+        </p:nvPicPr>
+        <p:blipFill>
+          <a:blip r:embed="rId5" cstate="print">
+            <a:extLst>
+              <a:ext uri="{28A0092B-C50C-407E-A947-70E740481C1C}">
+                <a14:useLocalDpi xmlns:a14="http://schemas.microsoft.com/office/drawing/2010/main" val="0"/>
+              </a:ext>
+            </a:extLst>
+          </a:blip>
+          <a:stretch>
+            <a:fillRect/>
+          </a:stretch>
+        </p:blipFill>
+        <p:spPr>
+          <a:xfrm>
+            <a:off x="5544001" y="4024364"/>
+            <a:ext cx="3599997" cy="2701901"/>
+          </a:xfrm>
+          <a:prstGeom prst="rect">
+            <a:avLst/>
+          </a:prstGeom>
+        </p:spPr>
+      </p:pic>
+      <p:sp>
+        <p:nvSpPr>
+          <p:cNvPr id="11" name="ZoneTexte 10"/>
           <p:cNvSpPr txBox="1"/>
           <p:nvPr/>
         </p:nvSpPr>
         <p:spPr>
           <a:xfrm>
-            <a:off x="3707904" y="2761183"/>
+            <a:off x="3707904" y="2905780"/>
             <a:ext cx="1872208" cy="523220"/>
           </a:xfrm>
           <a:prstGeom prst="rect">
@@ -15807,47 +13950,44 @@
       </p:sp>
       <p:sp>
         <p:nvSpPr>
-          <p:cNvPr id="11" name="ZoneTexte 10"/>
-          <p:cNvSpPr txBox="1"/>
-          <p:nvPr/>
-        </p:nvSpPr>
-        <p:spPr>
-          <a:xfrm>
-            <a:off x="990639" y="2258938"/>
-            <a:ext cx="1978543" cy="646331"/>
-          </a:xfrm>
-          <a:prstGeom prst="rect">
-            <a:avLst/>
-          </a:prstGeom>
-          <a:noFill/>
-        </p:spPr>
-        <p:txBody>
-          <a:bodyPr wrap="square" rtlCol="0">
-            <a:spAutoFit/>
-          </a:bodyPr>
-          <a:lstStyle/>
-          <a:p>
+          <p:cNvPr id="13" name="Titre 1"/>
+          <p:cNvSpPr>
+            <a:spLocks noGrp="1"/>
+          </p:cNvSpPr>
+          <p:nvPr>
+            <p:ph type="title"/>
+          </p:nvPr>
+        </p:nvSpPr>
+        <p:spPr>
+          <a:xfrm>
+            <a:off x="457200" y="116632"/>
+            <a:ext cx="8229600" cy="1143000"/>
+          </a:xfrm>
+        </p:spPr>
+        <p:txBody>
+          <a:bodyPr/>
+          <a:lstStyle/>
+          <a:p>
+            <a:r>
+              <a:rPr lang="fr-FR" dirty="0" smtClean="0"/>
+              <a:t>Plasma </a:t>
+            </a:r>
             <a:r>
               <a:rPr lang="fr-FR" dirty="0" err="1" smtClean="0"/>
-              <a:t>x_plasma</a:t>
+              <a:t>Conf</a:t>
             </a:r>
             <a:r>
               <a:rPr lang="fr-FR" dirty="0" smtClean="0"/>
-              <a:t>=0.01</a:t>
-            </a:r>
-          </a:p>
-          <a:p>
-            <a:r>
-              <a:rPr lang="fr-FR" dirty="0" smtClean="0"/>
-              <a:t>n_e0=1e18</a:t>
-            </a:r>
+              <a:t>. 1e8</a:t>
+            </a:r>
+            <a:endParaRPr lang="fr-FR" dirty="0"/>
           </a:p>
         </p:txBody>
       </p:sp>
     </p:spTree>
     <p:extLst>
       <p:ext uri="{BB962C8B-B14F-4D97-AF65-F5344CB8AC3E}">
-        <p14:creationId xmlns:p14="http://schemas.microsoft.com/office/powerpoint/2010/main" val="541851916"/>
+        <p14:creationId xmlns:p14="http://schemas.microsoft.com/office/powerpoint/2010/main" val="4056301627"/>
       </p:ext>
     </p:extLst>
   </p:cSld>
@@ -15874,6 +14014,37 @@
           <a:chExt cx="0" cy="0"/>
         </a:xfrm>
       </p:grpSpPr>
+      <p:sp>
+        <p:nvSpPr>
+          <p:cNvPr id="2" name="Titre 1"/>
+          <p:cNvSpPr>
+            <a:spLocks noGrp="1"/>
+          </p:cNvSpPr>
+          <p:nvPr>
+            <p:ph type="title"/>
+          </p:nvPr>
+        </p:nvSpPr>
+        <p:spPr/>
+        <p:txBody>
+          <a:bodyPr/>
+          <a:lstStyle/>
+          <a:p>
+            <a:r>
+              <a:rPr lang="fr-FR" dirty="0" smtClean="0"/>
+              <a:t>Plasma </a:t>
+            </a:r>
+            <a:r>
+              <a:rPr lang="fr-FR" dirty="0" err="1" smtClean="0"/>
+              <a:t>Response</a:t>
+            </a:r>
+            <a:r>
+              <a:rPr lang="fr-FR" dirty="0" smtClean="0"/>
+              <a:t> 1e8</a:t>
+            </a:r>
+            <a:endParaRPr lang="fr-FR" dirty="0"/>
+          </a:p>
+        </p:txBody>
+      </p:sp>
       <p:pic>
         <p:nvPicPr>
           <p:cNvPr id="5" name="Picture 4"/>
@@ -15926,8 +14097,8 @@
         </p:blipFill>
         <p:spPr>
           <a:xfrm>
-            <a:off x="107505" y="4041369"/>
-            <a:ext cx="5399998" cy="2699999"/>
+            <a:off x="179913" y="4024364"/>
+            <a:ext cx="3599997" cy="2701901"/>
           </a:xfrm>
           <a:prstGeom prst="rect">
             <a:avLst/>
@@ -15964,107 +14135,36 @@
           </a:prstGeom>
         </p:spPr>
       </p:pic>
-      <p:sp>
-        <p:nvSpPr>
-          <p:cNvPr id="29" name="ZoneTexte 10"/>
-          <p:cNvSpPr txBox="1"/>
-          <p:nvPr/>
-        </p:nvSpPr>
-        <p:spPr>
-          <a:xfrm>
-            <a:off x="3635896" y="1340768"/>
-            <a:ext cx="1872208" cy="1384995"/>
-          </a:xfrm>
-          <a:prstGeom prst="rect">
-            <a:avLst/>
-          </a:prstGeom>
-          <a:noFill/>
-        </p:spPr>
-        <p:txBody>
-          <a:bodyPr wrap="square" rtlCol="0">
-            <a:spAutoFit/>
-          </a:bodyPr>
-          <a:lstStyle/>
-          <a:p>
-            <a:pPr algn="ctr"/>
-            <a:r>
-              <a:rPr lang="fr-FR" sz="1400" dirty="0" smtClean="0"/>
-              <a:t>30 </a:t>
-            </a:r>
-            <a:r>
-              <a:rPr lang="fr-FR" sz="1400" dirty="0" err="1" smtClean="0"/>
-              <a:t>elements</a:t>
-            </a:r>
-            <a:r>
-              <a:rPr lang="fr-FR" sz="1400" dirty="0" smtClean="0"/>
-              <a:t> in the expansion of J.</a:t>
-            </a:r>
-          </a:p>
-          <a:p>
-            <a:pPr algn="ctr"/>
-            <a:r>
-              <a:rPr lang="fr-FR" sz="1400" dirty="0" smtClean="0"/>
-              <a:t>(</a:t>
-            </a:r>
-            <a:r>
-              <a:rPr lang="fr-FR" sz="1400" dirty="0" err="1"/>
-              <a:t>S</a:t>
-            </a:r>
-            <a:r>
-              <a:rPr lang="fr-FR" sz="1400" dirty="0" err="1" smtClean="0"/>
-              <a:t>eems</a:t>
-            </a:r>
-            <a:r>
-              <a:rPr lang="fr-FR" sz="1400" dirty="0" smtClean="0"/>
-              <a:t> </a:t>
-            </a:r>
-            <a:r>
-              <a:rPr lang="fr-FR" sz="1400" dirty="0" err="1"/>
-              <a:t>e</a:t>
-            </a:r>
-            <a:r>
-              <a:rPr lang="fr-FR" sz="1400" dirty="0" err="1" smtClean="0"/>
-              <a:t>nough</a:t>
-            </a:r>
-            <a:r>
-              <a:rPr lang="fr-FR" sz="1400" dirty="0" smtClean="0"/>
-              <a:t>, </a:t>
-            </a:r>
-            <a:r>
-              <a:rPr lang="fr-FR" sz="1400" dirty="0" err="1" smtClean="0"/>
-              <a:t>checked</a:t>
-            </a:r>
-            <a:r>
-              <a:rPr lang="fr-FR" sz="1400" dirty="0" smtClean="0"/>
-              <a:t> for convergence. </a:t>
-            </a:r>
-            <a:r>
-              <a:rPr lang="fr-FR" sz="1400" dirty="0" err="1" smtClean="0"/>
-              <a:t>Could</a:t>
-            </a:r>
-            <a:r>
-              <a:rPr lang="fr-FR" sz="1400" dirty="0" smtClean="0"/>
-              <a:t> </a:t>
-            </a:r>
-            <a:r>
-              <a:rPr lang="fr-FR" sz="1400" dirty="0" err="1" smtClean="0"/>
-              <a:t>be</a:t>
-            </a:r>
-            <a:r>
-              <a:rPr lang="fr-FR" sz="1400" dirty="0" smtClean="0"/>
-              <a:t> </a:t>
-            </a:r>
-            <a:r>
-              <a:rPr lang="fr-FR" sz="1400" dirty="0" err="1" smtClean="0"/>
-              <a:t>increased</a:t>
-            </a:r>
-            <a:r>
-              <a:rPr lang="fr-FR" sz="1400" dirty="0" smtClean="0"/>
-              <a:t>.)</a:t>
-            </a:r>
-          </a:p>
-        </p:txBody>
-      </p:sp>
+      <p:pic>
+        <p:nvPicPr>
+          <p:cNvPr id="34" name="Picture 33"/>
+          <p:cNvPicPr>
+            <a:picLocks noChangeAspect="1"/>
+          </p:cNvPicPr>
+          <p:nvPr/>
+        </p:nvPicPr>
+        <p:blipFill>
+          <a:blip r:embed="rId5" cstate="print">
+            <a:extLst>
+              <a:ext uri="{28A0092B-C50C-407E-A947-70E740481C1C}">
+                <a14:useLocalDpi xmlns:a14="http://schemas.microsoft.com/office/drawing/2010/main" val="0"/>
+              </a:ext>
+            </a:extLst>
+          </a:blip>
+          <a:stretch>
+            <a:fillRect/>
+          </a:stretch>
+        </p:blipFill>
+        <p:spPr>
+          <a:xfrm>
+            <a:off x="5544001" y="4024364"/>
+            <a:ext cx="3599997" cy="2701901"/>
+          </a:xfrm>
+          <a:prstGeom prst="rect">
+            <a:avLst/>
+          </a:prstGeom>
+        </p:spPr>
+      </p:pic>
       <p:sp>
         <p:nvSpPr>
           <p:cNvPr id="46" name="ZoneTexte 32"/>
@@ -16117,45 +14217,15 @@
           </a:p>
         </p:txBody>
       </p:sp>
-      <p:pic>
-        <p:nvPicPr>
-          <p:cNvPr id="10" name="Picture 9"/>
-          <p:cNvPicPr>
-            <a:picLocks noChangeAspect="1"/>
-          </p:cNvPicPr>
-          <p:nvPr/>
-        </p:nvPicPr>
-        <p:blipFill>
-          <a:blip r:embed="rId5" cstate="print">
-            <a:extLst>
-              <a:ext uri="{28A0092B-C50C-407E-A947-70E740481C1C}">
-                <a14:useLocalDpi xmlns:a14="http://schemas.microsoft.com/office/drawing/2010/main" val="0"/>
-              </a:ext>
-            </a:extLst>
-          </a:blip>
-          <a:stretch>
-            <a:fillRect/>
-          </a:stretch>
-        </p:blipFill>
-        <p:spPr>
-          <a:xfrm>
-            <a:off x="5544001" y="4024364"/>
-            <a:ext cx="3599997" cy="2701901"/>
-          </a:xfrm>
-          <a:prstGeom prst="rect">
-            <a:avLst/>
-          </a:prstGeom>
-        </p:spPr>
-      </p:pic>
-      <p:sp>
-        <p:nvSpPr>
-          <p:cNvPr id="11" name="ZoneTexte 10"/>
+      <p:sp>
+        <p:nvSpPr>
+          <p:cNvPr id="10" name="ZoneTexte 10"/>
           <p:cNvSpPr txBox="1"/>
           <p:nvPr/>
         </p:nvSpPr>
         <p:spPr>
           <a:xfrm>
-            <a:off x="3707904" y="2905780"/>
+            <a:off x="3707904" y="2761183"/>
             <a:ext cx="1872208" cy="523220"/>
           </a:xfrm>
           <a:prstGeom prst="rect">
@@ -16186,44 +14256,171 @@
       </p:sp>
       <p:sp>
         <p:nvSpPr>
-          <p:cNvPr id="13" name="Titre 1"/>
-          <p:cNvSpPr>
-            <a:spLocks noGrp="1"/>
-          </p:cNvSpPr>
-          <p:nvPr>
-            <p:ph type="title"/>
-          </p:nvPr>
-        </p:nvSpPr>
-        <p:spPr>
-          <a:xfrm>
-            <a:off x="457200" y="116632"/>
-            <a:ext cx="8229600" cy="1143000"/>
-          </a:xfrm>
-        </p:spPr>
-        <p:txBody>
-          <a:bodyPr/>
-          <a:lstStyle/>
-          <a:p>
+          <p:cNvPr id="11" name="ZoneTexte 10"/>
+          <p:cNvSpPr txBox="1"/>
+          <p:nvPr/>
+        </p:nvSpPr>
+        <p:spPr>
+          <a:xfrm>
+            <a:off x="3707904" y="4571836"/>
+            <a:ext cx="1872208" cy="646331"/>
+          </a:xfrm>
+          <a:prstGeom prst="rect">
+            <a:avLst/>
+          </a:prstGeom>
+          <a:noFill/>
+        </p:spPr>
+        <p:txBody>
+          <a:bodyPr wrap="square" rtlCol="0">
+            <a:spAutoFit/>
+          </a:bodyPr>
+          <a:lstStyle/>
+          <a:p>
+            <a:pPr algn="ctr"/>
+            <a:r>
+              <a:rPr lang="fr-FR" dirty="0" err="1" smtClean="0"/>
+              <a:t>Dipole</a:t>
+            </a:r>
             <a:r>
               <a:rPr lang="fr-FR" dirty="0" smtClean="0"/>
-              <a:t>Plasma </a:t>
+              <a:t> </a:t>
             </a:r>
             <a:r>
               <a:rPr lang="fr-FR" dirty="0" err="1" smtClean="0"/>
-              <a:t>Conf</a:t>
-            </a:r>
+              <a:t>phasing</a:t>
+            </a:r>
+            <a:endParaRPr lang="fr-FR" dirty="0" smtClean="0"/>
+          </a:p>
+          <a:p>
+            <a:pPr algn="ctr"/>
             <a:r>
               <a:rPr lang="fr-FR" dirty="0" smtClean="0"/>
-              <a:t>. 1e8</a:t>
-            </a:r>
-            <a:endParaRPr lang="fr-FR" dirty="0"/>
+              <a:t>Z</a:t>
+            </a:r>
+            <a:r>
+              <a:rPr lang="fr-FR" baseline="-25000" dirty="0" smtClean="0"/>
+              <a:t>A</a:t>
+            </a:r>
+            <a:r>
+              <a:rPr lang="fr-FR" dirty="0" smtClean="0"/>
+              <a:t>=R</a:t>
+            </a:r>
+            <a:r>
+              <a:rPr lang="fr-FR" baseline="-25000" dirty="0" smtClean="0"/>
+              <a:t>A3</a:t>
+            </a:r>
+            <a:r>
+              <a:rPr lang="fr-FR" dirty="0" smtClean="0"/>
+              <a:t>+iX</a:t>
+            </a:r>
+            <a:r>
+              <a:rPr lang="fr-FR" baseline="-25000" dirty="0" smtClean="0"/>
+              <a:t>A3</a:t>
+            </a:r>
+          </a:p>
+        </p:txBody>
+      </p:sp>
+      <p:sp>
+        <p:nvSpPr>
+          <p:cNvPr id="13" name="ZoneTexte 10"/>
+          <p:cNvSpPr txBox="1"/>
+          <p:nvPr/>
+        </p:nvSpPr>
+        <p:spPr>
+          <a:xfrm>
+            <a:off x="3441296" y="3574757"/>
+            <a:ext cx="2261408" cy="523220"/>
+          </a:xfrm>
+          <a:prstGeom prst="rect">
+            <a:avLst/>
+          </a:prstGeom>
+        </p:spPr>
+        <p:style>
+          <a:lnRef idx="2">
+            <a:schemeClr val="accent5"/>
+          </a:lnRef>
+          <a:fillRef idx="1">
+            <a:schemeClr val="lt1"/>
+          </a:fillRef>
+          <a:effectRef idx="0">
+            <a:schemeClr val="accent5"/>
+          </a:effectRef>
+          <a:fontRef idx="minor">
+            <a:schemeClr val="dk1"/>
+          </a:fontRef>
+        </p:style>
+        <p:txBody>
+          <a:bodyPr wrap="square" rtlCol="0">
+            <a:spAutoFit/>
+          </a:bodyPr>
+          <a:lstStyle/>
+          <a:p>
+            <a:pPr algn="ctr"/>
+            <a:r>
+              <a:rPr lang="fr-FR" sz="1400" dirty="0" smtClean="0"/>
+              <a:t>Z</a:t>
+            </a:r>
+            <a:r>
+              <a:rPr lang="fr-FR" sz="1400" baseline="-25000" dirty="0" smtClean="0"/>
+              <a:t>11</a:t>
+            </a:r>
+            <a:r>
+              <a:rPr lang="fr-FR" sz="1400" dirty="0" smtClean="0"/>
+              <a:t>=(2.0-i128.4)ohm/m</a:t>
+            </a:r>
+          </a:p>
+          <a:p>
+            <a:pPr algn="ctr"/>
+            <a:r>
+              <a:rPr lang="fr-FR" sz="1400" dirty="0"/>
+              <a:t>Z</a:t>
+            </a:r>
+            <a:r>
+              <a:rPr lang="fr-FR" sz="1400" baseline="-25000" dirty="0"/>
+              <a:t>21</a:t>
+            </a:r>
+            <a:r>
+              <a:rPr lang="fr-FR" sz="1400" dirty="0" smtClean="0"/>
+              <a:t>=(2.0-i24.7)ohm/m</a:t>
+            </a:r>
+            <a:endParaRPr lang="fr-FR" sz="1400" baseline="-25000" dirty="0"/>
+          </a:p>
+        </p:txBody>
+      </p:sp>
+      <p:sp>
+        <p:nvSpPr>
+          <p:cNvPr id="12" name="ZoneTexte 10"/>
+          <p:cNvSpPr txBox="1"/>
+          <p:nvPr/>
+        </p:nvSpPr>
+        <p:spPr>
+          <a:xfrm>
+            <a:off x="3936876" y="2348880"/>
+            <a:ext cx="1414264" cy="307777"/>
+          </a:xfrm>
+          <a:prstGeom prst="rect">
+            <a:avLst/>
+          </a:prstGeom>
+          <a:noFill/>
+        </p:spPr>
+        <p:txBody>
+          <a:bodyPr wrap="square" rtlCol="0">
+            <a:spAutoFit/>
+          </a:bodyPr>
+          <a:lstStyle/>
+          <a:p>
+            <a:pPr algn="ctr"/>
+            <a:r>
+              <a:rPr lang="fr-FR" sz="1400" dirty="0" smtClean="0"/>
+              <a:t>n_e0=1e18</a:t>
+            </a:r>
           </a:p>
         </p:txBody>
       </p:sp>
     </p:spTree>
     <p:extLst>
       <p:ext uri="{BB962C8B-B14F-4D97-AF65-F5344CB8AC3E}">
-        <p14:creationId xmlns:p14="http://schemas.microsoft.com/office/powerpoint/2010/main" val="4056301627"/>
+        <p14:creationId xmlns:p14="http://schemas.microsoft.com/office/powerpoint/2010/main" val="2422714818"/>
       </p:ext>
     </p:extLst>
   </p:cSld>
@@ -16271,11 +14468,11 @@
             </a:r>
             <a:r>
               <a:rPr lang="fr-FR" dirty="0" err="1" smtClean="0"/>
-              <a:t>Response</a:t>
+              <a:t>Conf</a:t>
             </a:r>
             <a:r>
               <a:rPr lang="fr-FR" dirty="0" smtClean="0"/>
-              <a:t> 1e8</a:t>
+              <a:t>. 5e8</a:t>
             </a:r>
             <a:endParaRPr lang="fr-FR" dirty="0"/>
           </a:p>
@@ -16455,7 +14652,7 @@
       </p:sp>
       <p:sp>
         <p:nvSpPr>
-          <p:cNvPr id="10" name="ZoneTexte 10"/>
+          <p:cNvPr id="47" name="ZoneTexte 10"/>
           <p:cNvSpPr txBox="1"/>
           <p:nvPr/>
         </p:nvSpPr>
@@ -16498,8 +14695,8 @@
         </p:nvSpPr>
         <p:spPr>
           <a:xfrm>
-            <a:off x="3707904" y="4571836"/>
-            <a:ext cx="1872208" cy="646331"/>
+            <a:off x="990639" y="2258938"/>
+            <a:ext cx="1978543" cy="646331"/>
           </a:xfrm>
           <a:prstGeom prst="rect">
             <a:avLst/>
@@ -16512,79 +14709,39 @@
           </a:bodyPr>
           <a:lstStyle/>
           <a:p>
-            <a:pPr algn="ctr"/>
             <a:r>
               <a:rPr lang="fr-FR" dirty="0" err="1" smtClean="0"/>
-              <a:t>Dipole</a:t>
+              <a:t>x_plasma</a:t>
             </a:r>
             <a:r>
               <a:rPr lang="fr-FR" dirty="0" smtClean="0"/>
-              <a:t> </a:t>
-            </a:r>
-            <a:r>
-              <a:rPr lang="fr-FR" dirty="0" err="1" smtClean="0"/>
-              <a:t>phasing</a:t>
-            </a:r>
-            <a:endParaRPr lang="fr-FR" dirty="0" smtClean="0"/>
-          </a:p>
-          <a:p>
-            <a:pPr algn="ctr"/>
+              <a:t>=0.01</a:t>
+            </a:r>
+          </a:p>
+          <a:p>
             <a:r>
               <a:rPr lang="fr-FR" dirty="0" smtClean="0"/>
-              <a:t>Z</a:t>
-            </a:r>
-            <a:r>
-              <a:rPr lang="fr-FR" baseline="-25000" dirty="0" smtClean="0"/>
-              <a:t>A</a:t>
-            </a:r>
-            <a:r>
-              <a:rPr lang="fr-FR" dirty="0" smtClean="0"/>
-              <a:t>=R</a:t>
-            </a:r>
-            <a:r>
-              <a:rPr lang="fr-FR" baseline="-25000" dirty="0" smtClean="0"/>
-              <a:t>A3</a:t>
-            </a:r>
-            <a:r>
-              <a:rPr lang="fr-FR" dirty="0" smtClean="0"/>
-              <a:t>+iX</a:t>
-            </a:r>
-            <a:r>
-              <a:rPr lang="fr-FR" baseline="-25000" dirty="0" smtClean="0"/>
-              <a:t>A3</a:t>
-            </a:r>
-          </a:p>
-        </p:txBody>
-      </p:sp>
-      <p:sp>
-        <p:nvSpPr>
-          <p:cNvPr id="13" name="ZoneTexte 10"/>
+              <a:t>n_e0=5e18</a:t>
+            </a:r>
+          </a:p>
+        </p:txBody>
+      </p:sp>
+      <p:sp>
+        <p:nvSpPr>
+          <p:cNvPr id="12" name="ZoneTexte 10"/>
           <p:cNvSpPr txBox="1"/>
           <p:nvPr/>
         </p:nvSpPr>
         <p:spPr>
           <a:xfrm>
-            <a:off x="3441296" y="3574757"/>
-            <a:ext cx="2261408" cy="523220"/>
-          </a:xfrm>
-          <a:prstGeom prst="rect">
-            <a:avLst/>
-          </a:prstGeom>
-        </p:spPr>
-        <p:style>
-          <a:lnRef idx="2">
-            <a:schemeClr val="accent5"/>
-          </a:lnRef>
-          <a:fillRef idx="1">
-            <a:schemeClr val="lt1"/>
-          </a:fillRef>
-          <a:effectRef idx="0">
-            <a:schemeClr val="accent5"/>
-          </a:effectRef>
-          <a:fontRef idx="minor">
-            <a:schemeClr val="dk1"/>
-          </a:fontRef>
-        </p:style>
+            <a:off x="3936876" y="2348880"/>
+            <a:ext cx="1414264" cy="307777"/>
+          </a:xfrm>
+          <a:prstGeom prst="rect">
+            <a:avLst/>
+          </a:prstGeom>
+          <a:noFill/>
+        </p:spPr>
         <p:txBody>
           <a:bodyPr wrap="square" rtlCol="0">
             <a:spAutoFit/>
@@ -16594,61 +14751,7 @@
             <a:pPr algn="ctr"/>
             <a:r>
               <a:rPr lang="fr-FR" sz="1400" dirty="0" smtClean="0"/>
-              <a:t>Z</a:t>
-            </a:r>
-            <a:r>
-              <a:rPr lang="fr-FR" sz="1400" baseline="-25000" dirty="0" smtClean="0"/>
-              <a:t>11</a:t>
-            </a:r>
-            <a:r>
-              <a:rPr lang="fr-FR" sz="1400" dirty="0" smtClean="0"/>
-              <a:t>=(2.0-i128.4)ohm/m</a:t>
-            </a:r>
-          </a:p>
-          <a:p>
-            <a:pPr algn="ctr"/>
-            <a:r>
-              <a:rPr lang="fr-FR" sz="1400" dirty="0"/>
-              <a:t>Z</a:t>
-            </a:r>
-            <a:r>
-              <a:rPr lang="fr-FR" sz="1400" baseline="-25000" dirty="0"/>
-              <a:t>21</a:t>
-            </a:r>
-            <a:r>
-              <a:rPr lang="fr-FR" sz="1400" dirty="0" smtClean="0"/>
-              <a:t>=(2.0-i24.7)ohm/m</a:t>
-            </a:r>
-            <a:endParaRPr lang="fr-FR" sz="1400" baseline="-25000" dirty="0"/>
-          </a:p>
-        </p:txBody>
-      </p:sp>
-      <p:sp>
-        <p:nvSpPr>
-          <p:cNvPr id="12" name="ZoneTexte 10"/>
-          <p:cNvSpPr txBox="1"/>
-          <p:nvPr/>
-        </p:nvSpPr>
-        <p:spPr>
-          <a:xfrm>
-            <a:off x="3936876" y="2348880"/>
-            <a:ext cx="1414264" cy="307777"/>
-          </a:xfrm>
-          <a:prstGeom prst="rect">
-            <a:avLst/>
-          </a:prstGeom>
-          <a:noFill/>
-        </p:spPr>
-        <p:txBody>
-          <a:bodyPr wrap="square" rtlCol="0">
-            <a:spAutoFit/>
-          </a:bodyPr>
-          <a:lstStyle/>
-          <a:p>
-            <a:pPr algn="ctr"/>
-            <a:r>
-              <a:rPr lang="fr-FR" sz="1400" dirty="0" smtClean="0"/>
-              <a:t>n_e0=1e18</a:t>
+              <a:t>n_e0=5e18</a:t>
             </a:r>
           </a:p>
         </p:txBody>
@@ -16656,7 +14759,7 @@
     </p:spTree>
     <p:extLst>
       <p:ext uri="{BB962C8B-B14F-4D97-AF65-F5344CB8AC3E}">
-        <p14:creationId xmlns:p14="http://schemas.microsoft.com/office/powerpoint/2010/main" val="2422714818"/>
+        <p14:creationId xmlns:p14="http://schemas.microsoft.com/office/powerpoint/2010/main" val="3387850196"/>
       </p:ext>
     </p:extLst>
   </p:cSld>
